--- a/docs/assets/TitaniumFlows.pptx
+++ b/docs/assets/TitaniumFlows.pptx
@@ -25,6 +25,8 @@
     <p:sldId id="268" r:id="rId19"/>
     <p:sldId id="270" r:id="rId20"/>
     <p:sldId id="271" r:id="rId21"/>
+    <p:sldId id="276" r:id="rId22"/>
+    <p:sldId id="277" r:id="rId23"/>
   </p:sldIdLst>
   <p:sldSz cx="12192000" cy="11520488"/>
   <p:notesSz cx="6858000" cy="9144000"/>
@@ -203,7 +205,7 @@
           <a:graphicData uri="http://schemas.openxmlformats.org/presentationml/2006/ole">
             <mc:AlternateContent xmlns:mc="http://schemas.openxmlformats.org/markup-compatibility/2006">
               <mc:Choice xmlns:v="urn:schemas-microsoft-com:vml" Requires="v">
-                <p:oleObj spid="_x0000_s2112" name="think-cell Slide" r:id="rId5" imgW="270" imgH="270" progId="TCLayout.ActiveDocument.1">
+                <p:oleObj spid="_x0000_s2113" name="think-cell Slide" r:id="rId5" imgW="270" imgH="270" progId="TCLayout.ActiveDocument.1">
                   <p:embed/>
                 </p:oleObj>
               </mc:Choice>
@@ -385,7 +387,7 @@
           <a:p>
             <a:fld id="{B56E8790-EF43-4195-82DA-4A26D543E504}" type="datetimeFigureOut">
               <a:rPr lang="en-GB" smtClean="0"/>
-              <a:t>13/11/2019</a:t>
+              <a:t>15/11/2019</a:t>
             </a:fld>
             <a:endParaRPr lang="en-GB" dirty="0"/>
           </a:p>
@@ -483,7 +485,7 @@
           <a:graphicData uri="http://schemas.openxmlformats.org/presentationml/2006/ole">
             <mc:AlternateContent xmlns:mc="http://schemas.openxmlformats.org/markup-compatibility/2006">
               <mc:Choice xmlns:v="urn:schemas-microsoft-com:vml" Requires="v">
-                <p:oleObj spid="_x0000_s9342" name="think-cell Slide" r:id="rId5" imgW="270" imgH="270" progId="TCLayout.ActiveDocument.1">
+                <p:oleObj spid="_x0000_s9344" name="think-cell Slide" r:id="rId5" imgW="270" imgH="270" progId="TCLayout.ActiveDocument.1">
                   <p:embed/>
                 </p:oleObj>
               </mc:Choice>
@@ -597,7 +599,7 @@
           <a:p>
             <a:fld id="{B56E8790-EF43-4195-82DA-4A26D543E504}" type="datetimeFigureOut">
               <a:rPr lang="en-GB" smtClean="0"/>
-              <a:t>13/11/2019</a:t>
+              <a:t>15/11/2019</a:t>
             </a:fld>
             <a:endParaRPr lang="en-GB" dirty="0"/>
           </a:p>
@@ -1191,7 +1193,7 @@
           <a:graphicData uri="http://schemas.openxmlformats.org/presentationml/2006/ole">
             <mc:AlternateContent xmlns:mc="http://schemas.openxmlformats.org/markup-compatibility/2006">
               <mc:Choice xmlns:v="urn:schemas-microsoft-com:vml" Requires="v">
-                <p:oleObj spid="_x0000_s9343" name="think-cell Slide" r:id="rId7" imgW="270" imgH="270" progId="TCLayout.ActiveDocument.1">
+                <p:oleObj spid="_x0000_s9345" name="think-cell Slide" r:id="rId7" imgW="270" imgH="270" progId="TCLayout.ActiveDocument.1">
                   <p:embed/>
                 </p:oleObj>
               </mc:Choice>
@@ -1496,7 +1498,7 @@
           <a:graphicData uri="http://schemas.openxmlformats.org/presentationml/2006/ole">
             <mc:AlternateContent xmlns:mc="http://schemas.openxmlformats.org/markup-compatibility/2006">
               <mc:Choice xmlns:v="urn:schemas-microsoft-com:vml" Requires="v">
-                <p:oleObj spid="_x0000_s10366" name="think-cell Slide" r:id="rId5" imgW="270" imgH="270" progId="TCLayout.ActiveDocument.1">
+                <p:oleObj spid="_x0000_s10368" name="think-cell Slide" r:id="rId5" imgW="270" imgH="270" progId="TCLayout.ActiveDocument.1">
                   <p:embed/>
                 </p:oleObj>
               </mc:Choice>
@@ -1561,7 +1563,7 @@
           <a:p>
             <a:fld id="{B56E8790-EF43-4195-82DA-4A26D543E504}" type="datetimeFigureOut">
               <a:rPr lang="en-GB" smtClean="0"/>
-              <a:t>13/11/2019</a:t>
+              <a:t>15/11/2019</a:t>
             </a:fld>
             <a:endParaRPr lang="en-GB" dirty="0"/>
           </a:p>
@@ -1947,7 +1949,7 @@
           <a:graphicData uri="http://schemas.openxmlformats.org/presentationml/2006/ole">
             <mc:AlternateContent xmlns:mc="http://schemas.openxmlformats.org/markup-compatibility/2006">
               <mc:Choice xmlns:v="urn:schemas-microsoft-com:vml" Requires="v">
-                <p:oleObj spid="_x0000_s10367" name="think-cell Slide" r:id="rId8" imgW="270" imgH="270" progId="TCLayout.ActiveDocument.1">
+                <p:oleObj spid="_x0000_s10369" name="think-cell Slide" r:id="rId8" imgW="270" imgH="270" progId="TCLayout.ActiveDocument.1">
                   <p:embed/>
                 </p:oleObj>
               </mc:Choice>
@@ -2214,7 +2216,7 @@
           <a:graphicData uri="http://schemas.openxmlformats.org/presentationml/2006/ole">
             <mc:AlternateContent xmlns:mc="http://schemas.openxmlformats.org/markup-compatibility/2006">
               <mc:Choice xmlns:v="urn:schemas-microsoft-com:vml" Requires="v">
-                <p:oleObj spid="_x0000_s11328" name="think-cell Slide" r:id="rId4" imgW="270" imgH="270" progId="TCLayout.ActiveDocument.1">
+                <p:oleObj spid="_x0000_s11329" name="think-cell Slide" r:id="rId4" imgW="270" imgH="270" progId="TCLayout.ActiveDocument.1">
                   <p:embed/>
                 </p:oleObj>
               </mc:Choice>
@@ -2271,7 +2273,7 @@
           <a:p>
             <a:fld id="{B56E8790-EF43-4195-82DA-4A26D543E504}" type="datetimeFigureOut">
               <a:rPr lang="en-GB" smtClean="0"/>
-              <a:t>13/11/2019</a:t>
+              <a:t>15/11/2019</a:t>
             </a:fld>
             <a:endParaRPr lang="en-GB" dirty="0"/>
           </a:p>
@@ -2661,7 +2663,7 @@
           <a:graphicData uri="http://schemas.openxmlformats.org/presentationml/2006/ole">
             <mc:AlternateContent xmlns:mc="http://schemas.openxmlformats.org/markup-compatibility/2006">
               <mc:Choice xmlns:v="urn:schemas-microsoft-com:vml" Requires="v">
-                <p:oleObj spid="_x0000_s12352" name="think-cell Slide" r:id="rId4" imgW="270" imgH="270" progId="TCLayout.ActiveDocument.1">
+                <p:oleObj spid="_x0000_s12353" name="think-cell Slide" r:id="rId4" imgW="270" imgH="270" progId="TCLayout.ActiveDocument.1">
                   <p:embed/>
                 </p:oleObj>
               </mc:Choice>
@@ -2718,7 +2720,7 @@
           <a:p>
             <a:fld id="{B56E8790-EF43-4195-82DA-4A26D543E504}" type="datetimeFigureOut">
               <a:rPr lang="en-GB" smtClean="0"/>
-              <a:t>13/11/2019</a:t>
+              <a:t>15/11/2019</a:t>
             </a:fld>
             <a:endParaRPr lang="en-GB" dirty="0"/>
           </a:p>
@@ -3270,7 +3272,7 @@
           <a:graphicData uri="http://schemas.openxmlformats.org/presentationml/2006/ole">
             <mc:AlternateContent xmlns:mc="http://schemas.openxmlformats.org/markup-compatibility/2006">
               <mc:Choice xmlns:v="urn:schemas-microsoft-com:vml" Requires="v">
-                <p:oleObj spid="_x0000_s13376" name="think-cell Slide" r:id="rId4" imgW="270" imgH="270" progId="TCLayout.ActiveDocument.1">
+                <p:oleObj spid="_x0000_s13377" name="think-cell Slide" r:id="rId4" imgW="270" imgH="270" progId="TCLayout.ActiveDocument.1">
                   <p:embed/>
                 </p:oleObj>
               </mc:Choice>
@@ -3327,7 +3329,7 @@
           <a:p>
             <a:fld id="{B56E8790-EF43-4195-82DA-4A26D543E504}" type="datetimeFigureOut">
               <a:rPr lang="en-GB" smtClean="0"/>
-              <a:t>13/11/2019</a:t>
+              <a:t>15/11/2019</a:t>
             </a:fld>
             <a:endParaRPr lang="en-GB" dirty="0"/>
           </a:p>
@@ -3879,7 +3881,7 @@
           <a:graphicData uri="http://schemas.openxmlformats.org/presentationml/2006/ole">
             <mc:AlternateContent xmlns:mc="http://schemas.openxmlformats.org/markup-compatibility/2006">
               <mc:Choice xmlns:v="urn:schemas-microsoft-com:vml" Requires="v">
-                <p:oleObj spid="_x0000_s14400" name="think-cell Slide" r:id="rId4" imgW="270" imgH="270" progId="TCLayout.ActiveDocument.1">
+                <p:oleObj spid="_x0000_s14401" name="think-cell Slide" r:id="rId4" imgW="270" imgH="270" progId="TCLayout.ActiveDocument.1">
                   <p:embed/>
                 </p:oleObj>
               </mc:Choice>
@@ -3936,7 +3938,7 @@
           <a:p>
             <a:fld id="{B56E8790-EF43-4195-82DA-4A26D543E504}" type="datetimeFigureOut">
               <a:rPr lang="en-GB" smtClean="0"/>
-              <a:t>13/11/2019</a:t>
+              <a:t>15/11/2019</a:t>
             </a:fld>
             <a:endParaRPr lang="en-GB" dirty="0"/>
           </a:p>
@@ -4488,7 +4490,7 @@
           <a:graphicData uri="http://schemas.openxmlformats.org/presentationml/2006/ole">
             <mc:AlternateContent xmlns:mc="http://schemas.openxmlformats.org/markup-compatibility/2006">
               <mc:Choice xmlns:v="urn:schemas-microsoft-com:vml" Requires="v">
-                <p:oleObj spid="_x0000_s15424" name="think-cell Slide" r:id="rId4" imgW="270" imgH="270" progId="TCLayout.ActiveDocument.1">
+                <p:oleObj spid="_x0000_s15425" name="think-cell Slide" r:id="rId4" imgW="270" imgH="270" progId="TCLayout.ActiveDocument.1">
                   <p:embed/>
                 </p:oleObj>
               </mc:Choice>
@@ -4545,7 +4547,7 @@
           <a:p>
             <a:fld id="{B56E8790-EF43-4195-82DA-4A26D543E504}" type="datetimeFigureOut">
               <a:rPr lang="en-GB" smtClean="0"/>
-              <a:t>13/11/2019</a:t>
+              <a:t>15/11/2019</a:t>
             </a:fld>
             <a:endParaRPr lang="en-GB" dirty="0"/>
           </a:p>
@@ -5097,7 +5099,7 @@
           <a:graphicData uri="http://schemas.openxmlformats.org/presentationml/2006/ole">
             <mc:AlternateContent xmlns:mc="http://schemas.openxmlformats.org/markup-compatibility/2006">
               <mc:Choice xmlns:v="urn:schemas-microsoft-com:vml" Requires="v">
-                <p:oleObj spid="_x0000_s16448" name="think-cell Slide" r:id="rId4" imgW="270" imgH="270" progId="TCLayout.ActiveDocument.1">
+                <p:oleObj spid="_x0000_s16449" name="think-cell Slide" r:id="rId4" imgW="270" imgH="270" progId="TCLayout.ActiveDocument.1">
                   <p:embed/>
                 </p:oleObj>
               </mc:Choice>
@@ -5154,7 +5156,7 @@
           <a:p>
             <a:fld id="{B56E8790-EF43-4195-82DA-4A26D543E504}" type="datetimeFigureOut">
               <a:rPr lang="en-GB" smtClean="0"/>
-              <a:t>13/11/2019</a:t>
+              <a:t>15/11/2019</a:t>
             </a:fld>
             <a:endParaRPr lang="en-GB" dirty="0"/>
           </a:p>
@@ -5706,7 +5708,7 @@
           <a:graphicData uri="http://schemas.openxmlformats.org/presentationml/2006/ole">
             <mc:AlternateContent xmlns:mc="http://schemas.openxmlformats.org/markup-compatibility/2006">
               <mc:Choice xmlns:v="urn:schemas-microsoft-com:vml" Requires="v">
-                <p:oleObj spid="_x0000_s17472" name="think-cell Slide" r:id="rId4" imgW="270" imgH="270" progId="TCLayout.ActiveDocument.1">
+                <p:oleObj spid="_x0000_s17473" name="think-cell Slide" r:id="rId4" imgW="270" imgH="270" progId="TCLayout.ActiveDocument.1">
                   <p:embed/>
                 </p:oleObj>
               </mc:Choice>
@@ -5763,7 +5765,7 @@
           <a:p>
             <a:fld id="{B56E8790-EF43-4195-82DA-4A26D543E504}" type="datetimeFigureOut">
               <a:rPr lang="en-GB" smtClean="0"/>
-              <a:t>13/11/2019</a:t>
+              <a:t>15/11/2019</a:t>
             </a:fld>
             <a:endParaRPr lang="en-GB" dirty="0"/>
           </a:p>
@@ -6408,7 +6410,7 @@
           <a:p>
             <a:fld id="{B56E8790-EF43-4195-82DA-4A26D543E504}" type="datetimeFigureOut">
               <a:rPr lang="en-GB" smtClean="0"/>
-              <a:t>13/11/2019</a:t>
+              <a:t>15/11/2019</a:t>
             </a:fld>
             <a:endParaRPr lang="en-GB" dirty="0"/>
           </a:p>
@@ -6519,7 +6521,7 @@
           <a:graphicData uri="http://schemas.openxmlformats.org/presentationml/2006/ole">
             <mc:AlternateContent xmlns:mc="http://schemas.openxmlformats.org/markup-compatibility/2006">
               <mc:Choice xmlns:v="urn:schemas-microsoft-com:vml" Requires="v">
-                <p:oleObj spid="_x0000_s3136" name="think-cell Slide" r:id="rId4" imgW="270" imgH="270" progId="TCLayout.ActiveDocument.1">
+                <p:oleObj spid="_x0000_s3137" name="think-cell Slide" r:id="rId4" imgW="270" imgH="270" progId="TCLayout.ActiveDocument.1">
                   <p:embed/>
                 </p:oleObj>
               </mc:Choice>
@@ -6668,7 +6670,7 @@
           <a:p>
             <a:fld id="{B56E8790-EF43-4195-82DA-4A26D543E504}" type="datetimeFigureOut">
               <a:rPr lang="en-GB" smtClean="0"/>
-              <a:t>13/11/2019</a:t>
+              <a:t>15/11/2019</a:t>
             </a:fld>
             <a:endParaRPr lang="en-GB" dirty="0"/>
           </a:p>
@@ -6833,7 +6835,7 @@
           <a:graphicData uri="http://schemas.openxmlformats.org/presentationml/2006/ole">
             <mc:AlternateContent xmlns:mc="http://schemas.openxmlformats.org/markup-compatibility/2006">
               <mc:Choice xmlns:v="urn:schemas-microsoft-com:vml" Requires="v">
-                <p:oleObj spid="_x0000_s19520" name="think-cell Slide" r:id="rId5" imgW="270" imgH="270" progId="TCLayout.ActiveDocument.1">
+                <p:oleObj spid="_x0000_s19521" name="think-cell Slide" r:id="rId5" imgW="270" imgH="270" progId="TCLayout.ActiveDocument.1">
                   <p:embed/>
                 </p:oleObj>
               </mc:Choice>
@@ -7016,7 +7018,7 @@
             <a:fld id="{FD5A4159-1C9D-4C23-8DBB-0FD5BF49F859}" type="datetime1">
               <a:rPr lang="en-GB" smtClean="0"/>
               <a:pPr/>
-              <a:t>13/11/2019</a:t>
+              <a:t>15/11/2019</a:t>
             </a:fld>
             <a:endParaRPr lang="en-GB" dirty="0"/>
           </a:p>
@@ -7110,7 +7112,7 @@
           <a:graphicData uri="http://schemas.openxmlformats.org/presentationml/2006/ole">
             <mc:AlternateContent xmlns:mc="http://schemas.openxmlformats.org/markup-compatibility/2006">
               <mc:Choice xmlns:v="urn:schemas-microsoft-com:vml" Requires="v">
-                <p:oleObj spid="_x0000_s20544" name="think-cell Slide" r:id="rId4" imgW="270" imgH="270" progId="TCLayout.ActiveDocument.1">
+                <p:oleObj spid="_x0000_s20545" name="think-cell Slide" r:id="rId4" imgW="270" imgH="270" progId="TCLayout.ActiveDocument.1">
                   <p:embed/>
                 </p:oleObj>
               </mc:Choice>
@@ -7260,7 +7262,7 @@
             <a:fld id="{461D2423-DC7C-4239-9F6A-F74AADFD9F8E}" type="datetime1">
               <a:rPr lang="en-GB" smtClean="0"/>
               <a:pPr/>
-              <a:t>13/11/2019</a:t>
+              <a:t>15/11/2019</a:t>
             </a:fld>
             <a:endParaRPr lang="en-GB" dirty="0"/>
           </a:p>
@@ -7434,7 +7436,7 @@
             <a:fld id="{84F482FB-B023-4CBB-8046-4D830E895C90}" type="datetime1">
               <a:rPr lang="en-GB" smtClean="0"/>
               <a:pPr/>
-              <a:t>13/11/2019</a:t>
+              <a:t>15/11/2019</a:t>
             </a:fld>
             <a:endParaRPr lang="en-GB" dirty="0"/>
           </a:p>
@@ -7708,7 +7710,7 @@
           <a:graphicData uri="http://schemas.openxmlformats.org/presentationml/2006/ole">
             <mc:AlternateContent xmlns:mc="http://schemas.openxmlformats.org/markup-compatibility/2006">
               <mc:Choice xmlns:v="urn:schemas-microsoft-com:vml" Requires="v">
-                <p:oleObj spid="_x0000_s21568" name="think-cell Slide" r:id="rId4" imgW="270" imgH="270" progId="TCLayout.ActiveDocument.1">
+                <p:oleObj spid="_x0000_s21569" name="think-cell Slide" r:id="rId4" imgW="270" imgH="270" progId="TCLayout.ActiveDocument.1">
                   <p:embed/>
                 </p:oleObj>
               </mc:Choice>
@@ -7867,7 +7869,7 @@
             <a:fld id="{F26DF438-9CC2-4A49-A657-78DE437E5C5C}" type="datetime1">
               <a:rPr lang="en-GB" smtClean="0"/>
               <a:pPr/>
-              <a:t>13/11/2019</a:t>
+              <a:t>15/11/2019</a:t>
             </a:fld>
             <a:endParaRPr lang="en-GB" dirty="0"/>
           </a:p>
@@ -8262,7 +8264,7 @@
           <a:graphicData uri="http://schemas.openxmlformats.org/presentationml/2006/ole">
             <mc:AlternateContent xmlns:mc="http://schemas.openxmlformats.org/markup-compatibility/2006">
               <mc:Choice xmlns:v="urn:schemas-microsoft-com:vml" Requires="v">
-                <p:oleObj spid="_x0000_s22592" name="think-cell Slide" r:id="rId4" imgW="270" imgH="270" progId="TCLayout.ActiveDocument.1">
+                <p:oleObj spid="_x0000_s22593" name="think-cell Slide" r:id="rId4" imgW="270" imgH="270" progId="TCLayout.ActiveDocument.1">
                   <p:embed/>
                 </p:oleObj>
               </mc:Choice>
@@ -8328,7 +8330,7 @@
             <a:fld id="{A960169C-9E24-485A-B7A8-19D9A23B43F5}" type="datetime1">
               <a:rPr lang="en-GB" smtClean="0"/>
               <a:pPr/>
-              <a:t>13/11/2019</a:t>
+              <a:t>15/11/2019</a:t>
             </a:fld>
             <a:endParaRPr lang="en-GB" dirty="0"/>
           </a:p>
@@ -8870,7 +8872,7 @@
           <a:graphicData uri="http://schemas.openxmlformats.org/presentationml/2006/ole">
             <mc:AlternateContent xmlns:mc="http://schemas.openxmlformats.org/markup-compatibility/2006">
               <mc:Choice xmlns:v="urn:schemas-microsoft-com:vml" Requires="v">
-                <p:oleObj spid="_x0000_s23678" name="think-cell Slide" r:id="rId5" imgW="270" imgH="270" progId="TCLayout.ActiveDocument.1">
+                <p:oleObj spid="_x0000_s23680" name="think-cell Slide" r:id="rId5" imgW="270" imgH="270" progId="TCLayout.ActiveDocument.1">
                   <p:embed/>
                 </p:oleObj>
               </mc:Choice>
@@ -9122,7 +9124,7 @@
             <a:fld id="{0DD20B1F-20AE-4F8D-832A-F732FDE213D5}" type="datetime1">
               <a:rPr lang="en-GB" smtClean="0"/>
               <a:pPr/>
-              <a:t>13/11/2019</a:t>
+              <a:t>15/11/2019</a:t>
             </a:fld>
             <a:endParaRPr lang="en-GB" dirty="0"/>
           </a:p>
@@ -9193,7 +9195,7 @@
           <a:graphicData uri="http://schemas.openxmlformats.org/presentationml/2006/ole">
             <mc:AlternateContent xmlns:mc="http://schemas.openxmlformats.org/markup-compatibility/2006">
               <mc:Choice xmlns:v="urn:schemas-microsoft-com:vml" Requires="v">
-                <p:oleObj spid="_x0000_s23679" name="think-cell Slide" r:id="rId7" imgW="270" imgH="270" progId="TCLayout.ActiveDocument.1">
+                <p:oleObj spid="_x0000_s23681" name="think-cell Slide" r:id="rId7" imgW="270" imgH="270" progId="TCLayout.ActiveDocument.1">
                   <p:embed/>
                 </p:oleObj>
               </mc:Choice>
@@ -9491,7 +9493,7 @@
             <a:fld id="{0DD20B1F-20AE-4F8D-832A-F732FDE213D5}" type="datetime1">
               <a:rPr lang="en-GB" smtClean="0"/>
               <a:pPr/>
-              <a:t>13/11/2019</a:t>
+              <a:t>15/11/2019</a:t>
             </a:fld>
             <a:endParaRPr lang="en-GB" dirty="0"/>
           </a:p>
@@ -9980,7 +9982,7 @@
           <a:graphicData uri="http://schemas.openxmlformats.org/presentationml/2006/ole">
             <mc:AlternateContent xmlns:mc="http://schemas.openxmlformats.org/markup-compatibility/2006">
               <mc:Choice xmlns:v="urn:schemas-microsoft-com:vml" Requires="v">
-                <p:oleObj spid="_x0000_s24702" name="think-cell Slide" r:id="rId5" imgW="270" imgH="270" progId="TCLayout.ActiveDocument.1">
+                <p:oleObj spid="_x0000_s24704" name="think-cell Slide" r:id="rId5" imgW="270" imgH="270" progId="TCLayout.ActiveDocument.1">
                   <p:embed/>
                 </p:oleObj>
               </mc:Choice>
@@ -10046,7 +10048,7 @@
             <a:fld id="{D07952D7-4E08-421B-9537-2EE112E32DE3}" type="datetime1">
               <a:rPr lang="en-GB" smtClean="0"/>
               <a:pPr/>
-              <a:t>13/11/2019</a:t>
+              <a:t>15/11/2019</a:t>
             </a:fld>
             <a:endParaRPr lang="en-GB" dirty="0"/>
           </a:p>
@@ -10401,7 +10403,7 @@
           <a:graphicData uri="http://schemas.openxmlformats.org/presentationml/2006/ole">
             <mc:AlternateContent xmlns:mc="http://schemas.openxmlformats.org/markup-compatibility/2006">
               <mc:Choice xmlns:v="urn:schemas-microsoft-com:vml" Requires="v">
-                <p:oleObj spid="_x0000_s24703" name="think-cell Slide" r:id="rId7" imgW="270" imgH="270" progId="TCLayout.ActiveDocument.1">
+                <p:oleObj spid="_x0000_s24705" name="think-cell Slide" r:id="rId7" imgW="270" imgH="270" progId="TCLayout.ActiveDocument.1">
                   <p:embed/>
                 </p:oleObj>
               </mc:Choice>
@@ -10689,7 +10691,7 @@
           <a:graphicData uri="http://schemas.openxmlformats.org/presentationml/2006/ole">
             <mc:AlternateContent xmlns:mc="http://schemas.openxmlformats.org/markup-compatibility/2006">
               <mc:Choice xmlns:v="urn:schemas-microsoft-com:vml" Requires="v">
-                <p:oleObj spid="_x0000_s25726" name="think-cell Slide" r:id="rId5" imgW="270" imgH="270" progId="TCLayout.ActiveDocument.1">
+                <p:oleObj spid="_x0000_s25728" name="think-cell Slide" r:id="rId5" imgW="270" imgH="270" progId="TCLayout.ActiveDocument.1">
                   <p:embed/>
                 </p:oleObj>
               </mc:Choice>
@@ -10755,7 +10757,7 @@
             <a:fld id="{D07952D7-4E08-421B-9537-2EE112E32DE3}" type="datetime1">
               <a:rPr lang="en-GB" smtClean="0"/>
               <a:pPr/>
-              <a:t>13/11/2019</a:t>
+              <a:t>15/11/2019</a:t>
             </a:fld>
             <a:endParaRPr lang="en-GB" dirty="0"/>
           </a:p>
@@ -11110,7 +11112,7 @@
           <a:graphicData uri="http://schemas.openxmlformats.org/presentationml/2006/ole">
             <mc:AlternateContent xmlns:mc="http://schemas.openxmlformats.org/markup-compatibility/2006">
               <mc:Choice xmlns:v="urn:schemas-microsoft-com:vml" Requires="v">
-                <p:oleObj spid="_x0000_s25727" name="think-cell Slide" r:id="rId7" imgW="270" imgH="270" progId="TCLayout.ActiveDocument.1">
+                <p:oleObj spid="_x0000_s25729" name="think-cell Slide" r:id="rId7" imgW="270" imgH="270" progId="TCLayout.ActiveDocument.1">
                   <p:embed/>
                 </p:oleObj>
               </mc:Choice>
@@ -11403,7 +11405,7 @@
           <a:graphicData uri="http://schemas.openxmlformats.org/presentationml/2006/ole">
             <mc:AlternateContent xmlns:mc="http://schemas.openxmlformats.org/markup-compatibility/2006">
               <mc:Choice xmlns:v="urn:schemas-microsoft-com:vml" Requires="v">
-                <p:oleObj spid="_x0000_s26750" name="think-cell Slide" r:id="rId5" imgW="270" imgH="270" progId="TCLayout.ActiveDocument.1">
+                <p:oleObj spid="_x0000_s26752" name="think-cell Slide" r:id="rId5" imgW="270" imgH="270" progId="TCLayout.ActiveDocument.1">
                   <p:embed/>
                 </p:oleObj>
               </mc:Choice>
@@ -11518,7 +11520,7 @@
             <a:fld id="{D07952D7-4E08-421B-9537-2EE112E32DE3}" type="datetime1">
               <a:rPr lang="en-GB" smtClean="0"/>
               <a:pPr/>
-              <a:t>13/11/2019</a:t>
+              <a:t>15/11/2019</a:t>
             </a:fld>
             <a:endParaRPr lang="en-GB" dirty="0"/>
           </a:p>
@@ -12108,7 +12110,7 @@
           <a:graphicData uri="http://schemas.openxmlformats.org/presentationml/2006/ole">
             <mc:AlternateContent xmlns:mc="http://schemas.openxmlformats.org/markup-compatibility/2006">
               <mc:Choice xmlns:v="urn:schemas-microsoft-com:vml" Requires="v">
-                <p:oleObj spid="_x0000_s26751" name="think-cell Slide" r:id="rId7" imgW="270" imgH="270" progId="TCLayout.ActiveDocument.1">
+                <p:oleObj spid="_x0000_s26753" name="think-cell Slide" r:id="rId7" imgW="270" imgH="270" progId="TCLayout.ActiveDocument.1">
                   <p:embed/>
                 </p:oleObj>
               </mc:Choice>
@@ -12439,7 +12441,7 @@
           <a:p>
             <a:fld id="{B56E8790-EF43-4195-82DA-4A26D543E504}" type="datetimeFigureOut">
               <a:rPr lang="en-GB" smtClean="0"/>
-              <a:t>13/11/2019</a:t>
+              <a:t>15/11/2019</a:t>
             </a:fld>
             <a:endParaRPr lang="en-GB" dirty="0"/>
           </a:p>
@@ -12721,7 +12723,7 @@
           <a:graphicData uri="http://schemas.openxmlformats.org/presentationml/2006/ole">
             <mc:AlternateContent xmlns:mc="http://schemas.openxmlformats.org/markup-compatibility/2006">
               <mc:Choice xmlns:v="urn:schemas-microsoft-com:vml" Requires="v">
-                <p:oleObj spid="_x0000_s27774" name="think-cell Slide" r:id="rId5" imgW="270" imgH="270" progId="TCLayout.ActiveDocument.1">
+                <p:oleObj spid="_x0000_s27776" name="think-cell Slide" r:id="rId5" imgW="270" imgH="270" progId="TCLayout.ActiveDocument.1">
                   <p:embed/>
                 </p:oleObj>
               </mc:Choice>
@@ -12787,7 +12789,7 @@
             <a:fld id="{10E7BC8F-BFD3-4858-915D-99D9576C8415}" type="datetime1">
               <a:rPr lang="en-GB" smtClean="0"/>
               <a:pPr/>
-              <a:t>13/11/2019</a:t>
+              <a:t>15/11/2019</a:t>
             </a:fld>
             <a:endParaRPr lang="en-GB" dirty="0"/>
           </a:p>
@@ -13169,7 +13171,7 @@
           <a:graphicData uri="http://schemas.openxmlformats.org/presentationml/2006/ole">
             <mc:AlternateContent xmlns:mc="http://schemas.openxmlformats.org/markup-compatibility/2006">
               <mc:Choice xmlns:v="urn:schemas-microsoft-com:vml" Requires="v">
-                <p:oleObj spid="_x0000_s27775" name="think-cell Slide" r:id="rId8" imgW="270" imgH="270" progId="TCLayout.ActiveDocument.1">
+                <p:oleObj spid="_x0000_s27777" name="think-cell Slide" r:id="rId8" imgW="270" imgH="270" progId="TCLayout.ActiveDocument.1">
                   <p:embed/>
                 </p:oleObj>
               </mc:Choice>
@@ -13458,7 +13460,7 @@
           <a:graphicData uri="http://schemas.openxmlformats.org/presentationml/2006/ole">
             <mc:AlternateContent xmlns:mc="http://schemas.openxmlformats.org/markup-compatibility/2006">
               <mc:Choice xmlns:v="urn:schemas-microsoft-com:vml" Requires="v">
-                <p:oleObj spid="_x0000_s29760" name="think-cell Slide" r:id="rId5" imgW="270" imgH="270" progId="TCLayout.ActiveDocument.1">
+                <p:oleObj spid="_x0000_s29761" name="think-cell Slide" r:id="rId5" imgW="270" imgH="270" progId="TCLayout.ActiveDocument.1">
                   <p:embed/>
                 </p:oleObj>
               </mc:Choice>
@@ -13645,7 +13647,7 @@
                 </a:solidFill>
               </a:rPr>
               <a:pPr/>
-              <a:t>13/11/2019</a:t>
+              <a:t>15/11/2019</a:t>
             </a:fld>
             <a:endParaRPr lang="en-GB" dirty="0">
               <a:solidFill>
@@ -13747,7 +13749,7 @@
           <a:graphicData uri="http://schemas.openxmlformats.org/presentationml/2006/ole">
             <mc:AlternateContent xmlns:mc="http://schemas.openxmlformats.org/markup-compatibility/2006">
               <mc:Choice xmlns:v="urn:schemas-microsoft-com:vml" Requires="v">
-                <p:oleObj spid="_x0000_s30784" name="think-cell Slide" r:id="rId4" imgW="270" imgH="270" progId="TCLayout.ActiveDocument.1">
+                <p:oleObj spid="_x0000_s30785" name="think-cell Slide" r:id="rId4" imgW="270" imgH="270" progId="TCLayout.ActiveDocument.1">
                   <p:embed/>
                 </p:oleObj>
               </mc:Choice>
@@ -13901,7 +13903,7 @@
                 </a:solidFill>
               </a:rPr>
               <a:pPr/>
-              <a:t>13/11/2019</a:t>
+              <a:t>15/11/2019</a:t>
             </a:fld>
             <a:endParaRPr lang="en-GB" dirty="0">
               <a:solidFill>
@@ -14087,7 +14089,7 @@
                 </a:solidFill>
               </a:rPr>
               <a:pPr/>
-              <a:t>13/11/2019</a:t>
+              <a:t>15/11/2019</a:t>
             </a:fld>
             <a:endParaRPr lang="en-GB" dirty="0">
               <a:solidFill>
@@ -14369,7 +14371,7 @@
           <a:graphicData uri="http://schemas.openxmlformats.org/presentationml/2006/ole">
             <mc:AlternateContent xmlns:mc="http://schemas.openxmlformats.org/markup-compatibility/2006">
               <mc:Choice xmlns:v="urn:schemas-microsoft-com:vml" Requires="v">
-                <p:oleObj spid="_x0000_s31808" name="think-cell Slide" r:id="rId4" imgW="270" imgH="270" progId="TCLayout.ActiveDocument.1">
+                <p:oleObj spid="_x0000_s31809" name="think-cell Slide" r:id="rId4" imgW="270" imgH="270" progId="TCLayout.ActiveDocument.1">
                   <p:embed/>
                 </p:oleObj>
               </mc:Choice>
@@ -14532,7 +14534,7 @@
                 </a:solidFill>
               </a:rPr>
               <a:pPr/>
-              <a:t>13/11/2019</a:t>
+              <a:t>15/11/2019</a:t>
             </a:fld>
             <a:endParaRPr lang="en-GB" dirty="0">
               <a:solidFill>
@@ -14935,7 +14937,7 @@
           <a:graphicData uri="http://schemas.openxmlformats.org/presentationml/2006/ole">
             <mc:AlternateContent xmlns:mc="http://schemas.openxmlformats.org/markup-compatibility/2006">
               <mc:Choice xmlns:v="urn:schemas-microsoft-com:vml" Requires="v">
-                <p:oleObj spid="_x0000_s32832" name="think-cell Slide" r:id="rId4" imgW="270" imgH="270" progId="TCLayout.ActiveDocument.1">
+                <p:oleObj spid="_x0000_s32833" name="think-cell Slide" r:id="rId4" imgW="270" imgH="270" progId="TCLayout.ActiveDocument.1">
                   <p:embed/>
                 </p:oleObj>
               </mc:Choice>
@@ -15005,7 +15007,7 @@
                 </a:solidFill>
               </a:rPr>
               <a:pPr/>
-              <a:t>13/11/2019</a:t>
+              <a:t>15/11/2019</a:t>
             </a:fld>
             <a:endParaRPr lang="en-GB" dirty="0">
               <a:solidFill>
@@ -15555,7 +15557,7 @@
           <a:graphicData uri="http://schemas.openxmlformats.org/presentationml/2006/ole">
             <mc:AlternateContent xmlns:mc="http://schemas.openxmlformats.org/markup-compatibility/2006">
               <mc:Choice xmlns:v="urn:schemas-microsoft-com:vml" Requires="v">
-                <p:oleObj spid="_x0000_s33918" name="think-cell Slide" r:id="rId5" imgW="270" imgH="270" progId="TCLayout.ActiveDocument.1">
+                <p:oleObj spid="_x0000_s33920" name="think-cell Slide" r:id="rId5" imgW="270" imgH="270" progId="TCLayout.ActiveDocument.1">
                   <p:embed/>
                 </p:oleObj>
               </mc:Choice>
@@ -15811,7 +15813,7 @@
                 </a:solidFill>
               </a:rPr>
               <a:pPr/>
-              <a:t>13/11/2019</a:t>
+              <a:t>15/11/2019</a:t>
             </a:fld>
             <a:endParaRPr lang="en-GB" dirty="0">
               <a:solidFill>
@@ -15886,7 +15888,7 @@
           <a:graphicData uri="http://schemas.openxmlformats.org/presentationml/2006/ole">
             <mc:AlternateContent xmlns:mc="http://schemas.openxmlformats.org/markup-compatibility/2006">
               <mc:Choice xmlns:v="urn:schemas-microsoft-com:vml" Requires="v">
-                <p:oleObj spid="_x0000_s33919" name="think-cell Slide" r:id="rId7" imgW="270" imgH="270" progId="TCLayout.ActiveDocument.1">
+                <p:oleObj spid="_x0000_s33921" name="think-cell Slide" r:id="rId7" imgW="270" imgH="270" progId="TCLayout.ActiveDocument.1">
                   <p:embed/>
                 </p:oleObj>
               </mc:Choice>
@@ -16192,7 +16194,7 @@
                 </a:solidFill>
               </a:rPr>
               <a:pPr/>
-              <a:t>13/11/2019</a:t>
+              <a:t>15/11/2019</a:t>
             </a:fld>
             <a:endParaRPr lang="en-GB" dirty="0">
               <a:solidFill>
@@ -16689,7 +16691,7 @@
           <a:graphicData uri="http://schemas.openxmlformats.org/presentationml/2006/ole">
             <mc:AlternateContent xmlns:mc="http://schemas.openxmlformats.org/markup-compatibility/2006">
               <mc:Choice xmlns:v="urn:schemas-microsoft-com:vml" Requires="v">
-                <p:oleObj spid="_x0000_s34942" name="think-cell Slide" r:id="rId5" imgW="270" imgH="270" progId="TCLayout.ActiveDocument.1">
+                <p:oleObj spid="_x0000_s34944" name="think-cell Slide" r:id="rId5" imgW="270" imgH="270" progId="TCLayout.ActiveDocument.1">
                   <p:embed/>
                 </p:oleObj>
               </mc:Choice>
@@ -16759,7 +16761,7 @@
                 </a:solidFill>
               </a:rPr>
               <a:pPr/>
-              <a:t>13/11/2019</a:t>
+              <a:t>15/11/2019</a:t>
             </a:fld>
             <a:endParaRPr lang="en-GB" dirty="0">
               <a:solidFill>
@@ -17118,7 +17120,7 @@
           <a:graphicData uri="http://schemas.openxmlformats.org/presentationml/2006/ole">
             <mc:AlternateContent xmlns:mc="http://schemas.openxmlformats.org/markup-compatibility/2006">
               <mc:Choice xmlns:v="urn:schemas-microsoft-com:vml" Requires="v">
-                <p:oleObj spid="_x0000_s34943" name="think-cell Slide" r:id="rId7" imgW="270" imgH="270" progId="TCLayout.ActiveDocument.1">
+                <p:oleObj spid="_x0000_s34945" name="think-cell Slide" r:id="rId7" imgW="270" imgH="270" progId="TCLayout.ActiveDocument.1">
                   <p:embed/>
                 </p:oleObj>
               </mc:Choice>
@@ -17410,7 +17412,7 @@
           <a:graphicData uri="http://schemas.openxmlformats.org/presentationml/2006/ole">
             <mc:AlternateContent xmlns:mc="http://schemas.openxmlformats.org/markup-compatibility/2006">
               <mc:Choice xmlns:v="urn:schemas-microsoft-com:vml" Requires="v">
-                <p:oleObj spid="_x0000_s35966" name="think-cell Slide" r:id="rId5" imgW="270" imgH="270" progId="TCLayout.ActiveDocument.1">
+                <p:oleObj spid="_x0000_s35968" name="think-cell Slide" r:id="rId5" imgW="270" imgH="270" progId="TCLayout.ActiveDocument.1">
                   <p:embed/>
                 </p:oleObj>
               </mc:Choice>
@@ -17480,7 +17482,7 @@
                 </a:solidFill>
               </a:rPr>
               <a:pPr/>
-              <a:t>13/11/2019</a:t>
+              <a:t>15/11/2019</a:t>
             </a:fld>
             <a:endParaRPr lang="en-GB" dirty="0">
               <a:solidFill>
@@ -17839,7 +17841,7 @@
           <a:graphicData uri="http://schemas.openxmlformats.org/presentationml/2006/ole">
             <mc:AlternateContent xmlns:mc="http://schemas.openxmlformats.org/markup-compatibility/2006">
               <mc:Choice xmlns:v="urn:schemas-microsoft-com:vml" Requires="v">
-                <p:oleObj spid="_x0000_s35967" name="think-cell Slide" r:id="rId7" imgW="270" imgH="270" progId="TCLayout.ActiveDocument.1">
+                <p:oleObj spid="_x0000_s35969" name="think-cell Slide" r:id="rId7" imgW="270" imgH="270" progId="TCLayout.ActiveDocument.1">
                   <p:embed/>
                 </p:oleObj>
               </mc:Choice>
@@ -18140,7 +18142,7 @@
           <a:graphicData uri="http://schemas.openxmlformats.org/presentationml/2006/ole">
             <mc:AlternateContent xmlns:mc="http://schemas.openxmlformats.org/markup-compatibility/2006">
               <mc:Choice xmlns:v="urn:schemas-microsoft-com:vml" Requires="v">
-                <p:oleObj spid="_x0000_s4160" name="think-cell Slide" r:id="rId4" imgW="270" imgH="270" progId="TCLayout.ActiveDocument.1">
+                <p:oleObj spid="_x0000_s4161" name="think-cell Slide" r:id="rId4" imgW="270" imgH="270" progId="TCLayout.ActiveDocument.1">
                   <p:embed/>
                 </p:oleObj>
               </mc:Choice>
@@ -18298,7 +18300,7 @@
           <a:p>
             <a:fld id="{B56E8790-EF43-4195-82DA-4A26D543E504}" type="datetimeFigureOut">
               <a:rPr lang="en-GB" smtClean="0"/>
-              <a:t>13/11/2019</a:t>
+              <a:t>15/11/2019</a:t>
             </a:fld>
             <a:endParaRPr lang="en-GB" dirty="0"/>
           </a:p>
@@ -18693,7 +18695,7 @@
           <a:graphicData uri="http://schemas.openxmlformats.org/presentationml/2006/ole">
             <mc:AlternateContent xmlns:mc="http://schemas.openxmlformats.org/markup-compatibility/2006">
               <mc:Choice xmlns:v="urn:schemas-microsoft-com:vml" Requires="v">
-                <p:oleObj spid="_x0000_s36990" name="think-cell Slide" r:id="rId5" imgW="270" imgH="270" progId="TCLayout.ActiveDocument.1">
+                <p:oleObj spid="_x0000_s36992" name="think-cell Slide" r:id="rId5" imgW="270" imgH="270" progId="TCLayout.ActiveDocument.1">
                   <p:embed/>
                 </p:oleObj>
               </mc:Choice>
@@ -18812,7 +18814,7 @@
                 </a:solidFill>
               </a:rPr>
               <a:pPr/>
-              <a:t>13/11/2019</a:t>
+              <a:t>15/11/2019</a:t>
             </a:fld>
             <a:endParaRPr lang="en-GB" dirty="0">
               <a:solidFill>
@@ -19406,7 +19408,7 @@
           <a:graphicData uri="http://schemas.openxmlformats.org/presentationml/2006/ole">
             <mc:AlternateContent xmlns:mc="http://schemas.openxmlformats.org/markup-compatibility/2006">
               <mc:Choice xmlns:v="urn:schemas-microsoft-com:vml" Requires="v">
-                <p:oleObj spid="_x0000_s36991" name="think-cell Slide" r:id="rId7" imgW="270" imgH="270" progId="TCLayout.ActiveDocument.1">
+                <p:oleObj spid="_x0000_s36993" name="think-cell Slide" r:id="rId7" imgW="270" imgH="270" progId="TCLayout.ActiveDocument.1">
                   <p:embed/>
                 </p:oleObj>
               </mc:Choice>
@@ -19711,7 +19713,7 @@
           <a:graphicData uri="http://schemas.openxmlformats.org/presentationml/2006/ole">
             <mc:AlternateContent xmlns:mc="http://schemas.openxmlformats.org/markup-compatibility/2006">
               <mc:Choice xmlns:v="urn:schemas-microsoft-com:vml" Requires="v">
-                <p:oleObj spid="_x0000_s38014" name="think-cell Slide" r:id="rId5" imgW="270" imgH="270" progId="TCLayout.ActiveDocument.1">
+                <p:oleObj spid="_x0000_s38016" name="think-cell Slide" r:id="rId5" imgW="270" imgH="270" progId="TCLayout.ActiveDocument.1">
                   <p:embed/>
                 </p:oleObj>
               </mc:Choice>
@@ -19781,7 +19783,7 @@
                 </a:solidFill>
               </a:rPr>
               <a:pPr/>
-              <a:t>13/11/2019</a:t>
+              <a:t>15/11/2019</a:t>
             </a:fld>
             <a:endParaRPr lang="en-GB" dirty="0">
               <a:solidFill>
@@ -20167,7 +20169,7 @@
           <a:graphicData uri="http://schemas.openxmlformats.org/presentationml/2006/ole">
             <mc:AlternateContent xmlns:mc="http://schemas.openxmlformats.org/markup-compatibility/2006">
               <mc:Choice xmlns:v="urn:schemas-microsoft-com:vml" Requires="v">
-                <p:oleObj spid="_x0000_s38015" name="think-cell Slide" r:id="rId8" imgW="270" imgH="270" progId="TCLayout.ActiveDocument.1">
+                <p:oleObj spid="_x0000_s38017" name="think-cell Slide" r:id="rId8" imgW="270" imgH="270" progId="TCLayout.ActiveDocument.1">
                   <p:embed/>
                 </p:oleObj>
               </mc:Choice>
@@ -20438,7 +20440,7 @@
           <a:graphicData uri="http://schemas.openxmlformats.org/presentationml/2006/ole">
             <mc:AlternateContent xmlns:mc="http://schemas.openxmlformats.org/markup-compatibility/2006">
               <mc:Choice xmlns:v="urn:schemas-microsoft-com:vml" Requires="v">
-                <p:oleObj spid="_x0000_s38976" name="think-cell Slide" r:id="rId4" imgW="270" imgH="270" progId="TCLayout.ActiveDocument.1">
+                <p:oleObj spid="_x0000_s38977" name="think-cell Slide" r:id="rId4" imgW="270" imgH="270" progId="TCLayout.ActiveDocument.1">
                   <p:embed/>
                 </p:oleObj>
               </mc:Choice>
@@ -20500,7 +20502,7 @@
                 </a:solidFill>
               </a:rPr>
               <a:pPr/>
-              <a:t>13/11/2019</a:t>
+              <a:t>15/11/2019</a:t>
             </a:fld>
             <a:endParaRPr lang="en-GB" dirty="0">
               <a:solidFill>
@@ -20902,7 +20904,7 @@
           <a:graphicData uri="http://schemas.openxmlformats.org/presentationml/2006/ole">
             <mc:AlternateContent xmlns:mc="http://schemas.openxmlformats.org/markup-compatibility/2006">
               <mc:Choice xmlns:v="urn:schemas-microsoft-com:vml" Requires="v">
-                <p:oleObj spid="_x0000_s5184" name="think-cell Slide" r:id="rId4" imgW="270" imgH="270" progId="TCLayout.ActiveDocument.1">
+                <p:oleObj spid="_x0000_s5185" name="think-cell Slide" r:id="rId4" imgW="270" imgH="270" progId="TCLayout.ActiveDocument.1">
                   <p:embed/>
                 </p:oleObj>
               </mc:Choice>
@@ -20967,7 +20969,7 @@
           <a:p>
             <a:fld id="{B56E8790-EF43-4195-82DA-4A26D543E504}" type="datetimeFigureOut">
               <a:rPr lang="en-GB" smtClean="0"/>
-              <a:t>13/11/2019</a:t>
+              <a:t>15/11/2019</a:t>
             </a:fld>
             <a:endParaRPr lang="en-GB" dirty="0"/>
           </a:p>
@@ -21513,7 +21515,7 @@
           <a:graphicData uri="http://schemas.openxmlformats.org/presentationml/2006/ole">
             <mc:AlternateContent xmlns:mc="http://schemas.openxmlformats.org/markup-compatibility/2006">
               <mc:Choice xmlns:v="urn:schemas-microsoft-com:vml" Requires="v">
-                <p:oleObj spid="_x0000_s6270" name="think-cell Slide" r:id="rId5" imgW="270" imgH="270" progId="TCLayout.ActiveDocument.1">
+                <p:oleObj spid="_x0000_s6272" name="think-cell Slide" r:id="rId5" imgW="270" imgH="270" progId="TCLayout.ActiveDocument.1">
                   <p:embed/>
                 </p:oleObj>
               </mc:Choice>
@@ -21764,7 +21766,7 @@
           <a:p>
             <a:fld id="{B56E8790-EF43-4195-82DA-4A26D543E504}" type="datetimeFigureOut">
               <a:rPr lang="en-GB" smtClean="0"/>
-              <a:t>13/11/2019</a:t>
+              <a:t>15/11/2019</a:t>
             </a:fld>
             <a:endParaRPr lang="en-GB" dirty="0"/>
           </a:p>
@@ -21839,7 +21841,7 @@
           <a:graphicData uri="http://schemas.openxmlformats.org/presentationml/2006/ole">
             <mc:AlternateContent xmlns:mc="http://schemas.openxmlformats.org/markup-compatibility/2006">
               <mc:Choice xmlns:v="urn:schemas-microsoft-com:vml" Requires="v">
-                <p:oleObj spid="_x0000_s6271" name="think-cell Slide" r:id="rId7" imgW="270" imgH="270" progId="TCLayout.ActiveDocument.1">
+                <p:oleObj spid="_x0000_s6273" name="think-cell Slide" r:id="rId7" imgW="270" imgH="270" progId="TCLayout.ActiveDocument.1">
                   <p:embed/>
                 </p:oleObj>
               </mc:Choice>
@@ -22136,7 +22138,7 @@
           <a:p>
             <a:fld id="{B56E8790-EF43-4195-82DA-4A26D543E504}" type="datetimeFigureOut">
               <a:rPr lang="en-GB" smtClean="0"/>
-              <a:t>13/11/2019</a:t>
+              <a:t>15/11/2019</a:t>
             </a:fld>
             <a:endParaRPr lang="en-GB" dirty="0"/>
           </a:p>
@@ -22629,7 +22631,7 @@
           <a:graphicData uri="http://schemas.openxmlformats.org/presentationml/2006/ole">
             <mc:AlternateContent xmlns:mc="http://schemas.openxmlformats.org/markup-compatibility/2006">
               <mc:Choice xmlns:v="urn:schemas-microsoft-com:vml" Requires="v">
-                <p:oleObj spid="_x0000_s7294" name="think-cell Slide" r:id="rId5" imgW="270" imgH="270" progId="TCLayout.ActiveDocument.1">
+                <p:oleObj spid="_x0000_s7296" name="think-cell Slide" r:id="rId5" imgW="270" imgH="270" progId="TCLayout.ActiveDocument.1">
                   <p:embed/>
                 </p:oleObj>
               </mc:Choice>
@@ -22694,7 +22696,7 @@
           <a:p>
             <a:fld id="{B56E8790-EF43-4195-82DA-4A26D543E504}" type="datetimeFigureOut">
               <a:rPr lang="en-GB" smtClean="0"/>
-              <a:t>13/11/2019</a:t>
+              <a:t>15/11/2019</a:t>
             </a:fld>
             <a:endParaRPr lang="en-GB" dirty="0"/>
           </a:p>
@@ -23053,7 +23055,7 @@
           <a:graphicData uri="http://schemas.openxmlformats.org/presentationml/2006/ole">
             <mc:AlternateContent xmlns:mc="http://schemas.openxmlformats.org/markup-compatibility/2006">
               <mc:Choice xmlns:v="urn:schemas-microsoft-com:vml" Requires="v">
-                <p:oleObj spid="_x0000_s7295" name="think-cell Slide" r:id="rId7" imgW="270" imgH="270" progId="TCLayout.ActiveDocument.1">
+                <p:oleObj spid="_x0000_s7297" name="think-cell Slide" r:id="rId7" imgW="270" imgH="270" progId="TCLayout.ActiveDocument.1">
                   <p:embed/>
                 </p:oleObj>
               </mc:Choice>
@@ -23345,7 +23347,7 @@
           <a:graphicData uri="http://schemas.openxmlformats.org/presentationml/2006/ole">
             <mc:AlternateContent xmlns:mc="http://schemas.openxmlformats.org/markup-compatibility/2006">
               <mc:Choice xmlns:v="urn:schemas-microsoft-com:vml" Requires="v">
-                <p:oleObj spid="_x0000_s8318" name="think-cell Slide" r:id="rId5" imgW="270" imgH="270" progId="TCLayout.ActiveDocument.1">
+                <p:oleObj spid="_x0000_s8320" name="think-cell Slide" r:id="rId5" imgW="270" imgH="270" progId="TCLayout.ActiveDocument.1">
                   <p:embed/>
                 </p:oleObj>
               </mc:Choice>
@@ -23410,7 +23412,7 @@
           <a:p>
             <a:fld id="{B56E8790-EF43-4195-82DA-4A26D543E504}" type="datetimeFigureOut">
               <a:rPr lang="en-GB" smtClean="0"/>
-              <a:t>13/11/2019</a:t>
+              <a:t>15/11/2019</a:t>
             </a:fld>
             <a:endParaRPr lang="en-GB" dirty="0"/>
           </a:p>
@@ -23769,7 +23771,7 @@
           <a:graphicData uri="http://schemas.openxmlformats.org/presentationml/2006/ole">
             <mc:AlternateContent xmlns:mc="http://schemas.openxmlformats.org/markup-compatibility/2006">
               <mc:Choice xmlns:v="urn:schemas-microsoft-com:vml" Requires="v">
-                <p:oleObj spid="_x0000_s8319" name="think-cell Slide" r:id="rId7" imgW="270" imgH="270" progId="TCLayout.ActiveDocument.1">
+                <p:oleObj spid="_x0000_s8321" name="think-cell Slide" r:id="rId7" imgW="270" imgH="270" progId="TCLayout.ActiveDocument.1">
                   <p:embed/>
                 </p:oleObj>
               </mc:Choice>
@@ -24074,7 +24076,7 @@
           <a:graphicData uri="http://schemas.openxmlformats.org/presentationml/2006/ole">
             <mc:AlternateContent xmlns:mc="http://schemas.openxmlformats.org/markup-compatibility/2006">
               <mc:Choice xmlns:v="urn:schemas-microsoft-com:vml" Requires="v">
-                <p:oleObj spid="_x0000_s1088" name="think-cell Slide" r:id="rId24" imgW="270" imgH="270" progId="TCLayout.ActiveDocument.1">
+                <p:oleObj spid="_x0000_s1089" name="think-cell Slide" r:id="rId24" imgW="270" imgH="270" progId="TCLayout.ActiveDocument.1">
                   <p:embed/>
                 </p:oleObj>
               </mc:Choice>
@@ -24206,7 +24208,7 @@
           <a:p>
             <a:fld id="{B56E8790-EF43-4195-82DA-4A26D543E504}" type="datetimeFigureOut">
               <a:rPr lang="en-GB" smtClean="0"/>
-              <a:t>13/11/2019</a:t>
+              <a:t>15/11/2019</a:t>
             </a:fld>
             <a:endParaRPr lang="en-GB" dirty="0"/>
           </a:p>
@@ -24768,7 +24770,7 @@
           <a:graphicData uri="http://schemas.openxmlformats.org/presentationml/2006/ole">
             <mc:AlternateContent xmlns:mc="http://schemas.openxmlformats.org/markup-compatibility/2006">
               <mc:Choice xmlns:v="urn:schemas-microsoft-com:vml" Requires="v">
-                <p:oleObj spid="_x0000_s18496" name="think-cell Slide" r:id="rId16" imgW="270" imgH="270" progId="TCLayout.ActiveDocument.1">
+                <p:oleObj spid="_x0000_s18497" name="think-cell Slide" r:id="rId16" imgW="270" imgH="270" progId="TCLayout.ActiveDocument.1">
                   <p:embed/>
                 </p:oleObj>
               </mc:Choice>
@@ -24901,7 +24903,7 @@
             <a:fld id="{10E7BC8F-BFD3-4858-915D-99D9576C8415}" type="datetime1">
               <a:rPr lang="en-GB" smtClean="0"/>
               <a:pPr/>
-              <a:t>13/11/2019</a:t>
+              <a:t>15/11/2019</a:t>
             </a:fld>
             <a:endParaRPr lang="en-GB" dirty="0"/>
           </a:p>
@@ -25456,7 +25458,7 @@
           <a:graphicData uri="http://schemas.openxmlformats.org/presentationml/2006/ole">
             <mc:AlternateContent xmlns:mc="http://schemas.openxmlformats.org/markup-compatibility/2006">
               <mc:Choice xmlns:v="urn:schemas-microsoft-com:vml" Requires="v">
-                <p:oleObj spid="_x0000_s28736" name="think-cell Slide" r:id="rId17" imgW="270" imgH="270" progId="TCLayout.ActiveDocument.1">
+                <p:oleObj spid="_x0000_s28737" name="think-cell Slide" r:id="rId17" imgW="270" imgH="270" progId="TCLayout.ActiveDocument.1">
                   <p:embed/>
                 </p:oleObj>
               </mc:Choice>
@@ -25593,7 +25595,7 @@
                 </a:solidFill>
               </a:rPr>
               <a:pPr/>
-              <a:t>13/11/2019</a:t>
+              <a:t>15/11/2019</a:t>
             </a:fld>
             <a:endParaRPr lang="en-GB" dirty="0">
               <a:solidFill>
@@ -33251,15 +33253,7 @@
                     <a:schemeClr val="accent4"/>
                   </a:solidFill>
                 </a:rPr>
-                <a:t> </a:t>
-              </a:r>
-              <a:r>
-                <a:rPr lang="da-DK" sz="1100" b="1" dirty="0">
-                  <a:solidFill>
-                    <a:schemeClr val="accent4"/>
-                  </a:solidFill>
-                </a:rPr>
-                <a:t>/</a:t>
+                <a:t> /</a:t>
               </a:r>
               <a:r>
                 <a:rPr lang="da-DK" sz="1100" b="1" dirty="0" err="1">
@@ -33910,15 +33904,7 @@
                     <a:schemeClr val="accent4"/>
                   </a:solidFill>
                 </a:rPr>
-                <a:t> </a:t>
-              </a:r>
-              <a:r>
-                <a:rPr lang="da-DK" sz="1100" b="1" dirty="0">
-                  <a:solidFill>
-                    <a:schemeClr val="accent4"/>
-                  </a:solidFill>
-                </a:rPr>
-                <a:t>/</a:t>
+                <a:t> /</a:t>
               </a:r>
               <a:r>
                 <a:rPr lang="da-DK" sz="1100" b="1" dirty="0" err="1">
@@ -36704,6 +36690,577 @@
 </p:sld>
 </file>
 
+<file path=ppt/slides/slide19.xml><?xml version="1.0" encoding="utf-8"?>
+<p:sld xmlns:a="http://schemas.openxmlformats.org/drawingml/2006/main" xmlns:r="http://schemas.openxmlformats.org/officeDocument/2006/relationships" xmlns:p="http://schemas.openxmlformats.org/presentationml/2006/main">
+  <p:cSld>
+    <p:spTree>
+      <p:nvGrpSpPr>
+        <p:cNvPr id="1" name=""/>
+        <p:cNvGrpSpPr/>
+        <p:nvPr/>
+      </p:nvGrpSpPr>
+      <p:grpSpPr>
+        <a:xfrm>
+          <a:off x="0" y="0"/>
+          <a:ext cx="0" cy="0"/>
+          <a:chOff x="0" y="0"/>
+          <a:chExt cx="0" cy="0"/>
+        </a:xfrm>
+      </p:grpSpPr>
+      <p:grpSp>
+        <p:nvGrpSpPr>
+          <p:cNvPr id="3" name="Group 2"/>
+          <p:cNvGrpSpPr/>
+          <p:nvPr/>
+        </p:nvGrpSpPr>
+        <p:grpSpPr>
+          <a:xfrm>
+            <a:off x="3079178" y="646706"/>
+            <a:ext cx="6021881" cy="3800166"/>
+            <a:chOff x="3079178" y="646706"/>
+            <a:chExt cx="6021881" cy="3800166"/>
+          </a:xfrm>
+        </p:grpSpPr>
+        <p:pic>
+          <p:nvPicPr>
+            <p:cNvPr id="6" name="Picture 5"/>
+            <p:cNvPicPr>
+              <a:picLocks noChangeAspect="1"/>
+            </p:cNvPicPr>
+            <p:nvPr/>
+          </p:nvPicPr>
+          <p:blipFill rotWithShape="1">
+            <a:blip r:embed="rId3" cstate="print">
+              <a:extLst>
+                <a:ext uri="{28A0092B-C50C-407E-A947-70E740481C1C}">
+                  <a14:useLocalDpi xmlns:a14="http://schemas.microsoft.com/office/drawing/2010/main" val="0"/>
+                </a:ext>
+              </a:extLst>
+            </a:blip>
+            <a:srcRect l="954" t="17150" r="55824" b="17177"/>
+            <a:stretch/>
+          </p:blipFill>
+          <p:spPr>
+            <a:xfrm>
+              <a:off x="3079178" y="681170"/>
+              <a:ext cx="780517" cy="1080000"/>
+            </a:xfrm>
+            <a:prstGeom prst="rect">
+              <a:avLst/>
+            </a:prstGeom>
+          </p:spPr>
+        </p:pic>
+        <p:pic>
+          <p:nvPicPr>
+            <p:cNvPr id="7" name="icon_computer_colour"/>
+            <p:cNvPicPr>
+              <a:picLocks noChangeAspect="1"/>
+            </p:cNvPicPr>
+            <p:nvPr>
+              <p:custDataLst>
+                <p:tags r:id="rId1"/>
+              </p:custDataLst>
+            </p:nvPr>
+          </p:nvPicPr>
+          <p:blipFill rotWithShape="1">
+            <a:blip r:embed="rId4" cstate="print">
+              <a:extLst>
+                <a:ext uri="{28A0092B-C50C-407E-A947-70E740481C1C}">
+                  <a14:useLocalDpi xmlns:a14="http://schemas.microsoft.com/office/drawing/2010/main" val="0"/>
+                </a:ext>
+              </a:extLst>
+            </a:blip>
+            <a:srcRect t="12353" b="14097"/>
+            <a:stretch/>
+          </p:blipFill>
+          <p:spPr>
+            <a:xfrm>
+              <a:off x="7389045" y="646706"/>
+              <a:ext cx="1712014" cy="1146721"/>
+            </a:xfrm>
+            <a:prstGeom prst="rect">
+              <a:avLst/>
+            </a:prstGeom>
+          </p:spPr>
+        </p:pic>
+        <p:pic>
+          <p:nvPicPr>
+            <p:cNvPr id="8" name="Picture 2" descr="Billedresultat for mobilepay logo"/>
+            <p:cNvPicPr>
+              <a:picLocks noChangeAspect="1" noChangeArrowheads="1"/>
+            </p:cNvPicPr>
+            <p:nvPr/>
+          </p:nvPicPr>
+          <p:blipFill rotWithShape="1">
+            <a:blip r:embed="rId5" cstate="print">
+              <a:extLst>
+                <a:ext uri="{28A0092B-C50C-407E-A947-70E740481C1C}">
+                  <a14:useLocalDpi xmlns:a14="http://schemas.microsoft.com/office/drawing/2010/main" val="0"/>
+                </a:ext>
+              </a:extLst>
+            </a:blip>
+            <a:srcRect l="40451" t="39819" r="24722" b="40276"/>
+            <a:stretch/>
+          </p:blipFill>
+          <p:spPr bwMode="auto">
+            <a:xfrm>
+              <a:off x="7707634" y="1037064"/>
+              <a:ext cx="1094082" cy="259494"/>
+            </a:xfrm>
+            <a:prstGeom prst="rect">
+              <a:avLst/>
+            </a:prstGeom>
+            <a:noFill/>
+            <a:extLst>
+              <a:ext uri="{909E8E84-426E-40DD-AFC4-6F175D3DCCD1}">
+                <a14:hiddenFill xmlns:a14="http://schemas.microsoft.com/office/drawing/2010/main">
+                  <a:solidFill>
+                    <a:srgbClr val="FFFFFF"/>
+                  </a:solidFill>
+                </a14:hiddenFill>
+              </a:ext>
+            </a:extLst>
+          </p:spPr>
+        </p:pic>
+        <p:cxnSp>
+          <p:nvCxnSpPr>
+            <p:cNvPr id="61" name="Straight Arrow Connector 60"/>
+            <p:cNvCxnSpPr/>
+            <p:nvPr/>
+          </p:nvCxnSpPr>
+          <p:spPr>
+            <a:xfrm>
+              <a:off x="3516798" y="1761170"/>
+              <a:ext cx="17117" cy="2685702"/>
+            </a:xfrm>
+            <a:prstGeom prst="straightConnector1">
+              <a:avLst/>
+            </a:prstGeom>
+            <a:ln w="76200">
+              <a:headEnd type="none" w="med" len="med"/>
+              <a:tailEnd type="none" w="med" len="med"/>
+            </a:ln>
+          </p:spPr>
+          <p:style>
+            <a:lnRef idx="3">
+              <a:schemeClr val="dk1"/>
+            </a:lnRef>
+            <a:fillRef idx="0">
+              <a:schemeClr val="dk1"/>
+            </a:fillRef>
+            <a:effectRef idx="2">
+              <a:schemeClr val="dk1"/>
+            </a:effectRef>
+            <a:fontRef idx="minor">
+              <a:schemeClr val="tx1"/>
+            </a:fontRef>
+          </p:style>
+        </p:cxnSp>
+        <p:cxnSp>
+          <p:nvCxnSpPr>
+            <p:cNvPr id="18" name="Straight Arrow Connector 17"/>
+            <p:cNvCxnSpPr/>
+            <p:nvPr/>
+          </p:nvCxnSpPr>
+          <p:spPr>
+            <a:xfrm>
+              <a:off x="3553868" y="2903934"/>
+              <a:ext cx="4702103" cy="0"/>
+            </a:xfrm>
+            <a:prstGeom prst="straightConnector1">
+              <a:avLst/>
+            </a:prstGeom>
+            <a:ln w="28575">
+              <a:prstDash val="sysDash"/>
+              <a:headEnd type="triangle" w="med" len="med"/>
+              <a:tailEnd type="none" w="med" len="med"/>
+            </a:ln>
+          </p:spPr>
+          <p:style>
+            <a:lnRef idx="3">
+              <a:schemeClr val="accent2"/>
+            </a:lnRef>
+            <a:fillRef idx="0">
+              <a:schemeClr val="accent2"/>
+            </a:fillRef>
+            <a:effectRef idx="2">
+              <a:schemeClr val="accent2"/>
+            </a:effectRef>
+            <a:fontRef idx="minor">
+              <a:schemeClr val="tx1"/>
+            </a:fontRef>
+          </p:style>
+        </p:cxnSp>
+        <p:cxnSp>
+          <p:nvCxnSpPr>
+            <p:cNvPr id="19" name="Straight Arrow Connector 18"/>
+            <p:cNvCxnSpPr/>
+            <p:nvPr/>
+          </p:nvCxnSpPr>
+          <p:spPr>
+            <a:xfrm>
+              <a:off x="3553868" y="2693869"/>
+              <a:ext cx="4702103" cy="0"/>
+            </a:xfrm>
+            <a:prstGeom prst="straightConnector1">
+              <a:avLst/>
+            </a:prstGeom>
+            <a:ln w="28575">
+              <a:headEnd type="none" w="med" len="med"/>
+              <a:tailEnd type="triangle" w="med" len="med"/>
+            </a:ln>
+          </p:spPr>
+          <p:style>
+            <a:lnRef idx="3">
+              <a:schemeClr val="accent2"/>
+            </a:lnRef>
+            <a:fillRef idx="0">
+              <a:schemeClr val="accent2"/>
+            </a:fillRef>
+            <a:effectRef idx="2">
+              <a:schemeClr val="accent2"/>
+            </a:effectRef>
+            <a:fontRef idx="minor">
+              <a:schemeClr val="tx1"/>
+            </a:fontRef>
+          </p:style>
+        </p:cxnSp>
+        <p:sp>
+          <p:nvSpPr>
+            <p:cNvPr id="21" name="TextBox 20"/>
+            <p:cNvSpPr txBox="1"/>
+            <p:nvPr/>
+          </p:nvSpPr>
+          <p:spPr>
+            <a:xfrm>
+              <a:off x="4374082" y="2488310"/>
+              <a:ext cx="3244294" cy="169277"/>
+            </a:xfrm>
+            <a:prstGeom prst="rect">
+              <a:avLst/>
+            </a:prstGeom>
+            <a:noFill/>
+          </p:spPr>
+          <p:txBody>
+            <a:bodyPr wrap="square" lIns="0" tIns="0" rIns="0" bIns="0" rtlCol="0">
+              <a:spAutoFit/>
+            </a:bodyPr>
+            <a:lstStyle/>
+            <a:p>
+              <a:pPr algn="ctr"/>
+              <a:r>
+                <a:rPr lang="da-DK" sz="1100" b="1" dirty="0" smtClean="0">
+                  <a:solidFill>
+                    <a:schemeClr val="accent4"/>
+                  </a:solidFill>
+                </a:rPr>
+                <a:t>GET </a:t>
+              </a:r>
+              <a:r>
+                <a:rPr lang="da-DK" sz="1100" b="1" dirty="0" smtClean="0">
+                  <a:solidFill>
+                    <a:schemeClr val="accent4"/>
+                  </a:solidFill>
+                </a:rPr>
+                <a:t>/</a:t>
+              </a:r>
+              <a:r>
+                <a:rPr lang="en-GB" sz="1100" b="1" dirty="0" err="1" smtClean="0">
+                  <a:solidFill>
+                    <a:schemeClr val="accent4"/>
+                  </a:solidFill>
+                </a:rPr>
+                <a:t>pointofsales</a:t>
+              </a:r>
+              <a:r>
+                <a:rPr lang="en-GB" sz="1100" b="1" dirty="0" err="1" smtClean="0">
+                  <a:solidFill>
+                    <a:schemeClr val="accent4"/>
+                  </a:solidFill>
+                </a:rPr>
+                <a:t>?merchantPosId</a:t>
+              </a:r>
+              <a:r>
+                <a:rPr lang="en-GB" sz="1100" b="1" dirty="0" smtClean="0">
+                  <a:solidFill>
+                    <a:schemeClr val="accent4"/>
+                  </a:solidFill>
+                </a:rPr>
+                <a:t>=…</a:t>
+              </a:r>
+              <a:endParaRPr lang="en-GB" sz="1100" b="1" dirty="0">
+                <a:solidFill>
+                  <a:schemeClr val="accent4"/>
+                </a:solidFill>
+              </a:endParaRPr>
+            </a:p>
+          </p:txBody>
+        </p:sp>
+        <p:sp>
+          <p:nvSpPr>
+            <p:cNvPr id="22" name="TextBox 21"/>
+            <p:cNvSpPr txBox="1"/>
+            <p:nvPr/>
+          </p:nvSpPr>
+          <p:spPr>
+            <a:xfrm>
+              <a:off x="4378351" y="2940193"/>
+              <a:ext cx="3240025" cy="169277"/>
+            </a:xfrm>
+            <a:prstGeom prst="rect">
+              <a:avLst/>
+            </a:prstGeom>
+            <a:noFill/>
+          </p:spPr>
+          <p:txBody>
+            <a:bodyPr wrap="square" lIns="0" tIns="0" rIns="0" bIns="0" rtlCol="0">
+              <a:spAutoFit/>
+            </a:bodyPr>
+            <a:lstStyle/>
+            <a:p>
+              <a:pPr algn="ctr"/>
+              <a:r>
+                <a:rPr lang="da-DK" sz="1100" b="1" dirty="0" smtClean="0">
+                  <a:solidFill>
+                    <a:schemeClr val="accent4"/>
+                  </a:solidFill>
+                </a:rPr>
+                <a:t>No PoS </a:t>
+              </a:r>
+              <a:r>
+                <a:rPr lang="da-DK" sz="1100" b="1" dirty="0" err="1" smtClean="0">
+                  <a:solidFill>
+                    <a:schemeClr val="accent4"/>
+                  </a:solidFill>
+                </a:rPr>
+                <a:t>IDs</a:t>
+              </a:r>
+              <a:endParaRPr lang="en-GB" sz="1100" b="1" dirty="0">
+                <a:solidFill>
+                  <a:schemeClr val="accent4"/>
+                </a:solidFill>
+              </a:endParaRPr>
+            </a:p>
+          </p:txBody>
+        </p:sp>
+        <p:cxnSp>
+          <p:nvCxnSpPr>
+            <p:cNvPr id="23" name="Straight Arrow Connector 22"/>
+            <p:cNvCxnSpPr/>
+            <p:nvPr/>
+          </p:nvCxnSpPr>
+          <p:spPr>
+            <a:xfrm>
+              <a:off x="3542492" y="4025334"/>
+              <a:ext cx="4713479" cy="0"/>
+            </a:xfrm>
+            <a:prstGeom prst="straightConnector1">
+              <a:avLst/>
+            </a:prstGeom>
+            <a:ln w="28575">
+              <a:prstDash val="sysDash"/>
+              <a:headEnd type="triangle" w="med" len="med"/>
+              <a:tailEnd type="none" w="med" len="med"/>
+            </a:ln>
+          </p:spPr>
+          <p:style>
+            <a:lnRef idx="3">
+              <a:schemeClr val="accent2"/>
+            </a:lnRef>
+            <a:fillRef idx="0">
+              <a:schemeClr val="accent2"/>
+            </a:fillRef>
+            <a:effectRef idx="2">
+              <a:schemeClr val="accent2"/>
+            </a:effectRef>
+            <a:fontRef idx="minor">
+              <a:schemeClr val="tx1"/>
+            </a:fontRef>
+          </p:style>
+        </p:cxnSp>
+        <p:cxnSp>
+          <p:nvCxnSpPr>
+            <p:cNvPr id="24" name="Straight Arrow Connector 23"/>
+            <p:cNvCxnSpPr/>
+            <p:nvPr/>
+          </p:nvCxnSpPr>
+          <p:spPr>
+            <a:xfrm>
+              <a:off x="3558968" y="3815269"/>
+              <a:ext cx="4697003" cy="0"/>
+            </a:xfrm>
+            <a:prstGeom prst="straightConnector1">
+              <a:avLst/>
+            </a:prstGeom>
+            <a:ln w="28575">
+              <a:headEnd type="none" w="med" len="med"/>
+              <a:tailEnd type="triangle" w="med" len="med"/>
+            </a:ln>
+          </p:spPr>
+          <p:style>
+            <a:lnRef idx="3">
+              <a:schemeClr val="accent2"/>
+            </a:lnRef>
+            <a:fillRef idx="0">
+              <a:schemeClr val="accent2"/>
+            </a:fillRef>
+            <a:effectRef idx="2">
+              <a:schemeClr val="accent2"/>
+            </a:effectRef>
+            <a:fontRef idx="minor">
+              <a:schemeClr val="tx1"/>
+            </a:fontRef>
+          </p:style>
+        </p:cxnSp>
+        <p:sp>
+          <p:nvSpPr>
+            <p:cNvPr id="25" name="TextBox 24"/>
+            <p:cNvSpPr txBox="1"/>
+            <p:nvPr/>
+          </p:nvSpPr>
+          <p:spPr>
+            <a:xfrm>
+              <a:off x="4362706" y="3609710"/>
+              <a:ext cx="3244294" cy="169277"/>
+            </a:xfrm>
+            <a:prstGeom prst="rect">
+              <a:avLst/>
+            </a:prstGeom>
+            <a:noFill/>
+          </p:spPr>
+          <p:txBody>
+            <a:bodyPr wrap="square" lIns="0" tIns="0" rIns="0" bIns="0" rtlCol="0">
+              <a:spAutoFit/>
+            </a:bodyPr>
+            <a:lstStyle/>
+            <a:p>
+              <a:pPr algn="ctr"/>
+              <a:r>
+                <a:rPr lang="da-DK" sz="1100" b="1" dirty="0" smtClean="0">
+                  <a:solidFill>
+                    <a:schemeClr val="accent4"/>
+                  </a:solidFill>
+                </a:rPr>
+                <a:t>POST </a:t>
+              </a:r>
+              <a:r>
+                <a:rPr lang="da-DK" sz="1100" b="1" dirty="0" smtClean="0">
+                  <a:solidFill>
+                    <a:schemeClr val="accent4"/>
+                  </a:solidFill>
+                </a:rPr>
+                <a:t>/</a:t>
+              </a:r>
+              <a:r>
+                <a:rPr lang="en-GB" sz="1100" b="1" dirty="0" err="1" smtClean="0">
+                  <a:solidFill>
+                    <a:schemeClr val="accent4"/>
+                  </a:solidFill>
+                </a:rPr>
+                <a:t>pointofsales</a:t>
+              </a:r>
+              <a:endParaRPr lang="en-GB" sz="1100" b="1" dirty="0">
+                <a:solidFill>
+                  <a:schemeClr val="accent4"/>
+                </a:solidFill>
+              </a:endParaRPr>
+            </a:p>
+          </p:txBody>
+        </p:sp>
+        <p:sp>
+          <p:nvSpPr>
+            <p:cNvPr id="26" name="TextBox 25"/>
+            <p:cNvSpPr txBox="1"/>
+            <p:nvPr/>
+          </p:nvSpPr>
+          <p:spPr>
+            <a:xfrm>
+              <a:off x="4366975" y="4061593"/>
+              <a:ext cx="3240025" cy="169277"/>
+            </a:xfrm>
+            <a:prstGeom prst="rect">
+              <a:avLst/>
+            </a:prstGeom>
+            <a:noFill/>
+          </p:spPr>
+          <p:txBody>
+            <a:bodyPr wrap="square" lIns="0" tIns="0" rIns="0" bIns="0" rtlCol="0">
+              <a:spAutoFit/>
+            </a:bodyPr>
+            <a:lstStyle/>
+            <a:p>
+              <a:pPr algn="ctr"/>
+              <a:r>
+                <a:rPr lang="da-DK" sz="1100" b="1" dirty="0" smtClean="0">
+                  <a:solidFill>
+                    <a:schemeClr val="accent4"/>
+                  </a:solidFill>
+                </a:rPr>
+                <a:t>PoS ID</a:t>
+              </a:r>
+              <a:endParaRPr lang="en-GB" sz="1100" b="1" dirty="0">
+                <a:solidFill>
+                  <a:schemeClr val="accent4"/>
+                </a:solidFill>
+              </a:endParaRPr>
+            </a:p>
+          </p:txBody>
+        </p:sp>
+        <p:cxnSp>
+          <p:nvCxnSpPr>
+            <p:cNvPr id="28" name="Straight Arrow Connector 27"/>
+            <p:cNvCxnSpPr/>
+            <p:nvPr/>
+          </p:nvCxnSpPr>
+          <p:spPr>
+            <a:xfrm>
+              <a:off x="8255971" y="1782051"/>
+              <a:ext cx="16984" cy="2664821"/>
+            </a:xfrm>
+            <a:prstGeom prst="straightConnector1">
+              <a:avLst/>
+            </a:prstGeom>
+            <a:ln w="76200">
+              <a:headEnd type="none" w="med" len="med"/>
+              <a:tailEnd type="none" w="med" len="med"/>
+            </a:ln>
+          </p:spPr>
+          <p:style>
+            <a:lnRef idx="3">
+              <a:schemeClr val="dk1"/>
+            </a:lnRef>
+            <a:fillRef idx="0">
+              <a:schemeClr val="dk1"/>
+            </a:fillRef>
+            <a:effectRef idx="2">
+              <a:schemeClr val="dk1"/>
+            </a:effectRef>
+            <a:fontRef idx="minor">
+              <a:schemeClr val="tx1"/>
+            </a:fontRef>
+          </p:style>
+        </p:cxnSp>
+      </p:grpSp>
+    </p:spTree>
+    <p:extLst>
+      <p:ext uri="{BB962C8B-B14F-4D97-AF65-F5344CB8AC3E}">
+        <p14:creationId xmlns:p14="http://schemas.microsoft.com/office/powerpoint/2010/main" val="2695935997"/>
+      </p:ext>
+    </p:extLst>
+  </p:cSld>
+  <p:clrMapOvr>
+    <a:masterClrMapping/>
+  </p:clrMapOvr>
+  <p:timing>
+    <p:tnLst>
+      <p:par>
+        <p:cTn id="1" dur="indefinite" restart="never" nodeType="tmRoot"/>
+      </p:par>
+    </p:tnLst>
+  </p:timing>
+</p:sld>
+</file>
+
 <file path=ppt/slides/slide2.xml><?xml version="1.0" encoding="utf-8"?>
 <p:sld xmlns:a="http://schemas.openxmlformats.org/drawingml/2006/main" xmlns:r="http://schemas.openxmlformats.org/officeDocument/2006/relationships" xmlns:p="http://schemas.openxmlformats.org/presentationml/2006/main">
   <p:cSld>
@@ -37455,6 +38012,668 @@
     <p:extLst>
       <p:ext uri="{BB962C8B-B14F-4D97-AF65-F5344CB8AC3E}">
         <p14:creationId xmlns:p14="http://schemas.microsoft.com/office/powerpoint/2010/main" val="1308458767"/>
+      </p:ext>
+    </p:extLst>
+  </p:cSld>
+  <p:clrMapOvr>
+    <a:masterClrMapping/>
+  </p:clrMapOvr>
+  <p:timing>
+    <p:tnLst>
+      <p:par>
+        <p:cTn id="1" dur="indefinite" restart="never" nodeType="tmRoot"/>
+      </p:par>
+    </p:tnLst>
+  </p:timing>
+</p:sld>
+</file>
+
+<file path=ppt/slides/slide20.xml><?xml version="1.0" encoding="utf-8"?>
+<p:sld xmlns:a="http://schemas.openxmlformats.org/drawingml/2006/main" xmlns:r="http://schemas.openxmlformats.org/officeDocument/2006/relationships" xmlns:p="http://schemas.openxmlformats.org/presentationml/2006/main">
+  <p:cSld>
+    <p:spTree>
+      <p:nvGrpSpPr>
+        <p:cNvPr id="1" name=""/>
+        <p:cNvGrpSpPr/>
+        <p:nvPr/>
+      </p:nvGrpSpPr>
+      <p:grpSpPr>
+        <a:xfrm>
+          <a:off x="0" y="0"/>
+          <a:ext cx="0" cy="0"/>
+          <a:chOff x="0" y="0"/>
+          <a:chExt cx="0" cy="0"/>
+        </a:xfrm>
+      </p:grpSpPr>
+      <p:grpSp>
+        <p:nvGrpSpPr>
+          <p:cNvPr id="3" name="Group 2"/>
+          <p:cNvGrpSpPr/>
+          <p:nvPr/>
+        </p:nvGrpSpPr>
+        <p:grpSpPr>
+          <a:xfrm>
+            <a:off x="3079178" y="646706"/>
+            <a:ext cx="6021881" cy="3800166"/>
+            <a:chOff x="3079178" y="646706"/>
+            <a:chExt cx="6021881" cy="3800166"/>
+          </a:xfrm>
+        </p:grpSpPr>
+        <p:pic>
+          <p:nvPicPr>
+            <p:cNvPr id="6" name="Picture 5"/>
+            <p:cNvPicPr>
+              <a:picLocks noChangeAspect="1"/>
+            </p:cNvPicPr>
+            <p:nvPr/>
+          </p:nvPicPr>
+          <p:blipFill rotWithShape="1">
+            <a:blip r:embed="rId3" cstate="print">
+              <a:extLst>
+                <a:ext uri="{28A0092B-C50C-407E-A947-70E740481C1C}">
+                  <a14:useLocalDpi xmlns:a14="http://schemas.microsoft.com/office/drawing/2010/main" val="0"/>
+                </a:ext>
+              </a:extLst>
+            </a:blip>
+            <a:srcRect l="954" t="17150" r="55824" b="17177"/>
+            <a:stretch/>
+          </p:blipFill>
+          <p:spPr>
+            <a:xfrm>
+              <a:off x="3079178" y="681170"/>
+              <a:ext cx="780517" cy="1080000"/>
+            </a:xfrm>
+            <a:prstGeom prst="rect">
+              <a:avLst/>
+            </a:prstGeom>
+          </p:spPr>
+        </p:pic>
+        <p:pic>
+          <p:nvPicPr>
+            <p:cNvPr id="7" name="icon_computer_colour"/>
+            <p:cNvPicPr>
+              <a:picLocks noChangeAspect="1"/>
+            </p:cNvPicPr>
+            <p:nvPr>
+              <p:custDataLst>
+                <p:tags r:id="rId1"/>
+              </p:custDataLst>
+            </p:nvPr>
+          </p:nvPicPr>
+          <p:blipFill rotWithShape="1">
+            <a:blip r:embed="rId4" cstate="print">
+              <a:extLst>
+                <a:ext uri="{28A0092B-C50C-407E-A947-70E740481C1C}">
+                  <a14:useLocalDpi xmlns:a14="http://schemas.microsoft.com/office/drawing/2010/main" val="0"/>
+                </a:ext>
+              </a:extLst>
+            </a:blip>
+            <a:srcRect t="12353" b="14097"/>
+            <a:stretch/>
+          </p:blipFill>
+          <p:spPr>
+            <a:xfrm>
+              <a:off x="7389045" y="646706"/>
+              <a:ext cx="1712014" cy="1146721"/>
+            </a:xfrm>
+            <a:prstGeom prst="rect">
+              <a:avLst/>
+            </a:prstGeom>
+          </p:spPr>
+        </p:pic>
+        <p:pic>
+          <p:nvPicPr>
+            <p:cNvPr id="8" name="Picture 2" descr="Billedresultat for mobilepay logo"/>
+            <p:cNvPicPr>
+              <a:picLocks noChangeAspect="1" noChangeArrowheads="1"/>
+            </p:cNvPicPr>
+            <p:nvPr/>
+          </p:nvPicPr>
+          <p:blipFill rotWithShape="1">
+            <a:blip r:embed="rId5" cstate="print">
+              <a:extLst>
+                <a:ext uri="{28A0092B-C50C-407E-A947-70E740481C1C}">
+                  <a14:useLocalDpi xmlns:a14="http://schemas.microsoft.com/office/drawing/2010/main" val="0"/>
+                </a:ext>
+              </a:extLst>
+            </a:blip>
+            <a:srcRect l="40451" t="39819" r="24722" b="40276"/>
+            <a:stretch/>
+          </p:blipFill>
+          <p:spPr bwMode="auto">
+            <a:xfrm>
+              <a:off x="7707634" y="1037064"/>
+              <a:ext cx="1094082" cy="259494"/>
+            </a:xfrm>
+            <a:prstGeom prst="rect">
+              <a:avLst/>
+            </a:prstGeom>
+            <a:noFill/>
+            <a:extLst>
+              <a:ext uri="{909E8E84-426E-40DD-AFC4-6F175D3DCCD1}">
+                <a14:hiddenFill xmlns:a14="http://schemas.microsoft.com/office/drawing/2010/main">
+                  <a:solidFill>
+                    <a:srgbClr val="FFFFFF"/>
+                  </a:solidFill>
+                </a14:hiddenFill>
+              </a:ext>
+            </a:extLst>
+          </p:spPr>
+        </p:pic>
+        <p:cxnSp>
+          <p:nvCxnSpPr>
+            <p:cNvPr id="61" name="Straight Arrow Connector 60"/>
+            <p:cNvCxnSpPr/>
+            <p:nvPr/>
+          </p:nvCxnSpPr>
+          <p:spPr>
+            <a:xfrm>
+              <a:off x="3516798" y="1761170"/>
+              <a:ext cx="17117" cy="2685702"/>
+            </a:xfrm>
+            <a:prstGeom prst="straightConnector1">
+              <a:avLst/>
+            </a:prstGeom>
+            <a:ln w="76200">
+              <a:headEnd type="none" w="med" len="med"/>
+              <a:tailEnd type="none" w="med" len="med"/>
+            </a:ln>
+          </p:spPr>
+          <p:style>
+            <a:lnRef idx="3">
+              <a:schemeClr val="dk1"/>
+            </a:lnRef>
+            <a:fillRef idx="0">
+              <a:schemeClr val="dk1"/>
+            </a:fillRef>
+            <a:effectRef idx="2">
+              <a:schemeClr val="dk1"/>
+            </a:effectRef>
+            <a:fontRef idx="minor">
+              <a:schemeClr val="tx1"/>
+            </a:fontRef>
+          </p:style>
+        </p:cxnSp>
+        <p:cxnSp>
+          <p:nvCxnSpPr>
+            <p:cNvPr id="18" name="Straight Arrow Connector 17"/>
+            <p:cNvCxnSpPr/>
+            <p:nvPr/>
+          </p:nvCxnSpPr>
+          <p:spPr>
+            <a:xfrm>
+              <a:off x="3553868" y="2903934"/>
+              <a:ext cx="4702103" cy="0"/>
+            </a:xfrm>
+            <a:prstGeom prst="straightConnector1">
+              <a:avLst/>
+            </a:prstGeom>
+            <a:ln w="28575">
+              <a:prstDash val="sysDash"/>
+              <a:headEnd type="triangle" w="med" len="med"/>
+              <a:tailEnd type="none" w="med" len="med"/>
+            </a:ln>
+          </p:spPr>
+          <p:style>
+            <a:lnRef idx="3">
+              <a:schemeClr val="accent2"/>
+            </a:lnRef>
+            <a:fillRef idx="0">
+              <a:schemeClr val="accent2"/>
+            </a:fillRef>
+            <a:effectRef idx="2">
+              <a:schemeClr val="accent2"/>
+            </a:effectRef>
+            <a:fontRef idx="minor">
+              <a:schemeClr val="tx1"/>
+            </a:fontRef>
+          </p:style>
+        </p:cxnSp>
+        <p:cxnSp>
+          <p:nvCxnSpPr>
+            <p:cNvPr id="19" name="Straight Arrow Connector 18"/>
+            <p:cNvCxnSpPr/>
+            <p:nvPr/>
+          </p:nvCxnSpPr>
+          <p:spPr>
+            <a:xfrm>
+              <a:off x="3553868" y="2693869"/>
+              <a:ext cx="4702103" cy="0"/>
+            </a:xfrm>
+            <a:prstGeom prst="straightConnector1">
+              <a:avLst/>
+            </a:prstGeom>
+            <a:ln w="28575">
+              <a:headEnd type="none" w="med" len="med"/>
+              <a:tailEnd type="triangle" w="med" len="med"/>
+            </a:ln>
+          </p:spPr>
+          <p:style>
+            <a:lnRef idx="3">
+              <a:schemeClr val="accent2"/>
+            </a:lnRef>
+            <a:fillRef idx="0">
+              <a:schemeClr val="accent2"/>
+            </a:fillRef>
+            <a:effectRef idx="2">
+              <a:schemeClr val="accent2"/>
+            </a:effectRef>
+            <a:fontRef idx="minor">
+              <a:schemeClr val="tx1"/>
+            </a:fontRef>
+          </p:style>
+        </p:cxnSp>
+        <p:sp>
+          <p:nvSpPr>
+            <p:cNvPr id="21" name="TextBox 20"/>
+            <p:cNvSpPr txBox="1"/>
+            <p:nvPr/>
+          </p:nvSpPr>
+          <p:spPr>
+            <a:xfrm>
+              <a:off x="4374082" y="2488310"/>
+              <a:ext cx="3244294" cy="169277"/>
+            </a:xfrm>
+            <a:prstGeom prst="rect">
+              <a:avLst/>
+            </a:prstGeom>
+            <a:noFill/>
+          </p:spPr>
+          <p:txBody>
+            <a:bodyPr wrap="square" lIns="0" tIns="0" rIns="0" bIns="0" rtlCol="0">
+              <a:spAutoFit/>
+            </a:bodyPr>
+            <a:lstStyle/>
+            <a:p>
+              <a:pPr algn="ctr"/>
+              <a:r>
+                <a:rPr lang="da-DK" sz="1100" b="1" dirty="0" smtClean="0">
+                  <a:solidFill>
+                    <a:schemeClr val="accent4"/>
+                  </a:solidFill>
+                </a:rPr>
+                <a:t>POST</a:t>
+              </a:r>
+              <a:r>
+                <a:rPr lang="da-DK" sz="1100" b="1" dirty="0" smtClean="0">
+                  <a:solidFill>
+                    <a:schemeClr val="accent4"/>
+                  </a:solidFill>
+                </a:rPr>
+                <a:t> /</a:t>
+              </a:r>
+              <a:r>
+                <a:rPr lang="en-GB" sz="1100" b="1" dirty="0" smtClean="0">
+                  <a:solidFill>
+                    <a:schemeClr val="accent4"/>
+                  </a:solidFill>
+                </a:rPr>
+                <a:t>payments/{</a:t>
+              </a:r>
+              <a:r>
+                <a:rPr lang="en-GB" sz="1100" b="1" dirty="0" err="1" smtClean="0">
+                  <a:solidFill>
+                    <a:schemeClr val="accent4"/>
+                  </a:solidFill>
+                </a:rPr>
+                <a:t>paymentId</a:t>
+              </a:r>
+              <a:r>
+                <a:rPr lang="en-GB" sz="1100" b="1" dirty="0" smtClean="0">
+                  <a:solidFill>
+                    <a:schemeClr val="accent4"/>
+                  </a:solidFill>
+                </a:rPr>
+                <a:t>}/(capture | cancel)</a:t>
+              </a:r>
+              <a:endParaRPr lang="en-GB" sz="1100" b="1" dirty="0">
+                <a:solidFill>
+                  <a:schemeClr val="accent4"/>
+                </a:solidFill>
+              </a:endParaRPr>
+            </a:p>
+          </p:txBody>
+        </p:sp>
+        <p:sp>
+          <p:nvSpPr>
+            <p:cNvPr id="22" name="TextBox 21"/>
+            <p:cNvSpPr txBox="1"/>
+            <p:nvPr/>
+          </p:nvSpPr>
+          <p:spPr>
+            <a:xfrm>
+              <a:off x="4378351" y="2940193"/>
+              <a:ext cx="3240025" cy="169277"/>
+            </a:xfrm>
+            <a:prstGeom prst="rect">
+              <a:avLst/>
+            </a:prstGeom>
+            <a:noFill/>
+          </p:spPr>
+          <p:txBody>
+            <a:bodyPr wrap="square" lIns="0" tIns="0" rIns="0" bIns="0" rtlCol="0">
+              <a:spAutoFit/>
+            </a:bodyPr>
+            <a:lstStyle/>
+            <a:p>
+              <a:pPr algn="ctr"/>
+              <a:r>
+                <a:rPr lang="da-DK" sz="1100" b="1" dirty="0" smtClean="0">
+                  <a:solidFill>
+                    <a:schemeClr val="accent4"/>
+                  </a:solidFill>
+                </a:rPr>
+                <a:t>OK</a:t>
+              </a:r>
+              <a:endParaRPr lang="en-GB" sz="1100" b="1" dirty="0">
+                <a:solidFill>
+                  <a:schemeClr val="accent4"/>
+                </a:solidFill>
+              </a:endParaRPr>
+            </a:p>
+          </p:txBody>
+        </p:sp>
+        <p:cxnSp>
+          <p:nvCxnSpPr>
+            <p:cNvPr id="23" name="Straight Arrow Connector 22"/>
+            <p:cNvCxnSpPr/>
+            <p:nvPr/>
+          </p:nvCxnSpPr>
+          <p:spPr>
+            <a:xfrm>
+              <a:off x="3542492" y="4025334"/>
+              <a:ext cx="4713479" cy="0"/>
+            </a:xfrm>
+            <a:prstGeom prst="straightConnector1">
+              <a:avLst/>
+            </a:prstGeom>
+            <a:ln w="28575">
+              <a:prstDash val="sysDash"/>
+              <a:headEnd type="triangle" w="med" len="med"/>
+              <a:tailEnd type="none" w="med" len="med"/>
+            </a:ln>
+          </p:spPr>
+          <p:style>
+            <a:lnRef idx="3">
+              <a:schemeClr val="accent2"/>
+            </a:lnRef>
+            <a:fillRef idx="0">
+              <a:schemeClr val="accent2"/>
+            </a:fillRef>
+            <a:effectRef idx="2">
+              <a:schemeClr val="accent2"/>
+            </a:effectRef>
+            <a:fontRef idx="minor">
+              <a:schemeClr val="tx1"/>
+            </a:fontRef>
+          </p:style>
+        </p:cxnSp>
+        <p:cxnSp>
+          <p:nvCxnSpPr>
+            <p:cNvPr id="24" name="Straight Arrow Connector 23"/>
+            <p:cNvCxnSpPr/>
+            <p:nvPr/>
+          </p:nvCxnSpPr>
+          <p:spPr>
+            <a:xfrm>
+              <a:off x="3558968" y="3815269"/>
+              <a:ext cx="4697003" cy="0"/>
+            </a:xfrm>
+            <a:prstGeom prst="straightConnector1">
+              <a:avLst/>
+            </a:prstGeom>
+            <a:ln w="28575">
+              <a:headEnd type="none" w="med" len="med"/>
+              <a:tailEnd type="triangle" w="med" len="med"/>
+            </a:ln>
+          </p:spPr>
+          <p:style>
+            <a:lnRef idx="3">
+              <a:schemeClr val="accent2"/>
+            </a:lnRef>
+            <a:fillRef idx="0">
+              <a:schemeClr val="accent2"/>
+            </a:fillRef>
+            <a:effectRef idx="2">
+              <a:schemeClr val="accent2"/>
+            </a:effectRef>
+            <a:fontRef idx="minor">
+              <a:schemeClr val="tx1"/>
+            </a:fontRef>
+          </p:style>
+        </p:cxnSp>
+        <p:sp>
+          <p:nvSpPr>
+            <p:cNvPr id="25" name="TextBox 24"/>
+            <p:cNvSpPr txBox="1"/>
+            <p:nvPr/>
+          </p:nvSpPr>
+          <p:spPr>
+            <a:xfrm>
+              <a:off x="4362706" y="3609710"/>
+              <a:ext cx="3244294" cy="169277"/>
+            </a:xfrm>
+            <a:prstGeom prst="rect">
+              <a:avLst/>
+            </a:prstGeom>
+            <a:noFill/>
+          </p:spPr>
+          <p:txBody>
+            <a:bodyPr wrap="square" lIns="0" tIns="0" rIns="0" bIns="0" rtlCol="0">
+              <a:spAutoFit/>
+            </a:bodyPr>
+            <a:lstStyle/>
+            <a:p>
+              <a:pPr algn="ctr"/>
+              <a:r>
+                <a:rPr lang="da-DK" sz="1100" b="1" dirty="0" smtClean="0">
+                  <a:solidFill>
+                    <a:schemeClr val="accent4"/>
+                  </a:solidFill>
+                </a:rPr>
+                <a:t>DELETE </a:t>
+              </a:r>
+              <a:r>
+                <a:rPr lang="da-DK" sz="1100" b="1" dirty="0" smtClean="0">
+                  <a:solidFill>
+                    <a:schemeClr val="accent4"/>
+                  </a:solidFill>
+                </a:rPr>
+                <a:t>/</a:t>
+              </a:r>
+              <a:r>
+                <a:rPr lang="en-GB" sz="1100" b="1" dirty="0" err="1" smtClean="0">
+                  <a:solidFill>
+                    <a:schemeClr val="accent4"/>
+                  </a:solidFill>
+                </a:rPr>
+                <a:t>pointofsales</a:t>
+              </a:r>
+              <a:r>
+                <a:rPr lang="en-GB" sz="1100" b="1" dirty="0" smtClean="0">
+                  <a:solidFill>
+                    <a:schemeClr val="accent4"/>
+                  </a:solidFill>
+                </a:rPr>
+                <a:t>/{</a:t>
+              </a:r>
+              <a:r>
+                <a:rPr lang="en-GB" sz="1100" b="1" dirty="0" err="1" smtClean="0">
+                  <a:solidFill>
+                    <a:schemeClr val="accent4"/>
+                  </a:solidFill>
+                </a:rPr>
+                <a:t>posId</a:t>
+              </a:r>
+              <a:r>
+                <a:rPr lang="en-GB" sz="1100" b="1" dirty="0" smtClean="0">
+                  <a:solidFill>
+                    <a:schemeClr val="accent4"/>
+                  </a:solidFill>
+                </a:rPr>
+                <a:t>}</a:t>
+              </a:r>
+              <a:endParaRPr lang="en-GB" sz="1100" b="1" dirty="0">
+                <a:solidFill>
+                  <a:schemeClr val="accent4"/>
+                </a:solidFill>
+              </a:endParaRPr>
+            </a:p>
+          </p:txBody>
+        </p:sp>
+        <p:sp>
+          <p:nvSpPr>
+            <p:cNvPr id="26" name="TextBox 25"/>
+            <p:cNvSpPr txBox="1"/>
+            <p:nvPr/>
+          </p:nvSpPr>
+          <p:spPr>
+            <a:xfrm>
+              <a:off x="4366975" y="4061593"/>
+              <a:ext cx="3240025" cy="169277"/>
+            </a:xfrm>
+            <a:prstGeom prst="rect">
+              <a:avLst/>
+            </a:prstGeom>
+            <a:noFill/>
+          </p:spPr>
+          <p:txBody>
+            <a:bodyPr wrap="square" lIns="0" tIns="0" rIns="0" bIns="0" rtlCol="0">
+              <a:spAutoFit/>
+            </a:bodyPr>
+            <a:lstStyle/>
+            <a:p>
+              <a:pPr algn="ctr"/>
+              <a:r>
+                <a:rPr lang="da-DK" sz="1100" b="1" dirty="0" smtClean="0">
+                  <a:solidFill>
+                    <a:schemeClr val="accent4"/>
+                  </a:solidFill>
+                </a:rPr>
+                <a:t>OK</a:t>
+              </a:r>
+              <a:endParaRPr lang="en-GB" sz="1100" b="1" dirty="0">
+                <a:solidFill>
+                  <a:schemeClr val="accent4"/>
+                </a:solidFill>
+              </a:endParaRPr>
+            </a:p>
+          </p:txBody>
+        </p:sp>
+        <p:cxnSp>
+          <p:nvCxnSpPr>
+            <p:cNvPr id="28" name="Straight Arrow Connector 27"/>
+            <p:cNvCxnSpPr/>
+            <p:nvPr/>
+          </p:nvCxnSpPr>
+          <p:spPr>
+            <a:xfrm>
+              <a:off x="8255971" y="1782051"/>
+              <a:ext cx="16984" cy="2664821"/>
+            </a:xfrm>
+            <a:prstGeom prst="straightConnector1">
+              <a:avLst/>
+            </a:prstGeom>
+            <a:ln w="76200">
+              <a:headEnd type="none" w="med" len="med"/>
+              <a:tailEnd type="none" w="med" len="med"/>
+            </a:ln>
+          </p:spPr>
+          <p:style>
+            <a:lnRef idx="3">
+              <a:schemeClr val="dk1"/>
+            </a:lnRef>
+            <a:fillRef idx="0">
+              <a:schemeClr val="dk1"/>
+            </a:fillRef>
+            <a:effectRef idx="2">
+              <a:schemeClr val="dk1"/>
+            </a:effectRef>
+            <a:fontRef idx="minor">
+              <a:schemeClr val="tx1"/>
+            </a:fontRef>
+          </p:style>
+        </p:cxnSp>
+      </p:grpSp>
+      <p:sp>
+        <p:nvSpPr>
+          <p:cNvPr id="16" name="TextBox 15"/>
+          <p:cNvSpPr txBox="1"/>
+          <p:nvPr/>
+        </p:nvSpPr>
+        <p:spPr>
+          <a:xfrm>
+            <a:off x="3003082" y="2371868"/>
+            <a:ext cx="5900286" cy="846386"/>
+          </a:xfrm>
+          <a:prstGeom prst="rect">
+            <a:avLst/>
+          </a:prstGeom>
+          <a:noFill/>
+          <a:ln w="38100">
+            <a:prstDash val="sysDash"/>
+          </a:ln>
+        </p:spPr>
+        <p:style>
+          <a:lnRef idx="2">
+            <a:schemeClr val="accent6"/>
+          </a:lnRef>
+          <a:fillRef idx="1">
+            <a:schemeClr val="lt1"/>
+          </a:fillRef>
+          <a:effectRef idx="0">
+            <a:schemeClr val="accent6"/>
+          </a:effectRef>
+          <a:fontRef idx="minor">
+            <a:schemeClr val="dk1"/>
+          </a:fontRef>
+        </p:style>
+        <p:txBody>
+          <a:bodyPr wrap="square" lIns="0" tIns="0" rIns="0" bIns="0" rtlCol="0">
+            <a:spAutoFit/>
+          </a:bodyPr>
+          <a:lstStyle/>
+          <a:p>
+            <a:r>
+              <a:rPr lang="da-DK" sz="1100" b="1" dirty="0">
+                <a:solidFill>
+                  <a:schemeClr val="accent6"/>
+                </a:solidFill>
+              </a:rPr>
+              <a:t> </a:t>
+            </a:r>
+            <a:r>
+              <a:rPr lang="da-DK" sz="1100" b="1" dirty="0" smtClean="0">
+                <a:solidFill>
+                  <a:schemeClr val="accent6"/>
+                </a:solidFill>
+              </a:rPr>
+              <a:t>LOOP</a:t>
+            </a:r>
+            <a:endParaRPr lang="da-DK" sz="1100" b="1" dirty="0">
+              <a:solidFill>
+                <a:schemeClr val="accent6"/>
+              </a:solidFill>
+            </a:endParaRPr>
+          </a:p>
+          <a:p>
+            <a:endParaRPr lang="da-DK" sz="1100" dirty="0"/>
+          </a:p>
+          <a:p>
+            <a:endParaRPr lang="da-DK" sz="1100" dirty="0"/>
+          </a:p>
+          <a:p>
+            <a:endParaRPr lang="da-DK" sz="1100" dirty="0"/>
+          </a:p>
+          <a:p>
+            <a:endParaRPr lang="en-GB" sz="1100" dirty="0"/>
+          </a:p>
+        </p:txBody>
+      </p:sp>
+    </p:spTree>
+    <p:extLst>
+      <p:ext uri="{BB962C8B-B14F-4D97-AF65-F5344CB8AC3E}">
+        <p14:creationId xmlns:p14="http://schemas.microsoft.com/office/powerpoint/2010/main" val="788200518"/>
       </p:ext>
     </p:extLst>
   </p:cSld>
@@ -48596,6 +49815,32 @@
 <file path=ppt/tags/tag7.xml><?xml version="1.0" encoding="utf-8"?>
 <p:tagLst xmlns:a="http://schemas.openxmlformats.org/drawingml/2006/main" xmlns:r="http://schemas.openxmlformats.org/officeDocument/2006/relationships" xmlns:p="http://schemas.openxmlformats.org/presentationml/2006/main">
   <p:tag name="THINKCELLSHAPEDONOTDELETE" val="thinkcellActiveDocDoNotDelete"/>
+</p:tagLst>
+</file>
+
+<file path=ppt/tags/tag70.xml><?xml version="1.0" encoding="utf-8"?>
+<p:tagLst xmlns:a="http://schemas.openxmlformats.org/drawingml/2006/main" xmlns:r="http://schemas.openxmlformats.org/officeDocument/2006/relationships" xmlns:p="http://schemas.openxmlformats.org/presentationml/2006/main">
+  <p:tag name="MIO_GUID" val="a7f3e6c8-c6b6-4086-9480-dc906492de93"/>
+  <p:tag name="MIO_EKGUID" val="10433a5b-fa5c-4118-afff-a95b422417fe"/>
+  <p:tag name="MIO_UPDATE" val="True"/>
+  <p:tag name="MIO_VERSION" val="07.11.2017 12:41:49"/>
+  <p:tag name="MIO_DBID" val="5D9FD29E-BEEC-40D7-BFBE-407D9085DE5F"/>
+  <p:tag name="MIO_LASTDOWNLOADED" val="30.10.2018 21:54:48"/>
+  <p:tag name="MIO_OBJECTNAME" val="icon_computer_colour"/>
+  <p:tag name="MIO_LASTEDITORNAME" val="Cecilie Rahbek Knudsen"/>
+</p:tagLst>
+</file>
+
+<file path=ppt/tags/tag71.xml><?xml version="1.0" encoding="utf-8"?>
+<p:tagLst xmlns:a="http://schemas.openxmlformats.org/drawingml/2006/main" xmlns:r="http://schemas.openxmlformats.org/officeDocument/2006/relationships" xmlns:p="http://schemas.openxmlformats.org/presentationml/2006/main">
+  <p:tag name="MIO_GUID" val="a7f3e6c8-c6b6-4086-9480-dc906492de93"/>
+  <p:tag name="MIO_EKGUID" val="10433a5b-fa5c-4118-afff-a95b422417fe"/>
+  <p:tag name="MIO_UPDATE" val="True"/>
+  <p:tag name="MIO_VERSION" val="07.11.2017 12:41:49"/>
+  <p:tag name="MIO_DBID" val="5D9FD29E-BEEC-40D7-BFBE-407D9085DE5F"/>
+  <p:tag name="MIO_LASTDOWNLOADED" val="30.10.2018 21:54:48"/>
+  <p:tag name="MIO_OBJECTNAME" val="icon_computer_colour"/>
+  <p:tag name="MIO_LASTEDITORNAME" val="Cecilie Rahbek Knudsen"/>
 </p:tagLst>
 </file>
 

--- a/docs/assets/TitaniumFlows.pptx
+++ b/docs/assets/TitaniumFlows.pptx
@@ -27,6 +27,7 @@
     <p:sldId id="271" r:id="rId21"/>
     <p:sldId id="276" r:id="rId22"/>
     <p:sldId id="277" r:id="rId23"/>
+    <p:sldId id="278" r:id="rId24"/>
   </p:sldIdLst>
   <p:sldSz cx="12192000" cy="11520488"/>
   <p:notesSz cx="6858000" cy="9144000"/>
@@ -205,7 +206,7 @@
           <a:graphicData uri="http://schemas.openxmlformats.org/presentationml/2006/ole">
             <mc:AlternateContent xmlns:mc="http://schemas.openxmlformats.org/markup-compatibility/2006">
               <mc:Choice xmlns:v="urn:schemas-microsoft-com:vml" Requires="v">
-                <p:oleObj spid="_x0000_s2113" name="think-cell Slide" r:id="rId5" imgW="270" imgH="270" progId="TCLayout.ActiveDocument.1">
+                <p:oleObj spid="_x0000_s2115" name="think-cell Slide" r:id="rId5" imgW="270" imgH="270" progId="TCLayout.ActiveDocument.1">
                   <p:embed/>
                 </p:oleObj>
               </mc:Choice>
@@ -485,7 +486,7 @@
           <a:graphicData uri="http://schemas.openxmlformats.org/presentationml/2006/ole">
             <mc:AlternateContent xmlns:mc="http://schemas.openxmlformats.org/markup-compatibility/2006">
               <mc:Choice xmlns:v="urn:schemas-microsoft-com:vml" Requires="v">
-                <p:oleObj spid="_x0000_s9344" name="think-cell Slide" r:id="rId5" imgW="270" imgH="270" progId="TCLayout.ActiveDocument.1">
+                <p:oleObj spid="_x0000_s9348" name="think-cell Slide" r:id="rId5" imgW="270" imgH="270" progId="TCLayout.ActiveDocument.1">
                   <p:embed/>
                 </p:oleObj>
               </mc:Choice>
@@ -1193,7 +1194,7 @@
           <a:graphicData uri="http://schemas.openxmlformats.org/presentationml/2006/ole">
             <mc:AlternateContent xmlns:mc="http://schemas.openxmlformats.org/markup-compatibility/2006">
               <mc:Choice xmlns:v="urn:schemas-microsoft-com:vml" Requires="v">
-                <p:oleObj spid="_x0000_s9345" name="think-cell Slide" r:id="rId7" imgW="270" imgH="270" progId="TCLayout.ActiveDocument.1">
+                <p:oleObj spid="_x0000_s9349" name="think-cell Slide" r:id="rId7" imgW="270" imgH="270" progId="TCLayout.ActiveDocument.1">
                   <p:embed/>
                 </p:oleObj>
               </mc:Choice>
@@ -1498,7 +1499,7 @@
           <a:graphicData uri="http://schemas.openxmlformats.org/presentationml/2006/ole">
             <mc:AlternateContent xmlns:mc="http://schemas.openxmlformats.org/markup-compatibility/2006">
               <mc:Choice xmlns:v="urn:schemas-microsoft-com:vml" Requires="v">
-                <p:oleObj spid="_x0000_s10368" name="think-cell Slide" r:id="rId5" imgW="270" imgH="270" progId="TCLayout.ActiveDocument.1">
+                <p:oleObj spid="_x0000_s10372" name="think-cell Slide" r:id="rId5" imgW="270" imgH="270" progId="TCLayout.ActiveDocument.1">
                   <p:embed/>
                 </p:oleObj>
               </mc:Choice>
@@ -1949,7 +1950,7 @@
           <a:graphicData uri="http://schemas.openxmlformats.org/presentationml/2006/ole">
             <mc:AlternateContent xmlns:mc="http://schemas.openxmlformats.org/markup-compatibility/2006">
               <mc:Choice xmlns:v="urn:schemas-microsoft-com:vml" Requires="v">
-                <p:oleObj spid="_x0000_s10369" name="think-cell Slide" r:id="rId8" imgW="270" imgH="270" progId="TCLayout.ActiveDocument.1">
+                <p:oleObj spid="_x0000_s10373" name="think-cell Slide" r:id="rId8" imgW="270" imgH="270" progId="TCLayout.ActiveDocument.1">
                   <p:embed/>
                 </p:oleObj>
               </mc:Choice>
@@ -2216,7 +2217,7 @@
           <a:graphicData uri="http://schemas.openxmlformats.org/presentationml/2006/ole">
             <mc:AlternateContent xmlns:mc="http://schemas.openxmlformats.org/markup-compatibility/2006">
               <mc:Choice xmlns:v="urn:schemas-microsoft-com:vml" Requires="v">
-                <p:oleObj spid="_x0000_s11329" name="think-cell Slide" r:id="rId4" imgW="270" imgH="270" progId="TCLayout.ActiveDocument.1">
+                <p:oleObj spid="_x0000_s11331" name="think-cell Slide" r:id="rId4" imgW="270" imgH="270" progId="TCLayout.ActiveDocument.1">
                   <p:embed/>
                 </p:oleObj>
               </mc:Choice>
@@ -2663,7 +2664,7 @@
           <a:graphicData uri="http://schemas.openxmlformats.org/presentationml/2006/ole">
             <mc:AlternateContent xmlns:mc="http://schemas.openxmlformats.org/markup-compatibility/2006">
               <mc:Choice xmlns:v="urn:schemas-microsoft-com:vml" Requires="v">
-                <p:oleObj spid="_x0000_s12353" name="think-cell Slide" r:id="rId4" imgW="270" imgH="270" progId="TCLayout.ActiveDocument.1">
+                <p:oleObj spid="_x0000_s12355" name="think-cell Slide" r:id="rId4" imgW="270" imgH="270" progId="TCLayout.ActiveDocument.1">
                   <p:embed/>
                 </p:oleObj>
               </mc:Choice>
@@ -3272,7 +3273,7 @@
           <a:graphicData uri="http://schemas.openxmlformats.org/presentationml/2006/ole">
             <mc:AlternateContent xmlns:mc="http://schemas.openxmlformats.org/markup-compatibility/2006">
               <mc:Choice xmlns:v="urn:schemas-microsoft-com:vml" Requires="v">
-                <p:oleObj spid="_x0000_s13377" name="think-cell Slide" r:id="rId4" imgW="270" imgH="270" progId="TCLayout.ActiveDocument.1">
+                <p:oleObj spid="_x0000_s13379" name="think-cell Slide" r:id="rId4" imgW="270" imgH="270" progId="TCLayout.ActiveDocument.1">
                   <p:embed/>
                 </p:oleObj>
               </mc:Choice>
@@ -3881,7 +3882,7 @@
           <a:graphicData uri="http://schemas.openxmlformats.org/presentationml/2006/ole">
             <mc:AlternateContent xmlns:mc="http://schemas.openxmlformats.org/markup-compatibility/2006">
               <mc:Choice xmlns:v="urn:schemas-microsoft-com:vml" Requires="v">
-                <p:oleObj spid="_x0000_s14401" name="think-cell Slide" r:id="rId4" imgW="270" imgH="270" progId="TCLayout.ActiveDocument.1">
+                <p:oleObj spid="_x0000_s14403" name="think-cell Slide" r:id="rId4" imgW="270" imgH="270" progId="TCLayout.ActiveDocument.1">
                   <p:embed/>
                 </p:oleObj>
               </mc:Choice>
@@ -4490,7 +4491,7 @@
           <a:graphicData uri="http://schemas.openxmlformats.org/presentationml/2006/ole">
             <mc:AlternateContent xmlns:mc="http://schemas.openxmlformats.org/markup-compatibility/2006">
               <mc:Choice xmlns:v="urn:schemas-microsoft-com:vml" Requires="v">
-                <p:oleObj spid="_x0000_s15425" name="think-cell Slide" r:id="rId4" imgW="270" imgH="270" progId="TCLayout.ActiveDocument.1">
+                <p:oleObj spid="_x0000_s15427" name="think-cell Slide" r:id="rId4" imgW="270" imgH="270" progId="TCLayout.ActiveDocument.1">
                   <p:embed/>
                 </p:oleObj>
               </mc:Choice>
@@ -5099,7 +5100,7 @@
           <a:graphicData uri="http://schemas.openxmlformats.org/presentationml/2006/ole">
             <mc:AlternateContent xmlns:mc="http://schemas.openxmlformats.org/markup-compatibility/2006">
               <mc:Choice xmlns:v="urn:schemas-microsoft-com:vml" Requires="v">
-                <p:oleObj spid="_x0000_s16449" name="think-cell Slide" r:id="rId4" imgW="270" imgH="270" progId="TCLayout.ActiveDocument.1">
+                <p:oleObj spid="_x0000_s16451" name="think-cell Slide" r:id="rId4" imgW="270" imgH="270" progId="TCLayout.ActiveDocument.1">
                   <p:embed/>
                 </p:oleObj>
               </mc:Choice>
@@ -5708,7 +5709,7 @@
           <a:graphicData uri="http://schemas.openxmlformats.org/presentationml/2006/ole">
             <mc:AlternateContent xmlns:mc="http://schemas.openxmlformats.org/markup-compatibility/2006">
               <mc:Choice xmlns:v="urn:schemas-microsoft-com:vml" Requires="v">
-                <p:oleObj spid="_x0000_s17473" name="think-cell Slide" r:id="rId4" imgW="270" imgH="270" progId="TCLayout.ActiveDocument.1">
+                <p:oleObj spid="_x0000_s17475" name="think-cell Slide" r:id="rId4" imgW="270" imgH="270" progId="TCLayout.ActiveDocument.1">
                   <p:embed/>
                 </p:oleObj>
               </mc:Choice>
@@ -6521,7 +6522,7 @@
           <a:graphicData uri="http://schemas.openxmlformats.org/presentationml/2006/ole">
             <mc:AlternateContent xmlns:mc="http://schemas.openxmlformats.org/markup-compatibility/2006">
               <mc:Choice xmlns:v="urn:schemas-microsoft-com:vml" Requires="v">
-                <p:oleObj spid="_x0000_s3137" name="think-cell Slide" r:id="rId4" imgW="270" imgH="270" progId="TCLayout.ActiveDocument.1">
+                <p:oleObj spid="_x0000_s3139" name="think-cell Slide" r:id="rId4" imgW="270" imgH="270" progId="TCLayout.ActiveDocument.1">
                   <p:embed/>
                 </p:oleObj>
               </mc:Choice>
@@ -6835,7 +6836,7 @@
           <a:graphicData uri="http://schemas.openxmlformats.org/presentationml/2006/ole">
             <mc:AlternateContent xmlns:mc="http://schemas.openxmlformats.org/markup-compatibility/2006">
               <mc:Choice xmlns:v="urn:schemas-microsoft-com:vml" Requires="v">
-                <p:oleObj spid="_x0000_s19521" name="think-cell Slide" r:id="rId5" imgW="270" imgH="270" progId="TCLayout.ActiveDocument.1">
+                <p:oleObj spid="_x0000_s19523" name="think-cell Slide" r:id="rId5" imgW="270" imgH="270" progId="TCLayout.ActiveDocument.1">
                   <p:embed/>
                 </p:oleObj>
               </mc:Choice>
@@ -7112,7 +7113,7 @@
           <a:graphicData uri="http://schemas.openxmlformats.org/presentationml/2006/ole">
             <mc:AlternateContent xmlns:mc="http://schemas.openxmlformats.org/markup-compatibility/2006">
               <mc:Choice xmlns:v="urn:schemas-microsoft-com:vml" Requires="v">
-                <p:oleObj spid="_x0000_s20545" name="think-cell Slide" r:id="rId4" imgW="270" imgH="270" progId="TCLayout.ActiveDocument.1">
+                <p:oleObj spid="_x0000_s20547" name="think-cell Slide" r:id="rId4" imgW="270" imgH="270" progId="TCLayout.ActiveDocument.1">
                   <p:embed/>
                 </p:oleObj>
               </mc:Choice>
@@ -7710,7 +7711,7 @@
           <a:graphicData uri="http://schemas.openxmlformats.org/presentationml/2006/ole">
             <mc:AlternateContent xmlns:mc="http://schemas.openxmlformats.org/markup-compatibility/2006">
               <mc:Choice xmlns:v="urn:schemas-microsoft-com:vml" Requires="v">
-                <p:oleObj spid="_x0000_s21569" name="think-cell Slide" r:id="rId4" imgW="270" imgH="270" progId="TCLayout.ActiveDocument.1">
+                <p:oleObj spid="_x0000_s21571" name="think-cell Slide" r:id="rId4" imgW="270" imgH="270" progId="TCLayout.ActiveDocument.1">
                   <p:embed/>
                 </p:oleObj>
               </mc:Choice>
@@ -8264,7 +8265,7 @@
           <a:graphicData uri="http://schemas.openxmlformats.org/presentationml/2006/ole">
             <mc:AlternateContent xmlns:mc="http://schemas.openxmlformats.org/markup-compatibility/2006">
               <mc:Choice xmlns:v="urn:schemas-microsoft-com:vml" Requires="v">
-                <p:oleObj spid="_x0000_s22593" name="think-cell Slide" r:id="rId4" imgW="270" imgH="270" progId="TCLayout.ActiveDocument.1">
+                <p:oleObj spid="_x0000_s22595" name="think-cell Slide" r:id="rId4" imgW="270" imgH="270" progId="TCLayout.ActiveDocument.1">
                   <p:embed/>
                 </p:oleObj>
               </mc:Choice>
@@ -8872,7 +8873,7 @@
           <a:graphicData uri="http://schemas.openxmlformats.org/presentationml/2006/ole">
             <mc:AlternateContent xmlns:mc="http://schemas.openxmlformats.org/markup-compatibility/2006">
               <mc:Choice xmlns:v="urn:schemas-microsoft-com:vml" Requires="v">
-                <p:oleObj spid="_x0000_s23680" name="think-cell Slide" r:id="rId5" imgW="270" imgH="270" progId="TCLayout.ActiveDocument.1">
+                <p:oleObj spid="_x0000_s23684" name="think-cell Slide" r:id="rId5" imgW="270" imgH="270" progId="TCLayout.ActiveDocument.1">
                   <p:embed/>
                 </p:oleObj>
               </mc:Choice>
@@ -9195,7 +9196,7 @@
           <a:graphicData uri="http://schemas.openxmlformats.org/presentationml/2006/ole">
             <mc:AlternateContent xmlns:mc="http://schemas.openxmlformats.org/markup-compatibility/2006">
               <mc:Choice xmlns:v="urn:schemas-microsoft-com:vml" Requires="v">
-                <p:oleObj spid="_x0000_s23681" name="think-cell Slide" r:id="rId7" imgW="270" imgH="270" progId="TCLayout.ActiveDocument.1">
+                <p:oleObj spid="_x0000_s23685" name="think-cell Slide" r:id="rId7" imgW="270" imgH="270" progId="TCLayout.ActiveDocument.1">
                   <p:embed/>
                 </p:oleObj>
               </mc:Choice>
@@ -9982,7 +9983,7 @@
           <a:graphicData uri="http://schemas.openxmlformats.org/presentationml/2006/ole">
             <mc:AlternateContent xmlns:mc="http://schemas.openxmlformats.org/markup-compatibility/2006">
               <mc:Choice xmlns:v="urn:schemas-microsoft-com:vml" Requires="v">
-                <p:oleObj spid="_x0000_s24704" name="think-cell Slide" r:id="rId5" imgW="270" imgH="270" progId="TCLayout.ActiveDocument.1">
+                <p:oleObj spid="_x0000_s24708" name="think-cell Slide" r:id="rId5" imgW="270" imgH="270" progId="TCLayout.ActiveDocument.1">
                   <p:embed/>
                 </p:oleObj>
               </mc:Choice>
@@ -10403,7 +10404,7 @@
           <a:graphicData uri="http://schemas.openxmlformats.org/presentationml/2006/ole">
             <mc:AlternateContent xmlns:mc="http://schemas.openxmlformats.org/markup-compatibility/2006">
               <mc:Choice xmlns:v="urn:schemas-microsoft-com:vml" Requires="v">
-                <p:oleObj spid="_x0000_s24705" name="think-cell Slide" r:id="rId7" imgW="270" imgH="270" progId="TCLayout.ActiveDocument.1">
+                <p:oleObj spid="_x0000_s24709" name="think-cell Slide" r:id="rId7" imgW="270" imgH="270" progId="TCLayout.ActiveDocument.1">
                   <p:embed/>
                 </p:oleObj>
               </mc:Choice>
@@ -10691,7 +10692,7 @@
           <a:graphicData uri="http://schemas.openxmlformats.org/presentationml/2006/ole">
             <mc:AlternateContent xmlns:mc="http://schemas.openxmlformats.org/markup-compatibility/2006">
               <mc:Choice xmlns:v="urn:schemas-microsoft-com:vml" Requires="v">
-                <p:oleObj spid="_x0000_s25728" name="think-cell Slide" r:id="rId5" imgW="270" imgH="270" progId="TCLayout.ActiveDocument.1">
+                <p:oleObj spid="_x0000_s25732" name="think-cell Slide" r:id="rId5" imgW="270" imgH="270" progId="TCLayout.ActiveDocument.1">
                   <p:embed/>
                 </p:oleObj>
               </mc:Choice>
@@ -11112,7 +11113,7 @@
           <a:graphicData uri="http://schemas.openxmlformats.org/presentationml/2006/ole">
             <mc:AlternateContent xmlns:mc="http://schemas.openxmlformats.org/markup-compatibility/2006">
               <mc:Choice xmlns:v="urn:schemas-microsoft-com:vml" Requires="v">
-                <p:oleObj spid="_x0000_s25729" name="think-cell Slide" r:id="rId7" imgW="270" imgH="270" progId="TCLayout.ActiveDocument.1">
+                <p:oleObj spid="_x0000_s25733" name="think-cell Slide" r:id="rId7" imgW="270" imgH="270" progId="TCLayout.ActiveDocument.1">
                   <p:embed/>
                 </p:oleObj>
               </mc:Choice>
@@ -11405,7 +11406,7 @@
           <a:graphicData uri="http://schemas.openxmlformats.org/presentationml/2006/ole">
             <mc:AlternateContent xmlns:mc="http://schemas.openxmlformats.org/markup-compatibility/2006">
               <mc:Choice xmlns:v="urn:schemas-microsoft-com:vml" Requires="v">
-                <p:oleObj spid="_x0000_s26752" name="think-cell Slide" r:id="rId5" imgW="270" imgH="270" progId="TCLayout.ActiveDocument.1">
+                <p:oleObj spid="_x0000_s26756" name="think-cell Slide" r:id="rId5" imgW="270" imgH="270" progId="TCLayout.ActiveDocument.1">
                   <p:embed/>
                 </p:oleObj>
               </mc:Choice>
@@ -12110,7 +12111,7 @@
           <a:graphicData uri="http://schemas.openxmlformats.org/presentationml/2006/ole">
             <mc:AlternateContent xmlns:mc="http://schemas.openxmlformats.org/markup-compatibility/2006">
               <mc:Choice xmlns:v="urn:schemas-microsoft-com:vml" Requires="v">
-                <p:oleObj spid="_x0000_s26753" name="think-cell Slide" r:id="rId7" imgW="270" imgH="270" progId="TCLayout.ActiveDocument.1">
+                <p:oleObj spid="_x0000_s26757" name="think-cell Slide" r:id="rId7" imgW="270" imgH="270" progId="TCLayout.ActiveDocument.1">
                   <p:embed/>
                 </p:oleObj>
               </mc:Choice>
@@ -12723,7 +12724,7 @@
           <a:graphicData uri="http://schemas.openxmlformats.org/presentationml/2006/ole">
             <mc:AlternateContent xmlns:mc="http://schemas.openxmlformats.org/markup-compatibility/2006">
               <mc:Choice xmlns:v="urn:schemas-microsoft-com:vml" Requires="v">
-                <p:oleObj spid="_x0000_s27776" name="think-cell Slide" r:id="rId5" imgW="270" imgH="270" progId="TCLayout.ActiveDocument.1">
+                <p:oleObj spid="_x0000_s27780" name="think-cell Slide" r:id="rId5" imgW="270" imgH="270" progId="TCLayout.ActiveDocument.1">
                   <p:embed/>
                 </p:oleObj>
               </mc:Choice>
@@ -13171,7 +13172,7 @@
           <a:graphicData uri="http://schemas.openxmlformats.org/presentationml/2006/ole">
             <mc:AlternateContent xmlns:mc="http://schemas.openxmlformats.org/markup-compatibility/2006">
               <mc:Choice xmlns:v="urn:schemas-microsoft-com:vml" Requires="v">
-                <p:oleObj spid="_x0000_s27777" name="think-cell Slide" r:id="rId8" imgW="270" imgH="270" progId="TCLayout.ActiveDocument.1">
+                <p:oleObj spid="_x0000_s27781" name="think-cell Slide" r:id="rId8" imgW="270" imgH="270" progId="TCLayout.ActiveDocument.1">
                   <p:embed/>
                 </p:oleObj>
               </mc:Choice>
@@ -13460,7 +13461,7 @@
           <a:graphicData uri="http://schemas.openxmlformats.org/presentationml/2006/ole">
             <mc:AlternateContent xmlns:mc="http://schemas.openxmlformats.org/markup-compatibility/2006">
               <mc:Choice xmlns:v="urn:schemas-microsoft-com:vml" Requires="v">
-                <p:oleObj spid="_x0000_s29761" name="think-cell Slide" r:id="rId5" imgW="270" imgH="270" progId="TCLayout.ActiveDocument.1">
+                <p:oleObj spid="_x0000_s29763" name="think-cell Slide" r:id="rId5" imgW="270" imgH="270" progId="TCLayout.ActiveDocument.1">
                   <p:embed/>
                 </p:oleObj>
               </mc:Choice>
@@ -13749,7 +13750,7 @@
           <a:graphicData uri="http://schemas.openxmlformats.org/presentationml/2006/ole">
             <mc:AlternateContent xmlns:mc="http://schemas.openxmlformats.org/markup-compatibility/2006">
               <mc:Choice xmlns:v="urn:schemas-microsoft-com:vml" Requires="v">
-                <p:oleObj spid="_x0000_s30785" name="think-cell Slide" r:id="rId4" imgW="270" imgH="270" progId="TCLayout.ActiveDocument.1">
+                <p:oleObj spid="_x0000_s30787" name="think-cell Slide" r:id="rId4" imgW="270" imgH="270" progId="TCLayout.ActiveDocument.1">
                   <p:embed/>
                 </p:oleObj>
               </mc:Choice>
@@ -14371,7 +14372,7 @@
           <a:graphicData uri="http://schemas.openxmlformats.org/presentationml/2006/ole">
             <mc:AlternateContent xmlns:mc="http://schemas.openxmlformats.org/markup-compatibility/2006">
               <mc:Choice xmlns:v="urn:schemas-microsoft-com:vml" Requires="v">
-                <p:oleObj spid="_x0000_s31809" name="think-cell Slide" r:id="rId4" imgW="270" imgH="270" progId="TCLayout.ActiveDocument.1">
+                <p:oleObj spid="_x0000_s31811" name="think-cell Slide" r:id="rId4" imgW="270" imgH="270" progId="TCLayout.ActiveDocument.1">
                   <p:embed/>
                 </p:oleObj>
               </mc:Choice>
@@ -14937,7 +14938,7 @@
           <a:graphicData uri="http://schemas.openxmlformats.org/presentationml/2006/ole">
             <mc:AlternateContent xmlns:mc="http://schemas.openxmlformats.org/markup-compatibility/2006">
               <mc:Choice xmlns:v="urn:schemas-microsoft-com:vml" Requires="v">
-                <p:oleObj spid="_x0000_s32833" name="think-cell Slide" r:id="rId4" imgW="270" imgH="270" progId="TCLayout.ActiveDocument.1">
+                <p:oleObj spid="_x0000_s32835" name="think-cell Slide" r:id="rId4" imgW="270" imgH="270" progId="TCLayout.ActiveDocument.1">
                   <p:embed/>
                 </p:oleObj>
               </mc:Choice>
@@ -15557,7 +15558,7 @@
           <a:graphicData uri="http://schemas.openxmlformats.org/presentationml/2006/ole">
             <mc:AlternateContent xmlns:mc="http://schemas.openxmlformats.org/markup-compatibility/2006">
               <mc:Choice xmlns:v="urn:schemas-microsoft-com:vml" Requires="v">
-                <p:oleObj spid="_x0000_s33920" name="think-cell Slide" r:id="rId5" imgW="270" imgH="270" progId="TCLayout.ActiveDocument.1">
+                <p:oleObj spid="_x0000_s33924" name="think-cell Slide" r:id="rId5" imgW="270" imgH="270" progId="TCLayout.ActiveDocument.1">
                   <p:embed/>
                 </p:oleObj>
               </mc:Choice>
@@ -15888,7 +15889,7 @@
           <a:graphicData uri="http://schemas.openxmlformats.org/presentationml/2006/ole">
             <mc:AlternateContent xmlns:mc="http://schemas.openxmlformats.org/markup-compatibility/2006">
               <mc:Choice xmlns:v="urn:schemas-microsoft-com:vml" Requires="v">
-                <p:oleObj spid="_x0000_s33921" name="think-cell Slide" r:id="rId7" imgW="270" imgH="270" progId="TCLayout.ActiveDocument.1">
+                <p:oleObj spid="_x0000_s33925" name="think-cell Slide" r:id="rId7" imgW="270" imgH="270" progId="TCLayout.ActiveDocument.1">
                   <p:embed/>
                 </p:oleObj>
               </mc:Choice>
@@ -16691,7 +16692,7 @@
           <a:graphicData uri="http://schemas.openxmlformats.org/presentationml/2006/ole">
             <mc:AlternateContent xmlns:mc="http://schemas.openxmlformats.org/markup-compatibility/2006">
               <mc:Choice xmlns:v="urn:schemas-microsoft-com:vml" Requires="v">
-                <p:oleObj spid="_x0000_s34944" name="think-cell Slide" r:id="rId5" imgW="270" imgH="270" progId="TCLayout.ActiveDocument.1">
+                <p:oleObj spid="_x0000_s34948" name="think-cell Slide" r:id="rId5" imgW="270" imgH="270" progId="TCLayout.ActiveDocument.1">
                   <p:embed/>
                 </p:oleObj>
               </mc:Choice>
@@ -17120,7 +17121,7 @@
           <a:graphicData uri="http://schemas.openxmlformats.org/presentationml/2006/ole">
             <mc:AlternateContent xmlns:mc="http://schemas.openxmlformats.org/markup-compatibility/2006">
               <mc:Choice xmlns:v="urn:schemas-microsoft-com:vml" Requires="v">
-                <p:oleObj spid="_x0000_s34945" name="think-cell Slide" r:id="rId7" imgW="270" imgH="270" progId="TCLayout.ActiveDocument.1">
+                <p:oleObj spid="_x0000_s34949" name="think-cell Slide" r:id="rId7" imgW="270" imgH="270" progId="TCLayout.ActiveDocument.1">
                   <p:embed/>
                 </p:oleObj>
               </mc:Choice>
@@ -17412,7 +17413,7 @@
           <a:graphicData uri="http://schemas.openxmlformats.org/presentationml/2006/ole">
             <mc:AlternateContent xmlns:mc="http://schemas.openxmlformats.org/markup-compatibility/2006">
               <mc:Choice xmlns:v="urn:schemas-microsoft-com:vml" Requires="v">
-                <p:oleObj spid="_x0000_s35968" name="think-cell Slide" r:id="rId5" imgW="270" imgH="270" progId="TCLayout.ActiveDocument.1">
+                <p:oleObj spid="_x0000_s35972" name="think-cell Slide" r:id="rId5" imgW="270" imgH="270" progId="TCLayout.ActiveDocument.1">
                   <p:embed/>
                 </p:oleObj>
               </mc:Choice>
@@ -17841,7 +17842,7 @@
           <a:graphicData uri="http://schemas.openxmlformats.org/presentationml/2006/ole">
             <mc:AlternateContent xmlns:mc="http://schemas.openxmlformats.org/markup-compatibility/2006">
               <mc:Choice xmlns:v="urn:schemas-microsoft-com:vml" Requires="v">
-                <p:oleObj spid="_x0000_s35969" name="think-cell Slide" r:id="rId7" imgW="270" imgH="270" progId="TCLayout.ActiveDocument.1">
+                <p:oleObj spid="_x0000_s35973" name="think-cell Slide" r:id="rId7" imgW="270" imgH="270" progId="TCLayout.ActiveDocument.1">
                   <p:embed/>
                 </p:oleObj>
               </mc:Choice>
@@ -18142,7 +18143,7 @@
           <a:graphicData uri="http://schemas.openxmlformats.org/presentationml/2006/ole">
             <mc:AlternateContent xmlns:mc="http://schemas.openxmlformats.org/markup-compatibility/2006">
               <mc:Choice xmlns:v="urn:schemas-microsoft-com:vml" Requires="v">
-                <p:oleObj spid="_x0000_s4161" name="think-cell Slide" r:id="rId4" imgW="270" imgH="270" progId="TCLayout.ActiveDocument.1">
+                <p:oleObj spid="_x0000_s4163" name="think-cell Slide" r:id="rId4" imgW="270" imgH="270" progId="TCLayout.ActiveDocument.1">
                   <p:embed/>
                 </p:oleObj>
               </mc:Choice>
@@ -18695,7 +18696,7 @@
           <a:graphicData uri="http://schemas.openxmlformats.org/presentationml/2006/ole">
             <mc:AlternateContent xmlns:mc="http://schemas.openxmlformats.org/markup-compatibility/2006">
               <mc:Choice xmlns:v="urn:schemas-microsoft-com:vml" Requires="v">
-                <p:oleObj spid="_x0000_s36992" name="think-cell Slide" r:id="rId5" imgW="270" imgH="270" progId="TCLayout.ActiveDocument.1">
+                <p:oleObj spid="_x0000_s36996" name="think-cell Slide" r:id="rId5" imgW="270" imgH="270" progId="TCLayout.ActiveDocument.1">
                   <p:embed/>
                 </p:oleObj>
               </mc:Choice>
@@ -19408,7 +19409,7 @@
           <a:graphicData uri="http://schemas.openxmlformats.org/presentationml/2006/ole">
             <mc:AlternateContent xmlns:mc="http://schemas.openxmlformats.org/markup-compatibility/2006">
               <mc:Choice xmlns:v="urn:schemas-microsoft-com:vml" Requires="v">
-                <p:oleObj spid="_x0000_s36993" name="think-cell Slide" r:id="rId7" imgW="270" imgH="270" progId="TCLayout.ActiveDocument.1">
+                <p:oleObj spid="_x0000_s36997" name="think-cell Slide" r:id="rId7" imgW="270" imgH="270" progId="TCLayout.ActiveDocument.1">
                   <p:embed/>
                 </p:oleObj>
               </mc:Choice>
@@ -19713,7 +19714,7 @@
           <a:graphicData uri="http://schemas.openxmlformats.org/presentationml/2006/ole">
             <mc:AlternateContent xmlns:mc="http://schemas.openxmlformats.org/markup-compatibility/2006">
               <mc:Choice xmlns:v="urn:schemas-microsoft-com:vml" Requires="v">
-                <p:oleObj spid="_x0000_s38016" name="think-cell Slide" r:id="rId5" imgW="270" imgH="270" progId="TCLayout.ActiveDocument.1">
+                <p:oleObj spid="_x0000_s38020" name="think-cell Slide" r:id="rId5" imgW="270" imgH="270" progId="TCLayout.ActiveDocument.1">
                   <p:embed/>
                 </p:oleObj>
               </mc:Choice>
@@ -20169,7 +20170,7 @@
           <a:graphicData uri="http://schemas.openxmlformats.org/presentationml/2006/ole">
             <mc:AlternateContent xmlns:mc="http://schemas.openxmlformats.org/markup-compatibility/2006">
               <mc:Choice xmlns:v="urn:schemas-microsoft-com:vml" Requires="v">
-                <p:oleObj spid="_x0000_s38017" name="think-cell Slide" r:id="rId8" imgW="270" imgH="270" progId="TCLayout.ActiveDocument.1">
+                <p:oleObj spid="_x0000_s38021" name="think-cell Slide" r:id="rId8" imgW="270" imgH="270" progId="TCLayout.ActiveDocument.1">
                   <p:embed/>
                 </p:oleObj>
               </mc:Choice>
@@ -20440,7 +20441,7 @@
           <a:graphicData uri="http://schemas.openxmlformats.org/presentationml/2006/ole">
             <mc:AlternateContent xmlns:mc="http://schemas.openxmlformats.org/markup-compatibility/2006">
               <mc:Choice xmlns:v="urn:schemas-microsoft-com:vml" Requires="v">
-                <p:oleObj spid="_x0000_s38977" name="think-cell Slide" r:id="rId4" imgW="270" imgH="270" progId="TCLayout.ActiveDocument.1">
+                <p:oleObj spid="_x0000_s38979" name="think-cell Slide" r:id="rId4" imgW="270" imgH="270" progId="TCLayout.ActiveDocument.1">
                   <p:embed/>
                 </p:oleObj>
               </mc:Choice>
@@ -20904,7 +20905,7 @@
           <a:graphicData uri="http://schemas.openxmlformats.org/presentationml/2006/ole">
             <mc:AlternateContent xmlns:mc="http://schemas.openxmlformats.org/markup-compatibility/2006">
               <mc:Choice xmlns:v="urn:schemas-microsoft-com:vml" Requires="v">
-                <p:oleObj spid="_x0000_s5185" name="think-cell Slide" r:id="rId4" imgW="270" imgH="270" progId="TCLayout.ActiveDocument.1">
+                <p:oleObj spid="_x0000_s5187" name="think-cell Slide" r:id="rId4" imgW="270" imgH="270" progId="TCLayout.ActiveDocument.1">
                   <p:embed/>
                 </p:oleObj>
               </mc:Choice>
@@ -21515,7 +21516,7 @@
           <a:graphicData uri="http://schemas.openxmlformats.org/presentationml/2006/ole">
             <mc:AlternateContent xmlns:mc="http://schemas.openxmlformats.org/markup-compatibility/2006">
               <mc:Choice xmlns:v="urn:schemas-microsoft-com:vml" Requires="v">
-                <p:oleObj spid="_x0000_s6272" name="think-cell Slide" r:id="rId5" imgW="270" imgH="270" progId="TCLayout.ActiveDocument.1">
+                <p:oleObj spid="_x0000_s6276" name="think-cell Slide" r:id="rId5" imgW="270" imgH="270" progId="TCLayout.ActiveDocument.1">
                   <p:embed/>
                 </p:oleObj>
               </mc:Choice>
@@ -21841,7 +21842,7 @@
           <a:graphicData uri="http://schemas.openxmlformats.org/presentationml/2006/ole">
             <mc:AlternateContent xmlns:mc="http://schemas.openxmlformats.org/markup-compatibility/2006">
               <mc:Choice xmlns:v="urn:schemas-microsoft-com:vml" Requires="v">
-                <p:oleObj spid="_x0000_s6273" name="think-cell Slide" r:id="rId7" imgW="270" imgH="270" progId="TCLayout.ActiveDocument.1">
+                <p:oleObj spid="_x0000_s6277" name="think-cell Slide" r:id="rId7" imgW="270" imgH="270" progId="TCLayout.ActiveDocument.1">
                   <p:embed/>
                 </p:oleObj>
               </mc:Choice>
@@ -22631,7 +22632,7 @@
           <a:graphicData uri="http://schemas.openxmlformats.org/presentationml/2006/ole">
             <mc:AlternateContent xmlns:mc="http://schemas.openxmlformats.org/markup-compatibility/2006">
               <mc:Choice xmlns:v="urn:schemas-microsoft-com:vml" Requires="v">
-                <p:oleObj spid="_x0000_s7296" name="think-cell Slide" r:id="rId5" imgW="270" imgH="270" progId="TCLayout.ActiveDocument.1">
+                <p:oleObj spid="_x0000_s7300" name="think-cell Slide" r:id="rId5" imgW="270" imgH="270" progId="TCLayout.ActiveDocument.1">
                   <p:embed/>
                 </p:oleObj>
               </mc:Choice>
@@ -23055,7 +23056,7 @@
           <a:graphicData uri="http://schemas.openxmlformats.org/presentationml/2006/ole">
             <mc:AlternateContent xmlns:mc="http://schemas.openxmlformats.org/markup-compatibility/2006">
               <mc:Choice xmlns:v="urn:schemas-microsoft-com:vml" Requires="v">
-                <p:oleObj spid="_x0000_s7297" name="think-cell Slide" r:id="rId7" imgW="270" imgH="270" progId="TCLayout.ActiveDocument.1">
+                <p:oleObj spid="_x0000_s7301" name="think-cell Slide" r:id="rId7" imgW="270" imgH="270" progId="TCLayout.ActiveDocument.1">
                   <p:embed/>
                 </p:oleObj>
               </mc:Choice>
@@ -23347,7 +23348,7 @@
           <a:graphicData uri="http://schemas.openxmlformats.org/presentationml/2006/ole">
             <mc:AlternateContent xmlns:mc="http://schemas.openxmlformats.org/markup-compatibility/2006">
               <mc:Choice xmlns:v="urn:schemas-microsoft-com:vml" Requires="v">
-                <p:oleObj spid="_x0000_s8320" name="think-cell Slide" r:id="rId5" imgW="270" imgH="270" progId="TCLayout.ActiveDocument.1">
+                <p:oleObj spid="_x0000_s8324" name="think-cell Slide" r:id="rId5" imgW="270" imgH="270" progId="TCLayout.ActiveDocument.1">
                   <p:embed/>
                 </p:oleObj>
               </mc:Choice>
@@ -23771,7 +23772,7 @@
           <a:graphicData uri="http://schemas.openxmlformats.org/presentationml/2006/ole">
             <mc:AlternateContent xmlns:mc="http://schemas.openxmlformats.org/markup-compatibility/2006">
               <mc:Choice xmlns:v="urn:schemas-microsoft-com:vml" Requires="v">
-                <p:oleObj spid="_x0000_s8321" name="think-cell Slide" r:id="rId7" imgW="270" imgH="270" progId="TCLayout.ActiveDocument.1">
+                <p:oleObj spid="_x0000_s8325" name="think-cell Slide" r:id="rId7" imgW="270" imgH="270" progId="TCLayout.ActiveDocument.1">
                   <p:embed/>
                 </p:oleObj>
               </mc:Choice>
@@ -24076,7 +24077,7 @@
           <a:graphicData uri="http://schemas.openxmlformats.org/presentationml/2006/ole">
             <mc:AlternateContent xmlns:mc="http://schemas.openxmlformats.org/markup-compatibility/2006">
               <mc:Choice xmlns:v="urn:schemas-microsoft-com:vml" Requires="v">
-                <p:oleObj spid="_x0000_s1089" name="think-cell Slide" r:id="rId24" imgW="270" imgH="270" progId="TCLayout.ActiveDocument.1">
+                <p:oleObj spid="_x0000_s1091" name="think-cell Slide" r:id="rId24" imgW="270" imgH="270" progId="TCLayout.ActiveDocument.1">
                   <p:embed/>
                 </p:oleObj>
               </mc:Choice>
@@ -24770,7 +24771,7 @@
           <a:graphicData uri="http://schemas.openxmlformats.org/presentationml/2006/ole">
             <mc:AlternateContent xmlns:mc="http://schemas.openxmlformats.org/markup-compatibility/2006">
               <mc:Choice xmlns:v="urn:schemas-microsoft-com:vml" Requires="v">
-                <p:oleObj spid="_x0000_s18497" name="think-cell Slide" r:id="rId16" imgW="270" imgH="270" progId="TCLayout.ActiveDocument.1">
+                <p:oleObj spid="_x0000_s18499" name="think-cell Slide" r:id="rId16" imgW="270" imgH="270" progId="TCLayout.ActiveDocument.1">
                   <p:embed/>
                 </p:oleObj>
               </mc:Choice>
@@ -25458,7 +25459,7 @@
           <a:graphicData uri="http://schemas.openxmlformats.org/presentationml/2006/ole">
             <mc:AlternateContent xmlns:mc="http://schemas.openxmlformats.org/markup-compatibility/2006">
               <mc:Choice xmlns:v="urn:schemas-microsoft-com:vml" Requires="v">
-                <p:oleObj spid="_x0000_s28737" name="think-cell Slide" r:id="rId17" imgW="270" imgH="270" progId="TCLayout.ActiveDocument.1">
+                <p:oleObj spid="_x0000_s28739" name="think-cell Slide" r:id="rId17" imgW="270" imgH="270" progId="TCLayout.ActiveDocument.1">
                   <p:embed/>
                 </p:oleObj>
               </mc:Choice>
@@ -36954,15 +36955,7 @@
                     <a:schemeClr val="accent4"/>
                   </a:solidFill>
                 </a:rPr>
-                <a:t>GET </a:t>
-              </a:r>
-              <a:r>
-                <a:rPr lang="da-DK" sz="1100" b="1" dirty="0" smtClean="0">
-                  <a:solidFill>
-                    <a:schemeClr val="accent4"/>
-                  </a:solidFill>
-                </a:rPr>
-                <a:t>/</a:t>
+                <a:t>GET /</a:t>
               </a:r>
               <a:r>
                 <a:rPr lang="en-GB" sz="1100" b="1" dirty="0" err="1" smtClean="0">
@@ -36970,15 +36963,7 @@
                     <a:schemeClr val="accent4"/>
                   </a:solidFill>
                 </a:rPr>
-                <a:t>pointofsales</a:t>
-              </a:r>
-              <a:r>
-                <a:rPr lang="en-GB" sz="1100" b="1" dirty="0" err="1" smtClean="0">
-                  <a:solidFill>
-                    <a:schemeClr val="accent4"/>
-                  </a:solidFill>
-                </a:rPr>
-                <a:t>?merchantPosId</a:t>
+                <a:t>pointofsales?merchantPosId</a:t>
               </a:r>
               <a:r>
                 <a:rPr lang="en-GB" sz="1100" b="1" dirty="0" smtClean="0">
@@ -37141,15 +37126,7 @@
                     <a:schemeClr val="accent4"/>
                   </a:solidFill>
                 </a:rPr>
-                <a:t>POST </a:t>
-              </a:r>
-              <a:r>
-                <a:rPr lang="da-DK" sz="1100" b="1" dirty="0" smtClean="0">
-                  <a:solidFill>
-                    <a:schemeClr val="accent4"/>
-                  </a:solidFill>
-                </a:rPr>
-                <a:t>/</a:t>
+                <a:t>POST /</a:t>
               </a:r>
               <a:r>
                 <a:rPr lang="en-GB" sz="1100" b="1" dirty="0" err="1" smtClean="0">
@@ -38292,15 +38269,7 @@
                     <a:schemeClr val="accent4"/>
                   </a:solidFill>
                 </a:rPr>
-                <a:t>POST</a:t>
-              </a:r>
-              <a:r>
-                <a:rPr lang="da-DK" sz="1100" b="1" dirty="0" smtClean="0">
-                  <a:solidFill>
-                    <a:schemeClr val="accent4"/>
-                  </a:solidFill>
-                </a:rPr>
-                <a:t> /</a:t>
+                <a:t>POST /</a:t>
               </a:r>
               <a:r>
                 <a:rPr lang="en-GB" sz="1100" b="1" dirty="0" smtClean="0">
@@ -38471,15 +38440,7 @@
                     <a:schemeClr val="accent4"/>
                   </a:solidFill>
                 </a:rPr>
-                <a:t>DELETE </a:t>
-              </a:r>
-              <a:r>
-                <a:rPr lang="da-DK" sz="1100" b="1" dirty="0" smtClean="0">
-                  <a:solidFill>
-                    <a:schemeClr val="accent4"/>
-                  </a:solidFill>
-                </a:rPr>
-                <a:t>/</a:t>
+                <a:t>DELETE /</a:t>
               </a:r>
               <a:r>
                 <a:rPr lang="en-GB" sz="1100" b="1" dirty="0" err="1" smtClean="0">
@@ -38687,6 +38648,1031 @@
       </p:par>
     </p:tnLst>
   </p:timing>
+</p:sld>
+</file>
+
+<file path=ppt/slides/slide21.xml><?xml version="1.0" encoding="utf-8"?>
+<p:sld xmlns:a="http://schemas.openxmlformats.org/drawingml/2006/main" xmlns:r="http://schemas.openxmlformats.org/officeDocument/2006/relationships" xmlns:p="http://schemas.openxmlformats.org/presentationml/2006/main">
+  <p:cSld>
+    <p:spTree>
+      <p:nvGrpSpPr>
+        <p:cNvPr id="1" name=""/>
+        <p:cNvGrpSpPr/>
+        <p:nvPr/>
+      </p:nvGrpSpPr>
+      <p:grpSpPr>
+        <a:xfrm>
+          <a:off x="0" y="0"/>
+          <a:ext cx="0" cy="0"/>
+          <a:chOff x="0" y="0"/>
+          <a:chExt cx="0" cy="0"/>
+        </a:xfrm>
+      </p:grpSpPr>
+      <p:sp>
+        <p:nvSpPr>
+          <p:cNvPr id="7" name="Rounded Rectangle 6"/>
+          <p:cNvSpPr/>
+          <p:nvPr/>
+        </p:nvSpPr>
+        <p:spPr>
+          <a:xfrm>
+            <a:off x="471638" y="3065638"/>
+            <a:ext cx="2733575" cy="1577480"/>
+          </a:xfrm>
+          <a:prstGeom prst="roundRect">
+            <a:avLst/>
+          </a:prstGeom>
+          <a:solidFill>
+            <a:schemeClr val="bg1"/>
+          </a:solidFill>
+          <a:ln w="76200">
+            <a:solidFill>
+              <a:schemeClr val="accent1"/>
+            </a:solidFill>
+          </a:ln>
+        </p:spPr>
+        <p:style>
+          <a:lnRef idx="2">
+            <a:schemeClr val="accent1">
+              <a:shade val="50000"/>
+            </a:schemeClr>
+          </a:lnRef>
+          <a:fillRef idx="1">
+            <a:schemeClr val="accent1"/>
+          </a:fillRef>
+          <a:effectRef idx="0">
+            <a:schemeClr val="accent1"/>
+          </a:effectRef>
+          <a:fontRef idx="minor">
+            <a:schemeClr val="lt1"/>
+          </a:fontRef>
+        </p:style>
+        <p:txBody>
+          <a:bodyPr rot="0" spcFirstLastPara="0" vertOverflow="overflow" horzOverflow="overflow" vert="horz" wrap="square" lIns="0" tIns="0" rIns="0" bIns="0" numCol="1" spcCol="0" rtlCol="0" fromWordArt="0" anchor="ctr" anchorCtr="0" forceAA="0" compatLnSpc="1">
+            <a:prstTxWarp prst="textNoShape">
+              <a:avLst/>
+            </a:prstTxWarp>
+            <a:noAutofit/>
+          </a:bodyPr>
+          <a:lstStyle/>
+          <a:p>
+            <a:pPr algn="ctr"/>
+            <a:endParaRPr lang="en-GB" sz="1600" dirty="0" err="1" smtClean="0">
+              <a:solidFill>
+                <a:schemeClr val="tx1"/>
+              </a:solidFill>
+            </a:endParaRPr>
+          </a:p>
+        </p:txBody>
+      </p:sp>
+      <p:sp>
+        <p:nvSpPr>
+          <p:cNvPr id="8" name="TextBox 7"/>
+          <p:cNvSpPr txBox="1"/>
+          <p:nvPr/>
+        </p:nvSpPr>
+        <p:spPr>
+          <a:xfrm>
+            <a:off x="744153" y="3715878"/>
+            <a:ext cx="2188543" cy="276999"/>
+          </a:xfrm>
+          <a:prstGeom prst="rect">
+            <a:avLst/>
+          </a:prstGeom>
+          <a:noFill/>
+        </p:spPr>
+        <p:txBody>
+          <a:bodyPr wrap="square" lIns="0" tIns="0" rIns="0" bIns="0" rtlCol="0">
+            <a:spAutoFit/>
+          </a:bodyPr>
+          <a:lstStyle/>
+          <a:p>
+            <a:r>
+              <a:rPr lang="da-DK" dirty="0" err="1" smtClean="0"/>
+              <a:t>MerchantLocationId</a:t>
+            </a:r>
+            <a:endParaRPr lang="en-GB" dirty="0" err="1" smtClean="0"/>
+          </a:p>
+        </p:txBody>
+      </p:sp>
+      <p:sp>
+        <p:nvSpPr>
+          <p:cNvPr id="9" name="Rounded Rectangle 8"/>
+          <p:cNvSpPr/>
+          <p:nvPr/>
+        </p:nvSpPr>
+        <p:spPr>
+          <a:xfrm>
+            <a:off x="471638" y="424032"/>
+            <a:ext cx="2733575" cy="1577480"/>
+          </a:xfrm>
+          <a:prstGeom prst="roundRect">
+            <a:avLst/>
+          </a:prstGeom>
+          <a:solidFill>
+            <a:schemeClr val="bg1"/>
+          </a:solidFill>
+          <a:ln w="76200">
+            <a:solidFill>
+              <a:schemeClr val="accent1"/>
+            </a:solidFill>
+          </a:ln>
+        </p:spPr>
+        <p:style>
+          <a:lnRef idx="2">
+            <a:schemeClr val="accent1">
+              <a:shade val="50000"/>
+            </a:schemeClr>
+          </a:lnRef>
+          <a:fillRef idx="1">
+            <a:schemeClr val="accent1"/>
+          </a:fillRef>
+          <a:effectRef idx="0">
+            <a:schemeClr val="accent1"/>
+          </a:effectRef>
+          <a:fontRef idx="minor">
+            <a:schemeClr val="lt1"/>
+          </a:fontRef>
+        </p:style>
+        <p:txBody>
+          <a:bodyPr rot="0" spcFirstLastPara="0" vertOverflow="overflow" horzOverflow="overflow" vert="horz" wrap="square" lIns="0" tIns="0" rIns="0" bIns="0" numCol="1" spcCol="0" rtlCol="0" fromWordArt="0" anchor="ctr" anchorCtr="0" forceAA="0" compatLnSpc="1">
+            <a:prstTxWarp prst="textNoShape">
+              <a:avLst/>
+            </a:prstTxWarp>
+            <a:noAutofit/>
+          </a:bodyPr>
+          <a:lstStyle/>
+          <a:p>
+            <a:pPr algn="ctr"/>
+            <a:endParaRPr lang="en-GB" sz="1600" dirty="0" err="1" smtClean="0">
+              <a:solidFill>
+                <a:schemeClr val="tx1"/>
+              </a:solidFill>
+            </a:endParaRPr>
+          </a:p>
+        </p:txBody>
+      </p:sp>
+      <p:sp>
+        <p:nvSpPr>
+          <p:cNvPr id="10" name="TextBox 9"/>
+          <p:cNvSpPr txBox="1"/>
+          <p:nvPr/>
+        </p:nvSpPr>
+        <p:spPr>
+          <a:xfrm>
+            <a:off x="867776" y="1074272"/>
+            <a:ext cx="1941296" cy="276999"/>
+          </a:xfrm>
+          <a:prstGeom prst="rect">
+            <a:avLst/>
+          </a:prstGeom>
+          <a:noFill/>
+        </p:spPr>
+        <p:txBody>
+          <a:bodyPr wrap="square" lIns="0" tIns="0" rIns="0" bIns="0" rtlCol="0">
+            <a:spAutoFit/>
+          </a:bodyPr>
+          <a:lstStyle/>
+          <a:p>
+            <a:r>
+              <a:rPr lang="da-DK" dirty="0" err="1" smtClean="0"/>
+              <a:t>MerchantBrandId</a:t>
+            </a:r>
+            <a:endParaRPr lang="en-GB" dirty="0" err="1" smtClean="0"/>
+          </a:p>
+        </p:txBody>
+      </p:sp>
+      <p:sp>
+        <p:nvSpPr>
+          <p:cNvPr id="11" name="Rounded Rectangle 10"/>
+          <p:cNvSpPr/>
+          <p:nvPr/>
+        </p:nvSpPr>
+        <p:spPr>
+          <a:xfrm>
+            <a:off x="4572001" y="3065638"/>
+            <a:ext cx="2733575" cy="1577480"/>
+          </a:xfrm>
+          <a:prstGeom prst="roundRect">
+            <a:avLst/>
+          </a:prstGeom>
+          <a:solidFill>
+            <a:schemeClr val="bg1"/>
+          </a:solidFill>
+          <a:ln w="76200">
+            <a:solidFill>
+              <a:schemeClr val="accent1"/>
+            </a:solidFill>
+          </a:ln>
+        </p:spPr>
+        <p:style>
+          <a:lnRef idx="2">
+            <a:schemeClr val="accent1">
+              <a:shade val="50000"/>
+            </a:schemeClr>
+          </a:lnRef>
+          <a:fillRef idx="1">
+            <a:schemeClr val="accent1"/>
+          </a:fillRef>
+          <a:effectRef idx="0">
+            <a:schemeClr val="accent1"/>
+          </a:effectRef>
+          <a:fontRef idx="minor">
+            <a:schemeClr val="lt1"/>
+          </a:fontRef>
+        </p:style>
+        <p:txBody>
+          <a:bodyPr rot="0" spcFirstLastPara="0" vertOverflow="overflow" horzOverflow="overflow" vert="horz" wrap="square" lIns="0" tIns="0" rIns="0" bIns="0" numCol="1" spcCol="0" rtlCol="0" fromWordArt="0" anchor="ctr" anchorCtr="0" forceAA="0" compatLnSpc="1">
+            <a:prstTxWarp prst="textNoShape">
+              <a:avLst/>
+            </a:prstTxWarp>
+            <a:noAutofit/>
+          </a:bodyPr>
+          <a:lstStyle/>
+          <a:p>
+            <a:pPr algn="ctr"/>
+            <a:endParaRPr lang="en-GB" sz="1600" dirty="0" err="1" smtClean="0">
+              <a:solidFill>
+                <a:schemeClr val="tx1"/>
+              </a:solidFill>
+            </a:endParaRPr>
+          </a:p>
+        </p:txBody>
+      </p:sp>
+      <p:sp>
+        <p:nvSpPr>
+          <p:cNvPr id="12" name="TextBox 11"/>
+          <p:cNvSpPr txBox="1"/>
+          <p:nvPr/>
+        </p:nvSpPr>
+        <p:spPr>
+          <a:xfrm>
+            <a:off x="5537534" y="3715878"/>
+            <a:ext cx="802507" cy="276999"/>
+          </a:xfrm>
+          <a:prstGeom prst="rect">
+            <a:avLst/>
+          </a:prstGeom>
+          <a:noFill/>
+        </p:spPr>
+        <p:txBody>
+          <a:bodyPr wrap="square" lIns="0" tIns="0" rIns="0" bIns="0" rtlCol="0">
+            <a:spAutoFit/>
+          </a:bodyPr>
+          <a:lstStyle/>
+          <a:p>
+            <a:r>
+              <a:rPr lang="da-DK" dirty="0" err="1" smtClean="0"/>
+              <a:t>StoreId</a:t>
+            </a:r>
+            <a:endParaRPr lang="en-GB" dirty="0" err="1" smtClean="0"/>
+          </a:p>
+        </p:txBody>
+      </p:sp>
+      <p:sp>
+        <p:nvSpPr>
+          <p:cNvPr id="13" name="Rounded Rectangle 12"/>
+          <p:cNvSpPr/>
+          <p:nvPr/>
+        </p:nvSpPr>
+        <p:spPr>
+          <a:xfrm>
+            <a:off x="471638" y="5697618"/>
+            <a:ext cx="2733575" cy="1577480"/>
+          </a:xfrm>
+          <a:prstGeom prst="roundRect">
+            <a:avLst/>
+          </a:prstGeom>
+          <a:solidFill>
+            <a:schemeClr val="bg1"/>
+          </a:solidFill>
+          <a:ln w="76200">
+            <a:solidFill>
+              <a:schemeClr val="accent1"/>
+            </a:solidFill>
+          </a:ln>
+        </p:spPr>
+        <p:style>
+          <a:lnRef idx="2">
+            <a:schemeClr val="accent1">
+              <a:shade val="50000"/>
+            </a:schemeClr>
+          </a:lnRef>
+          <a:fillRef idx="1">
+            <a:schemeClr val="accent1"/>
+          </a:fillRef>
+          <a:effectRef idx="0">
+            <a:schemeClr val="accent1"/>
+          </a:effectRef>
+          <a:fontRef idx="minor">
+            <a:schemeClr val="lt1"/>
+          </a:fontRef>
+        </p:style>
+        <p:txBody>
+          <a:bodyPr rot="0" spcFirstLastPara="0" vertOverflow="overflow" horzOverflow="overflow" vert="horz" wrap="square" lIns="0" tIns="0" rIns="0" bIns="0" numCol="1" spcCol="0" rtlCol="0" fromWordArt="0" anchor="ctr" anchorCtr="0" forceAA="0" compatLnSpc="1">
+            <a:prstTxWarp prst="textNoShape">
+              <a:avLst/>
+            </a:prstTxWarp>
+            <a:noAutofit/>
+          </a:bodyPr>
+          <a:lstStyle/>
+          <a:p>
+            <a:pPr algn="ctr"/>
+            <a:endParaRPr lang="en-GB" sz="1600" dirty="0" err="1" smtClean="0">
+              <a:solidFill>
+                <a:schemeClr val="tx1"/>
+              </a:solidFill>
+            </a:endParaRPr>
+          </a:p>
+        </p:txBody>
+      </p:sp>
+      <p:sp>
+        <p:nvSpPr>
+          <p:cNvPr id="14" name="TextBox 13"/>
+          <p:cNvSpPr txBox="1"/>
+          <p:nvPr/>
+        </p:nvSpPr>
+        <p:spPr>
+          <a:xfrm>
+            <a:off x="1001026" y="6347858"/>
+            <a:ext cx="1674796" cy="276999"/>
+          </a:xfrm>
+          <a:prstGeom prst="rect">
+            <a:avLst/>
+          </a:prstGeom>
+          <a:noFill/>
+        </p:spPr>
+        <p:txBody>
+          <a:bodyPr wrap="square" lIns="0" tIns="0" rIns="0" bIns="0" rtlCol="0">
+            <a:spAutoFit/>
+          </a:bodyPr>
+          <a:lstStyle/>
+          <a:p>
+            <a:r>
+              <a:rPr lang="da-DK" dirty="0" err="1" smtClean="0"/>
+              <a:t>MerchantPosId</a:t>
+            </a:r>
+            <a:endParaRPr lang="en-GB" dirty="0" err="1" smtClean="0"/>
+          </a:p>
+        </p:txBody>
+      </p:sp>
+      <p:sp>
+        <p:nvSpPr>
+          <p:cNvPr id="15" name="Rounded Rectangle 14"/>
+          <p:cNvSpPr/>
+          <p:nvPr/>
+        </p:nvSpPr>
+        <p:spPr>
+          <a:xfrm>
+            <a:off x="4572001" y="5697619"/>
+            <a:ext cx="2733575" cy="1577480"/>
+          </a:xfrm>
+          <a:prstGeom prst="roundRect">
+            <a:avLst/>
+          </a:prstGeom>
+          <a:solidFill>
+            <a:schemeClr val="bg1"/>
+          </a:solidFill>
+          <a:ln w="76200">
+            <a:solidFill>
+              <a:schemeClr val="accent1"/>
+            </a:solidFill>
+          </a:ln>
+        </p:spPr>
+        <p:style>
+          <a:lnRef idx="2">
+            <a:schemeClr val="accent1">
+              <a:shade val="50000"/>
+            </a:schemeClr>
+          </a:lnRef>
+          <a:fillRef idx="1">
+            <a:schemeClr val="accent1"/>
+          </a:fillRef>
+          <a:effectRef idx="0">
+            <a:schemeClr val="accent1"/>
+          </a:effectRef>
+          <a:fontRef idx="minor">
+            <a:schemeClr val="lt1"/>
+          </a:fontRef>
+        </p:style>
+        <p:txBody>
+          <a:bodyPr rot="0" spcFirstLastPara="0" vertOverflow="overflow" horzOverflow="overflow" vert="horz" wrap="square" lIns="0" tIns="0" rIns="0" bIns="0" numCol="1" spcCol="0" rtlCol="0" fromWordArt="0" anchor="ctr" anchorCtr="0" forceAA="0" compatLnSpc="1">
+            <a:prstTxWarp prst="textNoShape">
+              <a:avLst/>
+            </a:prstTxWarp>
+            <a:noAutofit/>
+          </a:bodyPr>
+          <a:lstStyle/>
+          <a:p>
+            <a:pPr algn="ctr"/>
+            <a:endParaRPr lang="en-GB" sz="1600" dirty="0" err="1" smtClean="0">
+              <a:solidFill>
+                <a:schemeClr val="tx1"/>
+              </a:solidFill>
+            </a:endParaRPr>
+          </a:p>
+        </p:txBody>
+      </p:sp>
+      <p:sp>
+        <p:nvSpPr>
+          <p:cNvPr id="16" name="TextBox 15"/>
+          <p:cNvSpPr txBox="1"/>
+          <p:nvPr/>
+        </p:nvSpPr>
+        <p:spPr>
+          <a:xfrm>
+            <a:off x="5613031" y="6347859"/>
+            <a:ext cx="651513" cy="276999"/>
+          </a:xfrm>
+          <a:prstGeom prst="rect">
+            <a:avLst/>
+          </a:prstGeom>
+          <a:noFill/>
+        </p:spPr>
+        <p:txBody>
+          <a:bodyPr wrap="square" lIns="0" tIns="0" rIns="0" bIns="0" rtlCol="0">
+            <a:spAutoFit/>
+          </a:bodyPr>
+          <a:lstStyle/>
+          <a:p>
+            <a:r>
+              <a:rPr lang="da-DK" dirty="0" err="1" smtClean="0"/>
+              <a:t>PosId</a:t>
+            </a:r>
+            <a:endParaRPr lang="en-GB" dirty="0" err="1" smtClean="0"/>
+          </a:p>
+        </p:txBody>
+      </p:sp>
+      <p:sp>
+        <p:nvSpPr>
+          <p:cNvPr id="17" name="Rounded Rectangle 16"/>
+          <p:cNvSpPr/>
+          <p:nvPr/>
+        </p:nvSpPr>
+        <p:spPr>
+          <a:xfrm>
+            <a:off x="8672364" y="5697618"/>
+            <a:ext cx="2733575" cy="1577480"/>
+          </a:xfrm>
+          <a:prstGeom prst="roundRect">
+            <a:avLst/>
+          </a:prstGeom>
+          <a:solidFill>
+            <a:schemeClr val="bg1"/>
+          </a:solidFill>
+          <a:ln w="76200">
+            <a:solidFill>
+              <a:schemeClr val="accent1"/>
+            </a:solidFill>
+          </a:ln>
+        </p:spPr>
+        <p:style>
+          <a:lnRef idx="2">
+            <a:schemeClr val="accent1">
+              <a:shade val="50000"/>
+            </a:schemeClr>
+          </a:lnRef>
+          <a:fillRef idx="1">
+            <a:schemeClr val="accent1"/>
+          </a:fillRef>
+          <a:effectRef idx="0">
+            <a:schemeClr val="accent1"/>
+          </a:effectRef>
+          <a:fontRef idx="minor">
+            <a:schemeClr val="lt1"/>
+          </a:fontRef>
+        </p:style>
+        <p:txBody>
+          <a:bodyPr rot="0" spcFirstLastPara="0" vertOverflow="overflow" horzOverflow="overflow" vert="horz" wrap="square" lIns="0" tIns="0" rIns="0" bIns="0" numCol="1" spcCol="0" rtlCol="0" fromWordArt="0" anchor="ctr" anchorCtr="0" forceAA="0" compatLnSpc="1">
+            <a:prstTxWarp prst="textNoShape">
+              <a:avLst/>
+            </a:prstTxWarp>
+            <a:noAutofit/>
+          </a:bodyPr>
+          <a:lstStyle/>
+          <a:p>
+            <a:pPr algn="ctr"/>
+            <a:endParaRPr lang="en-GB" sz="1600" dirty="0" err="1" smtClean="0">
+              <a:solidFill>
+                <a:schemeClr val="tx1"/>
+              </a:solidFill>
+            </a:endParaRPr>
+          </a:p>
+        </p:txBody>
+      </p:sp>
+      <p:sp>
+        <p:nvSpPr>
+          <p:cNvPr id="18" name="TextBox 17"/>
+          <p:cNvSpPr txBox="1"/>
+          <p:nvPr/>
+        </p:nvSpPr>
+        <p:spPr>
+          <a:xfrm>
+            <a:off x="9487149" y="6347858"/>
+            <a:ext cx="1104001" cy="276999"/>
+          </a:xfrm>
+          <a:prstGeom prst="rect">
+            <a:avLst/>
+          </a:prstGeom>
+          <a:noFill/>
+        </p:spPr>
+        <p:txBody>
+          <a:bodyPr wrap="square" lIns="0" tIns="0" rIns="0" bIns="0" rtlCol="0">
+            <a:spAutoFit/>
+          </a:bodyPr>
+          <a:lstStyle/>
+          <a:p>
+            <a:r>
+              <a:rPr lang="da-DK" dirty="0" err="1" smtClean="0"/>
+              <a:t>BeaconId</a:t>
+            </a:r>
+            <a:endParaRPr lang="en-GB" dirty="0" err="1" smtClean="0"/>
+          </a:p>
+        </p:txBody>
+      </p:sp>
+      <p:cxnSp>
+        <p:nvCxnSpPr>
+          <p:cNvPr id="20" name="Straight Connector 19"/>
+          <p:cNvCxnSpPr>
+            <a:stCxn id="9" idx="2"/>
+            <a:endCxn id="7" idx="0"/>
+          </p:cNvCxnSpPr>
+          <p:nvPr/>
+        </p:nvCxnSpPr>
+        <p:spPr>
+          <a:xfrm>
+            <a:off x="1838426" y="2001512"/>
+            <a:ext cx="0" cy="1064126"/>
+          </a:xfrm>
+          <a:prstGeom prst="line">
+            <a:avLst/>
+          </a:prstGeom>
+          <a:ln w="38100" cap="sq"/>
+        </p:spPr>
+        <p:style>
+          <a:lnRef idx="1">
+            <a:schemeClr val="accent1"/>
+          </a:lnRef>
+          <a:fillRef idx="0">
+            <a:schemeClr val="accent1"/>
+          </a:fillRef>
+          <a:effectRef idx="0">
+            <a:schemeClr val="accent1"/>
+          </a:effectRef>
+          <a:fontRef idx="minor">
+            <a:schemeClr val="tx1"/>
+          </a:fontRef>
+        </p:style>
+      </p:cxnSp>
+      <p:sp>
+        <p:nvSpPr>
+          <p:cNvPr id="21" name="TextBox 20"/>
+          <p:cNvSpPr txBox="1"/>
+          <p:nvPr/>
+        </p:nvSpPr>
+        <p:spPr>
+          <a:xfrm>
+            <a:off x="1915427" y="2024496"/>
+            <a:ext cx="144270" cy="276999"/>
+          </a:xfrm>
+          <a:prstGeom prst="rect">
+            <a:avLst/>
+          </a:prstGeom>
+          <a:noFill/>
+        </p:spPr>
+        <p:txBody>
+          <a:bodyPr wrap="none" lIns="0" tIns="0" rIns="0" bIns="0" rtlCol="0">
+            <a:spAutoFit/>
+          </a:bodyPr>
+          <a:lstStyle/>
+          <a:p>
+            <a:r>
+              <a:rPr lang="da-DK" dirty="0" smtClean="0"/>
+              <a:t>1</a:t>
+            </a:r>
+            <a:endParaRPr lang="en-GB" dirty="0" err="1" smtClean="0"/>
+          </a:p>
+        </p:txBody>
+      </p:sp>
+      <p:sp>
+        <p:nvSpPr>
+          <p:cNvPr id="25" name="TextBox 24"/>
+          <p:cNvSpPr txBox="1"/>
+          <p:nvPr/>
+        </p:nvSpPr>
+        <p:spPr>
+          <a:xfrm>
+            <a:off x="1955501" y="2788638"/>
+            <a:ext cx="104196" cy="276999"/>
+          </a:xfrm>
+          <a:prstGeom prst="rect">
+            <a:avLst/>
+          </a:prstGeom>
+          <a:noFill/>
+        </p:spPr>
+        <p:txBody>
+          <a:bodyPr wrap="none" lIns="0" tIns="0" rIns="0" bIns="0" rtlCol="0">
+            <a:spAutoFit/>
+          </a:bodyPr>
+          <a:lstStyle/>
+          <a:p>
+            <a:r>
+              <a:rPr lang="da-DK" dirty="0" smtClean="0"/>
+              <a:t>*</a:t>
+            </a:r>
+            <a:endParaRPr lang="en-GB" dirty="0" err="1" smtClean="0"/>
+          </a:p>
+        </p:txBody>
+      </p:sp>
+      <p:sp>
+        <p:nvSpPr>
+          <p:cNvPr id="27" name="TextBox 26"/>
+          <p:cNvSpPr txBox="1"/>
+          <p:nvPr/>
+        </p:nvSpPr>
+        <p:spPr>
+          <a:xfrm>
+            <a:off x="6025276" y="4691239"/>
+            <a:ext cx="144270" cy="276999"/>
+          </a:xfrm>
+          <a:prstGeom prst="rect">
+            <a:avLst/>
+          </a:prstGeom>
+          <a:noFill/>
+        </p:spPr>
+        <p:txBody>
+          <a:bodyPr wrap="none" lIns="0" tIns="0" rIns="0" bIns="0" rtlCol="0">
+            <a:spAutoFit/>
+          </a:bodyPr>
+          <a:lstStyle/>
+          <a:p>
+            <a:r>
+              <a:rPr lang="da-DK" dirty="0" smtClean="0"/>
+              <a:t>1</a:t>
+            </a:r>
+            <a:endParaRPr lang="en-GB" dirty="0" err="1" smtClean="0"/>
+          </a:p>
+        </p:txBody>
+      </p:sp>
+      <p:sp>
+        <p:nvSpPr>
+          <p:cNvPr id="28" name="TextBox 27"/>
+          <p:cNvSpPr txBox="1"/>
+          <p:nvPr/>
+        </p:nvSpPr>
+        <p:spPr>
+          <a:xfrm>
+            <a:off x="6065350" y="5420619"/>
+            <a:ext cx="104196" cy="276999"/>
+          </a:xfrm>
+          <a:prstGeom prst="rect">
+            <a:avLst/>
+          </a:prstGeom>
+          <a:noFill/>
+        </p:spPr>
+        <p:txBody>
+          <a:bodyPr wrap="none" lIns="0" tIns="0" rIns="0" bIns="0" rtlCol="0">
+            <a:spAutoFit/>
+          </a:bodyPr>
+          <a:lstStyle/>
+          <a:p>
+            <a:r>
+              <a:rPr lang="da-DK" dirty="0" smtClean="0"/>
+              <a:t>*</a:t>
+            </a:r>
+            <a:endParaRPr lang="en-GB" dirty="0" err="1" smtClean="0"/>
+          </a:p>
+        </p:txBody>
+      </p:sp>
+      <p:cxnSp>
+        <p:nvCxnSpPr>
+          <p:cNvPr id="29" name="Straight Connector 28"/>
+          <p:cNvCxnSpPr>
+            <a:stCxn id="11" idx="2"/>
+            <a:endCxn id="15" idx="0"/>
+          </p:cNvCxnSpPr>
+          <p:nvPr/>
+        </p:nvCxnSpPr>
+        <p:spPr>
+          <a:xfrm>
+            <a:off x="5938789" y="4643118"/>
+            <a:ext cx="0" cy="1054501"/>
+          </a:xfrm>
+          <a:prstGeom prst="line">
+            <a:avLst/>
+          </a:prstGeom>
+          <a:ln w="38100" cap="sq"/>
+        </p:spPr>
+        <p:style>
+          <a:lnRef idx="1">
+            <a:schemeClr val="accent1"/>
+          </a:lnRef>
+          <a:fillRef idx="0">
+            <a:schemeClr val="accent1"/>
+          </a:fillRef>
+          <a:effectRef idx="0">
+            <a:schemeClr val="accent1"/>
+          </a:effectRef>
+          <a:fontRef idx="minor">
+            <a:schemeClr val="tx1"/>
+          </a:fontRef>
+        </p:style>
+      </p:cxnSp>
+      <p:cxnSp>
+        <p:nvCxnSpPr>
+          <p:cNvPr id="36" name="Straight Arrow Connector 35"/>
+          <p:cNvCxnSpPr>
+            <a:stCxn id="7" idx="3"/>
+            <a:endCxn id="11" idx="1"/>
+          </p:cNvCxnSpPr>
+          <p:nvPr/>
+        </p:nvCxnSpPr>
+        <p:spPr>
+          <a:xfrm>
+            <a:off x="3205213" y="3854378"/>
+            <a:ext cx="1366788" cy="0"/>
+          </a:xfrm>
+          <a:prstGeom prst="straightConnector1">
+            <a:avLst/>
+          </a:prstGeom>
+          <a:ln w="38100" cap="sq">
+            <a:headEnd type="triangle"/>
+            <a:tailEnd type="triangle"/>
+          </a:ln>
+        </p:spPr>
+        <p:style>
+          <a:lnRef idx="1">
+            <a:schemeClr val="accent1"/>
+          </a:lnRef>
+          <a:fillRef idx="0">
+            <a:schemeClr val="accent1"/>
+          </a:fillRef>
+          <a:effectRef idx="0">
+            <a:schemeClr val="accent1"/>
+          </a:effectRef>
+          <a:fontRef idx="minor">
+            <a:schemeClr val="tx1"/>
+          </a:fontRef>
+        </p:style>
+      </p:cxnSp>
+      <p:sp>
+        <p:nvSpPr>
+          <p:cNvPr id="37" name="TextBox 36"/>
+          <p:cNvSpPr txBox="1"/>
+          <p:nvPr/>
+        </p:nvSpPr>
+        <p:spPr>
+          <a:xfrm>
+            <a:off x="3315601" y="3461327"/>
+            <a:ext cx="144270" cy="276999"/>
+          </a:xfrm>
+          <a:prstGeom prst="rect">
+            <a:avLst/>
+          </a:prstGeom>
+          <a:noFill/>
+        </p:spPr>
+        <p:txBody>
+          <a:bodyPr wrap="none" lIns="0" tIns="0" rIns="0" bIns="0" rtlCol="0">
+            <a:spAutoFit/>
+          </a:bodyPr>
+          <a:lstStyle/>
+          <a:p>
+            <a:r>
+              <a:rPr lang="da-DK" dirty="0" smtClean="0"/>
+              <a:t>1</a:t>
+            </a:r>
+            <a:endParaRPr lang="en-GB" dirty="0" err="1" smtClean="0"/>
+          </a:p>
+        </p:txBody>
+      </p:sp>
+      <p:sp>
+        <p:nvSpPr>
+          <p:cNvPr id="38" name="TextBox 37"/>
+          <p:cNvSpPr txBox="1"/>
+          <p:nvPr/>
+        </p:nvSpPr>
+        <p:spPr>
+          <a:xfrm>
+            <a:off x="4317343" y="3467185"/>
+            <a:ext cx="144270" cy="276999"/>
+          </a:xfrm>
+          <a:prstGeom prst="rect">
+            <a:avLst/>
+          </a:prstGeom>
+          <a:noFill/>
+        </p:spPr>
+        <p:txBody>
+          <a:bodyPr wrap="none" lIns="0" tIns="0" rIns="0" bIns="0" rtlCol="0">
+            <a:spAutoFit/>
+          </a:bodyPr>
+          <a:lstStyle/>
+          <a:p>
+            <a:r>
+              <a:rPr lang="da-DK" dirty="0" smtClean="0"/>
+              <a:t>1</a:t>
+            </a:r>
+            <a:endParaRPr lang="en-GB" dirty="0" err="1" smtClean="0"/>
+          </a:p>
+        </p:txBody>
+      </p:sp>
+      <p:cxnSp>
+        <p:nvCxnSpPr>
+          <p:cNvPr id="39" name="Straight Arrow Connector 38"/>
+          <p:cNvCxnSpPr/>
+          <p:nvPr/>
+        </p:nvCxnSpPr>
+        <p:spPr>
+          <a:xfrm>
+            <a:off x="3205213" y="6518972"/>
+            <a:ext cx="1366788" cy="0"/>
+          </a:xfrm>
+          <a:prstGeom prst="straightConnector1">
+            <a:avLst/>
+          </a:prstGeom>
+          <a:ln w="38100" cap="sq">
+            <a:headEnd type="triangle"/>
+            <a:tailEnd type="triangle"/>
+          </a:ln>
+        </p:spPr>
+        <p:style>
+          <a:lnRef idx="1">
+            <a:schemeClr val="accent1"/>
+          </a:lnRef>
+          <a:fillRef idx="0">
+            <a:schemeClr val="accent1"/>
+          </a:fillRef>
+          <a:effectRef idx="0">
+            <a:schemeClr val="accent1"/>
+          </a:effectRef>
+          <a:fontRef idx="minor">
+            <a:schemeClr val="tx1"/>
+          </a:fontRef>
+        </p:style>
+      </p:cxnSp>
+      <p:sp>
+        <p:nvSpPr>
+          <p:cNvPr id="40" name="TextBox 39"/>
+          <p:cNvSpPr txBox="1"/>
+          <p:nvPr/>
+        </p:nvSpPr>
+        <p:spPr>
+          <a:xfrm>
+            <a:off x="3315601" y="6125921"/>
+            <a:ext cx="144270" cy="276999"/>
+          </a:xfrm>
+          <a:prstGeom prst="rect">
+            <a:avLst/>
+          </a:prstGeom>
+          <a:noFill/>
+        </p:spPr>
+        <p:txBody>
+          <a:bodyPr wrap="none" lIns="0" tIns="0" rIns="0" bIns="0" rtlCol="0">
+            <a:spAutoFit/>
+          </a:bodyPr>
+          <a:lstStyle/>
+          <a:p>
+            <a:r>
+              <a:rPr lang="da-DK" dirty="0" smtClean="0"/>
+              <a:t>1</a:t>
+            </a:r>
+            <a:endParaRPr lang="en-GB" dirty="0" err="1" smtClean="0"/>
+          </a:p>
+        </p:txBody>
+      </p:sp>
+      <p:sp>
+        <p:nvSpPr>
+          <p:cNvPr id="41" name="TextBox 40"/>
+          <p:cNvSpPr txBox="1"/>
+          <p:nvPr/>
+        </p:nvSpPr>
+        <p:spPr>
+          <a:xfrm>
+            <a:off x="4317343" y="6131779"/>
+            <a:ext cx="104196" cy="276999"/>
+          </a:xfrm>
+          <a:prstGeom prst="rect">
+            <a:avLst/>
+          </a:prstGeom>
+          <a:noFill/>
+        </p:spPr>
+        <p:txBody>
+          <a:bodyPr wrap="none" lIns="0" tIns="0" rIns="0" bIns="0" rtlCol="0">
+            <a:spAutoFit/>
+          </a:bodyPr>
+          <a:lstStyle/>
+          <a:p>
+            <a:r>
+              <a:rPr lang="da-DK" dirty="0" smtClean="0"/>
+              <a:t>*</a:t>
+            </a:r>
+            <a:endParaRPr lang="en-GB" dirty="0" err="1" smtClean="0"/>
+          </a:p>
+        </p:txBody>
+      </p:sp>
+      <p:cxnSp>
+        <p:nvCxnSpPr>
+          <p:cNvPr id="42" name="Straight Arrow Connector 41"/>
+          <p:cNvCxnSpPr/>
+          <p:nvPr/>
+        </p:nvCxnSpPr>
+        <p:spPr>
+          <a:xfrm>
+            <a:off x="7305572" y="6487118"/>
+            <a:ext cx="1366788" cy="0"/>
+          </a:xfrm>
+          <a:prstGeom prst="straightConnector1">
+            <a:avLst/>
+          </a:prstGeom>
+          <a:ln w="38100" cap="sq">
+            <a:headEnd type="triangle"/>
+            <a:tailEnd type="triangle"/>
+          </a:ln>
+        </p:spPr>
+        <p:style>
+          <a:lnRef idx="1">
+            <a:schemeClr val="accent1"/>
+          </a:lnRef>
+          <a:fillRef idx="0">
+            <a:schemeClr val="accent1"/>
+          </a:fillRef>
+          <a:effectRef idx="0">
+            <a:schemeClr val="accent1"/>
+          </a:effectRef>
+          <a:fontRef idx="minor">
+            <a:schemeClr val="tx1"/>
+          </a:fontRef>
+        </p:style>
+      </p:cxnSp>
+      <p:sp>
+        <p:nvSpPr>
+          <p:cNvPr id="43" name="TextBox 42"/>
+          <p:cNvSpPr txBox="1"/>
+          <p:nvPr/>
+        </p:nvSpPr>
+        <p:spPr>
+          <a:xfrm>
+            <a:off x="7415960" y="6094067"/>
+            <a:ext cx="104196" cy="276999"/>
+          </a:xfrm>
+          <a:prstGeom prst="rect">
+            <a:avLst/>
+          </a:prstGeom>
+          <a:noFill/>
+        </p:spPr>
+        <p:txBody>
+          <a:bodyPr wrap="none" lIns="0" tIns="0" rIns="0" bIns="0" rtlCol="0">
+            <a:spAutoFit/>
+          </a:bodyPr>
+          <a:lstStyle/>
+          <a:p>
+            <a:r>
+              <a:rPr lang="da-DK" dirty="0" smtClean="0"/>
+              <a:t>*</a:t>
+            </a:r>
+            <a:endParaRPr lang="en-GB" dirty="0" err="1" smtClean="0"/>
+          </a:p>
+        </p:txBody>
+      </p:sp>
+      <p:sp>
+        <p:nvSpPr>
+          <p:cNvPr id="44" name="TextBox 43"/>
+          <p:cNvSpPr txBox="1"/>
+          <p:nvPr/>
+        </p:nvSpPr>
+        <p:spPr>
+          <a:xfrm>
+            <a:off x="8417702" y="6099925"/>
+            <a:ext cx="144270" cy="276999"/>
+          </a:xfrm>
+          <a:prstGeom prst="rect">
+            <a:avLst/>
+          </a:prstGeom>
+          <a:noFill/>
+        </p:spPr>
+        <p:txBody>
+          <a:bodyPr wrap="none" lIns="0" tIns="0" rIns="0" bIns="0" rtlCol="0">
+            <a:spAutoFit/>
+          </a:bodyPr>
+          <a:lstStyle/>
+          <a:p>
+            <a:r>
+              <a:rPr lang="da-DK" dirty="0" smtClean="0"/>
+              <a:t>1</a:t>
+            </a:r>
+            <a:endParaRPr lang="en-GB" dirty="0" err="1" smtClean="0"/>
+          </a:p>
+        </p:txBody>
+      </p:sp>
+    </p:spTree>
+    <p:extLst>
+      <p:ext uri="{BB962C8B-B14F-4D97-AF65-F5344CB8AC3E}">
+        <p14:creationId xmlns:p14="http://schemas.microsoft.com/office/powerpoint/2010/main" val="675009573"/>
+      </p:ext>
+    </p:extLst>
+  </p:cSld>
+  <p:clrMapOvr>
+    <a:masterClrMapping/>
+  </p:clrMapOvr>
 </p:sld>
 </file>
 

--- a/docs/assets/TitaniumFlows.pptx
+++ b/docs/assets/TitaniumFlows.pptx
@@ -28,6 +28,7 @@
     <p:sldId id="276" r:id="rId22"/>
     <p:sldId id="277" r:id="rId23"/>
     <p:sldId id="278" r:id="rId24"/>
+    <p:sldId id="279" r:id="rId25"/>
   </p:sldIdLst>
   <p:sldSz cx="12192000" cy="11520488"/>
   <p:notesSz cx="6858000" cy="9144000"/>
@@ -206,7 +207,7 @@
           <a:graphicData uri="http://schemas.openxmlformats.org/presentationml/2006/ole">
             <mc:AlternateContent xmlns:mc="http://schemas.openxmlformats.org/markup-compatibility/2006">
               <mc:Choice xmlns:v="urn:schemas-microsoft-com:vml" Requires="v">
-                <p:oleObj spid="_x0000_s2115" name="think-cell Slide" r:id="rId5" imgW="270" imgH="270" progId="TCLayout.ActiveDocument.1">
+                <p:oleObj spid="_x0000_s2120" name="think-cell Slide" r:id="rId5" imgW="270" imgH="270" progId="TCLayout.ActiveDocument.1">
                   <p:embed/>
                 </p:oleObj>
               </mc:Choice>
@@ -388,7 +389,7 @@
           <a:p>
             <a:fld id="{B56E8790-EF43-4195-82DA-4A26D543E504}" type="datetimeFigureOut">
               <a:rPr lang="en-GB" smtClean="0"/>
-              <a:t>15/11/2019</a:t>
+              <a:t>18/11/2019</a:t>
             </a:fld>
             <a:endParaRPr lang="en-GB" dirty="0"/>
           </a:p>
@@ -486,7 +487,7 @@
           <a:graphicData uri="http://schemas.openxmlformats.org/presentationml/2006/ole">
             <mc:AlternateContent xmlns:mc="http://schemas.openxmlformats.org/markup-compatibility/2006">
               <mc:Choice xmlns:v="urn:schemas-microsoft-com:vml" Requires="v">
-                <p:oleObj spid="_x0000_s9348" name="think-cell Slide" r:id="rId5" imgW="270" imgH="270" progId="TCLayout.ActiveDocument.1">
+                <p:oleObj spid="_x0000_s9358" name="think-cell Slide" r:id="rId5" imgW="270" imgH="270" progId="TCLayout.ActiveDocument.1">
                   <p:embed/>
                 </p:oleObj>
               </mc:Choice>
@@ -600,7 +601,7 @@
           <a:p>
             <a:fld id="{B56E8790-EF43-4195-82DA-4A26D543E504}" type="datetimeFigureOut">
               <a:rPr lang="en-GB" smtClean="0"/>
-              <a:t>15/11/2019</a:t>
+              <a:t>18/11/2019</a:t>
             </a:fld>
             <a:endParaRPr lang="en-GB" dirty="0"/>
           </a:p>
@@ -1194,7 +1195,7 @@
           <a:graphicData uri="http://schemas.openxmlformats.org/presentationml/2006/ole">
             <mc:AlternateContent xmlns:mc="http://schemas.openxmlformats.org/markup-compatibility/2006">
               <mc:Choice xmlns:v="urn:schemas-microsoft-com:vml" Requires="v">
-                <p:oleObj spid="_x0000_s9349" name="think-cell Slide" r:id="rId7" imgW="270" imgH="270" progId="TCLayout.ActiveDocument.1">
+                <p:oleObj spid="_x0000_s9359" name="think-cell Slide" r:id="rId7" imgW="270" imgH="270" progId="TCLayout.ActiveDocument.1">
                   <p:embed/>
                 </p:oleObj>
               </mc:Choice>
@@ -1499,7 +1500,7 @@
           <a:graphicData uri="http://schemas.openxmlformats.org/presentationml/2006/ole">
             <mc:AlternateContent xmlns:mc="http://schemas.openxmlformats.org/markup-compatibility/2006">
               <mc:Choice xmlns:v="urn:schemas-microsoft-com:vml" Requires="v">
-                <p:oleObj spid="_x0000_s10372" name="think-cell Slide" r:id="rId5" imgW="270" imgH="270" progId="TCLayout.ActiveDocument.1">
+                <p:oleObj spid="_x0000_s10382" name="think-cell Slide" r:id="rId5" imgW="270" imgH="270" progId="TCLayout.ActiveDocument.1">
                   <p:embed/>
                 </p:oleObj>
               </mc:Choice>
@@ -1564,7 +1565,7 @@
           <a:p>
             <a:fld id="{B56E8790-EF43-4195-82DA-4A26D543E504}" type="datetimeFigureOut">
               <a:rPr lang="en-GB" smtClean="0"/>
-              <a:t>15/11/2019</a:t>
+              <a:t>18/11/2019</a:t>
             </a:fld>
             <a:endParaRPr lang="en-GB" dirty="0"/>
           </a:p>
@@ -1950,7 +1951,7 @@
           <a:graphicData uri="http://schemas.openxmlformats.org/presentationml/2006/ole">
             <mc:AlternateContent xmlns:mc="http://schemas.openxmlformats.org/markup-compatibility/2006">
               <mc:Choice xmlns:v="urn:schemas-microsoft-com:vml" Requires="v">
-                <p:oleObj spid="_x0000_s10373" name="think-cell Slide" r:id="rId8" imgW="270" imgH="270" progId="TCLayout.ActiveDocument.1">
+                <p:oleObj spid="_x0000_s10383" name="think-cell Slide" r:id="rId8" imgW="270" imgH="270" progId="TCLayout.ActiveDocument.1">
                   <p:embed/>
                 </p:oleObj>
               </mc:Choice>
@@ -2217,7 +2218,7 @@
           <a:graphicData uri="http://schemas.openxmlformats.org/presentationml/2006/ole">
             <mc:AlternateContent xmlns:mc="http://schemas.openxmlformats.org/markup-compatibility/2006">
               <mc:Choice xmlns:v="urn:schemas-microsoft-com:vml" Requires="v">
-                <p:oleObj spid="_x0000_s11331" name="think-cell Slide" r:id="rId4" imgW="270" imgH="270" progId="TCLayout.ActiveDocument.1">
+                <p:oleObj spid="_x0000_s11336" name="think-cell Slide" r:id="rId4" imgW="270" imgH="270" progId="TCLayout.ActiveDocument.1">
                   <p:embed/>
                 </p:oleObj>
               </mc:Choice>
@@ -2274,7 +2275,7 @@
           <a:p>
             <a:fld id="{B56E8790-EF43-4195-82DA-4A26D543E504}" type="datetimeFigureOut">
               <a:rPr lang="en-GB" smtClean="0"/>
-              <a:t>15/11/2019</a:t>
+              <a:t>18/11/2019</a:t>
             </a:fld>
             <a:endParaRPr lang="en-GB" dirty="0"/>
           </a:p>
@@ -2664,7 +2665,7 @@
           <a:graphicData uri="http://schemas.openxmlformats.org/presentationml/2006/ole">
             <mc:AlternateContent xmlns:mc="http://schemas.openxmlformats.org/markup-compatibility/2006">
               <mc:Choice xmlns:v="urn:schemas-microsoft-com:vml" Requires="v">
-                <p:oleObj spid="_x0000_s12355" name="think-cell Slide" r:id="rId4" imgW="270" imgH="270" progId="TCLayout.ActiveDocument.1">
+                <p:oleObj spid="_x0000_s12360" name="think-cell Slide" r:id="rId4" imgW="270" imgH="270" progId="TCLayout.ActiveDocument.1">
                   <p:embed/>
                 </p:oleObj>
               </mc:Choice>
@@ -2721,7 +2722,7 @@
           <a:p>
             <a:fld id="{B56E8790-EF43-4195-82DA-4A26D543E504}" type="datetimeFigureOut">
               <a:rPr lang="en-GB" smtClean="0"/>
-              <a:t>15/11/2019</a:t>
+              <a:t>18/11/2019</a:t>
             </a:fld>
             <a:endParaRPr lang="en-GB" dirty="0"/>
           </a:p>
@@ -3273,7 +3274,7 @@
           <a:graphicData uri="http://schemas.openxmlformats.org/presentationml/2006/ole">
             <mc:AlternateContent xmlns:mc="http://schemas.openxmlformats.org/markup-compatibility/2006">
               <mc:Choice xmlns:v="urn:schemas-microsoft-com:vml" Requires="v">
-                <p:oleObj spid="_x0000_s13379" name="think-cell Slide" r:id="rId4" imgW="270" imgH="270" progId="TCLayout.ActiveDocument.1">
+                <p:oleObj spid="_x0000_s13384" name="think-cell Slide" r:id="rId4" imgW="270" imgH="270" progId="TCLayout.ActiveDocument.1">
                   <p:embed/>
                 </p:oleObj>
               </mc:Choice>
@@ -3330,7 +3331,7 @@
           <a:p>
             <a:fld id="{B56E8790-EF43-4195-82DA-4A26D543E504}" type="datetimeFigureOut">
               <a:rPr lang="en-GB" smtClean="0"/>
-              <a:t>15/11/2019</a:t>
+              <a:t>18/11/2019</a:t>
             </a:fld>
             <a:endParaRPr lang="en-GB" dirty="0"/>
           </a:p>
@@ -3882,7 +3883,7 @@
           <a:graphicData uri="http://schemas.openxmlformats.org/presentationml/2006/ole">
             <mc:AlternateContent xmlns:mc="http://schemas.openxmlformats.org/markup-compatibility/2006">
               <mc:Choice xmlns:v="urn:schemas-microsoft-com:vml" Requires="v">
-                <p:oleObj spid="_x0000_s14403" name="think-cell Slide" r:id="rId4" imgW="270" imgH="270" progId="TCLayout.ActiveDocument.1">
+                <p:oleObj spid="_x0000_s14408" name="think-cell Slide" r:id="rId4" imgW="270" imgH="270" progId="TCLayout.ActiveDocument.1">
                   <p:embed/>
                 </p:oleObj>
               </mc:Choice>
@@ -3939,7 +3940,7 @@
           <a:p>
             <a:fld id="{B56E8790-EF43-4195-82DA-4A26D543E504}" type="datetimeFigureOut">
               <a:rPr lang="en-GB" smtClean="0"/>
-              <a:t>15/11/2019</a:t>
+              <a:t>18/11/2019</a:t>
             </a:fld>
             <a:endParaRPr lang="en-GB" dirty="0"/>
           </a:p>
@@ -4491,7 +4492,7 @@
           <a:graphicData uri="http://schemas.openxmlformats.org/presentationml/2006/ole">
             <mc:AlternateContent xmlns:mc="http://schemas.openxmlformats.org/markup-compatibility/2006">
               <mc:Choice xmlns:v="urn:schemas-microsoft-com:vml" Requires="v">
-                <p:oleObj spid="_x0000_s15427" name="think-cell Slide" r:id="rId4" imgW="270" imgH="270" progId="TCLayout.ActiveDocument.1">
+                <p:oleObj spid="_x0000_s15432" name="think-cell Slide" r:id="rId4" imgW="270" imgH="270" progId="TCLayout.ActiveDocument.1">
                   <p:embed/>
                 </p:oleObj>
               </mc:Choice>
@@ -4548,7 +4549,7 @@
           <a:p>
             <a:fld id="{B56E8790-EF43-4195-82DA-4A26D543E504}" type="datetimeFigureOut">
               <a:rPr lang="en-GB" smtClean="0"/>
-              <a:t>15/11/2019</a:t>
+              <a:t>18/11/2019</a:t>
             </a:fld>
             <a:endParaRPr lang="en-GB" dirty="0"/>
           </a:p>
@@ -5100,7 +5101,7 @@
           <a:graphicData uri="http://schemas.openxmlformats.org/presentationml/2006/ole">
             <mc:AlternateContent xmlns:mc="http://schemas.openxmlformats.org/markup-compatibility/2006">
               <mc:Choice xmlns:v="urn:schemas-microsoft-com:vml" Requires="v">
-                <p:oleObj spid="_x0000_s16451" name="think-cell Slide" r:id="rId4" imgW="270" imgH="270" progId="TCLayout.ActiveDocument.1">
+                <p:oleObj spid="_x0000_s16456" name="think-cell Slide" r:id="rId4" imgW="270" imgH="270" progId="TCLayout.ActiveDocument.1">
                   <p:embed/>
                 </p:oleObj>
               </mc:Choice>
@@ -5157,7 +5158,7 @@
           <a:p>
             <a:fld id="{B56E8790-EF43-4195-82DA-4A26D543E504}" type="datetimeFigureOut">
               <a:rPr lang="en-GB" smtClean="0"/>
-              <a:t>15/11/2019</a:t>
+              <a:t>18/11/2019</a:t>
             </a:fld>
             <a:endParaRPr lang="en-GB" dirty="0"/>
           </a:p>
@@ -5709,7 +5710,7 @@
           <a:graphicData uri="http://schemas.openxmlformats.org/presentationml/2006/ole">
             <mc:AlternateContent xmlns:mc="http://schemas.openxmlformats.org/markup-compatibility/2006">
               <mc:Choice xmlns:v="urn:schemas-microsoft-com:vml" Requires="v">
-                <p:oleObj spid="_x0000_s17475" name="think-cell Slide" r:id="rId4" imgW="270" imgH="270" progId="TCLayout.ActiveDocument.1">
+                <p:oleObj spid="_x0000_s17480" name="think-cell Slide" r:id="rId4" imgW="270" imgH="270" progId="TCLayout.ActiveDocument.1">
                   <p:embed/>
                 </p:oleObj>
               </mc:Choice>
@@ -5766,7 +5767,7 @@
           <a:p>
             <a:fld id="{B56E8790-EF43-4195-82DA-4A26D543E504}" type="datetimeFigureOut">
               <a:rPr lang="en-GB" smtClean="0"/>
-              <a:t>15/11/2019</a:t>
+              <a:t>18/11/2019</a:t>
             </a:fld>
             <a:endParaRPr lang="en-GB" dirty="0"/>
           </a:p>
@@ -6411,7 +6412,7 @@
           <a:p>
             <a:fld id="{B56E8790-EF43-4195-82DA-4A26D543E504}" type="datetimeFigureOut">
               <a:rPr lang="en-GB" smtClean="0"/>
-              <a:t>15/11/2019</a:t>
+              <a:t>18/11/2019</a:t>
             </a:fld>
             <a:endParaRPr lang="en-GB" dirty="0"/>
           </a:p>
@@ -6522,7 +6523,7 @@
           <a:graphicData uri="http://schemas.openxmlformats.org/presentationml/2006/ole">
             <mc:AlternateContent xmlns:mc="http://schemas.openxmlformats.org/markup-compatibility/2006">
               <mc:Choice xmlns:v="urn:schemas-microsoft-com:vml" Requires="v">
-                <p:oleObj spid="_x0000_s3139" name="think-cell Slide" r:id="rId4" imgW="270" imgH="270" progId="TCLayout.ActiveDocument.1">
+                <p:oleObj spid="_x0000_s3144" name="think-cell Slide" r:id="rId4" imgW="270" imgH="270" progId="TCLayout.ActiveDocument.1">
                   <p:embed/>
                 </p:oleObj>
               </mc:Choice>
@@ -6671,7 +6672,7 @@
           <a:p>
             <a:fld id="{B56E8790-EF43-4195-82DA-4A26D543E504}" type="datetimeFigureOut">
               <a:rPr lang="en-GB" smtClean="0"/>
-              <a:t>15/11/2019</a:t>
+              <a:t>18/11/2019</a:t>
             </a:fld>
             <a:endParaRPr lang="en-GB" dirty="0"/>
           </a:p>
@@ -6836,7 +6837,7 @@
           <a:graphicData uri="http://schemas.openxmlformats.org/presentationml/2006/ole">
             <mc:AlternateContent xmlns:mc="http://schemas.openxmlformats.org/markup-compatibility/2006">
               <mc:Choice xmlns:v="urn:schemas-microsoft-com:vml" Requires="v">
-                <p:oleObj spid="_x0000_s19523" name="think-cell Slide" r:id="rId5" imgW="270" imgH="270" progId="TCLayout.ActiveDocument.1">
+                <p:oleObj spid="_x0000_s19528" name="think-cell Slide" r:id="rId5" imgW="270" imgH="270" progId="TCLayout.ActiveDocument.1">
                   <p:embed/>
                 </p:oleObj>
               </mc:Choice>
@@ -7019,7 +7020,7 @@
             <a:fld id="{FD5A4159-1C9D-4C23-8DBB-0FD5BF49F859}" type="datetime1">
               <a:rPr lang="en-GB" smtClean="0"/>
               <a:pPr/>
-              <a:t>15/11/2019</a:t>
+              <a:t>18/11/2019</a:t>
             </a:fld>
             <a:endParaRPr lang="en-GB" dirty="0"/>
           </a:p>
@@ -7113,7 +7114,7 @@
           <a:graphicData uri="http://schemas.openxmlformats.org/presentationml/2006/ole">
             <mc:AlternateContent xmlns:mc="http://schemas.openxmlformats.org/markup-compatibility/2006">
               <mc:Choice xmlns:v="urn:schemas-microsoft-com:vml" Requires="v">
-                <p:oleObj spid="_x0000_s20547" name="think-cell Slide" r:id="rId4" imgW="270" imgH="270" progId="TCLayout.ActiveDocument.1">
+                <p:oleObj spid="_x0000_s20552" name="think-cell Slide" r:id="rId4" imgW="270" imgH="270" progId="TCLayout.ActiveDocument.1">
                   <p:embed/>
                 </p:oleObj>
               </mc:Choice>
@@ -7263,7 +7264,7 @@
             <a:fld id="{461D2423-DC7C-4239-9F6A-F74AADFD9F8E}" type="datetime1">
               <a:rPr lang="en-GB" smtClean="0"/>
               <a:pPr/>
-              <a:t>15/11/2019</a:t>
+              <a:t>18/11/2019</a:t>
             </a:fld>
             <a:endParaRPr lang="en-GB" dirty="0"/>
           </a:p>
@@ -7437,7 +7438,7 @@
             <a:fld id="{84F482FB-B023-4CBB-8046-4D830E895C90}" type="datetime1">
               <a:rPr lang="en-GB" smtClean="0"/>
               <a:pPr/>
-              <a:t>15/11/2019</a:t>
+              <a:t>18/11/2019</a:t>
             </a:fld>
             <a:endParaRPr lang="en-GB" dirty="0"/>
           </a:p>
@@ -7711,7 +7712,7 @@
           <a:graphicData uri="http://schemas.openxmlformats.org/presentationml/2006/ole">
             <mc:AlternateContent xmlns:mc="http://schemas.openxmlformats.org/markup-compatibility/2006">
               <mc:Choice xmlns:v="urn:schemas-microsoft-com:vml" Requires="v">
-                <p:oleObj spid="_x0000_s21571" name="think-cell Slide" r:id="rId4" imgW="270" imgH="270" progId="TCLayout.ActiveDocument.1">
+                <p:oleObj spid="_x0000_s21576" name="think-cell Slide" r:id="rId4" imgW="270" imgH="270" progId="TCLayout.ActiveDocument.1">
                   <p:embed/>
                 </p:oleObj>
               </mc:Choice>
@@ -7870,7 +7871,7 @@
             <a:fld id="{F26DF438-9CC2-4A49-A657-78DE437E5C5C}" type="datetime1">
               <a:rPr lang="en-GB" smtClean="0"/>
               <a:pPr/>
-              <a:t>15/11/2019</a:t>
+              <a:t>18/11/2019</a:t>
             </a:fld>
             <a:endParaRPr lang="en-GB" dirty="0"/>
           </a:p>
@@ -8265,7 +8266,7 @@
           <a:graphicData uri="http://schemas.openxmlformats.org/presentationml/2006/ole">
             <mc:AlternateContent xmlns:mc="http://schemas.openxmlformats.org/markup-compatibility/2006">
               <mc:Choice xmlns:v="urn:schemas-microsoft-com:vml" Requires="v">
-                <p:oleObj spid="_x0000_s22595" name="think-cell Slide" r:id="rId4" imgW="270" imgH="270" progId="TCLayout.ActiveDocument.1">
+                <p:oleObj spid="_x0000_s22600" name="think-cell Slide" r:id="rId4" imgW="270" imgH="270" progId="TCLayout.ActiveDocument.1">
                   <p:embed/>
                 </p:oleObj>
               </mc:Choice>
@@ -8331,7 +8332,7 @@
             <a:fld id="{A960169C-9E24-485A-B7A8-19D9A23B43F5}" type="datetime1">
               <a:rPr lang="en-GB" smtClean="0"/>
               <a:pPr/>
-              <a:t>15/11/2019</a:t>
+              <a:t>18/11/2019</a:t>
             </a:fld>
             <a:endParaRPr lang="en-GB" dirty="0"/>
           </a:p>
@@ -8873,7 +8874,7 @@
           <a:graphicData uri="http://schemas.openxmlformats.org/presentationml/2006/ole">
             <mc:AlternateContent xmlns:mc="http://schemas.openxmlformats.org/markup-compatibility/2006">
               <mc:Choice xmlns:v="urn:schemas-microsoft-com:vml" Requires="v">
-                <p:oleObj spid="_x0000_s23684" name="think-cell Slide" r:id="rId5" imgW="270" imgH="270" progId="TCLayout.ActiveDocument.1">
+                <p:oleObj spid="_x0000_s23694" name="think-cell Slide" r:id="rId5" imgW="270" imgH="270" progId="TCLayout.ActiveDocument.1">
                   <p:embed/>
                 </p:oleObj>
               </mc:Choice>
@@ -9125,7 +9126,7 @@
             <a:fld id="{0DD20B1F-20AE-4F8D-832A-F732FDE213D5}" type="datetime1">
               <a:rPr lang="en-GB" smtClean="0"/>
               <a:pPr/>
-              <a:t>15/11/2019</a:t>
+              <a:t>18/11/2019</a:t>
             </a:fld>
             <a:endParaRPr lang="en-GB" dirty="0"/>
           </a:p>
@@ -9196,7 +9197,7 @@
           <a:graphicData uri="http://schemas.openxmlformats.org/presentationml/2006/ole">
             <mc:AlternateContent xmlns:mc="http://schemas.openxmlformats.org/markup-compatibility/2006">
               <mc:Choice xmlns:v="urn:schemas-microsoft-com:vml" Requires="v">
-                <p:oleObj spid="_x0000_s23685" name="think-cell Slide" r:id="rId7" imgW="270" imgH="270" progId="TCLayout.ActiveDocument.1">
+                <p:oleObj spid="_x0000_s23695" name="think-cell Slide" r:id="rId7" imgW="270" imgH="270" progId="TCLayout.ActiveDocument.1">
                   <p:embed/>
                 </p:oleObj>
               </mc:Choice>
@@ -9494,7 +9495,7 @@
             <a:fld id="{0DD20B1F-20AE-4F8D-832A-F732FDE213D5}" type="datetime1">
               <a:rPr lang="en-GB" smtClean="0"/>
               <a:pPr/>
-              <a:t>15/11/2019</a:t>
+              <a:t>18/11/2019</a:t>
             </a:fld>
             <a:endParaRPr lang="en-GB" dirty="0"/>
           </a:p>
@@ -9983,7 +9984,7 @@
           <a:graphicData uri="http://schemas.openxmlformats.org/presentationml/2006/ole">
             <mc:AlternateContent xmlns:mc="http://schemas.openxmlformats.org/markup-compatibility/2006">
               <mc:Choice xmlns:v="urn:schemas-microsoft-com:vml" Requires="v">
-                <p:oleObj spid="_x0000_s24708" name="think-cell Slide" r:id="rId5" imgW="270" imgH="270" progId="TCLayout.ActiveDocument.1">
+                <p:oleObj spid="_x0000_s24718" name="think-cell Slide" r:id="rId5" imgW="270" imgH="270" progId="TCLayout.ActiveDocument.1">
                   <p:embed/>
                 </p:oleObj>
               </mc:Choice>
@@ -10049,7 +10050,7 @@
             <a:fld id="{D07952D7-4E08-421B-9537-2EE112E32DE3}" type="datetime1">
               <a:rPr lang="en-GB" smtClean="0"/>
               <a:pPr/>
-              <a:t>15/11/2019</a:t>
+              <a:t>18/11/2019</a:t>
             </a:fld>
             <a:endParaRPr lang="en-GB" dirty="0"/>
           </a:p>
@@ -10404,7 +10405,7 @@
           <a:graphicData uri="http://schemas.openxmlformats.org/presentationml/2006/ole">
             <mc:AlternateContent xmlns:mc="http://schemas.openxmlformats.org/markup-compatibility/2006">
               <mc:Choice xmlns:v="urn:schemas-microsoft-com:vml" Requires="v">
-                <p:oleObj spid="_x0000_s24709" name="think-cell Slide" r:id="rId7" imgW="270" imgH="270" progId="TCLayout.ActiveDocument.1">
+                <p:oleObj spid="_x0000_s24719" name="think-cell Slide" r:id="rId7" imgW="270" imgH="270" progId="TCLayout.ActiveDocument.1">
                   <p:embed/>
                 </p:oleObj>
               </mc:Choice>
@@ -10692,7 +10693,7 @@
           <a:graphicData uri="http://schemas.openxmlformats.org/presentationml/2006/ole">
             <mc:AlternateContent xmlns:mc="http://schemas.openxmlformats.org/markup-compatibility/2006">
               <mc:Choice xmlns:v="urn:schemas-microsoft-com:vml" Requires="v">
-                <p:oleObj spid="_x0000_s25732" name="think-cell Slide" r:id="rId5" imgW="270" imgH="270" progId="TCLayout.ActiveDocument.1">
+                <p:oleObj spid="_x0000_s25742" name="think-cell Slide" r:id="rId5" imgW="270" imgH="270" progId="TCLayout.ActiveDocument.1">
                   <p:embed/>
                 </p:oleObj>
               </mc:Choice>
@@ -10758,7 +10759,7 @@
             <a:fld id="{D07952D7-4E08-421B-9537-2EE112E32DE3}" type="datetime1">
               <a:rPr lang="en-GB" smtClean="0"/>
               <a:pPr/>
-              <a:t>15/11/2019</a:t>
+              <a:t>18/11/2019</a:t>
             </a:fld>
             <a:endParaRPr lang="en-GB" dirty="0"/>
           </a:p>
@@ -11113,7 +11114,7 @@
           <a:graphicData uri="http://schemas.openxmlformats.org/presentationml/2006/ole">
             <mc:AlternateContent xmlns:mc="http://schemas.openxmlformats.org/markup-compatibility/2006">
               <mc:Choice xmlns:v="urn:schemas-microsoft-com:vml" Requires="v">
-                <p:oleObj spid="_x0000_s25733" name="think-cell Slide" r:id="rId7" imgW="270" imgH="270" progId="TCLayout.ActiveDocument.1">
+                <p:oleObj spid="_x0000_s25743" name="think-cell Slide" r:id="rId7" imgW="270" imgH="270" progId="TCLayout.ActiveDocument.1">
                   <p:embed/>
                 </p:oleObj>
               </mc:Choice>
@@ -11406,7 +11407,7 @@
           <a:graphicData uri="http://schemas.openxmlformats.org/presentationml/2006/ole">
             <mc:AlternateContent xmlns:mc="http://schemas.openxmlformats.org/markup-compatibility/2006">
               <mc:Choice xmlns:v="urn:schemas-microsoft-com:vml" Requires="v">
-                <p:oleObj spid="_x0000_s26756" name="think-cell Slide" r:id="rId5" imgW="270" imgH="270" progId="TCLayout.ActiveDocument.1">
+                <p:oleObj spid="_x0000_s26766" name="think-cell Slide" r:id="rId5" imgW="270" imgH="270" progId="TCLayout.ActiveDocument.1">
                   <p:embed/>
                 </p:oleObj>
               </mc:Choice>
@@ -11521,7 +11522,7 @@
             <a:fld id="{D07952D7-4E08-421B-9537-2EE112E32DE3}" type="datetime1">
               <a:rPr lang="en-GB" smtClean="0"/>
               <a:pPr/>
-              <a:t>15/11/2019</a:t>
+              <a:t>18/11/2019</a:t>
             </a:fld>
             <a:endParaRPr lang="en-GB" dirty="0"/>
           </a:p>
@@ -12111,7 +12112,7 @@
           <a:graphicData uri="http://schemas.openxmlformats.org/presentationml/2006/ole">
             <mc:AlternateContent xmlns:mc="http://schemas.openxmlformats.org/markup-compatibility/2006">
               <mc:Choice xmlns:v="urn:schemas-microsoft-com:vml" Requires="v">
-                <p:oleObj spid="_x0000_s26757" name="think-cell Slide" r:id="rId7" imgW="270" imgH="270" progId="TCLayout.ActiveDocument.1">
+                <p:oleObj spid="_x0000_s26767" name="think-cell Slide" r:id="rId7" imgW="270" imgH="270" progId="TCLayout.ActiveDocument.1">
                   <p:embed/>
                 </p:oleObj>
               </mc:Choice>
@@ -12442,7 +12443,7 @@
           <a:p>
             <a:fld id="{B56E8790-EF43-4195-82DA-4A26D543E504}" type="datetimeFigureOut">
               <a:rPr lang="en-GB" smtClean="0"/>
-              <a:t>15/11/2019</a:t>
+              <a:t>18/11/2019</a:t>
             </a:fld>
             <a:endParaRPr lang="en-GB" dirty="0"/>
           </a:p>
@@ -12724,7 +12725,7 @@
           <a:graphicData uri="http://schemas.openxmlformats.org/presentationml/2006/ole">
             <mc:AlternateContent xmlns:mc="http://schemas.openxmlformats.org/markup-compatibility/2006">
               <mc:Choice xmlns:v="urn:schemas-microsoft-com:vml" Requires="v">
-                <p:oleObj spid="_x0000_s27780" name="think-cell Slide" r:id="rId5" imgW="270" imgH="270" progId="TCLayout.ActiveDocument.1">
+                <p:oleObj spid="_x0000_s27790" name="think-cell Slide" r:id="rId5" imgW="270" imgH="270" progId="TCLayout.ActiveDocument.1">
                   <p:embed/>
                 </p:oleObj>
               </mc:Choice>
@@ -12790,7 +12791,7 @@
             <a:fld id="{10E7BC8F-BFD3-4858-915D-99D9576C8415}" type="datetime1">
               <a:rPr lang="en-GB" smtClean="0"/>
               <a:pPr/>
-              <a:t>15/11/2019</a:t>
+              <a:t>18/11/2019</a:t>
             </a:fld>
             <a:endParaRPr lang="en-GB" dirty="0"/>
           </a:p>
@@ -13172,7 +13173,7 @@
           <a:graphicData uri="http://schemas.openxmlformats.org/presentationml/2006/ole">
             <mc:AlternateContent xmlns:mc="http://schemas.openxmlformats.org/markup-compatibility/2006">
               <mc:Choice xmlns:v="urn:schemas-microsoft-com:vml" Requires="v">
-                <p:oleObj spid="_x0000_s27781" name="think-cell Slide" r:id="rId8" imgW="270" imgH="270" progId="TCLayout.ActiveDocument.1">
+                <p:oleObj spid="_x0000_s27791" name="think-cell Slide" r:id="rId8" imgW="270" imgH="270" progId="TCLayout.ActiveDocument.1">
                   <p:embed/>
                 </p:oleObj>
               </mc:Choice>
@@ -13461,7 +13462,7 @@
           <a:graphicData uri="http://schemas.openxmlformats.org/presentationml/2006/ole">
             <mc:AlternateContent xmlns:mc="http://schemas.openxmlformats.org/markup-compatibility/2006">
               <mc:Choice xmlns:v="urn:schemas-microsoft-com:vml" Requires="v">
-                <p:oleObj spid="_x0000_s29763" name="think-cell Slide" r:id="rId5" imgW="270" imgH="270" progId="TCLayout.ActiveDocument.1">
+                <p:oleObj spid="_x0000_s29768" name="think-cell Slide" r:id="rId5" imgW="270" imgH="270" progId="TCLayout.ActiveDocument.1">
                   <p:embed/>
                 </p:oleObj>
               </mc:Choice>
@@ -13648,7 +13649,7 @@
                 </a:solidFill>
               </a:rPr>
               <a:pPr/>
-              <a:t>15/11/2019</a:t>
+              <a:t>18/11/2019</a:t>
             </a:fld>
             <a:endParaRPr lang="en-GB" dirty="0">
               <a:solidFill>
@@ -13750,7 +13751,7 @@
           <a:graphicData uri="http://schemas.openxmlformats.org/presentationml/2006/ole">
             <mc:AlternateContent xmlns:mc="http://schemas.openxmlformats.org/markup-compatibility/2006">
               <mc:Choice xmlns:v="urn:schemas-microsoft-com:vml" Requires="v">
-                <p:oleObj spid="_x0000_s30787" name="think-cell Slide" r:id="rId4" imgW="270" imgH="270" progId="TCLayout.ActiveDocument.1">
+                <p:oleObj spid="_x0000_s30792" name="think-cell Slide" r:id="rId4" imgW="270" imgH="270" progId="TCLayout.ActiveDocument.1">
                   <p:embed/>
                 </p:oleObj>
               </mc:Choice>
@@ -13904,7 +13905,7 @@
                 </a:solidFill>
               </a:rPr>
               <a:pPr/>
-              <a:t>15/11/2019</a:t>
+              <a:t>18/11/2019</a:t>
             </a:fld>
             <a:endParaRPr lang="en-GB" dirty="0">
               <a:solidFill>
@@ -14090,7 +14091,7 @@
                 </a:solidFill>
               </a:rPr>
               <a:pPr/>
-              <a:t>15/11/2019</a:t>
+              <a:t>18/11/2019</a:t>
             </a:fld>
             <a:endParaRPr lang="en-GB" dirty="0">
               <a:solidFill>
@@ -14372,7 +14373,7 @@
           <a:graphicData uri="http://schemas.openxmlformats.org/presentationml/2006/ole">
             <mc:AlternateContent xmlns:mc="http://schemas.openxmlformats.org/markup-compatibility/2006">
               <mc:Choice xmlns:v="urn:schemas-microsoft-com:vml" Requires="v">
-                <p:oleObj spid="_x0000_s31811" name="think-cell Slide" r:id="rId4" imgW="270" imgH="270" progId="TCLayout.ActiveDocument.1">
+                <p:oleObj spid="_x0000_s31816" name="think-cell Slide" r:id="rId4" imgW="270" imgH="270" progId="TCLayout.ActiveDocument.1">
                   <p:embed/>
                 </p:oleObj>
               </mc:Choice>
@@ -14535,7 +14536,7 @@
                 </a:solidFill>
               </a:rPr>
               <a:pPr/>
-              <a:t>15/11/2019</a:t>
+              <a:t>18/11/2019</a:t>
             </a:fld>
             <a:endParaRPr lang="en-GB" dirty="0">
               <a:solidFill>
@@ -14938,7 +14939,7 @@
           <a:graphicData uri="http://schemas.openxmlformats.org/presentationml/2006/ole">
             <mc:AlternateContent xmlns:mc="http://schemas.openxmlformats.org/markup-compatibility/2006">
               <mc:Choice xmlns:v="urn:schemas-microsoft-com:vml" Requires="v">
-                <p:oleObj spid="_x0000_s32835" name="think-cell Slide" r:id="rId4" imgW="270" imgH="270" progId="TCLayout.ActiveDocument.1">
+                <p:oleObj spid="_x0000_s32840" name="think-cell Slide" r:id="rId4" imgW="270" imgH="270" progId="TCLayout.ActiveDocument.1">
                   <p:embed/>
                 </p:oleObj>
               </mc:Choice>
@@ -15008,7 +15009,7 @@
                 </a:solidFill>
               </a:rPr>
               <a:pPr/>
-              <a:t>15/11/2019</a:t>
+              <a:t>18/11/2019</a:t>
             </a:fld>
             <a:endParaRPr lang="en-GB" dirty="0">
               <a:solidFill>
@@ -15558,7 +15559,7 @@
           <a:graphicData uri="http://schemas.openxmlformats.org/presentationml/2006/ole">
             <mc:AlternateContent xmlns:mc="http://schemas.openxmlformats.org/markup-compatibility/2006">
               <mc:Choice xmlns:v="urn:schemas-microsoft-com:vml" Requires="v">
-                <p:oleObj spid="_x0000_s33924" name="think-cell Slide" r:id="rId5" imgW="270" imgH="270" progId="TCLayout.ActiveDocument.1">
+                <p:oleObj spid="_x0000_s33934" name="think-cell Slide" r:id="rId5" imgW="270" imgH="270" progId="TCLayout.ActiveDocument.1">
                   <p:embed/>
                 </p:oleObj>
               </mc:Choice>
@@ -15814,7 +15815,7 @@
                 </a:solidFill>
               </a:rPr>
               <a:pPr/>
-              <a:t>15/11/2019</a:t>
+              <a:t>18/11/2019</a:t>
             </a:fld>
             <a:endParaRPr lang="en-GB" dirty="0">
               <a:solidFill>
@@ -15889,7 +15890,7 @@
           <a:graphicData uri="http://schemas.openxmlformats.org/presentationml/2006/ole">
             <mc:AlternateContent xmlns:mc="http://schemas.openxmlformats.org/markup-compatibility/2006">
               <mc:Choice xmlns:v="urn:schemas-microsoft-com:vml" Requires="v">
-                <p:oleObj spid="_x0000_s33925" name="think-cell Slide" r:id="rId7" imgW="270" imgH="270" progId="TCLayout.ActiveDocument.1">
+                <p:oleObj spid="_x0000_s33935" name="think-cell Slide" r:id="rId7" imgW="270" imgH="270" progId="TCLayout.ActiveDocument.1">
                   <p:embed/>
                 </p:oleObj>
               </mc:Choice>
@@ -16195,7 +16196,7 @@
                 </a:solidFill>
               </a:rPr>
               <a:pPr/>
-              <a:t>15/11/2019</a:t>
+              <a:t>18/11/2019</a:t>
             </a:fld>
             <a:endParaRPr lang="en-GB" dirty="0">
               <a:solidFill>
@@ -16692,7 +16693,7 @@
           <a:graphicData uri="http://schemas.openxmlformats.org/presentationml/2006/ole">
             <mc:AlternateContent xmlns:mc="http://schemas.openxmlformats.org/markup-compatibility/2006">
               <mc:Choice xmlns:v="urn:schemas-microsoft-com:vml" Requires="v">
-                <p:oleObj spid="_x0000_s34948" name="think-cell Slide" r:id="rId5" imgW="270" imgH="270" progId="TCLayout.ActiveDocument.1">
+                <p:oleObj spid="_x0000_s34958" name="think-cell Slide" r:id="rId5" imgW="270" imgH="270" progId="TCLayout.ActiveDocument.1">
                   <p:embed/>
                 </p:oleObj>
               </mc:Choice>
@@ -16762,7 +16763,7 @@
                 </a:solidFill>
               </a:rPr>
               <a:pPr/>
-              <a:t>15/11/2019</a:t>
+              <a:t>18/11/2019</a:t>
             </a:fld>
             <a:endParaRPr lang="en-GB" dirty="0">
               <a:solidFill>
@@ -17121,7 +17122,7 @@
           <a:graphicData uri="http://schemas.openxmlformats.org/presentationml/2006/ole">
             <mc:AlternateContent xmlns:mc="http://schemas.openxmlformats.org/markup-compatibility/2006">
               <mc:Choice xmlns:v="urn:schemas-microsoft-com:vml" Requires="v">
-                <p:oleObj spid="_x0000_s34949" name="think-cell Slide" r:id="rId7" imgW="270" imgH="270" progId="TCLayout.ActiveDocument.1">
+                <p:oleObj spid="_x0000_s34959" name="think-cell Slide" r:id="rId7" imgW="270" imgH="270" progId="TCLayout.ActiveDocument.1">
                   <p:embed/>
                 </p:oleObj>
               </mc:Choice>
@@ -17413,7 +17414,7 @@
           <a:graphicData uri="http://schemas.openxmlformats.org/presentationml/2006/ole">
             <mc:AlternateContent xmlns:mc="http://schemas.openxmlformats.org/markup-compatibility/2006">
               <mc:Choice xmlns:v="urn:schemas-microsoft-com:vml" Requires="v">
-                <p:oleObj spid="_x0000_s35972" name="think-cell Slide" r:id="rId5" imgW="270" imgH="270" progId="TCLayout.ActiveDocument.1">
+                <p:oleObj spid="_x0000_s35982" name="think-cell Slide" r:id="rId5" imgW="270" imgH="270" progId="TCLayout.ActiveDocument.1">
                   <p:embed/>
                 </p:oleObj>
               </mc:Choice>
@@ -17483,7 +17484,7 @@
                 </a:solidFill>
               </a:rPr>
               <a:pPr/>
-              <a:t>15/11/2019</a:t>
+              <a:t>18/11/2019</a:t>
             </a:fld>
             <a:endParaRPr lang="en-GB" dirty="0">
               <a:solidFill>
@@ -17842,7 +17843,7 @@
           <a:graphicData uri="http://schemas.openxmlformats.org/presentationml/2006/ole">
             <mc:AlternateContent xmlns:mc="http://schemas.openxmlformats.org/markup-compatibility/2006">
               <mc:Choice xmlns:v="urn:schemas-microsoft-com:vml" Requires="v">
-                <p:oleObj spid="_x0000_s35973" name="think-cell Slide" r:id="rId7" imgW="270" imgH="270" progId="TCLayout.ActiveDocument.1">
+                <p:oleObj spid="_x0000_s35983" name="think-cell Slide" r:id="rId7" imgW="270" imgH="270" progId="TCLayout.ActiveDocument.1">
                   <p:embed/>
                 </p:oleObj>
               </mc:Choice>
@@ -18143,7 +18144,7 @@
           <a:graphicData uri="http://schemas.openxmlformats.org/presentationml/2006/ole">
             <mc:AlternateContent xmlns:mc="http://schemas.openxmlformats.org/markup-compatibility/2006">
               <mc:Choice xmlns:v="urn:schemas-microsoft-com:vml" Requires="v">
-                <p:oleObj spid="_x0000_s4163" name="think-cell Slide" r:id="rId4" imgW="270" imgH="270" progId="TCLayout.ActiveDocument.1">
+                <p:oleObj spid="_x0000_s4168" name="think-cell Slide" r:id="rId4" imgW="270" imgH="270" progId="TCLayout.ActiveDocument.1">
                   <p:embed/>
                 </p:oleObj>
               </mc:Choice>
@@ -18301,7 +18302,7 @@
           <a:p>
             <a:fld id="{B56E8790-EF43-4195-82DA-4A26D543E504}" type="datetimeFigureOut">
               <a:rPr lang="en-GB" smtClean="0"/>
-              <a:t>15/11/2019</a:t>
+              <a:t>18/11/2019</a:t>
             </a:fld>
             <a:endParaRPr lang="en-GB" dirty="0"/>
           </a:p>
@@ -18696,7 +18697,7 @@
           <a:graphicData uri="http://schemas.openxmlformats.org/presentationml/2006/ole">
             <mc:AlternateContent xmlns:mc="http://schemas.openxmlformats.org/markup-compatibility/2006">
               <mc:Choice xmlns:v="urn:schemas-microsoft-com:vml" Requires="v">
-                <p:oleObj spid="_x0000_s36996" name="think-cell Slide" r:id="rId5" imgW="270" imgH="270" progId="TCLayout.ActiveDocument.1">
+                <p:oleObj spid="_x0000_s37006" name="think-cell Slide" r:id="rId5" imgW="270" imgH="270" progId="TCLayout.ActiveDocument.1">
                   <p:embed/>
                 </p:oleObj>
               </mc:Choice>
@@ -18815,7 +18816,7 @@
                 </a:solidFill>
               </a:rPr>
               <a:pPr/>
-              <a:t>15/11/2019</a:t>
+              <a:t>18/11/2019</a:t>
             </a:fld>
             <a:endParaRPr lang="en-GB" dirty="0">
               <a:solidFill>
@@ -19409,7 +19410,7 @@
           <a:graphicData uri="http://schemas.openxmlformats.org/presentationml/2006/ole">
             <mc:AlternateContent xmlns:mc="http://schemas.openxmlformats.org/markup-compatibility/2006">
               <mc:Choice xmlns:v="urn:schemas-microsoft-com:vml" Requires="v">
-                <p:oleObj spid="_x0000_s36997" name="think-cell Slide" r:id="rId7" imgW="270" imgH="270" progId="TCLayout.ActiveDocument.1">
+                <p:oleObj spid="_x0000_s37007" name="think-cell Slide" r:id="rId7" imgW="270" imgH="270" progId="TCLayout.ActiveDocument.1">
                   <p:embed/>
                 </p:oleObj>
               </mc:Choice>
@@ -19714,7 +19715,7 @@
           <a:graphicData uri="http://schemas.openxmlformats.org/presentationml/2006/ole">
             <mc:AlternateContent xmlns:mc="http://schemas.openxmlformats.org/markup-compatibility/2006">
               <mc:Choice xmlns:v="urn:schemas-microsoft-com:vml" Requires="v">
-                <p:oleObj spid="_x0000_s38020" name="think-cell Slide" r:id="rId5" imgW="270" imgH="270" progId="TCLayout.ActiveDocument.1">
+                <p:oleObj spid="_x0000_s38030" name="think-cell Slide" r:id="rId5" imgW="270" imgH="270" progId="TCLayout.ActiveDocument.1">
                   <p:embed/>
                 </p:oleObj>
               </mc:Choice>
@@ -19784,7 +19785,7 @@
                 </a:solidFill>
               </a:rPr>
               <a:pPr/>
-              <a:t>15/11/2019</a:t>
+              <a:t>18/11/2019</a:t>
             </a:fld>
             <a:endParaRPr lang="en-GB" dirty="0">
               <a:solidFill>
@@ -20170,7 +20171,7 @@
           <a:graphicData uri="http://schemas.openxmlformats.org/presentationml/2006/ole">
             <mc:AlternateContent xmlns:mc="http://schemas.openxmlformats.org/markup-compatibility/2006">
               <mc:Choice xmlns:v="urn:schemas-microsoft-com:vml" Requires="v">
-                <p:oleObj spid="_x0000_s38021" name="think-cell Slide" r:id="rId8" imgW="270" imgH="270" progId="TCLayout.ActiveDocument.1">
+                <p:oleObj spid="_x0000_s38031" name="think-cell Slide" r:id="rId8" imgW="270" imgH="270" progId="TCLayout.ActiveDocument.1">
                   <p:embed/>
                 </p:oleObj>
               </mc:Choice>
@@ -20441,7 +20442,7 @@
           <a:graphicData uri="http://schemas.openxmlformats.org/presentationml/2006/ole">
             <mc:AlternateContent xmlns:mc="http://schemas.openxmlformats.org/markup-compatibility/2006">
               <mc:Choice xmlns:v="urn:schemas-microsoft-com:vml" Requires="v">
-                <p:oleObj spid="_x0000_s38979" name="think-cell Slide" r:id="rId4" imgW="270" imgH="270" progId="TCLayout.ActiveDocument.1">
+                <p:oleObj spid="_x0000_s38984" name="think-cell Slide" r:id="rId4" imgW="270" imgH="270" progId="TCLayout.ActiveDocument.1">
                   <p:embed/>
                 </p:oleObj>
               </mc:Choice>
@@ -20503,7 +20504,7 @@
                 </a:solidFill>
               </a:rPr>
               <a:pPr/>
-              <a:t>15/11/2019</a:t>
+              <a:t>18/11/2019</a:t>
             </a:fld>
             <a:endParaRPr lang="en-GB" dirty="0">
               <a:solidFill>
@@ -20905,7 +20906,7 @@
           <a:graphicData uri="http://schemas.openxmlformats.org/presentationml/2006/ole">
             <mc:AlternateContent xmlns:mc="http://schemas.openxmlformats.org/markup-compatibility/2006">
               <mc:Choice xmlns:v="urn:schemas-microsoft-com:vml" Requires="v">
-                <p:oleObj spid="_x0000_s5187" name="think-cell Slide" r:id="rId4" imgW="270" imgH="270" progId="TCLayout.ActiveDocument.1">
+                <p:oleObj spid="_x0000_s5192" name="think-cell Slide" r:id="rId4" imgW="270" imgH="270" progId="TCLayout.ActiveDocument.1">
                   <p:embed/>
                 </p:oleObj>
               </mc:Choice>
@@ -20970,7 +20971,7 @@
           <a:p>
             <a:fld id="{B56E8790-EF43-4195-82DA-4A26D543E504}" type="datetimeFigureOut">
               <a:rPr lang="en-GB" smtClean="0"/>
-              <a:t>15/11/2019</a:t>
+              <a:t>18/11/2019</a:t>
             </a:fld>
             <a:endParaRPr lang="en-GB" dirty="0"/>
           </a:p>
@@ -21516,7 +21517,7 @@
           <a:graphicData uri="http://schemas.openxmlformats.org/presentationml/2006/ole">
             <mc:AlternateContent xmlns:mc="http://schemas.openxmlformats.org/markup-compatibility/2006">
               <mc:Choice xmlns:v="urn:schemas-microsoft-com:vml" Requires="v">
-                <p:oleObj spid="_x0000_s6276" name="think-cell Slide" r:id="rId5" imgW="270" imgH="270" progId="TCLayout.ActiveDocument.1">
+                <p:oleObj spid="_x0000_s6286" name="think-cell Slide" r:id="rId5" imgW="270" imgH="270" progId="TCLayout.ActiveDocument.1">
                   <p:embed/>
                 </p:oleObj>
               </mc:Choice>
@@ -21767,7 +21768,7 @@
           <a:p>
             <a:fld id="{B56E8790-EF43-4195-82DA-4A26D543E504}" type="datetimeFigureOut">
               <a:rPr lang="en-GB" smtClean="0"/>
-              <a:t>15/11/2019</a:t>
+              <a:t>18/11/2019</a:t>
             </a:fld>
             <a:endParaRPr lang="en-GB" dirty="0"/>
           </a:p>
@@ -21842,7 +21843,7 @@
           <a:graphicData uri="http://schemas.openxmlformats.org/presentationml/2006/ole">
             <mc:AlternateContent xmlns:mc="http://schemas.openxmlformats.org/markup-compatibility/2006">
               <mc:Choice xmlns:v="urn:schemas-microsoft-com:vml" Requires="v">
-                <p:oleObj spid="_x0000_s6277" name="think-cell Slide" r:id="rId7" imgW="270" imgH="270" progId="TCLayout.ActiveDocument.1">
+                <p:oleObj spid="_x0000_s6287" name="think-cell Slide" r:id="rId7" imgW="270" imgH="270" progId="TCLayout.ActiveDocument.1">
                   <p:embed/>
                 </p:oleObj>
               </mc:Choice>
@@ -22139,7 +22140,7 @@
           <a:p>
             <a:fld id="{B56E8790-EF43-4195-82DA-4A26D543E504}" type="datetimeFigureOut">
               <a:rPr lang="en-GB" smtClean="0"/>
-              <a:t>15/11/2019</a:t>
+              <a:t>18/11/2019</a:t>
             </a:fld>
             <a:endParaRPr lang="en-GB" dirty="0"/>
           </a:p>
@@ -22632,7 +22633,7 @@
           <a:graphicData uri="http://schemas.openxmlformats.org/presentationml/2006/ole">
             <mc:AlternateContent xmlns:mc="http://schemas.openxmlformats.org/markup-compatibility/2006">
               <mc:Choice xmlns:v="urn:schemas-microsoft-com:vml" Requires="v">
-                <p:oleObj spid="_x0000_s7300" name="think-cell Slide" r:id="rId5" imgW="270" imgH="270" progId="TCLayout.ActiveDocument.1">
+                <p:oleObj spid="_x0000_s7310" name="think-cell Slide" r:id="rId5" imgW="270" imgH="270" progId="TCLayout.ActiveDocument.1">
                   <p:embed/>
                 </p:oleObj>
               </mc:Choice>
@@ -22697,7 +22698,7 @@
           <a:p>
             <a:fld id="{B56E8790-EF43-4195-82DA-4A26D543E504}" type="datetimeFigureOut">
               <a:rPr lang="en-GB" smtClean="0"/>
-              <a:t>15/11/2019</a:t>
+              <a:t>18/11/2019</a:t>
             </a:fld>
             <a:endParaRPr lang="en-GB" dirty="0"/>
           </a:p>
@@ -23056,7 +23057,7 @@
           <a:graphicData uri="http://schemas.openxmlformats.org/presentationml/2006/ole">
             <mc:AlternateContent xmlns:mc="http://schemas.openxmlformats.org/markup-compatibility/2006">
               <mc:Choice xmlns:v="urn:schemas-microsoft-com:vml" Requires="v">
-                <p:oleObj spid="_x0000_s7301" name="think-cell Slide" r:id="rId7" imgW="270" imgH="270" progId="TCLayout.ActiveDocument.1">
+                <p:oleObj spid="_x0000_s7311" name="think-cell Slide" r:id="rId7" imgW="270" imgH="270" progId="TCLayout.ActiveDocument.1">
                   <p:embed/>
                 </p:oleObj>
               </mc:Choice>
@@ -23348,7 +23349,7 @@
           <a:graphicData uri="http://schemas.openxmlformats.org/presentationml/2006/ole">
             <mc:AlternateContent xmlns:mc="http://schemas.openxmlformats.org/markup-compatibility/2006">
               <mc:Choice xmlns:v="urn:schemas-microsoft-com:vml" Requires="v">
-                <p:oleObj spid="_x0000_s8324" name="think-cell Slide" r:id="rId5" imgW="270" imgH="270" progId="TCLayout.ActiveDocument.1">
+                <p:oleObj spid="_x0000_s8334" name="think-cell Slide" r:id="rId5" imgW="270" imgH="270" progId="TCLayout.ActiveDocument.1">
                   <p:embed/>
                 </p:oleObj>
               </mc:Choice>
@@ -23413,7 +23414,7 @@
           <a:p>
             <a:fld id="{B56E8790-EF43-4195-82DA-4A26D543E504}" type="datetimeFigureOut">
               <a:rPr lang="en-GB" smtClean="0"/>
-              <a:t>15/11/2019</a:t>
+              <a:t>18/11/2019</a:t>
             </a:fld>
             <a:endParaRPr lang="en-GB" dirty="0"/>
           </a:p>
@@ -23772,7 +23773,7 @@
           <a:graphicData uri="http://schemas.openxmlformats.org/presentationml/2006/ole">
             <mc:AlternateContent xmlns:mc="http://schemas.openxmlformats.org/markup-compatibility/2006">
               <mc:Choice xmlns:v="urn:schemas-microsoft-com:vml" Requires="v">
-                <p:oleObj spid="_x0000_s8325" name="think-cell Slide" r:id="rId7" imgW="270" imgH="270" progId="TCLayout.ActiveDocument.1">
+                <p:oleObj spid="_x0000_s8335" name="think-cell Slide" r:id="rId7" imgW="270" imgH="270" progId="TCLayout.ActiveDocument.1">
                   <p:embed/>
                 </p:oleObj>
               </mc:Choice>
@@ -24077,7 +24078,7 @@
           <a:graphicData uri="http://schemas.openxmlformats.org/presentationml/2006/ole">
             <mc:AlternateContent xmlns:mc="http://schemas.openxmlformats.org/markup-compatibility/2006">
               <mc:Choice xmlns:v="urn:schemas-microsoft-com:vml" Requires="v">
-                <p:oleObj spid="_x0000_s1091" name="think-cell Slide" r:id="rId24" imgW="270" imgH="270" progId="TCLayout.ActiveDocument.1">
+                <p:oleObj spid="_x0000_s1096" name="think-cell Slide" r:id="rId24" imgW="270" imgH="270" progId="TCLayout.ActiveDocument.1">
                   <p:embed/>
                 </p:oleObj>
               </mc:Choice>
@@ -24209,7 +24210,7 @@
           <a:p>
             <a:fld id="{B56E8790-EF43-4195-82DA-4A26D543E504}" type="datetimeFigureOut">
               <a:rPr lang="en-GB" smtClean="0"/>
-              <a:t>15/11/2019</a:t>
+              <a:t>18/11/2019</a:t>
             </a:fld>
             <a:endParaRPr lang="en-GB" dirty="0"/>
           </a:p>
@@ -24771,7 +24772,7 @@
           <a:graphicData uri="http://schemas.openxmlformats.org/presentationml/2006/ole">
             <mc:AlternateContent xmlns:mc="http://schemas.openxmlformats.org/markup-compatibility/2006">
               <mc:Choice xmlns:v="urn:schemas-microsoft-com:vml" Requires="v">
-                <p:oleObj spid="_x0000_s18499" name="think-cell Slide" r:id="rId16" imgW="270" imgH="270" progId="TCLayout.ActiveDocument.1">
+                <p:oleObj spid="_x0000_s18504" name="think-cell Slide" r:id="rId16" imgW="270" imgH="270" progId="TCLayout.ActiveDocument.1">
                   <p:embed/>
                 </p:oleObj>
               </mc:Choice>
@@ -24904,7 +24905,7 @@
             <a:fld id="{10E7BC8F-BFD3-4858-915D-99D9576C8415}" type="datetime1">
               <a:rPr lang="en-GB" smtClean="0"/>
               <a:pPr/>
-              <a:t>15/11/2019</a:t>
+              <a:t>18/11/2019</a:t>
             </a:fld>
             <a:endParaRPr lang="en-GB" dirty="0"/>
           </a:p>
@@ -25459,7 +25460,7 @@
           <a:graphicData uri="http://schemas.openxmlformats.org/presentationml/2006/ole">
             <mc:AlternateContent xmlns:mc="http://schemas.openxmlformats.org/markup-compatibility/2006">
               <mc:Choice xmlns:v="urn:schemas-microsoft-com:vml" Requires="v">
-                <p:oleObj spid="_x0000_s28739" name="think-cell Slide" r:id="rId17" imgW="270" imgH="270" progId="TCLayout.ActiveDocument.1">
+                <p:oleObj spid="_x0000_s28744" name="think-cell Slide" r:id="rId17" imgW="270" imgH="270" progId="TCLayout.ActiveDocument.1">
                   <p:embed/>
                 </p:oleObj>
               </mc:Choice>
@@ -25596,7 +25597,7 @@
                 </a:solidFill>
               </a:rPr>
               <a:pPr/>
-              <a:t>15/11/2019</a:t>
+              <a:t>18/11/2019</a:t>
             </a:fld>
             <a:endParaRPr lang="en-GB" dirty="0">
               <a:solidFill>
@@ -38670,13 +38671,13 @@
       </p:grpSpPr>
       <p:sp>
         <p:nvSpPr>
-          <p:cNvPr id="7" name="Rounded Rectangle 6"/>
+          <p:cNvPr id="30" name="Rounded Rectangle 29"/>
           <p:cNvSpPr/>
           <p:nvPr/>
         </p:nvSpPr>
         <p:spPr>
           <a:xfrm>
-            <a:off x="471638" y="3065638"/>
+            <a:off x="974350" y="3132042"/>
             <a:ext cx="2733575" cy="1577480"/>
           </a:xfrm>
           <a:prstGeom prst="roundRect">
@@ -38687,7 +38688,7 @@
           </a:solidFill>
           <a:ln w="76200">
             <a:solidFill>
-              <a:schemeClr val="accent1"/>
+              <a:schemeClr val="accent2"/>
             </a:solidFill>
           </a:ln>
         </p:spPr>
@@ -38719,7 +38720,7 @@
             <a:pPr algn="ctr"/>
             <a:endParaRPr lang="en-GB" sz="1600" dirty="0" err="1" smtClean="0">
               <a:solidFill>
-                <a:schemeClr val="tx1"/>
+                <a:schemeClr val="tx2"/>
               </a:solidFill>
             </a:endParaRPr>
           </a:p>
@@ -38727,19 +38728,22 @@
       </p:sp>
       <p:sp>
         <p:nvSpPr>
-          <p:cNvPr id="8" name="TextBox 7"/>
+          <p:cNvPr id="31" name="TextBox 30"/>
           <p:cNvSpPr txBox="1"/>
           <p:nvPr/>
         </p:nvSpPr>
         <p:spPr>
           <a:xfrm>
-            <a:off x="744153" y="3715878"/>
+            <a:off x="1246865" y="3781588"/>
             <a:ext cx="2188543" cy="276999"/>
           </a:xfrm>
           <a:prstGeom prst="rect">
             <a:avLst/>
           </a:prstGeom>
           <a:noFill/>
+          <a:ln>
+            <a:noFill/>
+          </a:ln>
         </p:spPr>
         <p:txBody>
           <a:bodyPr wrap="square" lIns="0" tIns="0" rIns="0" bIns="0" rtlCol="0">
@@ -38747,23 +38751,32 @@
           </a:bodyPr>
           <a:lstStyle/>
           <a:p>
-            <a:r>
-              <a:rPr lang="da-DK" dirty="0" err="1" smtClean="0"/>
+            <a:pPr algn="ctr"/>
+            <a:r>
+              <a:rPr lang="da-DK" dirty="0" err="1" smtClean="0">
+                <a:solidFill>
+                  <a:schemeClr val="tx2"/>
+                </a:solidFill>
+              </a:rPr>
               <a:t>MerchantLocationId</a:t>
             </a:r>
-            <a:endParaRPr lang="en-GB" dirty="0" err="1" smtClean="0"/>
+            <a:endParaRPr lang="en-GB" dirty="0" err="1" smtClean="0">
+              <a:solidFill>
+                <a:schemeClr val="tx2"/>
+              </a:solidFill>
+            </a:endParaRPr>
           </a:p>
         </p:txBody>
       </p:sp>
       <p:sp>
         <p:nvSpPr>
-          <p:cNvPr id="9" name="Rounded Rectangle 8"/>
+          <p:cNvPr id="32" name="Rounded Rectangle 31"/>
           <p:cNvSpPr/>
           <p:nvPr/>
         </p:nvSpPr>
         <p:spPr>
           <a:xfrm>
-            <a:off x="471638" y="424032"/>
+            <a:off x="974350" y="766516"/>
             <a:ext cx="2733575" cy="1577480"/>
           </a:xfrm>
           <a:prstGeom prst="roundRect">
@@ -38774,7 +38787,7 @@
           </a:solidFill>
           <a:ln w="76200">
             <a:solidFill>
-              <a:schemeClr val="accent1"/>
+              <a:schemeClr val="accent2"/>
             </a:solidFill>
           </a:ln>
         </p:spPr>
@@ -38806,7 +38819,7 @@
             <a:pPr algn="ctr"/>
             <a:endParaRPr lang="en-GB" sz="1600" dirty="0" err="1" smtClean="0">
               <a:solidFill>
-                <a:schemeClr val="tx1"/>
+                <a:schemeClr val="tx2"/>
               </a:solidFill>
             </a:endParaRPr>
           </a:p>
@@ -38814,19 +38827,22 @@
       </p:sp>
       <p:sp>
         <p:nvSpPr>
-          <p:cNvPr id="10" name="TextBox 9"/>
+          <p:cNvPr id="33" name="TextBox 32"/>
           <p:cNvSpPr txBox="1"/>
           <p:nvPr/>
         </p:nvSpPr>
         <p:spPr>
           <a:xfrm>
-            <a:off x="867776" y="1074272"/>
+            <a:off x="1370489" y="1416062"/>
             <a:ext cx="1941296" cy="276999"/>
           </a:xfrm>
           <a:prstGeom prst="rect">
             <a:avLst/>
           </a:prstGeom>
           <a:noFill/>
+          <a:ln>
+            <a:noFill/>
+          </a:ln>
         </p:spPr>
         <p:txBody>
           <a:bodyPr wrap="square" lIns="0" tIns="0" rIns="0" bIns="0" rtlCol="0">
@@ -38834,23 +38850,32 @@
           </a:bodyPr>
           <a:lstStyle/>
           <a:p>
-            <a:r>
-              <a:rPr lang="da-DK" dirty="0" err="1" smtClean="0"/>
+            <a:pPr algn="ctr"/>
+            <a:r>
+              <a:rPr lang="da-DK" dirty="0" err="1" smtClean="0">
+                <a:solidFill>
+                  <a:schemeClr val="tx2"/>
+                </a:solidFill>
+              </a:rPr>
               <a:t>MerchantBrandId</a:t>
             </a:r>
-            <a:endParaRPr lang="en-GB" dirty="0" err="1" smtClean="0"/>
+            <a:endParaRPr lang="en-GB" dirty="0" err="1" smtClean="0">
+              <a:solidFill>
+                <a:schemeClr val="tx2"/>
+              </a:solidFill>
+            </a:endParaRPr>
           </a:p>
         </p:txBody>
       </p:sp>
       <p:sp>
         <p:nvSpPr>
-          <p:cNvPr id="11" name="Rounded Rectangle 10"/>
+          <p:cNvPr id="34" name="Rounded Rectangle 33"/>
           <p:cNvSpPr/>
           <p:nvPr/>
         </p:nvSpPr>
         <p:spPr>
           <a:xfrm>
-            <a:off x="4572001" y="3065638"/>
+            <a:off x="4485369" y="3132380"/>
             <a:ext cx="2733575" cy="1577480"/>
           </a:xfrm>
           <a:prstGeom prst="roundRect">
@@ -38861,7 +38886,7 @@
           </a:solidFill>
           <a:ln w="76200">
             <a:solidFill>
-              <a:schemeClr val="accent1"/>
+              <a:schemeClr val="accent2"/>
             </a:solidFill>
           </a:ln>
         </p:spPr>
@@ -38893,7 +38918,7 @@
             <a:pPr algn="ctr"/>
             <a:endParaRPr lang="en-GB" sz="1600" dirty="0" err="1" smtClean="0">
               <a:solidFill>
-                <a:schemeClr val="tx1"/>
+                <a:schemeClr val="tx2"/>
               </a:solidFill>
             </a:endParaRPr>
           </a:p>
@@ -38901,19 +38926,22 @@
       </p:sp>
       <p:sp>
         <p:nvSpPr>
-          <p:cNvPr id="12" name="TextBox 11"/>
+          <p:cNvPr id="35" name="TextBox 34"/>
           <p:cNvSpPr txBox="1"/>
           <p:nvPr/>
         </p:nvSpPr>
         <p:spPr>
           <a:xfrm>
-            <a:off x="5537534" y="3715878"/>
+            <a:off x="5446821" y="3781051"/>
             <a:ext cx="802507" cy="276999"/>
           </a:xfrm>
           <a:prstGeom prst="rect">
             <a:avLst/>
           </a:prstGeom>
           <a:noFill/>
+          <a:ln>
+            <a:noFill/>
+          </a:ln>
         </p:spPr>
         <p:txBody>
           <a:bodyPr wrap="square" lIns="0" tIns="0" rIns="0" bIns="0" rtlCol="0">
@@ -38921,23 +38949,32 @@
           </a:bodyPr>
           <a:lstStyle/>
           <a:p>
-            <a:r>
-              <a:rPr lang="da-DK" dirty="0" err="1" smtClean="0"/>
+            <a:pPr algn="ctr"/>
+            <a:r>
+              <a:rPr lang="da-DK" dirty="0" err="1" smtClean="0">
+                <a:solidFill>
+                  <a:schemeClr val="tx2"/>
+                </a:solidFill>
+              </a:rPr>
               <a:t>StoreId</a:t>
             </a:r>
-            <a:endParaRPr lang="en-GB" dirty="0" err="1" smtClean="0"/>
+            <a:endParaRPr lang="en-GB" dirty="0" err="1" smtClean="0">
+              <a:solidFill>
+                <a:schemeClr val="tx2"/>
+              </a:solidFill>
+            </a:endParaRPr>
           </a:p>
         </p:txBody>
       </p:sp>
       <p:sp>
         <p:nvSpPr>
-          <p:cNvPr id="13" name="Rounded Rectangle 12"/>
+          <p:cNvPr id="45" name="Rounded Rectangle 44"/>
           <p:cNvSpPr/>
           <p:nvPr/>
         </p:nvSpPr>
         <p:spPr>
           <a:xfrm>
-            <a:off x="471638" y="5697618"/>
+            <a:off x="974351" y="5501065"/>
             <a:ext cx="2733575" cy="1577480"/>
           </a:xfrm>
           <a:prstGeom prst="roundRect">
@@ -38948,7 +38985,7 @@
           </a:solidFill>
           <a:ln w="76200">
             <a:solidFill>
-              <a:schemeClr val="accent1"/>
+              <a:schemeClr val="accent2"/>
             </a:solidFill>
           </a:ln>
         </p:spPr>
@@ -38980,7 +39017,7 @@
             <a:pPr algn="ctr"/>
             <a:endParaRPr lang="en-GB" sz="1600" dirty="0" err="1" smtClean="0">
               <a:solidFill>
-                <a:schemeClr val="tx1"/>
+                <a:schemeClr val="tx2"/>
               </a:solidFill>
             </a:endParaRPr>
           </a:p>
@@ -38988,19 +39025,22 @@
       </p:sp>
       <p:sp>
         <p:nvSpPr>
-          <p:cNvPr id="14" name="TextBox 13"/>
+          <p:cNvPr id="46" name="TextBox 45"/>
           <p:cNvSpPr txBox="1"/>
           <p:nvPr/>
         </p:nvSpPr>
         <p:spPr>
           <a:xfrm>
-            <a:off x="1001026" y="6347858"/>
+            <a:off x="1503741" y="6150967"/>
             <a:ext cx="1674796" cy="276999"/>
           </a:xfrm>
           <a:prstGeom prst="rect">
             <a:avLst/>
           </a:prstGeom>
           <a:noFill/>
+          <a:ln>
+            <a:noFill/>
+          </a:ln>
         </p:spPr>
         <p:txBody>
           <a:bodyPr wrap="square" lIns="0" tIns="0" rIns="0" bIns="0" rtlCol="0">
@@ -39008,23 +39048,32 @@
           </a:bodyPr>
           <a:lstStyle/>
           <a:p>
-            <a:r>
-              <a:rPr lang="da-DK" dirty="0" err="1" smtClean="0"/>
+            <a:pPr algn="ctr"/>
+            <a:r>
+              <a:rPr lang="da-DK" dirty="0" err="1" smtClean="0">
+                <a:solidFill>
+                  <a:schemeClr val="tx2"/>
+                </a:solidFill>
+              </a:rPr>
               <a:t>MerchantPosId</a:t>
             </a:r>
-            <a:endParaRPr lang="en-GB" dirty="0" err="1" smtClean="0"/>
+            <a:endParaRPr lang="en-GB" dirty="0" err="1" smtClean="0">
+              <a:solidFill>
+                <a:schemeClr val="tx2"/>
+              </a:solidFill>
+            </a:endParaRPr>
           </a:p>
         </p:txBody>
       </p:sp>
       <p:sp>
         <p:nvSpPr>
-          <p:cNvPr id="15" name="Rounded Rectangle 14"/>
+          <p:cNvPr id="47" name="Rounded Rectangle 46"/>
           <p:cNvSpPr/>
           <p:nvPr/>
         </p:nvSpPr>
         <p:spPr>
           <a:xfrm>
-            <a:off x="4572001" y="5697619"/>
+            <a:off x="4485369" y="5501065"/>
             <a:ext cx="2733575" cy="1577480"/>
           </a:xfrm>
           <a:prstGeom prst="roundRect">
@@ -39035,7 +39084,7 @@
           </a:solidFill>
           <a:ln w="76200">
             <a:solidFill>
-              <a:schemeClr val="accent1"/>
+              <a:schemeClr val="accent2"/>
             </a:solidFill>
           </a:ln>
         </p:spPr>
@@ -39067,7 +39116,7 @@
             <a:pPr algn="ctr"/>
             <a:endParaRPr lang="en-GB" sz="1600" dirty="0" err="1" smtClean="0">
               <a:solidFill>
-                <a:schemeClr val="tx1"/>
+                <a:schemeClr val="tx2"/>
               </a:solidFill>
             </a:endParaRPr>
           </a:p>
@@ -39075,19 +39124,22 @@
       </p:sp>
       <p:sp>
         <p:nvSpPr>
-          <p:cNvPr id="16" name="TextBox 15"/>
+          <p:cNvPr id="48" name="TextBox 47"/>
           <p:cNvSpPr txBox="1"/>
           <p:nvPr/>
         </p:nvSpPr>
         <p:spPr>
           <a:xfrm>
-            <a:off x="5613031" y="6347859"/>
+            <a:off x="5526400" y="6151305"/>
             <a:ext cx="651513" cy="276999"/>
           </a:xfrm>
           <a:prstGeom prst="rect">
             <a:avLst/>
           </a:prstGeom>
           <a:noFill/>
+          <a:ln>
+            <a:noFill/>
+          </a:ln>
         </p:spPr>
         <p:txBody>
           <a:bodyPr wrap="square" lIns="0" tIns="0" rIns="0" bIns="0" rtlCol="0">
@@ -39095,23 +39147,32 @@
           </a:bodyPr>
           <a:lstStyle/>
           <a:p>
-            <a:r>
-              <a:rPr lang="da-DK" dirty="0" err="1" smtClean="0"/>
+            <a:pPr algn="ctr"/>
+            <a:r>
+              <a:rPr lang="da-DK" dirty="0" err="1" smtClean="0">
+                <a:solidFill>
+                  <a:schemeClr val="tx2"/>
+                </a:solidFill>
+              </a:rPr>
               <a:t>PosId</a:t>
             </a:r>
-            <a:endParaRPr lang="en-GB" dirty="0" err="1" smtClean="0"/>
+            <a:endParaRPr lang="en-GB" dirty="0" err="1" smtClean="0">
+              <a:solidFill>
+                <a:schemeClr val="tx2"/>
+              </a:solidFill>
+            </a:endParaRPr>
           </a:p>
         </p:txBody>
       </p:sp>
       <p:sp>
         <p:nvSpPr>
-          <p:cNvPr id="17" name="Rounded Rectangle 16"/>
+          <p:cNvPr id="49" name="Rounded Rectangle 48"/>
           <p:cNvSpPr/>
           <p:nvPr/>
         </p:nvSpPr>
         <p:spPr>
           <a:xfrm>
-            <a:off x="8672364" y="5697618"/>
+            <a:off x="4485371" y="7892179"/>
             <a:ext cx="2733575" cy="1577480"/>
           </a:xfrm>
           <a:prstGeom prst="roundRect">
@@ -39122,7 +39183,7 @@
           </a:solidFill>
           <a:ln w="76200">
             <a:solidFill>
-              <a:schemeClr val="accent1"/>
+              <a:schemeClr val="accent2"/>
             </a:solidFill>
           </a:ln>
         </p:spPr>
@@ -39154,7 +39215,7 @@
             <a:pPr algn="ctr"/>
             <a:endParaRPr lang="en-GB" sz="1600" dirty="0" err="1" smtClean="0">
               <a:solidFill>
-                <a:schemeClr val="tx1"/>
+                <a:schemeClr val="tx2"/>
               </a:solidFill>
             </a:endParaRPr>
           </a:p>
@@ -39162,19 +39223,22 @@
       </p:sp>
       <p:sp>
         <p:nvSpPr>
-          <p:cNvPr id="18" name="TextBox 17"/>
+          <p:cNvPr id="50" name="TextBox 49"/>
           <p:cNvSpPr txBox="1"/>
           <p:nvPr/>
         </p:nvSpPr>
         <p:spPr>
           <a:xfrm>
-            <a:off x="9487149" y="6347858"/>
+            <a:off x="5300154" y="8542419"/>
             <a:ext cx="1104001" cy="276999"/>
           </a:xfrm>
           <a:prstGeom prst="rect">
             <a:avLst/>
           </a:prstGeom>
           <a:noFill/>
+          <a:ln>
+            <a:noFill/>
+          </a:ln>
         </p:spPr>
         <p:txBody>
           <a:bodyPr wrap="square" lIns="0" tIns="0" rIns="0" bIns="0" rtlCol="0">
@@ -39182,32 +39246,454 @@
           </a:bodyPr>
           <a:lstStyle/>
           <a:p>
-            <a:r>
-              <a:rPr lang="da-DK" dirty="0" err="1" smtClean="0"/>
+            <a:pPr algn="ctr"/>
+            <a:r>
+              <a:rPr lang="da-DK" dirty="0" err="1" smtClean="0">
+                <a:solidFill>
+                  <a:schemeClr val="tx2"/>
+                </a:solidFill>
+              </a:rPr>
               <a:t>BeaconId</a:t>
             </a:r>
-            <a:endParaRPr lang="en-GB" dirty="0" err="1" smtClean="0"/>
+            <a:endParaRPr lang="en-GB" dirty="0" err="1" smtClean="0">
+              <a:solidFill>
+                <a:schemeClr val="tx2"/>
+              </a:solidFill>
+            </a:endParaRPr>
           </a:p>
         </p:txBody>
       </p:sp>
       <p:cxnSp>
         <p:nvCxnSpPr>
-          <p:cNvPr id="20" name="Straight Connector 19"/>
+          <p:cNvPr id="51" name="Straight Connector 50"/>
           <p:cNvCxnSpPr>
-            <a:stCxn id="9" idx="2"/>
-            <a:endCxn id="7" idx="0"/>
+            <a:stCxn id="47" idx="2"/>
+            <a:endCxn id="49" idx="0"/>
           </p:cNvCxnSpPr>
           <p:nvPr/>
         </p:nvCxnSpPr>
         <p:spPr>
           <a:xfrm>
-            <a:off x="1838426" y="2001512"/>
-            <a:ext cx="0" cy="1064126"/>
+            <a:off x="5852157" y="7078545"/>
+            <a:ext cx="2" cy="813634"/>
           </a:xfrm>
           <a:prstGeom prst="line">
             <a:avLst/>
           </a:prstGeom>
-          <a:ln w="38100" cap="sq"/>
+          <a:ln w="38100" cap="sq">
+            <a:solidFill>
+              <a:schemeClr val="accent2"/>
+            </a:solidFill>
+          </a:ln>
+        </p:spPr>
+        <p:style>
+          <a:lnRef idx="1">
+            <a:schemeClr val="accent1"/>
+          </a:lnRef>
+          <a:fillRef idx="0">
+            <a:schemeClr val="accent1"/>
+          </a:fillRef>
+          <a:effectRef idx="0">
+            <a:schemeClr val="accent1"/>
+          </a:effectRef>
+          <a:fontRef idx="minor">
+            <a:schemeClr val="tx1"/>
+          </a:fontRef>
+        </p:style>
+      </p:cxnSp>
+      <p:cxnSp>
+        <p:nvCxnSpPr>
+          <p:cNvPr id="52" name="Straight Connector 51"/>
+          <p:cNvCxnSpPr>
+            <a:stCxn id="45" idx="3"/>
+            <a:endCxn id="47" idx="1"/>
+          </p:cNvCxnSpPr>
+          <p:nvPr/>
+        </p:nvCxnSpPr>
+        <p:spPr>
+          <a:xfrm>
+            <a:off x="3707926" y="6289805"/>
+            <a:ext cx="777443" cy="0"/>
+          </a:xfrm>
+          <a:prstGeom prst="line">
+            <a:avLst/>
+          </a:prstGeom>
+          <a:ln w="38100" cap="sq">
+            <a:solidFill>
+              <a:schemeClr val="accent2"/>
+            </a:solidFill>
+          </a:ln>
+        </p:spPr>
+        <p:style>
+          <a:lnRef idx="1">
+            <a:schemeClr val="accent1"/>
+          </a:lnRef>
+          <a:fillRef idx="0">
+            <a:schemeClr val="accent1"/>
+          </a:fillRef>
+          <a:effectRef idx="0">
+            <a:schemeClr val="accent1"/>
+          </a:effectRef>
+          <a:fontRef idx="minor">
+            <a:schemeClr val="tx1"/>
+          </a:fontRef>
+        </p:style>
+      </p:cxnSp>
+      <p:cxnSp>
+        <p:nvCxnSpPr>
+          <p:cNvPr id="53" name="Straight Arrow Connector 52"/>
+          <p:cNvCxnSpPr>
+            <a:stCxn id="47" idx="0"/>
+            <a:endCxn id="34" idx="2"/>
+          </p:cNvCxnSpPr>
+          <p:nvPr/>
+        </p:nvCxnSpPr>
+        <p:spPr>
+          <a:xfrm flipV="1">
+            <a:off x="5852157" y="4709860"/>
+            <a:ext cx="0" cy="791205"/>
+          </a:xfrm>
+          <a:prstGeom prst="straightConnector1">
+            <a:avLst/>
+          </a:prstGeom>
+          <a:ln w="38100" cap="sq">
+            <a:solidFill>
+              <a:schemeClr val="accent2"/>
+            </a:solidFill>
+            <a:tailEnd type="triangle"/>
+          </a:ln>
+        </p:spPr>
+        <p:style>
+          <a:lnRef idx="1">
+            <a:schemeClr val="accent1"/>
+          </a:lnRef>
+          <a:fillRef idx="0">
+            <a:schemeClr val="accent1"/>
+          </a:fillRef>
+          <a:effectRef idx="0">
+            <a:schemeClr val="accent1"/>
+          </a:effectRef>
+          <a:fontRef idx="minor">
+            <a:schemeClr val="tx1"/>
+          </a:fontRef>
+        </p:style>
+      </p:cxnSp>
+      <p:cxnSp>
+        <p:nvCxnSpPr>
+          <p:cNvPr id="54" name="Straight Connector 53"/>
+          <p:cNvCxnSpPr>
+            <a:stCxn id="30" idx="3"/>
+            <a:endCxn id="34" idx="1"/>
+          </p:cNvCxnSpPr>
+          <p:nvPr/>
+        </p:nvCxnSpPr>
+        <p:spPr>
+          <a:xfrm>
+            <a:off x="3707925" y="3920782"/>
+            <a:ext cx="777444" cy="338"/>
+          </a:xfrm>
+          <a:prstGeom prst="line">
+            <a:avLst/>
+          </a:prstGeom>
+          <a:ln w="38100" cap="sq">
+            <a:solidFill>
+              <a:schemeClr val="accent2"/>
+            </a:solidFill>
+          </a:ln>
+        </p:spPr>
+        <p:style>
+          <a:lnRef idx="1">
+            <a:schemeClr val="accent1"/>
+          </a:lnRef>
+          <a:fillRef idx="0">
+            <a:schemeClr val="accent1"/>
+          </a:fillRef>
+          <a:effectRef idx="0">
+            <a:schemeClr val="accent1"/>
+          </a:effectRef>
+          <a:fontRef idx="minor">
+            <a:schemeClr val="tx1"/>
+          </a:fontRef>
+        </p:style>
+      </p:cxnSp>
+      <p:cxnSp>
+        <p:nvCxnSpPr>
+          <p:cNvPr id="55" name="Straight Arrow Connector 54"/>
+          <p:cNvCxnSpPr>
+            <a:stCxn id="30" idx="0"/>
+            <a:endCxn id="32" idx="2"/>
+          </p:cNvCxnSpPr>
+          <p:nvPr/>
+        </p:nvCxnSpPr>
+        <p:spPr>
+          <a:xfrm flipV="1">
+            <a:off x="2341138" y="2343996"/>
+            <a:ext cx="0" cy="788046"/>
+          </a:xfrm>
+          <a:prstGeom prst="straightConnector1">
+            <a:avLst/>
+          </a:prstGeom>
+          <a:ln w="38100" cap="sq">
+            <a:solidFill>
+              <a:schemeClr val="accent2"/>
+            </a:solidFill>
+            <a:tailEnd type="triangle"/>
+          </a:ln>
+        </p:spPr>
+        <p:style>
+          <a:lnRef idx="1">
+            <a:schemeClr val="accent1"/>
+          </a:lnRef>
+          <a:fillRef idx="0">
+            <a:schemeClr val="accent1"/>
+          </a:fillRef>
+          <a:effectRef idx="0">
+            <a:schemeClr val="accent1"/>
+          </a:effectRef>
+          <a:fontRef idx="minor">
+            <a:schemeClr val="tx1"/>
+          </a:fontRef>
+        </p:style>
+      </p:cxnSp>
+    </p:spTree>
+    <p:extLst>
+      <p:ext uri="{BB962C8B-B14F-4D97-AF65-F5344CB8AC3E}">
+        <p14:creationId xmlns:p14="http://schemas.microsoft.com/office/powerpoint/2010/main" val="675009573"/>
+      </p:ext>
+    </p:extLst>
+  </p:cSld>
+  <p:clrMapOvr>
+    <a:masterClrMapping/>
+  </p:clrMapOvr>
+</p:sld>
+</file>
+
+<file path=ppt/slides/slide22.xml><?xml version="1.0" encoding="utf-8"?>
+<p:sld xmlns:a="http://schemas.openxmlformats.org/drawingml/2006/main" xmlns:r="http://schemas.openxmlformats.org/officeDocument/2006/relationships" xmlns:p="http://schemas.openxmlformats.org/presentationml/2006/main">
+  <p:cSld>
+    <p:spTree>
+      <p:nvGrpSpPr>
+        <p:cNvPr id="1" name=""/>
+        <p:cNvGrpSpPr/>
+        <p:nvPr/>
+      </p:nvGrpSpPr>
+      <p:grpSpPr>
+        <a:xfrm>
+          <a:off x="0" y="0"/>
+          <a:ext cx="0" cy="0"/>
+          <a:chOff x="0" y="0"/>
+          <a:chExt cx="0" cy="0"/>
+        </a:xfrm>
+      </p:grpSpPr>
+      <p:cxnSp>
+        <p:nvCxnSpPr>
+          <p:cNvPr id="123" name="Straight Arrow Connector 122"/>
+          <p:cNvCxnSpPr/>
+          <p:nvPr/>
+        </p:nvCxnSpPr>
+        <p:spPr>
+          <a:xfrm>
+            <a:off x="770489" y="1676789"/>
+            <a:ext cx="2733574" cy="0"/>
+          </a:xfrm>
+          <a:prstGeom prst="straightConnector1">
+            <a:avLst/>
+          </a:prstGeom>
+          <a:ln w="38100" cap="sq">
+            <a:tailEnd type="triangle"/>
+          </a:ln>
+        </p:spPr>
+        <p:style>
+          <a:lnRef idx="1">
+            <a:schemeClr val="accent1"/>
+          </a:lnRef>
+          <a:fillRef idx="0">
+            <a:schemeClr val="accent1"/>
+          </a:fillRef>
+          <a:effectRef idx="0">
+            <a:schemeClr val="accent1"/>
+          </a:effectRef>
+          <a:fontRef idx="minor">
+            <a:schemeClr val="tx1"/>
+          </a:fontRef>
+        </p:style>
+      </p:cxnSp>
+      <p:cxnSp>
+        <p:nvCxnSpPr>
+          <p:cNvPr id="53" name="Straight Arrow Connector 52"/>
+          <p:cNvCxnSpPr>
+            <a:stCxn id="11" idx="0"/>
+            <a:endCxn id="49" idx="2"/>
+          </p:cNvCxnSpPr>
+          <p:nvPr/>
+        </p:nvCxnSpPr>
+        <p:spPr>
+          <a:xfrm flipH="1" flipV="1">
+            <a:off x="10039144" y="1820643"/>
+            <a:ext cx="3" cy="2948031"/>
+          </a:xfrm>
+          <a:prstGeom prst="straightConnector1">
+            <a:avLst/>
+          </a:prstGeom>
+          <a:ln w="38100" cap="sq">
+            <a:solidFill>
+              <a:schemeClr val="tx2"/>
+            </a:solidFill>
+            <a:tailEnd type="triangle"/>
+          </a:ln>
+        </p:spPr>
+        <p:style>
+          <a:lnRef idx="1">
+            <a:schemeClr val="accent1"/>
+          </a:lnRef>
+          <a:fillRef idx="0">
+            <a:schemeClr val="accent1"/>
+          </a:fillRef>
+          <a:effectRef idx="0">
+            <a:schemeClr val="accent1"/>
+          </a:effectRef>
+          <a:fontRef idx="minor">
+            <a:schemeClr val="tx1"/>
+          </a:fontRef>
+        </p:style>
+      </p:cxnSp>
+      <p:cxnSp>
+        <p:nvCxnSpPr>
+          <p:cNvPr id="87" name="Straight Connector 86"/>
+          <p:cNvCxnSpPr>
+            <a:stCxn id="57" idx="3"/>
+            <a:endCxn id="9" idx="1"/>
+          </p:cNvCxnSpPr>
+          <p:nvPr/>
+        </p:nvCxnSpPr>
+        <p:spPr>
+          <a:xfrm flipV="1">
+            <a:off x="3508663" y="3191550"/>
+            <a:ext cx="1652677" cy="6119"/>
+          </a:xfrm>
+          <a:prstGeom prst="line">
+            <a:avLst/>
+          </a:prstGeom>
+          <a:ln w="38100" cap="sq">
+            <a:prstDash val="sysDash"/>
+          </a:ln>
+        </p:spPr>
+        <p:style>
+          <a:lnRef idx="1">
+            <a:schemeClr val="accent1"/>
+          </a:lnRef>
+          <a:fillRef idx="0">
+            <a:schemeClr val="accent1"/>
+          </a:fillRef>
+          <a:effectRef idx="0">
+            <a:schemeClr val="accent1"/>
+          </a:effectRef>
+          <a:fontRef idx="minor">
+            <a:schemeClr val="tx1"/>
+          </a:fontRef>
+        </p:style>
+      </p:cxnSp>
+      <p:cxnSp>
+        <p:nvCxnSpPr>
+          <p:cNvPr id="89" name="Straight Connector 88"/>
+          <p:cNvCxnSpPr>
+            <a:stCxn id="56" idx="3"/>
+            <a:endCxn id="7" idx="1"/>
+          </p:cNvCxnSpPr>
+          <p:nvPr/>
+        </p:nvCxnSpPr>
+        <p:spPr>
+          <a:xfrm>
+            <a:off x="3508520" y="5557076"/>
+            <a:ext cx="1652820" cy="0"/>
+          </a:xfrm>
+          <a:prstGeom prst="line">
+            <a:avLst/>
+          </a:prstGeom>
+          <a:ln w="38100" cap="sq">
+            <a:solidFill>
+              <a:schemeClr val="accent1"/>
+            </a:solidFill>
+            <a:prstDash val="sysDash"/>
+          </a:ln>
+        </p:spPr>
+        <p:style>
+          <a:lnRef idx="1">
+            <a:schemeClr val="accent1"/>
+          </a:lnRef>
+          <a:fillRef idx="0">
+            <a:schemeClr val="accent1"/>
+          </a:fillRef>
+          <a:effectRef idx="0">
+            <a:schemeClr val="accent1"/>
+          </a:effectRef>
+          <a:fontRef idx="minor">
+            <a:schemeClr val="tx1"/>
+          </a:fontRef>
+        </p:style>
+      </p:cxnSp>
+      <p:cxnSp>
+        <p:nvCxnSpPr>
+          <p:cNvPr id="102" name="Straight Connector 101"/>
+          <p:cNvCxnSpPr>
+            <a:stCxn id="58" idx="3"/>
+            <a:endCxn id="13" idx="1"/>
+          </p:cNvCxnSpPr>
+          <p:nvPr/>
+        </p:nvCxnSpPr>
+        <p:spPr>
+          <a:xfrm>
+            <a:off x="3512601" y="7925760"/>
+            <a:ext cx="1648740" cy="339"/>
+          </a:xfrm>
+          <a:prstGeom prst="line">
+            <a:avLst/>
+          </a:prstGeom>
+          <a:ln w="38100" cap="sq">
+            <a:solidFill>
+              <a:schemeClr val="accent1"/>
+            </a:solidFill>
+            <a:prstDash val="sysDash"/>
+          </a:ln>
+        </p:spPr>
+        <p:style>
+          <a:lnRef idx="1">
+            <a:schemeClr val="accent1"/>
+          </a:lnRef>
+          <a:fillRef idx="0">
+            <a:schemeClr val="accent1"/>
+          </a:fillRef>
+          <a:effectRef idx="0">
+            <a:schemeClr val="accent1"/>
+          </a:effectRef>
+          <a:fontRef idx="minor">
+            <a:schemeClr val="tx1"/>
+          </a:fontRef>
+        </p:style>
+      </p:cxnSp>
+      <p:cxnSp>
+        <p:nvCxnSpPr>
+          <p:cNvPr id="104" name="Straight Connector 103"/>
+          <p:cNvCxnSpPr>
+            <a:stCxn id="59" idx="3"/>
+            <a:endCxn id="17" idx="1"/>
+          </p:cNvCxnSpPr>
+          <p:nvPr/>
+        </p:nvCxnSpPr>
+        <p:spPr>
+          <a:xfrm>
+            <a:off x="3514020" y="10317213"/>
+            <a:ext cx="5158341" cy="0"/>
+          </a:xfrm>
+          <a:prstGeom prst="line">
+            <a:avLst/>
+          </a:prstGeom>
+          <a:ln w="38100" cap="sq">
+            <a:solidFill>
+              <a:schemeClr val="accent1"/>
+            </a:solidFill>
+            <a:prstDash val="sysDash"/>
+          </a:ln>
         </p:spPr>
         <p:style>
           <a:lnRef idx="1">
@@ -39226,142 +39712,620 @@
       </p:cxnSp>
       <p:sp>
         <p:nvSpPr>
-          <p:cNvPr id="21" name="TextBox 20"/>
+          <p:cNvPr id="7" name="Rounded Rectangle 6"/>
+          <p:cNvSpPr/>
+          <p:nvPr/>
+        </p:nvSpPr>
+        <p:spPr>
+          <a:xfrm>
+            <a:off x="5161340" y="4768336"/>
+            <a:ext cx="2733575" cy="1577480"/>
+          </a:xfrm>
+          <a:prstGeom prst="roundRect">
+            <a:avLst/>
+          </a:prstGeom>
+          <a:solidFill>
+            <a:schemeClr val="bg1"/>
+          </a:solidFill>
+          <a:ln w="76200">
+            <a:solidFill>
+              <a:schemeClr val="accent2"/>
+            </a:solidFill>
+          </a:ln>
+        </p:spPr>
+        <p:style>
+          <a:lnRef idx="2">
+            <a:schemeClr val="accent1">
+              <a:shade val="50000"/>
+            </a:schemeClr>
+          </a:lnRef>
+          <a:fillRef idx="1">
+            <a:schemeClr val="accent1"/>
+          </a:fillRef>
+          <a:effectRef idx="0">
+            <a:schemeClr val="accent1"/>
+          </a:effectRef>
+          <a:fontRef idx="minor">
+            <a:schemeClr val="lt1"/>
+          </a:fontRef>
+        </p:style>
+        <p:txBody>
+          <a:bodyPr rot="0" spcFirstLastPara="0" vertOverflow="overflow" horzOverflow="overflow" vert="horz" wrap="square" lIns="0" tIns="0" rIns="0" bIns="0" numCol="1" spcCol="0" rtlCol="0" fromWordArt="0" anchor="ctr" anchorCtr="0" forceAA="0" compatLnSpc="1">
+            <a:prstTxWarp prst="textNoShape">
+              <a:avLst/>
+            </a:prstTxWarp>
+            <a:noAutofit/>
+          </a:bodyPr>
+          <a:lstStyle/>
+          <a:p>
+            <a:pPr algn="ctr"/>
+            <a:endParaRPr lang="en-GB" sz="1600" dirty="0" err="1" smtClean="0">
+              <a:solidFill>
+                <a:schemeClr val="tx2"/>
+              </a:solidFill>
+            </a:endParaRPr>
+          </a:p>
+        </p:txBody>
+      </p:sp>
+      <p:sp>
+        <p:nvSpPr>
+          <p:cNvPr id="8" name="TextBox 7"/>
           <p:cNvSpPr txBox="1"/>
           <p:nvPr/>
         </p:nvSpPr>
         <p:spPr>
           <a:xfrm>
-            <a:off x="1915427" y="2024496"/>
-            <a:ext cx="144270" cy="276999"/>
+            <a:off x="5433855" y="5417882"/>
+            <a:ext cx="2188543" cy="276999"/>
           </a:xfrm>
           <a:prstGeom prst="rect">
             <a:avLst/>
           </a:prstGeom>
           <a:noFill/>
+          <a:ln>
+            <a:noFill/>
+          </a:ln>
         </p:spPr>
         <p:txBody>
-          <a:bodyPr wrap="none" lIns="0" tIns="0" rIns="0" bIns="0" rtlCol="0">
+          <a:bodyPr wrap="square" lIns="0" tIns="0" rIns="0" bIns="0" rtlCol="0">
             <a:spAutoFit/>
           </a:bodyPr>
           <a:lstStyle/>
           <a:p>
-            <a:r>
-              <a:rPr lang="da-DK" dirty="0" smtClean="0"/>
-              <a:t>1</a:t>
-            </a:r>
-            <a:endParaRPr lang="en-GB" dirty="0" err="1" smtClean="0"/>
+            <a:pPr algn="ctr"/>
+            <a:r>
+              <a:rPr lang="da-DK" dirty="0" err="1" smtClean="0">
+                <a:solidFill>
+                  <a:schemeClr val="tx2"/>
+                </a:solidFill>
+              </a:rPr>
+              <a:t>MerchantLocationId</a:t>
+            </a:r>
+            <a:endParaRPr lang="en-GB" dirty="0" err="1" smtClean="0">
+              <a:solidFill>
+                <a:schemeClr val="tx2"/>
+              </a:solidFill>
+            </a:endParaRPr>
           </a:p>
         </p:txBody>
       </p:sp>
       <p:sp>
         <p:nvSpPr>
-          <p:cNvPr id="25" name="TextBox 24"/>
+          <p:cNvPr id="9" name="Rounded Rectangle 8"/>
+          <p:cNvSpPr/>
+          <p:nvPr/>
+        </p:nvSpPr>
+        <p:spPr>
+          <a:xfrm>
+            <a:off x="5161340" y="2402810"/>
+            <a:ext cx="2733575" cy="1577480"/>
+          </a:xfrm>
+          <a:prstGeom prst="roundRect">
+            <a:avLst/>
+          </a:prstGeom>
+          <a:solidFill>
+            <a:schemeClr val="bg1"/>
+          </a:solidFill>
+          <a:ln w="76200">
+            <a:solidFill>
+              <a:schemeClr val="accent2"/>
+            </a:solidFill>
+          </a:ln>
+        </p:spPr>
+        <p:style>
+          <a:lnRef idx="2">
+            <a:schemeClr val="accent1">
+              <a:shade val="50000"/>
+            </a:schemeClr>
+          </a:lnRef>
+          <a:fillRef idx="1">
+            <a:schemeClr val="accent1"/>
+          </a:fillRef>
+          <a:effectRef idx="0">
+            <a:schemeClr val="accent1"/>
+          </a:effectRef>
+          <a:fontRef idx="minor">
+            <a:schemeClr val="lt1"/>
+          </a:fontRef>
+        </p:style>
+        <p:txBody>
+          <a:bodyPr rot="0" spcFirstLastPara="0" vertOverflow="overflow" horzOverflow="overflow" vert="horz" wrap="square" lIns="0" tIns="0" rIns="0" bIns="0" numCol="1" spcCol="0" rtlCol="0" fromWordArt="0" anchor="ctr" anchorCtr="0" forceAA="0" compatLnSpc="1">
+            <a:prstTxWarp prst="textNoShape">
+              <a:avLst/>
+            </a:prstTxWarp>
+            <a:noAutofit/>
+          </a:bodyPr>
+          <a:lstStyle/>
+          <a:p>
+            <a:pPr algn="ctr"/>
+            <a:endParaRPr lang="en-GB" sz="1600" dirty="0" err="1" smtClean="0">
+              <a:solidFill>
+                <a:schemeClr val="tx2"/>
+              </a:solidFill>
+            </a:endParaRPr>
+          </a:p>
+        </p:txBody>
+      </p:sp>
+      <p:sp>
+        <p:nvSpPr>
+          <p:cNvPr id="10" name="TextBox 9"/>
           <p:cNvSpPr txBox="1"/>
           <p:nvPr/>
         </p:nvSpPr>
         <p:spPr>
           <a:xfrm>
-            <a:off x="1955501" y="2788638"/>
-            <a:ext cx="104196" cy="276999"/>
+            <a:off x="5557479" y="3052356"/>
+            <a:ext cx="1941296" cy="276999"/>
           </a:xfrm>
           <a:prstGeom prst="rect">
             <a:avLst/>
           </a:prstGeom>
           <a:noFill/>
+          <a:ln>
+            <a:noFill/>
+          </a:ln>
         </p:spPr>
         <p:txBody>
-          <a:bodyPr wrap="none" lIns="0" tIns="0" rIns="0" bIns="0" rtlCol="0">
+          <a:bodyPr wrap="square" lIns="0" tIns="0" rIns="0" bIns="0" rtlCol="0">
             <a:spAutoFit/>
           </a:bodyPr>
           <a:lstStyle/>
           <a:p>
-            <a:r>
-              <a:rPr lang="da-DK" dirty="0" smtClean="0"/>
-              <a:t>*</a:t>
-            </a:r>
-            <a:endParaRPr lang="en-GB" dirty="0" err="1" smtClean="0"/>
+            <a:pPr algn="ctr"/>
+            <a:r>
+              <a:rPr lang="da-DK" dirty="0" err="1" smtClean="0">
+                <a:solidFill>
+                  <a:schemeClr val="tx2"/>
+                </a:solidFill>
+              </a:rPr>
+              <a:t>MerchantBrandId</a:t>
+            </a:r>
+            <a:endParaRPr lang="en-GB" dirty="0" err="1" smtClean="0">
+              <a:solidFill>
+                <a:schemeClr val="tx2"/>
+              </a:solidFill>
+            </a:endParaRPr>
           </a:p>
         </p:txBody>
       </p:sp>
       <p:sp>
         <p:nvSpPr>
-          <p:cNvPr id="27" name="TextBox 26"/>
+          <p:cNvPr id="11" name="Rounded Rectangle 10"/>
+          <p:cNvSpPr/>
+          <p:nvPr/>
+        </p:nvSpPr>
+        <p:spPr>
+          <a:xfrm>
+            <a:off x="8672359" y="4768674"/>
+            <a:ext cx="2733575" cy="1577480"/>
+          </a:xfrm>
+          <a:prstGeom prst="roundRect">
+            <a:avLst/>
+          </a:prstGeom>
+          <a:solidFill>
+            <a:schemeClr val="bg1"/>
+          </a:solidFill>
+          <a:ln w="76200">
+            <a:solidFill>
+              <a:schemeClr val="accent2"/>
+            </a:solidFill>
+          </a:ln>
+        </p:spPr>
+        <p:style>
+          <a:lnRef idx="2">
+            <a:schemeClr val="accent1">
+              <a:shade val="50000"/>
+            </a:schemeClr>
+          </a:lnRef>
+          <a:fillRef idx="1">
+            <a:schemeClr val="accent1"/>
+          </a:fillRef>
+          <a:effectRef idx="0">
+            <a:schemeClr val="accent1"/>
+          </a:effectRef>
+          <a:fontRef idx="minor">
+            <a:schemeClr val="lt1"/>
+          </a:fontRef>
+        </p:style>
+        <p:txBody>
+          <a:bodyPr rot="0" spcFirstLastPara="0" vertOverflow="overflow" horzOverflow="overflow" vert="horz" wrap="square" lIns="0" tIns="0" rIns="0" bIns="0" numCol="1" spcCol="0" rtlCol="0" fromWordArt="0" anchor="ctr" anchorCtr="0" forceAA="0" compatLnSpc="1">
+            <a:prstTxWarp prst="textNoShape">
+              <a:avLst/>
+            </a:prstTxWarp>
+            <a:noAutofit/>
+          </a:bodyPr>
+          <a:lstStyle/>
+          <a:p>
+            <a:pPr algn="ctr"/>
+            <a:endParaRPr lang="en-GB" sz="1600" dirty="0" err="1" smtClean="0">
+              <a:solidFill>
+                <a:schemeClr val="tx2"/>
+              </a:solidFill>
+            </a:endParaRPr>
+          </a:p>
+        </p:txBody>
+      </p:sp>
+      <p:sp>
+        <p:nvSpPr>
+          <p:cNvPr id="12" name="TextBox 11"/>
           <p:cNvSpPr txBox="1"/>
           <p:nvPr/>
         </p:nvSpPr>
         <p:spPr>
           <a:xfrm>
-            <a:off x="6025276" y="4691239"/>
-            <a:ext cx="144270" cy="276999"/>
+            <a:off x="9633811" y="5417345"/>
+            <a:ext cx="802507" cy="276999"/>
           </a:xfrm>
           <a:prstGeom prst="rect">
             <a:avLst/>
           </a:prstGeom>
           <a:noFill/>
+          <a:ln>
+            <a:noFill/>
+          </a:ln>
         </p:spPr>
         <p:txBody>
-          <a:bodyPr wrap="none" lIns="0" tIns="0" rIns="0" bIns="0" rtlCol="0">
+          <a:bodyPr wrap="square" lIns="0" tIns="0" rIns="0" bIns="0" rtlCol="0">
             <a:spAutoFit/>
           </a:bodyPr>
           <a:lstStyle/>
           <a:p>
-            <a:r>
-              <a:rPr lang="da-DK" dirty="0" smtClean="0"/>
-              <a:t>1</a:t>
-            </a:r>
-            <a:endParaRPr lang="en-GB" dirty="0" err="1" smtClean="0"/>
+            <a:pPr algn="ctr"/>
+            <a:r>
+              <a:rPr lang="da-DK" dirty="0" err="1" smtClean="0">
+                <a:solidFill>
+                  <a:schemeClr val="tx2"/>
+                </a:solidFill>
+              </a:rPr>
+              <a:t>StoreId</a:t>
+            </a:r>
+            <a:endParaRPr lang="en-GB" dirty="0" err="1" smtClean="0">
+              <a:solidFill>
+                <a:schemeClr val="tx2"/>
+              </a:solidFill>
+            </a:endParaRPr>
           </a:p>
         </p:txBody>
       </p:sp>
       <p:sp>
         <p:nvSpPr>
-          <p:cNvPr id="28" name="TextBox 27"/>
+          <p:cNvPr id="13" name="Rounded Rectangle 12"/>
+          <p:cNvSpPr/>
+          <p:nvPr/>
+        </p:nvSpPr>
+        <p:spPr>
+          <a:xfrm>
+            <a:off x="5161341" y="7137359"/>
+            <a:ext cx="2733575" cy="1577480"/>
+          </a:xfrm>
+          <a:prstGeom prst="roundRect">
+            <a:avLst/>
+          </a:prstGeom>
+          <a:solidFill>
+            <a:schemeClr val="bg1"/>
+          </a:solidFill>
+          <a:ln w="76200">
+            <a:solidFill>
+              <a:schemeClr val="accent2"/>
+            </a:solidFill>
+          </a:ln>
+        </p:spPr>
+        <p:style>
+          <a:lnRef idx="2">
+            <a:schemeClr val="accent1">
+              <a:shade val="50000"/>
+            </a:schemeClr>
+          </a:lnRef>
+          <a:fillRef idx="1">
+            <a:schemeClr val="accent1"/>
+          </a:fillRef>
+          <a:effectRef idx="0">
+            <a:schemeClr val="accent1"/>
+          </a:effectRef>
+          <a:fontRef idx="minor">
+            <a:schemeClr val="lt1"/>
+          </a:fontRef>
+        </p:style>
+        <p:txBody>
+          <a:bodyPr rot="0" spcFirstLastPara="0" vertOverflow="overflow" horzOverflow="overflow" vert="horz" wrap="square" lIns="0" tIns="0" rIns="0" bIns="0" numCol="1" spcCol="0" rtlCol="0" fromWordArt="0" anchor="ctr" anchorCtr="0" forceAA="0" compatLnSpc="1">
+            <a:prstTxWarp prst="textNoShape">
+              <a:avLst/>
+            </a:prstTxWarp>
+            <a:noAutofit/>
+          </a:bodyPr>
+          <a:lstStyle/>
+          <a:p>
+            <a:pPr algn="ctr"/>
+            <a:endParaRPr lang="en-GB" sz="1600" dirty="0" err="1" smtClean="0">
+              <a:solidFill>
+                <a:schemeClr val="tx2"/>
+              </a:solidFill>
+            </a:endParaRPr>
+          </a:p>
+        </p:txBody>
+      </p:sp>
+      <p:sp>
+        <p:nvSpPr>
+          <p:cNvPr id="14" name="TextBox 13"/>
           <p:cNvSpPr txBox="1"/>
           <p:nvPr/>
         </p:nvSpPr>
         <p:spPr>
           <a:xfrm>
-            <a:off x="6065350" y="5420619"/>
-            <a:ext cx="104196" cy="276999"/>
+            <a:off x="5690731" y="7787261"/>
+            <a:ext cx="1674796" cy="276999"/>
           </a:xfrm>
           <a:prstGeom prst="rect">
             <a:avLst/>
           </a:prstGeom>
           <a:noFill/>
+          <a:ln>
+            <a:noFill/>
+          </a:ln>
         </p:spPr>
         <p:txBody>
-          <a:bodyPr wrap="none" lIns="0" tIns="0" rIns="0" bIns="0" rtlCol="0">
+          <a:bodyPr wrap="square" lIns="0" tIns="0" rIns="0" bIns="0" rtlCol="0">
             <a:spAutoFit/>
           </a:bodyPr>
           <a:lstStyle/>
           <a:p>
-            <a:r>
-              <a:rPr lang="da-DK" dirty="0" smtClean="0"/>
-              <a:t>*</a:t>
-            </a:r>
-            <a:endParaRPr lang="en-GB" dirty="0" err="1" smtClean="0"/>
+            <a:pPr algn="ctr"/>
+            <a:r>
+              <a:rPr lang="da-DK" dirty="0" err="1" smtClean="0">
+                <a:solidFill>
+                  <a:schemeClr val="tx2"/>
+                </a:solidFill>
+              </a:rPr>
+              <a:t>MerchantPosId</a:t>
+            </a:r>
+            <a:endParaRPr lang="en-GB" dirty="0" err="1" smtClean="0">
+              <a:solidFill>
+                <a:schemeClr val="tx2"/>
+              </a:solidFill>
+            </a:endParaRPr>
+          </a:p>
+        </p:txBody>
+      </p:sp>
+      <p:sp>
+        <p:nvSpPr>
+          <p:cNvPr id="15" name="Rounded Rectangle 14"/>
+          <p:cNvSpPr/>
+          <p:nvPr/>
+        </p:nvSpPr>
+        <p:spPr>
+          <a:xfrm>
+            <a:off x="8672359" y="7137359"/>
+            <a:ext cx="2733575" cy="1577480"/>
+          </a:xfrm>
+          <a:prstGeom prst="roundRect">
+            <a:avLst/>
+          </a:prstGeom>
+          <a:solidFill>
+            <a:schemeClr val="bg1"/>
+          </a:solidFill>
+          <a:ln w="76200">
+            <a:solidFill>
+              <a:schemeClr val="accent2"/>
+            </a:solidFill>
+          </a:ln>
+        </p:spPr>
+        <p:style>
+          <a:lnRef idx="2">
+            <a:schemeClr val="accent1">
+              <a:shade val="50000"/>
+            </a:schemeClr>
+          </a:lnRef>
+          <a:fillRef idx="1">
+            <a:schemeClr val="accent1"/>
+          </a:fillRef>
+          <a:effectRef idx="0">
+            <a:schemeClr val="accent1"/>
+          </a:effectRef>
+          <a:fontRef idx="minor">
+            <a:schemeClr val="lt1"/>
+          </a:fontRef>
+        </p:style>
+        <p:txBody>
+          <a:bodyPr rot="0" spcFirstLastPara="0" vertOverflow="overflow" horzOverflow="overflow" vert="horz" wrap="square" lIns="0" tIns="0" rIns="0" bIns="0" numCol="1" spcCol="0" rtlCol="0" fromWordArt="0" anchor="ctr" anchorCtr="0" forceAA="0" compatLnSpc="1">
+            <a:prstTxWarp prst="textNoShape">
+              <a:avLst/>
+            </a:prstTxWarp>
+            <a:noAutofit/>
+          </a:bodyPr>
+          <a:lstStyle/>
+          <a:p>
+            <a:pPr algn="ctr"/>
+            <a:endParaRPr lang="en-GB" sz="1600" dirty="0" err="1" smtClean="0">
+              <a:solidFill>
+                <a:schemeClr val="tx2"/>
+              </a:solidFill>
+            </a:endParaRPr>
+          </a:p>
+        </p:txBody>
+      </p:sp>
+      <p:sp>
+        <p:nvSpPr>
+          <p:cNvPr id="16" name="TextBox 15"/>
+          <p:cNvSpPr txBox="1"/>
+          <p:nvPr/>
+        </p:nvSpPr>
+        <p:spPr>
+          <a:xfrm>
+            <a:off x="9713390" y="7787599"/>
+            <a:ext cx="651513" cy="276999"/>
+          </a:xfrm>
+          <a:prstGeom prst="rect">
+            <a:avLst/>
+          </a:prstGeom>
+          <a:noFill/>
+          <a:ln>
+            <a:noFill/>
+          </a:ln>
+        </p:spPr>
+        <p:txBody>
+          <a:bodyPr wrap="square" lIns="0" tIns="0" rIns="0" bIns="0" rtlCol="0">
+            <a:spAutoFit/>
+          </a:bodyPr>
+          <a:lstStyle/>
+          <a:p>
+            <a:pPr algn="ctr"/>
+            <a:r>
+              <a:rPr lang="da-DK" dirty="0" err="1" smtClean="0">
+                <a:solidFill>
+                  <a:schemeClr val="tx2"/>
+                </a:solidFill>
+              </a:rPr>
+              <a:t>PosId</a:t>
+            </a:r>
+            <a:endParaRPr lang="en-GB" dirty="0" err="1" smtClean="0">
+              <a:solidFill>
+                <a:schemeClr val="tx2"/>
+              </a:solidFill>
+            </a:endParaRPr>
+          </a:p>
+        </p:txBody>
+      </p:sp>
+      <p:sp>
+        <p:nvSpPr>
+          <p:cNvPr id="17" name="Rounded Rectangle 16"/>
+          <p:cNvSpPr/>
+          <p:nvPr/>
+        </p:nvSpPr>
+        <p:spPr>
+          <a:xfrm>
+            <a:off x="8672361" y="9528473"/>
+            <a:ext cx="2733575" cy="1577480"/>
+          </a:xfrm>
+          <a:prstGeom prst="roundRect">
+            <a:avLst/>
+          </a:prstGeom>
+          <a:solidFill>
+            <a:schemeClr val="bg1"/>
+          </a:solidFill>
+          <a:ln w="76200">
+            <a:solidFill>
+              <a:schemeClr val="accent2"/>
+            </a:solidFill>
+          </a:ln>
+        </p:spPr>
+        <p:style>
+          <a:lnRef idx="2">
+            <a:schemeClr val="accent1">
+              <a:shade val="50000"/>
+            </a:schemeClr>
+          </a:lnRef>
+          <a:fillRef idx="1">
+            <a:schemeClr val="accent1"/>
+          </a:fillRef>
+          <a:effectRef idx="0">
+            <a:schemeClr val="accent1"/>
+          </a:effectRef>
+          <a:fontRef idx="minor">
+            <a:schemeClr val="lt1"/>
+          </a:fontRef>
+        </p:style>
+        <p:txBody>
+          <a:bodyPr rot="0" spcFirstLastPara="0" vertOverflow="overflow" horzOverflow="overflow" vert="horz" wrap="square" lIns="0" tIns="0" rIns="0" bIns="0" numCol="1" spcCol="0" rtlCol="0" fromWordArt="0" anchor="ctr" anchorCtr="0" forceAA="0" compatLnSpc="1">
+            <a:prstTxWarp prst="textNoShape">
+              <a:avLst/>
+            </a:prstTxWarp>
+            <a:noAutofit/>
+          </a:bodyPr>
+          <a:lstStyle/>
+          <a:p>
+            <a:pPr algn="ctr"/>
+            <a:endParaRPr lang="en-GB" sz="1600" dirty="0" err="1" smtClean="0">
+              <a:solidFill>
+                <a:schemeClr val="tx2"/>
+              </a:solidFill>
+            </a:endParaRPr>
+          </a:p>
+        </p:txBody>
+      </p:sp>
+      <p:sp>
+        <p:nvSpPr>
+          <p:cNvPr id="18" name="TextBox 17"/>
+          <p:cNvSpPr txBox="1"/>
+          <p:nvPr/>
+        </p:nvSpPr>
+        <p:spPr>
+          <a:xfrm>
+            <a:off x="9487144" y="10178713"/>
+            <a:ext cx="1104001" cy="276999"/>
+          </a:xfrm>
+          <a:prstGeom prst="rect">
+            <a:avLst/>
+          </a:prstGeom>
+          <a:noFill/>
+          <a:ln>
+            <a:noFill/>
+          </a:ln>
+        </p:spPr>
+        <p:txBody>
+          <a:bodyPr wrap="square" lIns="0" tIns="0" rIns="0" bIns="0" rtlCol="0">
+            <a:spAutoFit/>
+          </a:bodyPr>
+          <a:lstStyle/>
+          <a:p>
+            <a:pPr algn="ctr"/>
+            <a:r>
+              <a:rPr lang="da-DK" dirty="0" err="1" smtClean="0">
+                <a:solidFill>
+                  <a:schemeClr val="tx2"/>
+                </a:solidFill>
+              </a:rPr>
+              <a:t>BeaconId</a:t>
+            </a:r>
+            <a:endParaRPr lang="en-GB" dirty="0" err="1" smtClean="0">
+              <a:solidFill>
+                <a:schemeClr val="tx2"/>
+              </a:solidFill>
+            </a:endParaRPr>
           </a:p>
         </p:txBody>
       </p:sp>
       <p:cxnSp>
         <p:nvCxnSpPr>
-          <p:cNvPr id="29" name="Straight Connector 28"/>
+          <p:cNvPr id="19" name="Straight Connector 18"/>
           <p:cNvCxnSpPr>
-            <a:stCxn id="11" idx="2"/>
-            <a:endCxn id="15" idx="0"/>
+            <a:stCxn id="15" idx="2"/>
+            <a:endCxn id="17" idx="0"/>
           </p:cNvCxnSpPr>
           <p:nvPr/>
         </p:nvCxnSpPr>
         <p:spPr>
           <a:xfrm>
-            <a:off x="5938789" y="4643118"/>
-            <a:ext cx="0" cy="1054501"/>
+            <a:off x="10039147" y="8714839"/>
+            <a:ext cx="2" cy="813634"/>
           </a:xfrm>
           <a:prstGeom prst="line">
             <a:avLst/>
           </a:prstGeom>
-          <a:ln w="38100" cap="sq"/>
+          <a:ln w="38100" cap="sq">
+            <a:solidFill>
+              <a:schemeClr val="accent2"/>
+            </a:solidFill>
+          </a:ln>
         </p:spPr>
         <p:style>
           <a:lnRef idx="1">
@@ -39380,7 +40344,84 @@
       </p:cxnSp>
       <p:cxnSp>
         <p:nvCxnSpPr>
-          <p:cNvPr id="36" name="Straight Arrow Connector 35"/>
+          <p:cNvPr id="26" name="Straight Connector 25"/>
+          <p:cNvCxnSpPr>
+            <a:stCxn id="13" idx="3"/>
+            <a:endCxn id="15" idx="1"/>
+          </p:cNvCxnSpPr>
+          <p:nvPr/>
+        </p:nvCxnSpPr>
+        <p:spPr>
+          <a:xfrm>
+            <a:off x="7894916" y="7926099"/>
+            <a:ext cx="777443" cy="0"/>
+          </a:xfrm>
+          <a:prstGeom prst="line">
+            <a:avLst/>
+          </a:prstGeom>
+          <a:ln w="38100" cap="sq">
+            <a:solidFill>
+              <a:schemeClr val="accent2"/>
+            </a:solidFill>
+          </a:ln>
+        </p:spPr>
+        <p:style>
+          <a:lnRef idx="1">
+            <a:schemeClr val="accent1"/>
+          </a:lnRef>
+          <a:fillRef idx="0">
+            <a:schemeClr val="accent1"/>
+          </a:fillRef>
+          <a:effectRef idx="0">
+            <a:schemeClr val="accent1"/>
+          </a:effectRef>
+          <a:fontRef idx="minor">
+            <a:schemeClr val="tx1"/>
+          </a:fontRef>
+        </p:style>
+      </p:cxnSp>
+      <p:cxnSp>
+        <p:nvCxnSpPr>
+          <p:cNvPr id="33" name="Straight Arrow Connector 32"/>
+          <p:cNvCxnSpPr>
+            <a:stCxn id="15" idx="0"/>
+            <a:endCxn id="11" idx="2"/>
+          </p:cNvCxnSpPr>
+          <p:nvPr/>
+        </p:nvCxnSpPr>
+        <p:spPr>
+          <a:xfrm flipV="1">
+            <a:off x="10039147" y="6346154"/>
+            <a:ext cx="0" cy="791205"/>
+          </a:xfrm>
+          <a:prstGeom prst="straightConnector1">
+            <a:avLst/>
+          </a:prstGeom>
+          <a:ln w="38100" cap="sq">
+            <a:solidFill>
+              <a:schemeClr val="accent2"/>
+            </a:solidFill>
+            <a:tailEnd type="triangle"/>
+          </a:ln>
+        </p:spPr>
+        <p:style>
+          <a:lnRef idx="1">
+            <a:schemeClr val="accent1"/>
+          </a:lnRef>
+          <a:fillRef idx="0">
+            <a:schemeClr val="accent1"/>
+          </a:fillRef>
+          <a:effectRef idx="0">
+            <a:schemeClr val="accent1"/>
+          </a:effectRef>
+          <a:fontRef idx="minor">
+            <a:schemeClr val="tx1"/>
+          </a:fontRef>
+        </p:style>
+      </p:cxnSp>
+      <p:cxnSp>
+        <p:nvCxnSpPr>
+          <p:cNvPr id="45" name="Straight Connector 44"/>
           <p:cNvCxnSpPr>
             <a:stCxn id="7" idx="3"/>
             <a:endCxn id="11" idx="1"/>
@@ -39389,14 +40430,54 @@
         </p:nvCxnSpPr>
         <p:spPr>
           <a:xfrm>
-            <a:off x="3205213" y="3854378"/>
-            <a:ext cx="1366788" cy="0"/>
+            <a:off x="7894915" y="5557076"/>
+            <a:ext cx="777444" cy="338"/>
+          </a:xfrm>
+          <a:prstGeom prst="line">
+            <a:avLst/>
+          </a:prstGeom>
+          <a:ln w="38100" cap="sq">
+            <a:solidFill>
+              <a:schemeClr val="accent2"/>
+            </a:solidFill>
+          </a:ln>
+        </p:spPr>
+        <p:style>
+          <a:lnRef idx="1">
+            <a:schemeClr val="accent1"/>
+          </a:lnRef>
+          <a:fillRef idx="0">
+            <a:schemeClr val="accent1"/>
+          </a:fillRef>
+          <a:effectRef idx="0">
+            <a:schemeClr val="accent1"/>
+          </a:effectRef>
+          <a:fontRef idx="minor">
+            <a:schemeClr val="tx1"/>
+          </a:fontRef>
+        </p:style>
+      </p:cxnSp>
+      <p:cxnSp>
+        <p:nvCxnSpPr>
+          <p:cNvPr id="47" name="Straight Arrow Connector 46"/>
+          <p:cNvCxnSpPr>
+            <a:stCxn id="7" idx="0"/>
+            <a:endCxn id="9" idx="2"/>
+          </p:cNvCxnSpPr>
+          <p:nvPr/>
+        </p:nvCxnSpPr>
+        <p:spPr>
+          <a:xfrm flipV="1">
+            <a:off x="6528128" y="3980290"/>
+            <a:ext cx="0" cy="788046"/>
           </a:xfrm>
           <a:prstGeom prst="straightConnector1">
             <a:avLst/>
           </a:prstGeom>
           <a:ln w="38100" cap="sq">
-            <a:headEnd type="triangle"/>
+            <a:solidFill>
+              <a:schemeClr val="accent2"/>
+            </a:solidFill>
             <a:tailEnd type="triangle"/>
           </a:ln>
         </p:spPr>
@@ -39417,80 +40498,610 @@
       </p:cxnSp>
       <p:sp>
         <p:nvSpPr>
-          <p:cNvPr id="37" name="TextBox 36"/>
+          <p:cNvPr id="49" name="Rounded Rectangle 48"/>
+          <p:cNvSpPr/>
+          <p:nvPr/>
+        </p:nvSpPr>
+        <p:spPr>
+          <a:xfrm>
+            <a:off x="8672356" y="243163"/>
+            <a:ext cx="2733575" cy="1577480"/>
+          </a:xfrm>
+          <a:prstGeom prst="roundRect">
+            <a:avLst/>
+          </a:prstGeom>
+          <a:solidFill>
+            <a:schemeClr val="bg1"/>
+          </a:solidFill>
+          <a:ln w="76200">
+            <a:solidFill>
+              <a:schemeClr val="tx2"/>
+            </a:solidFill>
+          </a:ln>
+        </p:spPr>
+        <p:style>
+          <a:lnRef idx="2">
+            <a:schemeClr val="accent1">
+              <a:shade val="50000"/>
+            </a:schemeClr>
+          </a:lnRef>
+          <a:fillRef idx="1">
+            <a:schemeClr val="accent1"/>
+          </a:fillRef>
+          <a:effectRef idx="0">
+            <a:schemeClr val="accent1"/>
+          </a:effectRef>
+          <a:fontRef idx="minor">
+            <a:schemeClr val="lt1"/>
+          </a:fontRef>
+        </p:style>
+        <p:txBody>
+          <a:bodyPr rot="0" spcFirstLastPara="0" vertOverflow="overflow" horzOverflow="overflow" vert="horz" wrap="square" lIns="0" tIns="0" rIns="0" bIns="0" numCol="1" spcCol="0" rtlCol="0" fromWordArt="0" anchor="ctr" anchorCtr="0" forceAA="0" compatLnSpc="1">
+            <a:prstTxWarp prst="textNoShape">
+              <a:avLst/>
+            </a:prstTxWarp>
+            <a:noAutofit/>
+          </a:bodyPr>
+          <a:lstStyle/>
+          <a:p>
+            <a:pPr algn="ctr"/>
+            <a:endParaRPr lang="en-GB" sz="1600" dirty="0" err="1" smtClean="0">
+              <a:solidFill>
+                <a:schemeClr val="tx2"/>
+              </a:solidFill>
+            </a:endParaRPr>
+          </a:p>
+        </p:txBody>
+      </p:sp>
+      <p:sp>
+        <p:nvSpPr>
+          <p:cNvPr id="51" name="TextBox 50"/>
           <p:cNvSpPr txBox="1"/>
           <p:nvPr/>
         </p:nvSpPr>
         <p:spPr>
           <a:xfrm>
-            <a:off x="3315601" y="3461327"/>
-            <a:ext cx="144270" cy="276999"/>
+            <a:off x="9068495" y="757837"/>
+            <a:ext cx="1941296" cy="553998"/>
           </a:xfrm>
           <a:prstGeom prst="rect">
             <a:avLst/>
           </a:prstGeom>
           <a:noFill/>
+          <a:ln>
+            <a:noFill/>
+          </a:ln>
         </p:spPr>
         <p:txBody>
-          <a:bodyPr wrap="none" lIns="0" tIns="0" rIns="0" bIns="0" rtlCol="0">
+          <a:bodyPr wrap="square" lIns="0" tIns="0" rIns="0" bIns="0" rtlCol="0">
             <a:spAutoFit/>
           </a:bodyPr>
           <a:lstStyle/>
           <a:p>
-            <a:r>
-              <a:rPr lang="da-DK" dirty="0" smtClean="0"/>
-              <a:t>1</a:t>
-            </a:r>
-            <a:endParaRPr lang="en-GB" dirty="0" err="1" smtClean="0"/>
+            <a:pPr algn="ctr"/>
+            <a:r>
+              <a:rPr lang="da-DK" dirty="0" smtClean="0">
+                <a:solidFill>
+                  <a:schemeClr val="tx2"/>
+                </a:solidFill>
+              </a:rPr>
+              <a:t>Merchant</a:t>
+            </a:r>
+          </a:p>
+          <a:p>
+            <a:pPr algn="ctr"/>
+            <a:r>
+              <a:rPr lang="da-DK" dirty="0" smtClean="0">
+                <a:solidFill>
+                  <a:schemeClr val="tx2"/>
+                </a:solidFill>
+              </a:rPr>
+              <a:t>(VAT-</a:t>
+            </a:r>
+            <a:r>
+              <a:rPr lang="da-DK" dirty="0" err="1" smtClean="0">
+                <a:solidFill>
+                  <a:schemeClr val="tx2"/>
+                </a:solidFill>
+              </a:rPr>
+              <a:t>number</a:t>
+            </a:r>
+            <a:r>
+              <a:rPr lang="da-DK" dirty="0" smtClean="0">
+                <a:solidFill>
+                  <a:schemeClr val="tx2"/>
+                </a:solidFill>
+              </a:rPr>
+              <a:t>)</a:t>
+            </a:r>
+            <a:endParaRPr lang="en-GB" dirty="0" err="1" smtClean="0">
+              <a:solidFill>
+                <a:schemeClr val="tx2"/>
+              </a:solidFill>
+            </a:endParaRPr>
           </a:p>
         </p:txBody>
       </p:sp>
       <p:sp>
         <p:nvSpPr>
-          <p:cNvPr id="38" name="TextBox 37"/>
+          <p:cNvPr id="56" name="Rounded Rectangle 55"/>
+          <p:cNvSpPr/>
+          <p:nvPr/>
+        </p:nvSpPr>
+        <p:spPr>
+          <a:xfrm>
+            <a:off x="774945" y="4768336"/>
+            <a:ext cx="2733575" cy="1577480"/>
+          </a:xfrm>
+          <a:prstGeom prst="roundRect">
+            <a:avLst/>
+          </a:prstGeom>
+          <a:solidFill>
+            <a:schemeClr val="bg1"/>
+          </a:solidFill>
+          <a:ln w="76200">
+            <a:solidFill>
+              <a:schemeClr val="accent6"/>
+            </a:solidFill>
+          </a:ln>
+        </p:spPr>
+        <p:style>
+          <a:lnRef idx="2">
+            <a:schemeClr val="accent1">
+              <a:shade val="50000"/>
+            </a:schemeClr>
+          </a:lnRef>
+          <a:fillRef idx="1">
+            <a:schemeClr val="accent1"/>
+          </a:fillRef>
+          <a:effectRef idx="0">
+            <a:schemeClr val="accent1"/>
+          </a:effectRef>
+          <a:fontRef idx="minor">
+            <a:schemeClr val="lt1"/>
+          </a:fontRef>
+        </p:style>
+        <p:txBody>
+          <a:bodyPr rot="0" spcFirstLastPara="0" vertOverflow="overflow" horzOverflow="overflow" vert="horz" wrap="square" lIns="0" tIns="0" rIns="0" bIns="0" numCol="1" spcCol="0" rtlCol="0" fromWordArt="0" anchor="ctr" anchorCtr="0" forceAA="0" compatLnSpc="1">
+            <a:prstTxWarp prst="textNoShape">
+              <a:avLst/>
+            </a:prstTxWarp>
+            <a:noAutofit/>
+          </a:bodyPr>
+          <a:lstStyle/>
+          <a:p>
+            <a:pPr algn="ctr"/>
+            <a:endParaRPr lang="en-GB" sz="1600" dirty="0" err="1" smtClean="0">
+              <a:solidFill>
+                <a:schemeClr val="tx2"/>
+              </a:solidFill>
+            </a:endParaRPr>
+          </a:p>
+        </p:txBody>
+      </p:sp>
+      <p:sp>
+        <p:nvSpPr>
+          <p:cNvPr id="57" name="Rounded Rectangle 56"/>
+          <p:cNvSpPr/>
+          <p:nvPr/>
+        </p:nvSpPr>
+        <p:spPr>
+          <a:xfrm>
+            <a:off x="775088" y="2408929"/>
+            <a:ext cx="2733575" cy="1577480"/>
+          </a:xfrm>
+          <a:prstGeom prst="roundRect">
+            <a:avLst/>
+          </a:prstGeom>
+          <a:solidFill>
+            <a:schemeClr val="bg1"/>
+          </a:solidFill>
+          <a:ln w="76200">
+            <a:solidFill>
+              <a:schemeClr val="accent6"/>
+            </a:solidFill>
+          </a:ln>
+        </p:spPr>
+        <p:style>
+          <a:lnRef idx="2">
+            <a:schemeClr val="accent1">
+              <a:shade val="50000"/>
+            </a:schemeClr>
+          </a:lnRef>
+          <a:fillRef idx="1">
+            <a:schemeClr val="accent1"/>
+          </a:fillRef>
+          <a:effectRef idx="0">
+            <a:schemeClr val="accent1"/>
+          </a:effectRef>
+          <a:fontRef idx="minor">
+            <a:schemeClr val="lt1"/>
+          </a:fontRef>
+        </p:style>
+        <p:txBody>
+          <a:bodyPr rot="0" spcFirstLastPara="0" vertOverflow="overflow" horzOverflow="overflow" vert="horz" wrap="square" lIns="0" tIns="0" rIns="0" bIns="0" numCol="1" spcCol="0" rtlCol="0" fromWordArt="0" anchor="ctr" anchorCtr="0" forceAA="0" compatLnSpc="1">
+            <a:prstTxWarp prst="textNoShape">
+              <a:avLst/>
+            </a:prstTxWarp>
+            <a:noAutofit/>
+          </a:bodyPr>
+          <a:lstStyle/>
+          <a:p>
+            <a:pPr algn="ctr"/>
+            <a:endParaRPr lang="en-GB" sz="1600" dirty="0" err="1" smtClean="0">
+              <a:solidFill>
+                <a:schemeClr val="tx2"/>
+              </a:solidFill>
+            </a:endParaRPr>
+          </a:p>
+        </p:txBody>
+      </p:sp>
+      <p:sp>
+        <p:nvSpPr>
+          <p:cNvPr id="58" name="Rounded Rectangle 57"/>
+          <p:cNvSpPr/>
+          <p:nvPr/>
+        </p:nvSpPr>
+        <p:spPr>
+          <a:xfrm>
+            <a:off x="779026" y="7137020"/>
+            <a:ext cx="2733575" cy="1577480"/>
+          </a:xfrm>
+          <a:prstGeom prst="roundRect">
+            <a:avLst/>
+          </a:prstGeom>
+          <a:solidFill>
+            <a:schemeClr val="bg1"/>
+          </a:solidFill>
+          <a:ln w="76200">
+            <a:solidFill>
+              <a:schemeClr val="accent6"/>
+            </a:solidFill>
+          </a:ln>
+        </p:spPr>
+        <p:style>
+          <a:lnRef idx="2">
+            <a:schemeClr val="accent1">
+              <a:shade val="50000"/>
+            </a:schemeClr>
+          </a:lnRef>
+          <a:fillRef idx="1">
+            <a:schemeClr val="accent1"/>
+          </a:fillRef>
+          <a:effectRef idx="0">
+            <a:schemeClr val="accent1"/>
+          </a:effectRef>
+          <a:fontRef idx="minor">
+            <a:schemeClr val="lt1"/>
+          </a:fontRef>
+        </p:style>
+        <p:txBody>
+          <a:bodyPr rot="0" spcFirstLastPara="0" vertOverflow="overflow" horzOverflow="overflow" vert="horz" wrap="square" lIns="0" tIns="0" rIns="0" bIns="0" numCol="1" spcCol="0" rtlCol="0" fromWordArt="0" anchor="ctr" anchorCtr="0" forceAA="0" compatLnSpc="1">
+            <a:prstTxWarp prst="textNoShape">
+              <a:avLst/>
+            </a:prstTxWarp>
+            <a:noAutofit/>
+          </a:bodyPr>
+          <a:lstStyle/>
+          <a:p>
+            <a:pPr algn="ctr"/>
+            <a:endParaRPr lang="en-GB" sz="1600" dirty="0" err="1" smtClean="0">
+              <a:solidFill>
+                <a:schemeClr val="tx2"/>
+              </a:solidFill>
+            </a:endParaRPr>
+          </a:p>
+        </p:txBody>
+      </p:sp>
+      <p:sp>
+        <p:nvSpPr>
+          <p:cNvPr id="59" name="Rounded Rectangle 58"/>
+          <p:cNvSpPr/>
+          <p:nvPr/>
+        </p:nvSpPr>
+        <p:spPr>
+          <a:xfrm>
+            <a:off x="780445" y="9528473"/>
+            <a:ext cx="2733575" cy="1577480"/>
+          </a:xfrm>
+          <a:prstGeom prst="roundRect">
+            <a:avLst/>
+          </a:prstGeom>
+          <a:solidFill>
+            <a:schemeClr val="bg1"/>
+          </a:solidFill>
+          <a:ln w="76200">
+            <a:solidFill>
+              <a:schemeClr val="accent6"/>
+            </a:solidFill>
+          </a:ln>
+        </p:spPr>
+        <p:style>
+          <a:lnRef idx="2">
+            <a:schemeClr val="accent1">
+              <a:shade val="50000"/>
+            </a:schemeClr>
+          </a:lnRef>
+          <a:fillRef idx="1">
+            <a:schemeClr val="accent1"/>
+          </a:fillRef>
+          <a:effectRef idx="0">
+            <a:schemeClr val="accent1"/>
+          </a:effectRef>
+          <a:fontRef idx="minor">
+            <a:schemeClr val="lt1"/>
+          </a:fontRef>
+        </p:style>
+        <p:txBody>
+          <a:bodyPr rot="0" spcFirstLastPara="0" vertOverflow="overflow" horzOverflow="overflow" vert="horz" wrap="square" lIns="0" tIns="0" rIns="0" bIns="0" numCol="1" spcCol="0" rtlCol="0" fromWordArt="0" anchor="ctr" anchorCtr="0" forceAA="0" compatLnSpc="1">
+            <a:prstTxWarp prst="textNoShape">
+              <a:avLst/>
+            </a:prstTxWarp>
+            <a:noAutofit/>
+          </a:bodyPr>
+          <a:lstStyle/>
+          <a:p>
+            <a:pPr algn="ctr"/>
+            <a:endParaRPr lang="en-GB" sz="1600" dirty="0" err="1" smtClean="0">
+              <a:solidFill>
+                <a:schemeClr val="tx2"/>
+              </a:solidFill>
+            </a:endParaRPr>
+          </a:p>
+        </p:txBody>
+      </p:sp>
+      <p:sp>
+        <p:nvSpPr>
+          <p:cNvPr id="60" name="TextBox 59"/>
           <p:cNvSpPr txBox="1"/>
           <p:nvPr/>
         </p:nvSpPr>
         <p:spPr>
           <a:xfrm>
-            <a:off x="4317343" y="3467185"/>
-            <a:ext cx="144270" cy="276999"/>
+            <a:off x="1171227" y="3059170"/>
+            <a:ext cx="1941296" cy="276999"/>
           </a:xfrm>
           <a:prstGeom prst="rect">
             <a:avLst/>
           </a:prstGeom>
           <a:noFill/>
+          <a:ln>
+            <a:noFill/>
+          </a:ln>
         </p:spPr>
         <p:txBody>
-          <a:bodyPr wrap="none" lIns="0" tIns="0" rIns="0" bIns="0" rtlCol="0">
+          <a:bodyPr wrap="square" lIns="0" tIns="0" rIns="0" bIns="0" rtlCol="0">
             <a:spAutoFit/>
           </a:bodyPr>
           <a:lstStyle/>
           <a:p>
-            <a:r>
-              <a:rPr lang="da-DK" dirty="0" smtClean="0"/>
-              <a:t>1</a:t>
-            </a:r>
-            <a:endParaRPr lang="en-GB" dirty="0" err="1" smtClean="0"/>
+            <a:pPr algn="ctr"/>
+            <a:r>
+              <a:rPr lang="da-DK" dirty="0" err="1" smtClean="0">
+                <a:solidFill>
+                  <a:schemeClr val="tx2"/>
+                </a:solidFill>
+              </a:rPr>
+              <a:t>MerchantId</a:t>
+            </a:r>
+            <a:endParaRPr lang="en-GB" dirty="0" err="1" smtClean="0">
+              <a:solidFill>
+                <a:schemeClr val="tx2"/>
+              </a:solidFill>
+            </a:endParaRPr>
+          </a:p>
+        </p:txBody>
+      </p:sp>
+      <p:sp>
+        <p:nvSpPr>
+          <p:cNvPr id="61" name="TextBox 60"/>
+          <p:cNvSpPr txBox="1"/>
+          <p:nvPr/>
+        </p:nvSpPr>
+        <p:spPr>
+          <a:xfrm>
+            <a:off x="1490289" y="5417345"/>
+            <a:ext cx="1302886" cy="276999"/>
+          </a:xfrm>
+          <a:prstGeom prst="rect">
+            <a:avLst/>
+          </a:prstGeom>
+          <a:noFill/>
+          <a:ln>
+            <a:noFill/>
+          </a:ln>
+        </p:spPr>
+        <p:txBody>
+          <a:bodyPr wrap="square" lIns="0" tIns="0" rIns="0" bIns="0" rtlCol="0">
+            <a:spAutoFit/>
+          </a:bodyPr>
+          <a:lstStyle/>
+          <a:p>
+            <a:pPr algn="ctr"/>
+            <a:r>
+              <a:rPr lang="da-DK" dirty="0" err="1" smtClean="0">
+                <a:solidFill>
+                  <a:schemeClr val="tx2"/>
+                </a:solidFill>
+              </a:rPr>
+              <a:t>Location</a:t>
+            </a:r>
+            <a:r>
+              <a:rPr lang="da-DK" dirty="0" err="1" smtClean="0">
+                <a:solidFill>
+                  <a:schemeClr val="tx2"/>
+                </a:solidFill>
+              </a:rPr>
+              <a:t>Id</a:t>
+            </a:r>
+            <a:endParaRPr lang="en-GB" dirty="0" err="1" smtClean="0">
+              <a:solidFill>
+                <a:schemeClr val="tx2"/>
+              </a:solidFill>
+            </a:endParaRPr>
+          </a:p>
+        </p:txBody>
+      </p:sp>
+      <p:sp>
+        <p:nvSpPr>
+          <p:cNvPr id="62" name="TextBox 61"/>
+          <p:cNvSpPr txBox="1"/>
+          <p:nvPr/>
+        </p:nvSpPr>
+        <p:spPr>
+          <a:xfrm>
+            <a:off x="1171228" y="7787684"/>
+            <a:ext cx="1941296" cy="276999"/>
+          </a:xfrm>
+          <a:prstGeom prst="rect">
+            <a:avLst/>
+          </a:prstGeom>
+          <a:noFill/>
+          <a:ln>
+            <a:noFill/>
+          </a:ln>
+        </p:spPr>
+        <p:txBody>
+          <a:bodyPr wrap="square" lIns="0" tIns="0" rIns="0" bIns="0" rtlCol="0">
+            <a:spAutoFit/>
+          </a:bodyPr>
+          <a:lstStyle/>
+          <a:p>
+            <a:pPr algn="ctr"/>
+            <a:r>
+              <a:rPr lang="da-DK" dirty="0" err="1" smtClean="0">
+                <a:solidFill>
+                  <a:schemeClr val="tx2"/>
+                </a:solidFill>
+              </a:rPr>
+              <a:t>Pos</a:t>
+            </a:r>
+            <a:r>
+              <a:rPr lang="da-DK" dirty="0" err="1" smtClean="0">
+                <a:solidFill>
+                  <a:schemeClr val="tx2"/>
+                </a:solidFill>
+              </a:rPr>
+              <a:t>Id</a:t>
+            </a:r>
+            <a:endParaRPr lang="en-GB" dirty="0" err="1" smtClean="0">
+              <a:solidFill>
+                <a:schemeClr val="tx2"/>
+              </a:solidFill>
+            </a:endParaRPr>
+          </a:p>
+        </p:txBody>
+      </p:sp>
+      <p:sp>
+        <p:nvSpPr>
+          <p:cNvPr id="63" name="TextBox 62"/>
+          <p:cNvSpPr txBox="1"/>
+          <p:nvPr/>
+        </p:nvSpPr>
+        <p:spPr>
+          <a:xfrm>
+            <a:off x="1181455" y="10178712"/>
+            <a:ext cx="1941296" cy="276999"/>
+          </a:xfrm>
+          <a:prstGeom prst="rect">
+            <a:avLst/>
+          </a:prstGeom>
+          <a:noFill/>
+          <a:ln>
+            <a:noFill/>
+          </a:ln>
+        </p:spPr>
+        <p:txBody>
+          <a:bodyPr wrap="square" lIns="0" tIns="0" rIns="0" bIns="0" rtlCol="0">
+            <a:spAutoFit/>
+          </a:bodyPr>
+          <a:lstStyle/>
+          <a:p>
+            <a:pPr algn="ctr"/>
+            <a:r>
+              <a:rPr lang="da-DK" dirty="0" err="1" smtClean="0">
+                <a:solidFill>
+                  <a:schemeClr val="tx2"/>
+                </a:solidFill>
+              </a:rPr>
+              <a:t>PosUnit</a:t>
+            </a:r>
+            <a:r>
+              <a:rPr lang="da-DK" dirty="0" err="1" smtClean="0">
+                <a:solidFill>
+                  <a:schemeClr val="tx2"/>
+                </a:solidFill>
+              </a:rPr>
+              <a:t>Id</a:t>
+            </a:r>
+            <a:endParaRPr lang="en-GB" dirty="0" err="1" smtClean="0">
+              <a:solidFill>
+                <a:schemeClr val="tx2"/>
+              </a:solidFill>
+            </a:endParaRPr>
           </a:p>
         </p:txBody>
       </p:sp>
       <p:cxnSp>
         <p:nvCxnSpPr>
-          <p:cNvPr id="39" name="Straight Arrow Connector 38"/>
-          <p:cNvCxnSpPr/>
+          <p:cNvPr id="67" name="Straight Arrow Connector 66"/>
+          <p:cNvCxnSpPr>
+            <a:stCxn id="58" idx="0"/>
+            <a:endCxn id="56" idx="2"/>
+          </p:cNvCxnSpPr>
           <p:nvPr/>
         </p:nvCxnSpPr>
         <p:spPr>
-          <a:xfrm>
-            <a:off x="3205213" y="6518972"/>
-            <a:ext cx="1366788" cy="0"/>
+          <a:xfrm flipH="1" flipV="1">
+            <a:off x="2141733" y="6345816"/>
+            <a:ext cx="4081" cy="791204"/>
           </a:xfrm>
           <a:prstGeom prst="straightConnector1">
             <a:avLst/>
           </a:prstGeom>
           <a:ln w="38100" cap="sq">
-            <a:headEnd type="triangle"/>
+            <a:solidFill>
+              <a:schemeClr val="accent6"/>
+            </a:solidFill>
+            <a:tailEnd type="triangle"/>
+          </a:ln>
+        </p:spPr>
+        <p:style>
+          <a:lnRef idx="1">
+            <a:schemeClr val="accent1"/>
+          </a:lnRef>
+          <a:fillRef idx="0">
+            <a:schemeClr val="accent1"/>
+          </a:fillRef>
+          <a:effectRef idx="0">
+            <a:schemeClr val="accent1"/>
+          </a:effectRef>
+          <a:fontRef idx="minor">
+            <a:schemeClr val="tx1"/>
+          </a:fontRef>
+        </p:style>
+      </p:cxnSp>
+      <p:cxnSp>
+        <p:nvCxnSpPr>
+          <p:cNvPr id="69" name="Straight Arrow Connector 68"/>
+          <p:cNvCxnSpPr>
+            <a:stCxn id="56" idx="0"/>
+            <a:endCxn id="57" idx="2"/>
+          </p:cNvCxnSpPr>
+          <p:nvPr/>
+        </p:nvCxnSpPr>
+        <p:spPr>
+          <a:xfrm flipV="1">
+            <a:off x="2141733" y="3986409"/>
+            <a:ext cx="143" cy="781927"/>
+          </a:xfrm>
+          <a:prstGeom prst="straightConnector1">
+            <a:avLst/>
+          </a:prstGeom>
+          <a:ln w="38100" cap="sq">
+            <a:solidFill>
+              <a:schemeClr val="accent6"/>
+            </a:solidFill>
             <a:tailEnd type="triangle"/>
           </a:ln>
         </p:spPr>
@@ -39511,81 +41122,183 @@
       </p:cxnSp>
       <p:sp>
         <p:nvSpPr>
-          <p:cNvPr id="40" name="TextBox 39"/>
-          <p:cNvSpPr txBox="1"/>
+          <p:cNvPr id="105" name="Rounded Rectangle 104"/>
+          <p:cNvSpPr/>
           <p:nvPr/>
         </p:nvSpPr>
         <p:spPr>
           <a:xfrm>
-            <a:off x="3315601" y="6125921"/>
-            <a:ext cx="144270" cy="276999"/>
-          </a:xfrm>
-          <a:prstGeom prst="rect">
+            <a:off x="774946" y="243163"/>
+            <a:ext cx="2733574" cy="347621"/>
+          </a:xfrm>
+          <a:prstGeom prst="roundRect">
             <a:avLst/>
           </a:prstGeom>
-          <a:noFill/>
-        </p:spPr>
+          <a:solidFill>
+            <a:schemeClr val="bg1"/>
+          </a:solidFill>
+          <a:ln w="57150">
+            <a:solidFill>
+              <a:schemeClr val="accent5"/>
+            </a:solidFill>
+          </a:ln>
+        </p:spPr>
+        <p:style>
+          <a:lnRef idx="2">
+            <a:schemeClr val="accent1">
+              <a:shade val="50000"/>
+            </a:schemeClr>
+          </a:lnRef>
+          <a:fillRef idx="1">
+            <a:schemeClr val="accent1"/>
+          </a:fillRef>
+          <a:effectRef idx="0">
+            <a:schemeClr val="accent1"/>
+          </a:effectRef>
+          <a:fontRef idx="minor">
+            <a:schemeClr val="lt1"/>
+          </a:fontRef>
+        </p:style>
         <p:txBody>
-          <a:bodyPr wrap="none" lIns="0" tIns="0" rIns="0" bIns="0" rtlCol="0">
-            <a:spAutoFit/>
+          <a:bodyPr rot="0" spcFirstLastPara="0" vertOverflow="overflow" horzOverflow="overflow" vert="horz" wrap="square" lIns="0" tIns="0" rIns="0" bIns="0" numCol="1" spcCol="0" rtlCol="0" fromWordArt="0" anchor="ctr" anchorCtr="0" forceAA="0" compatLnSpc="1">
+            <a:prstTxWarp prst="textNoShape">
+              <a:avLst/>
+            </a:prstTxWarp>
+            <a:noAutofit/>
           </a:bodyPr>
           <a:lstStyle/>
           <a:p>
-            <a:r>
-              <a:rPr lang="da-DK" dirty="0" smtClean="0"/>
-              <a:t>1</a:t>
-            </a:r>
-            <a:endParaRPr lang="en-GB" dirty="0" err="1" smtClean="0"/>
+            <a:pPr algn="ctr"/>
+            <a:r>
+              <a:rPr lang="da-DK" sz="1400" dirty="0" smtClean="0">
+                <a:solidFill>
+                  <a:schemeClr val="tx2"/>
+                </a:solidFill>
+              </a:rPr>
+              <a:t>PoS API V10</a:t>
+            </a:r>
+            <a:endParaRPr lang="en-GB" sz="1400" dirty="0" err="1" smtClean="0">
+              <a:solidFill>
+                <a:schemeClr val="tx2"/>
+              </a:solidFill>
+            </a:endParaRPr>
           </a:p>
         </p:txBody>
       </p:sp>
       <p:sp>
         <p:nvSpPr>
-          <p:cNvPr id="41" name="TextBox 40"/>
-          <p:cNvSpPr txBox="1"/>
+          <p:cNvPr id="106" name="Rounded Rectangle 105"/>
+          <p:cNvSpPr/>
           <p:nvPr/>
         </p:nvSpPr>
         <p:spPr>
           <a:xfrm>
-            <a:off x="4317343" y="6131779"/>
-            <a:ext cx="104196" cy="276999"/>
-          </a:xfrm>
-          <a:prstGeom prst="rect">
+            <a:off x="774945" y="733540"/>
+            <a:ext cx="2733574" cy="347621"/>
+          </a:xfrm>
+          <a:prstGeom prst="roundRect">
             <a:avLst/>
           </a:prstGeom>
-          <a:noFill/>
-        </p:spPr>
+          <a:solidFill>
+            <a:schemeClr val="bg1"/>
+          </a:solidFill>
+          <a:ln w="57150">
+            <a:solidFill>
+              <a:schemeClr val="accent6"/>
+            </a:solidFill>
+          </a:ln>
+        </p:spPr>
+        <p:style>
+          <a:lnRef idx="2">
+            <a:schemeClr val="accent1">
+              <a:shade val="50000"/>
+            </a:schemeClr>
+          </a:lnRef>
+          <a:fillRef idx="1">
+            <a:schemeClr val="accent1"/>
+          </a:fillRef>
+          <a:effectRef idx="0">
+            <a:schemeClr val="accent1"/>
+          </a:effectRef>
+          <a:fontRef idx="minor">
+            <a:schemeClr val="lt1"/>
+          </a:fontRef>
+        </p:style>
         <p:txBody>
-          <a:bodyPr wrap="none" lIns="0" tIns="0" rIns="0" bIns="0" rtlCol="0">
-            <a:spAutoFit/>
+          <a:bodyPr rot="0" spcFirstLastPara="0" vertOverflow="overflow" horzOverflow="overflow" vert="horz" wrap="square" lIns="0" tIns="0" rIns="0" bIns="0" numCol="1" spcCol="0" rtlCol="0" fromWordArt="0" anchor="ctr" anchorCtr="0" forceAA="0" compatLnSpc="1">
+            <a:prstTxWarp prst="textNoShape">
+              <a:avLst/>
+            </a:prstTxWarp>
+            <a:noAutofit/>
           </a:bodyPr>
           <a:lstStyle/>
           <a:p>
-            <a:r>
-              <a:rPr lang="da-DK" dirty="0" smtClean="0"/>
-              <a:t>*</a:t>
-            </a:r>
-            <a:endParaRPr lang="en-GB" dirty="0" err="1" smtClean="0"/>
+            <a:pPr algn="ctr"/>
+            <a:r>
+              <a:rPr lang="da-DK" sz="1400" dirty="0" smtClean="0">
+                <a:solidFill>
+                  <a:schemeClr val="tx2"/>
+                </a:solidFill>
+              </a:rPr>
+              <a:t>PoS API V8.6</a:t>
+            </a:r>
+            <a:endParaRPr lang="en-GB" sz="1400" dirty="0" err="1" smtClean="0">
+              <a:solidFill>
+                <a:schemeClr val="tx2"/>
+              </a:solidFill>
+            </a:endParaRPr>
           </a:p>
         </p:txBody>
       </p:sp>
       <p:cxnSp>
         <p:nvCxnSpPr>
-          <p:cNvPr id="42" name="Straight Arrow Connector 41"/>
+          <p:cNvPr id="109" name="Straight Connector 108"/>
           <p:cNvCxnSpPr/>
           <p:nvPr/>
         </p:nvCxnSpPr>
         <p:spPr>
-          <a:xfrm>
-            <a:off x="7305572" y="6487118"/>
-            <a:ext cx="1366788" cy="0"/>
-          </a:xfrm>
-          <a:prstGeom prst="straightConnector1">
+          <a:xfrm flipV="1">
+            <a:off x="770489" y="1391079"/>
+            <a:ext cx="2733574" cy="3"/>
+          </a:xfrm>
+          <a:prstGeom prst="line">
             <a:avLst/>
           </a:prstGeom>
           <a:ln w="38100" cap="sq">
-            <a:headEnd type="triangle"/>
-            <a:tailEnd type="triangle"/>
+            <a:prstDash val="solid"/>
+          </a:ln>
+        </p:spPr>
+        <p:style>
+          <a:lnRef idx="1">
+            <a:schemeClr val="accent1"/>
+          </a:lnRef>
+          <a:fillRef idx="0">
+            <a:schemeClr val="accent1"/>
+          </a:fillRef>
+          <a:effectRef idx="0">
+            <a:schemeClr val="accent1"/>
+          </a:effectRef>
+          <a:fontRef idx="minor">
+            <a:schemeClr val="tx1"/>
+          </a:fontRef>
+        </p:style>
+      </p:cxnSp>
+      <p:cxnSp>
+        <p:nvCxnSpPr>
+          <p:cNvPr id="113" name="Straight Connector 112"/>
+          <p:cNvCxnSpPr/>
+          <p:nvPr/>
+        </p:nvCxnSpPr>
+        <p:spPr>
+          <a:xfrm flipV="1">
+            <a:off x="774945" y="1969143"/>
+            <a:ext cx="2733574" cy="3"/>
+          </a:xfrm>
+          <a:prstGeom prst="line">
+            <a:avLst/>
+          </a:prstGeom>
+          <a:ln w="38100" cap="sq">
+            <a:prstDash val="sysDash"/>
           </a:ln>
         </p:spPr>
         <p:style>
@@ -39605,74 +41318,190 @@
       </p:cxnSp>
       <p:sp>
         <p:nvSpPr>
-          <p:cNvPr id="43" name="TextBox 42"/>
+          <p:cNvPr id="114" name="TextBox 113"/>
           <p:cNvSpPr txBox="1"/>
           <p:nvPr/>
         </p:nvSpPr>
         <p:spPr>
           <a:xfrm>
-            <a:off x="7415960" y="6094067"/>
-            <a:ext cx="104196" cy="276999"/>
+            <a:off x="1512195" y="1251924"/>
+            <a:ext cx="1263155" cy="276999"/>
           </a:xfrm>
           <a:prstGeom prst="rect">
             <a:avLst/>
           </a:prstGeom>
-          <a:noFill/>
+          <a:solidFill>
+            <a:schemeClr val="bg1"/>
+          </a:solidFill>
         </p:spPr>
         <p:txBody>
-          <a:bodyPr wrap="none" lIns="0" tIns="0" rIns="0" bIns="0" rtlCol="0">
+          <a:bodyPr wrap="square" lIns="0" tIns="0" rIns="0" bIns="0" rtlCol="0">
             <a:spAutoFit/>
           </a:bodyPr>
           <a:lstStyle/>
           <a:p>
-            <a:r>
-              <a:rPr lang="da-DK" dirty="0" smtClean="0"/>
-              <a:t>*</a:t>
-            </a:r>
-            <a:endParaRPr lang="en-GB" dirty="0" err="1" smtClean="0"/>
+            <a:pPr algn="ctr"/>
+            <a:r>
+              <a:rPr lang="da-DK" dirty="0" smtClean="0">
+                <a:solidFill>
+                  <a:schemeClr val="tx2"/>
+                </a:solidFill>
+              </a:rPr>
+              <a:t>Relation</a:t>
+            </a:r>
+            <a:endParaRPr lang="en-GB" dirty="0" err="1" smtClean="0">
+              <a:solidFill>
+                <a:schemeClr val="tx2"/>
+              </a:solidFill>
+            </a:endParaRPr>
           </a:p>
         </p:txBody>
       </p:sp>
       <p:sp>
         <p:nvSpPr>
-          <p:cNvPr id="44" name="TextBox 43"/>
+          <p:cNvPr id="115" name="TextBox 114"/>
           <p:cNvSpPr txBox="1"/>
           <p:nvPr/>
         </p:nvSpPr>
         <p:spPr>
           <a:xfrm>
-            <a:off x="8417702" y="6099925"/>
-            <a:ext cx="144270" cy="276999"/>
+            <a:off x="1220793" y="1831281"/>
+            <a:ext cx="1832965" cy="276999"/>
           </a:xfrm>
           <a:prstGeom prst="rect">
             <a:avLst/>
           </a:prstGeom>
-          <a:noFill/>
+          <a:solidFill>
+            <a:schemeClr val="bg1"/>
+          </a:solidFill>
         </p:spPr>
         <p:txBody>
-          <a:bodyPr wrap="none" lIns="0" tIns="0" rIns="0" bIns="0" rtlCol="0">
+          <a:bodyPr wrap="square" lIns="0" tIns="0" rIns="0" bIns="0" rtlCol="0">
             <a:spAutoFit/>
           </a:bodyPr>
           <a:lstStyle/>
           <a:p>
-            <a:r>
-              <a:rPr lang="da-DK" dirty="0" smtClean="0"/>
-              <a:t>1</a:t>
-            </a:r>
-            <a:endParaRPr lang="en-GB" dirty="0" err="1" smtClean="0"/>
+            <a:pPr algn="ctr"/>
+            <a:r>
+              <a:rPr lang="da-DK" dirty="0">
+                <a:solidFill>
+                  <a:schemeClr val="tx2"/>
+                </a:solidFill>
+              </a:rPr>
+              <a:t>Same </a:t>
+            </a:r>
+            <a:r>
+              <a:rPr lang="da-DK" dirty="0" err="1">
+                <a:solidFill>
+                  <a:schemeClr val="tx2"/>
+                </a:solidFill>
+              </a:rPr>
+              <a:t>Meaning</a:t>
+            </a:r>
+            <a:endParaRPr lang="en-GB" dirty="0" err="1">
+              <a:solidFill>
+                <a:schemeClr val="tx2"/>
+              </a:solidFill>
+            </a:endParaRPr>
+          </a:p>
+        </p:txBody>
+      </p:sp>
+      <p:cxnSp>
+        <p:nvCxnSpPr>
+          <p:cNvPr id="119" name="Straight Connector 118"/>
+          <p:cNvCxnSpPr>
+            <a:stCxn id="59" idx="0"/>
+            <a:endCxn id="58" idx="2"/>
+          </p:cNvCxnSpPr>
+          <p:nvPr/>
+        </p:nvCxnSpPr>
+        <p:spPr>
+          <a:xfrm flipH="1" flipV="1">
+            <a:off x="2145814" y="8714500"/>
+            <a:ext cx="1419" cy="813973"/>
+          </a:xfrm>
+          <a:prstGeom prst="line">
+            <a:avLst/>
+          </a:prstGeom>
+          <a:ln w="38100" cap="sq">
+            <a:solidFill>
+              <a:schemeClr val="accent6"/>
+            </a:solidFill>
+          </a:ln>
+        </p:spPr>
+        <p:style>
+          <a:lnRef idx="1">
+            <a:schemeClr val="accent1"/>
+          </a:lnRef>
+          <a:fillRef idx="0">
+            <a:schemeClr val="accent1"/>
+          </a:fillRef>
+          <a:effectRef idx="0">
+            <a:schemeClr val="accent1"/>
+          </a:effectRef>
+          <a:fontRef idx="minor">
+            <a:schemeClr val="tx1"/>
+          </a:fontRef>
+        </p:style>
+      </p:cxnSp>
+      <p:sp>
+        <p:nvSpPr>
+          <p:cNvPr id="121" name="TextBox 120"/>
+          <p:cNvSpPr txBox="1"/>
+          <p:nvPr/>
+        </p:nvSpPr>
+        <p:spPr>
+          <a:xfrm>
+            <a:off x="1520525" y="1538289"/>
+            <a:ext cx="1263155" cy="276999"/>
+          </a:xfrm>
+          <a:prstGeom prst="rect">
+            <a:avLst/>
+          </a:prstGeom>
+          <a:solidFill>
+            <a:schemeClr val="bg1"/>
+          </a:solidFill>
+        </p:spPr>
+        <p:txBody>
+          <a:bodyPr wrap="square" lIns="0" tIns="0" rIns="0" bIns="0" rtlCol="0">
+            <a:spAutoFit/>
+          </a:bodyPr>
+          <a:lstStyle/>
+          <a:p>
+            <a:pPr algn="ctr"/>
+            <a:r>
+              <a:rPr lang="da-DK" dirty="0" err="1" smtClean="0">
+                <a:solidFill>
+                  <a:schemeClr val="tx2"/>
+                </a:solidFill>
+              </a:rPr>
+              <a:t>Hierarchy</a:t>
+            </a:r>
+            <a:endParaRPr lang="en-GB" dirty="0" err="1" smtClean="0">
+              <a:solidFill>
+                <a:schemeClr val="tx2"/>
+              </a:solidFill>
+            </a:endParaRPr>
           </a:p>
         </p:txBody>
       </p:sp>
     </p:spTree>
     <p:extLst>
       <p:ext uri="{BB962C8B-B14F-4D97-AF65-F5344CB8AC3E}">
-        <p14:creationId xmlns:p14="http://schemas.microsoft.com/office/powerpoint/2010/main" val="675009573"/>
+        <p14:creationId xmlns:p14="http://schemas.microsoft.com/office/powerpoint/2010/main" val="3414458182"/>
       </p:ext>
     </p:extLst>
   </p:cSld>
   <p:clrMapOvr>
     <a:masterClrMapping/>
   </p:clrMapOvr>
+  <p:timing>
+    <p:tnLst>
+      <p:par>
+        <p:cTn id="1" dur="indefinite" restart="never" nodeType="tmRoot"/>
+      </p:par>
+    </p:tnLst>
+  </p:timing>
 </p:sld>
 </file>
 

--- a/docs/assets/TitaniumFlows.pptx
+++ b/docs/assets/TitaniumFlows.pptx
@@ -19,16 +19,17 @@
     <p:sldId id="265" r:id="rId13"/>
     <p:sldId id="259" r:id="rId14"/>
     <p:sldId id="266" r:id="rId15"/>
-    <p:sldId id="273" r:id="rId16"/>
-    <p:sldId id="274" r:id="rId17"/>
-    <p:sldId id="267" r:id="rId18"/>
-    <p:sldId id="268" r:id="rId19"/>
-    <p:sldId id="270" r:id="rId20"/>
-    <p:sldId id="271" r:id="rId21"/>
-    <p:sldId id="276" r:id="rId22"/>
-    <p:sldId id="277" r:id="rId23"/>
-    <p:sldId id="278" r:id="rId24"/>
-    <p:sldId id="279" r:id="rId25"/>
+    <p:sldId id="280" r:id="rId16"/>
+    <p:sldId id="273" r:id="rId17"/>
+    <p:sldId id="274" r:id="rId18"/>
+    <p:sldId id="267" r:id="rId19"/>
+    <p:sldId id="268" r:id="rId20"/>
+    <p:sldId id="270" r:id="rId21"/>
+    <p:sldId id="271" r:id="rId22"/>
+    <p:sldId id="276" r:id="rId23"/>
+    <p:sldId id="277" r:id="rId24"/>
+    <p:sldId id="278" r:id="rId25"/>
+    <p:sldId id="279" r:id="rId26"/>
   </p:sldIdLst>
   <p:sldSz cx="12192000" cy="11520488"/>
   <p:notesSz cx="6858000" cy="9144000"/>
@@ -207,7 +208,7 @@
           <a:graphicData uri="http://schemas.openxmlformats.org/presentationml/2006/ole">
             <mc:AlternateContent xmlns:mc="http://schemas.openxmlformats.org/markup-compatibility/2006">
               <mc:Choice xmlns:v="urn:schemas-microsoft-com:vml" Requires="v">
-                <p:oleObj spid="_x0000_s2120" name="think-cell Slide" r:id="rId5" imgW="270" imgH="270" progId="TCLayout.ActiveDocument.1">
+                <p:oleObj spid="_x0000_s2123" name="think-cell Slide" r:id="rId5" imgW="270" imgH="270" progId="TCLayout.ActiveDocument.1">
                   <p:embed/>
                 </p:oleObj>
               </mc:Choice>
@@ -487,7 +488,7 @@
           <a:graphicData uri="http://schemas.openxmlformats.org/presentationml/2006/ole">
             <mc:AlternateContent xmlns:mc="http://schemas.openxmlformats.org/markup-compatibility/2006">
               <mc:Choice xmlns:v="urn:schemas-microsoft-com:vml" Requires="v">
-                <p:oleObj spid="_x0000_s9358" name="think-cell Slide" r:id="rId5" imgW="270" imgH="270" progId="TCLayout.ActiveDocument.1">
+                <p:oleObj spid="_x0000_s9364" name="think-cell Slide" r:id="rId5" imgW="270" imgH="270" progId="TCLayout.ActiveDocument.1">
                   <p:embed/>
                 </p:oleObj>
               </mc:Choice>
@@ -1195,7 +1196,7 @@
           <a:graphicData uri="http://schemas.openxmlformats.org/presentationml/2006/ole">
             <mc:AlternateContent xmlns:mc="http://schemas.openxmlformats.org/markup-compatibility/2006">
               <mc:Choice xmlns:v="urn:schemas-microsoft-com:vml" Requires="v">
-                <p:oleObj spid="_x0000_s9359" name="think-cell Slide" r:id="rId7" imgW="270" imgH="270" progId="TCLayout.ActiveDocument.1">
+                <p:oleObj spid="_x0000_s9365" name="think-cell Slide" r:id="rId7" imgW="270" imgH="270" progId="TCLayout.ActiveDocument.1">
                   <p:embed/>
                 </p:oleObj>
               </mc:Choice>
@@ -1500,7 +1501,7 @@
           <a:graphicData uri="http://schemas.openxmlformats.org/presentationml/2006/ole">
             <mc:AlternateContent xmlns:mc="http://schemas.openxmlformats.org/markup-compatibility/2006">
               <mc:Choice xmlns:v="urn:schemas-microsoft-com:vml" Requires="v">
-                <p:oleObj spid="_x0000_s10382" name="think-cell Slide" r:id="rId5" imgW="270" imgH="270" progId="TCLayout.ActiveDocument.1">
+                <p:oleObj spid="_x0000_s10388" name="think-cell Slide" r:id="rId5" imgW="270" imgH="270" progId="TCLayout.ActiveDocument.1">
                   <p:embed/>
                 </p:oleObj>
               </mc:Choice>
@@ -1951,7 +1952,7 @@
           <a:graphicData uri="http://schemas.openxmlformats.org/presentationml/2006/ole">
             <mc:AlternateContent xmlns:mc="http://schemas.openxmlformats.org/markup-compatibility/2006">
               <mc:Choice xmlns:v="urn:schemas-microsoft-com:vml" Requires="v">
-                <p:oleObj spid="_x0000_s10383" name="think-cell Slide" r:id="rId8" imgW="270" imgH="270" progId="TCLayout.ActiveDocument.1">
+                <p:oleObj spid="_x0000_s10389" name="think-cell Slide" r:id="rId8" imgW="270" imgH="270" progId="TCLayout.ActiveDocument.1">
                   <p:embed/>
                 </p:oleObj>
               </mc:Choice>
@@ -2218,7 +2219,7 @@
           <a:graphicData uri="http://schemas.openxmlformats.org/presentationml/2006/ole">
             <mc:AlternateContent xmlns:mc="http://schemas.openxmlformats.org/markup-compatibility/2006">
               <mc:Choice xmlns:v="urn:schemas-microsoft-com:vml" Requires="v">
-                <p:oleObj spid="_x0000_s11336" name="think-cell Slide" r:id="rId4" imgW="270" imgH="270" progId="TCLayout.ActiveDocument.1">
+                <p:oleObj spid="_x0000_s11339" name="think-cell Slide" r:id="rId4" imgW="270" imgH="270" progId="TCLayout.ActiveDocument.1">
                   <p:embed/>
                 </p:oleObj>
               </mc:Choice>
@@ -2665,7 +2666,7 @@
           <a:graphicData uri="http://schemas.openxmlformats.org/presentationml/2006/ole">
             <mc:AlternateContent xmlns:mc="http://schemas.openxmlformats.org/markup-compatibility/2006">
               <mc:Choice xmlns:v="urn:schemas-microsoft-com:vml" Requires="v">
-                <p:oleObj spid="_x0000_s12360" name="think-cell Slide" r:id="rId4" imgW="270" imgH="270" progId="TCLayout.ActiveDocument.1">
+                <p:oleObj spid="_x0000_s12363" name="think-cell Slide" r:id="rId4" imgW="270" imgH="270" progId="TCLayout.ActiveDocument.1">
                   <p:embed/>
                 </p:oleObj>
               </mc:Choice>
@@ -3274,7 +3275,7 @@
           <a:graphicData uri="http://schemas.openxmlformats.org/presentationml/2006/ole">
             <mc:AlternateContent xmlns:mc="http://schemas.openxmlformats.org/markup-compatibility/2006">
               <mc:Choice xmlns:v="urn:schemas-microsoft-com:vml" Requires="v">
-                <p:oleObj spid="_x0000_s13384" name="think-cell Slide" r:id="rId4" imgW="270" imgH="270" progId="TCLayout.ActiveDocument.1">
+                <p:oleObj spid="_x0000_s13387" name="think-cell Slide" r:id="rId4" imgW="270" imgH="270" progId="TCLayout.ActiveDocument.1">
                   <p:embed/>
                 </p:oleObj>
               </mc:Choice>
@@ -3883,7 +3884,7 @@
           <a:graphicData uri="http://schemas.openxmlformats.org/presentationml/2006/ole">
             <mc:AlternateContent xmlns:mc="http://schemas.openxmlformats.org/markup-compatibility/2006">
               <mc:Choice xmlns:v="urn:schemas-microsoft-com:vml" Requires="v">
-                <p:oleObj spid="_x0000_s14408" name="think-cell Slide" r:id="rId4" imgW="270" imgH="270" progId="TCLayout.ActiveDocument.1">
+                <p:oleObj spid="_x0000_s14411" name="think-cell Slide" r:id="rId4" imgW="270" imgH="270" progId="TCLayout.ActiveDocument.1">
                   <p:embed/>
                 </p:oleObj>
               </mc:Choice>
@@ -4492,7 +4493,7 @@
           <a:graphicData uri="http://schemas.openxmlformats.org/presentationml/2006/ole">
             <mc:AlternateContent xmlns:mc="http://schemas.openxmlformats.org/markup-compatibility/2006">
               <mc:Choice xmlns:v="urn:schemas-microsoft-com:vml" Requires="v">
-                <p:oleObj spid="_x0000_s15432" name="think-cell Slide" r:id="rId4" imgW="270" imgH="270" progId="TCLayout.ActiveDocument.1">
+                <p:oleObj spid="_x0000_s15435" name="think-cell Slide" r:id="rId4" imgW="270" imgH="270" progId="TCLayout.ActiveDocument.1">
                   <p:embed/>
                 </p:oleObj>
               </mc:Choice>
@@ -5101,7 +5102,7 @@
           <a:graphicData uri="http://schemas.openxmlformats.org/presentationml/2006/ole">
             <mc:AlternateContent xmlns:mc="http://schemas.openxmlformats.org/markup-compatibility/2006">
               <mc:Choice xmlns:v="urn:schemas-microsoft-com:vml" Requires="v">
-                <p:oleObj spid="_x0000_s16456" name="think-cell Slide" r:id="rId4" imgW="270" imgH="270" progId="TCLayout.ActiveDocument.1">
+                <p:oleObj spid="_x0000_s16459" name="think-cell Slide" r:id="rId4" imgW="270" imgH="270" progId="TCLayout.ActiveDocument.1">
                   <p:embed/>
                 </p:oleObj>
               </mc:Choice>
@@ -5710,7 +5711,7 @@
           <a:graphicData uri="http://schemas.openxmlformats.org/presentationml/2006/ole">
             <mc:AlternateContent xmlns:mc="http://schemas.openxmlformats.org/markup-compatibility/2006">
               <mc:Choice xmlns:v="urn:schemas-microsoft-com:vml" Requires="v">
-                <p:oleObj spid="_x0000_s17480" name="think-cell Slide" r:id="rId4" imgW="270" imgH="270" progId="TCLayout.ActiveDocument.1">
+                <p:oleObj spid="_x0000_s17483" name="think-cell Slide" r:id="rId4" imgW="270" imgH="270" progId="TCLayout.ActiveDocument.1">
                   <p:embed/>
                 </p:oleObj>
               </mc:Choice>
@@ -6523,7 +6524,7 @@
           <a:graphicData uri="http://schemas.openxmlformats.org/presentationml/2006/ole">
             <mc:AlternateContent xmlns:mc="http://schemas.openxmlformats.org/markup-compatibility/2006">
               <mc:Choice xmlns:v="urn:schemas-microsoft-com:vml" Requires="v">
-                <p:oleObj spid="_x0000_s3144" name="think-cell Slide" r:id="rId4" imgW="270" imgH="270" progId="TCLayout.ActiveDocument.1">
+                <p:oleObj spid="_x0000_s3147" name="think-cell Slide" r:id="rId4" imgW="270" imgH="270" progId="TCLayout.ActiveDocument.1">
                   <p:embed/>
                 </p:oleObj>
               </mc:Choice>
@@ -6837,7 +6838,7 @@
           <a:graphicData uri="http://schemas.openxmlformats.org/presentationml/2006/ole">
             <mc:AlternateContent xmlns:mc="http://schemas.openxmlformats.org/markup-compatibility/2006">
               <mc:Choice xmlns:v="urn:schemas-microsoft-com:vml" Requires="v">
-                <p:oleObj spid="_x0000_s19528" name="think-cell Slide" r:id="rId5" imgW="270" imgH="270" progId="TCLayout.ActiveDocument.1">
+                <p:oleObj spid="_x0000_s19531" name="think-cell Slide" r:id="rId5" imgW="270" imgH="270" progId="TCLayout.ActiveDocument.1">
                   <p:embed/>
                 </p:oleObj>
               </mc:Choice>
@@ -7114,7 +7115,7 @@
           <a:graphicData uri="http://schemas.openxmlformats.org/presentationml/2006/ole">
             <mc:AlternateContent xmlns:mc="http://schemas.openxmlformats.org/markup-compatibility/2006">
               <mc:Choice xmlns:v="urn:schemas-microsoft-com:vml" Requires="v">
-                <p:oleObj spid="_x0000_s20552" name="think-cell Slide" r:id="rId4" imgW="270" imgH="270" progId="TCLayout.ActiveDocument.1">
+                <p:oleObj spid="_x0000_s20555" name="think-cell Slide" r:id="rId4" imgW="270" imgH="270" progId="TCLayout.ActiveDocument.1">
                   <p:embed/>
                 </p:oleObj>
               </mc:Choice>
@@ -7712,7 +7713,7 @@
           <a:graphicData uri="http://schemas.openxmlformats.org/presentationml/2006/ole">
             <mc:AlternateContent xmlns:mc="http://schemas.openxmlformats.org/markup-compatibility/2006">
               <mc:Choice xmlns:v="urn:schemas-microsoft-com:vml" Requires="v">
-                <p:oleObj spid="_x0000_s21576" name="think-cell Slide" r:id="rId4" imgW="270" imgH="270" progId="TCLayout.ActiveDocument.1">
+                <p:oleObj spid="_x0000_s21579" name="think-cell Slide" r:id="rId4" imgW="270" imgH="270" progId="TCLayout.ActiveDocument.1">
                   <p:embed/>
                 </p:oleObj>
               </mc:Choice>
@@ -8266,7 +8267,7 @@
           <a:graphicData uri="http://schemas.openxmlformats.org/presentationml/2006/ole">
             <mc:AlternateContent xmlns:mc="http://schemas.openxmlformats.org/markup-compatibility/2006">
               <mc:Choice xmlns:v="urn:schemas-microsoft-com:vml" Requires="v">
-                <p:oleObj spid="_x0000_s22600" name="think-cell Slide" r:id="rId4" imgW="270" imgH="270" progId="TCLayout.ActiveDocument.1">
+                <p:oleObj spid="_x0000_s22603" name="think-cell Slide" r:id="rId4" imgW="270" imgH="270" progId="TCLayout.ActiveDocument.1">
                   <p:embed/>
                 </p:oleObj>
               </mc:Choice>
@@ -8874,7 +8875,7 @@
           <a:graphicData uri="http://schemas.openxmlformats.org/presentationml/2006/ole">
             <mc:AlternateContent xmlns:mc="http://schemas.openxmlformats.org/markup-compatibility/2006">
               <mc:Choice xmlns:v="urn:schemas-microsoft-com:vml" Requires="v">
-                <p:oleObj spid="_x0000_s23694" name="think-cell Slide" r:id="rId5" imgW="270" imgH="270" progId="TCLayout.ActiveDocument.1">
+                <p:oleObj spid="_x0000_s23700" name="think-cell Slide" r:id="rId5" imgW="270" imgH="270" progId="TCLayout.ActiveDocument.1">
                   <p:embed/>
                 </p:oleObj>
               </mc:Choice>
@@ -9197,7 +9198,7 @@
           <a:graphicData uri="http://schemas.openxmlformats.org/presentationml/2006/ole">
             <mc:AlternateContent xmlns:mc="http://schemas.openxmlformats.org/markup-compatibility/2006">
               <mc:Choice xmlns:v="urn:schemas-microsoft-com:vml" Requires="v">
-                <p:oleObj spid="_x0000_s23695" name="think-cell Slide" r:id="rId7" imgW="270" imgH="270" progId="TCLayout.ActiveDocument.1">
+                <p:oleObj spid="_x0000_s23701" name="think-cell Slide" r:id="rId7" imgW="270" imgH="270" progId="TCLayout.ActiveDocument.1">
                   <p:embed/>
                 </p:oleObj>
               </mc:Choice>
@@ -9984,7 +9985,7 @@
           <a:graphicData uri="http://schemas.openxmlformats.org/presentationml/2006/ole">
             <mc:AlternateContent xmlns:mc="http://schemas.openxmlformats.org/markup-compatibility/2006">
               <mc:Choice xmlns:v="urn:schemas-microsoft-com:vml" Requires="v">
-                <p:oleObj spid="_x0000_s24718" name="think-cell Slide" r:id="rId5" imgW="270" imgH="270" progId="TCLayout.ActiveDocument.1">
+                <p:oleObj spid="_x0000_s24724" name="think-cell Slide" r:id="rId5" imgW="270" imgH="270" progId="TCLayout.ActiveDocument.1">
                   <p:embed/>
                 </p:oleObj>
               </mc:Choice>
@@ -10405,7 +10406,7 @@
           <a:graphicData uri="http://schemas.openxmlformats.org/presentationml/2006/ole">
             <mc:AlternateContent xmlns:mc="http://schemas.openxmlformats.org/markup-compatibility/2006">
               <mc:Choice xmlns:v="urn:schemas-microsoft-com:vml" Requires="v">
-                <p:oleObj spid="_x0000_s24719" name="think-cell Slide" r:id="rId7" imgW="270" imgH="270" progId="TCLayout.ActiveDocument.1">
+                <p:oleObj spid="_x0000_s24725" name="think-cell Slide" r:id="rId7" imgW="270" imgH="270" progId="TCLayout.ActiveDocument.1">
                   <p:embed/>
                 </p:oleObj>
               </mc:Choice>
@@ -10693,7 +10694,7 @@
           <a:graphicData uri="http://schemas.openxmlformats.org/presentationml/2006/ole">
             <mc:AlternateContent xmlns:mc="http://schemas.openxmlformats.org/markup-compatibility/2006">
               <mc:Choice xmlns:v="urn:schemas-microsoft-com:vml" Requires="v">
-                <p:oleObj spid="_x0000_s25742" name="think-cell Slide" r:id="rId5" imgW="270" imgH="270" progId="TCLayout.ActiveDocument.1">
+                <p:oleObj spid="_x0000_s25748" name="think-cell Slide" r:id="rId5" imgW="270" imgH="270" progId="TCLayout.ActiveDocument.1">
                   <p:embed/>
                 </p:oleObj>
               </mc:Choice>
@@ -11114,7 +11115,7 @@
           <a:graphicData uri="http://schemas.openxmlformats.org/presentationml/2006/ole">
             <mc:AlternateContent xmlns:mc="http://schemas.openxmlformats.org/markup-compatibility/2006">
               <mc:Choice xmlns:v="urn:schemas-microsoft-com:vml" Requires="v">
-                <p:oleObj spid="_x0000_s25743" name="think-cell Slide" r:id="rId7" imgW="270" imgH="270" progId="TCLayout.ActiveDocument.1">
+                <p:oleObj spid="_x0000_s25749" name="think-cell Slide" r:id="rId7" imgW="270" imgH="270" progId="TCLayout.ActiveDocument.1">
                   <p:embed/>
                 </p:oleObj>
               </mc:Choice>
@@ -11407,7 +11408,7 @@
           <a:graphicData uri="http://schemas.openxmlformats.org/presentationml/2006/ole">
             <mc:AlternateContent xmlns:mc="http://schemas.openxmlformats.org/markup-compatibility/2006">
               <mc:Choice xmlns:v="urn:schemas-microsoft-com:vml" Requires="v">
-                <p:oleObj spid="_x0000_s26766" name="think-cell Slide" r:id="rId5" imgW="270" imgH="270" progId="TCLayout.ActiveDocument.1">
+                <p:oleObj spid="_x0000_s26772" name="think-cell Slide" r:id="rId5" imgW="270" imgH="270" progId="TCLayout.ActiveDocument.1">
                   <p:embed/>
                 </p:oleObj>
               </mc:Choice>
@@ -12112,7 +12113,7 @@
           <a:graphicData uri="http://schemas.openxmlformats.org/presentationml/2006/ole">
             <mc:AlternateContent xmlns:mc="http://schemas.openxmlformats.org/markup-compatibility/2006">
               <mc:Choice xmlns:v="urn:schemas-microsoft-com:vml" Requires="v">
-                <p:oleObj spid="_x0000_s26767" name="think-cell Slide" r:id="rId7" imgW="270" imgH="270" progId="TCLayout.ActiveDocument.1">
+                <p:oleObj spid="_x0000_s26773" name="think-cell Slide" r:id="rId7" imgW="270" imgH="270" progId="TCLayout.ActiveDocument.1">
                   <p:embed/>
                 </p:oleObj>
               </mc:Choice>
@@ -12725,7 +12726,7 @@
           <a:graphicData uri="http://schemas.openxmlformats.org/presentationml/2006/ole">
             <mc:AlternateContent xmlns:mc="http://schemas.openxmlformats.org/markup-compatibility/2006">
               <mc:Choice xmlns:v="urn:schemas-microsoft-com:vml" Requires="v">
-                <p:oleObj spid="_x0000_s27790" name="think-cell Slide" r:id="rId5" imgW="270" imgH="270" progId="TCLayout.ActiveDocument.1">
+                <p:oleObj spid="_x0000_s27796" name="think-cell Slide" r:id="rId5" imgW="270" imgH="270" progId="TCLayout.ActiveDocument.1">
                   <p:embed/>
                 </p:oleObj>
               </mc:Choice>
@@ -13173,7 +13174,7 @@
           <a:graphicData uri="http://schemas.openxmlformats.org/presentationml/2006/ole">
             <mc:AlternateContent xmlns:mc="http://schemas.openxmlformats.org/markup-compatibility/2006">
               <mc:Choice xmlns:v="urn:schemas-microsoft-com:vml" Requires="v">
-                <p:oleObj spid="_x0000_s27791" name="think-cell Slide" r:id="rId8" imgW="270" imgH="270" progId="TCLayout.ActiveDocument.1">
+                <p:oleObj spid="_x0000_s27797" name="think-cell Slide" r:id="rId8" imgW="270" imgH="270" progId="TCLayout.ActiveDocument.1">
                   <p:embed/>
                 </p:oleObj>
               </mc:Choice>
@@ -13462,7 +13463,7 @@
           <a:graphicData uri="http://schemas.openxmlformats.org/presentationml/2006/ole">
             <mc:AlternateContent xmlns:mc="http://schemas.openxmlformats.org/markup-compatibility/2006">
               <mc:Choice xmlns:v="urn:schemas-microsoft-com:vml" Requires="v">
-                <p:oleObj spid="_x0000_s29768" name="think-cell Slide" r:id="rId5" imgW="270" imgH="270" progId="TCLayout.ActiveDocument.1">
+                <p:oleObj spid="_x0000_s29771" name="think-cell Slide" r:id="rId5" imgW="270" imgH="270" progId="TCLayout.ActiveDocument.1">
                   <p:embed/>
                 </p:oleObj>
               </mc:Choice>
@@ -13751,7 +13752,7 @@
           <a:graphicData uri="http://schemas.openxmlformats.org/presentationml/2006/ole">
             <mc:AlternateContent xmlns:mc="http://schemas.openxmlformats.org/markup-compatibility/2006">
               <mc:Choice xmlns:v="urn:schemas-microsoft-com:vml" Requires="v">
-                <p:oleObj spid="_x0000_s30792" name="think-cell Slide" r:id="rId4" imgW="270" imgH="270" progId="TCLayout.ActiveDocument.1">
+                <p:oleObj spid="_x0000_s30795" name="think-cell Slide" r:id="rId4" imgW="270" imgH="270" progId="TCLayout.ActiveDocument.1">
                   <p:embed/>
                 </p:oleObj>
               </mc:Choice>
@@ -14373,7 +14374,7 @@
           <a:graphicData uri="http://schemas.openxmlformats.org/presentationml/2006/ole">
             <mc:AlternateContent xmlns:mc="http://schemas.openxmlformats.org/markup-compatibility/2006">
               <mc:Choice xmlns:v="urn:schemas-microsoft-com:vml" Requires="v">
-                <p:oleObj spid="_x0000_s31816" name="think-cell Slide" r:id="rId4" imgW="270" imgH="270" progId="TCLayout.ActiveDocument.1">
+                <p:oleObj spid="_x0000_s31819" name="think-cell Slide" r:id="rId4" imgW="270" imgH="270" progId="TCLayout.ActiveDocument.1">
                   <p:embed/>
                 </p:oleObj>
               </mc:Choice>
@@ -14939,7 +14940,7 @@
           <a:graphicData uri="http://schemas.openxmlformats.org/presentationml/2006/ole">
             <mc:AlternateContent xmlns:mc="http://schemas.openxmlformats.org/markup-compatibility/2006">
               <mc:Choice xmlns:v="urn:schemas-microsoft-com:vml" Requires="v">
-                <p:oleObj spid="_x0000_s32840" name="think-cell Slide" r:id="rId4" imgW="270" imgH="270" progId="TCLayout.ActiveDocument.1">
+                <p:oleObj spid="_x0000_s32843" name="think-cell Slide" r:id="rId4" imgW="270" imgH="270" progId="TCLayout.ActiveDocument.1">
                   <p:embed/>
                 </p:oleObj>
               </mc:Choice>
@@ -15559,7 +15560,7 @@
           <a:graphicData uri="http://schemas.openxmlformats.org/presentationml/2006/ole">
             <mc:AlternateContent xmlns:mc="http://schemas.openxmlformats.org/markup-compatibility/2006">
               <mc:Choice xmlns:v="urn:schemas-microsoft-com:vml" Requires="v">
-                <p:oleObj spid="_x0000_s33934" name="think-cell Slide" r:id="rId5" imgW="270" imgH="270" progId="TCLayout.ActiveDocument.1">
+                <p:oleObj spid="_x0000_s33940" name="think-cell Slide" r:id="rId5" imgW="270" imgH="270" progId="TCLayout.ActiveDocument.1">
                   <p:embed/>
                 </p:oleObj>
               </mc:Choice>
@@ -15890,7 +15891,7 @@
           <a:graphicData uri="http://schemas.openxmlformats.org/presentationml/2006/ole">
             <mc:AlternateContent xmlns:mc="http://schemas.openxmlformats.org/markup-compatibility/2006">
               <mc:Choice xmlns:v="urn:schemas-microsoft-com:vml" Requires="v">
-                <p:oleObj spid="_x0000_s33935" name="think-cell Slide" r:id="rId7" imgW="270" imgH="270" progId="TCLayout.ActiveDocument.1">
+                <p:oleObj spid="_x0000_s33941" name="think-cell Slide" r:id="rId7" imgW="270" imgH="270" progId="TCLayout.ActiveDocument.1">
                   <p:embed/>
                 </p:oleObj>
               </mc:Choice>
@@ -16693,7 +16694,7 @@
           <a:graphicData uri="http://schemas.openxmlformats.org/presentationml/2006/ole">
             <mc:AlternateContent xmlns:mc="http://schemas.openxmlformats.org/markup-compatibility/2006">
               <mc:Choice xmlns:v="urn:schemas-microsoft-com:vml" Requires="v">
-                <p:oleObj spid="_x0000_s34958" name="think-cell Slide" r:id="rId5" imgW="270" imgH="270" progId="TCLayout.ActiveDocument.1">
+                <p:oleObj spid="_x0000_s34964" name="think-cell Slide" r:id="rId5" imgW="270" imgH="270" progId="TCLayout.ActiveDocument.1">
                   <p:embed/>
                 </p:oleObj>
               </mc:Choice>
@@ -17122,7 +17123,7 @@
           <a:graphicData uri="http://schemas.openxmlformats.org/presentationml/2006/ole">
             <mc:AlternateContent xmlns:mc="http://schemas.openxmlformats.org/markup-compatibility/2006">
               <mc:Choice xmlns:v="urn:schemas-microsoft-com:vml" Requires="v">
-                <p:oleObj spid="_x0000_s34959" name="think-cell Slide" r:id="rId7" imgW="270" imgH="270" progId="TCLayout.ActiveDocument.1">
+                <p:oleObj spid="_x0000_s34965" name="think-cell Slide" r:id="rId7" imgW="270" imgH="270" progId="TCLayout.ActiveDocument.1">
                   <p:embed/>
                 </p:oleObj>
               </mc:Choice>
@@ -17414,7 +17415,7 @@
           <a:graphicData uri="http://schemas.openxmlformats.org/presentationml/2006/ole">
             <mc:AlternateContent xmlns:mc="http://schemas.openxmlformats.org/markup-compatibility/2006">
               <mc:Choice xmlns:v="urn:schemas-microsoft-com:vml" Requires="v">
-                <p:oleObj spid="_x0000_s35982" name="think-cell Slide" r:id="rId5" imgW="270" imgH="270" progId="TCLayout.ActiveDocument.1">
+                <p:oleObj spid="_x0000_s35988" name="think-cell Slide" r:id="rId5" imgW="270" imgH="270" progId="TCLayout.ActiveDocument.1">
                   <p:embed/>
                 </p:oleObj>
               </mc:Choice>
@@ -17843,7 +17844,7 @@
           <a:graphicData uri="http://schemas.openxmlformats.org/presentationml/2006/ole">
             <mc:AlternateContent xmlns:mc="http://schemas.openxmlformats.org/markup-compatibility/2006">
               <mc:Choice xmlns:v="urn:schemas-microsoft-com:vml" Requires="v">
-                <p:oleObj spid="_x0000_s35983" name="think-cell Slide" r:id="rId7" imgW="270" imgH="270" progId="TCLayout.ActiveDocument.1">
+                <p:oleObj spid="_x0000_s35989" name="think-cell Slide" r:id="rId7" imgW="270" imgH="270" progId="TCLayout.ActiveDocument.1">
                   <p:embed/>
                 </p:oleObj>
               </mc:Choice>
@@ -18144,7 +18145,7 @@
           <a:graphicData uri="http://schemas.openxmlformats.org/presentationml/2006/ole">
             <mc:AlternateContent xmlns:mc="http://schemas.openxmlformats.org/markup-compatibility/2006">
               <mc:Choice xmlns:v="urn:schemas-microsoft-com:vml" Requires="v">
-                <p:oleObj spid="_x0000_s4168" name="think-cell Slide" r:id="rId4" imgW="270" imgH="270" progId="TCLayout.ActiveDocument.1">
+                <p:oleObj spid="_x0000_s4171" name="think-cell Slide" r:id="rId4" imgW="270" imgH="270" progId="TCLayout.ActiveDocument.1">
                   <p:embed/>
                 </p:oleObj>
               </mc:Choice>
@@ -18697,7 +18698,7 @@
           <a:graphicData uri="http://schemas.openxmlformats.org/presentationml/2006/ole">
             <mc:AlternateContent xmlns:mc="http://schemas.openxmlformats.org/markup-compatibility/2006">
               <mc:Choice xmlns:v="urn:schemas-microsoft-com:vml" Requires="v">
-                <p:oleObj spid="_x0000_s37006" name="think-cell Slide" r:id="rId5" imgW="270" imgH="270" progId="TCLayout.ActiveDocument.1">
+                <p:oleObj spid="_x0000_s37012" name="think-cell Slide" r:id="rId5" imgW="270" imgH="270" progId="TCLayout.ActiveDocument.1">
                   <p:embed/>
                 </p:oleObj>
               </mc:Choice>
@@ -19410,7 +19411,7 @@
           <a:graphicData uri="http://schemas.openxmlformats.org/presentationml/2006/ole">
             <mc:AlternateContent xmlns:mc="http://schemas.openxmlformats.org/markup-compatibility/2006">
               <mc:Choice xmlns:v="urn:schemas-microsoft-com:vml" Requires="v">
-                <p:oleObj spid="_x0000_s37007" name="think-cell Slide" r:id="rId7" imgW="270" imgH="270" progId="TCLayout.ActiveDocument.1">
+                <p:oleObj spid="_x0000_s37013" name="think-cell Slide" r:id="rId7" imgW="270" imgH="270" progId="TCLayout.ActiveDocument.1">
                   <p:embed/>
                 </p:oleObj>
               </mc:Choice>
@@ -19715,7 +19716,7 @@
           <a:graphicData uri="http://schemas.openxmlformats.org/presentationml/2006/ole">
             <mc:AlternateContent xmlns:mc="http://schemas.openxmlformats.org/markup-compatibility/2006">
               <mc:Choice xmlns:v="urn:schemas-microsoft-com:vml" Requires="v">
-                <p:oleObj spid="_x0000_s38030" name="think-cell Slide" r:id="rId5" imgW="270" imgH="270" progId="TCLayout.ActiveDocument.1">
+                <p:oleObj spid="_x0000_s38036" name="think-cell Slide" r:id="rId5" imgW="270" imgH="270" progId="TCLayout.ActiveDocument.1">
                   <p:embed/>
                 </p:oleObj>
               </mc:Choice>
@@ -20171,7 +20172,7 @@
           <a:graphicData uri="http://schemas.openxmlformats.org/presentationml/2006/ole">
             <mc:AlternateContent xmlns:mc="http://schemas.openxmlformats.org/markup-compatibility/2006">
               <mc:Choice xmlns:v="urn:schemas-microsoft-com:vml" Requires="v">
-                <p:oleObj spid="_x0000_s38031" name="think-cell Slide" r:id="rId8" imgW="270" imgH="270" progId="TCLayout.ActiveDocument.1">
+                <p:oleObj spid="_x0000_s38037" name="think-cell Slide" r:id="rId8" imgW="270" imgH="270" progId="TCLayout.ActiveDocument.1">
                   <p:embed/>
                 </p:oleObj>
               </mc:Choice>
@@ -20442,7 +20443,7 @@
           <a:graphicData uri="http://schemas.openxmlformats.org/presentationml/2006/ole">
             <mc:AlternateContent xmlns:mc="http://schemas.openxmlformats.org/markup-compatibility/2006">
               <mc:Choice xmlns:v="urn:schemas-microsoft-com:vml" Requires="v">
-                <p:oleObj spid="_x0000_s38984" name="think-cell Slide" r:id="rId4" imgW="270" imgH="270" progId="TCLayout.ActiveDocument.1">
+                <p:oleObj spid="_x0000_s38987" name="think-cell Slide" r:id="rId4" imgW="270" imgH="270" progId="TCLayout.ActiveDocument.1">
                   <p:embed/>
                 </p:oleObj>
               </mc:Choice>
@@ -20906,7 +20907,7 @@
           <a:graphicData uri="http://schemas.openxmlformats.org/presentationml/2006/ole">
             <mc:AlternateContent xmlns:mc="http://schemas.openxmlformats.org/markup-compatibility/2006">
               <mc:Choice xmlns:v="urn:schemas-microsoft-com:vml" Requires="v">
-                <p:oleObj spid="_x0000_s5192" name="think-cell Slide" r:id="rId4" imgW="270" imgH="270" progId="TCLayout.ActiveDocument.1">
+                <p:oleObj spid="_x0000_s5195" name="think-cell Slide" r:id="rId4" imgW="270" imgH="270" progId="TCLayout.ActiveDocument.1">
                   <p:embed/>
                 </p:oleObj>
               </mc:Choice>
@@ -21517,7 +21518,7 @@
           <a:graphicData uri="http://schemas.openxmlformats.org/presentationml/2006/ole">
             <mc:AlternateContent xmlns:mc="http://schemas.openxmlformats.org/markup-compatibility/2006">
               <mc:Choice xmlns:v="urn:schemas-microsoft-com:vml" Requires="v">
-                <p:oleObj spid="_x0000_s6286" name="think-cell Slide" r:id="rId5" imgW="270" imgH="270" progId="TCLayout.ActiveDocument.1">
+                <p:oleObj spid="_x0000_s6292" name="think-cell Slide" r:id="rId5" imgW="270" imgH="270" progId="TCLayout.ActiveDocument.1">
                   <p:embed/>
                 </p:oleObj>
               </mc:Choice>
@@ -21843,7 +21844,7 @@
           <a:graphicData uri="http://schemas.openxmlformats.org/presentationml/2006/ole">
             <mc:AlternateContent xmlns:mc="http://schemas.openxmlformats.org/markup-compatibility/2006">
               <mc:Choice xmlns:v="urn:schemas-microsoft-com:vml" Requires="v">
-                <p:oleObj spid="_x0000_s6287" name="think-cell Slide" r:id="rId7" imgW="270" imgH="270" progId="TCLayout.ActiveDocument.1">
+                <p:oleObj spid="_x0000_s6293" name="think-cell Slide" r:id="rId7" imgW="270" imgH="270" progId="TCLayout.ActiveDocument.1">
                   <p:embed/>
                 </p:oleObj>
               </mc:Choice>
@@ -22633,7 +22634,7 @@
           <a:graphicData uri="http://schemas.openxmlformats.org/presentationml/2006/ole">
             <mc:AlternateContent xmlns:mc="http://schemas.openxmlformats.org/markup-compatibility/2006">
               <mc:Choice xmlns:v="urn:schemas-microsoft-com:vml" Requires="v">
-                <p:oleObj spid="_x0000_s7310" name="think-cell Slide" r:id="rId5" imgW="270" imgH="270" progId="TCLayout.ActiveDocument.1">
+                <p:oleObj spid="_x0000_s7316" name="think-cell Slide" r:id="rId5" imgW="270" imgH="270" progId="TCLayout.ActiveDocument.1">
                   <p:embed/>
                 </p:oleObj>
               </mc:Choice>
@@ -23057,7 +23058,7 @@
           <a:graphicData uri="http://schemas.openxmlformats.org/presentationml/2006/ole">
             <mc:AlternateContent xmlns:mc="http://schemas.openxmlformats.org/markup-compatibility/2006">
               <mc:Choice xmlns:v="urn:schemas-microsoft-com:vml" Requires="v">
-                <p:oleObj spid="_x0000_s7311" name="think-cell Slide" r:id="rId7" imgW="270" imgH="270" progId="TCLayout.ActiveDocument.1">
+                <p:oleObj spid="_x0000_s7317" name="think-cell Slide" r:id="rId7" imgW="270" imgH="270" progId="TCLayout.ActiveDocument.1">
                   <p:embed/>
                 </p:oleObj>
               </mc:Choice>
@@ -23349,7 +23350,7 @@
           <a:graphicData uri="http://schemas.openxmlformats.org/presentationml/2006/ole">
             <mc:AlternateContent xmlns:mc="http://schemas.openxmlformats.org/markup-compatibility/2006">
               <mc:Choice xmlns:v="urn:schemas-microsoft-com:vml" Requires="v">
-                <p:oleObj spid="_x0000_s8334" name="think-cell Slide" r:id="rId5" imgW="270" imgH="270" progId="TCLayout.ActiveDocument.1">
+                <p:oleObj spid="_x0000_s8340" name="think-cell Slide" r:id="rId5" imgW="270" imgH="270" progId="TCLayout.ActiveDocument.1">
                   <p:embed/>
                 </p:oleObj>
               </mc:Choice>
@@ -23773,7 +23774,7 @@
           <a:graphicData uri="http://schemas.openxmlformats.org/presentationml/2006/ole">
             <mc:AlternateContent xmlns:mc="http://schemas.openxmlformats.org/markup-compatibility/2006">
               <mc:Choice xmlns:v="urn:schemas-microsoft-com:vml" Requires="v">
-                <p:oleObj spid="_x0000_s8335" name="think-cell Slide" r:id="rId7" imgW="270" imgH="270" progId="TCLayout.ActiveDocument.1">
+                <p:oleObj spid="_x0000_s8341" name="think-cell Slide" r:id="rId7" imgW="270" imgH="270" progId="TCLayout.ActiveDocument.1">
                   <p:embed/>
                 </p:oleObj>
               </mc:Choice>
@@ -24078,7 +24079,7 @@
           <a:graphicData uri="http://schemas.openxmlformats.org/presentationml/2006/ole">
             <mc:AlternateContent xmlns:mc="http://schemas.openxmlformats.org/markup-compatibility/2006">
               <mc:Choice xmlns:v="urn:schemas-microsoft-com:vml" Requires="v">
-                <p:oleObj spid="_x0000_s1096" name="think-cell Slide" r:id="rId24" imgW="270" imgH="270" progId="TCLayout.ActiveDocument.1">
+                <p:oleObj spid="_x0000_s1099" name="think-cell Slide" r:id="rId24" imgW="270" imgH="270" progId="TCLayout.ActiveDocument.1">
                   <p:embed/>
                 </p:oleObj>
               </mc:Choice>
@@ -24772,7 +24773,7 @@
           <a:graphicData uri="http://schemas.openxmlformats.org/presentationml/2006/ole">
             <mc:AlternateContent xmlns:mc="http://schemas.openxmlformats.org/markup-compatibility/2006">
               <mc:Choice xmlns:v="urn:schemas-microsoft-com:vml" Requires="v">
-                <p:oleObj spid="_x0000_s18504" name="think-cell Slide" r:id="rId16" imgW="270" imgH="270" progId="TCLayout.ActiveDocument.1">
+                <p:oleObj spid="_x0000_s18507" name="think-cell Slide" r:id="rId16" imgW="270" imgH="270" progId="TCLayout.ActiveDocument.1">
                   <p:embed/>
                 </p:oleObj>
               </mc:Choice>
@@ -25460,7 +25461,7 @@
           <a:graphicData uri="http://schemas.openxmlformats.org/presentationml/2006/ole">
             <mc:AlternateContent xmlns:mc="http://schemas.openxmlformats.org/markup-compatibility/2006">
               <mc:Choice xmlns:v="urn:schemas-microsoft-com:vml" Requires="v">
-                <p:oleObj spid="_x0000_s28744" name="think-cell Slide" r:id="rId17" imgW="270" imgH="270" progId="TCLayout.ActiveDocument.1">
+                <p:oleObj spid="_x0000_s28747" name="think-cell Slide" r:id="rId17" imgW="270" imgH="270" progId="TCLayout.ActiveDocument.1">
                   <p:embed/>
                 </p:oleObj>
               </mc:Choice>
@@ -32610,6 +32611,1016 @@
           <a:chExt cx="0" cy="0"/>
         </a:xfrm>
       </p:grpSpPr>
+      <p:pic>
+        <p:nvPicPr>
+          <p:cNvPr id="5" name="Picture 4"/>
+          <p:cNvPicPr>
+            <a:picLocks noChangeAspect="1"/>
+          </p:cNvPicPr>
+          <p:nvPr/>
+        </p:nvPicPr>
+        <p:blipFill rotWithShape="1">
+          <a:blip r:embed="rId3" cstate="print">
+            <a:extLst>
+              <a:ext uri="{28A0092B-C50C-407E-A947-70E740481C1C}">
+                <a14:useLocalDpi xmlns:a14="http://schemas.microsoft.com/office/drawing/2010/main" val="0"/>
+              </a:ext>
+            </a:extLst>
+          </a:blip>
+          <a:srcRect l="954" t="17150" r="55824" b="17177"/>
+          <a:stretch/>
+        </p:blipFill>
+        <p:spPr>
+          <a:xfrm>
+            <a:off x="622092" y="678981"/>
+            <a:ext cx="780517" cy="1080000"/>
+          </a:xfrm>
+          <a:prstGeom prst="rect">
+            <a:avLst/>
+          </a:prstGeom>
+        </p:spPr>
+      </p:pic>
+      <p:pic>
+        <p:nvPicPr>
+          <p:cNvPr id="6" name="icon_computer_colour"/>
+          <p:cNvPicPr>
+            <a:picLocks noChangeAspect="1"/>
+          </p:cNvPicPr>
+          <p:nvPr>
+            <p:custDataLst>
+              <p:tags r:id="rId1"/>
+            </p:custDataLst>
+          </p:nvPr>
+        </p:nvPicPr>
+        <p:blipFill rotWithShape="1">
+          <a:blip r:embed="rId4" cstate="print">
+            <a:extLst>
+              <a:ext uri="{28A0092B-C50C-407E-A947-70E740481C1C}">
+                <a14:useLocalDpi xmlns:a14="http://schemas.microsoft.com/office/drawing/2010/main" val="0"/>
+              </a:ext>
+            </a:extLst>
+          </a:blip>
+          <a:srcRect t="12353" b="14097"/>
+          <a:stretch/>
+        </p:blipFill>
+        <p:spPr>
+          <a:xfrm>
+            <a:off x="3453109" y="628717"/>
+            <a:ext cx="1712014" cy="1146721"/>
+          </a:xfrm>
+          <a:prstGeom prst="rect">
+            <a:avLst/>
+          </a:prstGeom>
+        </p:spPr>
+      </p:pic>
+      <p:pic>
+        <p:nvPicPr>
+          <p:cNvPr id="7" name="Picture 2" descr="Billedresultat for mobilepay logo"/>
+          <p:cNvPicPr>
+            <a:picLocks noChangeAspect="1" noChangeArrowheads="1"/>
+          </p:cNvPicPr>
+          <p:nvPr/>
+        </p:nvPicPr>
+        <p:blipFill rotWithShape="1">
+          <a:blip r:embed="rId5" cstate="print">
+            <a:extLst>
+              <a:ext uri="{28A0092B-C50C-407E-A947-70E740481C1C}">
+                <a14:useLocalDpi xmlns:a14="http://schemas.microsoft.com/office/drawing/2010/main" val="0"/>
+              </a:ext>
+            </a:extLst>
+          </a:blip>
+          <a:srcRect l="40451" t="39819" r="24722" b="40276"/>
+          <a:stretch/>
+        </p:blipFill>
+        <p:spPr bwMode="auto">
+          <a:xfrm>
+            <a:off x="3761569" y="993551"/>
+            <a:ext cx="1094082" cy="259494"/>
+          </a:xfrm>
+          <a:prstGeom prst="rect">
+            <a:avLst/>
+          </a:prstGeom>
+          <a:noFill/>
+          <a:extLst>
+            <a:ext uri="{909E8E84-426E-40DD-AFC4-6F175D3DCCD1}">
+              <a14:hiddenFill xmlns:a14="http://schemas.microsoft.com/office/drawing/2010/main">
+                <a:solidFill>
+                  <a:srgbClr val="FFFFFF"/>
+                </a:solidFill>
+              </a14:hiddenFill>
+            </a:ext>
+          </a:extLst>
+        </p:spPr>
+      </p:pic>
+      <p:cxnSp>
+        <p:nvCxnSpPr>
+          <p:cNvPr id="9" name="Straight Arrow Connector 8"/>
+          <p:cNvCxnSpPr/>
+          <p:nvPr/>
+        </p:nvCxnSpPr>
+        <p:spPr>
+          <a:xfrm>
+            <a:off x="1060149" y="1749025"/>
+            <a:ext cx="0" cy="4940533"/>
+          </a:xfrm>
+          <a:prstGeom prst="straightConnector1">
+            <a:avLst/>
+          </a:prstGeom>
+          <a:ln w="76200">
+            <a:headEnd type="none" w="med" len="med"/>
+            <a:tailEnd type="none" w="med" len="med"/>
+          </a:ln>
+        </p:spPr>
+        <p:style>
+          <a:lnRef idx="3">
+            <a:schemeClr val="dk1"/>
+          </a:lnRef>
+          <a:fillRef idx="0">
+            <a:schemeClr val="dk1"/>
+          </a:fillRef>
+          <a:effectRef idx="2">
+            <a:schemeClr val="dk1"/>
+          </a:effectRef>
+          <a:fontRef idx="minor">
+            <a:schemeClr val="tx1"/>
+          </a:fontRef>
+        </p:style>
+      </p:cxnSp>
+      <p:cxnSp>
+        <p:nvCxnSpPr>
+          <p:cNvPr id="10" name="Straight Arrow Connector 9"/>
+          <p:cNvCxnSpPr/>
+          <p:nvPr/>
+        </p:nvCxnSpPr>
+        <p:spPr>
+          <a:xfrm>
+            <a:off x="4308710" y="1749025"/>
+            <a:ext cx="0" cy="4940533"/>
+          </a:xfrm>
+          <a:prstGeom prst="straightConnector1">
+            <a:avLst/>
+          </a:prstGeom>
+          <a:ln w="76200">
+            <a:headEnd type="none" w="med" len="med"/>
+            <a:tailEnd type="none" w="med" len="med"/>
+          </a:ln>
+        </p:spPr>
+        <p:style>
+          <a:lnRef idx="3">
+            <a:schemeClr val="dk1"/>
+          </a:lnRef>
+          <a:fillRef idx="0">
+            <a:schemeClr val="dk1"/>
+          </a:fillRef>
+          <a:effectRef idx="2">
+            <a:schemeClr val="dk1"/>
+          </a:effectRef>
+          <a:fontRef idx="minor">
+            <a:schemeClr val="tx1"/>
+          </a:fontRef>
+        </p:style>
+      </p:cxnSp>
+      <p:cxnSp>
+        <p:nvCxnSpPr>
+          <p:cNvPr id="18" name="Straight Arrow Connector 17"/>
+          <p:cNvCxnSpPr/>
+          <p:nvPr/>
+        </p:nvCxnSpPr>
+        <p:spPr>
+          <a:xfrm>
+            <a:off x="1172197" y="2780387"/>
+            <a:ext cx="3016482" cy="0"/>
+          </a:xfrm>
+          <a:prstGeom prst="straightConnector1">
+            <a:avLst/>
+          </a:prstGeom>
+          <a:ln w="28575">
+            <a:prstDash val="sysDash"/>
+            <a:headEnd type="triangle" w="med" len="med"/>
+            <a:tailEnd type="none" w="med" len="med"/>
+          </a:ln>
+        </p:spPr>
+        <p:style>
+          <a:lnRef idx="3">
+            <a:schemeClr val="accent2"/>
+          </a:lnRef>
+          <a:fillRef idx="0">
+            <a:schemeClr val="accent2"/>
+          </a:fillRef>
+          <a:effectRef idx="2">
+            <a:schemeClr val="accent2"/>
+          </a:effectRef>
+          <a:fontRef idx="minor">
+            <a:schemeClr val="tx1"/>
+          </a:fontRef>
+        </p:style>
+      </p:cxnSp>
+      <p:cxnSp>
+        <p:nvCxnSpPr>
+          <p:cNvPr id="19" name="Straight Arrow Connector 18"/>
+          <p:cNvCxnSpPr/>
+          <p:nvPr/>
+        </p:nvCxnSpPr>
+        <p:spPr>
+          <a:xfrm>
+            <a:off x="1180435" y="2570322"/>
+            <a:ext cx="3016482" cy="0"/>
+          </a:xfrm>
+          <a:prstGeom prst="straightConnector1">
+            <a:avLst/>
+          </a:prstGeom>
+          <a:ln w="28575">
+            <a:headEnd type="none" w="med" len="med"/>
+            <a:tailEnd type="triangle" w="med" len="med"/>
+          </a:ln>
+        </p:spPr>
+        <p:style>
+          <a:lnRef idx="3">
+            <a:schemeClr val="accent2"/>
+          </a:lnRef>
+          <a:fillRef idx="0">
+            <a:schemeClr val="accent2"/>
+          </a:fillRef>
+          <a:effectRef idx="2">
+            <a:schemeClr val="accent2"/>
+          </a:effectRef>
+          <a:fontRef idx="minor">
+            <a:schemeClr val="tx1"/>
+          </a:fontRef>
+        </p:style>
+      </p:cxnSp>
+      <p:cxnSp>
+        <p:nvCxnSpPr>
+          <p:cNvPr id="22" name="Straight Arrow Connector 21"/>
+          <p:cNvCxnSpPr/>
+          <p:nvPr/>
+        </p:nvCxnSpPr>
+        <p:spPr>
+          <a:xfrm>
+            <a:off x="1150936" y="3849005"/>
+            <a:ext cx="3016482" cy="0"/>
+          </a:xfrm>
+          <a:prstGeom prst="straightConnector1">
+            <a:avLst/>
+          </a:prstGeom>
+          <a:ln w="28575">
+            <a:prstDash val="sysDash"/>
+            <a:headEnd type="triangle" w="med" len="med"/>
+            <a:tailEnd type="none" w="med" len="med"/>
+          </a:ln>
+        </p:spPr>
+        <p:style>
+          <a:lnRef idx="3">
+            <a:schemeClr val="accent2"/>
+          </a:lnRef>
+          <a:fillRef idx="0">
+            <a:schemeClr val="accent2"/>
+          </a:fillRef>
+          <a:effectRef idx="2">
+            <a:schemeClr val="accent2"/>
+          </a:effectRef>
+          <a:fontRef idx="minor">
+            <a:schemeClr val="tx1"/>
+          </a:fontRef>
+        </p:style>
+      </p:cxnSp>
+      <p:cxnSp>
+        <p:nvCxnSpPr>
+          <p:cNvPr id="23" name="Straight Arrow Connector 22"/>
+          <p:cNvCxnSpPr/>
+          <p:nvPr/>
+        </p:nvCxnSpPr>
+        <p:spPr>
+          <a:xfrm>
+            <a:off x="1177979" y="3677419"/>
+            <a:ext cx="3016482" cy="0"/>
+          </a:xfrm>
+          <a:prstGeom prst="straightConnector1">
+            <a:avLst/>
+          </a:prstGeom>
+          <a:ln w="28575">
+            <a:headEnd type="none" w="med" len="med"/>
+            <a:tailEnd type="triangle" w="med" len="med"/>
+          </a:ln>
+        </p:spPr>
+        <p:style>
+          <a:lnRef idx="3">
+            <a:schemeClr val="accent2"/>
+          </a:lnRef>
+          <a:fillRef idx="0">
+            <a:schemeClr val="accent2"/>
+          </a:fillRef>
+          <a:effectRef idx="2">
+            <a:schemeClr val="accent2"/>
+          </a:effectRef>
+          <a:fontRef idx="minor">
+            <a:schemeClr val="tx1"/>
+          </a:fontRef>
+        </p:style>
+      </p:cxnSp>
+      <p:sp>
+        <p:nvSpPr>
+          <p:cNvPr id="31" name="TextBox 30"/>
+          <p:cNvSpPr txBox="1"/>
+          <p:nvPr/>
+        </p:nvSpPr>
+        <p:spPr>
+          <a:xfrm>
+            <a:off x="1060149" y="2368878"/>
+            <a:ext cx="3248562" cy="169277"/>
+          </a:xfrm>
+          <a:prstGeom prst="rect">
+            <a:avLst/>
+          </a:prstGeom>
+          <a:noFill/>
+        </p:spPr>
+        <p:txBody>
+          <a:bodyPr wrap="square" lIns="0" tIns="0" rIns="0" bIns="0" rtlCol="0">
+            <a:spAutoFit/>
+          </a:bodyPr>
+          <a:lstStyle/>
+          <a:p>
+            <a:pPr algn="ctr"/>
+            <a:r>
+              <a:rPr lang="da-DK" sz="1100" b="1" dirty="0">
+                <a:solidFill>
+                  <a:schemeClr val="accent4"/>
+                </a:solidFill>
+              </a:rPr>
+              <a:t>POST </a:t>
+            </a:r>
+            <a:r>
+              <a:rPr lang="da-DK" sz="1100" b="1" dirty="0" smtClean="0">
+                <a:solidFill>
+                  <a:schemeClr val="accent4"/>
+                </a:solidFill>
+              </a:rPr>
+              <a:t>/</a:t>
+            </a:r>
+            <a:r>
+              <a:rPr lang="da-DK" sz="1100" b="1" dirty="0" err="1" smtClean="0">
+                <a:solidFill>
+                  <a:schemeClr val="accent4"/>
+                </a:solidFill>
+              </a:rPr>
+              <a:t>refunds</a:t>
+            </a:r>
+            <a:endParaRPr lang="en-GB" sz="1100" b="1" dirty="0">
+              <a:solidFill>
+                <a:schemeClr val="accent4"/>
+              </a:solidFill>
+            </a:endParaRPr>
+          </a:p>
+        </p:txBody>
+      </p:sp>
+      <p:sp>
+        <p:nvSpPr>
+          <p:cNvPr id="32" name="TextBox 31"/>
+          <p:cNvSpPr txBox="1"/>
+          <p:nvPr/>
+        </p:nvSpPr>
+        <p:spPr>
+          <a:xfrm>
+            <a:off x="1060150" y="2809264"/>
+            <a:ext cx="3252828" cy="169277"/>
+          </a:xfrm>
+          <a:prstGeom prst="rect">
+            <a:avLst/>
+          </a:prstGeom>
+          <a:noFill/>
+        </p:spPr>
+        <p:txBody>
+          <a:bodyPr wrap="square" lIns="0" tIns="0" rIns="0" bIns="0" rtlCol="0">
+            <a:spAutoFit/>
+          </a:bodyPr>
+          <a:lstStyle/>
+          <a:p>
+            <a:pPr algn="ctr"/>
+            <a:r>
+              <a:rPr lang="da-DK" sz="1100" b="1" dirty="0" err="1" smtClean="0">
+                <a:solidFill>
+                  <a:schemeClr val="accent4"/>
+                </a:solidFill>
+              </a:rPr>
+              <a:t>Refund</a:t>
+            </a:r>
+            <a:r>
+              <a:rPr lang="da-DK" sz="1100" b="1" dirty="0" smtClean="0">
+                <a:solidFill>
+                  <a:schemeClr val="accent4"/>
+                </a:solidFill>
+              </a:rPr>
+              <a:t> ID</a:t>
+            </a:r>
+            <a:endParaRPr lang="en-GB" sz="1100" b="1" dirty="0">
+              <a:solidFill>
+                <a:schemeClr val="accent4"/>
+              </a:solidFill>
+            </a:endParaRPr>
+          </a:p>
+        </p:txBody>
+      </p:sp>
+      <p:sp>
+        <p:nvSpPr>
+          <p:cNvPr id="40" name="TextBox 39"/>
+          <p:cNvSpPr txBox="1"/>
+          <p:nvPr/>
+        </p:nvSpPr>
+        <p:spPr>
+          <a:xfrm>
+            <a:off x="1167685" y="3471090"/>
+            <a:ext cx="3002287" cy="169277"/>
+          </a:xfrm>
+          <a:prstGeom prst="rect">
+            <a:avLst/>
+          </a:prstGeom>
+          <a:noFill/>
+        </p:spPr>
+        <p:txBody>
+          <a:bodyPr wrap="square" lIns="0" tIns="0" rIns="0" bIns="0" rtlCol="0">
+            <a:spAutoFit/>
+          </a:bodyPr>
+          <a:lstStyle/>
+          <a:p>
+            <a:pPr algn="ctr"/>
+            <a:r>
+              <a:rPr lang="da-DK" sz="1100" b="1" dirty="0">
+                <a:solidFill>
+                  <a:schemeClr val="accent4"/>
+                </a:solidFill>
+              </a:rPr>
+              <a:t>GET </a:t>
+            </a:r>
+            <a:r>
+              <a:rPr lang="da-DK" sz="1100" b="1" dirty="0" smtClean="0">
+                <a:solidFill>
+                  <a:schemeClr val="accent4"/>
+                </a:solidFill>
+              </a:rPr>
+              <a:t>/</a:t>
+            </a:r>
+            <a:r>
+              <a:rPr lang="da-DK" sz="1100" b="1" dirty="0" err="1" smtClean="0">
+                <a:solidFill>
+                  <a:schemeClr val="accent4"/>
+                </a:solidFill>
+              </a:rPr>
+              <a:t>refunds</a:t>
+            </a:r>
+            <a:r>
+              <a:rPr lang="da-DK" sz="1100" b="1" dirty="0" smtClean="0">
+                <a:solidFill>
+                  <a:schemeClr val="accent4"/>
+                </a:solidFill>
+              </a:rPr>
+              <a:t>/{</a:t>
+            </a:r>
+            <a:r>
+              <a:rPr lang="da-DK" sz="1100" b="1" dirty="0" err="1" smtClean="0">
+                <a:solidFill>
+                  <a:schemeClr val="accent4"/>
+                </a:solidFill>
+              </a:rPr>
+              <a:t>refundId</a:t>
+            </a:r>
+            <a:r>
+              <a:rPr lang="da-DK" sz="1100" b="1" dirty="0">
+                <a:solidFill>
+                  <a:schemeClr val="accent4"/>
+                </a:solidFill>
+              </a:rPr>
+              <a:t>}</a:t>
+            </a:r>
+            <a:endParaRPr lang="en-GB" sz="1100" b="1" dirty="0">
+              <a:solidFill>
+                <a:schemeClr val="accent4"/>
+              </a:solidFill>
+            </a:endParaRPr>
+          </a:p>
+        </p:txBody>
+      </p:sp>
+      <p:sp>
+        <p:nvSpPr>
+          <p:cNvPr id="41" name="TextBox 40"/>
+          <p:cNvSpPr txBox="1"/>
+          <p:nvPr/>
+        </p:nvSpPr>
+        <p:spPr>
+          <a:xfrm>
+            <a:off x="1176147" y="3885270"/>
+            <a:ext cx="3002287" cy="169277"/>
+          </a:xfrm>
+          <a:prstGeom prst="rect">
+            <a:avLst/>
+          </a:prstGeom>
+          <a:noFill/>
+        </p:spPr>
+        <p:txBody>
+          <a:bodyPr wrap="square" lIns="0" tIns="0" rIns="0" bIns="0" rtlCol="0">
+            <a:spAutoFit/>
+          </a:bodyPr>
+          <a:lstStyle/>
+          <a:p>
+            <a:pPr algn="ctr"/>
+            <a:r>
+              <a:rPr lang="da-DK" sz="1100" b="1" dirty="0" err="1" smtClean="0">
+                <a:solidFill>
+                  <a:schemeClr val="accent4"/>
+                </a:solidFill>
+              </a:rPr>
+              <a:t>Refund</a:t>
+            </a:r>
+            <a:r>
+              <a:rPr lang="da-DK" sz="1100" b="1" dirty="0" smtClean="0">
+                <a:solidFill>
+                  <a:schemeClr val="accent4"/>
+                </a:solidFill>
+              </a:rPr>
+              <a:t>, </a:t>
+            </a:r>
+            <a:r>
+              <a:rPr lang="da-DK" sz="1100" b="1" dirty="0">
+                <a:solidFill>
+                  <a:schemeClr val="accent4"/>
+                </a:solidFill>
+              </a:rPr>
+              <a:t>status = </a:t>
+            </a:r>
+            <a:r>
+              <a:rPr lang="da-DK" sz="1100" b="1" dirty="0" err="1" smtClean="0">
+                <a:solidFill>
+                  <a:schemeClr val="accent4"/>
+                </a:solidFill>
+              </a:rPr>
+              <a:t>Initiated</a:t>
+            </a:r>
+            <a:r>
+              <a:rPr lang="da-DK" sz="1100" b="1" dirty="0" smtClean="0">
+                <a:solidFill>
+                  <a:schemeClr val="accent4"/>
+                </a:solidFill>
+              </a:rPr>
+              <a:t> / </a:t>
+            </a:r>
+            <a:r>
+              <a:rPr lang="da-DK" sz="1100" b="1" dirty="0" err="1" smtClean="0">
+                <a:solidFill>
+                  <a:schemeClr val="accent4"/>
+                </a:solidFill>
+              </a:rPr>
+              <a:t>Reserved</a:t>
+            </a:r>
+            <a:endParaRPr lang="en-GB" sz="1100" b="1" dirty="0">
+              <a:solidFill>
+                <a:schemeClr val="accent4"/>
+              </a:solidFill>
+            </a:endParaRPr>
+          </a:p>
+        </p:txBody>
+      </p:sp>
+      <p:cxnSp>
+        <p:nvCxnSpPr>
+          <p:cNvPr id="42" name="Straight Arrow Connector 41"/>
+          <p:cNvCxnSpPr/>
+          <p:nvPr/>
+        </p:nvCxnSpPr>
+        <p:spPr>
+          <a:xfrm>
+            <a:off x="1180434" y="4806587"/>
+            <a:ext cx="3016482" cy="0"/>
+          </a:xfrm>
+          <a:prstGeom prst="straightConnector1">
+            <a:avLst/>
+          </a:prstGeom>
+          <a:ln w="28575">
+            <a:headEnd type="none" w="med" len="med"/>
+            <a:tailEnd type="triangle" w="med" len="med"/>
+          </a:ln>
+        </p:spPr>
+        <p:style>
+          <a:lnRef idx="3">
+            <a:schemeClr val="accent2"/>
+          </a:lnRef>
+          <a:fillRef idx="0">
+            <a:schemeClr val="accent2"/>
+          </a:fillRef>
+          <a:effectRef idx="2">
+            <a:schemeClr val="accent2"/>
+          </a:effectRef>
+          <a:fontRef idx="minor">
+            <a:schemeClr val="tx1"/>
+          </a:fontRef>
+        </p:style>
+      </p:cxnSp>
+      <p:sp>
+        <p:nvSpPr>
+          <p:cNvPr id="43" name="TextBox 42"/>
+          <p:cNvSpPr txBox="1"/>
+          <p:nvPr/>
+        </p:nvSpPr>
+        <p:spPr>
+          <a:xfrm>
+            <a:off x="1060148" y="4547473"/>
+            <a:ext cx="3248562" cy="169277"/>
+          </a:xfrm>
+          <a:prstGeom prst="rect">
+            <a:avLst/>
+          </a:prstGeom>
+          <a:noFill/>
+        </p:spPr>
+        <p:txBody>
+          <a:bodyPr wrap="square" lIns="0" tIns="0" rIns="0" bIns="0" rtlCol="0">
+            <a:spAutoFit/>
+          </a:bodyPr>
+          <a:lstStyle/>
+          <a:p>
+            <a:pPr algn="ctr"/>
+            <a:r>
+              <a:rPr lang="da-DK" sz="1100" b="1" dirty="0">
+                <a:solidFill>
+                  <a:schemeClr val="accent4"/>
+                </a:solidFill>
+              </a:rPr>
+              <a:t>POST </a:t>
+            </a:r>
+            <a:r>
+              <a:rPr lang="da-DK" sz="1100" b="1" dirty="0" smtClean="0">
+                <a:solidFill>
+                  <a:schemeClr val="accent4"/>
+                </a:solidFill>
+              </a:rPr>
+              <a:t>/</a:t>
+            </a:r>
+            <a:r>
+              <a:rPr lang="da-DK" sz="1100" b="1" dirty="0" err="1" smtClean="0">
+                <a:solidFill>
+                  <a:schemeClr val="accent4"/>
+                </a:solidFill>
+              </a:rPr>
+              <a:t>refunds</a:t>
+            </a:r>
+            <a:r>
+              <a:rPr lang="da-DK" sz="1100" b="1" dirty="0" smtClean="0">
+                <a:solidFill>
+                  <a:schemeClr val="accent4"/>
+                </a:solidFill>
+              </a:rPr>
+              <a:t>/{</a:t>
+            </a:r>
+            <a:r>
+              <a:rPr lang="da-DK" sz="1100" b="1" dirty="0" err="1" smtClean="0">
+                <a:solidFill>
+                  <a:schemeClr val="accent4"/>
+                </a:solidFill>
+              </a:rPr>
+              <a:t>refundId</a:t>
+            </a:r>
+            <a:r>
+              <a:rPr lang="da-DK" sz="1100" b="1" dirty="0" smtClean="0">
+                <a:solidFill>
+                  <a:schemeClr val="accent4"/>
+                </a:solidFill>
+              </a:rPr>
+              <a:t>}/</a:t>
+            </a:r>
+            <a:r>
+              <a:rPr lang="da-DK" sz="1100" b="1" dirty="0" err="1" smtClean="0">
+                <a:solidFill>
+                  <a:schemeClr val="accent4"/>
+                </a:solidFill>
+              </a:rPr>
+              <a:t>cancel</a:t>
+            </a:r>
+            <a:endParaRPr lang="en-GB" sz="1100" b="1" dirty="0">
+              <a:solidFill>
+                <a:schemeClr val="accent4"/>
+              </a:solidFill>
+            </a:endParaRPr>
+          </a:p>
+        </p:txBody>
+      </p:sp>
+      <p:cxnSp>
+        <p:nvCxnSpPr>
+          <p:cNvPr id="44" name="Straight Arrow Connector 43"/>
+          <p:cNvCxnSpPr/>
+          <p:nvPr/>
+        </p:nvCxnSpPr>
+        <p:spPr>
+          <a:xfrm>
+            <a:off x="1157758" y="5007991"/>
+            <a:ext cx="3016482" cy="0"/>
+          </a:xfrm>
+          <a:prstGeom prst="straightConnector1">
+            <a:avLst/>
+          </a:prstGeom>
+          <a:ln w="28575">
+            <a:prstDash val="sysDash"/>
+            <a:headEnd type="triangle" w="med" len="med"/>
+            <a:tailEnd type="none" w="med" len="med"/>
+          </a:ln>
+        </p:spPr>
+        <p:style>
+          <a:lnRef idx="3">
+            <a:schemeClr val="accent2"/>
+          </a:lnRef>
+          <a:fillRef idx="0">
+            <a:schemeClr val="accent2"/>
+          </a:fillRef>
+          <a:effectRef idx="2">
+            <a:schemeClr val="accent2"/>
+          </a:effectRef>
+          <a:fontRef idx="minor">
+            <a:schemeClr val="tx1"/>
+          </a:fontRef>
+        </p:style>
+      </p:cxnSp>
+      <p:sp>
+        <p:nvSpPr>
+          <p:cNvPr id="45" name="TextBox 44"/>
+          <p:cNvSpPr txBox="1"/>
+          <p:nvPr/>
+        </p:nvSpPr>
+        <p:spPr>
+          <a:xfrm>
+            <a:off x="1182965" y="5082759"/>
+            <a:ext cx="3002287" cy="169277"/>
+          </a:xfrm>
+          <a:prstGeom prst="rect">
+            <a:avLst/>
+          </a:prstGeom>
+          <a:noFill/>
+        </p:spPr>
+        <p:txBody>
+          <a:bodyPr wrap="square" lIns="0" tIns="0" rIns="0" bIns="0" rtlCol="0">
+            <a:spAutoFit/>
+          </a:bodyPr>
+          <a:lstStyle/>
+          <a:p>
+            <a:pPr algn="ctr"/>
+            <a:r>
+              <a:rPr lang="da-DK" sz="1100" b="1" dirty="0" smtClean="0">
+                <a:solidFill>
+                  <a:schemeClr val="accent4"/>
+                </a:solidFill>
+              </a:rPr>
+              <a:t>OK</a:t>
+            </a:r>
+            <a:endParaRPr lang="en-GB" sz="1100" b="1" dirty="0">
+              <a:solidFill>
+                <a:schemeClr val="accent4"/>
+              </a:solidFill>
+            </a:endParaRPr>
+          </a:p>
+        </p:txBody>
+      </p:sp>
+      <p:cxnSp>
+        <p:nvCxnSpPr>
+          <p:cNvPr id="36" name="Straight Arrow Connector 35"/>
+          <p:cNvCxnSpPr/>
+          <p:nvPr/>
+        </p:nvCxnSpPr>
+        <p:spPr>
+          <a:xfrm>
+            <a:off x="1157754" y="6119781"/>
+            <a:ext cx="3016482" cy="0"/>
+          </a:xfrm>
+          <a:prstGeom prst="straightConnector1">
+            <a:avLst/>
+          </a:prstGeom>
+          <a:ln w="28575">
+            <a:prstDash val="sysDash"/>
+            <a:headEnd type="triangle" w="med" len="med"/>
+            <a:tailEnd type="none" w="med" len="med"/>
+          </a:ln>
+        </p:spPr>
+        <p:style>
+          <a:lnRef idx="3">
+            <a:schemeClr val="accent2"/>
+          </a:lnRef>
+          <a:fillRef idx="0">
+            <a:schemeClr val="accent2"/>
+          </a:fillRef>
+          <a:effectRef idx="2">
+            <a:schemeClr val="accent2"/>
+          </a:effectRef>
+          <a:fontRef idx="minor">
+            <a:schemeClr val="tx1"/>
+          </a:fontRef>
+        </p:style>
+      </p:cxnSp>
+      <p:cxnSp>
+        <p:nvCxnSpPr>
+          <p:cNvPr id="37" name="Straight Arrow Connector 36"/>
+          <p:cNvCxnSpPr/>
+          <p:nvPr/>
+        </p:nvCxnSpPr>
+        <p:spPr>
+          <a:xfrm>
+            <a:off x="1184797" y="5948195"/>
+            <a:ext cx="3016482" cy="0"/>
+          </a:xfrm>
+          <a:prstGeom prst="straightConnector1">
+            <a:avLst/>
+          </a:prstGeom>
+          <a:ln w="28575">
+            <a:headEnd type="none" w="med" len="med"/>
+            <a:tailEnd type="triangle" w="med" len="med"/>
+          </a:ln>
+        </p:spPr>
+        <p:style>
+          <a:lnRef idx="3">
+            <a:schemeClr val="accent2"/>
+          </a:lnRef>
+          <a:fillRef idx="0">
+            <a:schemeClr val="accent2"/>
+          </a:fillRef>
+          <a:effectRef idx="2">
+            <a:schemeClr val="accent2"/>
+          </a:effectRef>
+          <a:fontRef idx="minor">
+            <a:schemeClr val="tx1"/>
+          </a:fontRef>
+        </p:style>
+      </p:cxnSp>
+      <p:sp>
+        <p:nvSpPr>
+          <p:cNvPr id="46" name="TextBox 45"/>
+          <p:cNvSpPr txBox="1"/>
+          <p:nvPr/>
+        </p:nvSpPr>
+        <p:spPr>
+          <a:xfrm>
+            <a:off x="1174503" y="5741866"/>
+            <a:ext cx="3002287" cy="169277"/>
+          </a:xfrm>
+          <a:prstGeom prst="rect">
+            <a:avLst/>
+          </a:prstGeom>
+          <a:noFill/>
+        </p:spPr>
+        <p:txBody>
+          <a:bodyPr wrap="square" lIns="0" tIns="0" rIns="0" bIns="0" rtlCol="0">
+            <a:spAutoFit/>
+          </a:bodyPr>
+          <a:lstStyle/>
+          <a:p>
+            <a:pPr algn="ctr"/>
+            <a:r>
+              <a:rPr lang="da-DK" sz="1100" b="1" dirty="0">
+                <a:solidFill>
+                  <a:schemeClr val="accent4"/>
+                </a:solidFill>
+              </a:rPr>
+              <a:t>GET </a:t>
+            </a:r>
+            <a:r>
+              <a:rPr lang="da-DK" sz="1100" b="1" dirty="0" smtClean="0">
+                <a:solidFill>
+                  <a:schemeClr val="accent4"/>
+                </a:solidFill>
+              </a:rPr>
+              <a:t>/</a:t>
+            </a:r>
+            <a:r>
+              <a:rPr lang="da-DK" sz="1100" b="1" dirty="0" err="1" smtClean="0">
+                <a:solidFill>
+                  <a:schemeClr val="accent4"/>
+                </a:solidFill>
+              </a:rPr>
+              <a:t>refunds</a:t>
+            </a:r>
+            <a:r>
+              <a:rPr lang="da-DK" sz="1100" b="1" dirty="0" smtClean="0">
+                <a:solidFill>
+                  <a:schemeClr val="accent4"/>
+                </a:solidFill>
+              </a:rPr>
+              <a:t>/{</a:t>
+            </a:r>
+            <a:r>
+              <a:rPr lang="da-DK" sz="1100" b="1" dirty="0" err="1" smtClean="0">
+                <a:solidFill>
+                  <a:schemeClr val="accent4"/>
+                </a:solidFill>
+              </a:rPr>
+              <a:t>refundId</a:t>
+            </a:r>
+            <a:r>
+              <a:rPr lang="da-DK" sz="1100" b="1" dirty="0">
+                <a:solidFill>
+                  <a:schemeClr val="accent4"/>
+                </a:solidFill>
+              </a:rPr>
+              <a:t>}</a:t>
+            </a:r>
+            <a:endParaRPr lang="en-GB" sz="1100" b="1" dirty="0">
+              <a:solidFill>
+                <a:schemeClr val="accent4"/>
+              </a:solidFill>
+            </a:endParaRPr>
+          </a:p>
+        </p:txBody>
+      </p:sp>
+      <p:sp>
+        <p:nvSpPr>
+          <p:cNvPr id="47" name="TextBox 46"/>
+          <p:cNvSpPr txBox="1"/>
+          <p:nvPr/>
+        </p:nvSpPr>
+        <p:spPr>
+          <a:xfrm>
+            <a:off x="1182965" y="6156046"/>
+            <a:ext cx="3002287" cy="169277"/>
+          </a:xfrm>
+          <a:prstGeom prst="rect">
+            <a:avLst/>
+          </a:prstGeom>
+          <a:noFill/>
+        </p:spPr>
+        <p:txBody>
+          <a:bodyPr wrap="square" lIns="0" tIns="0" rIns="0" bIns="0" rtlCol="0">
+            <a:spAutoFit/>
+          </a:bodyPr>
+          <a:lstStyle/>
+          <a:p>
+            <a:pPr algn="ctr"/>
+            <a:r>
+              <a:rPr lang="da-DK" sz="1100" b="1" dirty="0" err="1" smtClean="0">
+                <a:solidFill>
+                  <a:schemeClr val="accent4"/>
+                </a:solidFill>
+              </a:rPr>
+              <a:t>Refund</a:t>
+            </a:r>
+            <a:r>
+              <a:rPr lang="da-DK" sz="1100" b="1" dirty="0" smtClean="0">
+                <a:solidFill>
+                  <a:schemeClr val="accent4"/>
+                </a:solidFill>
+              </a:rPr>
+              <a:t>, </a:t>
+            </a:r>
+            <a:r>
+              <a:rPr lang="da-DK" sz="1100" b="1" dirty="0">
+                <a:solidFill>
+                  <a:schemeClr val="accent4"/>
+                </a:solidFill>
+              </a:rPr>
+              <a:t>status = </a:t>
+            </a:r>
+            <a:r>
+              <a:rPr lang="da-DK" sz="1100" b="1" dirty="0" err="1" smtClean="0">
+                <a:solidFill>
+                  <a:schemeClr val="accent4"/>
+                </a:solidFill>
+              </a:rPr>
+              <a:t>CancelledByClient</a:t>
+            </a:r>
+            <a:endParaRPr lang="en-GB" sz="1100" b="1" dirty="0">
+              <a:solidFill>
+                <a:schemeClr val="accent4"/>
+              </a:solidFill>
+            </a:endParaRPr>
+          </a:p>
+        </p:txBody>
+      </p:sp>
+    </p:spTree>
+    <p:extLst>
+      <p:ext uri="{BB962C8B-B14F-4D97-AF65-F5344CB8AC3E}">
+        <p14:creationId xmlns:p14="http://schemas.microsoft.com/office/powerpoint/2010/main" val="2836982295"/>
+      </p:ext>
+    </p:extLst>
+  </p:cSld>
+  <p:clrMapOvr>
+    <a:masterClrMapping/>
+  </p:clrMapOvr>
+  <p:timing>
+    <p:tnLst>
+      <p:par>
+        <p:cTn id="1" dur="indefinite" restart="never" nodeType="tmRoot"/>
+      </p:par>
+    </p:tnLst>
+  </p:timing>
+</p:sld>
+</file>
+
+<file path=ppt/slides/slide14.xml><?xml version="1.0" encoding="utf-8"?>
+<p:sld xmlns:a="http://schemas.openxmlformats.org/drawingml/2006/main" xmlns:r="http://schemas.openxmlformats.org/officeDocument/2006/relationships" xmlns:p="http://schemas.openxmlformats.org/presentationml/2006/main">
+  <p:cSld>
+    <p:spTree>
+      <p:nvGrpSpPr>
+        <p:cNvPr id="1" name=""/>
+        <p:cNvGrpSpPr/>
+        <p:nvPr/>
+      </p:nvGrpSpPr>
+      <p:grpSpPr>
+        <a:xfrm>
+          <a:off x="0" y="0"/>
+          <a:ext cx="0" cy="0"/>
+          <a:chOff x="0" y="0"/>
+          <a:chExt cx="0" cy="0"/>
+        </a:xfrm>
+      </p:grpSpPr>
       <p:grpSp>
         <p:nvGrpSpPr>
           <p:cNvPr id="3" name="Group 2"/>
@@ -33208,7 +34219,7 @@
                     <a:schemeClr val="accent4"/>
                   </a:solidFill>
                 </a:rPr>
-                <a:t>CancelledByMerchant</a:t>
+                <a:t>CancelledByClient</a:t>
               </a:r>
               <a:endParaRPr lang="en-GB" sz="1100" b="1" dirty="0">
                 <a:solidFill>
@@ -33373,7 +34384,7 @@
 </p:sld>
 </file>
 
-<file path=ppt/slides/slide14.xml><?xml version="1.0" encoding="utf-8"?>
+<file path=ppt/slides/slide15.xml><?xml version="1.0" encoding="utf-8"?>
 <p:sld xmlns:a="http://schemas.openxmlformats.org/drawingml/2006/main" xmlns:r="http://schemas.openxmlformats.org/officeDocument/2006/relationships" xmlns:p="http://schemas.openxmlformats.org/presentationml/2006/main">
   <p:cSld>
     <p:spTree>
@@ -34105,7 +35116,7 @@
 </p:sld>
 </file>
 
-<file path=ppt/slides/slide15.xml><?xml version="1.0" encoding="utf-8"?>
+<file path=ppt/slides/slide16.xml><?xml version="1.0" encoding="utf-8"?>
 <p:sld xmlns:a="http://schemas.openxmlformats.org/drawingml/2006/main" xmlns:r="http://schemas.openxmlformats.org/officeDocument/2006/relationships" xmlns:p="http://schemas.openxmlformats.org/presentationml/2006/main">
   <p:cSld>
     <p:spTree>
@@ -34560,7 +35571,7 @@
 </p:sld>
 </file>
 
-<file path=ppt/slides/slide16.xml><?xml version="1.0" encoding="utf-8"?>
+<file path=ppt/slides/slide17.xml><?xml version="1.0" encoding="utf-8"?>
 <p:sld xmlns:a="http://schemas.openxmlformats.org/drawingml/2006/main" xmlns:r="http://schemas.openxmlformats.org/officeDocument/2006/relationships" xmlns:p="http://schemas.openxmlformats.org/presentationml/2006/main">
   <p:cSld>
     <p:spTree>
@@ -35006,7 +36017,7 @@
 </p:sld>
 </file>
 
-<file path=ppt/slides/slide17.xml><?xml version="1.0" encoding="utf-8"?>
+<file path=ppt/slides/slide18.xml><?xml version="1.0" encoding="utf-8"?>
 <p:sld xmlns:a="http://schemas.openxmlformats.org/drawingml/2006/main" xmlns:r="http://schemas.openxmlformats.org/officeDocument/2006/relationships" xmlns:p="http://schemas.openxmlformats.org/presentationml/2006/main">
   <p:cSld>
     <p:spTree>
@@ -35630,7 +36641,7 @@
 </p:sld>
 </file>
 
-<file path=ppt/slides/slide18.xml><?xml version="1.0" encoding="utf-8"?>
+<file path=ppt/slides/slide19.xml><?xml version="1.0" encoding="utf-8"?>
 <p:sld xmlns:a="http://schemas.openxmlformats.org/drawingml/2006/main" xmlns:r="http://schemas.openxmlformats.org/officeDocument/2006/relationships" xmlns:p="http://schemas.openxmlformats.org/presentationml/2006/main">
   <p:cSld>
     <p:spTree>
@@ -36692,7 +37703,774 @@
 </p:sld>
 </file>
 
-<file path=ppt/slides/slide19.xml><?xml version="1.0" encoding="utf-8"?>
+<file path=ppt/slides/slide2.xml><?xml version="1.0" encoding="utf-8"?>
+<p:sld xmlns:a="http://schemas.openxmlformats.org/drawingml/2006/main" xmlns:r="http://schemas.openxmlformats.org/officeDocument/2006/relationships" xmlns:p="http://schemas.openxmlformats.org/presentationml/2006/main">
+  <p:cSld>
+    <p:spTree>
+      <p:nvGrpSpPr>
+        <p:cNvPr id="1" name=""/>
+        <p:cNvGrpSpPr/>
+        <p:nvPr/>
+      </p:nvGrpSpPr>
+      <p:grpSpPr>
+        <a:xfrm>
+          <a:off x="0" y="0"/>
+          <a:ext cx="0" cy="0"/>
+          <a:chOff x="0" y="0"/>
+          <a:chExt cx="0" cy="0"/>
+        </a:xfrm>
+      </p:grpSpPr>
+      <p:grpSp>
+        <p:nvGrpSpPr>
+          <p:cNvPr id="226" name="Group 225"/>
+          <p:cNvGrpSpPr/>
+          <p:nvPr/>
+        </p:nvGrpSpPr>
+        <p:grpSpPr>
+          <a:xfrm>
+            <a:off x="313296" y="245096"/>
+            <a:ext cx="8146244" cy="5902976"/>
+            <a:chOff x="313296" y="245096"/>
+            <a:chExt cx="8146244" cy="5902976"/>
+          </a:xfrm>
+        </p:grpSpPr>
+        <p:sp>
+          <p:nvSpPr>
+            <p:cNvPr id="7" name="Oval 6"/>
+            <p:cNvSpPr/>
+            <p:nvPr/>
+          </p:nvSpPr>
+          <p:spPr>
+            <a:xfrm>
+              <a:off x="2586418" y="678878"/>
+              <a:ext cx="1440000" cy="1440000"/>
+            </a:xfrm>
+            <a:prstGeom prst="ellipse">
+              <a:avLst/>
+            </a:prstGeom>
+            <a:ln w="38100"/>
+          </p:spPr>
+          <p:style>
+            <a:lnRef idx="2">
+              <a:schemeClr val="accent5"/>
+            </a:lnRef>
+            <a:fillRef idx="1">
+              <a:schemeClr val="lt1"/>
+            </a:fillRef>
+            <a:effectRef idx="0">
+              <a:schemeClr val="accent5"/>
+            </a:effectRef>
+            <a:fontRef idx="minor">
+              <a:schemeClr val="dk1"/>
+            </a:fontRef>
+          </p:style>
+          <p:txBody>
+            <a:bodyPr rot="0" spcFirstLastPara="0" vertOverflow="overflow" horzOverflow="overflow" vert="horz" wrap="square" lIns="0" tIns="0" rIns="0" bIns="0" numCol="1" spcCol="0" rtlCol="0" fromWordArt="0" anchor="ctr" anchorCtr="0" forceAA="0" compatLnSpc="1">
+              <a:prstTxWarp prst="textNoShape">
+                <a:avLst/>
+              </a:prstTxWarp>
+              <a:noAutofit/>
+            </a:bodyPr>
+            <a:lstStyle/>
+            <a:p>
+              <a:pPr algn="ctr"/>
+              <a:r>
+                <a:rPr lang="da-DK" sz="1200" b="1" dirty="0" err="1" smtClean="0">
+                  <a:solidFill>
+                    <a:schemeClr val="tx1"/>
+                  </a:solidFill>
+                </a:rPr>
+                <a:t>Initiated</a:t>
+              </a:r>
+              <a:endParaRPr lang="en-GB" sz="1200" b="1" dirty="0" err="1" smtClean="0">
+                <a:solidFill>
+                  <a:schemeClr val="tx1"/>
+                </a:solidFill>
+              </a:endParaRPr>
+            </a:p>
+          </p:txBody>
+        </p:sp>
+        <p:sp>
+          <p:nvSpPr>
+            <p:cNvPr id="8" name="Oval 7"/>
+            <p:cNvSpPr/>
+            <p:nvPr/>
+          </p:nvSpPr>
+          <p:spPr>
+            <a:xfrm>
+              <a:off x="2586418" y="2693475"/>
+              <a:ext cx="1440000" cy="1440000"/>
+            </a:xfrm>
+            <a:prstGeom prst="ellipse">
+              <a:avLst/>
+            </a:prstGeom>
+            <a:ln w="38100"/>
+          </p:spPr>
+          <p:style>
+            <a:lnRef idx="2">
+              <a:schemeClr val="accent5"/>
+            </a:lnRef>
+            <a:fillRef idx="1">
+              <a:schemeClr val="lt1"/>
+            </a:fillRef>
+            <a:effectRef idx="0">
+              <a:schemeClr val="accent5"/>
+            </a:effectRef>
+            <a:fontRef idx="minor">
+              <a:schemeClr val="dk1"/>
+            </a:fontRef>
+          </p:style>
+          <p:txBody>
+            <a:bodyPr rot="0" spcFirstLastPara="0" vertOverflow="overflow" horzOverflow="overflow" vert="horz" wrap="square" lIns="0" tIns="0" rIns="0" bIns="0" numCol="1" spcCol="0" rtlCol="0" fromWordArt="0" anchor="ctr" anchorCtr="0" forceAA="0" compatLnSpc="1">
+              <a:prstTxWarp prst="textNoShape">
+                <a:avLst/>
+              </a:prstTxWarp>
+              <a:noAutofit/>
+            </a:bodyPr>
+            <a:lstStyle/>
+            <a:p>
+              <a:pPr algn="ctr"/>
+              <a:r>
+                <a:rPr lang="da-DK" sz="1200" b="1" dirty="0" err="1" smtClean="0">
+                  <a:solidFill>
+                    <a:schemeClr val="tx1"/>
+                  </a:solidFill>
+                </a:rPr>
+                <a:t>Issued</a:t>
+              </a:r>
+              <a:r>
+                <a:rPr lang="da-DK" sz="1200" b="1" dirty="0">
+                  <a:solidFill>
+                    <a:schemeClr val="tx1"/>
+                  </a:solidFill>
+                </a:rPr>
+                <a:t/>
+              </a:r>
+              <a:br>
+                <a:rPr lang="da-DK" sz="1200" b="1" dirty="0">
+                  <a:solidFill>
+                    <a:schemeClr val="tx1"/>
+                  </a:solidFill>
+                </a:rPr>
+              </a:br>
+              <a:r>
+                <a:rPr lang="da-DK" sz="1200" b="1" dirty="0" err="1" smtClean="0">
+                  <a:solidFill>
+                    <a:schemeClr val="tx1"/>
+                  </a:solidFill>
+                </a:rPr>
+                <a:t>ToUser</a:t>
+              </a:r>
+              <a:endParaRPr lang="en-GB" sz="1200" b="1" dirty="0" err="1" smtClean="0">
+                <a:solidFill>
+                  <a:schemeClr val="tx1"/>
+                </a:solidFill>
+              </a:endParaRPr>
+            </a:p>
+          </p:txBody>
+        </p:sp>
+        <p:sp>
+          <p:nvSpPr>
+            <p:cNvPr id="9" name="Oval 8"/>
+            <p:cNvSpPr/>
+            <p:nvPr/>
+          </p:nvSpPr>
+          <p:spPr>
+            <a:xfrm>
+              <a:off x="2586418" y="4708072"/>
+              <a:ext cx="1440000" cy="1440000"/>
+            </a:xfrm>
+            <a:prstGeom prst="ellipse">
+              <a:avLst/>
+            </a:prstGeom>
+            <a:ln w="38100"/>
+          </p:spPr>
+          <p:style>
+            <a:lnRef idx="2">
+              <a:schemeClr val="accent5"/>
+            </a:lnRef>
+            <a:fillRef idx="1">
+              <a:schemeClr val="lt1"/>
+            </a:fillRef>
+            <a:effectRef idx="0">
+              <a:schemeClr val="accent5"/>
+            </a:effectRef>
+            <a:fontRef idx="minor">
+              <a:schemeClr val="dk1"/>
+            </a:fontRef>
+          </p:style>
+          <p:txBody>
+            <a:bodyPr rot="0" spcFirstLastPara="0" vertOverflow="overflow" horzOverflow="overflow" vert="horz" wrap="square" lIns="0" tIns="0" rIns="0" bIns="0" numCol="1" spcCol="0" rtlCol="0" fromWordArt="0" anchor="ctr" anchorCtr="0" forceAA="0" compatLnSpc="1">
+              <a:prstTxWarp prst="textNoShape">
+                <a:avLst/>
+              </a:prstTxWarp>
+              <a:noAutofit/>
+            </a:bodyPr>
+            <a:lstStyle/>
+            <a:p>
+              <a:pPr algn="ctr"/>
+              <a:r>
+                <a:rPr lang="da-DK" sz="1200" b="1" dirty="0" err="1" smtClean="0">
+                  <a:solidFill>
+                    <a:schemeClr val="tx1"/>
+                  </a:solidFill>
+                </a:rPr>
+                <a:t>Captured</a:t>
+              </a:r>
+              <a:endParaRPr lang="en-GB" sz="1200" b="1" dirty="0" err="1" smtClean="0">
+                <a:solidFill>
+                  <a:schemeClr val="tx1"/>
+                </a:solidFill>
+              </a:endParaRPr>
+            </a:p>
+          </p:txBody>
+        </p:sp>
+        <p:cxnSp>
+          <p:nvCxnSpPr>
+            <p:cNvPr id="51" name="Straight Arrow Connector 50"/>
+            <p:cNvCxnSpPr>
+              <a:stCxn id="7" idx="4"/>
+              <a:endCxn id="8" idx="0"/>
+            </p:cNvCxnSpPr>
+            <p:nvPr/>
+          </p:nvCxnSpPr>
+          <p:spPr>
+            <a:xfrm>
+              <a:off x="3306418" y="2118878"/>
+              <a:ext cx="0" cy="574597"/>
+            </a:xfrm>
+            <a:prstGeom prst="straightConnector1">
+              <a:avLst/>
+            </a:prstGeom>
+            <a:ln w="38100">
+              <a:tailEnd type="triangle"/>
+            </a:ln>
+          </p:spPr>
+          <p:style>
+            <a:lnRef idx="1">
+              <a:schemeClr val="accent5"/>
+            </a:lnRef>
+            <a:fillRef idx="0">
+              <a:schemeClr val="accent5"/>
+            </a:fillRef>
+            <a:effectRef idx="0">
+              <a:schemeClr val="accent5"/>
+            </a:effectRef>
+            <a:fontRef idx="minor">
+              <a:schemeClr val="tx1"/>
+            </a:fontRef>
+          </p:style>
+        </p:cxnSp>
+        <p:cxnSp>
+          <p:nvCxnSpPr>
+            <p:cNvPr id="52" name="Straight Arrow Connector 51"/>
+            <p:cNvCxnSpPr>
+              <a:stCxn id="8" idx="4"/>
+              <a:endCxn id="9" idx="0"/>
+            </p:cNvCxnSpPr>
+            <p:nvPr/>
+          </p:nvCxnSpPr>
+          <p:spPr>
+            <a:xfrm>
+              <a:off x="3306418" y="4133475"/>
+              <a:ext cx="0" cy="574597"/>
+            </a:xfrm>
+            <a:prstGeom prst="straightConnector1">
+              <a:avLst/>
+            </a:prstGeom>
+            <a:ln w="38100">
+              <a:tailEnd type="triangle"/>
+            </a:ln>
+          </p:spPr>
+          <p:style>
+            <a:lnRef idx="1">
+              <a:schemeClr val="accent5"/>
+            </a:lnRef>
+            <a:fillRef idx="0">
+              <a:schemeClr val="accent5"/>
+            </a:fillRef>
+            <a:effectRef idx="0">
+              <a:schemeClr val="accent5"/>
+            </a:effectRef>
+            <a:fontRef idx="minor">
+              <a:schemeClr val="tx1"/>
+            </a:fontRef>
+          </p:style>
+        </p:cxnSp>
+        <p:cxnSp>
+          <p:nvCxnSpPr>
+            <p:cNvPr id="64" name="Straight Arrow Connector 63"/>
+            <p:cNvCxnSpPr>
+              <a:endCxn id="7" idx="0"/>
+            </p:cNvCxnSpPr>
+            <p:nvPr/>
+          </p:nvCxnSpPr>
+          <p:spPr>
+            <a:xfrm>
+              <a:off x="3306418" y="245096"/>
+              <a:ext cx="0" cy="433782"/>
+            </a:xfrm>
+            <a:prstGeom prst="straightConnector1">
+              <a:avLst/>
+            </a:prstGeom>
+            <a:ln w="38100">
+              <a:tailEnd type="triangle"/>
+            </a:ln>
+          </p:spPr>
+          <p:style>
+            <a:lnRef idx="1">
+              <a:schemeClr val="accent5"/>
+            </a:lnRef>
+            <a:fillRef idx="0">
+              <a:schemeClr val="accent5"/>
+            </a:fillRef>
+            <a:effectRef idx="0">
+              <a:schemeClr val="accent5"/>
+            </a:effectRef>
+            <a:fontRef idx="minor">
+              <a:schemeClr val="tx1"/>
+            </a:fontRef>
+          </p:style>
+        </p:cxnSp>
+        <p:sp>
+          <p:nvSpPr>
+            <p:cNvPr id="180" name="Oval 179"/>
+            <p:cNvSpPr/>
+            <p:nvPr/>
+          </p:nvSpPr>
+          <p:spPr>
+            <a:xfrm>
+              <a:off x="4859540" y="1653640"/>
+              <a:ext cx="1440000" cy="1440000"/>
+            </a:xfrm>
+            <a:prstGeom prst="ellipse">
+              <a:avLst/>
+            </a:prstGeom>
+            <a:ln w="38100"/>
+          </p:spPr>
+          <p:style>
+            <a:lnRef idx="2">
+              <a:schemeClr val="accent5"/>
+            </a:lnRef>
+            <a:fillRef idx="1">
+              <a:schemeClr val="lt1"/>
+            </a:fillRef>
+            <a:effectRef idx="0">
+              <a:schemeClr val="accent5"/>
+            </a:effectRef>
+            <a:fontRef idx="minor">
+              <a:schemeClr val="dk1"/>
+            </a:fontRef>
+          </p:style>
+          <p:txBody>
+            <a:bodyPr rot="0" spcFirstLastPara="0" vertOverflow="overflow" horzOverflow="overflow" vert="horz" wrap="square" lIns="0" tIns="0" rIns="0" bIns="0" numCol="1" spcCol="0" rtlCol="0" fromWordArt="0" anchor="ctr" anchorCtr="0" forceAA="0" compatLnSpc="1">
+              <a:prstTxWarp prst="textNoShape">
+                <a:avLst/>
+              </a:prstTxWarp>
+              <a:noAutofit/>
+            </a:bodyPr>
+            <a:lstStyle/>
+            <a:p>
+              <a:pPr algn="ctr"/>
+              <a:r>
+                <a:rPr lang="da-DK" sz="1200" b="1" dirty="0" err="1" smtClean="0">
+                  <a:solidFill>
+                    <a:schemeClr val="tx1"/>
+                  </a:solidFill>
+                </a:rPr>
+                <a:t>Cancelled</a:t>
+              </a:r>
+              <a:r>
+                <a:rPr lang="da-DK" sz="1200" b="1" dirty="0" smtClean="0">
+                  <a:solidFill>
+                    <a:schemeClr val="tx1"/>
+                  </a:solidFill>
+                </a:rPr>
+                <a:t/>
+              </a:r>
+              <a:br>
+                <a:rPr lang="da-DK" sz="1200" b="1" dirty="0" smtClean="0">
+                  <a:solidFill>
+                    <a:schemeClr val="tx1"/>
+                  </a:solidFill>
+                </a:rPr>
+              </a:br>
+              <a:r>
+                <a:rPr lang="da-DK" sz="1200" b="1" dirty="0" err="1" smtClean="0">
+                  <a:solidFill>
+                    <a:schemeClr val="tx1"/>
+                  </a:solidFill>
+                </a:rPr>
+                <a:t>ByMobilePay</a:t>
+              </a:r>
+              <a:endParaRPr lang="en-GB" sz="1200" b="1" dirty="0" err="1" smtClean="0">
+                <a:solidFill>
+                  <a:schemeClr val="tx1"/>
+                </a:solidFill>
+              </a:endParaRPr>
+            </a:p>
+          </p:txBody>
+        </p:sp>
+        <p:cxnSp>
+          <p:nvCxnSpPr>
+            <p:cNvPr id="187" name="Elbow Connector 186"/>
+            <p:cNvCxnSpPr>
+              <a:stCxn id="8" idx="6"/>
+              <a:endCxn id="180" idx="4"/>
+            </p:cNvCxnSpPr>
+            <p:nvPr/>
+          </p:nvCxnSpPr>
+          <p:spPr>
+            <a:xfrm flipV="1">
+              <a:off x="4026418" y="3093640"/>
+              <a:ext cx="1553122" cy="319835"/>
+            </a:xfrm>
+            <a:prstGeom prst="bentConnector2">
+              <a:avLst/>
+            </a:prstGeom>
+            <a:ln w="38100">
+              <a:tailEnd type="triangle"/>
+            </a:ln>
+          </p:spPr>
+          <p:style>
+            <a:lnRef idx="1">
+              <a:schemeClr val="accent5"/>
+            </a:lnRef>
+            <a:fillRef idx="0">
+              <a:schemeClr val="accent5"/>
+            </a:fillRef>
+            <a:effectRef idx="0">
+              <a:schemeClr val="accent5"/>
+            </a:effectRef>
+            <a:fontRef idx="minor">
+              <a:schemeClr val="tx1"/>
+            </a:fontRef>
+          </p:style>
+        </p:cxnSp>
+        <p:cxnSp>
+          <p:nvCxnSpPr>
+            <p:cNvPr id="199" name="Elbow Connector 198"/>
+            <p:cNvCxnSpPr>
+              <a:stCxn id="7" idx="6"/>
+              <a:endCxn id="180" idx="0"/>
+            </p:cNvCxnSpPr>
+            <p:nvPr/>
+          </p:nvCxnSpPr>
+          <p:spPr>
+            <a:xfrm>
+              <a:off x="4026418" y="1398878"/>
+              <a:ext cx="1553122" cy="254762"/>
+            </a:xfrm>
+            <a:prstGeom prst="bentConnector2">
+              <a:avLst/>
+            </a:prstGeom>
+            <a:ln w="38100">
+              <a:tailEnd type="triangle"/>
+            </a:ln>
+          </p:spPr>
+          <p:style>
+            <a:lnRef idx="1">
+              <a:schemeClr val="accent5"/>
+            </a:lnRef>
+            <a:fillRef idx="0">
+              <a:schemeClr val="accent5"/>
+            </a:fillRef>
+            <a:effectRef idx="0">
+              <a:schemeClr val="accent5"/>
+            </a:effectRef>
+            <a:fontRef idx="minor">
+              <a:schemeClr val="tx1"/>
+            </a:fontRef>
+          </p:style>
+        </p:cxnSp>
+        <p:sp>
+          <p:nvSpPr>
+            <p:cNvPr id="204" name="Oval 203"/>
+            <p:cNvSpPr/>
+            <p:nvPr/>
+          </p:nvSpPr>
+          <p:spPr>
+            <a:xfrm>
+              <a:off x="313296" y="2693475"/>
+              <a:ext cx="1440000" cy="1440000"/>
+            </a:xfrm>
+            <a:prstGeom prst="ellipse">
+              <a:avLst/>
+            </a:prstGeom>
+            <a:ln w="38100"/>
+          </p:spPr>
+          <p:style>
+            <a:lnRef idx="2">
+              <a:schemeClr val="accent5"/>
+            </a:lnRef>
+            <a:fillRef idx="1">
+              <a:schemeClr val="lt1"/>
+            </a:fillRef>
+            <a:effectRef idx="0">
+              <a:schemeClr val="accent5"/>
+            </a:effectRef>
+            <a:fontRef idx="minor">
+              <a:schemeClr val="dk1"/>
+            </a:fontRef>
+          </p:style>
+          <p:txBody>
+            <a:bodyPr rot="0" spcFirstLastPara="0" vertOverflow="overflow" horzOverflow="overflow" vert="horz" wrap="square" lIns="0" tIns="0" rIns="0" bIns="0" numCol="1" spcCol="0" rtlCol="0" fromWordArt="0" anchor="ctr" anchorCtr="0" forceAA="0" compatLnSpc="1">
+              <a:prstTxWarp prst="textNoShape">
+                <a:avLst/>
+              </a:prstTxWarp>
+              <a:noAutofit/>
+            </a:bodyPr>
+            <a:lstStyle/>
+            <a:p>
+              <a:pPr algn="ctr"/>
+              <a:r>
+                <a:rPr lang="da-DK" sz="1200" b="1" dirty="0" err="1" smtClean="0">
+                  <a:solidFill>
+                    <a:schemeClr val="tx1"/>
+                  </a:solidFill>
+                </a:rPr>
+                <a:t>Cancelled</a:t>
+              </a:r>
+              <a:r>
+                <a:rPr lang="da-DK" sz="1200" b="1" dirty="0" smtClean="0">
+                  <a:solidFill>
+                    <a:schemeClr val="tx1"/>
+                  </a:solidFill>
+                </a:rPr>
+                <a:t/>
+              </a:r>
+              <a:br>
+                <a:rPr lang="da-DK" sz="1200" b="1" dirty="0" smtClean="0">
+                  <a:solidFill>
+                    <a:schemeClr val="tx1"/>
+                  </a:solidFill>
+                </a:rPr>
+              </a:br>
+              <a:r>
+                <a:rPr lang="da-DK" sz="1200" b="1" dirty="0" err="1" smtClean="0">
+                  <a:solidFill>
+                    <a:schemeClr val="tx1"/>
+                  </a:solidFill>
+                </a:rPr>
+                <a:t>ByUser</a:t>
+              </a:r>
+              <a:endParaRPr lang="en-GB" sz="1200" b="1" dirty="0" err="1" smtClean="0">
+                <a:solidFill>
+                  <a:schemeClr val="tx1"/>
+                </a:solidFill>
+              </a:endParaRPr>
+            </a:p>
+          </p:txBody>
+        </p:sp>
+        <p:cxnSp>
+          <p:nvCxnSpPr>
+            <p:cNvPr id="208" name="Straight Arrow Connector 207"/>
+            <p:cNvCxnSpPr>
+              <a:stCxn id="8" idx="2"/>
+              <a:endCxn id="204" idx="6"/>
+            </p:cNvCxnSpPr>
+            <p:nvPr/>
+          </p:nvCxnSpPr>
+          <p:spPr>
+            <a:xfrm flipH="1">
+              <a:off x="1753296" y="3413475"/>
+              <a:ext cx="833122" cy="0"/>
+            </a:xfrm>
+            <a:prstGeom prst="straightConnector1">
+              <a:avLst/>
+            </a:prstGeom>
+            <a:ln w="38100">
+              <a:tailEnd type="triangle"/>
+            </a:ln>
+          </p:spPr>
+          <p:style>
+            <a:lnRef idx="1">
+              <a:schemeClr val="accent5"/>
+            </a:lnRef>
+            <a:fillRef idx="0">
+              <a:schemeClr val="accent5"/>
+            </a:fillRef>
+            <a:effectRef idx="0">
+              <a:schemeClr val="accent5"/>
+            </a:effectRef>
+            <a:fontRef idx="minor">
+              <a:schemeClr val="tx1"/>
+            </a:fontRef>
+          </p:style>
+        </p:cxnSp>
+        <p:sp>
+          <p:nvSpPr>
+            <p:cNvPr id="215" name="Oval 214"/>
+            <p:cNvSpPr/>
+            <p:nvPr/>
+          </p:nvSpPr>
+          <p:spPr>
+            <a:xfrm>
+              <a:off x="7019540" y="1675302"/>
+              <a:ext cx="1440000" cy="1440000"/>
+            </a:xfrm>
+            <a:prstGeom prst="ellipse">
+              <a:avLst/>
+            </a:prstGeom>
+            <a:ln w="38100"/>
+          </p:spPr>
+          <p:style>
+            <a:lnRef idx="2">
+              <a:schemeClr val="accent5"/>
+            </a:lnRef>
+            <a:fillRef idx="1">
+              <a:schemeClr val="lt1"/>
+            </a:fillRef>
+            <a:effectRef idx="0">
+              <a:schemeClr val="accent5"/>
+            </a:effectRef>
+            <a:fontRef idx="minor">
+              <a:schemeClr val="dk1"/>
+            </a:fontRef>
+          </p:style>
+          <p:txBody>
+            <a:bodyPr rot="0" spcFirstLastPara="0" vertOverflow="overflow" horzOverflow="overflow" vert="horz" wrap="square" lIns="0" tIns="0" rIns="0" bIns="0" numCol="1" spcCol="0" rtlCol="0" fromWordArt="0" anchor="ctr" anchorCtr="0" forceAA="0" compatLnSpc="1">
+              <a:prstTxWarp prst="textNoShape">
+                <a:avLst/>
+              </a:prstTxWarp>
+              <a:noAutofit/>
+            </a:bodyPr>
+            <a:lstStyle/>
+            <a:p>
+              <a:pPr algn="ctr"/>
+              <a:r>
+                <a:rPr lang="da-DK" sz="1200" b="1" dirty="0" err="1" smtClean="0">
+                  <a:solidFill>
+                    <a:schemeClr val="tx1"/>
+                  </a:solidFill>
+                </a:rPr>
+                <a:t>Cancelled</a:t>
+              </a:r>
+              <a:r>
+                <a:rPr lang="da-DK" sz="1200" b="1" dirty="0" smtClean="0">
+                  <a:solidFill>
+                    <a:schemeClr val="tx1"/>
+                  </a:solidFill>
+                </a:rPr>
+                <a:t/>
+              </a:r>
+              <a:br>
+                <a:rPr lang="da-DK" sz="1200" b="1" dirty="0" smtClean="0">
+                  <a:solidFill>
+                    <a:schemeClr val="tx1"/>
+                  </a:solidFill>
+                </a:rPr>
+              </a:br>
+              <a:r>
+                <a:rPr lang="da-DK" sz="1200" b="1" dirty="0" err="1" smtClean="0">
+                  <a:solidFill>
+                    <a:schemeClr val="tx1"/>
+                  </a:solidFill>
+                </a:rPr>
+                <a:t>ByClient</a:t>
+              </a:r>
+              <a:endParaRPr lang="en-GB" sz="1200" b="1" dirty="0" err="1" smtClean="0">
+                <a:solidFill>
+                  <a:schemeClr val="tx1"/>
+                </a:solidFill>
+              </a:endParaRPr>
+            </a:p>
+          </p:txBody>
+        </p:sp>
+        <p:cxnSp>
+          <p:nvCxnSpPr>
+            <p:cNvPr id="216" name="Elbow Connector 215"/>
+            <p:cNvCxnSpPr>
+              <a:stCxn id="7" idx="6"/>
+              <a:endCxn id="215" idx="0"/>
+            </p:cNvCxnSpPr>
+            <p:nvPr/>
+          </p:nvCxnSpPr>
+          <p:spPr>
+            <a:xfrm>
+              <a:off x="4026418" y="1398878"/>
+              <a:ext cx="3713122" cy="276424"/>
+            </a:xfrm>
+            <a:prstGeom prst="bentConnector2">
+              <a:avLst/>
+            </a:prstGeom>
+            <a:ln w="38100">
+              <a:tailEnd type="triangle"/>
+            </a:ln>
+          </p:spPr>
+          <p:style>
+            <a:lnRef idx="1">
+              <a:schemeClr val="accent5"/>
+            </a:lnRef>
+            <a:fillRef idx="0">
+              <a:schemeClr val="accent5"/>
+            </a:fillRef>
+            <a:effectRef idx="0">
+              <a:schemeClr val="accent5"/>
+            </a:effectRef>
+            <a:fontRef idx="minor">
+              <a:schemeClr val="tx1"/>
+            </a:fontRef>
+          </p:style>
+        </p:cxnSp>
+        <p:cxnSp>
+          <p:nvCxnSpPr>
+            <p:cNvPr id="219" name="Elbow Connector 218"/>
+            <p:cNvCxnSpPr>
+              <a:stCxn id="8" idx="6"/>
+              <a:endCxn id="215" idx="4"/>
+            </p:cNvCxnSpPr>
+            <p:nvPr/>
+          </p:nvCxnSpPr>
+          <p:spPr>
+            <a:xfrm flipV="1">
+              <a:off x="4026418" y="3115302"/>
+              <a:ext cx="3713122" cy="298173"/>
+            </a:xfrm>
+            <a:prstGeom prst="bentConnector2">
+              <a:avLst/>
+            </a:prstGeom>
+            <a:ln w="38100">
+              <a:tailEnd type="triangle"/>
+            </a:ln>
+          </p:spPr>
+          <p:style>
+            <a:lnRef idx="1">
+              <a:schemeClr val="accent5"/>
+            </a:lnRef>
+            <a:fillRef idx="0">
+              <a:schemeClr val="accent5"/>
+            </a:fillRef>
+            <a:effectRef idx="0">
+              <a:schemeClr val="accent5"/>
+            </a:effectRef>
+            <a:fontRef idx="minor">
+              <a:schemeClr val="tx1"/>
+            </a:fontRef>
+          </p:style>
+        </p:cxnSp>
+      </p:grpSp>
+    </p:spTree>
+    <p:extLst>
+      <p:ext uri="{BB962C8B-B14F-4D97-AF65-F5344CB8AC3E}">
+        <p14:creationId xmlns:p14="http://schemas.microsoft.com/office/powerpoint/2010/main" val="1308458767"/>
+      </p:ext>
+    </p:extLst>
+  </p:cSld>
+  <p:clrMapOvr>
+    <a:masterClrMapping/>
+  </p:clrMapOvr>
+  <p:timing>
+    <p:tnLst>
+      <p:par>
+        <p:cTn id="1" dur="indefinite" restart="never" nodeType="tmRoot"/>
+      </p:par>
+    </p:tnLst>
+  </p:timing>
+</p:sld>
+</file>
+
+<file path=ppt/slides/slide20.xml><?xml version="1.0" encoding="utf-8"?>
 <p:sld xmlns:a="http://schemas.openxmlformats.org/drawingml/2006/main" xmlns:r="http://schemas.openxmlformats.org/officeDocument/2006/relationships" xmlns:p="http://schemas.openxmlformats.org/presentationml/2006/main">
   <p:cSld>
     <p:spTree>
@@ -37239,774 +39017,7 @@
 </p:sld>
 </file>
 
-<file path=ppt/slides/slide2.xml><?xml version="1.0" encoding="utf-8"?>
-<p:sld xmlns:a="http://schemas.openxmlformats.org/drawingml/2006/main" xmlns:r="http://schemas.openxmlformats.org/officeDocument/2006/relationships" xmlns:p="http://schemas.openxmlformats.org/presentationml/2006/main">
-  <p:cSld>
-    <p:spTree>
-      <p:nvGrpSpPr>
-        <p:cNvPr id="1" name=""/>
-        <p:cNvGrpSpPr/>
-        <p:nvPr/>
-      </p:nvGrpSpPr>
-      <p:grpSpPr>
-        <a:xfrm>
-          <a:off x="0" y="0"/>
-          <a:ext cx="0" cy="0"/>
-          <a:chOff x="0" y="0"/>
-          <a:chExt cx="0" cy="0"/>
-        </a:xfrm>
-      </p:grpSpPr>
-      <p:grpSp>
-        <p:nvGrpSpPr>
-          <p:cNvPr id="226" name="Group 225"/>
-          <p:cNvGrpSpPr/>
-          <p:nvPr/>
-        </p:nvGrpSpPr>
-        <p:grpSpPr>
-          <a:xfrm>
-            <a:off x="313296" y="245096"/>
-            <a:ext cx="8146244" cy="5902976"/>
-            <a:chOff x="313296" y="245096"/>
-            <a:chExt cx="8146244" cy="5902976"/>
-          </a:xfrm>
-        </p:grpSpPr>
-        <p:sp>
-          <p:nvSpPr>
-            <p:cNvPr id="7" name="Oval 6"/>
-            <p:cNvSpPr/>
-            <p:nvPr/>
-          </p:nvSpPr>
-          <p:spPr>
-            <a:xfrm>
-              <a:off x="2586418" y="678878"/>
-              <a:ext cx="1440000" cy="1440000"/>
-            </a:xfrm>
-            <a:prstGeom prst="ellipse">
-              <a:avLst/>
-            </a:prstGeom>
-            <a:ln w="38100"/>
-          </p:spPr>
-          <p:style>
-            <a:lnRef idx="2">
-              <a:schemeClr val="accent5"/>
-            </a:lnRef>
-            <a:fillRef idx="1">
-              <a:schemeClr val="lt1"/>
-            </a:fillRef>
-            <a:effectRef idx="0">
-              <a:schemeClr val="accent5"/>
-            </a:effectRef>
-            <a:fontRef idx="minor">
-              <a:schemeClr val="dk1"/>
-            </a:fontRef>
-          </p:style>
-          <p:txBody>
-            <a:bodyPr rot="0" spcFirstLastPara="0" vertOverflow="overflow" horzOverflow="overflow" vert="horz" wrap="square" lIns="0" tIns="0" rIns="0" bIns="0" numCol="1" spcCol="0" rtlCol="0" fromWordArt="0" anchor="ctr" anchorCtr="0" forceAA="0" compatLnSpc="1">
-              <a:prstTxWarp prst="textNoShape">
-                <a:avLst/>
-              </a:prstTxWarp>
-              <a:noAutofit/>
-            </a:bodyPr>
-            <a:lstStyle/>
-            <a:p>
-              <a:pPr algn="ctr"/>
-              <a:r>
-                <a:rPr lang="da-DK" sz="1200" b="1" dirty="0" err="1" smtClean="0">
-                  <a:solidFill>
-                    <a:schemeClr val="tx1"/>
-                  </a:solidFill>
-                </a:rPr>
-                <a:t>Initiated</a:t>
-              </a:r>
-              <a:endParaRPr lang="en-GB" sz="1200" b="1" dirty="0" err="1" smtClean="0">
-                <a:solidFill>
-                  <a:schemeClr val="tx1"/>
-                </a:solidFill>
-              </a:endParaRPr>
-            </a:p>
-          </p:txBody>
-        </p:sp>
-        <p:sp>
-          <p:nvSpPr>
-            <p:cNvPr id="8" name="Oval 7"/>
-            <p:cNvSpPr/>
-            <p:nvPr/>
-          </p:nvSpPr>
-          <p:spPr>
-            <a:xfrm>
-              <a:off x="2586418" y="2693475"/>
-              <a:ext cx="1440000" cy="1440000"/>
-            </a:xfrm>
-            <a:prstGeom prst="ellipse">
-              <a:avLst/>
-            </a:prstGeom>
-            <a:ln w="38100"/>
-          </p:spPr>
-          <p:style>
-            <a:lnRef idx="2">
-              <a:schemeClr val="accent5"/>
-            </a:lnRef>
-            <a:fillRef idx="1">
-              <a:schemeClr val="lt1"/>
-            </a:fillRef>
-            <a:effectRef idx="0">
-              <a:schemeClr val="accent5"/>
-            </a:effectRef>
-            <a:fontRef idx="minor">
-              <a:schemeClr val="dk1"/>
-            </a:fontRef>
-          </p:style>
-          <p:txBody>
-            <a:bodyPr rot="0" spcFirstLastPara="0" vertOverflow="overflow" horzOverflow="overflow" vert="horz" wrap="square" lIns="0" tIns="0" rIns="0" bIns="0" numCol="1" spcCol="0" rtlCol="0" fromWordArt="0" anchor="ctr" anchorCtr="0" forceAA="0" compatLnSpc="1">
-              <a:prstTxWarp prst="textNoShape">
-                <a:avLst/>
-              </a:prstTxWarp>
-              <a:noAutofit/>
-            </a:bodyPr>
-            <a:lstStyle/>
-            <a:p>
-              <a:pPr algn="ctr"/>
-              <a:r>
-                <a:rPr lang="da-DK" sz="1200" b="1" dirty="0" err="1" smtClean="0">
-                  <a:solidFill>
-                    <a:schemeClr val="tx1"/>
-                  </a:solidFill>
-                </a:rPr>
-                <a:t>Issued</a:t>
-              </a:r>
-              <a:r>
-                <a:rPr lang="da-DK" sz="1200" b="1" dirty="0">
-                  <a:solidFill>
-                    <a:schemeClr val="tx1"/>
-                  </a:solidFill>
-                </a:rPr>
-                <a:t/>
-              </a:r>
-              <a:br>
-                <a:rPr lang="da-DK" sz="1200" b="1" dirty="0">
-                  <a:solidFill>
-                    <a:schemeClr val="tx1"/>
-                  </a:solidFill>
-                </a:rPr>
-              </a:br>
-              <a:r>
-                <a:rPr lang="da-DK" sz="1200" b="1" dirty="0" err="1" smtClean="0">
-                  <a:solidFill>
-                    <a:schemeClr val="tx1"/>
-                  </a:solidFill>
-                </a:rPr>
-                <a:t>ToUser</a:t>
-              </a:r>
-              <a:endParaRPr lang="en-GB" sz="1200" b="1" dirty="0" err="1" smtClean="0">
-                <a:solidFill>
-                  <a:schemeClr val="tx1"/>
-                </a:solidFill>
-              </a:endParaRPr>
-            </a:p>
-          </p:txBody>
-        </p:sp>
-        <p:sp>
-          <p:nvSpPr>
-            <p:cNvPr id="9" name="Oval 8"/>
-            <p:cNvSpPr/>
-            <p:nvPr/>
-          </p:nvSpPr>
-          <p:spPr>
-            <a:xfrm>
-              <a:off x="2586418" y="4708072"/>
-              <a:ext cx="1440000" cy="1440000"/>
-            </a:xfrm>
-            <a:prstGeom prst="ellipse">
-              <a:avLst/>
-            </a:prstGeom>
-            <a:ln w="38100"/>
-          </p:spPr>
-          <p:style>
-            <a:lnRef idx="2">
-              <a:schemeClr val="accent5"/>
-            </a:lnRef>
-            <a:fillRef idx="1">
-              <a:schemeClr val="lt1"/>
-            </a:fillRef>
-            <a:effectRef idx="0">
-              <a:schemeClr val="accent5"/>
-            </a:effectRef>
-            <a:fontRef idx="minor">
-              <a:schemeClr val="dk1"/>
-            </a:fontRef>
-          </p:style>
-          <p:txBody>
-            <a:bodyPr rot="0" spcFirstLastPara="0" vertOverflow="overflow" horzOverflow="overflow" vert="horz" wrap="square" lIns="0" tIns="0" rIns="0" bIns="0" numCol="1" spcCol="0" rtlCol="0" fromWordArt="0" anchor="ctr" anchorCtr="0" forceAA="0" compatLnSpc="1">
-              <a:prstTxWarp prst="textNoShape">
-                <a:avLst/>
-              </a:prstTxWarp>
-              <a:noAutofit/>
-            </a:bodyPr>
-            <a:lstStyle/>
-            <a:p>
-              <a:pPr algn="ctr"/>
-              <a:r>
-                <a:rPr lang="da-DK" sz="1200" b="1" dirty="0" err="1" smtClean="0">
-                  <a:solidFill>
-                    <a:schemeClr val="tx1"/>
-                  </a:solidFill>
-                </a:rPr>
-                <a:t>Captured</a:t>
-              </a:r>
-              <a:endParaRPr lang="en-GB" sz="1200" b="1" dirty="0" err="1" smtClean="0">
-                <a:solidFill>
-                  <a:schemeClr val="tx1"/>
-                </a:solidFill>
-              </a:endParaRPr>
-            </a:p>
-          </p:txBody>
-        </p:sp>
-        <p:cxnSp>
-          <p:nvCxnSpPr>
-            <p:cNvPr id="51" name="Straight Arrow Connector 50"/>
-            <p:cNvCxnSpPr>
-              <a:stCxn id="7" idx="4"/>
-              <a:endCxn id="8" idx="0"/>
-            </p:cNvCxnSpPr>
-            <p:nvPr/>
-          </p:nvCxnSpPr>
-          <p:spPr>
-            <a:xfrm>
-              <a:off x="3306418" y="2118878"/>
-              <a:ext cx="0" cy="574597"/>
-            </a:xfrm>
-            <a:prstGeom prst="straightConnector1">
-              <a:avLst/>
-            </a:prstGeom>
-            <a:ln w="38100">
-              <a:tailEnd type="triangle"/>
-            </a:ln>
-          </p:spPr>
-          <p:style>
-            <a:lnRef idx="1">
-              <a:schemeClr val="accent5"/>
-            </a:lnRef>
-            <a:fillRef idx="0">
-              <a:schemeClr val="accent5"/>
-            </a:fillRef>
-            <a:effectRef idx="0">
-              <a:schemeClr val="accent5"/>
-            </a:effectRef>
-            <a:fontRef idx="minor">
-              <a:schemeClr val="tx1"/>
-            </a:fontRef>
-          </p:style>
-        </p:cxnSp>
-        <p:cxnSp>
-          <p:nvCxnSpPr>
-            <p:cNvPr id="52" name="Straight Arrow Connector 51"/>
-            <p:cNvCxnSpPr>
-              <a:stCxn id="8" idx="4"/>
-              <a:endCxn id="9" idx="0"/>
-            </p:cNvCxnSpPr>
-            <p:nvPr/>
-          </p:nvCxnSpPr>
-          <p:spPr>
-            <a:xfrm>
-              <a:off x="3306418" y="4133475"/>
-              <a:ext cx="0" cy="574597"/>
-            </a:xfrm>
-            <a:prstGeom prst="straightConnector1">
-              <a:avLst/>
-            </a:prstGeom>
-            <a:ln w="38100">
-              <a:tailEnd type="triangle"/>
-            </a:ln>
-          </p:spPr>
-          <p:style>
-            <a:lnRef idx="1">
-              <a:schemeClr val="accent5"/>
-            </a:lnRef>
-            <a:fillRef idx="0">
-              <a:schemeClr val="accent5"/>
-            </a:fillRef>
-            <a:effectRef idx="0">
-              <a:schemeClr val="accent5"/>
-            </a:effectRef>
-            <a:fontRef idx="minor">
-              <a:schemeClr val="tx1"/>
-            </a:fontRef>
-          </p:style>
-        </p:cxnSp>
-        <p:cxnSp>
-          <p:nvCxnSpPr>
-            <p:cNvPr id="64" name="Straight Arrow Connector 63"/>
-            <p:cNvCxnSpPr>
-              <a:endCxn id="7" idx="0"/>
-            </p:cNvCxnSpPr>
-            <p:nvPr/>
-          </p:nvCxnSpPr>
-          <p:spPr>
-            <a:xfrm>
-              <a:off x="3306418" y="245096"/>
-              <a:ext cx="0" cy="433782"/>
-            </a:xfrm>
-            <a:prstGeom prst="straightConnector1">
-              <a:avLst/>
-            </a:prstGeom>
-            <a:ln w="38100">
-              <a:tailEnd type="triangle"/>
-            </a:ln>
-          </p:spPr>
-          <p:style>
-            <a:lnRef idx="1">
-              <a:schemeClr val="accent5"/>
-            </a:lnRef>
-            <a:fillRef idx="0">
-              <a:schemeClr val="accent5"/>
-            </a:fillRef>
-            <a:effectRef idx="0">
-              <a:schemeClr val="accent5"/>
-            </a:effectRef>
-            <a:fontRef idx="minor">
-              <a:schemeClr val="tx1"/>
-            </a:fontRef>
-          </p:style>
-        </p:cxnSp>
-        <p:sp>
-          <p:nvSpPr>
-            <p:cNvPr id="180" name="Oval 179"/>
-            <p:cNvSpPr/>
-            <p:nvPr/>
-          </p:nvSpPr>
-          <p:spPr>
-            <a:xfrm>
-              <a:off x="4859540" y="1653640"/>
-              <a:ext cx="1440000" cy="1440000"/>
-            </a:xfrm>
-            <a:prstGeom prst="ellipse">
-              <a:avLst/>
-            </a:prstGeom>
-            <a:ln w="38100"/>
-          </p:spPr>
-          <p:style>
-            <a:lnRef idx="2">
-              <a:schemeClr val="accent5"/>
-            </a:lnRef>
-            <a:fillRef idx="1">
-              <a:schemeClr val="lt1"/>
-            </a:fillRef>
-            <a:effectRef idx="0">
-              <a:schemeClr val="accent5"/>
-            </a:effectRef>
-            <a:fontRef idx="minor">
-              <a:schemeClr val="dk1"/>
-            </a:fontRef>
-          </p:style>
-          <p:txBody>
-            <a:bodyPr rot="0" spcFirstLastPara="0" vertOverflow="overflow" horzOverflow="overflow" vert="horz" wrap="square" lIns="0" tIns="0" rIns="0" bIns="0" numCol="1" spcCol="0" rtlCol="0" fromWordArt="0" anchor="ctr" anchorCtr="0" forceAA="0" compatLnSpc="1">
-              <a:prstTxWarp prst="textNoShape">
-                <a:avLst/>
-              </a:prstTxWarp>
-              <a:noAutofit/>
-            </a:bodyPr>
-            <a:lstStyle/>
-            <a:p>
-              <a:pPr algn="ctr"/>
-              <a:r>
-                <a:rPr lang="da-DK" sz="1200" b="1" dirty="0" err="1" smtClean="0">
-                  <a:solidFill>
-                    <a:schemeClr val="tx1"/>
-                  </a:solidFill>
-                </a:rPr>
-                <a:t>Cancelled</a:t>
-              </a:r>
-              <a:r>
-                <a:rPr lang="da-DK" sz="1200" b="1" dirty="0" smtClean="0">
-                  <a:solidFill>
-                    <a:schemeClr val="tx1"/>
-                  </a:solidFill>
-                </a:rPr>
-                <a:t/>
-              </a:r>
-              <a:br>
-                <a:rPr lang="da-DK" sz="1200" b="1" dirty="0" smtClean="0">
-                  <a:solidFill>
-                    <a:schemeClr val="tx1"/>
-                  </a:solidFill>
-                </a:rPr>
-              </a:br>
-              <a:r>
-                <a:rPr lang="da-DK" sz="1200" b="1" dirty="0" err="1" smtClean="0">
-                  <a:solidFill>
-                    <a:schemeClr val="tx1"/>
-                  </a:solidFill>
-                </a:rPr>
-                <a:t>ByMobilePay</a:t>
-              </a:r>
-              <a:endParaRPr lang="en-GB" sz="1200" b="1" dirty="0" err="1" smtClean="0">
-                <a:solidFill>
-                  <a:schemeClr val="tx1"/>
-                </a:solidFill>
-              </a:endParaRPr>
-            </a:p>
-          </p:txBody>
-        </p:sp>
-        <p:cxnSp>
-          <p:nvCxnSpPr>
-            <p:cNvPr id="187" name="Elbow Connector 186"/>
-            <p:cNvCxnSpPr>
-              <a:stCxn id="8" idx="6"/>
-              <a:endCxn id="180" idx="4"/>
-            </p:cNvCxnSpPr>
-            <p:nvPr/>
-          </p:nvCxnSpPr>
-          <p:spPr>
-            <a:xfrm flipV="1">
-              <a:off x="4026418" y="3093640"/>
-              <a:ext cx="1553122" cy="319835"/>
-            </a:xfrm>
-            <a:prstGeom prst="bentConnector2">
-              <a:avLst/>
-            </a:prstGeom>
-            <a:ln w="38100">
-              <a:tailEnd type="triangle"/>
-            </a:ln>
-          </p:spPr>
-          <p:style>
-            <a:lnRef idx="1">
-              <a:schemeClr val="accent5"/>
-            </a:lnRef>
-            <a:fillRef idx="0">
-              <a:schemeClr val="accent5"/>
-            </a:fillRef>
-            <a:effectRef idx="0">
-              <a:schemeClr val="accent5"/>
-            </a:effectRef>
-            <a:fontRef idx="minor">
-              <a:schemeClr val="tx1"/>
-            </a:fontRef>
-          </p:style>
-        </p:cxnSp>
-        <p:cxnSp>
-          <p:nvCxnSpPr>
-            <p:cNvPr id="199" name="Elbow Connector 198"/>
-            <p:cNvCxnSpPr>
-              <a:stCxn id="7" idx="6"/>
-              <a:endCxn id="180" idx="0"/>
-            </p:cNvCxnSpPr>
-            <p:nvPr/>
-          </p:nvCxnSpPr>
-          <p:spPr>
-            <a:xfrm>
-              <a:off x="4026418" y="1398878"/>
-              <a:ext cx="1553122" cy="254762"/>
-            </a:xfrm>
-            <a:prstGeom prst="bentConnector2">
-              <a:avLst/>
-            </a:prstGeom>
-            <a:ln w="38100">
-              <a:tailEnd type="triangle"/>
-            </a:ln>
-          </p:spPr>
-          <p:style>
-            <a:lnRef idx="1">
-              <a:schemeClr val="accent5"/>
-            </a:lnRef>
-            <a:fillRef idx="0">
-              <a:schemeClr val="accent5"/>
-            </a:fillRef>
-            <a:effectRef idx="0">
-              <a:schemeClr val="accent5"/>
-            </a:effectRef>
-            <a:fontRef idx="minor">
-              <a:schemeClr val="tx1"/>
-            </a:fontRef>
-          </p:style>
-        </p:cxnSp>
-        <p:sp>
-          <p:nvSpPr>
-            <p:cNvPr id="204" name="Oval 203"/>
-            <p:cNvSpPr/>
-            <p:nvPr/>
-          </p:nvSpPr>
-          <p:spPr>
-            <a:xfrm>
-              <a:off x="313296" y="2693475"/>
-              <a:ext cx="1440000" cy="1440000"/>
-            </a:xfrm>
-            <a:prstGeom prst="ellipse">
-              <a:avLst/>
-            </a:prstGeom>
-            <a:ln w="38100"/>
-          </p:spPr>
-          <p:style>
-            <a:lnRef idx="2">
-              <a:schemeClr val="accent5"/>
-            </a:lnRef>
-            <a:fillRef idx="1">
-              <a:schemeClr val="lt1"/>
-            </a:fillRef>
-            <a:effectRef idx="0">
-              <a:schemeClr val="accent5"/>
-            </a:effectRef>
-            <a:fontRef idx="minor">
-              <a:schemeClr val="dk1"/>
-            </a:fontRef>
-          </p:style>
-          <p:txBody>
-            <a:bodyPr rot="0" spcFirstLastPara="0" vertOverflow="overflow" horzOverflow="overflow" vert="horz" wrap="square" lIns="0" tIns="0" rIns="0" bIns="0" numCol="1" spcCol="0" rtlCol="0" fromWordArt="0" anchor="ctr" anchorCtr="0" forceAA="0" compatLnSpc="1">
-              <a:prstTxWarp prst="textNoShape">
-                <a:avLst/>
-              </a:prstTxWarp>
-              <a:noAutofit/>
-            </a:bodyPr>
-            <a:lstStyle/>
-            <a:p>
-              <a:pPr algn="ctr"/>
-              <a:r>
-                <a:rPr lang="da-DK" sz="1200" b="1" dirty="0" err="1" smtClean="0">
-                  <a:solidFill>
-                    <a:schemeClr val="tx1"/>
-                  </a:solidFill>
-                </a:rPr>
-                <a:t>Cancelled</a:t>
-              </a:r>
-              <a:r>
-                <a:rPr lang="da-DK" sz="1200" b="1" dirty="0" smtClean="0">
-                  <a:solidFill>
-                    <a:schemeClr val="tx1"/>
-                  </a:solidFill>
-                </a:rPr>
-                <a:t/>
-              </a:r>
-              <a:br>
-                <a:rPr lang="da-DK" sz="1200" b="1" dirty="0" smtClean="0">
-                  <a:solidFill>
-                    <a:schemeClr val="tx1"/>
-                  </a:solidFill>
-                </a:rPr>
-              </a:br>
-              <a:r>
-                <a:rPr lang="da-DK" sz="1200" b="1" dirty="0" err="1" smtClean="0">
-                  <a:solidFill>
-                    <a:schemeClr val="tx1"/>
-                  </a:solidFill>
-                </a:rPr>
-                <a:t>ByUser</a:t>
-              </a:r>
-              <a:endParaRPr lang="en-GB" sz="1200" b="1" dirty="0" err="1" smtClean="0">
-                <a:solidFill>
-                  <a:schemeClr val="tx1"/>
-                </a:solidFill>
-              </a:endParaRPr>
-            </a:p>
-          </p:txBody>
-        </p:sp>
-        <p:cxnSp>
-          <p:nvCxnSpPr>
-            <p:cNvPr id="208" name="Straight Arrow Connector 207"/>
-            <p:cNvCxnSpPr>
-              <a:stCxn id="8" idx="2"/>
-              <a:endCxn id="204" idx="6"/>
-            </p:cNvCxnSpPr>
-            <p:nvPr/>
-          </p:nvCxnSpPr>
-          <p:spPr>
-            <a:xfrm flipH="1">
-              <a:off x="1753296" y="3413475"/>
-              <a:ext cx="833122" cy="0"/>
-            </a:xfrm>
-            <a:prstGeom prst="straightConnector1">
-              <a:avLst/>
-            </a:prstGeom>
-            <a:ln w="38100">
-              <a:tailEnd type="triangle"/>
-            </a:ln>
-          </p:spPr>
-          <p:style>
-            <a:lnRef idx="1">
-              <a:schemeClr val="accent5"/>
-            </a:lnRef>
-            <a:fillRef idx="0">
-              <a:schemeClr val="accent5"/>
-            </a:fillRef>
-            <a:effectRef idx="0">
-              <a:schemeClr val="accent5"/>
-            </a:effectRef>
-            <a:fontRef idx="minor">
-              <a:schemeClr val="tx1"/>
-            </a:fontRef>
-          </p:style>
-        </p:cxnSp>
-        <p:sp>
-          <p:nvSpPr>
-            <p:cNvPr id="215" name="Oval 214"/>
-            <p:cNvSpPr/>
-            <p:nvPr/>
-          </p:nvSpPr>
-          <p:spPr>
-            <a:xfrm>
-              <a:off x="7019540" y="1675302"/>
-              <a:ext cx="1440000" cy="1440000"/>
-            </a:xfrm>
-            <a:prstGeom prst="ellipse">
-              <a:avLst/>
-            </a:prstGeom>
-            <a:ln w="38100"/>
-          </p:spPr>
-          <p:style>
-            <a:lnRef idx="2">
-              <a:schemeClr val="accent5"/>
-            </a:lnRef>
-            <a:fillRef idx="1">
-              <a:schemeClr val="lt1"/>
-            </a:fillRef>
-            <a:effectRef idx="0">
-              <a:schemeClr val="accent5"/>
-            </a:effectRef>
-            <a:fontRef idx="minor">
-              <a:schemeClr val="dk1"/>
-            </a:fontRef>
-          </p:style>
-          <p:txBody>
-            <a:bodyPr rot="0" spcFirstLastPara="0" vertOverflow="overflow" horzOverflow="overflow" vert="horz" wrap="square" lIns="0" tIns="0" rIns="0" bIns="0" numCol="1" spcCol="0" rtlCol="0" fromWordArt="0" anchor="ctr" anchorCtr="0" forceAA="0" compatLnSpc="1">
-              <a:prstTxWarp prst="textNoShape">
-                <a:avLst/>
-              </a:prstTxWarp>
-              <a:noAutofit/>
-            </a:bodyPr>
-            <a:lstStyle/>
-            <a:p>
-              <a:pPr algn="ctr"/>
-              <a:r>
-                <a:rPr lang="da-DK" sz="1200" b="1" dirty="0" err="1" smtClean="0">
-                  <a:solidFill>
-                    <a:schemeClr val="tx1"/>
-                  </a:solidFill>
-                </a:rPr>
-                <a:t>Cancelled</a:t>
-              </a:r>
-              <a:r>
-                <a:rPr lang="da-DK" sz="1200" b="1" dirty="0" smtClean="0">
-                  <a:solidFill>
-                    <a:schemeClr val="tx1"/>
-                  </a:solidFill>
-                </a:rPr>
-                <a:t/>
-              </a:r>
-              <a:br>
-                <a:rPr lang="da-DK" sz="1200" b="1" dirty="0" smtClean="0">
-                  <a:solidFill>
-                    <a:schemeClr val="tx1"/>
-                  </a:solidFill>
-                </a:rPr>
-              </a:br>
-              <a:r>
-                <a:rPr lang="da-DK" sz="1200" b="1" dirty="0" err="1" smtClean="0">
-                  <a:solidFill>
-                    <a:schemeClr val="tx1"/>
-                  </a:solidFill>
-                </a:rPr>
-                <a:t>ByClient</a:t>
-              </a:r>
-              <a:endParaRPr lang="en-GB" sz="1200" b="1" dirty="0" err="1" smtClean="0">
-                <a:solidFill>
-                  <a:schemeClr val="tx1"/>
-                </a:solidFill>
-              </a:endParaRPr>
-            </a:p>
-          </p:txBody>
-        </p:sp>
-        <p:cxnSp>
-          <p:nvCxnSpPr>
-            <p:cNvPr id="216" name="Elbow Connector 215"/>
-            <p:cNvCxnSpPr>
-              <a:stCxn id="7" idx="6"/>
-              <a:endCxn id="215" idx="0"/>
-            </p:cNvCxnSpPr>
-            <p:nvPr/>
-          </p:nvCxnSpPr>
-          <p:spPr>
-            <a:xfrm>
-              <a:off x="4026418" y="1398878"/>
-              <a:ext cx="3713122" cy="276424"/>
-            </a:xfrm>
-            <a:prstGeom prst="bentConnector2">
-              <a:avLst/>
-            </a:prstGeom>
-            <a:ln w="38100">
-              <a:tailEnd type="triangle"/>
-            </a:ln>
-          </p:spPr>
-          <p:style>
-            <a:lnRef idx="1">
-              <a:schemeClr val="accent5"/>
-            </a:lnRef>
-            <a:fillRef idx="0">
-              <a:schemeClr val="accent5"/>
-            </a:fillRef>
-            <a:effectRef idx="0">
-              <a:schemeClr val="accent5"/>
-            </a:effectRef>
-            <a:fontRef idx="minor">
-              <a:schemeClr val="tx1"/>
-            </a:fontRef>
-          </p:style>
-        </p:cxnSp>
-        <p:cxnSp>
-          <p:nvCxnSpPr>
-            <p:cNvPr id="219" name="Elbow Connector 218"/>
-            <p:cNvCxnSpPr>
-              <a:stCxn id="8" idx="6"/>
-              <a:endCxn id="215" idx="4"/>
-            </p:cNvCxnSpPr>
-            <p:nvPr/>
-          </p:nvCxnSpPr>
-          <p:spPr>
-            <a:xfrm flipV="1">
-              <a:off x="4026418" y="3115302"/>
-              <a:ext cx="3713122" cy="298173"/>
-            </a:xfrm>
-            <a:prstGeom prst="bentConnector2">
-              <a:avLst/>
-            </a:prstGeom>
-            <a:ln w="38100">
-              <a:tailEnd type="triangle"/>
-            </a:ln>
-          </p:spPr>
-          <p:style>
-            <a:lnRef idx="1">
-              <a:schemeClr val="accent5"/>
-            </a:lnRef>
-            <a:fillRef idx="0">
-              <a:schemeClr val="accent5"/>
-            </a:fillRef>
-            <a:effectRef idx="0">
-              <a:schemeClr val="accent5"/>
-            </a:effectRef>
-            <a:fontRef idx="minor">
-              <a:schemeClr val="tx1"/>
-            </a:fontRef>
-          </p:style>
-        </p:cxnSp>
-      </p:grpSp>
-    </p:spTree>
-    <p:extLst>
-      <p:ext uri="{BB962C8B-B14F-4D97-AF65-F5344CB8AC3E}">
-        <p14:creationId xmlns:p14="http://schemas.microsoft.com/office/powerpoint/2010/main" val="1308458767"/>
-      </p:ext>
-    </p:extLst>
-  </p:cSld>
-  <p:clrMapOvr>
-    <a:masterClrMapping/>
-  </p:clrMapOvr>
-  <p:timing>
-    <p:tnLst>
-      <p:par>
-        <p:cTn id="1" dur="indefinite" restart="never" nodeType="tmRoot"/>
-      </p:par>
-    </p:tnLst>
-  </p:timing>
-</p:sld>
-</file>
-
-<file path=ppt/slides/slide20.xml><?xml version="1.0" encoding="utf-8"?>
+<file path=ppt/slides/slide21.xml><?xml version="1.0" encoding="utf-8"?>
 <p:sld xmlns:a="http://schemas.openxmlformats.org/drawingml/2006/main" xmlns:r="http://schemas.openxmlformats.org/officeDocument/2006/relationships" xmlns:p="http://schemas.openxmlformats.org/presentationml/2006/main">
   <p:cSld>
     <p:spTree>
@@ -38652,7 +39663,7 @@
 </p:sld>
 </file>
 
-<file path=ppt/slides/slide21.xml><?xml version="1.0" encoding="utf-8"?>
+<file path=ppt/slides/slide22.xml><?xml version="1.0" encoding="utf-8"?>
 <p:sld xmlns:a="http://schemas.openxmlformats.org/drawingml/2006/main" xmlns:r="http://schemas.openxmlformats.org/officeDocument/2006/relationships" xmlns:p="http://schemas.openxmlformats.org/presentationml/2006/main">
   <p:cSld>
     <p:spTree>
@@ -38669,15 +39680,54 @@
           <a:chExt cx="0" cy="0"/>
         </a:xfrm>
       </p:grpSpPr>
+      <p:cxnSp>
+        <p:nvCxnSpPr>
+          <p:cNvPr id="19" name="Straight Arrow Connector 18"/>
+          <p:cNvCxnSpPr>
+            <a:stCxn id="24" idx="0"/>
+            <a:endCxn id="43" idx="2"/>
+          </p:cNvCxnSpPr>
+          <p:nvPr/>
+        </p:nvCxnSpPr>
+        <p:spPr>
+          <a:xfrm flipH="1" flipV="1">
+            <a:off x="6121661" y="1830269"/>
+            <a:ext cx="3" cy="2948031"/>
+          </a:xfrm>
+          <a:prstGeom prst="straightConnector1">
+            <a:avLst/>
+          </a:prstGeom>
+          <a:ln w="38100" cap="sq">
+            <a:solidFill>
+              <a:schemeClr val="tx2"/>
+            </a:solidFill>
+            <a:tailEnd type="triangle"/>
+          </a:ln>
+        </p:spPr>
+        <p:style>
+          <a:lnRef idx="1">
+            <a:schemeClr val="accent1"/>
+          </a:lnRef>
+          <a:fillRef idx="0">
+            <a:schemeClr val="accent1"/>
+          </a:fillRef>
+          <a:effectRef idx="0">
+            <a:schemeClr val="accent1"/>
+          </a:effectRef>
+          <a:fontRef idx="minor">
+            <a:schemeClr val="tx1"/>
+          </a:fontRef>
+        </p:style>
+      </p:cxnSp>
       <p:sp>
         <p:nvSpPr>
-          <p:cNvPr id="30" name="Rounded Rectangle 29"/>
+          <p:cNvPr id="20" name="Rounded Rectangle 19"/>
           <p:cNvSpPr/>
           <p:nvPr/>
         </p:nvSpPr>
         <p:spPr>
           <a:xfrm>
-            <a:off x="974350" y="3132042"/>
+            <a:off x="1243857" y="4777962"/>
             <a:ext cx="2733575" cy="1577480"/>
           </a:xfrm>
           <a:prstGeom prst="roundRect">
@@ -38728,13 +39778,13 @@
       </p:sp>
       <p:sp>
         <p:nvSpPr>
-          <p:cNvPr id="31" name="TextBox 30"/>
+          <p:cNvPr id="21" name="TextBox 20"/>
           <p:cNvSpPr txBox="1"/>
           <p:nvPr/>
         </p:nvSpPr>
         <p:spPr>
           <a:xfrm>
-            <a:off x="1246865" y="3781588"/>
+            <a:off x="1516372" y="5427508"/>
             <a:ext cx="2188543" cy="276999"/>
           </a:xfrm>
           <a:prstGeom prst="rect">
@@ -38770,13 +39820,13 @@
       </p:sp>
       <p:sp>
         <p:nvSpPr>
-          <p:cNvPr id="32" name="Rounded Rectangle 31"/>
+          <p:cNvPr id="22" name="Rounded Rectangle 21"/>
           <p:cNvSpPr/>
           <p:nvPr/>
         </p:nvSpPr>
         <p:spPr>
           <a:xfrm>
-            <a:off x="974350" y="766516"/>
+            <a:off x="1243857" y="2412436"/>
             <a:ext cx="2733575" cy="1577480"/>
           </a:xfrm>
           <a:prstGeom prst="roundRect">
@@ -38827,13 +39877,13 @@
       </p:sp>
       <p:sp>
         <p:nvSpPr>
-          <p:cNvPr id="33" name="TextBox 32"/>
+          <p:cNvPr id="23" name="TextBox 22"/>
           <p:cNvSpPr txBox="1"/>
           <p:nvPr/>
         </p:nvSpPr>
         <p:spPr>
           <a:xfrm>
-            <a:off x="1370489" y="1416062"/>
+            <a:off x="1639996" y="3061982"/>
             <a:ext cx="1941296" cy="276999"/>
           </a:xfrm>
           <a:prstGeom prst="rect">
@@ -38869,13 +39919,13 @@
       </p:sp>
       <p:sp>
         <p:nvSpPr>
-          <p:cNvPr id="34" name="Rounded Rectangle 33"/>
+          <p:cNvPr id="24" name="Rounded Rectangle 23"/>
           <p:cNvSpPr/>
           <p:nvPr/>
         </p:nvSpPr>
         <p:spPr>
           <a:xfrm>
-            <a:off x="4485369" y="3132380"/>
+            <a:off x="4754876" y="4778300"/>
             <a:ext cx="2733575" cy="1577480"/>
           </a:xfrm>
           <a:prstGeom prst="roundRect">
@@ -38926,13 +39976,13 @@
       </p:sp>
       <p:sp>
         <p:nvSpPr>
-          <p:cNvPr id="35" name="TextBox 34"/>
+          <p:cNvPr id="25" name="TextBox 24"/>
           <p:cNvSpPr txBox="1"/>
           <p:nvPr/>
         </p:nvSpPr>
         <p:spPr>
           <a:xfrm>
-            <a:off x="5446821" y="3781051"/>
+            <a:off x="5716328" y="5426971"/>
             <a:ext cx="802507" cy="276999"/>
           </a:xfrm>
           <a:prstGeom prst="rect">
@@ -38968,13 +40018,13 @@
       </p:sp>
       <p:sp>
         <p:nvSpPr>
-          <p:cNvPr id="45" name="Rounded Rectangle 44"/>
+          <p:cNvPr id="26" name="Rounded Rectangle 25"/>
           <p:cNvSpPr/>
           <p:nvPr/>
         </p:nvSpPr>
         <p:spPr>
           <a:xfrm>
-            <a:off x="974351" y="5501065"/>
+            <a:off x="1243858" y="7146985"/>
             <a:ext cx="2733575" cy="1577480"/>
           </a:xfrm>
           <a:prstGeom prst="roundRect">
@@ -39025,13 +40075,13 @@
       </p:sp>
       <p:sp>
         <p:nvSpPr>
-          <p:cNvPr id="46" name="TextBox 45"/>
+          <p:cNvPr id="27" name="TextBox 26"/>
           <p:cNvSpPr txBox="1"/>
           <p:nvPr/>
         </p:nvSpPr>
         <p:spPr>
           <a:xfrm>
-            <a:off x="1503741" y="6150967"/>
+            <a:off x="1773248" y="7796887"/>
             <a:ext cx="1674796" cy="276999"/>
           </a:xfrm>
           <a:prstGeom prst="rect">
@@ -39067,13 +40117,13 @@
       </p:sp>
       <p:sp>
         <p:nvSpPr>
-          <p:cNvPr id="47" name="Rounded Rectangle 46"/>
+          <p:cNvPr id="28" name="Rounded Rectangle 27"/>
           <p:cNvSpPr/>
           <p:nvPr/>
         </p:nvSpPr>
         <p:spPr>
           <a:xfrm>
-            <a:off x="4485369" y="5501065"/>
+            <a:off x="4754876" y="7146985"/>
             <a:ext cx="2733575" cy="1577480"/>
           </a:xfrm>
           <a:prstGeom prst="roundRect">
@@ -39124,13 +40174,13 @@
       </p:sp>
       <p:sp>
         <p:nvSpPr>
-          <p:cNvPr id="48" name="TextBox 47"/>
+          <p:cNvPr id="29" name="TextBox 28"/>
           <p:cNvSpPr txBox="1"/>
           <p:nvPr/>
         </p:nvSpPr>
         <p:spPr>
           <a:xfrm>
-            <a:off x="5526400" y="6151305"/>
+            <a:off x="5795907" y="7797225"/>
             <a:ext cx="651513" cy="276999"/>
           </a:xfrm>
           <a:prstGeom prst="rect">
@@ -39166,13 +40216,13 @@
       </p:sp>
       <p:sp>
         <p:nvSpPr>
-          <p:cNvPr id="49" name="Rounded Rectangle 48"/>
+          <p:cNvPr id="36" name="Rounded Rectangle 35"/>
           <p:cNvSpPr/>
           <p:nvPr/>
         </p:nvSpPr>
         <p:spPr>
           <a:xfrm>
-            <a:off x="4485371" y="7892179"/>
+            <a:off x="4754878" y="9538099"/>
             <a:ext cx="2733575" cy="1577480"/>
           </a:xfrm>
           <a:prstGeom prst="roundRect">
@@ -39223,13 +40273,13 @@
       </p:sp>
       <p:sp>
         <p:nvSpPr>
-          <p:cNvPr id="50" name="TextBox 49"/>
+          <p:cNvPr id="37" name="TextBox 36"/>
           <p:cNvSpPr txBox="1"/>
           <p:nvPr/>
         </p:nvSpPr>
         <p:spPr>
           <a:xfrm>
-            <a:off x="5300154" y="8542419"/>
+            <a:off x="5569661" y="10188339"/>
             <a:ext cx="1104001" cy="276999"/>
           </a:xfrm>
           <a:prstGeom prst="rect">
@@ -39265,16 +40315,16 @@
       </p:sp>
       <p:cxnSp>
         <p:nvCxnSpPr>
-          <p:cNvPr id="51" name="Straight Connector 50"/>
+          <p:cNvPr id="38" name="Straight Connector 37"/>
           <p:cNvCxnSpPr>
-            <a:stCxn id="47" idx="2"/>
-            <a:endCxn id="49" idx="0"/>
+            <a:stCxn id="28" idx="2"/>
+            <a:endCxn id="36" idx="0"/>
           </p:cNvCxnSpPr>
           <p:nvPr/>
         </p:nvCxnSpPr>
         <p:spPr>
           <a:xfrm>
-            <a:off x="5852157" y="7078545"/>
+            <a:off x="6121664" y="8724465"/>
             <a:ext cx="2" cy="813634"/>
           </a:xfrm>
           <a:prstGeom prst="line">
@@ -39303,16 +40353,16 @@
       </p:cxnSp>
       <p:cxnSp>
         <p:nvCxnSpPr>
-          <p:cNvPr id="52" name="Straight Connector 51"/>
+          <p:cNvPr id="39" name="Straight Connector 38"/>
           <p:cNvCxnSpPr>
-            <a:stCxn id="45" idx="3"/>
-            <a:endCxn id="47" idx="1"/>
+            <a:stCxn id="26" idx="3"/>
+            <a:endCxn id="28" idx="1"/>
           </p:cNvCxnSpPr>
           <p:nvPr/>
         </p:nvCxnSpPr>
         <p:spPr>
           <a:xfrm>
-            <a:off x="3707926" y="6289805"/>
+            <a:off x="3977433" y="7935725"/>
             <a:ext cx="777443" cy="0"/>
           </a:xfrm>
           <a:prstGeom prst="line">
@@ -39341,16 +40391,16 @@
       </p:cxnSp>
       <p:cxnSp>
         <p:nvCxnSpPr>
-          <p:cNvPr id="53" name="Straight Arrow Connector 52"/>
+          <p:cNvPr id="40" name="Straight Arrow Connector 39"/>
           <p:cNvCxnSpPr>
-            <a:stCxn id="47" idx="0"/>
-            <a:endCxn id="34" idx="2"/>
+            <a:stCxn id="28" idx="0"/>
+            <a:endCxn id="24" idx="2"/>
           </p:cNvCxnSpPr>
           <p:nvPr/>
         </p:nvCxnSpPr>
         <p:spPr>
           <a:xfrm flipV="1">
-            <a:off x="5852157" y="4709860"/>
+            <a:off x="6121664" y="6355780"/>
             <a:ext cx="0" cy="791205"/>
           </a:xfrm>
           <a:prstGeom prst="straightConnector1">
@@ -39380,16 +40430,16 @@
       </p:cxnSp>
       <p:cxnSp>
         <p:nvCxnSpPr>
-          <p:cNvPr id="54" name="Straight Connector 53"/>
+          <p:cNvPr id="41" name="Straight Connector 40"/>
           <p:cNvCxnSpPr>
-            <a:stCxn id="30" idx="3"/>
-            <a:endCxn id="34" idx="1"/>
+            <a:stCxn id="20" idx="3"/>
+            <a:endCxn id="24" idx="1"/>
           </p:cNvCxnSpPr>
           <p:nvPr/>
         </p:nvCxnSpPr>
         <p:spPr>
           <a:xfrm>
-            <a:off x="3707925" y="3920782"/>
+            <a:off x="3977432" y="5566702"/>
             <a:ext cx="777444" cy="338"/>
           </a:xfrm>
           <a:prstGeom prst="line">
@@ -39418,16 +40468,16 @@
       </p:cxnSp>
       <p:cxnSp>
         <p:nvCxnSpPr>
-          <p:cNvPr id="55" name="Straight Arrow Connector 54"/>
+          <p:cNvPr id="42" name="Straight Arrow Connector 41"/>
           <p:cNvCxnSpPr>
-            <a:stCxn id="30" idx="0"/>
-            <a:endCxn id="32" idx="2"/>
+            <a:stCxn id="20" idx="0"/>
+            <a:endCxn id="22" idx="2"/>
           </p:cNvCxnSpPr>
           <p:nvPr/>
         </p:nvCxnSpPr>
         <p:spPr>
           <a:xfrm flipV="1">
-            <a:off x="2341138" y="2343996"/>
+            <a:off x="2610645" y="3989916"/>
             <a:ext cx="0" cy="788046"/>
           </a:xfrm>
           <a:prstGeom prst="straightConnector1">
@@ -39455,6 +40505,280 @@
           </a:fontRef>
         </p:style>
       </p:cxnSp>
+      <p:sp>
+        <p:nvSpPr>
+          <p:cNvPr id="43" name="Rounded Rectangle 42"/>
+          <p:cNvSpPr/>
+          <p:nvPr/>
+        </p:nvSpPr>
+        <p:spPr>
+          <a:xfrm>
+            <a:off x="4754873" y="252789"/>
+            <a:ext cx="2733575" cy="1577480"/>
+          </a:xfrm>
+          <a:prstGeom prst="roundRect">
+            <a:avLst/>
+          </a:prstGeom>
+          <a:solidFill>
+            <a:schemeClr val="bg1"/>
+          </a:solidFill>
+          <a:ln w="76200">
+            <a:solidFill>
+              <a:schemeClr val="tx2"/>
+            </a:solidFill>
+          </a:ln>
+        </p:spPr>
+        <p:style>
+          <a:lnRef idx="2">
+            <a:schemeClr val="accent1">
+              <a:shade val="50000"/>
+            </a:schemeClr>
+          </a:lnRef>
+          <a:fillRef idx="1">
+            <a:schemeClr val="accent1"/>
+          </a:fillRef>
+          <a:effectRef idx="0">
+            <a:schemeClr val="accent1"/>
+          </a:effectRef>
+          <a:fontRef idx="minor">
+            <a:schemeClr val="lt1"/>
+          </a:fontRef>
+        </p:style>
+        <p:txBody>
+          <a:bodyPr rot="0" spcFirstLastPara="0" vertOverflow="overflow" horzOverflow="overflow" vert="horz" wrap="square" lIns="0" tIns="0" rIns="0" bIns="0" numCol="1" spcCol="0" rtlCol="0" fromWordArt="0" anchor="ctr" anchorCtr="0" forceAA="0" compatLnSpc="1">
+            <a:prstTxWarp prst="textNoShape">
+              <a:avLst/>
+            </a:prstTxWarp>
+            <a:noAutofit/>
+          </a:bodyPr>
+          <a:lstStyle/>
+          <a:p>
+            <a:pPr algn="ctr"/>
+            <a:endParaRPr lang="en-GB" sz="1600" dirty="0" err="1" smtClean="0">
+              <a:solidFill>
+                <a:schemeClr val="tx2"/>
+              </a:solidFill>
+            </a:endParaRPr>
+          </a:p>
+        </p:txBody>
+      </p:sp>
+      <p:sp>
+        <p:nvSpPr>
+          <p:cNvPr id="44" name="TextBox 43"/>
+          <p:cNvSpPr txBox="1"/>
+          <p:nvPr/>
+        </p:nvSpPr>
+        <p:spPr>
+          <a:xfrm>
+            <a:off x="5151012" y="767463"/>
+            <a:ext cx="1941296" cy="553998"/>
+          </a:xfrm>
+          <a:prstGeom prst="rect">
+            <a:avLst/>
+          </a:prstGeom>
+          <a:noFill/>
+          <a:ln>
+            <a:noFill/>
+          </a:ln>
+        </p:spPr>
+        <p:txBody>
+          <a:bodyPr wrap="square" lIns="0" tIns="0" rIns="0" bIns="0" rtlCol="0">
+            <a:spAutoFit/>
+          </a:bodyPr>
+          <a:lstStyle/>
+          <a:p>
+            <a:pPr algn="ctr"/>
+            <a:r>
+              <a:rPr lang="da-DK" dirty="0" smtClean="0">
+                <a:solidFill>
+                  <a:schemeClr val="tx2"/>
+                </a:solidFill>
+              </a:rPr>
+              <a:t>Merchant</a:t>
+            </a:r>
+          </a:p>
+          <a:p>
+            <a:pPr algn="ctr"/>
+            <a:r>
+              <a:rPr lang="da-DK" dirty="0" smtClean="0">
+                <a:solidFill>
+                  <a:schemeClr val="tx2"/>
+                </a:solidFill>
+              </a:rPr>
+              <a:t>(VAT-</a:t>
+            </a:r>
+            <a:r>
+              <a:rPr lang="da-DK" dirty="0" err="1" smtClean="0">
+                <a:solidFill>
+                  <a:schemeClr val="tx2"/>
+                </a:solidFill>
+              </a:rPr>
+              <a:t>number</a:t>
+            </a:r>
+            <a:r>
+              <a:rPr lang="da-DK" dirty="0" smtClean="0">
+                <a:solidFill>
+                  <a:schemeClr val="tx2"/>
+                </a:solidFill>
+              </a:rPr>
+              <a:t>)</a:t>
+            </a:r>
+            <a:endParaRPr lang="en-GB" dirty="0" err="1" smtClean="0">
+              <a:solidFill>
+                <a:schemeClr val="tx2"/>
+              </a:solidFill>
+            </a:endParaRPr>
+          </a:p>
+        </p:txBody>
+      </p:sp>
+      <p:cxnSp>
+        <p:nvCxnSpPr>
+          <p:cNvPr id="63" name="Straight Arrow Connector 62"/>
+          <p:cNvCxnSpPr/>
+          <p:nvPr/>
+        </p:nvCxnSpPr>
+        <p:spPr>
+          <a:xfrm>
+            <a:off x="1243858" y="706634"/>
+            <a:ext cx="2733574" cy="0"/>
+          </a:xfrm>
+          <a:prstGeom prst="straightConnector1">
+            <a:avLst/>
+          </a:prstGeom>
+          <a:ln w="38100" cap="sq">
+            <a:tailEnd type="triangle"/>
+          </a:ln>
+        </p:spPr>
+        <p:style>
+          <a:lnRef idx="1">
+            <a:schemeClr val="accent1"/>
+          </a:lnRef>
+          <a:fillRef idx="0">
+            <a:schemeClr val="accent1"/>
+          </a:fillRef>
+          <a:effectRef idx="0">
+            <a:schemeClr val="accent1"/>
+          </a:effectRef>
+          <a:fontRef idx="minor">
+            <a:schemeClr val="tx1"/>
+          </a:fontRef>
+        </p:style>
+      </p:cxnSp>
+      <p:cxnSp>
+        <p:nvCxnSpPr>
+          <p:cNvPr id="66" name="Straight Connector 65"/>
+          <p:cNvCxnSpPr/>
+          <p:nvPr/>
+        </p:nvCxnSpPr>
+        <p:spPr>
+          <a:xfrm flipV="1">
+            <a:off x="1243858" y="420924"/>
+            <a:ext cx="2733574" cy="3"/>
+          </a:xfrm>
+          <a:prstGeom prst="line">
+            <a:avLst/>
+          </a:prstGeom>
+          <a:ln w="38100" cap="sq">
+            <a:prstDash val="solid"/>
+          </a:ln>
+        </p:spPr>
+        <p:style>
+          <a:lnRef idx="1">
+            <a:schemeClr val="accent1"/>
+          </a:lnRef>
+          <a:fillRef idx="0">
+            <a:schemeClr val="accent1"/>
+          </a:fillRef>
+          <a:effectRef idx="0">
+            <a:schemeClr val="accent1"/>
+          </a:effectRef>
+          <a:fontRef idx="minor">
+            <a:schemeClr val="tx1"/>
+          </a:fontRef>
+        </p:style>
+      </p:cxnSp>
+      <p:sp>
+        <p:nvSpPr>
+          <p:cNvPr id="68" name="TextBox 67"/>
+          <p:cNvSpPr txBox="1"/>
+          <p:nvPr/>
+        </p:nvSpPr>
+        <p:spPr>
+          <a:xfrm>
+            <a:off x="1985564" y="281769"/>
+            <a:ext cx="1263155" cy="276999"/>
+          </a:xfrm>
+          <a:prstGeom prst="rect">
+            <a:avLst/>
+          </a:prstGeom>
+          <a:solidFill>
+            <a:schemeClr val="bg1"/>
+          </a:solidFill>
+        </p:spPr>
+        <p:txBody>
+          <a:bodyPr wrap="square" lIns="0" tIns="0" rIns="0" bIns="0" rtlCol="0">
+            <a:spAutoFit/>
+          </a:bodyPr>
+          <a:lstStyle/>
+          <a:p>
+            <a:pPr algn="ctr"/>
+            <a:r>
+              <a:rPr lang="da-DK" dirty="0" smtClean="0">
+                <a:solidFill>
+                  <a:schemeClr val="tx2"/>
+                </a:solidFill>
+              </a:rPr>
+              <a:t>Relation</a:t>
+            </a:r>
+            <a:endParaRPr lang="en-GB" dirty="0" err="1" smtClean="0">
+              <a:solidFill>
+                <a:schemeClr val="tx2"/>
+              </a:solidFill>
+            </a:endParaRPr>
+          </a:p>
+        </p:txBody>
+      </p:sp>
+      <p:sp>
+        <p:nvSpPr>
+          <p:cNvPr id="70" name="TextBox 69"/>
+          <p:cNvSpPr txBox="1"/>
+          <p:nvPr/>
+        </p:nvSpPr>
+        <p:spPr>
+          <a:xfrm>
+            <a:off x="1993894" y="568134"/>
+            <a:ext cx="1263155" cy="276999"/>
+          </a:xfrm>
+          <a:prstGeom prst="rect">
+            <a:avLst/>
+          </a:prstGeom>
+          <a:solidFill>
+            <a:schemeClr val="bg1"/>
+          </a:solidFill>
+        </p:spPr>
+        <p:txBody>
+          <a:bodyPr wrap="square" lIns="0" tIns="0" rIns="0" bIns="0" rtlCol="0">
+            <a:spAutoFit/>
+          </a:bodyPr>
+          <a:lstStyle/>
+          <a:p>
+            <a:pPr algn="ctr"/>
+            <a:r>
+              <a:rPr lang="da-DK" dirty="0" err="1" smtClean="0">
+                <a:solidFill>
+                  <a:schemeClr val="tx2"/>
+                </a:solidFill>
+              </a:rPr>
+              <a:t>Hierarchy</a:t>
+            </a:r>
+            <a:endParaRPr lang="en-GB" dirty="0" err="1" smtClean="0">
+              <a:solidFill>
+                <a:schemeClr val="tx2"/>
+              </a:solidFill>
+            </a:endParaRPr>
+          </a:p>
+        </p:txBody>
+      </p:sp>
     </p:spTree>
     <p:extLst>
       <p:ext uri="{BB962C8B-B14F-4D97-AF65-F5344CB8AC3E}">
@@ -39468,7 +40792,7 @@
 </p:sld>
 </file>
 
-<file path=ppt/slides/slide22.xml><?xml version="1.0" encoding="utf-8"?>
+<file path=ppt/slides/slide23.xml><?xml version="1.0" encoding="utf-8"?>
 <p:sld xmlns:a="http://schemas.openxmlformats.org/drawingml/2006/main" xmlns:r="http://schemas.openxmlformats.org/officeDocument/2006/relationships" xmlns:p="http://schemas.openxmlformats.org/presentationml/2006/main">
   <p:cSld>
     <p:spTree>
@@ -40924,15 +42248,7 @@
                   <a:schemeClr val="tx2"/>
                 </a:solidFill>
               </a:rPr>
-              <a:t>Location</a:t>
-            </a:r>
-            <a:r>
-              <a:rPr lang="da-DK" dirty="0" err="1" smtClean="0">
-                <a:solidFill>
-                  <a:schemeClr val="tx2"/>
-                </a:solidFill>
-              </a:rPr>
-              <a:t>Id</a:t>
+              <a:t>LocationId</a:t>
             </a:r>
             <a:endParaRPr lang="en-GB" dirty="0" err="1" smtClean="0">
               <a:solidFill>
@@ -40974,15 +42290,7 @@
                   <a:schemeClr val="tx2"/>
                 </a:solidFill>
               </a:rPr>
-              <a:t>Pos</a:t>
-            </a:r>
-            <a:r>
-              <a:rPr lang="da-DK" dirty="0" err="1" smtClean="0">
-                <a:solidFill>
-                  <a:schemeClr val="tx2"/>
-                </a:solidFill>
-              </a:rPr>
-              <a:t>Id</a:t>
+              <a:t>PosId</a:t>
             </a:r>
             <a:endParaRPr lang="en-GB" dirty="0" err="1" smtClean="0">
               <a:solidFill>
@@ -41024,15 +42332,7 @@
                   <a:schemeClr val="tx2"/>
                 </a:solidFill>
               </a:rPr>
-              <a:t>PosUnit</a:t>
-            </a:r>
-            <a:r>
-              <a:rPr lang="da-DK" dirty="0" err="1" smtClean="0">
-                <a:solidFill>
-                  <a:schemeClr val="tx2"/>
-                </a:solidFill>
-              </a:rPr>
-              <a:t>Id</a:t>
+              <a:t>PosUnitId</a:t>
             </a:r>
             <a:endParaRPr lang="en-GB" dirty="0" err="1" smtClean="0">
               <a:solidFill>
@@ -52647,6 +53947,19 @@
 </file>
 
 <file path=ppt/tags/tag71.xml><?xml version="1.0" encoding="utf-8"?>
+<p:tagLst xmlns:a="http://schemas.openxmlformats.org/drawingml/2006/main" xmlns:r="http://schemas.openxmlformats.org/officeDocument/2006/relationships" xmlns:p="http://schemas.openxmlformats.org/presentationml/2006/main">
+  <p:tag name="MIO_GUID" val="a7f3e6c8-c6b6-4086-9480-dc906492de93"/>
+  <p:tag name="MIO_EKGUID" val="10433a5b-fa5c-4118-afff-a95b422417fe"/>
+  <p:tag name="MIO_UPDATE" val="True"/>
+  <p:tag name="MIO_VERSION" val="07.11.2017 12:41:49"/>
+  <p:tag name="MIO_DBID" val="5D9FD29E-BEEC-40D7-BFBE-407D9085DE5F"/>
+  <p:tag name="MIO_LASTDOWNLOADED" val="30.10.2018 21:54:48"/>
+  <p:tag name="MIO_OBJECTNAME" val="icon_computer_colour"/>
+  <p:tag name="MIO_LASTEDITORNAME" val="Cecilie Rahbek Knudsen"/>
+</p:tagLst>
+</file>
+
+<file path=ppt/tags/tag72.xml><?xml version="1.0" encoding="utf-8"?>
 <p:tagLst xmlns:a="http://schemas.openxmlformats.org/drawingml/2006/main" xmlns:r="http://schemas.openxmlformats.org/officeDocument/2006/relationships" xmlns:p="http://schemas.openxmlformats.org/presentationml/2006/main">
   <p:tag name="MIO_GUID" val="a7f3e6c8-c6b6-4086-9480-dc906492de93"/>
   <p:tag name="MIO_EKGUID" val="10433a5b-fa5c-4118-afff-a95b422417fe"/>

--- a/docs/assets/TitaniumFlows.pptx
+++ b/docs/assets/TitaniumFlows.pptx
@@ -30,6 +30,10 @@
     <p:sldId id="277" r:id="rId24"/>
     <p:sldId id="278" r:id="rId25"/>
     <p:sldId id="279" r:id="rId26"/>
+    <p:sldId id="281" r:id="rId27"/>
+    <p:sldId id="282" r:id="rId28"/>
+    <p:sldId id="283" r:id="rId29"/>
+    <p:sldId id="284" r:id="rId30"/>
   </p:sldIdLst>
   <p:sldSz cx="12192000" cy="11520488"/>
   <p:notesSz cx="6858000" cy="9144000"/>
@@ -208,7 +212,7 @@
           <a:graphicData uri="http://schemas.openxmlformats.org/presentationml/2006/ole">
             <mc:AlternateContent xmlns:mc="http://schemas.openxmlformats.org/markup-compatibility/2006">
               <mc:Choice xmlns:v="urn:schemas-microsoft-com:vml" Requires="v">
-                <p:oleObj spid="_x0000_s2123" name="think-cell Slide" r:id="rId5" imgW="270" imgH="270" progId="TCLayout.ActiveDocument.1">
+                <p:oleObj spid="_x0000_s2125" name="think-cell Slide" r:id="rId5" imgW="270" imgH="270" progId="TCLayout.ActiveDocument.1">
                   <p:embed/>
                 </p:oleObj>
               </mc:Choice>
@@ -390,7 +394,7 @@
           <a:p>
             <a:fld id="{B56E8790-EF43-4195-82DA-4A26D543E504}" type="datetimeFigureOut">
               <a:rPr lang="en-GB" smtClean="0"/>
-              <a:t>18/11/2019</a:t>
+              <a:t>19/11/2019</a:t>
             </a:fld>
             <a:endParaRPr lang="en-GB" dirty="0"/>
           </a:p>
@@ -488,7 +492,7 @@
           <a:graphicData uri="http://schemas.openxmlformats.org/presentationml/2006/ole">
             <mc:AlternateContent xmlns:mc="http://schemas.openxmlformats.org/markup-compatibility/2006">
               <mc:Choice xmlns:v="urn:schemas-microsoft-com:vml" Requires="v">
-                <p:oleObj spid="_x0000_s9364" name="think-cell Slide" r:id="rId5" imgW="270" imgH="270" progId="TCLayout.ActiveDocument.1">
+                <p:oleObj spid="_x0000_s9368" name="think-cell Slide" r:id="rId5" imgW="270" imgH="270" progId="TCLayout.ActiveDocument.1">
                   <p:embed/>
                 </p:oleObj>
               </mc:Choice>
@@ -602,7 +606,7 @@
           <a:p>
             <a:fld id="{B56E8790-EF43-4195-82DA-4A26D543E504}" type="datetimeFigureOut">
               <a:rPr lang="en-GB" smtClean="0"/>
-              <a:t>18/11/2019</a:t>
+              <a:t>19/11/2019</a:t>
             </a:fld>
             <a:endParaRPr lang="en-GB" dirty="0"/>
           </a:p>
@@ -1196,7 +1200,7 @@
           <a:graphicData uri="http://schemas.openxmlformats.org/presentationml/2006/ole">
             <mc:AlternateContent xmlns:mc="http://schemas.openxmlformats.org/markup-compatibility/2006">
               <mc:Choice xmlns:v="urn:schemas-microsoft-com:vml" Requires="v">
-                <p:oleObj spid="_x0000_s9365" name="think-cell Slide" r:id="rId7" imgW="270" imgH="270" progId="TCLayout.ActiveDocument.1">
+                <p:oleObj spid="_x0000_s9369" name="think-cell Slide" r:id="rId7" imgW="270" imgH="270" progId="TCLayout.ActiveDocument.1">
                   <p:embed/>
                 </p:oleObj>
               </mc:Choice>
@@ -1501,7 +1505,7 @@
           <a:graphicData uri="http://schemas.openxmlformats.org/presentationml/2006/ole">
             <mc:AlternateContent xmlns:mc="http://schemas.openxmlformats.org/markup-compatibility/2006">
               <mc:Choice xmlns:v="urn:schemas-microsoft-com:vml" Requires="v">
-                <p:oleObj spid="_x0000_s10388" name="think-cell Slide" r:id="rId5" imgW="270" imgH="270" progId="TCLayout.ActiveDocument.1">
+                <p:oleObj spid="_x0000_s10392" name="think-cell Slide" r:id="rId5" imgW="270" imgH="270" progId="TCLayout.ActiveDocument.1">
                   <p:embed/>
                 </p:oleObj>
               </mc:Choice>
@@ -1566,7 +1570,7 @@
           <a:p>
             <a:fld id="{B56E8790-EF43-4195-82DA-4A26D543E504}" type="datetimeFigureOut">
               <a:rPr lang="en-GB" smtClean="0"/>
-              <a:t>18/11/2019</a:t>
+              <a:t>19/11/2019</a:t>
             </a:fld>
             <a:endParaRPr lang="en-GB" dirty="0"/>
           </a:p>
@@ -1952,7 +1956,7 @@
           <a:graphicData uri="http://schemas.openxmlformats.org/presentationml/2006/ole">
             <mc:AlternateContent xmlns:mc="http://schemas.openxmlformats.org/markup-compatibility/2006">
               <mc:Choice xmlns:v="urn:schemas-microsoft-com:vml" Requires="v">
-                <p:oleObj spid="_x0000_s10389" name="think-cell Slide" r:id="rId8" imgW="270" imgH="270" progId="TCLayout.ActiveDocument.1">
+                <p:oleObj spid="_x0000_s10393" name="think-cell Slide" r:id="rId8" imgW="270" imgH="270" progId="TCLayout.ActiveDocument.1">
                   <p:embed/>
                 </p:oleObj>
               </mc:Choice>
@@ -2219,7 +2223,7 @@
           <a:graphicData uri="http://schemas.openxmlformats.org/presentationml/2006/ole">
             <mc:AlternateContent xmlns:mc="http://schemas.openxmlformats.org/markup-compatibility/2006">
               <mc:Choice xmlns:v="urn:schemas-microsoft-com:vml" Requires="v">
-                <p:oleObj spid="_x0000_s11339" name="think-cell Slide" r:id="rId4" imgW="270" imgH="270" progId="TCLayout.ActiveDocument.1">
+                <p:oleObj spid="_x0000_s11341" name="think-cell Slide" r:id="rId4" imgW="270" imgH="270" progId="TCLayout.ActiveDocument.1">
                   <p:embed/>
                 </p:oleObj>
               </mc:Choice>
@@ -2276,7 +2280,7 @@
           <a:p>
             <a:fld id="{B56E8790-EF43-4195-82DA-4A26D543E504}" type="datetimeFigureOut">
               <a:rPr lang="en-GB" smtClean="0"/>
-              <a:t>18/11/2019</a:t>
+              <a:t>19/11/2019</a:t>
             </a:fld>
             <a:endParaRPr lang="en-GB" dirty="0"/>
           </a:p>
@@ -2666,7 +2670,7 @@
           <a:graphicData uri="http://schemas.openxmlformats.org/presentationml/2006/ole">
             <mc:AlternateContent xmlns:mc="http://schemas.openxmlformats.org/markup-compatibility/2006">
               <mc:Choice xmlns:v="urn:schemas-microsoft-com:vml" Requires="v">
-                <p:oleObj spid="_x0000_s12363" name="think-cell Slide" r:id="rId4" imgW="270" imgH="270" progId="TCLayout.ActiveDocument.1">
+                <p:oleObj spid="_x0000_s12365" name="think-cell Slide" r:id="rId4" imgW="270" imgH="270" progId="TCLayout.ActiveDocument.1">
                   <p:embed/>
                 </p:oleObj>
               </mc:Choice>
@@ -2723,7 +2727,7 @@
           <a:p>
             <a:fld id="{B56E8790-EF43-4195-82DA-4A26D543E504}" type="datetimeFigureOut">
               <a:rPr lang="en-GB" smtClean="0"/>
-              <a:t>18/11/2019</a:t>
+              <a:t>19/11/2019</a:t>
             </a:fld>
             <a:endParaRPr lang="en-GB" dirty="0"/>
           </a:p>
@@ -3275,7 +3279,7 @@
           <a:graphicData uri="http://schemas.openxmlformats.org/presentationml/2006/ole">
             <mc:AlternateContent xmlns:mc="http://schemas.openxmlformats.org/markup-compatibility/2006">
               <mc:Choice xmlns:v="urn:schemas-microsoft-com:vml" Requires="v">
-                <p:oleObj spid="_x0000_s13387" name="think-cell Slide" r:id="rId4" imgW="270" imgH="270" progId="TCLayout.ActiveDocument.1">
+                <p:oleObj spid="_x0000_s13389" name="think-cell Slide" r:id="rId4" imgW="270" imgH="270" progId="TCLayout.ActiveDocument.1">
                   <p:embed/>
                 </p:oleObj>
               </mc:Choice>
@@ -3332,7 +3336,7 @@
           <a:p>
             <a:fld id="{B56E8790-EF43-4195-82DA-4A26D543E504}" type="datetimeFigureOut">
               <a:rPr lang="en-GB" smtClean="0"/>
-              <a:t>18/11/2019</a:t>
+              <a:t>19/11/2019</a:t>
             </a:fld>
             <a:endParaRPr lang="en-GB" dirty="0"/>
           </a:p>
@@ -3884,7 +3888,7 @@
           <a:graphicData uri="http://schemas.openxmlformats.org/presentationml/2006/ole">
             <mc:AlternateContent xmlns:mc="http://schemas.openxmlformats.org/markup-compatibility/2006">
               <mc:Choice xmlns:v="urn:schemas-microsoft-com:vml" Requires="v">
-                <p:oleObj spid="_x0000_s14411" name="think-cell Slide" r:id="rId4" imgW="270" imgH="270" progId="TCLayout.ActiveDocument.1">
+                <p:oleObj spid="_x0000_s14413" name="think-cell Slide" r:id="rId4" imgW="270" imgH="270" progId="TCLayout.ActiveDocument.1">
                   <p:embed/>
                 </p:oleObj>
               </mc:Choice>
@@ -3941,7 +3945,7 @@
           <a:p>
             <a:fld id="{B56E8790-EF43-4195-82DA-4A26D543E504}" type="datetimeFigureOut">
               <a:rPr lang="en-GB" smtClean="0"/>
-              <a:t>18/11/2019</a:t>
+              <a:t>19/11/2019</a:t>
             </a:fld>
             <a:endParaRPr lang="en-GB" dirty="0"/>
           </a:p>
@@ -4493,7 +4497,7 @@
           <a:graphicData uri="http://schemas.openxmlformats.org/presentationml/2006/ole">
             <mc:AlternateContent xmlns:mc="http://schemas.openxmlformats.org/markup-compatibility/2006">
               <mc:Choice xmlns:v="urn:schemas-microsoft-com:vml" Requires="v">
-                <p:oleObj spid="_x0000_s15435" name="think-cell Slide" r:id="rId4" imgW="270" imgH="270" progId="TCLayout.ActiveDocument.1">
+                <p:oleObj spid="_x0000_s15437" name="think-cell Slide" r:id="rId4" imgW="270" imgH="270" progId="TCLayout.ActiveDocument.1">
                   <p:embed/>
                 </p:oleObj>
               </mc:Choice>
@@ -4550,7 +4554,7 @@
           <a:p>
             <a:fld id="{B56E8790-EF43-4195-82DA-4A26D543E504}" type="datetimeFigureOut">
               <a:rPr lang="en-GB" smtClean="0"/>
-              <a:t>18/11/2019</a:t>
+              <a:t>19/11/2019</a:t>
             </a:fld>
             <a:endParaRPr lang="en-GB" dirty="0"/>
           </a:p>
@@ -5102,7 +5106,7 @@
           <a:graphicData uri="http://schemas.openxmlformats.org/presentationml/2006/ole">
             <mc:AlternateContent xmlns:mc="http://schemas.openxmlformats.org/markup-compatibility/2006">
               <mc:Choice xmlns:v="urn:schemas-microsoft-com:vml" Requires="v">
-                <p:oleObj spid="_x0000_s16459" name="think-cell Slide" r:id="rId4" imgW="270" imgH="270" progId="TCLayout.ActiveDocument.1">
+                <p:oleObj spid="_x0000_s16461" name="think-cell Slide" r:id="rId4" imgW="270" imgH="270" progId="TCLayout.ActiveDocument.1">
                   <p:embed/>
                 </p:oleObj>
               </mc:Choice>
@@ -5159,7 +5163,7 @@
           <a:p>
             <a:fld id="{B56E8790-EF43-4195-82DA-4A26D543E504}" type="datetimeFigureOut">
               <a:rPr lang="en-GB" smtClean="0"/>
-              <a:t>18/11/2019</a:t>
+              <a:t>19/11/2019</a:t>
             </a:fld>
             <a:endParaRPr lang="en-GB" dirty="0"/>
           </a:p>
@@ -5711,7 +5715,7 @@
           <a:graphicData uri="http://schemas.openxmlformats.org/presentationml/2006/ole">
             <mc:AlternateContent xmlns:mc="http://schemas.openxmlformats.org/markup-compatibility/2006">
               <mc:Choice xmlns:v="urn:schemas-microsoft-com:vml" Requires="v">
-                <p:oleObj spid="_x0000_s17483" name="think-cell Slide" r:id="rId4" imgW="270" imgH="270" progId="TCLayout.ActiveDocument.1">
+                <p:oleObj spid="_x0000_s17485" name="think-cell Slide" r:id="rId4" imgW="270" imgH="270" progId="TCLayout.ActiveDocument.1">
                   <p:embed/>
                 </p:oleObj>
               </mc:Choice>
@@ -5768,7 +5772,7 @@
           <a:p>
             <a:fld id="{B56E8790-EF43-4195-82DA-4A26D543E504}" type="datetimeFigureOut">
               <a:rPr lang="en-GB" smtClean="0"/>
-              <a:t>18/11/2019</a:t>
+              <a:t>19/11/2019</a:t>
             </a:fld>
             <a:endParaRPr lang="en-GB" dirty="0"/>
           </a:p>
@@ -6413,7 +6417,7 @@
           <a:p>
             <a:fld id="{B56E8790-EF43-4195-82DA-4A26D543E504}" type="datetimeFigureOut">
               <a:rPr lang="en-GB" smtClean="0"/>
-              <a:t>18/11/2019</a:t>
+              <a:t>19/11/2019</a:t>
             </a:fld>
             <a:endParaRPr lang="en-GB" dirty="0"/>
           </a:p>
@@ -6524,7 +6528,7 @@
           <a:graphicData uri="http://schemas.openxmlformats.org/presentationml/2006/ole">
             <mc:AlternateContent xmlns:mc="http://schemas.openxmlformats.org/markup-compatibility/2006">
               <mc:Choice xmlns:v="urn:schemas-microsoft-com:vml" Requires="v">
-                <p:oleObj spid="_x0000_s3147" name="think-cell Slide" r:id="rId4" imgW="270" imgH="270" progId="TCLayout.ActiveDocument.1">
+                <p:oleObj spid="_x0000_s3149" name="think-cell Slide" r:id="rId4" imgW="270" imgH="270" progId="TCLayout.ActiveDocument.1">
                   <p:embed/>
                 </p:oleObj>
               </mc:Choice>
@@ -6673,7 +6677,7 @@
           <a:p>
             <a:fld id="{B56E8790-EF43-4195-82DA-4A26D543E504}" type="datetimeFigureOut">
               <a:rPr lang="en-GB" smtClean="0"/>
-              <a:t>18/11/2019</a:t>
+              <a:t>19/11/2019</a:t>
             </a:fld>
             <a:endParaRPr lang="en-GB" dirty="0"/>
           </a:p>
@@ -6838,7 +6842,7 @@
           <a:graphicData uri="http://schemas.openxmlformats.org/presentationml/2006/ole">
             <mc:AlternateContent xmlns:mc="http://schemas.openxmlformats.org/markup-compatibility/2006">
               <mc:Choice xmlns:v="urn:schemas-microsoft-com:vml" Requires="v">
-                <p:oleObj spid="_x0000_s19531" name="think-cell Slide" r:id="rId5" imgW="270" imgH="270" progId="TCLayout.ActiveDocument.1">
+                <p:oleObj spid="_x0000_s19533" name="think-cell Slide" r:id="rId5" imgW="270" imgH="270" progId="TCLayout.ActiveDocument.1">
                   <p:embed/>
                 </p:oleObj>
               </mc:Choice>
@@ -7021,7 +7025,7 @@
             <a:fld id="{FD5A4159-1C9D-4C23-8DBB-0FD5BF49F859}" type="datetime1">
               <a:rPr lang="en-GB" smtClean="0"/>
               <a:pPr/>
-              <a:t>18/11/2019</a:t>
+              <a:t>19/11/2019</a:t>
             </a:fld>
             <a:endParaRPr lang="en-GB" dirty="0"/>
           </a:p>
@@ -7115,7 +7119,7 @@
           <a:graphicData uri="http://schemas.openxmlformats.org/presentationml/2006/ole">
             <mc:AlternateContent xmlns:mc="http://schemas.openxmlformats.org/markup-compatibility/2006">
               <mc:Choice xmlns:v="urn:schemas-microsoft-com:vml" Requires="v">
-                <p:oleObj spid="_x0000_s20555" name="think-cell Slide" r:id="rId4" imgW="270" imgH="270" progId="TCLayout.ActiveDocument.1">
+                <p:oleObj spid="_x0000_s20557" name="think-cell Slide" r:id="rId4" imgW="270" imgH="270" progId="TCLayout.ActiveDocument.1">
                   <p:embed/>
                 </p:oleObj>
               </mc:Choice>
@@ -7265,7 +7269,7 @@
             <a:fld id="{461D2423-DC7C-4239-9F6A-F74AADFD9F8E}" type="datetime1">
               <a:rPr lang="en-GB" smtClean="0"/>
               <a:pPr/>
-              <a:t>18/11/2019</a:t>
+              <a:t>19/11/2019</a:t>
             </a:fld>
             <a:endParaRPr lang="en-GB" dirty="0"/>
           </a:p>
@@ -7439,7 +7443,7 @@
             <a:fld id="{84F482FB-B023-4CBB-8046-4D830E895C90}" type="datetime1">
               <a:rPr lang="en-GB" smtClean="0"/>
               <a:pPr/>
-              <a:t>18/11/2019</a:t>
+              <a:t>19/11/2019</a:t>
             </a:fld>
             <a:endParaRPr lang="en-GB" dirty="0"/>
           </a:p>
@@ -7713,7 +7717,7 @@
           <a:graphicData uri="http://schemas.openxmlformats.org/presentationml/2006/ole">
             <mc:AlternateContent xmlns:mc="http://schemas.openxmlformats.org/markup-compatibility/2006">
               <mc:Choice xmlns:v="urn:schemas-microsoft-com:vml" Requires="v">
-                <p:oleObj spid="_x0000_s21579" name="think-cell Slide" r:id="rId4" imgW="270" imgH="270" progId="TCLayout.ActiveDocument.1">
+                <p:oleObj spid="_x0000_s21581" name="think-cell Slide" r:id="rId4" imgW="270" imgH="270" progId="TCLayout.ActiveDocument.1">
                   <p:embed/>
                 </p:oleObj>
               </mc:Choice>
@@ -7872,7 +7876,7 @@
             <a:fld id="{F26DF438-9CC2-4A49-A657-78DE437E5C5C}" type="datetime1">
               <a:rPr lang="en-GB" smtClean="0"/>
               <a:pPr/>
-              <a:t>18/11/2019</a:t>
+              <a:t>19/11/2019</a:t>
             </a:fld>
             <a:endParaRPr lang="en-GB" dirty="0"/>
           </a:p>
@@ -8267,7 +8271,7 @@
           <a:graphicData uri="http://schemas.openxmlformats.org/presentationml/2006/ole">
             <mc:AlternateContent xmlns:mc="http://schemas.openxmlformats.org/markup-compatibility/2006">
               <mc:Choice xmlns:v="urn:schemas-microsoft-com:vml" Requires="v">
-                <p:oleObj spid="_x0000_s22603" name="think-cell Slide" r:id="rId4" imgW="270" imgH="270" progId="TCLayout.ActiveDocument.1">
+                <p:oleObj spid="_x0000_s22605" name="think-cell Slide" r:id="rId4" imgW="270" imgH="270" progId="TCLayout.ActiveDocument.1">
                   <p:embed/>
                 </p:oleObj>
               </mc:Choice>
@@ -8333,7 +8337,7 @@
             <a:fld id="{A960169C-9E24-485A-B7A8-19D9A23B43F5}" type="datetime1">
               <a:rPr lang="en-GB" smtClean="0"/>
               <a:pPr/>
-              <a:t>18/11/2019</a:t>
+              <a:t>19/11/2019</a:t>
             </a:fld>
             <a:endParaRPr lang="en-GB" dirty="0"/>
           </a:p>
@@ -8875,7 +8879,7 @@
           <a:graphicData uri="http://schemas.openxmlformats.org/presentationml/2006/ole">
             <mc:AlternateContent xmlns:mc="http://schemas.openxmlformats.org/markup-compatibility/2006">
               <mc:Choice xmlns:v="urn:schemas-microsoft-com:vml" Requires="v">
-                <p:oleObj spid="_x0000_s23700" name="think-cell Slide" r:id="rId5" imgW="270" imgH="270" progId="TCLayout.ActiveDocument.1">
+                <p:oleObj spid="_x0000_s23704" name="think-cell Slide" r:id="rId5" imgW="270" imgH="270" progId="TCLayout.ActiveDocument.1">
                   <p:embed/>
                 </p:oleObj>
               </mc:Choice>
@@ -9127,7 +9131,7 @@
             <a:fld id="{0DD20B1F-20AE-4F8D-832A-F732FDE213D5}" type="datetime1">
               <a:rPr lang="en-GB" smtClean="0"/>
               <a:pPr/>
-              <a:t>18/11/2019</a:t>
+              <a:t>19/11/2019</a:t>
             </a:fld>
             <a:endParaRPr lang="en-GB" dirty="0"/>
           </a:p>
@@ -9198,7 +9202,7 @@
           <a:graphicData uri="http://schemas.openxmlformats.org/presentationml/2006/ole">
             <mc:AlternateContent xmlns:mc="http://schemas.openxmlformats.org/markup-compatibility/2006">
               <mc:Choice xmlns:v="urn:schemas-microsoft-com:vml" Requires="v">
-                <p:oleObj spid="_x0000_s23701" name="think-cell Slide" r:id="rId7" imgW="270" imgH="270" progId="TCLayout.ActiveDocument.1">
+                <p:oleObj spid="_x0000_s23705" name="think-cell Slide" r:id="rId7" imgW="270" imgH="270" progId="TCLayout.ActiveDocument.1">
                   <p:embed/>
                 </p:oleObj>
               </mc:Choice>
@@ -9496,7 +9500,7 @@
             <a:fld id="{0DD20B1F-20AE-4F8D-832A-F732FDE213D5}" type="datetime1">
               <a:rPr lang="en-GB" smtClean="0"/>
               <a:pPr/>
-              <a:t>18/11/2019</a:t>
+              <a:t>19/11/2019</a:t>
             </a:fld>
             <a:endParaRPr lang="en-GB" dirty="0"/>
           </a:p>
@@ -9985,7 +9989,7 @@
           <a:graphicData uri="http://schemas.openxmlformats.org/presentationml/2006/ole">
             <mc:AlternateContent xmlns:mc="http://schemas.openxmlformats.org/markup-compatibility/2006">
               <mc:Choice xmlns:v="urn:schemas-microsoft-com:vml" Requires="v">
-                <p:oleObj spid="_x0000_s24724" name="think-cell Slide" r:id="rId5" imgW="270" imgH="270" progId="TCLayout.ActiveDocument.1">
+                <p:oleObj spid="_x0000_s24728" name="think-cell Slide" r:id="rId5" imgW="270" imgH="270" progId="TCLayout.ActiveDocument.1">
                   <p:embed/>
                 </p:oleObj>
               </mc:Choice>
@@ -10051,7 +10055,7 @@
             <a:fld id="{D07952D7-4E08-421B-9537-2EE112E32DE3}" type="datetime1">
               <a:rPr lang="en-GB" smtClean="0"/>
               <a:pPr/>
-              <a:t>18/11/2019</a:t>
+              <a:t>19/11/2019</a:t>
             </a:fld>
             <a:endParaRPr lang="en-GB" dirty="0"/>
           </a:p>
@@ -10406,7 +10410,7 @@
           <a:graphicData uri="http://schemas.openxmlformats.org/presentationml/2006/ole">
             <mc:AlternateContent xmlns:mc="http://schemas.openxmlformats.org/markup-compatibility/2006">
               <mc:Choice xmlns:v="urn:schemas-microsoft-com:vml" Requires="v">
-                <p:oleObj spid="_x0000_s24725" name="think-cell Slide" r:id="rId7" imgW="270" imgH="270" progId="TCLayout.ActiveDocument.1">
+                <p:oleObj spid="_x0000_s24729" name="think-cell Slide" r:id="rId7" imgW="270" imgH="270" progId="TCLayout.ActiveDocument.1">
                   <p:embed/>
                 </p:oleObj>
               </mc:Choice>
@@ -10694,7 +10698,7 @@
           <a:graphicData uri="http://schemas.openxmlformats.org/presentationml/2006/ole">
             <mc:AlternateContent xmlns:mc="http://schemas.openxmlformats.org/markup-compatibility/2006">
               <mc:Choice xmlns:v="urn:schemas-microsoft-com:vml" Requires="v">
-                <p:oleObj spid="_x0000_s25748" name="think-cell Slide" r:id="rId5" imgW="270" imgH="270" progId="TCLayout.ActiveDocument.1">
+                <p:oleObj spid="_x0000_s25752" name="think-cell Slide" r:id="rId5" imgW="270" imgH="270" progId="TCLayout.ActiveDocument.1">
                   <p:embed/>
                 </p:oleObj>
               </mc:Choice>
@@ -10760,7 +10764,7 @@
             <a:fld id="{D07952D7-4E08-421B-9537-2EE112E32DE3}" type="datetime1">
               <a:rPr lang="en-GB" smtClean="0"/>
               <a:pPr/>
-              <a:t>18/11/2019</a:t>
+              <a:t>19/11/2019</a:t>
             </a:fld>
             <a:endParaRPr lang="en-GB" dirty="0"/>
           </a:p>
@@ -11115,7 +11119,7 @@
           <a:graphicData uri="http://schemas.openxmlformats.org/presentationml/2006/ole">
             <mc:AlternateContent xmlns:mc="http://schemas.openxmlformats.org/markup-compatibility/2006">
               <mc:Choice xmlns:v="urn:schemas-microsoft-com:vml" Requires="v">
-                <p:oleObj spid="_x0000_s25749" name="think-cell Slide" r:id="rId7" imgW="270" imgH="270" progId="TCLayout.ActiveDocument.1">
+                <p:oleObj spid="_x0000_s25753" name="think-cell Slide" r:id="rId7" imgW="270" imgH="270" progId="TCLayout.ActiveDocument.1">
                   <p:embed/>
                 </p:oleObj>
               </mc:Choice>
@@ -11408,7 +11412,7 @@
           <a:graphicData uri="http://schemas.openxmlformats.org/presentationml/2006/ole">
             <mc:AlternateContent xmlns:mc="http://schemas.openxmlformats.org/markup-compatibility/2006">
               <mc:Choice xmlns:v="urn:schemas-microsoft-com:vml" Requires="v">
-                <p:oleObj spid="_x0000_s26772" name="think-cell Slide" r:id="rId5" imgW="270" imgH="270" progId="TCLayout.ActiveDocument.1">
+                <p:oleObj spid="_x0000_s26776" name="think-cell Slide" r:id="rId5" imgW="270" imgH="270" progId="TCLayout.ActiveDocument.1">
                   <p:embed/>
                 </p:oleObj>
               </mc:Choice>
@@ -11523,7 +11527,7 @@
             <a:fld id="{D07952D7-4E08-421B-9537-2EE112E32DE3}" type="datetime1">
               <a:rPr lang="en-GB" smtClean="0"/>
               <a:pPr/>
-              <a:t>18/11/2019</a:t>
+              <a:t>19/11/2019</a:t>
             </a:fld>
             <a:endParaRPr lang="en-GB" dirty="0"/>
           </a:p>
@@ -12113,7 +12117,7 @@
           <a:graphicData uri="http://schemas.openxmlformats.org/presentationml/2006/ole">
             <mc:AlternateContent xmlns:mc="http://schemas.openxmlformats.org/markup-compatibility/2006">
               <mc:Choice xmlns:v="urn:schemas-microsoft-com:vml" Requires="v">
-                <p:oleObj spid="_x0000_s26773" name="think-cell Slide" r:id="rId7" imgW="270" imgH="270" progId="TCLayout.ActiveDocument.1">
+                <p:oleObj spid="_x0000_s26777" name="think-cell Slide" r:id="rId7" imgW="270" imgH="270" progId="TCLayout.ActiveDocument.1">
                   <p:embed/>
                 </p:oleObj>
               </mc:Choice>
@@ -12444,7 +12448,7 @@
           <a:p>
             <a:fld id="{B56E8790-EF43-4195-82DA-4A26D543E504}" type="datetimeFigureOut">
               <a:rPr lang="en-GB" smtClean="0"/>
-              <a:t>18/11/2019</a:t>
+              <a:t>19/11/2019</a:t>
             </a:fld>
             <a:endParaRPr lang="en-GB" dirty="0"/>
           </a:p>
@@ -12726,7 +12730,7 @@
           <a:graphicData uri="http://schemas.openxmlformats.org/presentationml/2006/ole">
             <mc:AlternateContent xmlns:mc="http://schemas.openxmlformats.org/markup-compatibility/2006">
               <mc:Choice xmlns:v="urn:schemas-microsoft-com:vml" Requires="v">
-                <p:oleObj spid="_x0000_s27796" name="think-cell Slide" r:id="rId5" imgW="270" imgH="270" progId="TCLayout.ActiveDocument.1">
+                <p:oleObj spid="_x0000_s27800" name="think-cell Slide" r:id="rId5" imgW="270" imgH="270" progId="TCLayout.ActiveDocument.1">
                   <p:embed/>
                 </p:oleObj>
               </mc:Choice>
@@ -12792,7 +12796,7 @@
             <a:fld id="{10E7BC8F-BFD3-4858-915D-99D9576C8415}" type="datetime1">
               <a:rPr lang="en-GB" smtClean="0"/>
               <a:pPr/>
-              <a:t>18/11/2019</a:t>
+              <a:t>19/11/2019</a:t>
             </a:fld>
             <a:endParaRPr lang="en-GB" dirty="0"/>
           </a:p>
@@ -13174,7 +13178,7 @@
           <a:graphicData uri="http://schemas.openxmlformats.org/presentationml/2006/ole">
             <mc:AlternateContent xmlns:mc="http://schemas.openxmlformats.org/markup-compatibility/2006">
               <mc:Choice xmlns:v="urn:schemas-microsoft-com:vml" Requires="v">
-                <p:oleObj spid="_x0000_s27797" name="think-cell Slide" r:id="rId8" imgW="270" imgH="270" progId="TCLayout.ActiveDocument.1">
+                <p:oleObj spid="_x0000_s27801" name="think-cell Slide" r:id="rId8" imgW="270" imgH="270" progId="TCLayout.ActiveDocument.1">
                   <p:embed/>
                 </p:oleObj>
               </mc:Choice>
@@ -13463,7 +13467,7 @@
           <a:graphicData uri="http://schemas.openxmlformats.org/presentationml/2006/ole">
             <mc:AlternateContent xmlns:mc="http://schemas.openxmlformats.org/markup-compatibility/2006">
               <mc:Choice xmlns:v="urn:schemas-microsoft-com:vml" Requires="v">
-                <p:oleObj spid="_x0000_s29771" name="think-cell Slide" r:id="rId5" imgW="270" imgH="270" progId="TCLayout.ActiveDocument.1">
+                <p:oleObj spid="_x0000_s29773" name="think-cell Slide" r:id="rId5" imgW="270" imgH="270" progId="TCLayout.ActiveDocument.1">
                   <p:embed/>
                 </p:oleObj>
               </mc:Choice>
@@ -13650,7 +13654,7 @@
                 </a:solidFill>
               </a:rPr>
               <a:pPr/>
-              <a:t>18/11/2019</a:t>
+              <a:t>19/11/2019</a:t>
             </a:fld>
             <a:endParaRPr lang="en-GB" dirty="0">
               <a:solidFill>
@@ -13752,7 +13756,7 @@
           <a:graphicData uri="http://schemas.openxmlformats.org/presentationml/2006/ole">
             <mc:AlternateContent xmlns:mc="http://schemas.openxmlformats.org/markup-compatibility/2006">
               <mc:Choice xmlns:v="urn:schemas-microsoft-com:vml" Requires="v">
-                <p:oleObj spid="_x0000_s30795" name="think-cell Slide" r:id="rId4" imgW="270" imgH="270" progId="TCLayout.ActiveDocument.1">
+                <p:oleObj spid="_x0000_s30797" name="think-cell Slide" r:id="rId4" imgW="270" imgH="270" progId="TCLayout.ActiveDocument.1">
                   <p:embed/>
                 </p:oleObj>
               </mc:Choice>
@@ -13906,7 +13910,7 @@
                 </a:solidFill>
               </a:rPr>
               <a:pPr/>
-              <a:t>18/11/2019</a:t>
+              <a:t>19/11/2019</a:t>
             </a:fld>
             <a:endParaRPr lang="en-GB" dirty="0">
               <a:solidFill>
@@ -14092,7 +14096,7 @@
                 </a:solidFill>
               </a:rPr>
               <a:pPr/>
-              <a:t>18/11/2019</a:t>
+              <a:t>19/11/2019</a:t>
             </a:fld>
             <a:endParaRPr lang="en-GB" dirty="0">
               <a:solidFill>
@@ -14374,7 +14378,7 @@
           <a:graphicData uri="http://schemas.openxmlformats.org/presentationml/2006/ole">
             <mc:AlternateContent xmlns:mc="http://schemas.openxmlformats.org/markup-compatibility/2006">
               <mc:Choice xmlns:v="urn:schemas-microsoft-com:vml" Requires="v">
-                <p:oleObj spid="_x0000_s31819" name="think-cell Slide" r:id="rId4" imgW="270" imgH="270" progId="TCLayout.ActiveDocument.1">
+                <p:oleObj spid="_x0000_s31821" name="think-cell Slide" r:id="rId4" imgW="270" imgH="270" progId="TCLayout.ActiveDocument.1">
                   <p:embed/>
                 </p:oleObj>
               </mc:Choice>
@@ -14537,7 +14541,7 @@
                 </a:solidFill>
               </a:rPr>
               <a:pPr/>
-              <a:t>18/11/2019</a:t>
+              <a:t>19/11/2019</a:t>
             </a:fld>
             <a:endParaRPr lang="en-GB" dirty="0">
               <a:solidFill>
@@ -14940,7 +14944,7 @@
           <a:graphicData uri="http://schemas.openxmlformats.org/presentationml/2006/ole">
             <mc:AlternateContent xmlns:mc="http://schemas.openxmlformats.org/markup-compatibility/2006">
               <mc:Choice xmlns:v="urn:schemas-microsoft-com:vml" Requires="v">
-                <p:oleObj spid="_x0000_s32843" name="think-cell Slide" r:id="rId4" imgW="270" imgH="270" progId="TCLayout.ActiveDocument.1">
+                <p:oleObj spid="_x0000_s32845" name="think-cell Slide" r:id="rId4" imgW="270" imgH="270" progId="TCLayout.ActiveDocument.1">
                   <p:embed/>
                 </p:oleObj>
               </mc:Choice>
@@ -15010,7 +15014,7 @@
                 </a:solidFill>
               </a:rPr>
               <a:pPr/>
-              <a:t>18/11/2019</a:t>
+              <a:t>19/11/2019</a:t>
             </a:fld>
             <a:endParaRPr lang="en-GB" dirty="0">
               <a:solidFill>
@@ -15560,7 +15564,7 @@
           <a:graphicData uri="http://schemas.openxmlformats.org/presentationml/2006/ole">
             <mc:AlternateContent xmlns:mc="http://schemas.openxmlformats.org/markup-compatibility/2006">
               <mc:Choice xmlns:v="urn:schemas-microsoft-com:vml" Requires="v">
-                <p:oleObj spid="_x0000_s33940" name="think-cell Slide" r:id="rId5" imgW="270" imgH="270" progId="TCLayout.ActiveDocument.1">
+                <p:oleObj spid="_x0000_s33944" name="think-cell Slide" r:id="rId5" imgW="270" imgH="270" progId="TCLayout.ActiveDocument.1">
                   <p:embed/>
                 </p:oleObj>
               </mc:Choice>
@@ -15816,7 +15820,7 @@
                 </a:solidFill>
               </a:rPr>
               <a:pPr/>
-              <a:t>18/11/2019</a:t>
+              <a:t>19/11/2019</a:t>
             </a:fld>
             <a:endParaRPr lang="en-GB" dirty="0">
               <a:solidFill>
@@ -15891,7 +15895,7 @@
           <a:graphicData uri="http://schemas.openxmlformats.org/presentationml/2006/ole">
             <mc:AlternateContent xmlns:mc="http://schemas.openxmlformats.org/markup-compatibility/2006">
               <mc:Choice xmlns:v="urn:schemas-microsoft-com:vml" Requires="v">
-                <p:oleObj spid="_x0000_s33941" name="think-cell Slide" r:id="rId7" imgW="270" imgH="270" progId="TCLayout.ActiveDocument.1">
+                <p:oleObj spid="_x0000_s33945" name="think-cell Slide" r:id="rId7" imgW="270" imgH="270" progId="TCLayout.ActiveDocument.1">
                   <p:embed/>
                 </p:oleObj>
               </mc:Choice>
@@ -16197,7 +16201,7 @@
                 </a:solidFill>
               </a:rPr>
               <a:pPr/>
-              <a:t>18/11/2019</a:t>
+              <a:t>19/11/2019</a:t>
             </a:fld>
             <a:endParaRPr lang="en-GB" dirty="0">
               <a:solidFill>
@@ -16694,7 +16698,7 @@
           <a:graphicData uri="http://schemas.openxmlformats.org/presentationml/2006/ole">
             <mc:AlternateContent xmlns:mc="http://schemas.openxmlformats.org/markup-compatibility/2006">
               <mc:Choice xmlns:v="urn:schemas-microsoft-com:vml" Requires="v">
-                <p:oleObj spid="_x0000_s34964" name="think-cell Slide" r:id="rId5" imgW="270" imgH="270" progId="TCLayout.ActiveDocument.1">
+                <p:oleObj spid="_x0000_s34968" name="think-cell Slide" r:id="rId5" imgW="270" imgH="270" progId="TCLayout.ActiveDocument.1">
                   <p:embed/>
                 </p:oleObj>
               </mc:Choice>
@@ -16764,7 +16768,7 @@
                 </a:solidFill>
               </a:rPr>
               <a:pPr/>
-              <a:t>18/11/2019</a:t>
+              <a:t>19/11/2019</a:t>
             </a:fld>
             <a:endParaRPr lang="en-GB" dirty="0">
               <a:solidFill>
@@ -17123,7 +17127,7 @@
           <a:graphicData uri="http://schemas.openxmlformats.org/presentationml/2006/ole">
             <mc:AlternateContent xmlns:mc="http://schemas.openxmlformats.org/markup-compatibility/2006">
               <mc:Choice xmlns:v="urn:schemas-microsoft-com:vml" Requires="v">
-                <p:oleObj spid="_x0000_s34965" name="think-cell Slide" r:id="rId7" imgW="270" imgH="270" progId="TCLayout.ActiveDocument.1">
+                <p:oleObj spid="_x0000_s34969" name="think-cell Slide" r:id="rId7" imgW="270" imgH="270" progId="TCLayout.ActiveDocument.1">
                   <p:embed/>
                 </p:oleObj>
               </mc:Choice>
@@ -17415,7 +17419,7 @@
           <a:graphicData uri="http://schemas.openxmlformats.org/presentationml/2006/ole">
             <mc:AlternateContent xmlns:mc="http://schemas.openxmlformats.org/markup-compatibility/2006">
               <mc:Choice xmlns:v="urn:schemas-microsoft-com:vml" Requires="v">
-                <p:oleObj spid="_x0000_s35988" name="think-cell Slide" r:id="rId5" imgW="270" imgH="270" progId="TCLayout.ActiveDocument.1">
+                <p:oleObj spid="_x0000_s35992" name="think-cell Slide" r:id="rId5" imgW="270" imgH="270" progId="TCLayout.ActiveDocument.1">
                   <p:embed/>
                 </p:oleObj>
               </mc:Choice>
@@ -17485,7 +17489,7 @@
                 </a:solidFill>
               </a:rPr>
               <a:pPr/>
-              <a:t>18/11/2019</a:t>
+              <a:t>19/11/2019</a:t>
             </a:fld>
             <a:endParaRPr lang="en-GB" dirty="0">
               <a:solidFill>
@@ -17844,7 +17848,7 @@
           <a:graphicData uri="http://schemas.openxmlformats.org/presentationml/2006/ole">
             <mc:AlternateContent xmlns:mc="http://schemas.openxmlformats.org/markup-compatibility/2006">
               <mc:Choice xmlns:v="urn:schemas-microsoft-com:vml" Requires="v">
-                <p:oleObj spid="_x0000_s35989" name="think-cell Slide" r:id="rId7" imgW="270" imgH="270" progId="TCLayout.ActiveDocument.1">
+                <p:oleObj spid="_x0000_s35993" name="think-cell Slide" r:id="rId7" imgW="270" imgH="270" progId="TCLayout.ActiveDocument.1">
                   <p:embed/>
                 </p:oleObj>
               </mc:Choice>
@@ -18145,7 +18149,7 @@
           <a:graphicData uri="http://schemas.openxmlformats.org/presentationml/2006/ole">
             <mc:AlternateContent xmlns:mc="http://schemas.openxmlformats.org/markup-compatibility/2006">
               <mc:Choice xmlns:v="urn:schemas-microsoft-com:vml" Requires="v">
-                <p:oleObj spid="_x0000_s4171" name="think-cell Slide" r:id="rId4" imgW="270" imgH="270" progId="TCLayout.ActiveDocument.1">
+                <p:oleObj spid="_x0000_s4173" name="think-cell Slide" r:id="rId4" imgW="270" imgH="270" progId="TCLayout.ActiveDocument.1">
                   <p:embed/>
                 </p:oleObj>
               </mc:Choice>
@@ -18303,7 +18307,7 @@
           <a:p>
             <a:fld id="{B56E8790-EF43-4195-82DA-4A26D543E504}" type="datetimeFigureOut">
               <a:rPr lang="en-GB" smtClean="0"/>
-              <a:t>18/11/2019</a:t>
+              <a:t>19/11/2019</a:t>
             </a:fld>
             <a:endParaRPr lang="en-GB" dirty="0"/>
           </a:p>
@@ -18698,7 +18702,7 @@
           <a:graphicData uri="http://schemas.openxmlformats.org/presentationml/2006/ole">
             <mc:AlternateContent xmlns:mc="http://schemas.openxmlformats.org/markup-compatibility/2006">
               <mc:Choice xmlns:v="urn:schemas-microsoft-com:vml" Requires="v">
-                <p:oleObj spid="_x0000_s37012" name="think-cell Slide" r:id="rId5" imgW="270" imgH="270" progId="TCLayout.ActiveDocument.1">
+                <p:oleObj spid="_x0000_s37016" name="think-cell Slide" r:id="rId5" imgW="270" imgH="270" progId="TCLayout.ActiveDocument.1">
                   <p:embed/>
                 </p:oleObj>
               </mc:Choice>
@@ -18817,7 +18821,7 @@
                 </a:solidFill>
               </a:rPr>
               <a:pPr/>
-              <a:t>18/11/2019</a:t>
+              <a:t>19/11/2019</a:t>
             </a:fld>
             <a:endParaRPr lang="en-GB" dirty="0">
               <a:solidFill>
@@ -19411,7 +19415,7 @@
           <a:graphicData uri="http://schemas.openxmlformats.org/presentationml/2006/ole">
             <mc:AlternateContent xmlns:mc="http://schemas.openxmlformats.org/markup-compatibility/2006">
               <mc:Choice xmlns:v="urn:schemas-microsoft-com:vml" Requires="v">
-                <p:oleObj spid="_x0000_s37013" name="think-cell Slide" r:id="rId7" imgW="270" imgH="270" progId="TCLayout.ActiveDocument.1">
+                <p:oleObj spid="_x0000_s37017" name="think-cell Slide" r:id="rId7" imgW="270" imgH="270" progId="TCLayout.ActiveDocument.1">
                   <p:embed/>
                 </p:oleObj>
               </mc:Choice>
@@ -19716,7 +19720,7 @@
           <a:graphicData uri="http://schemas.openxmlformats.org/presentationml/2006/ole">
             <mc:AlternateContent xmlns:mc="http://schemas.openxmlformats.org/markup-compatibility/2006">
               <mc:Choice xmlns:v="urn:schemas-microsoft-com:vml" Requires="v">
-                <p:oleObj spid="_x0000_s38036" name="think-cell Slide" r:id="rId5" imgW="270" imgH="270" progId="TCLayout.ActiveDocument.1">
+                <p:oleObj spid="_x0000_s38040" name="think-cell Slide" r:id="rId5" imgW="270" imgH="270" progId="TCLayout.ActiveDocument.1">
                   <p:embed/>
                 </p:oleObj>
               </mc:Choice>
@@ -19786,7 +19790,7 @@
                 </a:solidFill>
               </a:rPr>
               <a:pPr/>
-              <a:t>18/11/2019</a:t>
+              <a:t>19/11/2019</a:t>
             </a:fld>
             <a:endParaRPr lang="en-GB" dirty="0">
               <a:solidFill>
@@ -20172,7 +20176,7 @@
           <a:graphicData uri="http://schemas.openxmlformats.org/presentationml/2006/ole">
             <mc:AlternateContent xmlns:mc="http://schemas.openxmlformats.org/markup-compatibility/2006">
               <mc:Choice xmlns:v="urn:schemas-microsoft-com:vml" Requires="v">
-                <p:oleObj spid="_x0000_s38037" name="think-cell Slide" r:id="rId8" imgW="270" imgH="270" progId="TCLayout.ActiveDocument.1">
+                <p:oleObj spid="_x0000_s38041" name="think-cell Slide" r:id="rId8" imgW="270" imgH="270" progId="TCLayout.ActiveDocument.1">
                   <p:embed/>
                 </p:oleObj>
               </mc:Choice>
@@ -20443,7 +20447,7 @@
           <a:graphicData uri="http://schemas.openxmlformats.org/presentationml/2006/ole">
             <mc:AlternateContent xmlns:mc="http://schemas.openxmlformats.org/markup-compatibility/2006">
               <mc:Choice xmlns:v="urn:schemas-microsoft-com:vml" Requires="v">
-                <p:oleObj spid="_x0000_s38987" name="think-cell Slide" r:id="rId4" imgW="270" imgH="270" progId="TCLayout.ActiveDocument.1">
+                <p:oleObj spid="_x0000_s38989" name="think-cell Slide" r:id="rId4" imgW="270" imgH="270" progId="TCLayout.ActiveDocument.1">
                   <p:embed/>
                 </p:oleObj>
               </mc:Choice>
@@ -20505,7 +20509,7 @@
                 </a:solidFill>
               </a:rPr>
               <a:pPr/>
-              <a:t>18/11/2019</a:t>
+              <a:t>19/11/2019</a:t>
             </a:fld>
             <a:endParaRPr lang="en-GB" dirty="0">
               <a:solidFill>
@@ -20907,7 +20911,7 @@
           <a:graphicData uri="http://schemas.openxmlformats.org/presentationml/2006/ole">
             <mc:AlternateContent xmlns:mc="http://schemas.openxmlformats.org/markup-compatibility/2006">
               <mc:Choice xmlns:v="urn:schemas-microsoft-com:vml" Requires="v">
-                <p:oleObj spid="_x0000_s5195" name="think-cell Slide" r:id="rId4" imgW="270" imgH="270" progId="TCLayout.ActiveDocument.1">
+                <p:oleObj spid="_x0000_s5197" name="think-cell Slide" r:id="rId4" imgW="270" imgH="270" progId="TCLayout.ActiveDocument.1">
                   <p:embed/>
                 </p:oleObj>
               </mc:Choice>
@@ -20972,7 +20976,7 @@
           <a:p>
             <a:fld id="{B56E8790-EF43-4195-82DA-4A26D543E504}" type="datetimeFigureOut">
               <a:rPr lang="en-GB" smtClean="0"/>
-              <a:t>18/11/2019</a:t>
+              <a:t>19/11/2019</a:t>
             </a:fld>
             <a:endParaRPr lang="en-GB" dirty="0"/>
           </a:p>
@@ -21518,7 +21522,7 @@
           <a:graphicData uri="http://schemas.openxmlformats.org/presentationml/2006/ole">
             <mc:AlternateContent xmlns:mc="http://schemas.openxmlformats.org/markup-compatibility/2006">
               <mc:Choice xmlns:v="urn:schemas-microsoft-com:vml" Requires="v">
-                <p:oleObj spid="_x0000_s6292" name="think-cell Slide" r:id="rId5" imgW="270" imgH="270" progId="TCLayout.ActiveDocument.1">
+                <p:oleObj spid="_x0000_s6296" name="think-cell Slide" r:id="rId5" imgW="270" imgH="270" progId="TCLayout.ActiveDocument.1">
                   <p:embed/>
                 </p:oleObj>
               </mc:Choice>
@@ -21769,7 +21773,7 @@
           <a:p>
             <a:fld id="{B56E8790-EF43-4195-82DA-4A26D543E504}" type="datetimeFigureOut">
               <a:rPr lang="en-GB" smtClean="0"/>
-              <a:t>18/11/2019</a:t>
+              <a:t>19/11/2019</a:t>
             </a:fld>
             <a:endParaRPr lang="en-GB" dirty="0"/>
           </a:p>
@@ -21844,7 +21848,7 @@
           <a:graphicData uri="http://schemas.openxmlformats.org/presentationml/2006/ole">
             <mc:AlternateContent xmlns:mc="http://schemas.openxmlformats.org/markup-compatibility/2006">
               <mc:Choice xmlns:v="urn:schemas-microsoft-com:vml" Requires="v">
-                <p:oleObj spid="_x0000_s6293" name="think-cell Slide" r:id="rId7" imgW="270" imgH="270" progId="TCLayout.ActiveDocument.1">
+                <p:oleObj spid="_x0000_s6297" name="think-cell Slide" r:id="rId7" imgW="270" imgH="270" progId="TCLayout.ActiveDocument.1">
                   <p:embed/>
                 </p:oleObj>
               </mc:Choice>
@@ -22141,7 +22145,7 @@
           <a:p>
             <a:fld id="{B56E8790-EF43-4195-82DA-4A26D543E504}" type="datetimeFigureOut">
               <a:rPr lang="en-GB" smtClean="0"/>
-              <a:t>18/11/2019</a:t>
+              <a:t>19/11/2019</a:t>
             </a:fld>
             <a:endParaRPr lang="en-GB" dirty="0"/>
           </a:p>
@@ -22634,7 +22638,7 @@
           <a:graphicData uri="http://schemas.openxmlformats.org/presentationml/2006/ole">
             <mc:AlternateContent xmlns:mc="http://schemas.openxmlformats.org/markup-compatibility/2006">
               <mc:Choice xmlns:v="urn:schemas-microsoft-com:vml" Requires="v">
-                <p:oleObj spid="_x0000_s7316" name="think-cell Slide" r:id="rId5" imgW="270" imgH="270" progId="TCLayout.ActiveDocument.1">
+                <p:oleObj spid="_x0000_s7320" name="think-cell Slide" r:id="rId5" imgW="270" imgH="270" progId="TCLayout.ActiveDocument.1">
                   <p:embed/>
                 </p:oleObj>
               </mc:Choice>
@@ -22699,7 +22703,7 @@
           <a:p>
             <a:fld id="{B56E8790-EF43-4195-82DA-4A26D543E504}" type="datetimeFigureOut">
               <a:rPr lang="en-GB" smtClean="0"/>
-              <a:t>18/11/2019</a:t>
+              <a:t>19/11/2019</a:t>
             </a:fld>
             <a:endParaRPr lang="en-GB" dirty="0"/>
           </a:p>
@@ -23058,7 +23062,7 @@
           <a:graphicData uri="http://schemas.openxmlformats.org/presentationml/2006/ole">
             <mc:AlternateContent xmlns:mc="http://schemas.openxmlformats.org/markup-compatibility/2006">
               <mc:Choice xmlns:v="urn:schemas-microsoft-com:vml" Requires="v">
-                <p:oleObj spid="_x0000_s7317" name="think-cell Slide" r:id="rId7" imgW="270" imgH="270" progId="TCLayout.ActiveDocument.1">
+                <p:oleObj spid="_x0000_s7321" name="think-cell Slide" r:id="rId7" imgW="270" imgH="270" progId="TCLayout.ActiveDocument.1">
                   <p:embed/>
                 </p:oleObj>
               </mc:Choice>
@@ -23350,7 +23354,7 @@
           <a:graphicData uri="http://schemas.openxmlformats.org/presentationml/2006/ole">
             <mc:AlternateContent xmlns:mc="http://schemas.openxmlformats.org/markup-compatibility/2006">
               <mc:Choice xmlns:v="urn:schemas-microsoft-com:vml" Requires="v">
-                <p:oleObj spid="_x0000_s8340" name="think-cell Slide" r:id="rId5" imgW="270" imgH="270" progId="TCLayout.ActiveDocument.1">
+                <p:oleObj spid="_x0000_s8344" name="think-cell Slide" r:id="rId5" imgW="270" imgH="270" progId="TCLayout.ActiveDocument.1">
                   <p:embed/>
                 </p:oleObj>
               </mc:Choice>
@@ -23415,7 +23419,7 @@
           <a:p>
             <a:fld id="{B56E8790-EF43-4195-82DA-4A26D543E504}" type="datetimeFigureOut">
               <a:rPr lang="en-GB" smtClean="0"/>
-              <a:t>18/11/2019</a:t>
+              <a:t>19/11/2019</a:t>
             </a:fld>
             <a:endParaRPr lang="en-GB" dirty="0"/>
           </a:p>
@@ -23774,7 +23778,7 @@
           <a:graphicData uri="http://schemas.openxmlformats.org/presentationml/2006/ole">
             <mc:AlternateContent xmlns:mc="http://schemas.openxmlformats.org/markup-compatibility/2006">
               <mc:Choice xmlns:v="urn:schemas-microsoft-com:vml" Requires="v">
-                <p:oleObj spid="_x0000_s8341" name="think-cell Slide" r:id="rId7" imgW="270" imgH="270" progId="TCLayout.ActiveDocument.1">
+                <p:oleObj spid="_x0000_s8345" name="think-cell Slide" r:id="rId7" imgW="270" imgH="270" progId="TCLayout.ActiveDocument.1">
                   <p:embed/>
                 </p:oleObj>
               </mc:Choice>
@@ -24079,7 +24083,7 @@
           <a:graphicData uri="http://schemas.openxmlformats.org/presentationml/2006/ole">
             <mc:AlternateContent xmlns:mc="http://schemas.openxmlformats.org/markup-compatibility/2006">
               <mc:Choice xmlns:v="urn:schemas-microsoft-com:vml" Requires="v">
-                <p:oleObj spid="_x0000_s1099" name="think-cell Slide" r:id="rId24" imgW="270" imgH="270" progId="TCLayout.ActiveDocument.1">
+                <p:oleObj spid="_x0000_s1101" name="think-cell Slide" r:id="rId24" imgW="270" imgH="270" progId="TCLayout.ActiveDocument.1">
                   <p:embed/>
                 </p:oleObj>
               </mc:Choice>
@@ -24211,7 +24215,7 @@
           <a:p>
             <a:fld id="{B56E8790-EF43-4195-82DA-4A26D543E504}" type="datetimeFigureOut">
               <a:rPr lang="en-GB" smtClean="0"/>
-              <a:t>18/11/2019</a:t>
+              <a:t>19/11/2019</a:t>
             </a:fld>
             <a:endParaRPr lang="en-GB" dirty="0"/>
           </a:p>
@@ -24773,7 +24777,7 @@
           <a:graphicData uri="http://schemas.openxmlformats.org/presentationml/2006/ole">
             <mc:AlternateContent xmlns:mc="http://schemas.openxmlformats.org/markup-compatibility/2006">
               <mc:Choice xmlns:v="urn:schemas-microsoft-com:vml" Requires="v">
-                <p:oleObj spid="_x0000_s18507" name="think-cell Slide" r:id="rId16" imgW="270" imgH="270" progId="TCLayout.ActiveDocument.1">
+                <p:oleObj spid="_x0000_s18509" name="think-cell Slide" r:id="rId16" imgW="270" imgH="270" progId="TCLayout.ActiveDocument.1">
                   <p:embed/>
                 </p:oleObj>
               </mc:Choice>
@@ -24906,7 +24910,7 @@
             <a:fld id="{10E7BC8F-BFD3-4858-915D-99D9576C8415}" type="datetime1">
               <a:rPr lang="en-GB" smtClean="0"/>
               <a:pPr/>
-              <a:t>18/11/2019</a:t>
+              <a:t>19/11/2019</a:t>
             </a:fld>
             <a:endParaRPr lang="en-GB" dirty="0"/>
           </a:p>
@@ -25461,7 +25465,7 @@
           <a:graphicData uri="http://schemas.openxmlformats.org/presentationml/2006/ole">
             <mc:AlternateContent xmlns:mc="http://schemas.openxmlformats.org/markup-compatibility/2006">
               <mc:Choice xmlns:v="urn:schemas-microsoft-com:vml" Requires="v">
-                <p:oleObj spid="_x0000_s28747" name="think-cell Slide" r:id="rId17" imgW="270" imgH="270" progId="TCLayout.ActiveDocument.1">
+                <p:oleObj spid="_x0000_s28749" name="think-cell Slide" r:id="rId17" imgW="270" imgH="270" progId="TCLayout.ActiveDocument.1">
                   <p:embed/>
                 </p:oleObj>
               </mc:Choice>
@@ -25598,7 +25602,7 @@
                 </a:solidFill>
               </a:rPr>
               <a:pPr/>
-              <a:t>18/11/2019</a:t>
+              <a:t>19/11/2019</a:t>
             </a:fld>
             <a:endParaRPr lang="en-GB" dirty="0">
               <a:solidFill>
@@ -42805,6 +42809,2301 @@
 </p:sld>
 </file>
 
+<file path=ppt/slides/slide24.xml><?xml version="1.0" encoding="utf-8"?>
+<p:sld xmlns:a="http://schemas.openxmlformats.org/drawingml/2006/main" xmlns:r="http://schemas.openxmlformats.org/officeDocument/2006/relationships" xmlns:p="http://schemas.openxmlformats.org/presentationml/2006/main">
+  <p:cSld>
+    <p:spTree>
+      <p:nvGrpSpPr>
+        <p:cNvPr id="1" name=""/>
+        <p:cNvGrpSpPr/>
+        <p:nvPr/>
+      </p:nvGrpSpPr>
+      <p:grpSpPr>
+        <a:xfrm>
+          <a:off x="0" y="0"/>
+          <a:ext cx="0" cy="0"/>
+          <a:chOff x="0" y="0"/>
+          <a:chExt cx="0" cy="0"/>
+        </a:xfrm>
+      </p:grpSpPr>
+      <p:pic>
+        <p:nvPicPr>
+          <p:cNvPr id="5" name="Picture 4"/>
+          <p:cNvPicPr>
+            <a:picLocks noChangeAspect="1"/>
+          </p:cNvPicPr>
+          <p:nvPr/>
+        </p:nvPicPr>
+        <p:blipFill rotWithShape="1">
+          <a:blip r:embed="rId3" cstate="print">
+            <a:extLst>
+              <a:ext uri="{28A0092B-C50C-407E-A947-70E740481C1C}">
+                <a14:useLocalDpi xmlns:a14="http://schemas.microsoft.com/office/drawing/2010/main" val="0"/>
+              </a:ext>
+            </a:extLst>
+          </a:blip>
+          <a:srcRect l="954" t="17150" r="55824" b="17177"/>
+          <a:stretch/>
+        </p:blipFill>
+        <p:spPr>
+          <a:xfrm>
+            <a:off x="3079178" y="681170"/>
+            <a:ext cx="780517" cy="1080000"/>
+          </a:xfrm>
+          <a:prstGeom prst="rect">
+            <a:avLst/>
+          </a:prstGeom>
+        </p:spPr>
+      </p:pic>
+      <p:pic>
+        <p:nvPicPr>
+          <p:cNvPr id="6" name="icon_computer_colour"/>
+          <p:cNvPicPr>
+            <a:picLocks noChangeAspect="1"/>
+          </p:cNvPicPr>
+          <p:nvPr>
+            <p:custDataLst>
+              <p:tags r:id="rId1"/>
+            </p:custDataLst>
+          </p:nvPr>
+        </p:nvPicPr>
+        <p:blipFill rotWithShape="1">
+          <a:blip r:embed="rId4" cstate="print">
+            <a:extLst>
+              <a:ext uri="{28A0092B-C50C-407E-A947-70E740481C1C}">
+                <a14:useLocalDpi xmlns:a14="http://schemas.microsoft.com/office/drawing/2010/main" val="0"/>
+              </a:ext>
+            </a:extLst>
+          </a:blip>
+          <a:srcRect t="12353" b="14097"/>
+          <a:stretch/>
+        </p:blipFill>
+        <p:spPr>
+          <a:xfrm>
+            <a:off x="7389045" y="646706"/>
+            <a:ext cx="1712014" cy="1146721"/>
+          </a:xfrm>
+          <a:prstGeom prst="rect">
+            <a:avLst/>
+          </a:prstGeom>
+        </p:spPr>
+      </p:pic>
+      <p:pic>
+        <p:nvPicPr>
+          <p:cNvPr id="7" name="Picture 2" descr="Billedresultat for mobilepay logo"/>
+          <p:cNvPicPr>
+            <a:picLocks noChangeAspect="1" noChangeArrowheads="1"/>
+          </p:cNvPicPr>
+          <p:nvPr/>
+        </p:nvPicPr>
+        <p:blipFill rotWithShape="1">
+          <a:blip r:embed="rId5" cstate="print">
+            <a:extLst>
+              <a:ext uri="{28A0092B-C50C-407E-A947-70E740481C1C}">
+                <a14:useLocalDpi xmlns:a14="http://schemas.microsoft.com/office/drawing/2010/main" val="0"/>
+              </a:ext>
+            </a:extLst>
+          </a:blip>
+          <a:srcRect l="40451" t="39819" r="24722" b="40276"/>
+          <a:stretch/>
+        </p:blipFill>
+        <p:spPr bwMode="auto">
+          <a:xfrm>
+            <a:off x="7707634" y="1037064"/>
+            <a:ext cx="1094082" cy="259494"/>
+          </a:xfrm>
+          <a:prstGeom prst="rect">
+            <a:avLst/>
+          </a:prstGeom>
+          <a:noFill/>
+          <a:extLst>
+            <a:ext uri="{909E8E84-426E-40DD-AFC4-6F175D3DCCD1}">
+              <a14:hiddenFill xmlns:a14="http://schemas.microsoft.com/office/drawing/2010/main">
+                <a:solidFill>
+                  <a:srgbClr val="FFFFFF"/>
+                </a:solidFill>
+              </a14:hiddenFill>
+            </a:ext>
+          </a:extLst>
+        </p:spPr>
+      </p:pic>
+      <p:cxnSp>
+        <p:nvCxnSpPr>
+          <p:cNvPr id="9" name="Straight Arrow Connector 8"/>
+          <p:cNvCxnSpPr/>
+          <p:nvPr/>
+        </p:nvCxnSpPr>
+        <p:spPr>
+          <a:xfrm>
+            <a:off x="3553868" y="2903934"/>
+            <a:ext cx="4702103" cy="0"/>
+          </a:xfrm>
+          <a:prstGeom prst="straightConnector1">
+            <a:avLst/>
+          </a:prstGeom>
+          <a:ln w="28575">
+            <a:prstDash val="sysDash"/>
+            <a:headEnd type="triangle" w="med" len="med"/>
+            <a:tailEnd type="none" w="med" len="med"/>
+          </a:ln>
+        </p:spPr>
+        <p:style>
+          <a:lnRef idx="3">
+            <a:schemeClr val="accent2"/>
+          </a:lnRef>
+          <a:fillRef idx="0">
+            <a:schemeClr val="accent2"/>
+          </a:fillRef>
+          <a:effectRef idx="2">
+            <a:schemeClr val="accent2"/>
+          </a:effectRef>
+          <a:fontRef idx="minor">
+            <a:schemeClr val="tx1"/>
+          </a:fontRef>
+        </p:style>
+      </p:cxnSp>
+      <p:cxnSp>
+        <p:nvCxnSpPr>
+          <p:cNvPr id="10" name="Straight Arrow Connector 9"/>
+          <p:cNvCxnSpPr/>
+          <p:nvPr/>
+        </p:nvCxnSpPr>
+        <p:spPr>
+          <a:xfrm>
+            <a:off x="3553868" y="2693869"/>
+            <a:ext cx="4702103" cy="0"/>
+          </a:xfrm>
+          <a:prstGeom prst="straightConnector1">
+            <a:avLst/>
+          </a:prstGeom>
+          <a:ln w="28575">
+            <a:headEnd type="none" w="med" len="med"/>
+            <a:tailEnd type="triangle" w="med" len="med"/>
+          </a:ln>
+        </p:spPr>
+        <p:style>
+          <a:lnRef idx="3">
+            <a:schemeClr val="accent2"/>
+          </a:lnRef>
+          <a:fillRef idx="0">
+            <a:schemeClr val="accent2"/>
+          </a:fillRef>
+          <a:effectRef idx="2">
+            <a:schemeClr val="accent2"/>
+          </a:effectRef>
+          <a:fontRef idx="minor">
+            <a:schemeClr val="tx1"/>
+          </a:fontRef>
+        </p:style>
+      </p:cxnSp>
+      <p:sp>
+        <p:nvSpPr>
+          <p:cNvPr id="11" name="TextBox 10"/>
+          <p:cNvSpPr txBox="1"/>
+          <p:nvPr/>
+        </p:nvSpPr>
+        <p:spPr>
+          <a:xfrm>
+            <a:off x="4374082" y="2488310"/>
+            <a:ext cx="3244294" cy="169277"/>
+          </a:xfrm>
+          <a:prstGeom prst="rect">
+            <a:avLst/>
+          </a:prstGeom>
+          <a:noFill/>
+        </p:spPr>
+        <p:txBody>
+          <a:bodyPr wrap="square" lIns="0" tIns="0" rIns="0" bIns="0" rtlCol="0">
+            <a:spAutoFit/>
+          </a:bodyPr>
+          <a:lstStyle/>
+          <a:p>
+            <a:pPr algn="ctr"/>
+            <a:r>
+              <a:rPr lang="da-DK" sz="1100" b="1" dirty="0" smtClean="0">
+                <a:solidFill>
+                  <a:schemeClr val="accent4"/>
+                </a:solidFill>
+              </a:rPr>
+              <a:t>POST </a:t>
+            </a:r>
+            <a:r>
+              <a:rPr lang="da-DK" sz="1100" b="1" dirty="0" smtClean="0">
+                <a:solidFill>
+                  <a:schemeClr val="accent4"/>
+                </a:solidFill>
+              </a:rPr>
+              <a:t>/</a:t>
+            </a:r>
+            <a:r>
+              <a:rPr lang="en-GB" sz="1100" b="1" dirty="0" err="1" smtClean="0">
+                <a:solidFill>
+                  <a:schemeClr val="accent4"/>
+                </a:solidFill>
+              </a:rPr>
+              <a:t>pointofsales</a:t>
+            </a:r>
+            <a:endParaRPr lang="en-GB" sz="1100" b="1" dirty="0">
+              <a:solidFill>
+                <a:schemeClr val="accent4"/>
+              </a:solidFill>
+            </a:endParaRPr>
+          </a:p>
+        </p:txBody>
+      </p:sp>
+      <p:sp>
+        <p:nvSpPr>
+          <p:cNvPr id="12" name="TextBox 11"/>
+          <p:cNvSpPr txBox="1"/>
+          <p:nvPr/>
+        </p:nvSpPr>
+        <p:spPr>
+          <a:xfrm>
+            <a:off x="4378351" y="2940193"/>
+            <a:ext cx="3240025" cy="169277"/>
+          </a:xfrm>
+          <a:prstGeom prst="rect">
+            <a:avLst/>
+          </a:prstGeom>
+          <a:noFill/>
+        </p:spPr>
+        <p:txBody>
+          <a:bodyPr wrap="square" lIns="0" tIns="0" rIns="0" bIns="0" rtlCol="0">
+            <a:spAutoFit/>
+          </a:bodyPr>
+          <a:lstStyle/>
+          <a:p>
+            <a:pPr algn="ctr"/>
+            <a:r>
+              <a:rPr lang="da-DK" sz="1100" b="1" dirty="0" err="1" smtClean="0">
+                <a:solidFill>
+                  <a:schemeClr val="accent4"/>
+                </a:solidFill>
+              </a:rPr>
+              <a:t>PosId</a:t>
+            </a:r>
+            <a:endParaRPr lang="en-GB" sz="1100" b="1" dirty="0">
+              <a:solidFill>
+                <a:schemeClr val="accent4"/>
+              </a:solidFill>
+            </a:endParaRPr>
+          </a:p>
+        </p:txBody>
+      </p:sp>
+      <p:cxnSp>
+        <p:nvCxnSpPr>
+          <p:cNvPr id="17" name="Straight Arrow Connector 16"/>
+          <p:cNvCxnSpPr/>
+          <p:nvPr/>
+        </p:nvCxnSpPr>
+        <p:spPr>
+          <a:xfrm>
+            <a:off x="8255971" y="1782051"/>
+            <a:ext cx="0" cy="1846673"/>
+          </a:xfrm>
+          <a:prstGeom prst="straightConnector1">
+            <a:avLst/>
+          </a:prstGeom>
+          <a:ln w="76200">
+            <a:headEnd type="none" w="med" len="med"/>
+            <a:tailEnd type="none" w="med" len="med"/>
+          </a:ln>
+        </p:spPr>
+        <p:style>
+          <a:lnRef idx="3">
+            <a:schemeClr val="dk1"/>
+          </a:lnRef>
+          <a:fillRef idx="0">
+            <a:schemeClr val="dk1"/>
+          </a:fillRef>
+          <a:effectRef idx="2">
+            <a:schemeClr val="dk1"/>
+          </a:effectRef>
+          <a:fontRef idx="minor">
+            <a:schemeClr val="tx1"/>
+          </a:fontRef>
+        </p:style>
+      </p:cxnSp>
+      <p:cxnSp>
+        <p:nvCxnSpPr>
+          <p:cNvPr id="21" name="Straight Arrow Connector 20"/>
+          <p:cNvCxnSpPr/>
+          <p:nvPr/>
+        </p:nvCxnSpPr>
+        <p:spPr>
+          <a:xfrm>
+            <a:off x="3551904" y="1782051"/>
+            <a:ext cx="0" cy="1846673"/>
+          </a:xfrm>
+          <a:prstGeom prst="straightConnector1">
+            <a:avLst/>
+          </a:prstGeom>
+          <a:ln w="76200">
+            <a:headEnd type="none" w="med" len="med"/>
+            <a:tailEnd type="none" w="med" len="med"/>
+          </a:ln>
+        </p:spPr>
+        <p:style>
+          <a:lnRef idx="3">
+            <a:schemeClr val="dk1"/>
+          </a:lnRef>
+          <a:fillRef idx="0">
+            <a:schemeClr val="dk1"/>
+          </a:fillRef>
+          <a:effectRef idx="2">
+            <a:schemeClr val="dk1"/>
+          </a:effectRef>
+          <a:fontRef idx="minor">
+            <a:schemeClr val="tx1"/>
+          </a:fontRef>
+        </p:style>
+      </p:cxnSp>
+    </p:spTree>
+    <p:extLst>
+      <p:ext uri="{BB962C8B-B14F-4D97-AF65-F5344CB8AC3E}">
+        <p14:creationId xmlns:p14="http://schemas.microsoft.com/office/powerpoint/2010/main" val="1364017985"/>
+      </p:ext>
+    </p:extLst>
+  </p:cSld>
+  <p:clrMapOvr>
+    <a:masterClrMapping/>
+  </p:clrMapOvr>
+</p:sld>
+</file>
+
+<file path=ppt/slides/slide25.xml><?xml version="1.0" encoding="utf-8"?>
+<p:sld xmlns:a="http://schemas.openxmlformats.org/drawingml/2006/main" xmlns:r="http://schemas.openxmlformats.org/officeDocument/2006/relationships" xmlns:p="http://schemas.openxmlformats.org/presentationml/2006/main">
+  <p:cSld>
+    <p:spTree>
+      <p:nvGrpSpPr>
+        <p:cNvPr id="1" name=""/>
+        <p:cNvGrpSpPr/>
+        <p:nvPr/>
+      </p:nvGrpSpPr>
+      <p:grpSpPr>
+        <a:xfrm>
+          <a:off x="0" y="0"/>
+          <a:ext cx="0" cy="0"/>
+          <a:chOff x="0" y="0"/>
+          <a:chExt cx="0" cy="0"/>
+        </a:xfrm>
+      </p:grpSpPr>
+      <p:pic>
+        <p:nvPicPr>
+          <p:cNvPr id="5" name="Picture 4"/>
+          <p:cNvPicPr>
+            <a:picLocks noChangeAspect="1"/>
+          </p:cNvPicPr>
+          <p:nvPr/>
+        </p:nvPicPr>
+        <p:blipFill rotWithShape="1">
+          <a:blip r:embed="rId3" cstate="print">
+            <a:extLst>
+              <a:ext uri="{28A0092B-C50C-407E-A947-70E740481C1C}">
+                <a14:useLocalDpi xmlns:a14="http://schemas.microsoft.com/office/drawing/2010/main" val="0"/>
+              </a:ext>
+            </a:extLst>
+          </a:blip>
+          <a:srcRect l="954" t="17150" r="55824" b="17177"/>
+          <a:stretch/>
+        </p:blipFill>
+        <p:spPr>
+          <a:xfrm>
+            <a:off x="3079178" y="681170"/>
+            <a:ext cx="780517" cy="1080000"/>
+          </a:xfrm>
+          <a:prstGeom prst="rect">
+            <a:avLst/>
+          </a:prstGeom>
+        </p:spPr>
+      </p:pic>
+      <p:pic>
+        <p:nvPicPr>
+          <p:cNvPr id="6" name="icon_computer_colour"/>
+          <p:cNvPicPr>
+            <a:picLocks noChangeAspect="1"/>
+          </p:cNvPicPr>
+          <p:nvPr>
+            <p:custDataLst>
+              <p:tags r:id="rId1"/>
+            </p:custDataLst>
+          </p:nvPr>
+        </p:nvPicPr>
+        <p:blipFill rotWithShape="1">
+          <a:blip r:embed="rId4" cstate="print">
+            <a:extLst>
+              <a:ext uri="{28A0092B-C50C-407E-A947-70E740481C1C}">
+                <a14:useLocalDpi xmlns:a14="http://schemas.microsoft.com/office/drawing/2010/main" val="0"/>
+              </a:ext>
+            </a:extLst>
+          </a:blip>
+          <a:srcRect t="12353" b="14097"/>
+          <a:stretch/>
+        </p:blipFill>
+        <p:spPr>
+          <a:xfrm>
+            <a:off x="7389045" y="646706"/>
+            <a:ext cx="1712014" cy="1146721"/>
+          </a:xfrm>
+          <a:prstGeom prst="rect">
+            <a:avLst/>
+          </a:prstGeom>
+        </p:spPr>
+      </p:pic>
+      <p:pic>
+        <p:nvPicPr>
+          <p:cNvPr id="7" name="Picture 2" descr="Billedresultat for mobilepay logo"/>
+          <p:cNvPicPr>
+            <a:picLocks noChangeAspect="1" noChangeArrowheads="1"/>
+          </p:cNvPicPr>
+          <p:nvPr/>
+        </p:nvPicPr>
+        <p:blipFill rotWithShape="1">
+          <a:blip r:embed="rId5" cstate="print">
+            <a:extLst>
+              <a:ext uri="{28A0092B-C50C-407E-A947-70E740481C1C}">
+                <a14:useLocalDpi xmlns:a14="http://schemas.microsoft.com/office/drawing/2010/main" val="0"/>
+              </a:ext>
+            </a:extLst>
+          </a:blip>
+          <a:srcRect l="40451" t="39819" r="24722" b="40276"/>
+          <a:stretch/>
+        </p:blipFill>
+        <p:spPr bwMode="auto">
+          <a:xfrm>
+            <a:off x="7707634" y="1037064"/>
+            <a:ext cx="1094082" cy="259494"/>
+          </a:xfrm>
+          <a:prstGeom prst="rect">
+            <a:avLst/>
+          </a:prstGeom>
+          <a:noFill/>
+          <a:extLst>
+            <a:ext uri="{909E8E84-426E-40DD-AFC4-6F175D3DCCD1}">
+              <a14:hiddenFill xmlns:a14="http://schemas.microsoft.com/office/drawing/2010/main">
+                <a:solidFill>
+                  <a:srgbClr val="FFFFFF"/>
+                </a:solidFill>
+              </a14:hiddenFill>
+            </a:ext>
+          </a:extLst>
+        </p:spPr>
+      </p:pic>
+      <p:cxnSp>
+        <p:nvCxnSpPr>
+          <p:cNvPr id="9" name="Straight Arrow Connector 8"/>
+          <p:cNvCxnSpPr/>
+          <p:nvPr/>
+        </p:nvCxnSpPr>
+        <p:spPr>
+          <a:xfrm>
+            <a:off x="3553868" y="2903934"/>
+            <a:ext cx="4702103" cy="0"/>
+          </a:xfrm>
+          <a:prstGeom prst="straightConnector1">
+            <a:avLst/>
+          </a:prstGeom>
+          <a:ln w="28575">
+            <a:prstDash val="sysDash"/>
+            <a:headEnd type="triangle" w="med" len="med"/>
+            <a:tailEnd type="none" w="med" len="med"/>
+          </a:ln>
+        </p:spPr>
+        <p:style>
+          <a:lnRef idx="3">
+            <a:schemeClr val="accent2"/>
+          </a:lnRef>
+          <a:fillRef idx="0">
+            <a:schemeClr val="accent2"/>
+          </a:fillRef>
+          <a:effectRef idx="2">
+            <a:schemeClr val="accent2"/>
+          </a:effectRef>
+          <a:fontRef idx="minor">
+            <a:schemeClr val="tx1"/>
+          </a:fontRef>
+        </p:style>
+      </p:cxnSp>
+      <p:cxnSp>
+        <p:nvCxnSpPr>
+          <p:cNvPr id="10" name="Straight Arrow Connector 9"/>
+          <p:cNvCxnSpPr/>
+          <p:nvPr/>
+        </p:nvCxnSpPr>
+        <p:spPr>
+          <a:xfrm>
+            <a:off x="3553868" y="2693869"/>
+            <a:ext cx="4702103" cy="0"/>
+          </a:xfrm>
+          <a:prstGeom prst="straightConnector1">
+            <a:avLst/>
+          </a:prstGeom>
+          <a:ln w="28575">
+            <a:headEnd type="none" w="med" len="med"/>
+            <a:tailEnd type="triangle" w="med" len="med"/>
+          </a:ln>
+        </p:spPr>
+        <p:style>
+          <a:lnRef idx="3">
+            <a:schemeClr val="accent2"/>
+          </a:lnRef>
+          <a:fillRef idx="0">
+            <a:schemeClr val="accent2"/>
+          </a:fillRef>
+          <a:effectRef idx="2">
+            <a:schemeClr val="accent2"/>
+          </a:effectRef>
+          <a:fontRef idx="minor">
+            <a:schemeClr val="tx1"/>
+          </a:fontRef>
+        </p:style>
+      </p:cxnSp>
+      <p:sp>
+        <p:nvSpPr>
+          <p:cNvPr id="11" name="TextBox 10"/>
+          <p:cNvSpPr txBox="1"/>
+          <p:nvPr/>
+        </p:nvSpPr>
+        <p:spPr>
+          <a:xfrm>
+            <a:off x="4374082" y="2488310"/>
+            <a:ext cx="3244294" cy="169277"/>
+          </a:xfrm>
+          <a:prstGeom prst="rect">
+            <a:avLst/>
+          </a:prstGeom>
+          <a:noFill/>
+        </p:spPr>
+        <p:txBody>
+          <a:bodyPr wrap="square" lIns="0" tIns="0" rIns="0" bIns="0" rtlCol="0">
+            <a:spAutoFit/>
+          </a:bodyPr>
+          <a:lstStyle/>
+          <a:p>
+            <a:pPr algn="ctr"/>
+            <a:r>
+              <a:rPr lang="da-DK" sz="1100" b="1" dirty="0" smtClean="0">
+                <a:solidFill>
+                  <a:schemeClr val="accent4"/>
+                </a:solidFill>
+              </a:rPr>
+              <a:t>DELETE /</a:t>
+            </a:r>
+            <a:r>
+              <a:rPr lang="en-GB" sz="1100" b="1" dirty="0" err="1" smtClean="0">
+                <a:solidFill>
+                  <a:schemeClr val="accent4"/>
+                </a:solidFill>
+              </a:rPr>
+              <a:t>pointofsales</a:t>
+            </a:r>
+            <a:r>
+              <a:rPr lang="en-GB" sz="1100" b="1" dirty="0" smtClean="0">
+                <a:solidFill>
+                  <a:schemeClr val="accent4"/>
+                </a:solidFill>
+              </a:rPr>
+              <a:t>/{</a:t>
+            </a:r>
+            <a:r>
+              <a:rPr lang="en-GB" sz="1100" b="1" dirty="0" err="1" smtClean="0">
+                <a:solidFill>
+                  <a:schemeClr val="accent4"/>
+                </a:solidFill>
+              </a:rPr>
+              <a:t>posId</a:t>
+            </a:r>
+            <a:r>
+              <a:rPr lang="en-GB" sz="1100" b="1" dirty="0" smtClean="0">
+                <a:solidFill>
+                  <a:schemeClr val="accent4"/>
+                </a:solidFill>
+              </a:rPr>
+              <a:t>}</a:t>
+            </a:r>
+            <a:endParaRPr lang="en-GB" sz="1100" b="1" dirty="0">
+              <a:solidFill>
+                <a:schemeClr val="accent4"/>
+              </a:solidFill>
+            </a:endParaRPr>
+          </a:p>
+        </p:txBody>
+      </p:sp>
+      <p:sp>
+        <p:nvSpPr>
+          <p:cNvPr id="12" name="TextBox 11"/>
+          <p:cNvSpPr txBox="1"/>
+          <p:nvPr/>
+        </p:nvSpPr>
+        <p:spPr>
+          <a:xfrm>
+            <a:off x="4378351" y="2940193"/>
+            <a:ext cx="3240025" cy="169277"/>
+          </a:xfrm>
+          <a:prstGeom prst="rect">
+            <a:avLst/>
+          </a:prstGeom>
+          <a:noFill/>
+        </p:spPr>
+        <p:txBody>
+          <a:bodyPr wrap="square" lIns="0" tIns="0" rIns="0" bIns="0" rtlCol="0">
+            <a:spAutoFit/>
+          </a:bodyPr>
+          <a:lstStyle/>
+          <a:p>
+            <a:pPr algn="ctr"/>
+            <a:r>
+              <a:rPr lang="da-DK" sz="1100" b="1" dirty="0" smtClean="0">
+                <a:solidFill>
+                  <a:schemeClr val="accent4"/>
+                </a:solidFill>
+              </a:rPr>
+              <a:t>OK</a:t>
+            </a:r>
+            <a:endParaRPr lang="en-GB" sz="1100" b="1" dirty="0">
+              <a:solidFill>
+                <a:schemeClr val="accent4"/>
+              </a:solidFill>
+            </a:endParaRPr>
+          </a:p>
+        </p:txBody>
+      </p:sp>
+      <p:cxnSp>
+        <p:nvCxnSpPr>
+          <p:cNvPr id="17" name="Straight Arrow Connector 16"/>
+          <p:cNvCxnSpPr/>
+          <p:nvPr/>
+        </p:nvCxnSpPr>
+        <p:spPr>
+          <a:xfrm>
+            <a:off x="8255971" y="1782051"/>
+            <a:ext cx="0" cy="1846673"/>
+          </a:xfrm>
+          <a:prstGeom prst="straightConnector1">
+            <a:avLst/>
+          </a:prstGeom>
+          <a:ln w="76200">
+            <a:headEnd type="none" w="med" len="med"/>
+            <a:tailEnd type="none" w="med" len="med"/>
+          </a:ln>
+        </p:spPr>
+        <p:style>
+          <a:lnRef idx="3">
+            <a:schemeClr val="dk1"/>
+          </a:lnRef>
+          <a:fillRef idx="0">
+            <a:schemeClr val="dk1"/>
+          </a:fillRef>
+          <a:effectRef idx="2">
+            <a:schemeClr val="dk1"/>
+          </a:effectRef>
+          <a:fontRef idx="minor">
+            <a:schemeClr val="tx1"/>
+          </a:fontRef>
+        </p:style>
+      </p:cxnSp>
+      <p:cxnSp>
+        <p:nvCxnSpPr>
+          <p:cNvPr id="21" name="Straight Arrow Connector 20"/>
+          <p:cNvCxnSpPr/>
+          <p:nvPr/>
+        </p:nvCxnSpPr>
+        <p:spPr>
+          <a:xfrm>
+            <a:off x="3551904" y="1782051"/>
+            <a:ext cx="0" cy="1846673"/>
+          </a:xfrm>
+          <a:prstGeom prst="straightConnector1">
+            <a:avLst/>
+          </a:prstGeom>
+          <a:ln w="76200">
+            <a:headEnd type="none" w="med" len="med"/>
+            <a:tailEnd type="none" w="med" len="med"/>
+          </a:ln>
+        </p:spPr>
+        <p:style>
+          <a:lnRef idx="3">
+            <a:schemeClr val="dk1"/>
+          </a:lnRef>
+          <a:fillRef idx="0">
+            <a:schemeClr val="dk1"/>
+          </a:fillRef>
+          <a:effectRef idx="2">
+            <a:schemeClr val="dk1"/>
+          </a:effectRef>
+          <a:fontRef idx="minor">
+            <a:schemeClr val="tx1"/>
+          </a:fontRef>
+        </p:style>
+      </p:cxnSp>
+    </p:spTree>
+    <p:extLst>
+      <p:ext uri="{BB962C8B-B14F-4D97-AF65-F5344CB8AC3E}">
+        <p14:creationId xmlns:p14="http://schemas.microsoft.com/office/powerpoint/2010/main" val="3003823637"/>
+      </p:ext>
+    </p:extLst>
+  </p:cSld>
+  <p:clrMapOvr>
+    <a:masterClrMapping/>
+  </p:clrMapOvr>
+</p:sld>
+</file>
+
+<file path=ppt/slides/slide26.xml><?xml version="1.0" encoding="utf-8"?>
+<p:sld xmlns:a="http://schemas.openxmlformats.org/drawingml/2006/main" xmlns:r="http://schemas.openxmlformats.org/officeDocument/2006/relationships" xmlns:p="http://schemas.openxmlformats.org/presentationml/2006/main">
+  <p:cSld>
+    <p:spTree>
+      <p:nvGrpSpPr>
+        <p:cNvPr id="1" name=""/>
+        <p:cNvGrpSpPr/>
+        <p:nvPr/>
+      </p:nvGrpSpPr>
+      <p:grpSpPr>
+        <a:xfrm>
+          <a:off x="0" y="0"/>
+          <a:ext cx="0" cy="0"/>
+          <a:chOff x="0" y="0"/>
+          <a:chExt cx="0" cy="0"/>
+        </a:xfrm>
+      </p:grpSpPr>
+      <p:pic>
+        <p:nvPicPr>
+          <p:cNvPr id="5" name="Picture 4"/>
+          <p:cNvPicPr>
+            <a:picLocks noChangeAspect="1"/>
+          </p:cNvPicPr>
+          <p:nvPr/>
+        </p:nvPicPr>
+        <p:blipFill rotWithShape="1">
+          <a:blip r:embed="rId3" cstate="print">
+            <a:extLst>
+              <a:ext uri="{28A0092B-C50C-407E-A947-70E740481C1C}">
+                <a14:useLocalDpi xmlns:a14="http://schemas.microsoft.com/office/drawing/2010/main" val="0"/>
+              </a:ext>
+            </a:extLst>
+          </a:blip>
+          <a:srcRect l="954" t="17150" r="55824" b="17177"/>
+          <a:stretch/>
+        </p:blipFill>
+        <p:spPr>
+          <a:xfrm>
+            <a:off x="3079178" y="681170"/>
+            <a:ext cx="780517" cy="1080000"/>
+          </a:xfrm>
+          <a:prstGeom prst="rect">
+            <a:avLst/>
+          </a:prstGeom>
+        </p:spPr>
+      </p:pic>
+      <p:pic>
+        <p:nvPicPr>
+          <p:cNvPr id="6" name="icon_computer_colour"/>
+          <p:cNvPicPr>
+            <a:picLocks noChangeAspect="1"/>
+          </p:cNvPicPr>
+          <p:nvPr>
+            <p:custDataLst>
+              <p:tags r:id="rId1"/>
+            </p:custDataLst>
+          </p:nvPr>
+        </p:nvPicPr>
+        <p:blipFill rotWithShape="1">
+          <a:blip r:embed="rId4" cstate="print">
+            <a:extLst>
+              <a:ext uri="{28A0092B-C50C-407E-A947-70E740481C1C}">
+                <a14:useLocalDpi xmlns:a14="http://schemas.microsoft.com/office/drawing/2010/main" val="0"/>
+              </a:ext>
+            </a:extLst>
+          </a:blip>
+          <a:srcRect t="12353" b="14097"/>
+          <a:stretch/>
+        </p:blipFill>
+        <p:spPr>
+          <a:xfrm>
+            <a:off x="7389045" y="646706"/>
+            <a:ext cx="1712014" cy="1146721"/>
+          </a:xfrm>
+          <a:prstGeom prst="rect">
+            <a:avLst/>
+          </a:prstGeom>
+        </p:spPr>
+      </p:pic>
+      <p:pic>
+        <p:nvPicPr>
+          <p:cNvPr id="7" name="Picture 2" descr="Billedresultat for mobilepay logo"/>
+          <p:cNvPicPr>
+            <a:picLocks noChangeAspect="1" noChangeArrowheads="1"/>
+          </p:cNvPicPr>
+          <p:nvPr/>
+        </p:nvPicPr>
+        <p:blipFill rotWithShape="1">
+          <a:blip r:embed="rId5" cstate="print">
+            <a:extLst>
+              <a:ext uri="{28A0092B-C50C-407E-A947-70E740481C1C}">
+                <a14:useLocalDpi xmlns:a14="http://schemas.microsoft.com/office/drawing/2010/main" val="0"/>
+              </a:ext>
+            </a:extLst>
+          </a:blip>
+          <a:srcRect l="40451" t="39819" r="24722" b="40276"/>
+          <a:stretch/>
+        </p:blipFill>
+        <p:spPr bwMode="auto">
+          <a:xfrm>
+            <a:off x="7707634" y="1037064"/>
+            <a:ext cx="1094082" cy="259494"/>
+          </a:xfrm>
+          <a:prstGeom prst="rect">
+            <a:avLst/>
+          </a:prstGeom>
+          <a:noFill/>
+          <a:extLst>
+            <a:ext uri="{909E8E84-426E-40DD-AFC4-6F175D3DCCD1}">
+              <a14:hiddenFill xmlns:a14="http://schemas.microsoft.com/office/drawing/2010/main">
+                <a:solidFill>
+                  <a:srgbClr val="FFFFFF"/>
+                </a:solidFill>
+              </a14:hiddenFill>
+            </a:ext>
+          </a:extLst>
+        </p:spPr>
+      </p:pic>
+      <p:cxnSp>
+        <p:nvCxnSpPr>
+          <p:cNvPr id="9" name="Straight Arrow Connector 8"/>
+          <p:cNvCxnSpPr/>
+          <p:nvPr/>
+        </p:nvCxnSpPr>
+        <p:spPr>
+          <a:xfrm>
+            <a:off x="3552572" y="2403421"/>
+            <a:ext cx="4680000" cy="0"/>
+          </a:xfrm>
+          <a:prstGeom prst="straightConnector1">
+            <a:avLst/>
+          </a:prstGeom>
+          <a:ln w="28575">
+            <a:prstDash val="sysDash"/>
+            <a:headEnd type="triangle" w="med" len="med"/>
+            <a:tailEnd type="none" w="med" len="med"/>
+          </a:ln>
+        </p:spPr>
+        <p:style>
+          <a:lnRef idx="3">
+            <a:schemeClr val="accent2"/>
+          </a:lnRef>
+          <a:fillRef idx="0">
+            <a:schemeClr val="accent2"/>
+          </a:fillRef>
+          <a:effectRef idx="2">
+            <a:schemeClr val="accent2"/>
+          </a:effectRef>
+          <a:fontRef idx="minor">
+            <a:schemeClr val="tx1"/>
+          </a:fontRef>
+        </p:style>
+      </p:cxnSp>
+      <p:cxnSp>
+        <p:nvCxnSpPr>
+          <p:cNvPr id="10" name="Straight Arrow Connector 9"/>
+          <p:cNvCxnSpPr/>
+          <p:nvPr/>
+        </p:nvCxnSpPr>
+        <p:spPr>
+          <a:xfrm flipV="1">
+            <a:off x="3584568" y="2261937"/>
+            <a:ext cx="4644000" cy="8420"/>
+          </a:xfrm>
+          <a:prstGeom prst="straightConnector1">
+            <a:avLst/>
+          </a:prstGeom>
+          <a:ln w="28575">
+            <a:headEnd type="none" w="med" len="med"/>
+            <a:tailEnd type="triangle" w="med" len="med"/>
+          </a:ln>
+        </p:spPr>
+        <p:style>
+          <a:lnRef idx="3">
+            <a:schemeClr val="accent2"/>
+          </a:lnRef>
+          <a:fillRef idx="0">
+            <a:schemeClr val="accent2"/>
+          </a:fillRef>
+          <a:effectRef idx="2">
+            <a:schemeClr val="accent2"/>
+          </a:effectRef>
+          <a:fontRef idx="minor">
+            <a:schemeClr val="tx1"/>
+          </a:fontRef>
+        </p:style>
+      </p:cxnSp>
+      <p:sp>
+        <p:nvSpPr>
+          <p:cNvPr id="11" name="TextBox 10"/>
+          <p:cNvSpPr txBox="1"/>
+          <p:nvPr/>
+        </p:nvSpPr>
+        <p:spPr>
+          <a:xfrm>
+            <a:off x="4418831" y="2009868"/>
+            <a:ext cx="3244294" cy="169277"/>
+          </a:xfrm>
+          <a:prstGeom prst="rect">
+            <a:avLst/>
+          </a:prstGeom>
+          <a:noFill/>
+        </p:spPr>
+        <p:txBody>
+          <a:bodyPr wrap="square" lIns="0" tIns="0" rIns="0" bIns="0" rtlCol="0">
+            <a:spAutoFit/>
+          </a:bodyPr>
+          <a:lstStyle/>
+          <a:p>
+            <a:pPr algn="ctr"/>
+            <a:r>
+              <a:rPr lang="da-DK" sz="1100" b="1" dirty="0" smtClean="0">
+                <a:solidFill>
+                  <a:schemeClr val="accent4"/>
+                </a:solidFill>
+              </a:rPr>
+              <a:t>POST /</a:t>
+            </a:r>
+            <a:r>
+              <a:rPr lang="en-GB" sz="1100" b="1" dirty="0" smtClean="0">
+                <a:solidFill>
+                  <a:schemeClr val="accent4"/>
+                </a:solidFill>
+              </a:rPr>
+              <a:t>payments</a:t>
+            </a:r>
+            <a:endParaRPr lang="en-GB" sz="1100" b="1" dirty="0">
+              <a:solidFill>
+                <a:schemeClr val="accent4"/>
+              </a:solidFill>
+            </a:endParaRPr>
+          </a:p>
+        </p:txBody>
+      </p:sp>
+      <p:sp>
+        <p:nvSpPr>
+          <p:cNvPr id="12" name="TextBox 11"/>
+          <p:cNvSpPr txBox="1"/>
+          <p:nvPr/>
+        </p:nvSpPr>
+        <p:spPr>
+          <a:xfrm>
+            <a:off x="4315606" y="2490947"/>
+            <a:ext cx="3240025" cy="169277"/>
+          </a:xfrm>
+          <a:prstGeom prst="rect">
+            <a:avLst/>
+          </a:prstGeom>
+          <a:noFill/>
+        </p:spPr>
+        <p:txBody>
+          <a:bodyPr wrap="square" lIns="0" tIns="0" rIns="0" bIns="0" rtlCol="0">
+            <a:spAutoFit/>
+          </a:bodyPr>
+          <a:lstStyle/>
+          <a:p>
+            <a:pPr algn="ctr"/>
+            <a:r>
+              <a:rPr lang="da-DK" sz="1100" b="1" dirty="0" smtClean="0">
+                <a:solidFill>
+                  <a:schemeClr val="accent4"/>
+                </a:solidFill>
+              </a:rPr>
+              <a:t>HTTP 409 – Payment </a:t>
+            </a:r>
+            <a:r>
+              <a:rPr lang="da-DK" sz="1100" b="1" dirty="0" err="1" smtClean="0">
+                <a:solidFill>
+                  <a:schemeClr val="accent4"/>
+                </a:solidFill>
+              </a:rPr>
+              <a:t>already</a:t>
+            </a:r>
+            <a:r>
+              <a:rPr lang="da-DK" sz="1100" b="1" dirty="0" smtClean="0">
+                <a:solidFill>
+                  <a:schemeClr val="accent4"/>
+                </a:solidFill>
+              </a:rPr>
+              <a:t> </a:t>
+            </a:r>
+            <a:r>
+              <a:rPr lang="da-DK" sz="1100" b="1" dirty="0" err="1" smtClean="0">
+                <a:solidFill>
+                  <a:schemeClr val="accent4"/>
+                </a:solidFill>
+              </a:rPr>
+              <a:t>active</a:t>
+            </a:r>
+            <a:endParaRPr lang="en-GB" sz="1100" b="1" dirty="0">
+              <a:solidFill>
+                <a:schemeClr val="accent4"/>
+              </a:solidFill>
+            </a:endParaRPr>
+          </a:p>
+        </p:txBody>
+      </p:sp>
+      <p:cxnSp>
+        <p:nvCxnSpPr>
+          <p:cNvPr id="17" name="Straight Arrow Connector 16"/>
+          <p:cNvCxnSpPr/>
+          <p:nvPr/>
+        </p:nvCxnSpPr>
+        <p:spPr>
+          <a:xfrm>
+            <a:off x="8255971" y="1782050"/>
+            <a:ext cx="0" cy="3960000"/>
+          </a:xfrm>
+          <a:prstGeom prst="straightConnector1">
+            <a:avLst/>
+          </a:prstGeom>
+          <a:ln w="76200">
+            <a:headEnd type="none" w="med" len="med"/>
+            <a:tailEnd type="none" w="med" len="med"/>
+          </a:ln>
+        </p:spPr>
+        <p:style>
+          <a:lnRef idx="3">
+            <a:schemeClr val="dk1"/>
+          </a:lnRef>
+          <a:fillRef idx="0">
+            <a:schemeClr val="dk1"/>
+          </a:fillRef>
+          <a:effectRef idx="2">
+            <a:schemeClr val="dk1"/>
+          </a:effectRef>
+          <a:fontRef idx="minor">
+            <a:schemeClr val="tx1"/>
+          </a:fontRef>
+        </p:style>
+      </p:cxnSp>
+      <p:cxnSp>
+        <p:nvCxnSpPr>
+          <p:cNvPr id="21" name="Straight Arrow Connector 20"/>
+          <p:cNvCxnSpPr/>
+          <p:nvPr/>
+        </p:nvCxnSpPr>
+        <p:spPr>
+          <a:xfrm>
+            <a:off x="3551904" y="1782050"/>
+            <a:ext cx="0" cy="3960000"/>
+          </a:xfrm>
+          <a:prstGeom prst="straightConnector1">
+            <a:avLst/>
+          </a:prstGeom>
+          <a:ln w="76200">
+            <a:headEnd type="none" w="med" len="med"/>
+            <a:tailEnd type="none" w="med" len="med"/>
+          </a:ln>
+        </p:spPr>
+        <p:style>
+          <a:lnRef idx="3">
+            <a:schemeClr val="dk1"/>
+          </a:lnRef>
+          <a:fillRef idx="0">
+            <a:schemeClr val="dk1"/>
+          </a:fillRef>
+          <a:effectRef idx="2">
+            <a:schemeClr val="dk1"/>
+          </a:effectRef>
+          <a:fontRef idx="minor">
+            <a:schemeClr val="tx1"/>
+          </a:fontRef>
+        </p:style>
+      </p:cxnSp>
+      <p:cxnSp>
+        <p:nvCxnSpPr>
+          <p:cNvPr id="13" name="Straight Arrow Connector 12"/>
+          <p:cNvCxnSpPr/>
+          <p:nvPr/>
+        </p:nvCxnSpPr>
+        <p:spPr>
+          <a:xfrm>
+            <a:off x="3559040" y="3292034"/>
+            <a:ext cx="4680000" cy="0"/>
+          </a:xfrm>
+          <a:prstGeom prst="straightConnector1">
+            <a:avLst/>
+          </a:prstGeom>
+          <a:ln w="28575">
+            <a:prstDash val="sysDash"/>
+            <a:headEnd type="triangle" w="med" len="med"/>
+            <a:tailEnd type="none" w="med" len="med"/>
+          </a:ln>
+        </p:spPr>
+        <p:style>
+          <a:lnRef idx="3">
+            <a:schemeClr val="accent2"/>
+          </a:lnRef>
+          <a:fillRef idx="0">
+            <a:schemeClr val="accent2"/>
+          </a:fillRef>
+          <a:effectRef idx="2">
+            <a:schemeClr val="accent2"/>
+          </a:effectRef>
+          <a:fontRef idx="minor">
+            <a:schemeClr val="tx1"/>
+          </a:fontRef>
+        </p:style>
+      </p:cxnSp>
+      <p:cxnSp>
+        <p:nvCxnSpPr>
+          <p:cNvPr id="14" name="Straight Arrow Connector 13"/>
+          <p:cNvCxnSpPr/>
+          <p:nvPr/>
+        </p:nvCxnSpPr>
+        <p:spPr>
+          <a:xfrm flipV="1">
+            <a:off x="3591036" y="3155283"/>
+            <a:ext cx="4644000" cy="3687"/>
+          </a:xfrm>
+          <a:prstGeom prst="straightConnector1">
+            <a:avLst/>
+          </a:prstGeom>
+          <a:ln w="28575">
+            <a:headEnd type="none" w="med" len="med"/>
+            <a:tailEnd type="triangle" w="med" len="med"/>
+          </a:ln>
+        </p:spPr>
+        <p:style>
+          <a:lnRef idx="3">
+            <a:schemeClr val="accent2"/>
+          </a:lnRef>
+          <a:fillRef idx="0">
+            <a:schemeClr val="accent2"/>
+          </a:fillRef>
+          <a:effectRef idx="2">
+            <a:schemeClr val="accent2"/>
+          </a:effectRef>
+          <a:fontRef idx="minor">
+            <a:schemeClr val="tx1"/>
+          </a:fontRef>
+        </p:style>
+      </p:cxnSp>
+      <p:sp>
+        <p:nvSpPr>
+          <p:cNvPr id="15" name="TextBox 14"/>
+          <p:cNvSpPr txBox="1"/>
+          <p:nvPr/>
+        </p:nvSpPr>
+        <p:spPr>
+          <a:xfrm>
+            <a:off x="4425299" y="2898481"/>
+            <a:ext cx="3244294" cy="169277"/>
+          </a:xfrm>
+          <a:prstGeom prst="rect">
+            <a:avLst/>
+          </a:prstGeom>
+          <a:noFill/>
+        </p:spPr>
+        <p:txBody>
+          <a:bodyPr wrap="square" lIns="0" tIns="0" rIns="0" bIns="0" rtlCol="0">
+            <a:spAutoFit/>
+          </a:bodyPr>
+          <a:lstStyle/>
+          <a:p>
+            <a:pPr algn="ctr"/>
+            <a:r>
+              <a:rPr lang="da-DK" sz="1100" b="1" dirty="0" smtClean="0">
+                <a:solidFill>
+                  <a:schemeClr val="accent4"/>
+                </a:solidFill>
+              </a:rPr>
+              <a:t>GET</a:t>
+            </a:r>
+            <a:r>
+              <a:rPr lang="da-DK" sz="1100" b="1" dirty="0" smtClean="0">
+                <a:solidFill>
+                  <a:schemeClr val="accent4"/>
+                </a:solidFill>
+              </a:rPr>
+              <a:t> /</a:t>
+            </a:r>
+            <a:r>
+              <a:rPr lang="en-GB" sz="1100" b="1" dirty="0" err="1" smtClean="0">
+                <a:solidFill>
+                  <a:schemeClr val="accent4"/>
+                </a:solidFill>
+              </a:rPr>
+              <a:t>payments?active</a:t>
+            </a:r>
+            <a:r>
+              <a:rPr lang="en-GB" sz="1100" b="1" dirty="0" smtClean="0">
+                <a:solidFill>
+                  <a:schemeClr val="accent4"/>
+                </a:solidFill>
+              </a:rPr>
+              <a:t>=true</a:t>
+            </a:r>
+            <a:endParaRPr lang="en-GB" sz="1100" b="1" dirty="0">
+              <a:solidFill>
+                <a:schemeClr val="accent4"/>
+              </a:solidFill>
+            </a:endParaRPr>
+          </a:p>
+        </p:txBody>
+      </p:sp>
+      <p:sp>
+        <p:nvSpPr>
+          <p:cNvPr id="16" name="TextBox 15"/>
+          <p:cNvSpPr txBox="1"/>
+          <p:nvPr/>
+        </p:nvSpPr>
+        <p:spPr>
+          <a:xfrm>
+            <a:off x="4322074" y="3379560"/>
+            <a:ext cx="3240025" cy="169277"/>
+          </a:xfrm>
+          <a:prstGeom prst="rect">
+            <a:avLst/>
+          </a:prstGeom>
+          <a:noFill/>
+        </p:spPr>
+        <p:txBody>
+          <a:bodyPr wrap="square" lIns="0" tIns="0" rIns="0" bIns="0" rtlCol="0">
+            <a:spAutoFit/>
+          </a:bodyPr>
+          <a:lstStyle/>
+          <a:p>
+            <a:pPr algn="ctr"/>
+            <a:r>
+              <a:rPr lang="en-GB" sz="1100" b="1" dirty="0" smtClean="0">
+                <a:solidFill>
+                  <a:schemeClr val="accent4"/>
+                </a:solidFill>
+              </a:rPr>
+              <a:t>[</a:t>
+            </a:r>
+            <a:r>
+              <a:rPr lang="en-GB" sz="1100" b="1" dirty="0" err="1" smtClean="0">
+                <a:solidFill>
+                  <a:schemeClr val="accent4"/>
+                </a:solidFill>
+              </a:rPr>
+              <a:t>paymentId</a:t>
+            </a:r>
+            <a:r>
+              <a:rPr lang="en-GB" sz="1100" b="1" dirty="0" smtClean="0">
+                <a:solidFill>
+                  <a:schemeClr val="accent4"/>
+                </a:solidFill>
+              </a:rPr>
+              <a:t>]</a:t>
+            </a:r>
+            <a:endParaRPr lang="en-GB" sz="1100" b="1" dirty="0">
+              <a:solidFill>
+                <a:schemeClr val="accent4"/>
+              </a:solidFill>
+            </a:endParaRPr>
+          </a:p>
+        </p:txBody>
+      </p:sp>
+      <p:cxnSp>
+        <p:nvCxnSpPr>
+          <p:cNvPr id="18" name="Straight Arrow Connector 17"/>
+          <p:cNvCxnSpPr/>
+          <p:nvPr/>
+        </p:nvCxnSpPr>
+        <p:spPr>
+          <a:xfrm>
+            <a:off x="3552572" y="4188636"/>
+            <a:ext cx="4680000" cy="0"/>
+          </a:xfrm>
+          <a:prstGeom prst="straightConnector1">
+            <a:avLst/>
+          </a:prstGeom>
+          <a:ln w="28575">
+            <a:prstDash val="sysDash"/>
+            <a:headEnd type="triangle" w="med" len="med"/>
+            <a:tailEnd type="none" w="med" len="med"/>
+          </a:ln>
+        </p:spPr>
+        <p:style>
+          <a:lnRef idx="3">
+            <a:schemeClr val="accent2"/>
+          </a:lnRef>
+          <a:fillRef idx="0">
+            <a:schemeClr val="accent2"/>
+          </a:fillRef>
+          <a:effectRef idx="2">
+            <a:schemeClr val="accent2"/>
+          </a:effectRef>
+          <a:fontRef idx="minor">
+            <a:schemeClr val="tx1"/>
+          </a:fontRef>
+        </p:style>
+      </p:cxnSp>
+      <p:cxnSp>
+        <p:nvCxnSpPr>
+          <p:cNvPr id="19" name="Straight Arrow Connector 18"/>
+          <p:cNvCxnSpPr/>
+          <p:nvPr/>
+        </p:nvCxnSpPr>
+        <p:spPr>
+          <a:xfrm flipV="1">
+            <a:off x="3584568" y="4051885"/>
+            <a:ext cx="4644000" cy="3687"/>
+          </a:xfrm>
+          <a:prstGeom prst="straightConnector1">
+            <a:avLst/>
+          </a:prstGeom>
+          <a:ln w="28575">
+            <a:headEnd type="none" w="med" len="med"/>
+            <a:tailEnd type="triangle" w="med" len="med"/>
+          </a:ln>
+        </p:spPr>
+        <p:style>
+          <a:lnRef idx="3">
+            <a:schemeClr val="accent2"/>
+          </a:lnRef>
+          <a:fillRef idx="0">
+            <a:schemeClr val="accent2"/>
+          </a:fillRef>
+          <a:effectRef idx="2">
+            <a:schemeClr val="accent2"/>
+          </a:effectRef>
+          <a:fontRef idx="minor">
+            <a:schemeClr val="tx1"/>
+          </a:fontRef>
+        </p:style>
+      </p:cxnSp>
+      <p:sp>
+        <p:nvSpPr>
+          <p:cNvPr id="20" name="TextBox 19"/>
+          <p:cNvSpPr txBox="1"/>
+          <p:nvPr/>
+        </p:nvSpPr>
+        <p:spPr>
+          <a:xfrm>
+            <a:off x="4418831" y="3795083"/>
+            <a:ext cx="3244294" cy="169277"/>
+          </a:xfrm>
+          <a:prstGeom prst="rect">
+            <a:avLst/>
+          </a:prstGeom>
+          <a:noFill/>
+        </p:spPr>
+        <p:txBody>
+          <a:bodyPr wrap="square" lIns="0" tIns="0" rIns="0" bIns="0" rtlCol="0">
+            <a:spAutoFit/>
+          </a:bodyPr>
+          <a:lstStyle/>
+          <a:p>
+            <a:pPr algn="ctr"/>
+            <a:r>
+              <a:rPr lang="da-DK" sz="1100" b="1" dirty="0" smtClean="0">
+                <a:solidFill>
+                  <a:schemeClr val="accent4"/>
+                </a:solidFill>
+              </a:rPr>
+              <a:t>POST</a:t>
+            </a:r>
+            <a:r>
+              <a:rPr lang="da-DK" sz="1100" b="1" dirty="0" smtClean="0">
+                <a:solidFill>
+                  <a:schemeClr val="accent4"/>
+                </a:solidFill>
+              </a:rPr>
+              <a:t> /</a:t>
+            </a:r>
+            <a:r>
+              <a:rPr lang="en-GB" sz="1100" b="1" dirty="0" smtClean="0">
+                <a:solidFill>
+                  <a:schemeClr val="accent4"/>
+                </a:solidFill>
+              </a:rPr>
+              <a:t>payments/{</a:t>
+            </a:r>
+            <a:r>
+              <a:rPr lang="en-GB" sz="1100" b="1" dirty="0" err="1" smtClean="0">
+                <a:solidFill>
+                  <a:schemeClr val="accent4"/>
+                </a:solidFill>
+              </a:rPr>
+              <a:t>paymentId</a:t>
+            </a:r>
+            <a:r>
+              <a:rPr lang="en-GB" sz="1100" b="1" dirty="0" smtClean="0">
+                <a:solidFill>
+                  <a:schemeClr val="accent4"/>
+                </a:solidFill>
+              </a:rPr>
+              <a:t>}/cancel</a:t>
+            </a:r>
+            <a:endParaRPr lang="en-GB" sz="1100" b="1" dirty="0">
+              <a:solidFill>
+                <a:schemeClr val="accent4"/>
+              </a:solidFill>
+            </a:endParaRPr>
+          </a:p>
+        </p:txBody>
+      </p:sp>
+      <p:sp>
+        <p:nvSpPr>
+          <p:cNvPr id="22" name="TextBox 21"/>
+          <p:cNvSpPr txBox="1"/>
+          <p:nvPr/>
+        </p:nvSpPr>
+        <p:spPr>
+          <a:xfrm>
+            <a:off x="4315606" y="4276162"/>
+            <a:ext cx="3240025" cy="169277"/>
+          </a:xfrm>
+          <a:prstGeom prst="rect">
+            <a:avLst/>
+          </a:prstGeom>
+          <a:noFill/>
+        </p:spPr>
+        <p:txBody>
+          <a:bodyPr wrap="square" lIns="0" tIns="0" rIns="0" bIns="0" rtlCol="0">
+            <a:spAutoFit/>
+          </a:bodyPr>
+          <a:lstStyle/>
+          <a:p>
+            <a:pPr algn="ctr"/>
+            <a:r>
+              <a:rPr lang="en-GB" sz="1100" b="1" dirty="0" smtClean="0">
+                <a:solidFill>
+                  <a:schemeClr val="accent4"/>
+                </a:solidFill>
+              </a:rPr>
+              <a:t>OK</a:t>
+            </a:r>
+            <a:endParaRPr lang="en-GB" sz="1100" b="1" dirty="0">
+              <a:solidFill>
+                <a:schemeClr val="accent4"/>
+              </a:solidFill>
+            </a:endParaRPr>
+          </a:p>
+        </p:txBody>
+      </p:sp>
+      <p:cxnSp>
+        <p:nvCxnSpPr>
+          <p:cNvPr id="23" name="Straight Arrow Connector 22"/>
+          <p:cNvCxnSpPr/>
+          <p:nvPr/>
+        </p:nvCxnSpPr>
+        <p:spPr>
+          <a:xfrm>
+            <a:off x="3540844" y="5078534"/>
+            <a:ext cx="4680000" cy="0"/>
+          </a:xfrm>
+          <a:prstGeom prst="straightConnector1">
+            <a:avLst/>
+          </a:prstGeom>
+          <a:ln w="28575">
+            <a:prstDash val="sysDash"/>
+            <a:headEnd type="triangle" w="med" len="med"/>
+            <a:tailEnd type="none" w="med" len="med"/>
+          </a:ln>
+        </p:spPr>
+        <p:style>
+          <a:lnRef idx="3">
+            <a:schemeClr val="accent2"/>
+          </a:lnRef>
+          <a:fillRef idx="0">
+            <a:schemeClr val="accent2"/>
+          </a:fillRef>
+          <a:effectRef idx="2">
+            <a:schemeClr val="accent2"/>
+          </a:effectRef>
+          <a:fontRef idx="minor">
+            <a:schemeClr val="tx1"/>
+          </a:fontRef>
+        </p:style>
+      </p:cxnSp>
+      <p:cxnSp>
+        <p:nvCxnSpPr>
+          <p:cNvPr id="24" name="Straight Arrow Connector 23"/>
+          <p:cNvCxnSpPr/>
+          <p:nvPr/>
+        </p:nvCxnSpPr>
+        <p:spPr>
+          <a:xfrm flipV="1">
+            <a:off x="3572840" y="4941783"/>
+            <a:ext cx="4644000" cy="3687"/>
+          </a:xfrm>
+          <a:prstGeom prst="straightConnector1">
+            <a:avLst/>
+          </a:prstGeom>
+          <a:ln w="28575">
+            <a:headEnd type="none" w="med" len="med"/>
+            <a:tailEnd type="triangle" w="med" len="med"/>
+          </a:ln>
+        </p:spPr>
+        <p:style>
+          <a:lnRef idx="3">
+            <a:schemeClr val="accent2"/>
+          </a:lnRef>
+          <a:fillRef idx="0">
+            <a:schemeClr val="accent2"/>
+          </a:fillRef>
+          <a:effectRef idx="2">
+            <a:schemeClr val="accent2"/>
+          </a:effectRef>
+          <a:fontRef idx="minor">
+            <a:schemeClr val="tx1"/>
+          </a:fontRef>
+        </p:style>
+      </p:cxnSp>
+      <p:sp>
+        <p:nvSpPr>
+          <p:cNvPr id="25" name="TextBox 24"/>
+          <p:cNvSpPr txBox="1"/>
+          <p:nvPr/>
+        </p:nvSpPr>
+        <p:spPr>
+          <a:xfrm>
+            <a:off x="4407103" y="4684981"/>
+            <a:ext cx="3244294" cy="169277"/>
+          </a:xfrm>
+          <a:prstGeom prst="rect">
+            <a:avLst/>
+          </a:prstGeom>
+          <a:noFill/>
+        </p:spPr>
+        <p:txBody>
+          <a:bodyPr wrap="square" lIns="0" tIns="0" rIns="0" bIns="0" rtlCol="0">
+            <a:spAutoFit/>
+          </a:bodyPr>
+          <a:lstStyle/>
+          <a:p>
+            <a:pPr algn="ctr"/>
+            <a:r>
+              <a:rPr lang="da-DK" sz="1100" b="1" dirty="0" smtClean="0">
+                <a:solidFill>
+                  <a:schemeClr val="accent4"/>
+                </a:solidFill>
+              </a:rPr>
+              <a:t>POST</a:t>
+            </a:r>
+            <a:r>
+              <a:rPr lang="da-DK" sz="1100" b="1" dirty="0" smtClean="0">
+                <a:solidFill>
+                  <a:schemeClr val="accent4"/>
+                </a:solidFill>
+              </a:rPr>
+              <a:t> /</a:t>
+            </a:r>
+            <a:r>
+              <a:rPr lang="en-GB" sz="1100" b="1" dirty="0" smtClean="0">
+                <a:solidFill>
+                  <a:schemeClr val="accent4"/>
+                </a:solidFill>
+              </a:rPr>
+              <a:t>payments</a:t>
+            </a:r>
+            <a:endParaRPr lang="en-GB" sz="1100" b="1" dirty="0">
+              <a:solidFill>
+                <a:schemeClr val="accent4"/>
+              </a:solidFill>
+            </a:endParaRPr>
+          </a:p>
+        </p:txBody>
+      </p:sp>
+      <p:sp>
+        <p:nvSpPr>
+          <p:cNvPr id="26" name="TextBox 25"/>
+          <p:cNvSpPr txBox="1"/>
+          <p:nvPr/>
+        </p:nvSpPr>
+        <p:spPr>
+          <a:xfrm>
+            <a:off x="4303878" y="5166060"/>
+            <a:ext cx="3240025" cy="169277"/>
+          </a:xfrm>
+          <a:prstGeom prst="rect">
+            <a:avLst/>
+          </a:prstGeom>
+          <a:noFill/>
+        </p:spPr>
+        <p:txBody>
+          <a:bodyPr wrap="square" lIns="0" tIns="0" rIns="0" bIns="0" rtlCol="0">
+            <a:spAutoFit/>
+          </a:bodyPr>
+          <a:lstStyle/>
+          <a:p>
+            <a:pPr algn="ctr"/>
+            <a:r>
+              <a:rPr lang="en-GB" sz="1100" b="1" dirty="0" err="1" smtClean="0">
+                <a:solidFill>
+                  <a:schemeClr val="accent4"/>
+                </a:solidFill>
+              </a:rPr>
+              <a:t>PaymentId</a:t>
+            </a:r>
+            <a:endParaRPr lang="en-GB" sz="1100" b="1" dirty="0">
+              <a:solidFill>
+                <a:schemeClr val="accent4"/>
+              </a:solidFill>
+            </a:endParaRPr>
+          </a:p>
+        </p:txBody>
+      </p:sp>
+    </p:spTree>
+    <p:extLst>
+      <p:ext uri="{BB962C8B-B14F-4D97-AF65-F5344CB8AC3E}">
+        <p14:creationId xmlns:p14="http://schemas.microsoft.com/office/powerpoint/2010/main" val="1804820086"/>
+      </p:ext>
+    </p:extLst>
+  </p:cSld>
+  <p:clrMapOvr>
+    <a:masterClrMapping/>
+  </p:clrMapOvr>
+</p:sld>
+</file>
+
+<file path=ppt/slides/slide27.xml><?xml version="1.0" encoding="utf-8"?>
+<p:sld xmlns:a="http://schemas.openxmlformats.org/drawingml/2006/main" xmlns:r="http://schemas.openxmlformats.org/officeDocument/2006/relationships" xmlns:p="http://schemas.openxmlformats.org/presentationml/2006/main">
+  <p:cSld>
+    <p:spTree>
+      <p:nvGrpSpPr>
+        <p:cNvPr id="1" name=""/>
+        <p:cNvGrpSpPr/>
+        <p:nvPr/>
+      </p:nvGrpSpPr>
+      <p:grpSpPr>
+        <a:xfrm>
+          <a:off x="0" y="0"/>
+          <a:ext cx="0" cy="0"/>
+          <a:chOff x="0" y="0"/>
+          <a:chExt cx="0" cy="0"/>
+        </a:xfrm>
+      </p:grpSpPr>
+      <p:pic>
+        <p:nvPicPr>
+          <p:cNvPr id="5" name="Picture 4"/>
+          <p:cNvPicPr>
+            <a:picLocks noChangeAspect="1"/>
+          </p:cNvPicPr>
+          <p:nvPr/>
+        </p:nvPicPr>
+        <p:blipFill rotWithShape="1">
+          <a:blip r:embed="rId3" cstate="print">
+            <a:extLst>
+              <a:ext uri="{28A0092B-C50C-407E-A947-70E740481C1C}">
+                <a14:useLocalDpi xmlns:a14="http://schemas.microsoft.com/office/drawing/2010/main" val="0"/>
+              </a:ext>
+            </a:extLst>
+          </a:blip>
+          <a:srcRect l="954" t="17150" r="55824" b="17177"/>
+          <a:stretch/>
+        </p:blipFill>
+        <p:spPr>
+          <a:xfrm>
+            <a:off x="3079178" y="681170"/>
+            <a:ext cx="780517" cy="1080000"/>
+          </a:xfrm>
+          <a:prstGeom prst="rect">
+            <a:avLst/>
+          </a:prstGeom>
+        </p:spPr>
+      </p:pic>
+      <p:pic>
+        <p:nvPicPr>
+          <p:cNvPr id="6" name="icon_computer_colour"/>
+          <p:cNvPicPr>
+            <a:picLocks noChangeAspect="1"/>
+          </p:cNvPicPr>
+          <p:nvPr>
+            <p:custDataLst>
+              <p:tags r:id="rId1"/>
+            </p:custDataLst>
+          </p:nvPr>
+        </p:nvPicPr>
+        <p:blipFill rotWithShape="1">
+          <a:blip r:embed="rId4" cstate="print">
+            <a:extLst>
+              <a:ext uri="{28A0092B-C50C-407E-A947-70E740481C1C}">
+                <a14:useLocalDpi xmlns:a14="http://schemas.microsoft.com/office/drawing/2010/main" val="0"/>
+              </a:ext>
+            </a:extLst>
+          </a:blip>
+          <a:srcRect t="12353" b="14097"/>
+          <a:stretch/>
+        </p:blipFill>
+        <p:spPr>
+          <a:xfrm>
+            <a:off x="7389045" y="646706"/>
+            <a:ext cx="1712014" cy="1146721"/>
+          </a:xfrm>
+          <a:prstGeom prst="rect">
+            <a:avLst/>
+          </a:prstGeom>
+        </p:spPr>
+      </p:pic>
+      <p:pic>
+        <p:nvPicPr>
+          <p:cNvPr id="7" name="Picture 2" descr="Billedresultat for mobilepay logo"/>
+          <p:cNvPicPr>
+            <a:picLocks noChangeAspect="1" noChangeArrowheads="1"/>
+          </p:cNvPicPr>
+          <p:nvPr/>
+        </p:nvPicPr>
+        <p:blipFill rotWithShape="1">
+          <a:blip r:embed="rId5" cstate="print">
+            <a:extLst>
+              <a:ext uri="{28A0092B-C50C-407E-A947-70E740481C1C}">
+                <a14:useLocalDpi xmlns:a14="http://schemas.microsoft.com/office/drawing/2010/main" val="0"/>
+              </a:ext>
+            </a:extLst>
+          </a:blip>
+          <a:srcRect l="40451" t="39819" r="24722" b="40276"/>
+          <a:stretch/>
+        </p:blipFill>
+        <p:spPr bwMode="auto">
+          <a:xfrm>
+            <a:off x="7707634" y="1037064"/>
+            <a:ext cx="1094082" cy="259494"/>
+          </a:xfrm>
+          <a:prstGeom prst="rect">
+            <a:avLst/>
+          </a:prstGeom>
+          <a:noFill/>
+          <a:extLst>
+            <a:ext uri="{909E8E84-426E-40DD-AFC4-6F175D3DCCD1}">
+              <a14:hiddenFill xmlns:a14="http://schemas.microsoft.com/office/drawing/2010/main">
+                <a:solidFill>
+                  <a:srgbClr val="FFFFFF"/>
+                </a:solidFill>
+              </a14:hiddenFill>
+            </a:ext>
+          </a:extLst>
+        </p:spPr>
+      </p:pic>
+      <p:cxnSp>
+        <p:nvCxnSpPr>
+          <p:cNvPr id="9" name="Straight Arrow Connector 8"/>
+          <p:cNvCxnSpPr/>
+          <p:nvPr/>
+        </p:nvCxnSpPr>
+        <p:spPr>
+          <a:xfrm>
+            <a:off x="3591640" y="2531444"/>
+            <a:ext cx="4628600" cy="5041"/>
+          </a:xfrm>
+          <a:prstGeom prst="straightConnector1">
+            <a:avLst/>
+          </a:prstGeom>
+          <a:ln w="28575">
+            <a:prstDash val="sysDash"/>
+            <a:headEnd type="triangle" w="med" len="med"/>
+            <a:tailEnd type="none" w="med" len="med"/>
+          </a:ln>
+        </p:spPr>
+        <p:style>
+          <a:lnRef idx="3">
+            <a:schemeClr val="accent2"/>
+          </a:lnRef>
+          <a:fillRef idx="0">
+            <a:schemeClr val="accent2"/>
+          </a:fillRef>
+          <a:effectRef idx="2">
+            <a:schemeClr val="accent2"/>
+          </a:effectRef>
+          <a:fontRef idx="minor">
+            <a:schemeClr val="tx1"/>
+          </a:fontRef>
+        </p:style>
+      </p:cxnSp>
+      <p:cxnSp>
+        <p:nvCxnSpPr>
+          <p:cNvPr id="10" name="Straight Arrow Connector 9"/>
+          <p:cNvCxnSpPr/>
+          <p:nvPr/>
+        </p:nvCxnSpPr>
+        <p:spPr>
+          <a:xfrm flipV="1">
+            <a:off x="3572236" y="2395001"/>
+            <a:ext cx="4644000" cy="8420"/>
+          </a:xfrm>
+          <a:prstGeom prst="straightConnector1">
+            <a:avLst/>
+          </a:prstGeom>
+          <a:ln w="28575">
+            <a:headEnd type="none" w="med" len="med"/>
+            <a:tailEnd type="triangle" w="med" len="med"/>
+          </a:ln>
+        </p:spPr>
+        <p:style>
+          <a:lnRef idx="3">
+            <a:schemeClr val="accent2"/>
+          </a:lnRef>
+          <a:fillRef idx="0">
+            <a:schemeClr val="accent2"/>
+          </a:fillRef>
+          <a:effectRef idx="2">
+            <a:schemeClr val="accent2"/>
+          </a:effectRef>
+          <a:fontRef idx="minor">
+            <a:schemeClr val="tx1"/>
+          </a:fontRef>
+        </p:style>
+      </p:cxnSp>
+      <p:sp>
+        <p:nvSpPr>
+          <p:cNvPr id="11" name="TextBox 10"/>
+          <p:cNvSpPr txBox="1"/>
+          <p:nvPr/>
+        </p:nvSpPr>
+        <p:spPr>
+          <a:xfrm>
+            <a:off x="3943651" y="2142932"/>
+            <a:ext cx="3707142" cy="169277"/>
+          </a:xfrm>
+          <a:prstGeom prst="rect">
+            <a:avLst/>
+          </a:prstGeom>
+          <a:noFill/>
+        </p:spPr>
+        <p:txBody>
+          <a:bodyPr wrap="square" lIns="0" tIns="0" rIns="0" bIns="0" rtlCol="0">
+            <a:spAutoFit/>
+          </a:bodyPr>
+          <a:lstStyle/>
+          <a:p>
+            <a:pPr algn="ctr"/>
+            <a:r>
+              <a:rPr lang="da-DK" sz="1100" b="1" dirty="0" smtClean="0">
+                <a:solidFill>
+                  <a:schemeClr val="accent4"/>
+                </a:solidFill>
+              </a:rPr>
+              <a:t>GET</a:t>
+            </a:r>
+            <a:r>
+              <a:rPr lang="da-DK" sz="1100" b="1" dirty="0" smtClean="0">
+                <a:solidFill>
+                  <a:schemeClr val="accent4"/>
+                </a:solidFill>
+              </a:rPr>
+              <a:t> /</a:t>
+            </a:r>
+            <a:r>
+              <a:rPr lang="en-GB" sz="1100" b="1" dirty="0" err="1" smtClean="0">
+                <a:solidFill>
+                  <a:schemeClr val="accent4"/>
+                </a:solidFill>
+              </a:rPr>
+              <a:t>payments?orderId</a:t>
+            </a:r>
+            <a:r>
+              <a:rPr lang="en-GB" sz="1100" b="1" dirty="0" smtClean="0">
+                <a:solidFill>
+                  <a:schemeClr val="accent4"/>
+                </a:solidFill>
+              </a:rPr>
+              <a:t>=…&amp;</a:t>
+            </a:r>
+            <a:r>
+              <a:rPr lang="en-GB" sz="1100" b="1" dirty="0" err="1" smtClean="0">
+                <a:solidFill>
+                  <a:schemeClr val="accent4"/>
+                </a:solidFill>
+              </a:rPr>
+              <a:t>posId</a:t>
+            </a:r>
+            <a:r>
+              <a:rPr lang="en-GB" sz="1100" b="1" dirty="0" smtClean="0">
+                <a:solidFill>
+                  <a:schemeClr val="accent4"/>
+                </a:solidFill>
+              </a:rPr>
+              <a:t>=…</a:t>
+            </a:r>
+            <a:endParaRPr lang="en-GB" sz="1100" b="1" dirty="0">
+              <a:solidFill>
+                <a:schemeClr val="accent4"/>
+              </a:solidFill>
+            </a:endParaRPr>
+          </a:p>
+        </p:txBody>
+      </p:sp>
+      <p:sp>
+        <p:nvSpPr>
+          <p:cNvPr id="12" name="TextBox 11"/>
+          <p:cNvSpPr txBox="1"/>
+          <p:nvPr/>
+        </p:nvSpPr>
+        <p:spPr>
+          <a:xfrm>
+            <a:off x="4303274" y="2624011"/>
+            <a:ext cx="3240025" cy="169277"/>
+          </a:xfrm>
+          <a:prstGeom prst="rect">
+            <a:avLst/>
+          </a:prstGeom>
+          <a:noFill/>
+        </p:spPr>
+        <p:txBody>
+          <a:bodyPr wrap="square" lIns="0" tIns="0" rIns="0" bIns="0" rtlCol="0">
+            <a:spAutoFit/>
+          </a:bodyPr>
+          <a:lstStyle/>
+          <a:p>
+            <a:pPr algn="ctr"/>
+            <a:r>
+              <a:rPr lang="en-GB" sz="1100" b="1" dirty="0" smtClean="0">
+                <a:solidFill>
+                  <a:schemeClr val="accent4"/>
+                </a:solidFill>
+              </a:rPr>
+              <a:t>[</a:t>
+            </a:r>
+            <a:r>
+              <a:rPr lang="en-GB" sz="1100" b="1" dirty="0" err="1" smtClean="0">
+                <a:solidFill>
+                  <a:schemeClr val="accent4"/>
+                </a:solidFill>
+              </a:rPr>
+              <a:t>paymentId</a:t>
+            </a:r>
+            <a:r>
+              <a:rPr lang="en-GB" sz="1100" b="1" dirty="0" smtClean="0">
+                <a:solidFill>
+                  <a:schemeClr val="accent4"/>
+                </a:solidFill>
+              </a:rPr>
+              <a:t>]</a:t>
+            </a:r>
+            <a:endParaRPr lang="en-GB" sz="1100" b="1" dirty="0">
+              <a:solidFill>
+                <a:schemeClr val="accent4"/>
+              </a:solidFill>
+            </a:endParaRPr>
+          </a:p>
+        </p:txBody>
+      </p:sp>
+      <p:cxnSp>
+        <p:nvCxnSpPr>
+          <p:cNvPr id="17" name="Straight Arrow Connector 16"/>
+          <p:cNvCxnSpPr/>
+          <p:nvPr/>
+        </p:nvCxnSpPr>
+        <p:spPr>
+          <a:xfrm>
+            <a:off x="8255971" y="1782050"/>
+            <a:ext cx="0" cy="2520000"/>
+          </a:xfrm>
+          <a:prstGeom prst="straightConnector1">
+            <a:avLst/>
+          </a:prstGeom>
+          <a:ln w="76200">
+            <a:headEnd type="none" w="med" len="med"/>
+            <a:tailEnd type="none" w="med" len="med"/>
+          </a:ln>
+        </p:spPr>
+        <p:style>
+          <a:lnRef idx="3">
+            <a:schemeClr val="dk1"/>
+          </a:lnRef>
+          <a:fillRef idx="0">
+            <a:schemeClr val="dk1"/>
+          </a:fillRef>
+          <a:effectRef idx="2">
+            <a:schemeClr val="dk1"/>
+          </a:effectRef>
+          <a:fontRef idx="minor">
+            <a:schemeClr val="tx1"/>
+          </a:fontRef>
+        </p:style>
+      </p:cxnSp>
+      <p:cxnSp>
+        <p:nvCxnSpPr>
+          <p:cNvPr id="21" name="Straight Arrow Connector 20"/>
+          <p:cNvCxnSpPr/>
+          <p:nvPr/>
+        </p:nvCxnSpPr>
+        <p:spPr>
+          <a:xfrm>
+            <a:off x="3551904" y="1782050"/>
+            <a:ext cx="0" cy="2520000"/>
+          </a:xfrm>
+          <a:prstGeom prst="straightConnector1">
+            <a:avLst/>
+          </a:prstGeom>
+          <a:ln w="76200">
+            <a:headEnd type="none" w="med" len="med"/>
+            <a:tailEnd type="none" w="med" len="med"/>
+          </a:ln>
+        </p:spPr>
+        <p:style>
+          <a:lnRef idx="3">
+            <a:schemeClr val="dk1"/>
+          </a:lnRef>
+          <a:fillRef idx="0">
+            <a:schemeClr val="dk1"/>
+          </a:fillRef>
+          <a:effectRef idx="2">
+            <a:schemeClr val="dk1"/>
+          </a:effectRef>
+          <a:fontRef idx="minor">
+            <a:schemeClr val="tx1"/>
+          </a:fontRef>
+        </p:style>
+      </p:cxnSp>
+      <p:cxnSp>
+        <p:nvCxnSpPr>
+          <p:cNvPr id="13" name="Straight Arrow Connector 12"/>
+          <p:cNvCxnSpPr/>
+          <p:nvPr/>
+        </p:nvCxnSpPr>
+        <p:spPr>
+          <a:xfrm>
+            <a:off x="3591640" y="3421412"/>
+            <a:ext cx="4635068" cy="3686"/>
+          </a:xfrm>
+          <a:prstGeom prst="straightConnector1">
+            <a:avLst/>
+          </a:prstGeom>
+          <a:ln w="28575">
+            <a:prstDash val="sysDash"/>
+            <a:headEnd type="triangle" w="med" len="med"/>
+            <a:tailEnd type="none" w="med" len="med"/>
+          </a:ln>
+        </p:spPr>
+        <p:style>
+          <a:lnRef idx="3">
+            <a:schemeClr val="accent2"/>
+          </a:lnRef>
+          <a:fillRef idx="0">
+            <a:schemeClr val="accent2"/>
+          </a:fillRef>
+          <a:effectRef idx="2">
+            <a:schemeClr val="accent2"/>
+          </a:effectRef>
+          <a:fontRef idx="minor">
+            <a:schemeClr val="tx1"/>
+          </a:fontRef>
+        </p:style>
+      </p:cxnSp>
+      <p:cxnSp>
+        <p:nvCxnSpPr>
+          <p:cNvPr id="14" name="Straight Arrow Connector 13"/>
+          <p:cNvCxnSpPr/>
+          <p:nvPr/>
+        </p:nvCxnSpPr>
+        <p:spPr>
+          <a:xfrm flipV="1">
+            <a:off x="3578704" y="3288347"/>
+            <a:ext cx="4644000" cy="3687"/>
+          </a:xfrm>
+          <a:prstGeom prst="straightConnector1">
+            <a:avLst/>
+          </a:prstGeom>
+          <a:ln w="28575">
+            <a:headEnd type="none" w="med" len="med"/>
+            <a:tailEnd type="triangle" w="med" len="med"/>
+          </a:ln>
+        </p:spPr>
+        <p:style>
+          <a:lnRef idx="3">
+            <a:schemeClr val="accent2"/>
+          </a:lnRef>
+          <a:fillRef idx="0">
+            <a:schemeClr val="accent2"/>
+          </a:fillRef>
+          <a:effectRef idx="2">
+            <a:schemeClr val="accent2"/>
+          </a:effectRef>
+          <a:fontRef idx="minor">
+            <a:schemeClr val="tx1"/>
+          </a:fontRef>
+        </p:style>
+      </p:cxnSp>
+      <p:sp>
+        <p:nvSpPr>
+          <p:cNvPr id="15" name="TextBox 14"/>
+          <p:cNvSpPr txBox="1"/>
+          <p:nvPr/>
+        </p:nvSpPr>
+        <p:spPr>
+          <a:xfrm>
+            <a:off x="4412967" y="3031545"/>
+            <a:ext cx="3244294" cy="169277"/>
+          </a:xfrm>
+          <a:prstGeom prst="rect">
+            <a:avLst/>
+          </a:prstGeom>
+          <a:noFill/>
+        </p:spPr>
+        <p:txBody>
+          <a:bodyPr wrap="square" lIns="0" tIns="0" rIns="0" bIns="0" rtlCol="0">
+            <a:spAutoFit/>
+          </a:bodyPr>
+          <a:lstStyle/>
+          <a:p>
+            <a:pPr algn="ctr"/>
+            <a:r>
+              <a:rPr lang="da-DK" sz="1100" b="1" dirty="0" smtClean="0">
+                <a:solidFill>
+                  <a:schemeClr val="accent4"/>
+                </a:solidFill>
+              </a:rPr>
+              <a:t>POST /</a:t>
+            </a:r>
+            <a:r>
+              <a:rPr lang="en-GB" sz="1100" b="1" dirty="0" smtClean="0">
+                <a:solidFill>
+                  <a:schemeClr val="accent4"/>
+                </a:solidFill>
+              </a:rPr>
+              <a:t>payments/{</a:t>
+            </a:r>
+            <a:r>
+              <a:rPr lang="en-GB" sz="1100" b="1" dirty="0" err="1" smtClean="0">
+                <a:solidFill>
+                  <a:schemeClr val="accent4"/>
+                </a:solidFill>
+              </a:rPr>
+              <a:t>paymentId</a:t>
+            </a:r>
+            <a:r>
+              <a:rPr lang="en-GB" sz="1100" b="1" dirty="0" smtClean="0">
+                <a:solidFill>
+                  <a:schemeClr val="accent4"/>
+                </a:solidFill>
+              </a:rPr>
+              <a:t>}/(cancel | capture)</a:t>
+            </a:r>
+            <a:endParaRPr lang="en-GB" sz="1100" b="1" dirty="0">
+              <a:solidFill>
+                <a:schemeClr val="accent4"/>
+              </a:solidFill>
+            </a:endParaRPr>
+          </a:p>
+        </p:txBody>
+      </p:sp>
+      <p:sp>
+        <p:nvSpPr>
+          <p:cNvPr id="16" name="TextBox 15"/>
+          <p:cNvSpPr txBox="1"/>
+          <p:nvPr/>
+        </p:nvSpPr>
+        <p:spPr>
+          <a:xfrm>
+            <a:off x="4309742" y="3512624"/>
+            <a:ext cx="3240025" cy="169277"/>
+          </a:xfrm>
+          <a:prstGeom prst="rect">
+            <a:avLst/>
+          </a:prstGeom>
+          <a:noFill/>
+        </p:spPr>
+        <p:txBody>
+          <a:bodyPr wrap="square" lIns="0" tIns="0" rIns="0" bIns="0" rtlCol="0">
+            <a:spAutoFit/>
+          </a:bodyPr>
+          <a:lstStyle/>
+          <a:p>
+            <a:pPr algn="ctr"/>
+            <a:r>
+              <a:rPr lang="en-GB" sz="1100" b="1" dirty="0" smtClean="0">
+                <a:solidFill>
+                  <a:schemeClr val="accent4"/>
+                </a:solidFill>
+              </a:rPr>
+              <a:t>OK</a:t>
+            </a:r>
+            <a:endParaRPr lang="en-GB" sz="1100" b="1" dirty="0">
+              <a:solidFill>
+                <a:schemeClr val="accent4"/>
+              </a:solidFill>
+            </a:endParaRPr>
+          </a:p>
+        </p:txBody>
+      </p:sp>
+      <p:sp>
+        <p:nvSpPr>
+          <p:cNvPr id="27" name="TextBox 26"/>
+          <p:cNvSpPr txBox="1"/>
+          <p:nvPr/>
+        </p:nvSpPr>
+        <p:spPr>
+          <a:xfrm>
+            <a:off x="3079178" y="2065266"/>
+            <a:ext cx="5900286" cy="1728000"/>
+          </a:xfrm>
+          <a:prstGeom prst="rect">
+            <a:avLst/>
+          </a:prstGeom>
+          <a:noFill/>
+          <a:ln w="38100">
+            <a:prstDash val="sysDash"/>
+          </a:ln>
+        </p:spPr>
+        <p:style>
+          <a:lnRef idx="2">
+            <a:schemeClr val="accent6"/>
+          </a:lnRef>
+          <a:fillRef idx="1">
+            <a:schemeClr val="lt1"/>
+          </a:fillRef>
+          <a:effectRef idx="0">
+            <a:schemeClr val="accent6"/>
+          </a:effectRef>
+          <a:fontRef idx="minor">
+            <a:schemeClr val="dk1"/>
+          </a:fontRef>
+        </p:style>
+        <p:txBody>
+          <a:bodyPr wrap="square" lIns="0" tIns="0" rIns="0" bIns="0" rtlCol="0">
+            <a:spAutoFit/>
+          </a:bodyPr>
+          <a:lstStyle/>
+          <a:p>
+            <a:r>
+              <a:rPr lang="da-DK" sz="1100" b="1" dirty="0">
+                <a:solidFill>
+                  <a:schemeClr val="accent6"/>
+                </a:solidFill>
+              </a:rPr>
+              <a:t> </a:t>
+            </a:r>
+            <a:r>
+              <a:rPr lang="da-DK" sz="1100" b="1" dirty="0" smtClean="0">
+                <a:solidFill>
+                  <a:schemeClr val="accent6"/>
+                </a:solidFill>
+              </a:rPr>
+              <a:t>LOOP</a:t>
+            </a:r>
+            <a:endParaRPr lang="da-DK" sz="1100" b="1" dirty="0">
+              <a:solidFill>
+                <a:schemeClr val="accent6"/>
+              </a:solidFill>
+            </a:endParaRPr>
+          </a:p>
+          <a:p>
+            <a:endParaRPr lang="da-DK" sz="1100" dirty="0"/>
+          </a:p>
+          <a:p>
+            <a:endParaRPr lang="da-DK" sz="1100" dirty="0"/>
+          </a:p>
+          <a:p>
+            <a:endParaRPr lang="da-DK" sz="1100" dirty="0"/>
+          </a:p>
+          <a:p>
+            <a:endParaRPr lang="en-GB" sz="1100" dirty="0"/>
+          </a:p>
+        </p:txBody>
+      </p:sp>
+    </p:spTree>
+    <p:extLst>
+      <p:ext uri="{BB962C8B-B14F-4D97-AF65-F5344CB8AC3E}">
+        <p14:creationId xmlns:p14="http://schemas.microsoft.com/office/powerpoint/2010/main" val="2752715930"/>
+      </p:ext>
+    </p:extLst>
+  </p:cSld>
+  <p:clrMapOvr>
+    <a:masterClrMapping/>
+  </p:clrMapOvr>
+</p:sld>
+</file>
+
 <file path=ppt/slides/slide3.xml><?xml version="1.0" encoding="utf-8"?>
 <p:sld xmlns:a="http://schemas.openxmlformats.org/drawingml/2006/main" xmlns:r="http://schemas.openxmlformats.org/officeDocument/2006/relationships" xmlns:p="http://schemas.openxmlformats.org/presentationml/2006/main">
   <p:cSld>
@@ -53960,6 +56259,58 @@
 </file>
 
 <file path=ppt/tags/tag72.xml><?xml version="1.0" encoding="utf-8"?>
+<p:tagLst xmlns:a="http://schemas.openxmlformats.org/drawingml/2006/main" xmlns:r="http://schemas.openxmlformats.org/officeDocument/2006/relationships" xmlns:p="http://schemas.openxmlformats.org/presentationml/2006/main">
+  <p:tag name="MIO_GUID" val="a7f3e6c8-c6b6-4086-9480-dc906492de93"/>
+  <p:tag name="MIO_EKGUID" val="10433a5b-fa5c-4118-afff-a95b422417fe"/>
+  <p:tag name="MIO_UPDATE" val="True"/>
+  <p:tag name="MIO_VERSION" val="07.11.2017 12:41:49"/>
+  <p:tag name="MIO_DBID" val="5D9FD29E-BEEC-40D7-BFBE-407D9085DE5F"/>
+  <p:tag name="MIO_LASTDOWNLOADED" val="30.10.2018 21:54:48"/>
+  <p:tag name="MIO_OBJECTNAME" val="icon_computer_colour"/>
+  <p:tag name="MIO_LASTEDITORNAME" val="Cecilie Rahbek Knudsen"/>
+</p:tagLst>
+</file>
+
+<file path=ppt/tags/tag73.xml><?xml version="1.0" encoding="utf-8"?>
+<p:tagLst xmlns:a="http://schemas.openxmlformats.org/drawingml/2006/main" xmlns:r="http://schemas.openxmlformats.org/officeDocument/2006/relationships" xmlns:p="http://schemas.openxmlformats.org/presentationml/2006/main">
+  <p:tag name="MIO_GUID" val="a7f3e6c8-c6b6-4086-9480-dc906492de93"/>
+  <p:tag name="MIO_EKGUID" val="10433a5b-fa5c-4118-afff-a95b422417fe"/>
+  <p:tag name="MIO_UPDATE" val="True"/>
+  <p:tag name="MIO_VERSION" val="07.11.2017 12:41:49"/>
+  <p:tag name="MIO_DBID" val="5D9FD29E-BEEC-40D7-BFBE-407D9085DE5F"/>
+  <p:tag name="MIO_LASTDOWNLOADED" val="30.10.2018 21:54:48"/>
+  <p:tag name="MIO_OBJECTNAME" val="icon_computer_colour"/>
+  <p:tag name="MIO_LASTEDITORNAME" val="Cecilie Rahbek Knudsen"/>
+</p:tagLst>
+</file>
+
+<file path=ppt/tags/tag74.xml><?xml version="1.0" encoding="utf-8"?>
+<p:tagLst xmlns:a="http://schemas.openxmlformats.org/drawingml/2006/main" xmlns:r="http://schemas.openxmlformats.org/officeDocument/2006/relationships" xmlns:p="http://schemas.openxmlformats.org/presentationml/2006/main">
+  <p:tag name="MIO_GUID" val="a7f3e6c8-c6b6-4086-9480-dc906492de93"/>
+  <p:tag name="MIO_EKGUID" val="10433a5b-fa5c-4118-afff-a95b422417fe"/>
+  <p:tag name="MIO_UPDATE" val="True"/>
+  <p:tag name="MIO_VERSION" val="07.11.2017 12:41:49"/>
+  <p:tag name="MIO_DBID" val="5D9FD29E-BEEC-40D7-BFBE-407D9085DE5F"/>
+  <p:tag name="MIO_LASTDOWNLOADED" val="30.10.2018 21:54:48"/>
+  <p:tag name="MIO_OBJECTNAME" val="icon_computer_colour"/>
+  <p:tag name="MIO_LASTEDITORNAME" val="Cecilie Rahbek Knudsen"/>
+</p:tagLst>
+</file>
+
+<file path=ppt/tags/tag75.xml><?xml version="1.0" encoding="utf-8"?>
+<p:tagLst xmlns:a="http://schemas.openxmlformats.org/drawingml/2006/main" xmlns:r="http://schemas.openxmlformats.org/officeDocument/2006/relationships" xmlns:p="http://schemas.openxmlformats.org/presentationml/2006/main">
+  <p:tag name="MIO_GUID" val="a7f3e6c8-c6b6-4086-9480-dc906492de93"/>
+  <p:tag name="MIO_EKGUID" val="10433a5b-fa5c-4118-afff-a95b422417fe"/>
+  <p:tag name="MIO_UPDATE" val="True"/>
+  <p:tag name="MIO_VERSION" val="07.11.2017 12:41:49"/>
+  <p:tag name="MIO_DBID" val="5D9FD29E-BEEC-40D7-BFBE-407D9085DE5F"/>
+  <p:tag name="MIO_LASTDOWNLOADED" val="30.10.2018 21:54:48"/>
+  <p:tag name="MIO_OBJECTNAME" val="icon_computer_colour"/>
+  <p:tag name="MIO_LASTEDITORNAME" val="Cecilie Rahbek Knudsen"/>
+</p:tagLst>
+</file>
+
+<file path=ppt/tags/tag76.xml><?xml version="1.0" encoding="utf-8"?>
 <p:tagLst xmlns:a="http://schemas.openxmlformats.org/drawingml/2006/main" xmlns:r="http://schemas.openxmlformats.org/officeDocument/2006/relationships" xmlns:p="http://schemas.openxmlformats.org/presentationml/2006/main">
   <p:tag name="MIO_GUID" val="a7f3e6c8-c6b6-4086-9480-dc906492de93"/>
   <p:tag name="MIO_EKGUID" val="10433a5b-fa5c-4118-afff-a95b422417fe"/>

--- a/docs/assets/TitaniumFlows.pptx
+++ b/docs/assets/TitaniumFlows.pptx
@@ -34,6 +34,7 @@
     <p:sldId id="282" r:id="rId28"/>
     <p:sldId id="283" r:id="rId29"/>
     <p:sldId id="284" r:id="rId30"/>
+    <p:sldId id="285" r:id="rId31"/>
   </p:sldIdLst>
   <p:sldSz cx="12192000" cy="11520488"/>
   <p:notesSz cx="6858000" cy="9144000"/>
@@ -212,7 +213,7 @@
           <a:graphicData uri="http://schemas.openxmlformats.org/presentationml/2006/ole">
             <mc:AlternateContent xmlns:mc="http://schemas.openxmlformats.org/markup-compatibility/2006">
               <mc:Choice xmlns:v="urn:schemas-microsoft-com:vml" Requires="v">
-                <p:oleObj spid="_x0000_s2125" name="think-cell Slide" r:id="rId5" imgW="270" imgH="270" progId="TCLayout.ActiveDocument.1">
+                <p:oleObj spid="_x0000_s2126" name="think-cell Slide" r:id="rId5" imgW="270" imgH="270" progId="TCLayout.ActiveDocument.1">
                   <p:embed/>
                 </p:oleObj>
               </mc:Choice>
@@ -492,7 +493,7 @@
           <a:graphicData uri="http://schemas.openxmlformats.org/presentationml/2006/ole">
             <mc:AlternateContent xmlns:mc="http://schemas.openxmlformats.org/markup-compatibility/2006">
               <mc:Choice xmlns:v="urn:schemas-microsoft-com:vml" Requires="v">
-                <p:oleObj spid="_x0000_s9368" name="think-cell Slide" r:id="rId5" imgW="270" imgH="270" progId="TCLayout.ActiveDocument.1">
+                <p:oleObj spid="_x0000_s9370" name="think-cell Slide" r:id="rId5" imgW="270" imgH="270" progId="TCLayout.ActiveDocument.1">
                   <p:embed/>
                 </p:oleObj>
               </mc:Choice>
@@ -1200,7 +1201,7 @@
           <a:graphicData uri="http://schemas.openxmlformats.org/presentationml/2006/ole">
             <mc:AlternateContent xmlns:mc="http://schemas.openxmlformats.org/markup-compatibility/2006">
               <mc:Choice xmlns:v="urn:schemas-microsoft-com:vml" Requires="v">
-                <p:oleObj spid="_x0000_s9369" name="think-cell Slide" r:id="rId7" imgW="270" imgH="270" progId="TCLayout.ActiveDocument.1">
+                <p:oleObj spid="_x0000_s9371" name="think-cell Slide" r:id="rId7" imgW="270" imgH="270" progId="TCLayout.ActiveDocument.1">
                   <p:embed/>
                 </p:oleObj>
               </mc:Choice>
@@ -1505,7 +1506,7 @@
           <a:graphicData uri="http://schemas.openxmlformats.org/presentationml/2006/ole">
             <mc:AlternateContent xmlns:mc="http://schemas.openxmlformats.org/markup-compatibility/2006">
               <mc:Choice xmlns:v="urn:schemas-microsoft-com:vml" Requires="v">
-                <p:oleObj spid="_x0000_s10392" name="think-cell Slide" r:id="rId5" imgW="270" imgH="270" progId="TCLayout.ActiveDocument.1">
+                <p:oleObj spid="_x0000_s10394" name="think-cell Slide" r:id="rId5" imgW="270" imgH="270" progId="TCLayout.ActiveDocument.1">
                   <p:embed/>
                 </p:oleObj>
               </mc:Choice>
@@ -1956,7 +1957,7 @@
           <a:graphicData uri="http://schemas.openxmlformats.org/presentationml/2006/ole">
             <mc:AlternateContent xmlns:mc="http://schemas.openxmlformats.org/markup-compatibility/2006">
               <mc:Choice xmlns:v="urn:schemas-microsoft-com:vml" Requires="v">
-                <p:oleObj spid="_x0000_s10393" name="think-cell Slide" r:id="rId8" imgW="270" imgH="270" progId="TCLayout.ActiveDocument.1">
+                <p:oleObj spid="_x0000_s10395" name="think-cell Slide" r:id="rId8" imgW="270" imgH="270" progId="TCLayout.ActiveDocument.1">
                   <p:embed/>
                 </p:oleObj>
               </mc:Choice>
@@ -2223,7 +2224,7 @@
           <a:graphicData uri="http://schemas.openxmlformats.org/presentationml/2006/ole">
             <mc:AlternateContent xmlns:mc="http://schemas.openxmlformats.org/markup-compatibility/2006">
               <mc:Choice xmlns:v="urn:schemas-microsoft-com:vml" Requires="v">
-                <p:oleObj spid="_x0000_s11341" name="think-cell Slide" r:id="rId4" imgW="270" imgH="270" progId="TCLayout.ActiveDocument.1">
+                <p:oleObj spid="_x0000_s11342" name="think-cell Slide" r:id="rId4" imgW="270" imgH="270" progId="TCLayout.ActiveDocument.1">
                   <p:embed/>
                 </p:oleObj>
               </mc:Choice>
@@ -2670,7 +2671,7 @@
           <a:graphicData uri="http://schemas.openxmlformats.org/presentationml/2006/ole">
             <mc:AlternateContent xmlns:mc="http://schemas.openxmlformats.org/markup-compatibility/2006">
               <mc:Choice xmlns:v="urn:schemas-microsoft-com:vml" Requires="v">
-                <p:oleObj spid="_x0000_s12365" name="think-cell Slide" r:id="rId4" imgW="270" imgH="270" progId="TCLayout.ActiveDocument.1">
+                <p:oleObj spid="_x0000_s12366" name="think-cell Slide" r:id="rId4" imgW="270" imgH="270" progId="TCLayout.ActiveDocument.1">
                   <p:embed/>
                 </p:oleObj>
               </mc:Choice>
@@ -3279,7 +3280,7 @@
           <a:graphicData uri="http://schemas.openxmlformats.org/presentationml/2006/ole">
             <mc:AlternateContent xmlns:mc="http://schemas.openxmlformats.org/markup-compatibility/2006">
               <mc:Choice xmlns:v="urn:schemas-microsoft-com:vml" Requires="v">
-                <p:oleObj spid="_x0000_s13389" name="think-cell Slide" r:id="rId4" imgW="270" imgH="270" progId="TCLayout.ActiveDocument.1">
+                <p:oleObj spid="_x0000_s13390" name="think-cell Slide" r:id="rId4" imgW="270" imgH="270" progId="TCLayout.ActiveDocument.1">
                   <p:embed/>
                 </p:oleObj>
               </mc:Choice>
@@ -3888,7 +3889,7 @@
           <a:graphicData uri="http://schemas.openxmlformats.org/presentationml/2006/ole">
             <mc:AlternateContent xmlns:mc="http://schemas.openxmlformats.org/markup-compatibility/2006">
               <mc:Choice xmlns:v="urn:schemas-microsoft-com:vml" Requires="v">
-                <p:oleObj spid="_x0000_s14413" name="think-cell Slide" r:id="rId4" imgW="270" imgH="270" progId="TCLayout.ActiveDocument.1">
+                <p:oleObj spid="_x0000_s14414" name="think-cell Slide" r:id="rId4" imgW="270" imgH="270" progId="TCLayout.ActiveDocument.1">
                   <p:embed/>
                 </p:oleObj>
               </mc:Choice>
@@ -4497,7 +4498,7 @@
           <a:graphicData uri="http://schemas.openxmlformats.org/presentationml/2006/ole">
             <mc:AlternateContent xmlns:mc="http://schemas.openxmlformats.org/markup-compatibility/2006">
               <mc:Choice xmlns:v="urn:schemas-microsoft-com:vml" Requires="v">
-                <p:oleObj spid="_x0000_s15437" name="think-cell Slide" r:id="rId4" imgW="270" imgH="270" progId="TCLayout.ActiveDocument.1">
+                <p:oleObj spid="_x0000_s15438" name="think-cell Slide" r:id="rId4" imgW="270" imgH="270" progId="TCLayout.ActiveDocument.1">
                   <p:embed/>
                 </p:oleObj>
               </mc:Choice>
@@ -5106,7 +5107,7 @@
           <a:graphicData uri="http://schemas.openxmlformats.org/presentationml/2006/ole">
             <mc:AlternateContent xmlns:mc="http://schemas.openxmlformats.org/markup-compatibility/2006">
               <mc:Choice xmlns:v="urn:schemas-microsoft-com:vml" Requires="v">
-                <p:oleObj spid="_x0000_s16461" name="think-cell Slide" r:id="rId4" imgW="270" imgH="270" progId="TCLayout.ActiveDocument.1">
+                <p:oleObj spid="_x0000_s16462" name="think-cell Slide" r:id="rId4" imgW="270" imgH="270" progId="TCLayout.ActiveDocument.1">
                   <p:embed/>
                 </p:oleObj>
               </mc:Choice>
@@ -5715,7 +5716,7 @@
           <a:graphicData uri="http://schemas.openxmlformats.org/presentationml/2006/ole">
             <mc:AlternateContent xmlns:mc="http://schemas.openxmlformats.org/markup-compatibility/2006">
               <mc:Choice xmlns:v="urn:schemas-microsoft-com:vml" Requires="v">
-                <p:oleObj spid="_x0000_s17485" name="think-cell Slide" r:id="rId4" imgW="270" imgH="270" progId="TCLayout.ActiveDocument.1">
+                <p:oleObj spid="_x0000_s17486" name="think-cell Slide" r:id="rId4" imgW="270" imgH="270" progId="TCLayout.ActiveDocument.1">
                   <p:embed/>
                 </p:oleObj>
               </mc:Choice>
@@ -6528,7 +6529,7 @@
           <a:graphicData uri="http://schemas.openxmlformats.org/presentationml/2006/ole">
             <mc:AlternateContent xmlns:mc="http://schemas.openxmlformats.org/markup-compatibility/2006">
               <mc:Choice xmlns:v="urn:schemas-microsoft-com:vml" Requires="v">
-                <p:oleObj spid="_x0000_s3149" name="think-cell Slide" r:id="rId4" imgW="270" imgH="270" progId="TCLayout.ActiveDocument.1">
+                <p:oleObj spid="_x0000_s3150" name="think-cell Slide" r:id="rId4" imgW="270" imgH="270" progId="TCLayout.ActiveDocument.1">
                   <p:embed/>
                 </p:oleObj>
               </mc:Choice>
@@ -6842,7 +6843,7 @@
           <a:graphicData uri="http://schemas.openxmlformats.org/presentationml/2006/ole">
             <mc:AlternateContent xmlns:mc="http://schemas.openxmlformats.org/markup-compatibility/2006">
               <mc:Choice xmlns:v="urn:schemas-microsoft-com:vml" Requires="v">
-                <p:oleObj spid="_x0000_s19533" name="think-cell Slide" r:id="rId5" imgW="270" imgH="270" progId="TCLayout.ActiveDocument.1">
+                <p:oleObj spid="_x0000_s19534" name="think-cell Slide" r:id="rId5" imgW="270" imgH="270" progId="TCLayout.ActiveDocument.1">
                   <p:embed/>
                 </p:oleObj>
               </mc:Choice>
@@ -7119,7 +7120,7 @@
           <a:graphicData uri="http://schemas.openxmlformats.org/presentationml/2006/ole">
             <mc:AlternateContent xmlns:mc="http://schemas.openxmlformats.org/markup-compatibility/2006">
               <mc:Choice xmlns:v="urn:schemas-microsoft-com:vml" Requires="v">
-                <p:oleObj spid="_x0000_s20557" name="think-cell Slide" r:id="rId4" imgW="270" imgH="270" progId="TCLayout.ActiveDocument.1">
+                <p:oleObj spid="_x0000_s20558" name="think-cell Slide" r:id="rId4" imgW="270" imgH="270" progId="TCLayout.ActiveDocument.1">
                   <p:embed/>
                 </p:oleObj>
               </mc:Choice>
@@ -7717,7 +7718,7 @@
           <a:graphicData uri="http://schemas.openxmlformats.org/presentationml/2006/ole">
             <mc:AlternateContent xmlns:mc="http://schemas.openxmlformats.org/markup-compatibility/2006">
               <mc:Choice xmlns:v="urn:schemas-microsoft-com:vml" Requires="v">
-                <p:oleObj spid="_x0000_s21581" name="think-cell Slide" r:id="rId4" imgW="270" imgH="270" progId="TCLayout.ActiveDocument.1">
+                <p:oleObj spid="_x0000_s21582" name="think-cell Slide" r:id="rId4" imgW="270" imgH="270" progId="TCLayout.ActiveDocument.1">
                   <p:embed/>
                 </p:oleObj>
               </mc:Choice>
@@ -8271,7 +8272,7 @@
           <a:graphicData uri="http://schemas.openxmlformats.org/presentationml/2006/ole">
             <mc:AlternateContent xmlns:mc="http://schemas.openxmlformats.org/markup-compatibility/2006">
               <mc:Choice xmlns:v="urn:schemas-microsoft-com:vml" Requires="v">
-                <p:oleObj spid="_x0000_s22605" name="think-cell Slide" r:id="rId4" imgW="270" imgH="270" progId="TCLayout.ActiveDocument.1">
+                <p:oleObj spid="_x0000_s22606" name="think-cell Slide" r:id="rId4" imgW="270" imgH="270" progId="TCLayout.ActiveDocument.1">
                   <p:embed/>
                 </p:oleObj>
               </mc:Choice>
@@ -8879,7 +8880,7 @@
           <a:graphicData uri="http://schemas.openxmlformats.org/presentationml/2006/ole">
             <mc:AlternateContent xmlns:mc="http://schemas.openxmlformats.org/markup-compatibility/2006">
               <mc:Choice xmlns:v="urn:schemas-microsoft-com:vml" Requires="v">
-                <p:oleObj spid="_x0000_s23704" name="think-cell Slide" r:id="rId5" imgW="270" imgH="270" progId="TCLayout.ActiveDocument.1">
+                <p:oleObj spid="_x0000_s23706" name="think-cell Slide" r:id="rId5" imgW="270" imgH="270" progId="TCLayout.ActiveDocument.1">
                   <p:embed/>
                 </p:oleObj>
               </mc:Choice>
@@ -9202,7 +9203,7 @@
           <a:graphicData uri="http://schemas.openxmlformats.org/presentationml/2006/ole">
             <mc:AlternateContent xmlns:mc="http://schemas.openxmlformats.org/markup-compatibility/2006">
               <mc:Choice xmlns:v="urn:schemas-microsoft-com:vml" Requires="v">
-                <p:oleObj spid="_x0000_s23705" name="think-cell Slide" r:id="rId7" imgW="270" imgH="270" progId="TCLayout.ActiveDocument.1">
+                <p:oleObj spid="_x0000_s23707" name="think-cell Slide" r:id="rId7" imgW="270" imgH="270" progId="TCLayout.ActiveDocument.1">
                   <p:embed/>
                 </p:oleObj>
               </mc:Choice>
@@ -9989,7 +9990,7 @@
           <a:graphicData uri="http://schemas.openxmlformats.org/presentationml/2006/ole">
             <mc:AlternateContent xmlns:mc="http://schemas.openxmlformats.org/markup-compatibility/2006">
               <mc:Choice xmlns:v="urn:schemas-microsoft-com:vml" Requires="v">
-                <p:oleObj spid="_x0000_s24728" name="think-cell Slide" r:id="rId5" imgW="270" imgH="270" progId="TCLayout.ActiveDocument.1">
+                <p:oleObj spid="_x0000_s24730" name="think-cell Slide" r:id="rId5" imgW="270" imgH="270" progId="TCLayout.ActiveDocument.1">
                   <p:embed/>
                 </p:oleObj>
               </mc:Choice>
@@ -10410,7 +10411,7 @@
           <a:graphicData uri="http://schemas.openxmlformats.org/presentationml/2006/ole">
             <mc:AlternateContent xmlns:mc="http://schemas.openxmlformats.org/markup-compatibility/2006">
               <mc:Choice xmlns:v="urn:schemas-microsoft-com:vml" Requires="v">
-                <p:oleObj spid="_x0000_s24729" name="think-cell Slide" r:id="rId7" imgW="270" imgH="270" progId="TCLayout.ActiveDocument.1">
+                <p:oleObj spid="_x0000_s24731" name="think-cell Slide" r:id="rId7" imgW="270" imgH="270" progId="TCLayout.ActiveDocument.1">
                   <p:embed/>
                 </p:oleObj>
               </mc:Choice>
@@ -10698,7 +10699,7 @@
           <a:graphicData uri="http://schemas.openxmlformats.org/presentationml/2006/ole">
             <mc:AlternateContent xmlns:mc="http://schemas.openxmlformats.org/markup-compatibility/2006">
               <mc:Choice xmlns:v="urn:schemas-microsoft-com:vml" Requires="v">
-                <p:oleObj spid="_x0000_s25752" name="think-cell Slide" r:id="rId5" imgW="270" imgH="270" progId="TCLayout.ActiveDocument.1">
+                <p:oleObj spid="_x0000_s25754" name="think-cell Slide" r:id="rId5" imgW="270" imgH="270" progId="TCLayout.ActiveDocument.1">
                   <p:embed/>
                 </p:oleObj>
               </mc:Choice>
@@ -11119,7 +11120,7 @@
           <a:graphicData uri="http://schemas.openxmlformats.org/presentationml/2006/ole">
             <mc:AlternateContent xmlns:mc="http://schemas.openxmlformats.org/markup-compatibility/2006">
               <mc:Choice xmlns:v="urn:schemas-microsoft-com:vml" Requires="v">
-                <p:oleObj spid="_x0000_s25753" name="think-cell Slide" r:id="rId7" imgW="270" imgH="270" progId="TCLayout.ActiveDocument.1">
+                <p:oleObj spid="_x0000_s25755" name="think-cell Slide" r:id="rId7" imgW="270" imgH="270" progId="TCLayout.ActiveDocument.1">
                   <p:embed/>
                 </p:oleObj>
               </mc:Choice>
@@ -11412,7 +11413,7 @@
           <a:graphicData uri="http://schemas.openxmlformats.org/presentationml/2006/ole">
             <mc:AlternateContent xmlns:mc="http://schemas.openxmlformats.org/markup-compatibility/2006">
               <mc:Choice xmlns:v="urn:schemas-microsoft-com:vml" Requires="v">
-                <p:oleObj spid="_x0000_s26776" name="think-cell Slide" r:id="rId5" imgW="270" imgH="270" progId="TCLayout.ActiveDocument.1">
+                <p:oleObj spid="_x0000_s26778" name="think-cell Slide" r:id="rId5" imgW="270" imgH="270" progId="TCLayout.ActiveDocument.1">
                   <p:embed/>
                 </p:oleObj>
               </mc:Choice>
@@ -12117,7 +12118,7 @@
           <a:graphicData uri="http://schemas.openxmlformats.org/presentationml/2006/ole">
             <mc:AlternateContent xmlns:mc="http://schemas.openxmlformats.org/markup-compatibility/2006">
               <mc:Choice xmlns:v="urn:schemas-microsoft-com:vml" Requires="v">
-                <p:oleObj spid="_x0000_s26777" name="think-cell Slide" r:id="rId7" imgW="270" imgH="270" progId="TCLayout.ActiveDocument.1">
+                <p:oleObj spid="_x0000_s26779" name="think-cell Slide" r:id="rId7" imgW="270" imgH="270" progId="TCLayout.ActiveDocument.1">
                   <p:embed/>
                 </p:oleObj>
               </mc:Choice>
@@ -12730,7 +12731,7 @@
           <a:graphicData uri="http://schemas.openxmlformats.org/presentationml/2006/ole">
             <mc:AlternateContent xmlns:mc="http://schemas.openxmlformats.org/markup-compatibility/2006">
               <mc:Choice xmlns:v="urn:schemas-microsoft-com:vml" Requires="v">
-                <p:oleObj spid="_x0000_s27800" name="think-cell Slide" r:id="rId5" imgW="270" imgH="270" progId="TCLayout.ActiveDocument.1">
+                <p:oleObj spid="_x0000_s27802" name="think-cell Slide" r:id="rId5" imgW="270" imgH="270" progId="TCLayout.ActiveDocument.1">
                   <p:embed/>
                 </p:oleObj>
               </mc:Choice>
@@ -13178,7 +13179,7 @@
           <a:graphicData uri="http://schemas.openxmlformats.org/presentationml/2006/ole">
             <mc:AlternateContent xmlns:mc="http://schemas.openxmlformats.org/markup-compatibility/2006">
               <mc:Choice xmlns:v="urn:schemas-microsoft-com:vml" Requires="v">
-                <p:oleObj spid="_x0000_s27801" name="think-cell Slide" r:id="rId8" imgW="270" imgH="270" progId="TCLayout.ActiveDocument.1">
+                <p:oleObj spid="_x0000_s27803" name="think-cell Slide" r:id="rId8" imgW="270" imgH="270" progId="TCLayout.ActiveDocument.1">
                   <p:embed/>
                 </p:oleObj>
               </mc:Choice>
@@ -13467,7 +13468,7 @@
           <a:graphicData uri="http://schemas.openxmlformats.org/presentationml/2006/ole">
             <mc:AlternateContent xmlns:mc="http://schemas.openxmlformats.org/markup-compatibility/2006">
               <mc:Choice xmlns:v="urn:schemas-microsoft-com:vml" Requires="v">
-                <p:oleObj spid="_x0000_s29773" name="think-cell Slide" r:id="rId5" imgW="270" imgH="270" progId="TCLayout.ActiveDocument.1">
+                <p:oleObj spid="_x0000_s29774" name="think-cell Slide" r:id="rId5" imgW="270" imgH="270" progId="TCLayout.ActiveDocument.1">
                   <p:embed/>
                 </p:oleObj>
               </mc:Choice>
@@ -13756,7 +13757,7 @@
           <a:graphicData uri="http://schemas.openxmlformats.org/presentationml/2006/ole">
             <mc:AlternateContent xmlns:mc="http://schemas.openxmlformats.org/markup-compatibility/2006">
               <mc:Choice xmlns:v="urn:schemas-microsoft-com:vml" Requires="v">
-                <p:oleObj spid="_x0000_s30797" name="think-cell Slide" r:id="rId4" imgW="270" imgH="270" progId="TCLayout.ActiveDocument.1">
+                <p:oleObj spid="_x0000_s30798" name="think-cell Slide" r:id="rId4" imgW="270" imgH="270" progId="TCLayout.ActiveDocument.1">
                   <p:embed/>
                 </p:oleObj>
               </mc:Choice>
@@ -14378,7 +14379,7 @@
           <a:graphicData uri="http://schemas.openxmlformats.org/presentationml/2006/ole">
             <mc:AlternateContent xmlns:mc="http://schemas.openxmlformats.org/markup-compatibility/2006">
               <mc:Choice xmlns:v="urn:schemas-microsoft-com:vml" Requires="v">
-                <p:oleObj spid="_x0000_s31821" name="think-cell Slide" r:id="rId4" imgW="270" imgH="270" progId="TCLayout.ActiveDocument.1">
+                <p:oleObj spid="_x0000_s31822" name="think-cell Slide" r:id="rId4" imgW="270" imgH="270" progId="TCLayout.ActiveDocument.1">
                   <p:embed/>
                 </p:oleObj>
               </mc:Choice>
@@ -14944,7 +14945,7 @@
           <a:graphicData uri="http://schemas.openxmlformats.org/presentationml/2006/ole">
             <mc:AlternateContent xmlns:mc="http://schemas.openxmlformats.org/markup-compatibility/2006">
               <mc:Choice xmlns:v="urn:schemas-microsoft-com:vml" Requires="v">
-                <p:oleObj spid="_x0000_s32845" name="think-cell Slide" r:id="rId4" imgW="270" imgH="270" progId="TCLayout.ActiveDocument.1">
+                <p:oleObj spid="_x0000_s32846" name="think-cell Slide" r:id="rId4" imgW="270" imgH="270" progId="TCLayout.ActiveDocument.1">
                   <p:embed/>
                 </p:oleObj>
               </mc:Choice>
@@ -15564,7 +15565,7 @@
           <a:graphicData uri="http://schemas.openxmlformats.org/presentationml/2006/ole">
             <mc:AlternateContent xmlns:mc="http://schemas.openxmlformats.org/markup-compatibility/2006">
               <mc:Choice xmlns:v="urn:schemas-microsoft-com:vml" Requires="v">
-                <p:oleObj spid="_x0000_s33944" name="think-cell Slide" r:id="rId5" imgW="270" imgH="270" progId="TCLayout.ActiveDocument.1">
+                <p:oleObj spid="_x0000_s33946" name="think-cell Slide" r:id="rId5" imgW="270" imgH="270" progId="TCLayout.ActiveDocument.1">
                   <p:embed/>
                 </p:oleObj>
               </mc:Choice>
@@ -15895,7 +15896,7 @@
           <a:graphicData uri="http://schemas.openxmlformats.org/presentationml/2006/ole">
             <mc:AlternateContent xmlns:mc="http://schemas.openxmlformats.org/markup-compatibility/2006">
               <mc:Choice xmlns:v="urn:schemas-microsoft-com:vml" Requires="v">
-                <p:oleObj spid="_x0000_s33945" name="think-cell Slide" r:id="rId7" imgW="270" imgH="270" progId="TCLayout.ActiveDocument.1">
+                <p:oleObj spid="_x0000_s33947" name="think-cell Slide" r:id="rId7" imgW="270" imgH="270" progId="TCLayout.ActiveDocument.1">
                   <p:embed/>
                 </p:oleObj>
               </mc:Choice>
@@ -16698,7 +16699,7 @@
           <a:graphicData uri="http://schemas.openxmlformats.org/presentationml/2006/ole">
             <mc:AlternateContent xmlns:mc="http://schemas.openxmlformats.org/markup-compatibility/2006">
               <mc:Choice xmlns:v="urn:schemas-microsoft-com:vml" Requires="v">
-                <p:oleObj spid="_x0000_s34968" name="think-cell Slide" r:id="rId5" imgW="270" imgH="270" progId="TCLayout.ActiveDocument.1">
+                <p:oleObj spid="_x0000_s34970" name="think-cell Slide" r:id="rId5" imgW="270" imgH="270" progId="TCLayout.ActiveDocument.1">
                   <p:embed/>
                 </p:oleObj>
               </mc:Choice>
@@ -17127,7 +17128,7 @@
           <a:graphicData uri="http://schemas.openxmlformats.org/presentationml/2006/ole">
             <mc:AlternateContent xmlns:mc="http://schemas.openxmlformats.org/markup-compatibility/2006">
               <mc:Choice xmlns:v="urn:schemas-microsoft-com:vml" Requires="v">
-                <p:oleObj spid="_x0000_s34969" name="think-cell Slide" r:id="rId7" imgW="270" imgH="270" progId="TCLayout.ActiveDocument.1">
+                <p:oleObj spid="_x0000_s34971" name="think-cell Slide" r:id="rId7" imgW="270" imgH="270" progId="TCLayout.ActiveDocument.1">
                   <p:embed/>
                 </p:oleObj>
               </mc:Choice>
@@ -17419,7 +17420,7 @@
           <a:graphicData uri="http://schemas.openxmlformats.org/presentationml/2006/ole">
             <mc:AlternateContent xmlns:mc="http://schemas.openxmlformats.org/markup-compatibility/2006">
               <mc:Choice xmlns:v="urn:schemas-microsoft-com:vml" Requires="v">
-                <p:oleObj spid="_x0000_s35992" name="think-cell Slide" r:id="rId5" imgW="270" imgH="270" progId="TCLayout.ActiveDocument.1">
+                <p:oleObj spid="_x0000_s35994" name="think-cell Slide" r:id="rId5" imgW="270" imgH="270" progId="TCLayout.ActiveDocument.1">
                   <p:embed/>
                 </p:oleObj>
               </mc:Choice>
@@ -17848,7 +17849,7 @@
           <a:graphicData uri="http://schemas.openxmlformats.org/presentationml/2006/ole">
             <mc:AlternateContent xmlns:mc="http://schemas.openxmlformats.org/markup-compatibility/2006">
               <mc:Choice xmlns:v="urn:schemas-microsoft-com:vml" Requires="v">
-                <p:oleObj spid="_x0000_s35993" name="think-cell Slide" r:id="rId7" imgW="270" imgH="270" progId="TCLayout.ActiveDocument.1">
+                <p:oleObj spid="_x0000_s35995" name="think-cell Slide" r:id="rId7" imgW="270" imgH="270" progId="TCLayout.ActiveDocument.1">
                   <p:embed/>
                 </p:oleObj>
               </mc:Choice>
@@ -18149,7 +18150,7 @@
           <a:graphicData uri="http://schemas.openxmlformats.org/presentationml/2006/ole">
             <mc:AlternateContent xmlns:mc="http://schemas.openxmlformats.org/markup-compatibility/2006">
               <mc:Choice xmlns:v="urn:schemas-microsoft-com:vml" Requires="v">
-                <p:oleObj spid="_x0000_s4173" name="think-cell Slide" r:id="rId4" imgW="270" imgH="270" progId="TCLayout.ActiveDocument.1">
+                <p:oleObj spid="_x0000_s4174" name="think-cell Slide" r:id="rId4" imgW="270" imgH="270" progId="TCLayout.ActiveDocument.1">
                   <p:embed/>
                 </p:oleObj>
               </mc:Choice>
@@ -18702,7 +18703,7 @@
           <a:graphicData uri="http://schemas.openxmlformats.org/presentationml/2006/ole">
             <mc:AlternateContent xmlns:mc="http://schemas.openxmlformats.org/markup-compatibility/2006">
               <mc:Choice xmlns:v="urn:schemas-microsoft-com:vml" Requires="v">
-                <p:oleObj spid="_x0000_s37016" name="think-cell Slide" r:id="rId5" imgW="270" imgH="270" progId="TCLayout.ActiveDocument.1">
+                <p:oleObj spid="_x0000_s37018" name="think-cell Slide" r:id="rId5" imgW="270" imgH="270" progId="TCLayout.ActiveDocument.1">
                   <p:embed/>
                 </p:oleObj>
               </mc:Choice>
@@ -19415,7 +19416,7 @@
           <a:graphicData uri="http://schemas.openxmlformats.org/presentationml/2006/ole">
             <mc:AlternateContent xmlns:mc="http://schemas.openxmlformats.org/markup-compatibility/2006">
               <mc:Choice xmlns:v="urn:schemas-microsoft-com:vml" Requires="v">
-                <p:oleObj spid="_x0000_s37017" name="think-cell Slide" r:id="rId7" imgW="270" imgH="270" progId="TCLayout.ActiveDocument.1">
+                <p:oleObj spid="_x0000_s37019" name="think-cell Slide" r:id="rId7" imgW="270" imgH="270" progId="TCLayout.ActiveDocument.1">
                   <p:embed/>
                 </p:oleObj>
               </mc:Choice>
@@ -19720,7 +19721,7 @@
           <a:graphicData uri="http://schemas.openxmlformats.org/presentationml/2006/ole">
             <mc:AlternateContent xmlns:mc="http://schemas.openxmlformats.org/markup-compatibility/2006">
               <mc:Choice xmlns:v="urn:schemas-microsoft-com:vml" Requires="v">
-                <p:oleObj spid="_x0000_s38040" name="think-cell Slide" r:id="rId5" imgW="270" imgH="270" progId="TCLayout.ActiveDocument.1">
+                <p:oleObj spid="_x0000_s38042" name="think-cell Slide" r:id="rId5" imgW="270" imgH="270" progId="TCLayout.ActiveDocument.1">
                   <p:embed/>
                 </p:oleObj>
               </mc:Choice>
@@ -20176,7 +20177,7 @@
           <a:graphicData uri="http://schemas.openxmlformats.org/presentationml/2006/ole">
             <mc:AlternateContent xmlns:mc="http://schemas.openxmlformats.org/markup-compatibility/2006">
               <mc:Choice xmlns:v="urn:schemas-microsoft-com:vml" Requires="v">
-                <p:oleObj spid="_x0000_s38041" name="think-cell Slide" r:id="rId8" imgW="270" imgH="270" progId="TCLayout.ActiveDocument.1">
+                <p:oleObj spid="_x0000_s38043" name="think-cell Slide" r:id="rId8" imgW="270" imgH="270" progId="TCLayout.ActiveDocument.1">
                   <p:embed/>
                 </p:oleObj>
               </mc:Choice>
@@ -20447,7 +20448,7 @@
           <a:graphicData uri="http://schemas.openxmlformats.org/presentationml/2006/ole">
             <mc:AlternateContent xmlns:mc="http://schemas.openxmlformats.org/markup-compatibility/2006">
               <mc:Choice xmlns:v="urn:schemas-microsoft-com:vml" Requires="v">
-                <p:oleObj spid="_x0000_s38989" name="think-cell Slide" r:id="rId4" imgW="270" imgH="270" progId="TCLayout.ActiveDocument.1">
+                <p:oleObj spid="_x0000_s38990" name="think-cell Slide" r:id="rId4" imgW="270" imgH="270" progId="TCLayout.ActiveDocument.1">
                   <p:embed/>
                 </p:oleObj>
               </mc:Choice>
@@ -20911,7 +20912,7 @@
           <a:graphicData uri="http://schemas.openxmlformats.org/presentationml/2006/ole">
             <mc:AlternateContent xmlns:mc="http://schemas.openxmlformats.org/markup-compatibility/2006">
               <mc:Choice xmlns:v="urn:schemas-microsoft-com:vml" Requires="v">
-                <p:oleObj spid="_x0000_s5197" name="think-cell Slide" r:id="rId4" imgW="270" imgH="270" progId="TCLayout.ActiveDocument.1">
+                <p:oleObj spid="_x0000_s5198" name="think-cell Slide" r:id="rId4" imgW="270" imgH="270" progId="TCLayout.ActiveDocument.1">
                   <p:embed/>
                 </p:oleObj>
               </mc:Choice>
@@ -21522,7 +21523,7 @@
           <a:graphicData uri="http://schemas.openxmlformats.org/presentationml/2006/ole">
             <mc:AlternateContent xmlns:mc="http://schemas.openxmlformats.org/markup-compatibility/2006">
               <mc:Choice xmlns:v="urn:schemas-microsoft-com:vml" Requires="v">
-                <p:oleObj spid="_x0000_s6296" name="think-cell Slide" r:id="rId5" imgW="270" imgH="270" progId="TCLayout.ActiveDocument.1">
+                <p:oleObj spid="_x0000_s6298" name="think-cell Slide" r:id="rId5" imgW="270" imgH="270" progId="TCLayout.ActiveDocument.1">
                   <p:embed/>
                 </p:oleObj>
               </mc:Choice>
@@ -21848,7 +21849,7 @@
           <a:graphicData uri="http://schemas.openxmlformats.org/presentationml/2006/ole">
             <mc:AlternateContent xmlns:mc="http://schemas.openxmlformats.org/markup-compatibility/2006">
               <mc:Choice xmlns:v="urn:schemas-microsoft-com:vml" Requires="v">
-                <p:oleObj spid="_x0000_s6297" name="think-cell Slide" r:id="rId7" imgW="270" imgH="270" progId="TCLayout.ActiveDocument.1">
+                <p:oleObj spid="_x0000_s6299" name="think-cell Slide" r:id="rId7" imgW="270" imgH="270" progId="TCLayout.ActiveDocument.1">
                   <p:embed/>
                 </p:oleObj>
               </mc:Choice>
@@ -22638,7 +22639,7 @@
           <a:graphicData uri="http://schemas.openxmlformats.org/presentationml/2006/ole">
             <mc:AlternateContent xmlns:mc="http://schemas.openxmlformats.org/markup-compatibility/2006">
               <mc:Choice xmlns:v="urn:schemas-microsoft-com:vml" Requires="v">
-                <p:oleObj spid="_x0000_s7320" name="think-cell Slide" r:id="rId5" imgW="270" imgH="270" progId="TCLayout.ActiveDocument.1">
+                <p:oleObj spid="_x0000_s7322" name="think-cell Slide" r:id="rId5" imgW="270" imgH="270" progId="TCLayout.ActiveDocument.1">
                   <p:embed/>
                 </p:oleObj>
               </mc:Choice>
@@ -23062,7 +23063,7 @@
           <a:graphicData uri="http://schemas.openxmlformats.org/presentationml/2006/ole">
             <mc:AlternateContent xmlns:mc="http://schemas.openxmlformats.org/markup-compatibility/2006">
               <mc:Choice xmlns:v="urn:schemas-microsoft-com:vml" Requires="v">
-                <p:oleObj spid="_x0000_s7321" name="think-cell Slide" r:id="rId7" imgW="270" imgH="270" progId="TCLayout.ActiveDocument.1">
+                <p:oleObj spid="_x0000_s7323" name="think-cell Slide" r:id="rId7" imgW="270" imgH="270" progId="TCLayout.ActiveDocument.1">
                   <p:embed/>
                 </p:oleObj>
               </mc:Choice>
@@ -23354,7 +23355,7 @@
           <a:graphicData uri="http://schemas.openxmlformats.org/presentationml/2006/ole">
             <mc:AlternateContent xmlns:mc="http://schemas.openxmlformats.org/markup-compatibility/2006">
               <mc:Choice xmlns:v="urn:schemas-microsoft-com:vml" Requires="v">
-                <p:oleObj spid="_x0000_s8344" name="think-cell Slide" r:id="rId5" imgW="270" imgH="270" progId="TCLayout.ActiveDocument.1">
+                <p:oleObj spid="_x0000_s8346" name="think-cell Slide" r:id="rId5" imgW="270" imgH="270" progId="TCLayout.ActiveDocument.1">
                   <p:embed/>
                 </p:oleObj>
               </mc:Choice>
@@ -23778,7 +23779,7 @@
           <a:graphicData uri="http://schemas.openxmlformats.org/presentationml/2006/ole">
             <mc:AlternateContent xmlns:mc="http://schemas.openxmlformats.org/markup-compatibility/2006">
               <mc:Choice xmlns:v="urn:schemas-microsoft-com:vml" Requires="v">
-                <p:oleObj spid="_x0000_s8345" name="think-cell Slide" r:id="rId7" imgW="270" imgH="270" progId="TCLayout.ActiveDocument.1">
+                <p:oleObj spid="_x0000_s8347" name="think-cell Slide" r:id="rId7" imgW="270" imgH="270" progId="TCLayout.ActiveDocument.1">
                   <p:embed/>
                 </p:oleObj>
               </mc:Choice>
@@ -24083,7 +24084,7 @@
           <a:graphicData uri="http://schemas.openxmlformats.org/presentationml/2006/ole">
             <mc:AlternateContent xmlns:mc="http://schemas.openxmlformats.org/markup-compatibility/2006">
               <mc:Choice xmlns:v="urn:schemas-microsoft-com:vml" Requires="v">
-                <p:oleObj spid="_x0000_s1101" name="think-cell Slide" r:id="rId24" imgW="270" imgH="270" progId="TCLayout.ActiveDocument.1">
+                <p:oleObj spid="_x0000_s1102" name="think-cell Slide" r:id="rId24" imgW="270" imgH="270" progId="TCLayout.ActiveDocument.1">
                   <p:embed/>
                 </p:oleObj>
               </mc:Choice>
@@ -24777,7 +24778,7 @@
           <a:graphicData uri="http://schemas.openxmlformats.org/presentationml/2006/ole">
             <mc:AlternateContent xmlns:mc="http://schemas.openxmlformats.org/markup-compatibility/2006">
               <mc:Choice xmlns:v="urn:schemas-microsoft-com:vml" Requires="v">
-                <p:oleObj spid="_x0000_s18509" name="think-cell Slide" r:id="rId16" imgW="270" imgH="270" progId="TCLayout.ActiveDocument.1">
+                <p:oleObj spid="_x0000_s18510" name="think-cell Slide" r:id="rId16" imgW="270" imgH="270" progId="TCLayout.ActiveDocument.1">
                   <p:embed/>
                 </p:oleObj>
               </mc:Choice>
@@ -25465,7 +25466,7 @@
           <a:graphicData uri="http://schemas.openxmlformats.org/presentationml/2006/ole">
             <mc:AlternateContent xmlns:mc="http://schemas.openxmlformats.org/markup-compatibility/2006">
               <mc:Choice xmlns:v="urn:schemas-microsoft-com:vml" Requires="v">
-                <p:oleObj spid="_x0000_s28749" name="think-cell Slide" r:id="rId17" imgW="270" imgH="270" progId="TCLayout.ActiveDocument.1">
+                <p:oleObj spid="_x0000_s28750" name="think-cell Slide" r:id="rId17" imgW="270" imgH="270" progId="TCLayout.ActiveDocument.1">
                   <p:embed/>
                 </p:oleObj>
               </mc:Choice>
@@ -43025,15 +43026,7 @@
                   <a:schemeClr val="accent4"/>
                 </a:solidFill>
               </a:rPr>
-              <a:t>POST </a:t>
-            </a:r>
-            <a:r>
-              <a:rPr lang="da-DK" sz="1100" b="1" dirty="0" smtClean="0">
-                <a:solidFill>
-                  <a:schemeClr val="accent4"/>
-                </a:solidFill>
-              </a:rPr>
-              <a:t>/</a:t>
+              <a:t>POST /</a:t>
             </a:r>
             <a:r>
               <a:rPr lang="en-GB" sz="1100" b="1" dirty="0" err="1" smtClean="0">
@@ -44012,15 +44005,7 @@
                   <a:schemeClr val="accent4"/>
                 </a:solidFill>
               </a:rPr>
-              <a:t>GET</a:t>
-            </a:r>
-            <a:r>
-              <a:rPr lang="da-DK" sz="1100" b="1" dirty="0" smtClean="0">
-                <a:solidFill>
-                  <a:schemeClr val="accent4"/>
-                </a:solidFill>
-              </a:rPr>
-              <a:t> /</a:t>
+              <a:t>GET /</a:t>
             </a:r>
             <a:r>
               <a:rPr lang="en-GB" sz="1100" b="1" dirty="0" err="1" smtClean="0">
@@ -44199,15 +44184,7 @@
                   <a:schemeClr val="accent4"/>
                 </a:solidFill>
               </a:rPr>
-              <a:t>POST</a:t>
-            </a:r>
-            <a:r>
-              <a:rPr lang="da-DK" sz="1100" b="1" dirty="0" smtClean="0">
-                <a:solidFill>
-                  <a:schemeClr val="accent4"/>
-                </a:solidFill>
-              </a:rPr>
-              <a:t> /</a:t>
+              <a:t>POST /</a:t>
             </a:r>
             <a:r>
               <a:rPr lang="en-GB" sz="1100" b="1" dirty="0" smtClean="0">
@@ -44378,15 +44355,7 @@
                   <a:schemeClr val="accent4"/>
                 </a:solidFill>
               </a:rPr>
-              <a:t>POST</a:t>
-            </a:r>
-            <a:r>
-              <a:rPr lang="da-DK" sz="1100" b="1" dirty="0" smtClean="0">
-                <a:solidFill>
-                  <a:schemeClr val="accent4"/>
-                </a:solidFill>
-              </a:rPr>
-              <a:t> /</a:t>
+              <a:t>POST /</a:t>
             </a:r>
             <a:r>
               <a:rPr lang="en-GB" sz="1100" b="1" dirty="0" smtClean="0">
@@ -44672,15 +44641,7 @@
                   <a:schemeClr val="accent4"/>
                 </a:solidFill>
               </a:rPr>
-              <a:t>GET</a:t>
-            </a:r>
-            <a:r>
-              <a:rPr lang="da-DK" sz="1100" b="1" dirty="0" smtClean="0">
-                <a:solidFill>
-                  <a:schemeClr val="accent4"/>
-                </a:solidFill>
-              </a:rPr>
-              <a:t> /</a:t>
+              <a:t>GET /</a:t>
             </a:r>
             <a:r>
               <a:rPr lang="en-GB" sz="1100" b="1" dirty="0" err="1" smtClean="0">
@@ -45095,6 +45056,400 @@
     <p:extLst>
       <p:ext uri="{BB962C8B-B14F-4D97-AF65-F5344CB8AC3E}">
         <p14:creationId xmlns:p14="http://schemas.microsoft.com/office/powerpoint/2010/main" val="2752715930"/>
+      </p:ext>
+    </p:extLst>
+  </p:cSld>
+  <p:clrMapOvr>
+    <a:masterClrMapping/>
+  </p:clrMapOvr>
+</p:sld>
+</file>
+
+<file path=ppt/slides/slide28.xml><?xml version="1.0" encoding="utf-8"?>
+<p:sld xmlns:a="http://schemas.openxmlformats.org/drawingml/2006/main" xmlns:r="http://schemas.openxmlformats.org/officeDocument/2006/relationships" xmlns:p="http://schemas.openxmlformats.org/presentationml/2006/main">
+  <p:cSld>
+    <p:spTree>
+      <p:nvGrpSpPr>
+        <p:cNvPr id="1" name=""/>
+        <p:cNvGrpSpPr/>
+        <p:nvPr/>
+      </p:nvGrpSpPr>
+      <p:grpSpPr>
+        <a:xfrm>
+          <a:off x="0" y="0"/>
+          <a:ext cx="0" cy="0"/>
+          <a:chOff x="0" y="0"/>
+          <a:chExt cx="0" cy="0"/>
+        </a:xfrm>
+      </p:grpSpPr>
+      <p:pic>
+        <p:nvPicPr>
+          <p:cNvPr id="5" name="Picture 4"/>
+          <p:cNvPicPr>
+            <a:picLocks noChangeAspect="1"/>
+          </p:cNvPicPr>
+          <p:nvPr/>
+        </p:nvPicPr>
+        <p:blipFill rotWithShape="1">
+          <a:blip r:embed="rId3" cstate="print">
+            <a:extLst>
+              <a:ext uri="{28A0092B-C50C-407E-A947-70E740481C1C}">
+                <a14:useLocalDpi xmlns:a14="http://schemas.microsoft.com/office/drawing/2010/main" val="0"/>
+              </a:ext>
+            </a:extLst>
+          </a:blip>
+          <a:srcRect l="954" t="17150" r="55824" b="17177"/>
+          <a:stretch/>
+        </p:blipFill>
+        <p:spPr>
+          <a:xfrm>
+            <a:off x="3079178" y="681170"/>
+            <a:ext cx="780517" cy="1080000"/>
+          </a:xfrm>
+          <a:prstGeom prst="rect">
+            <a:avLst/>
+          </a:prstGeom>
+        </p:spPr>
+      </p:pic>
+      <p:pic>
+        <p:nvPicPr>
+          <p:cNvPr id="6" name="icon_computer_colour"/>
+          <p:cNvPicPr>
+            <a:picLocks noChangeAspect="1"/>
+          </p:cNvPicPr>
+          <p:nvPr>
+            <p:custDataLst>
+              <p:tags r:id="rId1"/>
+            </p:custDataLst>
+          </p:nvPr>
+        </p:nvPicPr>
+        <p:blipFill rotWithShape="1">
+          <a:blip r:embed="rId4" cstate="print">
+            <a:extLst>
+              <a:ext uri="{28A0092B-C50C-407E-A947-70E740481C1C}">
+                <a14:useLocalDpi xmlns:a14="http://schemas.microsoft.com/office/drawing/2010/main" val="0"/>
+              </a:ext>
+            </a:extLst>
+          </a:blip>
+          <a:srcRect t="12353" b="14097"/>
+          <a:stretch/>
+        </p:blipFill>
+        <p:spPr>
+          <a:xfrm>
+            <a:off x="7389045" y="646706"/>
+            <a:ext cx="1712014" cy="1146721"/>
+          </a:xfrm>
+          <a:prstGeom prst="rect">
+            <a:avLst/>
+          </a:prstGeom>
+        </p:spPr>
+      </p:pic>
+      <p:pic>
+        <p:nvPicPr>
+          <p:cNvPr id="7" name="Picture 2" descr="Billedresultat for mobilepay logo"/>
+          <p:cNvPicPr>
+            <a:picLocks noChangeAspect="1" noChangeArrowheads="1"/>
+          </p:cNvPicPr>
+          <p:nvPr/>
+        </p:nvPicPr>
+        <p:blipFill rotWithShape="1">
+          <a:blip r:embed="rId5" cstate="print">
+            <a:extLst>
+              <a:ext uri="{28A0092B-C50C-407E-A947-70E740481C1C}">
+                <a14:useLocalDpi xmlns:a14="http://schemas.microsoft.com/office/drawing/2010/main" val="0"/>
+              </a:ext>
+            </a:extLst>
+          </a:blip>
+          <a:srcRect l="40451" t="39819" r="24722" b="40276"/>
+          <a:stretch/>
+        </p:blipFill>
+        <p:spPr bwMode="auto">
+          <a:xfrm>
+            <a:off x="7707634" y="1037064"/>
+            <a:ext cx="1094082" cy="259494"/>
+          </a:xfrm>
+          <a:prstGeom prst="rect">
+            <a:avLst/>
+          </a:prstGeom>
+          <a:noFill/>
+          <a:extLst>
+            <a:ext uri="{909E8E84-426E-40DD-AFC4-6F175D3DCCD1}">
+              <a14:hiddenFill xmlns:a14="http://schemas.microsoft.com/office/drawing/2010/main">
+                <a:solidFill>
+                  <a:srgbClr val="FFFFFF"/>
+                </a:solidFill>
+              </a14:hiddenFill>
+            </a:ext>
+          </a:extLst>
+        </p:spPr>
+      </p:pic>
+      <p:cxnSp>
+        <p:nvCxnSpPr>
+          <p:cNvPr id="9" name="Straight Arrow Connector 8"/>
+          <p:cNvCxnSpPr/>
+          <p:nvPr/>
+        </p:nvCxnSpPr>
+        <p:spPr>
+          <a:xfrm>
+            <a:off x="3553868" y="2903934"/>
+            <a:ext cx="4702103" cy="0"/>
+          </a:xfrm>
+          <a:prstGeom prst="straightConnector1">
+            <a:avLst/>
+          </a:prstGeom>
+          <a:ln w="28575">
+            <a:prstDash val="sysDash"/>
+            <a:headEnd type="triangle" w="med" len="med"/>
+            <a:tailEnd type="none" w="med" len="med"/>
+          </a:ln>
+        </p:spPr>
+        <p:style>
+          <a:lnRef idx="3">
+            <a:schemeClr val="accent2"/>
+          </a:lnRef>
+          <a:fillRef idx="0">
+            <a:schemeClr val="accent2"/>
+          </a:fillRef>
+          <a:effectRef idx="2">
+            <a:schemeClr val="accent2"/>
+          </a:effectRef>
+          <a:fontRef idx="minor">
+            <a:schemeClr val="tx1"/>
+          </a:fontRef>
+        </p:style>
+      </p:cxnSp>
+      <p:cxnSp>
+        <p:nvCxnSpPr>
+          <p:cNvPr id="10" name="Straight Arrow Connector 9"/>
+          <p:cNvCxnSpPr/>
+          <p:nvPr/>
+        </p:nvCxnSpPr>
+        <p:spPr>
+          <a:xfrm>
+            <a:off x="3553868" y="2693869"/>
+            <a:ext cx="4702103" cy="0"/>
+          </a:xfrm>
+          <a:prstGeom prst="straightConnector1">
+            <a:avLst/>
+          </a:prstGeom>
+          <a:ln w="28575">
+            <a:headEnd type="none" w="med" len="med"/>
+            <a:tailEnd type="triangle" w="med" len="med"/>
+          </a:ln>
+        </p:spPr>
+        <p:style>
+          <a:lnRef idx="3">
+            <a:schemeClr val="accent2"/>
+          </a:lnRef>
+          <a:fillRef idx="0">
+            <a:schemeClr val="accent2"/>
+          </a:fillRef>
+          <a:effectRef idx="2">
+            <a:schemeClr val="accent2"/>
+          </a:effectRef>
+          <a:fontRef idx="minor">
+            <a:schemeClr val="tx1"/>
+          </a:fontRef>
+        </p:style>
+      </p:cxnSp>
+      <p:sp>
+        <p:nvSpPr>
+          <p:cNvPr id="11" name="TextBox 10"/>
+          <p:cNvSpPr txBox="1"/>
+          <p:nvPr/>
+        </p:nvSpPr>
+        <p:spPr>
+          <a:xfrm>
+            <a:off x="3927107" y="2488310"/>
+            <a:ext cx="4081112" cy="169277"/>
+          </a:xfrm>
+          <a:prstGeom prst="rect">
+            <a:avLst/>
+          </a:prstGeom>
+          <a:noFill/>
+        </p:spPr>
+        <p:txBody>
+          <a:bodyPr wrap="square" lIns="0" tIns="0" rIns="0" bIns="0" rtlCol="0">
+            <a:spAutoFit/>
+          </a:bodyPr>
+          <a:lstStyle/>
+          <a:p>
+            <a:pPr algn="ctr"/>
+            <a:r>
+              <a:rPr lang="da-DK" sz="1100" b="1" dirty="0" smtClean="0">
+                <a:solidFill>
+                  <a:schemeClr val="accent4"/>
+                </a:solidFill>
+              </a:rPr>
+              <a:t>GET /</a:t>
+            </a:r>
+            <a:r>
+              <a:rPr lang="da-DK" sz="1100" b="1" dirty="0" err="1" smtClean="0">
+                <a:solidFill>
+                  <a:schemeClr val="accent4"/>
+                </a:solidFill>
+              </a:rPr>
+              <a:t>stores?merchantBrandId</a:t>
+            </a:r>
+            <a:r>
+              <a:rPr lang="da-DK" sz="1100" b="1" dirty="0" smtClean="0">
+                <a:solidFill>
+                  <a:schemeClr val="accent4"/>
+                </a:solidFill>
+              </a:rPr>
+              <a:t>=…&amp;</a:t>
+            </a:r>
+            <a:r>
+              <a:rPr lang="da-DK" sz="1100" b="1" dirty="0" err="1" smtClean="0">
+                <a:solidFill>
+                  <a:schemeClr val="accent4"/>
+                </a:solidFill>
+              </a:rPr>
+              <a:t>merchantLocationId</a:t>
+            </a:r>
+            <a:r>
+              <a:rPr lang="da-DK" sz="1100" b="1" dirty="0" smtClean="0">
+                <a:solidFill>
+                  <a:schemeClr val="accent4"/>
+                </a:solidFill>
+              </a:rPr>
+              <a:t>=…</a:t>
+            </a:r>
+            <a:endParaRPr lang="en-GB" sz="1100" b="1" dirty="0">
+              <a:solidFill>
+                <a:schemeClr val="accent4"/>
+              </a:solidFill>
+            </a:endParaRPr>
+          </a:p>
+        </p:txBody>
+      </p:sp>
+      <p:sp>
+        <p:nvSpPr>
+          <p:cNvPr id="12" name="TextBox 11"/>
+          <p:cNvSpPr txBox="1"/>
+          <p:nvPr/>
+        </p:nvSpPr>
+        <p:spPr>
+          <a:xfrm>
+            <a:off x="4378351" y="2940193"/>
+            <a:ext cx="3240025" cy="169277"/>
+          </a:xfrm>
+          <a:prstGeom prst="rect">
+            <a:avLst/>
+          </a:prstGeom>
+          <a:noFill/>
+        </p:spPr>
+        <p:txBody>
+          <a:bodyPr wrap="square" lIns="0" tIns="0" rIns="0" bIns="0" rtlCol="0">
+            <a:spAutoFit/>
+          </a:bodyPr>
+          <a:lstStyle/>
+          <a:p>
+            <a:pPr algn="ctr"/>
+            <a:r>
+              <a:rPr lang="da-DK" sz="1100" b="1" dirty="0" smtClean="0">
+                <a:solidFill>
+                  <a:schemeClr val="accent4"/>
+                </a:solidFill>
+              </a:rPr>
+              <a:t>[</a:t>
+            </a:r>
+            <a:r>
+              <a:rPr lang="da-DK" sz="1100" b="1" dirty="0" err="1" smtClean="0">
+                <a:solidFill>
+                  <a:schemeClr val="accent4"/>
+                </a:solidFill>
+              </a:rPr>
+              <a:t>storeId</a:t>
+            </a:r>
+            <a:r>
+              <a:rPr lang="da-DK" sz="1100" b="1" dirty="0" smtClean="0">
+                <a:solidFill>
+                  <a:schemeClr val="accent4"/>
+                </a:solidFill>
+              </a:rPr>
+              <a:t>]</a:t>
+            </a:r>
+            <a:endParaRPr lang="en-GB" sz="1100" b="1" dirty="0">
+              <a:solidFill>
+                <a:schemeClr val="accent4"/>
+              </a:solidFill>
+            </a:endParaRPr>
+          </a:p>
+        </p:txBody>
+      </p:sp>
+      <p:cxnSp>
+        <p:nvCxnSpPr>
+          <p:cNvPr id="17" name="Straight Arrow Connector 16"/>
+          <p:cNvCxnSpPr/>
+          <p:nvPr/>
+        </p:nvCxnSpPr>
+        <p:spPr>
+          <a:xfrm>
+            <a:off x="8255971" y="1782051"/>
+            <a:ext cx="0" cy="1846673"/>
+          </a:xfrm>
+          <a:prstGeom prst="straightConnector1">
+            <a:avLst/>
+          </a:prstGeom>
+          <a:ln w="76200">
+            <a:headEnd type="none" w="med" len="med"/>
+            <a:tailEnd type="none" w="med" len="med"/>
+          </a:ln>
+        </p:spPr>
+        <p:style>
+          <a:lnRef idx="3">
+            <a:schemeClr val="dk1"/>
+          </a:lnRef>
+          <a:fillRef idx="0">
+            <a:schemeClr val="dk1"/>
+          </a:fillRef>
+          <a:effectRef idx="2">
+            <a:schemeClr val="dk1"/>
+          </a:effectRef>
+          <a:fontRef idx="minor">
+            <a:schemeClr val="tx1"/>
+          </a:fontRef>
+        </p:style>
+      </p:cxnSp>
+      <p:cxnSp>
+        <p:nvCxnSpPr>
+          <p:cNvPr id="21" name="Straight Arrow Connector 20"/>
+          <p:cNvCxnSpPr/>
+          <p:nvPr/>
+        </p:nvCxnSpPr>
+        <p:spPr>
+          <a:xfrm>
+            <a:off x="3551904" y="1782051"/>
+            <a:ext cx="0" cy="1846673"/>
+          </a:xfrm>
+          <a:prstGeom prst="straightConnector1">
+            <a:avLst/>
+          </a:prstGeom>
+          <a:ln w="76200">
+            <a:headEnd type="none" w="med" len="med"/>
+            <a:tailEnd type="none" w="med" len="med"/>
+          </a:ln>
+        </p:spPr>
+        <p:style>
+          <a:lnRef idx="3">
+            <a:schemeClr val="dk1"/>
+          </a:lnRef>
+          <a:fillRef idx="0">
+            <a:schemeClr val="dk1"/>
+          </a:fillRef>
+          <a:effectRef idx="2">
+            <a:schemeClr val="dk1"/>
+          </a:effectRef>
+          <a:fontRef idx="minor">
+            <a:schemeClr val="tx1"/>
+          </a:fontRef>
+        </p:style>
+      </p:cxnSp>
+    </p:spTree>
+    <p:extLst>
+      <p:ext uri="{BB962C8B-B14F-4D97-AF65-F5344CB8AC3E}">
+        <p14:creationId xmlns:p14="http://schemas.microsoft.com/office/powerpoint/2010/main" val="3557712734"/>
       </p:ext>
     </p:extLst>
   </p:cSld>
@@ -56311,6 +56666,19 @@
 </file>
 
 <file path=ppt/tags/tag76.xml><?xml version="1.0" encoding="utf-8"?>
+<p:tagLst xmlns:a="http://schemas.openxmlformats.org/drawingml/2006/main" xmlns:r="http://schemas.openxmlformats.org/officeDocument/2006/relationships" xmlns:p="http://schemas.openxmlformats.org/presentationml/2006/main">
+  <p:tag name="MIO_GUID" val="a7f3e6c8-c6b6-4086-9480-dc906492de93"/>
+  <p:tag name="MIO_EKGUID" val="10433a5b-fa5c-4118-afff-a95b422417fe"/>
+  <p:tag name="MIO_UPDATE" val="True"/>
+  <p:tag name="MIO_VERSION" val="07.11.2017 12:41:49"/>
+  <p:tag name="MIO_DBID" val="5D9FD29E-BEEC-40D7-BFBE-407D9085DE5F"/>
+  <p:tag name="MIO_LASTDOWNLOADED" val="30.10.2018 21:54:48"/>
+  <p:tag name="MIO_OBJECTNAME" val="icon_computer_colour"/>
+  <p:tag name="MIO_LASTEDITORNAME" val="Cecilie Rahbek Knudsen"/>
+</p:tagLst>
+</file>
+
+<file path=ppt/tags/tag77.xml><?xml version="1.0" encoding="utf-8"?>
 <p:tagLst xmlns:a="http://schemas.openxmlformats.org/drawingml/2006/main" xmlns:r="http://schemas.openxmlformats.org/officeDocument/2006/relationships" xmlns:p="http://schemas.openxmlformats.org/presentationml/2006/main">
   <p:tag name="MIO_GUID" val="a7f3e6c8-c6b6-4086-9480-dc906492de93"/>
   <p:tag name="MIO_EKGUID" val="10433a5b-fa5c-4118-afff-a95b422417fe"/>

--- a/docs/assets/TitaniumFlows.pptx
+++ b/docs/assets/TitaniumFlows.pptx
@@ -213,7 +213,7 @@
           <a:graphicData uri="http://schemas.openxmlformats.org/presentationml/2006/ole">
             <mc:AlternateContent xmlns:mc="http://schemas.openxmlformats.org/markup-compatibility/2006">
               <mc:Choice xmlns:v="urn:schemas-microsoft-com:vml" Requires="v">
-                <p:oleObj spid="_x0000_s2126" name="think-cell Slide" r:id="rId5" imgW="270" imgH="270" progId="TCLayout.ActiveDocument.1">
+                <p:oleObj spid="_x0000_s2127" name="think-cell Slide" r:id="rId5" imgW="270" imgH="270" progId="TCLayout.ActiveDocument.1">
                   <p:embed/>
                 </p:oleObj>
               </mc:Choice>
@@ -395,7 +395,7 @@
           <a:p>
             <a:fld id="{B56E8790-EF43-4195-82DA-4A26D543E504}" type="datetimeFigureOut">
               <a:rPr lang="en-GB" smtClean="0"/>
-              <a:t>19/11/2019</a:t>
+              <a:t>21/11/2019</a:t>
             </a:fld>
             <a:endParaRPr lang="en-GB" dirty="0"/>
           </a:p>
@@ -493,7 +493,7 @@
           <a:graphicData uri="http://schemas.openxmlformats.org/presentationml/2006/ole">
             <mc:AlternateContent xmlns:mc="http://schemas.openxmlformats.org/markup-compatibility/2006">
               <mc:Choice xmlns:v="urn:schemas-microsoft-com:vml" Requires="v">
-                <p:oleObj spid="_x0000_s9370" name="think-cell Slide" r:id="rId5" imgW="270" imgH="270" progId="TCLayout.ActiveDocument.1">
+                <p:oleObj spid="_x0000_s9372" name="think-cell Slide" r:id="rId5" imgW="270" imgH="270" progId="TCLayout.ActiveDocument.1">
                   <p:embed/>
                 </p:oleObj>
               </mc:Choice>
@@ -607,7 +607,7 @@
           <a:p>
             <a:fld id="{B56E8790-EF43-4195-82DA-4A26D543E504}" type="datetimeFigureOut">
               <a:rPr lang="en-GB" smtClean="0"/>
-              <a:t>19/11/2019</a:t>
+              <a:t>21/11/2019</a:t>
             </a:fld>
             <a:endParaRPr lang="en-GB" dirty="0"/>
           </a:p>
@@ -1201,7 +1201,7 @@
           <a:graphicData uri="http://schemas.openxmlformats.org/presentationml/2006/ole">
             <mc:AlternateContent xmlns:mc="http://schemas.openxmlformats.org/markup-compatibility/2006">
               <mc:Choice xmlns:v="urn:schemas-microsoft-com:vml" Requires="v">
-                <p:oleObj spid="_x0000_s9371" name="think-cell Slide" r:id="rId7" imgW="270" imgH="270" progId="TCLayout.ActiveDocument.1">
+                <p:oleObj spid="_x0000_s9373" name="think-cell Slide" r:id="rId7" imgW="270" imgH="270" progId="TCLayout.ActiveDocument.1">
                   <p:embed/>
                 </p:oleObj>
               </mc:Choice>
@@ -1506,7 +1506,7 @@
           <a:graphicData uri="http://schemas.openxmlformats.org/presentationml/2006/ole">
             <mc:AlternateContent xmlns:mc="http://schemas.openxmlformats.org/markup-compatibility/2006">
               <mc:Choice xmlns:v="urn:schemas-microsoft-com:vml" Requires="v">
-                <p:oleObj spid="_x0000_s10394" name="think-cell Slide" r:id="rId5" imgW="270" imgH="270" progId="TCLayout.ActiveDocument.1">
+                <p:oleObj spid="_x0000_s10396" name="think-cell Slide" r:id="rId5" imgW="270" imgH="270" progId="TCLayout.ActiveDocument.1">
                   <p:embed/>
                 </p:oleObj>
               </mc:Choice>
@@ -1571,7 +1571,7 @@
           <a:p>
             <a:fld id="{B56E8790-EF43-4195-82DA-4A26D543E504}" type="datetimeFigureOut">
               <a:rPr lang="en-GB" smtClean="0"/>
-              <a:t>19/11/2019</a:t>
+              <a:t>21/11/2019</a:t>
             </a:fld>
             <a:endParaRPr lang="en-GB" dirty="0"/>
           </a:p>
@@ -1957,7 +1957,7 @@
           <a:graphicData uri="http://schemas.openxmlformats.org/presentationml/2006/ole">
             <mc:AlternateContent xmlns:mc="http://schemas.openxmlformats.org/markup-compatibility/2006">
               <mc:Choice xmlns:v="urn:schemas-microsoft-com:vml" Requires="v">
-                <p:oleObj spid="_x0000_s10395" name="think-cell Slide" r:id="rId8" imgW="270" imgH="270" progId="TCLayout.ActiveDocument.1">
+                <p:oleObj spid="_x0000_s10397" name="think-cell Slide" r:id="rId8" imgW="270" imgH="270" progId="TCLayout.ActiveDocument.1">
                   <p:embed/>
                 </p:oleObj>
               </mc:Choice>
@@ -2224,7 +2224,7 @@
           <a:graphicData uri="http://schemas.openxmlformats.org/presentationml/2006/ole">
             <mc:AlternateContent xmlns:mc="http://schemas.openxmlformats.org/markup-compatibility/2006">
               <mc:Choice xmlns:v="urn:schemas-microsoft-com:vml" Requires="v">
-                <p:oleObj spid="_x0000_s11342" name="think-cell Slide" r:id="rId4" imgW="270" imgH="270" progId="TCLayout.ActiveDocument.1">
+                <p:oleObj spid="_x0000_s11343" name="think-cell Slide" r:id="rId4" imgW="270" imgH="270" progId="TCLayout.ActiveDocument.1">
                   <p:embed/>
                 </p:oleObj>
               </mc:Choice>
@@ -2281,7 +2281,7 @@
           <a:p>
             <a:fld id="{B56E8790-EF43-4195-82DA-4A26D543E504}" type="datetimeFigureOut">
               <a:rPr lang="en-GB" smtClean="0"/>
-              <a:t>19/11/2019</a:t>
+              <a:t>21/11/2019</a:t>
             </a:fld>
             <a:endParaRPr lang="en-GB" dirty="0"/>
           </a:p>
@@ -2671,7 +2671,7 @@
           <a:graphicData uri="http://schemas.openxmlformats.org/presentationml/2006/ole">
             <mc:AlternateContent xmlns:mc="http://schemas.openxmlformats.org/markup-compatibility/2006">
               <mc:Choice xmlns:v="urn:schemas-microsoft-com:vml" Requires="v">
-                <p:oleObj spid="_x0000_s12366" name="think-cell Slide" r:id="rId4" imgW="270" imgH="270" progId="TCLayout.ActiveDocument.1">
+                <p:oleObj spid="_x0000_s12367" name="think-cell Slide" r:id="rId4" imgW="270" imgH="270" progId="TCLayout.ActiveDocument.1">
                   <p:embed/>
                 </p:oleObj>
               </mc:Choice>
@@ -2728,7 +2728,7 @@
           <a:p>
             <a:fld id="{B56E8790-EF43-4195-82DA-4A26D543E504}" type="datetimeFigureOut">
               <a:rPr lang="en-GB" smtClean="0"/>
-              <a:t>19/11/2019</a:t>
+              <a:t>21/11/2019</a:t>
             </a:fld>
             <a:endParaRPr lang="en-GB" dirty="0"/>
           </a:p>
@@ -3280,7 +3280,7 @@
           <a:graphicData uri="http://schemas.openxmlformats.org/presentationml/2006/ole">
             <mc:AlternateContent xmlns:mc="http://schemas.openxmlformats.org/markup-compatibility/2006">
               <mc:Choice xmlns:v="urn:schemas-microsoft-com:vml" Requires="v">
-                <p:oleObj spid="_x0000_s13390" name="think-cell Slide" r:id="rId4" imgW="270" imgH="270" progId="TCLayout.ActiveDocument.1">
+                <p:oleObj spid="_x0000_s13391" name="think-cell Slide" r:id="rId4" imgW="270" imgH="270" progId="TCLayout.ActiveDocument.1">
                   <p:embed/>
                 </p:oleObj>
               </mc:Choice>
@@ -3337,7 +3337,7 @@
           <a:p>
             <a:fld id="{B56E8790-EF43-4195-82DA-4A26D543E504}" type="datetimeFigureOut">
               <a:rPr lang="en-GB" smtClean="0"/>
-              <a:t>19/11/2019</a:t>
+              <a:t>21/11/2019</a:t>
             </a:fld>
             <a:endParaRPr lang="en-GB" dirty="0"/>
           </a:p>
@@ -3889,7 +3889,7 @@
           <a:graphicData uri="http://schemas.openxmlformats.org/presentationml/2006/ole">
             <mc:AlternateContent xmlns:mc="http://schemas.openxmlformats.org/markup-compatibility/2006">
               <mc:Choice xmlns:v="urn:schemas-microsoft-com:vml" Requires="v">
-                <p:oleObj spid="_x0000_s14414" name="think-cell Slide" r:id="rId4" imgW="270" imgH="270" progId="TCLayout.ActiveDocument.1">
+                <p:oleObj spid="_x0000_s14415" name="think-cell Slide" r:id="rId4" imgW="270" imgH="270" progId="TCLayout.ActiveDocument.1">
                   <p:embed/>
                 </p:oleObj>
               </mc:Choice>
@@ -3946,7 +3946,7 @@
           <a:p>
             <a:fld id="{B56E8790-EF43-4195-82DA-4A26D543E504}" type="datetimeFigureOut">
               <a:rPr lang="en-GB" smtClean="0"/>
-              <a:t>19/11/2019</a:t>
+              <a:t>21/11/2019</a:t>
             </a:fld>
             <a:endParaRPr lang="en-GB" dirty="0"/>
           </a:p>
@@ -4498,7 +4498,7 @@
           <a:graphicData uri="http://schemas.openxmlformats.org/presentationml/2006/ole">
             <mc:AlternateContent xmlns:mc="http://schemas.openxmlformats.org/markup-compatibility/2006">
               <mc:Choice xmlns:v="urn:schemas-microsoft-com:vml" Requires="v">
-                <p:oleObj spid="_x0000_s15438" name="think-cell Slide" r:id="rId4" imgW="270" imgH="270" progId="TCLayout.ActiveDocument.1">
+                <p:oleObj spid="_x0000_s15439" name="think-cell Slide" r:id="rId4" imgW="270" imgH="270" progId="TCLayout.ActiveDocument.1">
                   <p:embed/>
                 </p:oleObj>
               </mc:Choice>
@@ -4555,7 +4555,7 @@
           <a:p>
             <a:fld id="{B56E8790-EF43-4195-82DA-4A26D543E504}" type="datetimeFigureOut">
               <a:rPr lang="en-GB" smtClean="0"/>
-              <a:t>19/11/2019</a:t>
+              <a:t>21/11/2019</a:t>
             </a:fld>
             <a:endParaRPr lang="en-GB" dirty="0"/>
           </a:p>
@@ -5107,7 +5107,7 @@
           <a:graphicData uri="http://schemas.openxmlformats.org/presentationml/2006/ole">
             <mc:AlternateContent xmlns:mc="http://schemas.openxmlformats.org/markup-compatibility/2006">
               <mc:Choice xmlns:v="urn:schemas-microsoft-com:vml" Requires="v">
-                <p:oleObj spid="_x0000_s16462" name="think-cell Slide" r:id="rId4" imgW="270" imgH="270" progId="TCLayout.ActiveDocument.1">
+                <p:oleObj spid="_x0000_s16463" name="think-cell Slide" r:id="rId4" imgW="270" imgH="270" progId="TCLayout.ActiveDocument.1">
                   <p:embed/>
                 </p:oleObj>
               </mc:Choice>
@@ -5164,7 +5164,7 @@
           <a:p>
             <a:fld id="{B56E8790-EF43-4195-82DA-4A26D543E504}" type="datetimeFigureOut">
               <a:rPr lang="en-GB" smtClean="0"/>
-              <a:t>19/11/2019</a:t>
+              <a:t>21/11/2019</a:t>
             </a:fld>
             <a:endParaRPr lang="en-GB" dirty="0"/>
           </a:p>
@@ -5716,7 +5716,7 @@
           <a:graphicData uri="http://schemas.openxmlformats.org/presentationml/2006/ole">
             <mc:AlternateContent xmlns:mc="http://schemas.openxmlformats.org/markup-compatibility/2006">
               <mc:Choice xmlns:v="urn:schemas-microsoft-com:vml" Requires="v">
-                <p:oleObj spid="_x0000_s17486" name="think-cell Slide" r:id="rId4" imgW="270" imgH="270" progId="TCLayout.ActiveDocument.1">
+                <p:oleObj spid="_x0000_s17487" name="think-cell Slide" r:id="rId4" imgW="270" imgH="270" progId="TCLayout.ActiveDocument.1">
                   <p:embed/>
                 </p:oleObj>
               </mc:Choice>
@@ -5773,7 +5773,7 @@
           <a:p>
             <a:fld id="{B56E8790-EF43-4195-82DA-4A26D543E504}" type="datetimeFigureOut">
               <a:rPr lang="en-GB" smtClean="0"/>
-              <a:t>19/11/2019</a:t>
+              <a:t>21/11/2019</a:t>
             </a:fld>
             <a:endParaRPr lang="en-GB" dirty="0"/>
           </a:p>
@@ -6418,7 +6418,7 @@
           <a:p>
             <a:fld id="{B56E8790-EF43-4195-82DA-4A26D543E504}" type="datetimeFigureOut">
               <a:rPr lang="en-GB" smtClean="0"/>
-              <a:t>19/11/2019</a:t>
+              <a:t>21/11/2019</a:t>
             </a:fld>
             <a:endParaRPr lang="en-GB" dirty="0"/>
           </a:p>
@@ -6529,7 +6529,7 @@
           <a:graphicData uri="http://schemas.openxmlformats.org/presentationml/2006/ole">
             <mc:AlternateContent xmlns:mc="http://schemas.openxmlformats.org/markup-compatibility/2006">
               <mc:Choice xmlns:v="urn:schemas-microsoft-com:vml" Requires="v">
-                <p:oleObj spid="_x0000_s3150" name="think-cell Slide" r:id="rId4" imgW="270" imgH="270" progId="TCLayout.ActiveDocument.1">
+                <p:oleObj spid="_x0000_s3151" name="think-cell Slide" r:id="rId4" imgW="270" imgH="270" progId="TCLayout.ActiveDocument.1">
                   <p:embed/>
                 </p:oleObj>
               </mc:Choice>
@@ -6678,7 +6678,7 @@
           <a:p>
             <a:fld id="{B56E8790-EF43-4195-82DA-4A26D543E504}" type="datetimeFigureOut">
               <a:rPr lang="en-GB" smtClean="0"/>
-              <a:t>19/11/2019</a:t>
+              <a:t>21/11/2019</a:t>
             </a:fld>
             <a:endParaRPr lang="en-GB" dirty="0"/>
           </a:p>
@@ -6843,7 +6843,7 @@
           <a:graphicData uri="http://schemas.openxmlformats.org/presentationml/2006/ole">
             <mc:AlternateContent xmlns:mc="http://schemas.openxmlformats.org/markup-compatibility/2006">
               <mc:Choice xmlns:v="urn:schemas-microsoft-com:vml" Requires="v">
-                <p:oleObj spid="_x0000_s19534" name="think-cell Slide" r:id="rId5" imgW="270" imgH="270" progId="TCLayout.ActiveDocument.1">
+                <p:oleObj spid="_x0000_s19535" name="think-cell Slide" r:id="rId5" imgW="270" imgH="270" progId="TCLayout.ActiveDocument.1">
                   <p:embed/>
                 </p:oleObj>
               </mc:Choice>
@@ -7026,7 +7026,7 @@
             <a:fld id="{FD5A4159-1C9D-4C23-8DBB-0FD5BF49F859}" type="datetime1">
               <a:rPr lang="en-GB" smtClean="0"/>
               <a:pPr/>
-              <a:t>19/11/2019</a:t>
+              <a:t>21/11/2019</a:t>
             </a:fld>
             <a:endParaRPr lang="en-GB" dirty="0"/>
           </a:p>
@@ -7120,7 +7120,7 @@
           <a:graphicData uri="http://schemas.openxmlformats.org/presentationml/2006/ole">
             <mc:AlternateContent xmlns:mc="http://schemas.openxmlformats.org/markup-compatibility/2006">
               <mc:Choice xmlns:v="urn:schemas-microsoft-com:vml" Requires="v">
-                <p:oleObj spid="_x0000_s20558" name="think-cell Slide" r:id="rId4" imgW="270" imgH="270" progId="TCLayout.ActiveDocument.1">
+                <p:oleObj spid="_x0000_s20559" name="think-cell Slide" r:id="rId4" imgW="270" imgH="270" progId="TCLayout.ActiveDocument.1">
                   <p:embed/>
                 </p:oleObj>
               </mc:Choice>
@@ -7270,7 +7270,7 @@
             <a:fld id="{461D2423-DC7C-4239-9F6A-F74AADFD9F8E}" type="datetime1">
               <a:rPr lang="en-GB" smtClean="0"/>
               <a:pPr/>
-              <a:t>19/11/2019</a:t>
+              <a:t>21/11/2019</a:t>
             </a:fld>
             <a:endParaRPr lang="en-GB" dirty="0"/>
           </a:p>
@@ -7444,7 +7444,7 @@
             <a:fld id="{84F482FB-B023-4CBB-8046-4D830E895C90}" type="datetime1">
               <a:rPr lang="en-GB" smtClean="0"/>
               <a:pPr/>
-              <a:t>19/11/2019</a:t>
+              <a:t>21/11/2019</a:t>
             </a:fld>
             <a:endParaRPr lang="en-GB" dirty="0"/>
           </a:p>
@@ -7718,7 +7718,7 @@
           <a:graphicData uri="http://schemas.openxmlformats.org/presentationml/2006/ole">
             <mc:AlternateContent xmlns:mc="http://schemas.openxmlformats.org/markup-compatibility/2006">
               <mc:Choice xmlns:v="urn:schemas-microsoft-com:vml" Requires="v">
-                <p:oleObj spid="_x0000_s21582" name="think-cell Slide" r:id="rId4" imgW="270" imgH="270" progId="TCLayout.ActiveDocument.1">
+                <p:oleObj spid="_x0000_s21583" name="think-cell Slide" r:id="rId4" imgW="270" imgH="270" progId="TCLayout.ActiveDocument.1">
                   <p:embed/>
                 </p:oleObj>
               </mc:Choice>
@@ -7877,7 +7877,7 @@
             <a:fld id="{F26DF438-9CC2-4A49-A657-78DE437E5C5C}" type="datetime1">
               <a:rPr lang="en-GB" smtClean="0"/>
               <a:pPr/>
-              <a:t>19/11/2019</a:t>
+              <a:t>21/11/2019</a:t>
             </a:fld>
             <a:endParaRPr lang="en-GB" dirty="0"/>
           </a:p>
@@ -8272,7 +8272,7 @@
           <a:graphicData uri="http://schemas.openxmlformats.org/presentationml/2006/ole">
             <mc:AlternateContent xmlns:mc="http://schemas.openxmlformats.org/markup-compatibility/2006">
               <mc:Choice xmlns:v="urn:schemas-microsoft-com:vml" Requires="v">
-                <p:oleObj spid="_x0000_s22606" name="think-cell Slide" r:id="rId4" imgW="270" imgH="270" progId="TCLayout.ActiveDocument.1">
+                <p:oleObj spid="_x0000_s22607" name="think-cell Slide" r:id="rId4" imgW="270" imgH="270" progId="TCLayout.ActiveDocument.1">
                   <p:embed/>
                 </p:oleObj>
               </mc:Choice>
@@ -8338,7 +8338,7 @@
             <a:fld id="{A960169C-9E24-485A-B7A8-19D9A23B43F5}" type="datetime1">
               <a:rPr lang="en-GB" smtClean="0"/>
               <a:pPr/>
-              <a:t>19/11/2019</a:t>
+              <a:t>21/11/2019</a:t>
             </a:fld>
             <a:endParaRPr lang="en-GB" dirty="0"/>
           </a:p>
@@ -8880,7 +8880,7 @@
           <a:graphicData uri="http://schemas.openxmlformats.org/presentationml/2006/ole">
             <mc:AlternateContent xmlns:mc="http://schemas.openxmlformats.org/markup-compatibility/2006">
               <mc:Choice xmlns:v="urn:schemas-microsoft-com:vml" Requires="v">
-                <p:oleObj spid="_x0000_s23706" name="think-cell Slide" r:id="rId5" imgW="270" imgH="270" progId="TCLayout.ActiveDocument.1">
+                <p:oleObj spid="_x0000_s23708" name="think-cell Slide" r:id="rId5" imgW="270" imgH="270" progId="TCLayout.ActiveDocument.1">
                   <p:embed/>
                 </p:oleObj>
               </mc:Choice>
@@ -9132,7 +9132,7 @@
             <a:fld id="{0DD20B1F-20AE-4F8D-832A-F732FDE213D5}" type="datetime1">
               <a:rPr lang="en-GB" smtClean="0"/>
               <a:pPr/>
-              <a:t>19/11/2019</a:t>
+              <a:t>21/11/2019</a:t>
             </a:fld>
             <a:endParaRPr lang="en-GB" dirty="0"/>
           </a:p>
@@ -9203,7 +9203,7 @@
           <a:graphicData uri="http://schemas.openxmlformats.org/presentationml/2006/ole">
             <mc:AlternateContent xmlns:mc="http://schemas.openxmlformats.org/markup-compatibility/2006">
               <mc:Choice xmlns:v="urn:schemas-microsoft-com:vml" Requires="v">
-                <p:oleObj spid="_x0000_s23707" name="think-cell Slide" r:id="rId7" imgW="270" imgH="270" progId="TCLayout.ActiveDocument.1">
+                <p:oleObj spid="_x0000_s23709" name="think-cell Slide" r:id="rId7" imgW="270" imgH="270" progId="TCLayout.ActiveDocument.1">
                   <p:embed/>
                 </p:oleObj>
               </mc:Choice>
@@ -9501,7 +9501,7 @@
             <a:fld id="{0DD20B1F-20AE-4F8D-832A-F732FDE213D5}" type="datetime1">
               <a:rPr lang="en-GB" smtClean="0"/>
               <a:pPr/>
-              <a:t>19/11/2019</a:t>
+              <a:t>21/11/2019</a:t>
             </a:fld>
             <a:endParaRPr lang="en-GB" dirty="0"/>
           </a:p>
@@ -9990,7 +9990,7 @@
           <a:graphicData uri="http://schemas.openxmlformats.org/presentationml/2006/ole">
             <mc:AlternateContent xmlns:mc="http://schemas.openxmlformats.org/markup-compatibility/2006">
               <mc:Choice xmlns:v="urn:schemas-microsoft-com:vml" Requires="v">
-                <p:oleObj spid="_x0000_s24730" name="think-cell Slide" r:id="rId5" imgW="270" imgH="270" progId="TCLayout.ActiveDocument.1">
+                <p:oleObj spid="_x0000_s24732" name="think-cell Slide" r:id="rId5" imgW="270" imgH="270" progId="TCLayout.ActiveDocument.1">
                   <p:embed/>
                 </p:oleObj>
               </mc:Choice>
@@ -10056,7 +10056,7 @@
             <a:fld id="{D07952D7-4E08-421B-9537-2EE112E32DE3}" type="datetime1">
               <a:rPr lang="en-GB" smtClean="0"/>
               <a:pPr/>
-              <a:t>19/11/2019</a:t>
+              <a:t>21/11/2019</a:t>
             </a:fld>
             <a:endParaRPr lang="en-GB" dirty="0"/>
           </a:p>
@@ -10411,7 +10411,7 @@
           <a:graphicData uri="http://schemas.openxmlformats.org/presentationml/2006/ole">
             <mc:AlternateContent xmlns:mc="http://schemas.openxmlformats.org/markup-compatibility/2006">
               <mc:Choice xmlns:v="urn:schemas-microsoft-com:vml" Requires="v">
-                <p:oleObj spid="_x0000_s24731" name="think-cell Slide" r:id="rId7" imgW="270" imgH="270" progId="TCLayout.ActiveDocument.1">
+                <p:oleObj spid="_x0000_s24733" name="think-cell Slide" r:id="rId7" imgW="270" imgH="270" progId="TCLayout.ActiveDocument.1">
                   <p:embed/>
                 </p:oleObj>
               </mc:Choice>
@@ -10699,7 +10699,7 @@
           <a:graphicData uri="http://schemas.openxmlformats.org/presentationml/2006/ole">
             <mc:AlternateContent xmlns:mc="http://schemas.openxmlformats.org/markup-compatibility/2006">
               <mc:Choice xmlns:v="urn:schemas-microsoft-com:vml" Requires="v">
-                <p:oleObj spid="_x0000_s25754" name="think-cell Slide" r:id="rId5" imgW="270" imgH="270" progId="TCLayout.ActiveDocument.1">
+                <p:oleObj spid="_x0000_s25756" name="think-cell Slide" r:id="rId5" imgW="270" imgH="270" progId="TCLayout.ActiveDocument.1">
                   <p:embed/>
                 </p:oleObj>
               </mc:Choice>
@@ -10765,7 +10765,7 @@
             <a:fld id="{D07952D7-4E08-421B-9537-2EE112E32DE3}" type="datetime1">
               <a:rPr lang="en-GB" smtClean="0"/>
               <a:pPr/>
-              <a:t>19/11/2019</a:t>
+              <a:t>21/11/2019</a:t>
             </a:fld>
             <a:endParaRPr lang="en-GB" dirty="0"/>
           </a:p>
@@ -11120,7 +11120,7 @@
           <a:graphicData uri="http://schemas.openxmlformats.org/presentationml/2006/ole">
             <mc:AlternateContent xmlns:mc="http://schemas.openxmlformats.org/markup-compatibility/2006">
               <mc:Choice xmlns:v="urn:schemas-microsoft-com:vml" Requires="v">
-                <p:oleObj spid="_x0000_s25755" name="think-cell Slide" r:id="rId7" imgW="270" imgH="270" progId="TCLayout.ActiveDocument.1">
+                <p:oleObj spid="_x0000_s25757" name="think-cell Slide" r:id="rId7" imgW="270" imgH="270" progId="TCLayout.ActiveDocument.1">
                   <p:embed/>
                 </p:oleObj>
               </mc:Choice>
@@ -11413,7 +11413,7 @@
           <a:graphicData uri="http://schemas.openxmlformats.org/presentationml/2006/ole">
             <mc:AlternateContent xmlns:mc="http://schemas.openxmlformats.org/markup-compatibility/2006">
               <mc:Choice xmlns:v="urn:schemas-microsoft-com:vml" Requires="v">
-                <p:oleObj spid="_x0000_s26778" name="think-cell Slide" r:id="rId5" imgW="270" imgH="270" progId="TCLayout.ActiveDocument.1">
+                <p:oleObj spid="_x0000_s26780" name="think-cell Slide" r:id="rId5" imgW="270" imgH="270" progId="TCLayout.ActiveDocument.1">
                   <p:embed/>
                 </p:oleObj>
               </mc:Choice>
@@ -11528,7 +11528,7 @@
             <a:fld id="{D07952D7-4E08-421B-9537-2EE112E32DE3}" type="datetime1">
               <a:rPr lang="en-GB" smtClean="0"/>
               <a:pPr/>
-              <a:t>19/11/2019</a:t>
+              <a:t>21/11/2019</a:t>
             </a:fld>
             <a:endParaRPr lang="en-GB" dirty="0"/>
           </a:p>
@@ -12118,7 +12118,7 @@
           <a:graphicData uri="http://schemas.openxmlformats.org/presentationml/2006/ole">
             <mc:AlternateContent xmlns:mc="http://schemas.openxmlformats.org/markup-compatibility/2006">
               <mc:Choice xmlns:v="urn:schemas-microsoft-com:vml" Requires="v">
-                <p:oleObj spid="_x0000_s26779" name="think-cell Slide" r:id="rId7" imgW="270" imgH="270" progId="TCLayout.ActiveDocument.1">
+                <p:oleObj spid="_x0000_s26781" name="think-cell Slide" r:id="rId7" imgW="270" imgH="270" progId="TCLayout.ActiveDocument.1">
                   <p:embed/>
                 </p:oleObj>
               </mc:Choice>
@@ -12449,7 +12449,7 @@
           <a:p>
             <a:fld id="{B56E8790-EF43-4195-82DA-4A26D543E504}" type="datetimeFigureOut">
               <a:rPr lang="en-GB" smtClean="0"/>
-              <a:t>19/11/2019</a:t>
+              <a:t>21/11/2019</a:t>
             </a:fld>
             <a:endParaRPr lang="en-GB" dirty="0"/>
           </a:p>
@@ -12731,7 +12731,7 @@
           <a:graphicData uri="http://schemas.openxmlformats.org/presentationml/2006/ole">
             <mc:AlternateContent xmlns:mc="http://schemas.openxmlformats.org/markup-compatibility/2006">
               <mc:Choice xmlns:v="urn:schemas-microsoft-com:vml" Requires="v">
-                <p:oleObj spid="_x0000_s27802" name="think-cell Slide" r:id="rId5" imgW="270" imgH="270" progId="TCLayout.ActiveDocument.1">
+                <p:oleObj spid="_x0000_s27804" name="think-cell Slide" r:id="rId5" imgW="270" imgH="270" progId="TCLayout.ActiveDocument.1">
                   <p:embed/>
                 </p:oleObj>
               </mc:Choice>
@@ -12797,7 +12797,7 @@
             <a:fld id="{10E7BC8F-BFD3-4858-915D-99D9576C8415}" type="datetime1">
               <a:rPr lang="en-GB" smtClean="0"/>
               <a:pPr/>
-              <a:t>19/11/2019</a:t>
+              <a:t>21/11/2019</a:t>
             </a:fld>
             <a:endParaRPr lang="en-GB" dirty="0"/>
           </a:p>
@@ -13179,7 +13179,7 @@
           <a:graphicData uri="http://schemas.openxmlformats.org/presentationml/2006/ole">
             <mc:AlternateContent xmlns:mc="http://schemas.openxmlformats.org/markup-compatibility/2006">
               <mc:Choice xmlns:v="urn:schemas-microsoft-com:vml" Requires="v">
-                <p:oleObj spid="_x0000_s27803" name="think-cell Slide" r:id="rId8" imgW="270" imgH="270" progId="TCLayout.ActiveDocument.1">
+                <p:oleObj spid="_x0000_s27805" name="think-cell Slide" r:id="rId8" imgW="270" imgH="270" progId="TCLayout.ActiveDocument.1">
                   <p:embed/>
                 </p:oleObj>
               </mc:Choice>
@@ -13468,7 +13468,7 @@
           <a:graphicData uri="http://schemas.openxmlformats.org/presentationml/2006/ole">
             <mc:AlternateContent xmlns:mc="http://schemas.openxmlformats.org/markup-compatibility/2006">
               <mc:Choice xmlns:v="urn:schemas-microsoft-com:vml" Requires="v">
-                <p:oleObj spid="_x0000_s29774" name="think-cell Slide" r:id="rId5" imgW="270" imgH="270" progId="TCLayout.ActiveDocument.1">
+                <p:oleObj spid="_x0000_s29775" name="think-cell Slide" r:id="rId5" imgW="270" imgH="270" progId="TCLayout.ActiveDocument.1">
                   <p:embed/>
                 </p:oleObj>
               </mc:Choice>
@@ -13655,7 +13655,7 @@
                 </a:solidFill>
               </a:rPr>
               <a:pPr/>
-              <a:t>19/11/2019</a:t>
+              <a:t>21/11/2019</a:t>
             </a:fld>
             <a:endParaRPr lang="en-GB" dirty="0">
               <a:solidFill>
@@ -13757,7 +13757,7 @@
           <a:graphicData uri="http://schemas.openxmlformats.org/presentationml/2006/ole">
             <mc:AlternateContent xmlns:mc="http://schemas.openxmlformats.org/markup-compatibility/2006">
               <mc:Choice xmlns:v="urn:schemas-microsoft-com:vml" Requires="v">
-                <p:oleObj spid="_x0000_s30798" name="think-cell Slide" r:id="rId4" imgW="270" imgH="270" progId="TCLayout.ActiveDocument.1">
+                <p:oleObj spid="_x0000_s30799" name="think-cell Slide" r:id="rId4" imgW="270" imgH="270" progId="TCLayout.ActiveDocument.1">
                   <p:embed/>
                 </p:oleObj>
               </mc:Choice>
@@ -13911,7 +13911,7 @@
                 </a:solidFill>
               </a:rPr>
               <a:pPr/>
-              <a:t>19/11/2019</a:t>
+              <a:t>21/11/2019</a:t>
             </a:fld>
             <a:endParaRPr lang="en-GB" dirty="0">
               <a:solidFill>
@@ -14097,7 +14097,7 @@
                 </a:solidFill>
               </a:rPr>
               <a:pPr/>
-              <a:t>19/11/2019</a:t>
+              <a:t>21/11/2019</a:t>
             </a:fld>
             <a:endParaRPr lang="en-GB" dirty="0">
               <a:solidFill>
@@ -14379,7 +14379,7 @@
           <a:graphicData uri="http://schemas.openxmlformats.org/presentationml/2006/ole">
             <mc:AlternateContent xmlns:mc="http://schemas.openxmlformats.org/markup-compatibility/2006">
               <mc:Choice xmlns:v="urn:schemas-microsoft-com:vml" Requires="v">
-                <p:oleObj spid="_x0000_s31822" name="think-cell Slide" r:id="rId4" imgW="270" imgH="270" progId="TCLayout.ActiveDocument.1">
+                <p:oleObj spid="_x0000_s31823" name="think-cell Slide" r:id="rId4" imgW="270" imgH="270" progId="TCLayout.ActiveDocument.1">
                   <p:embed/>
                 </p:oleObj>
               </mc:Choice>
@@ -14542,7 +14542,7 @@
                 </a:solidFill>
               </a:rPr>
               <a:pPr/>
-              <a:t>19/11/2019</a:t>
+              <a:t>21/11/2019</a:t>
             </a:fld>
             <a:endParaRPr lang="en-GB" dirty="0">
               <a:solidFill>
@@ -14945,7 +14945,7 @@
           <a:graphicData uri="http://schemas.openxmlformats.org/presentationml/2006/ole">
             <mc:AlternateContent xmlns:mc="http://schemas.openxmlformats.org/markup-compatibility/2006">
               <mc:Choice xmlns:v="urn:schemas-microsoft-com:vml" Requires="v">
-                <p:oleObj spid="_x0000_s32846" name="think-cell Slide" r:id="rId4" imgW="270" imgH="270" progId="TCLayout.ActiveDocument.1">
+                <p:oleObj spid="_x0000_s32847" name="think-cell Slide" r:id="rId4" imgW="270" imgH="270" progId="TCLayout.ActiveDocument.1">
                   <p:embed/>
                 </p:oleObj>
               </mc:Choice>
@@ -15015,7 +15015,7 @@
                 </a:solidFill>
               </a:rPr>
               <a:pPr/>
-              <a:t>19/11/2019</a:t>
+              <a:t>21/11/2019</a:t>
             </a:fld>
             <a:endParaRPr lang="en-GB" dirty="0">
               <a:solidFill>
@@ -15565,7 +15565,7 @@
           <a:graphicData uri="http://schemas.openxmlformats.org/presentationml/2006/ole">
             <mc:AlternateContent xmlns:mc="http://schemas.openxmlformats.org/markup-compatibility/2006">
               <mc:Choice xmlns:v="urn:schemas-microsoft-com:vml" Requires="v">
-                <p:oleObj spid="_x0000_s33946" name="think-cell Slide" r:id="rId5" imgW="270" imgH="270" progId="TCLayout.ActiveDocument.1">
+                <p:oleObj spid="_x0000_s33948" name="think-cell Slide" r:id="rId5" imgW="270" imgH="270" progId="TCLayout.ActiveDocument.1">
                   <p:embed/>
                 </p:oleObj>
               </mc:Choice>
@@ -15821,7 +15821,7 @@
                 </a:solidFill>
               </a:rPr>
               <a:pPr/>
-              <a:t>19/11/2019</a:t>
+              <a:t>21/11/2019</a:t>
             </a:fld>
             <a:endParaRPr lang="en-GB" dirty="0">
               <a:solidFill>
@@ -15896,7 +15896,7 @@
           <a:graphicData uri="http://schemas.openxmlformats.org/presentationml/2006/ole">
             <mc:AlternateContent xmlns:mc="http://schemas.openxmlformats.org/markup-compatibility/2006">
               <mc:Choice xmlns:v="urn:schemas-microsoft-com:vml" Requires="v">
-                <p:oleObj spid="_x0000_s33947" name="think-cell Slide" r:id="rId7" imgW="270" imgH="270" progId="TCLayout.ActiveDocument.1">
+                <p:oleObj spid="_x0000_s33949" name="think-cell Slide" r:id="rId7" imgW="270" imgH="270" progId="TCLayout.ActiveDocument.1">
                   <p:embed/>
                 </p:oleObj>
               </mc:Choice>
@@ -16202,7 +16202,7 @@
                 </a:solidFill>
               </a:rPr>
               <a:pPr/>
-              <a:t>19/11/2019</a:t>
+              <a:t>21/11/2019</a:t>
             </a:fld>
             <a:endParaRPr lang="en-GB" dirty="0">
               <a:solidFill>
@@ -16699,7 +16699,7 @@
           <a:graphicData uri="http://schemas.openxmlformats.org/presentationml/2006/ole">
             <mc:AlternateContent xmlns:mc="http://schemas.openxmlformats.org/markup-compatibility/2006">
               <mc:Choice xmlns:v="urn:schemas-microsoft-com:vml" Requires="v">
-                <p:oleObj spid="_x0000_s34970" name="think-cell Slide" r:id="rId5" imgW="270" imgH="270" progId="TCLayout.ActiveDocument.1">
+                <p:oleObj spid="_x0000_s34972" name="think-cell Slide" r:id="rId5" imgW="270" imgH="270" progId="TCLayout.ActiveDocument.1">
                   <p:embed/>
                 </p:oleObj>
               </mc:Choice>
@@ -16769,7 +16769,7 @@
                 </a:solidFill>
               </a:rPr>
               <a:pPr/>
-              <a:t>19/11/2019</a:t>
+              <a:t>21/11/2019</a:t>
             </a:fld>
             <a:endParaRPr lang="en-GB" dirty="0">
               <a:solidFill>
@@ -17128,7 +17128,7 @@
           <a:graphicData uri="http://schemas.openxmlformats.org/presentationml/2006/ole">
             <mc:AlternateContent xmlns:mc="http://schemas.openxmlformats.org/markup-compatibility/2006">
               <mc:Choice xmlns:v="urn:schemas-microsoft-com:vml" Requires="v">
-                <p:oleObj spid="_x0000_s34971" name="think-cell Slide" r:id="rId7" imgW="270" imgH="270" progId="TCLayout.ActiveDocument.1">
+                <p:oleObj spid="_x0000_s34973" name="think-cell Slide" r:id="rId7" imgW="270" imgH="270" progId="TCLayout.ActiveDocument.1">
                   <p:embed/>
                 </p:oleObj>
               </mc:Choice>
@@ -17420,7 +17420,7 @@
           <a:graphicData uri="http://schemas.openxmlformats.org/presentationml/2006/ole">
             <mc:AlternateContent xmlns:mc="http://schemas.openxmlformats.org/markup-compatibility/2006">
               <mc:Choice xmlns:v="urn:schemas-microsoft-com:vml" Requires="v">
-                <p:oleObj spid="_x0000_s35994" name="think-cell Slide" r:id="rId5" imgW="270" imgH="270" progId="TCLayout.ActiveDocument.1">
+                <p:oleObj spid="_x0000_s35996" name="think-cell Slide" r:id="rId5" imgW="270" imgH="270" progId="TCLayout.ActiveDocument.1">
                   <p:embed/>
                 </p:oleObj>
               </mc:Choice>
@@ -17490,7 +17490,7 @@
                 </a:solidFill>
               </a:rPr>
               <a:pPr/>
-              <a:t>19/11/2019</a:t>
+              <a:t>21/11/2019</a:t>
             </a:fld>
             <a:endParaRPr lang="en-GB" dirty="0">
               <a:solidFill>
@@ -17849,7 +17849,7 @@
           <a:graphicData uri="http://schemas.openxmlformats.org/presentationml/2006/ole">
             <mc:AlternateContent xmlns:mc="http://schemas.openxmlformats.org/markup-compatibility/2006">
               <mc:Choice xmlns:v="urn:schemas-microsoft-com:vml" Requires="v">
-                <p:oleObj spid="_x0000_s35995" name="think-cell Slide" r:id="rId7" imgW="270" imgH="270" progId="TCLayout.ActiveDocument.1">
+                <p:oleObj spid="_x0000_s35997" name="think-cell Slide" r:id="rId7" imgW="270" imgH="270" progId="TCLayout.ActiveDocument.1">
                   <p:embed/>
                 </p:oleObj>
               </mc:Choice>
@@ -18150,7 +18150,7 @@
           <a:graphicData uri="http://schemas.openxmlformats.org/presentationml/2006/ole">
             <mc:AlternateContent xmlns:mc="http://schemas.openxmlformats.org/markup-compatibility/2006">
               <mc:Choice xmlns:v="urn:schemas-microsoft-com:vml" Requires="v">
-                <p:oleObj spid="_x0000_s4174" name="think-cell Slide" r:id="rId4" imgW="270" imgH="270" progId="TCLayout.ActiveDocument.1">
+                <p:oleObj spid="_x0000_s4175" name="think-cell Slide" r:id="rId4" imgW="270" imgH="270" progId="TCLayout.ActiveDocument.1">
                   <p:embed/>
                 </p:oleObj>
               </mc:Choice>
@@ -18308,7 +18308,7 @@
           <a:p>
             <a:fld id="{B56E8790-EF43-4195-82DA-4A26D543E504}" type="datetimeFigureOut">
               <a:rPr lang="en-GB" smtClean="0"/>
-              <a:t>19/11/2019</a:t>
+              <a:t>21/11/2019</a:t>
             </a:fld>
             <a:endParaRPr lang="en-GB" dirty="0"/>
           </a:p>
@@ -18703,7 +18703,7 @@
           <a:graphicData uri="http://schemas.openxmlformats.org/presentationml/2006/ole">
             <mc:AlternateContent xmlns:mc="http://schemas.openxmlformats.org/markup-compatibility/2006">
               <mc:Choice xmlns:v="urn:schemas-microsoft-com:vml" Requires="v">
-                <p:oleObj spid="_x0000_s37018" name="think-cell Slide" r:id="rId5" imgW="270" imgH="270" progId="TCLayout.ActiveDocument.1">
+                <p:oleObj spid="_x0000_s37020" name="think-cell Slide" r:id="rId5" imgW="270" imgH="270" progId="TCLayout.ActiveDocument.1">
                   <p:embed/>
                 </p:oleObj>
               </mc:Choice>
@@ -18822,7 +18822,7 @@
                 </a:solidFill>
               </a:rPr>
               <a:pPr/>
-              <a:t>19/11/2019</a:t>
+              <a:t>21/11/2019</a:t>
             </a:fld>
             <a:endParaRPr lang="en-GB" dirty="0">
               <a:solidFill>
@@ -19416,7 +19416,7 @@
           <a:graphicData uri="http://schemas.openxmlformats.org/presentationml/2006/ole">
             <mc:AlternateContent xmlns:mc="http://schemas.openxmlformats.org/markup-compatibility/2006">
               <mc:Choice xmlns:v="urn:schemas-microsoft-com:vml" Requires="v">
-                <p:oleObj spid="_x0000_s37019" name="think-cell Slide" r:id="rId7" imgW="270" imgH="270" progId="TCLayout.ActiveDocument.1">
+                <p:oleObj spid="_x0000_s37021" name="think-cell Slide" r:id="rId7" imgW="270" imgH="270" progId="TCLayout.ActiveDocument.1">
                   <p:embed/>
                 </p:oleObj>
               </mc:Choice>
@@ -19721,7 +19721,7 @@
           <a:graphicData uri="http://schemas.openxmlformats.org/presentationml/2006/ole">
             <mc:AlternateContent xmlns:mc="http://schemas.openxmlformats.org/markup-compatibility/2006">
               <mc:Choice xmlns:v="urn:schemas-microsoft-com:vml" Requires="v">
-                <p:oleObj spid="_x0000_s38042" name="think-cell Slide" r:id="rId5" imgW="270" imgH="270" progId="TCLayout.ActiveDocument.1">
+                <p:oleObj spid="_x0000_s38044" name="think-cell Slide" r:id="rId5" imgW="270" imgH="270" progId="TCLayout.ActiveDocument.1">
                   <p:embed/>
                 </p:oleObj>
               </mc:Choice>
@@ -19791,7 +19791,7 @@
                 </a:solidFill>
               </a:rPr>
               <a:pPr/>
-              <a:t>19/11/2019</a:t>
+              <a:t>21/11/2019</a:t>
             </a:fld>
             <a:endParaRPr lang="en-GB" dirty="0">
               <a:solidFill>
@@ -20177,7 +20177,7 @@
           <a:graphicData uri="http://schemas.openxmlformats.org/presentationml/2006/ole">
             <mc:AlternateContent xmlns:mc="http://schemas.openxmlformats.org/markup-compatibility/2006">
               <mc:Choice xmlns:v="urn:schemas-microsoft-com:vml" Requires="v">
-                <p:oleObj spid="_x0000_s38043" name="think-cell Slide" r:id="rId8" imgW="270" imgH="270" progId="TCLayout.ActiveDocument.1">
+                <p:oleObj spid="_x0000_s38045" name="think-cell Slide" r:id="rId8" imgW="270" imgH="270" progId="TCLayout.ActiveDocument.1">
                   <p:embed/>
                 </p:oleObj>
               </mc:Choice>
@@ -20448,7 +20448,7 @@
           <a:graphicData uri="http://schemas.openxmlformats.org/presentationml/2006/ole">
             <mc:AlternateContent xmlns:mc="http://schemas.openxmlformats.org/markup-compatibility/2006">
               <mc:Choice xmlns:v="urn:schemas-microsoft-com:vml" Requires="v">
-                <p:oleObj spid="_x0000_s38990" name="think-cell Slide" r:id="rId4" imgW="270" imgH="270" progId="TCLayout.ActiveDocument.1">
+                <p:oleObj spid="_x0000_s38991" name="think-cell Slide" r:id="rId4" imgW="270" imgH="270" progId="TCLayout.ActiveDocument.1">
                   <p:embed/>
                 </p:oleObj>
               </mc:Choice>
@@ -20510,7 +20510,7 @@
                 </a:solidFill>
               </a:rPr>
               <a:pPr/>
-              <a:t>19/11/2019</a:t>
+              <a:t>21/11/2019</a:t>
             </a:fld>
             <a:endParaRPr lang="en-GB" dirty="0">
               <a:solidFill>
@@ -20912,7 +20912,7 @@
           <a:graphicData uri="http://schemas.openxmlformats.org/presentationml/2006/ole">
             <mc:AlternateContent xmlns:mc="http://schemas.openxmlformats.org/markup-compatibility/2006">
               <mc:Choice xmlns:v="urn:schemas-microsoft-com:vml" Requires="v">
-                <p:oleObj spid="_x0000_s5198" name="think-cell Slide" r:id="rId4" imgW="270" imgH="270" progId="TCLayout.ActiveDocument.1">
+                <p:oleObj spid="_x0000_s5199" name="think-cell Slide" r:id="rId4" imgW="270" imgH="270" progId="TCLayout.ActiveDocument.1">
                   <p:embed/>
                 </p:oleObj>
               </mc:Choice>
@@ -20977,7 +20977,7 @@
           <a:p>
             <a:fld id="{B56E8790-EF43-4195-82DA-4A26D543E504}" type="datetimeFigureOut">
               <a:rPr lang="en-GB" smtClean="0"/>
-              <a:t>19/11/2019</a:t>
+              <a:t>21/11/2019</a:t>
             </a:fld>
             <a:endParaRPr lang="en-GB" dirty="0"/>
           </a:p>
@@ -21523,7 +21523,7 @@
           <a:graphicData uri="http://schemas.openxmlformats.org/presentationml/2006/ole">
             <mc:AlternateContent xmlns:mc="http://schemas.openxmlformats.org/markup-compatibility/2006">
               <mc:Choice xmlns:v="urn:schemas-microsoft-com:vml" Requires="v">
-                <p:oleObj spid="_x0000_s6298" name="think-cell Slide" r:id="rId5" imgW="270" imgH="270" progId="TCLayout.ActiveDocument.1">
+                <p:oleObj spid="_x0000_s6300" name="think-cell Slide" r:id="rId5" imgW="270" imgH="270" progId="TCLayout.ActiveDocument.1">
                   <p:embed/>
                 </p:oleObj>
               </mc:Choice>
@@ -21774,7 +21774,7 @@
           <a:p>
             <a:fld id="{B56E8790-EF43-4195-82DA-4A26D543E504}" type="datetimeFigureOut">
               <a:rPr lang="en-GB" smtClean="0"/>
-              <a:t>19/11/2019</a:t>
+              <a:t>21/11/2019</a:t>
             </a:fld>
             <a:endParaRPr lang="en-GB" dirty="0"/>
           </a:p>
@@ -21849,7 +21849,7 @@
           <a:graphicData uri="http://schemas.openxmlformats.org/presentationml/2006/ole">
             <mc:AlternateContent xmlns:mc="http://schemas.openxmlformats.org/markup-compatibility/2006">
               <mc:Choice xmlns:v="urn:schemas-microsoft-com:vml" Requires="v">
-                <p:oleObj spid="_x0000_s6299" name="think-cell Slide" r:id="rId7" imgW="270" imgH="270" progId="TCLayout.ActiveDocument.1">
+                <p:oleObj spid="_x0000_s6301" name="think-cell Slide" r:id="rId7" imgW="270" imgH="270" progId="TCLayout.ActiveDocument.1">
                   <p:embed/>
                 </p:oleObj>
               </mc:Choice>
@@ -22146,7 +22146,7 @@
           <a:p>
             <a:fld id="{B56E8790-EF43-4195-82DA-4A26D543E504}" type="datetimeFigureOut">
               <a:rPr lang="en-GB" smtClean="0"/>
-              <a:t>19/11/2019</a:t>
+              <a:t>21/11/2019</a:t>
             </a:fld>
             <a:endParaRPr lang="en-GB" dirty="0"/>
           </a:p>
@@ -22639,7 +22639,7 @@
           <a:graphicData uri="http://schemas.openxmlformats.org/presentationml/2006/ole">
             <mc:AlternateContent xmlns:mc="http://schemas.openxmlformats.org/markup-compatibility/2006">
               <mc:Choice xmlns:v="urn:schemas-microsoft-com:vml" Requires="v">
-                <p:oleObj spid="_x0000_s7322" name="think-cell Slide" r:id="rId5" imgW="270" imgH="270" progId="TCLayout.ActiveDocument.1">
+                <p:oleObj spid="_x0000_s7324" name="think-cell Slide" r:id="rId5" imgW="270" imgH="270" progId="TCLayout.ActiveDocument.1">
                   <p:embed/>
                 </p:oleObj>
               </mc:Choice>
@@ -22704,7 +22704,7 @@
           <a:p>
             <a:fld id="{B56E8790-EF43-4195-82DA-4A26D543E504}" type="datetimeFigureOut">
               <a:rPr lang="en-GB" smtClean="0"/>
-              <a:t>19/11/2019</a:t>
+              <a:t>21/11/2019</a:t>
             </a:fld>
             <a:endParaRPr lang="en-GB" dirty="0"/>
           </a:p>
@@ -23063,7 +23063,7 @@
           <a:graphicData uri="http://schemas.openxmlformats.org/presentationml/2006/ole">
             <mc:AlternateContent xmlns:mc="http://schemas.openxmlformats.org/markup-compatibility/2006">
               <mc:Choice xmlns:v="urn:schemas-microsoft-com:vml" Requires="v">
-                <p:oleObj spid="_x0000_s7323" name="think-cell Slide" r:id="rId7" imgW="270" imgH="270" progId="TCLayout.ActiveDocument.1">
+                <p:oleObj spid="_x0000_s7325" name="think-cell Slide" r:id="rId7" imgW="270" imgH="270" progId="TCLayout.ActiveDocument.1">
                   <p:embed/>
                 </p:oleObj>
               </mc:Choice>
@@ -23355,7 +23355,7 @@
           <a:graphicData uri="http://schemas.openxmlformats.org/presentationml/2006/ole">
             <mc:AlternateContent xmlns:mc="http://schemas.openxmlformats.org/markup-compatibility/2006">
               <mc:Choice xmlns:v="urn:schemas-microsoft-com:vml" Requires="v">
-                <p:oleObj spid="_x0000_s8346" name="think-cell Slide" r:id="rId5" imgW="270" imgH="270" progId="TCLayout.ActiveDocument.1">
+                <p:oleObj spid="_x0000_s8348" name="think-cell Slide" r:id="rId5" imgW="270" imgH="270" progId="TCLayout.ActiveDocument.1">
                   <p:embed/>
                 </p:oleObj>
               </mc:Choice>
@@ -23420,7 +23420,7 @@
           <a:p>
             <a:fld id="{B56E8790-EF43-4195-82DA-4A26D543E504}" type="datetimeFigureOut">
               <a:rPr lang="en-GB" smtClean="0"/>
-              <a:t>19/11/2019</a:t>
+              <a:t>21/11/2019</a:t>
             </a:fld>
             <a:endParaRPr lang="en-GB" dirty="0"/>
           </a:p>
@@ -23779,7 +23779,7 @@
           <a:graphicData uri="http://schemas.openxmlformats.org/presentationml/2006/ole">
             <mc:AlternateContent xmlns:mc="http://schemas.openxmlformats.org/markup-compatibility/2006">
               <mc:Choice xmlns:v="urn:schemas-microsoft-com:vml" Requires="v">
-                <p:oleObj spid="_x0000_s8347" name="think-cell Slide" r:id="rId7" imgW="270" imgH="270" progId="TCLayout.ActiveDocument.1">
+                <p:oleObj spid="_x0000_s8349" name="think-cell Slide" r:id="rId7" imgW="270" imgH="270" progId="TCLayout.ActiveDocument.1">
                   <p:embed/>
                 </p:oleObj>
               </mc:Choice>
@@ -24084,7 +24084,7 @@
           <a:graphicData uri="http://schemas.openxmlformats.org/presentationml/2006/ole">
             <mc:AlternateContent xmlns:mc="http://schemas.openxmlformats.org/markup-compatibility/2006">
               <mc:Choice xmlns:v="urn:schemas-microsoft-com:vml" Requires="v">
-                <p:oleObj spid="_x0000_s1102" name="think-cell Slide" r:id="rId24" imgW="270" imgH="270" progId="TCLayout.ActiveDocument.1">
+                <p:oleObj spid="_x0000_s1103" name="think-cell Slide" r:id="rId24" imgW="270" imgH="270" progId="TCLayout.ActiveDocument.1">
                   <p:embed/>
                 </p:oleObj>
               </mc:Choice>
@@ -24216,7 +24216,7 @@
           <a:p>
             <a:fld id="{B56E8790-EF43-4195-82DA-4A26D543E504}" type="datetimeFigureOut">
               <a:rPr lang="en-GB" smtClean="0"/>
-              <a:t>19/11/2019</a:t>
+              <a:t>21/11/2019</a:t>
             </a:fld>
             <a:endParaRPr lang="en-GB" dirty="0"/>
           </a:p>
@@ -24778,7 +24778,7 @@
           <a:graphicData uri="http://schemas.openxmlformats.org/presentationml/2006/ole">
             <mc:AlternateContent xmlns:mc="http://schemas.openxmlformats.org/markup-compatibility/2006">
               <mc:Choice xmlns:v="urn:schemas-microsoft-com:vml" Requires="v">
-                <p:oleObj spid="_x0000_s18510" name="think-cell Slide" r:id="rId16" imgW="270" imgH="270" progId="TCLayout.ActiveDocument.1">
+                <p:oleObj spid="_x0000_s18511" name="think-cell Slide" r:id="rId16" imgW="270" imgH="270" progId="TCLayout.ActiveDocument.1">
                   <p:embed/>
                 </p:oleObj>
               </mc:Choice>
@@ -24911,7 +24911,7 @@
             <a:fld id="{10E7BC8F-BFD3-4858-915D-99D9576C8415}" type="datetime1">
               <a:rPr lang="en-GB" smtClean="0"/>
               <a:pPr/>
-              <a:t>19/11/2019</a:t>
+              <a:t>21/11/2019</a:t>
             </a:fld>
             <a:endParaRPr lang="en-GB" dirty="0"/>
           </a:p>
@@ -25466,7 +25466,7 @@
           <a:graphicData uri="http://schemas.openxmlformats.org/presentationml/2006/ole">
             <mc:AlternateContent xmlns:mc="http://schemas.openxmlformats.org/markup-compatibility/2006">
               <mc:Choice xmlns:v="urn:schemas-microsoft-com:vml" Requires="v">
-                <p:oleObj spid="_x0000_s28750" name="think-cell Slide" r:id="rId17" imgW="270" imgH="270" progId="TCLayout.ActiveDocument.1">
+                <p:oleObj spid="_x0000_s28751" name="think-cell Slide" r:id="rId17" imgW="270" imgH="270" progId="TCLayout.ActiveDocument.1">
                   <p:embed/>
                 </p:oleObj>
               </mc:Choice>
@@ -25603,7 +25603,7 @@
                 </a:solidFill>
               </a:rPr>
               <a:pPr/>
-              <a:t>19/11/2019</a:t>
+              <a:t>21/11/2019</a:t>
             </a:fld>
             <a:endParaRPr lang="en-GB" dirty="0">
               <a:solidFill>
@@ -44021,7 +44021,23 @@
                   <a:schemeClr val="accent4"/>
                 </a:solidFill>
               </a:rPr>
-              <a:t>=true</a:t>
+              <a:t>=</a:t>
+            </a:r>
+            <a:r>
+              <a:rPr lang="en-GB" sz="1100" b="1" dirty="0" err="1" smtClean="0">
+                <a:solidFill>
+                  <a:schemeClr val="accent4"/>
+                </a:solidFill>
+              </a:rPr>
+              <a:t>true&amp;posId</a:t>
+            </a:r>
+            <a:r>
+              <a:rPr lang="en-GB" sz="1100" b="1" dirty="0" smtClean="0">
+                <a:solidFill>
+                  <a:schemeClr val="accent4"/>
+                </a:solidFill>
+              </a:rPr>
+              <a:t>=…</a:t>
             </a:r>
             <a:endParaRPr lang="en-GB" sz="1100" b="1" dirty="0">
               <a:solidFill>

--- a/docs/assets/TitaniumFlows.pptx
+++ b/docs/assets/TitaniumFlows.pptx
@@ -213,7 +213,7 @@
           <a:graphicData uri="http://schemas.openxmlformats.org/presentationml/2006/ole">
             <mc:AlternateContent xmlns:mc="http://schemas.openxmlformats.org/markup-compatibility/2006">
               <mc:Choice xmlns:v="urn:schemas-microsoft-com:vml" Requires="v">
-                <p:oleObj spid="_x0000_s2127" name="think-cell Slide" r:id="rId5" imgW="270" imgH="270" progId="TCLayout.ActiveDocument.1">
+                <p:oleObj spid="_x0000_s2131" name="think-cell Slide" r:id="rId5" imgW="270" imgH="270" progId="TCLayout.ActiveDocument.1">
                   <p:embed/>
                 </p:oleObj>
               </mc:Choice>
@@ -395,7 +395,7 @@
           <a:p>
             <a:fld id="{B56E8790-EF43-4195-82DA-4A26D543E504}" type="datetimeFigureOut">
               <a:rPr lang="en-GB" smtClean="0"/>
-              <a:t>21/11/2019</a:t>
+              <a:t>03/12/2019</a:t>
             </a:fld>
             <a:endParaRPr lang="en-GB" dirty="0"/>
           </a:p>
@@ -493,7 +493,7 @@
           <a:graphicData uri="http://schemas.openxmlformats.org/presentationml/2006/ole">
             <mc:AlternateContent xmlns:mc="http://schemas.openxmlformats.org/markup-compatibility/2006">
               <mc:Choice xmlns:v="urn:schemas-microsoft-com:vml" Requires="v">
-                <p:oleObj spid="_x0000_s9372" name="think-cell Slide" r:id="rId5" imgW="270" imgH="270" progId="TCLayout.ActiveDocument.1">
+                <p:oleObj spid="_x0000_s9380" name="think-cell Slide" r:id="rId5" imgW="270" imgH="270" progId="TCLayout.ActiveDocument.1">
                   <p:embed/>
                 </p:oleObj>
               </mc:Choice>
@@ -607,7 +607,7 @@
           <a:p>
             <a:fld id="{B56E8790-EF43-4195-82DA-4A26D543E504}" type="datetimeFigureOut">
               <a:rPr lang="en-GB" smtClean="0"/>
-              <a:t>21/11/2019</a:t>
+              <a:t>03/12/2019</a:t>
             </a:fld>
             <a:endParaRPr lang="en-GB" dirty="0"/>
           </a:p>
@@ -1201,7 +1201,7 @@
           <a:graphicData uri="http://schemas.openxmlformats.org/presentationml/2006/ole">
             <mc:AlternateContent xmlns:mc="http://schemas.openxmlformats.org/markup-compatibility/2006">
               <mc:Choice xmlns:v="urn:schemas-microsoft-com:vml" Requires="v">
-                <p:oleObj spid="_x0000_s9373" name="think-cell Slide" r:id="rId7" imgW="270" imgH="270" progId="TCLayout.ActiveDocument.1">
+                <p:oleObj spid="_x0000_s9381" name="think-cell Slide" r:id="rId7" imgW="270" imgH="270" progId="TCLayout.ActiveDocument.1">
                   <p:embed/>
                 </p:oleObj>
               </mc:Choice>
@@ -1506,7 +1506,7 @@
           <a:graphicData uri="http://schemas.openxmlformats.org/presentationml/2006/ole">
             <mc:AlternateContent xmlns:mc="http://schemas.openxmlformats.org/markup-compatibility/2006">
               <mc:Choice xmlns:v="urn:schemas-microsoft-com:vml" Requires="v">
-                <p:oleObj spid="_x0000_s10396" name="think-cell Slide" r:id="rId5" imgW="270" imgH="270" progId="TCLayout.ActiveDocument.1">
+                <p:oleObj spid="_x0000_s10404" name="think-cell Slide" r:id="rId5" imgW="270" imgH="270" progId="TCLayout.ActiveDocument.1">
                   <p:embed/>
                 </p:oleObj>
               </mc:Choice>
@@ -1571,7 +1571,7 @@
           <a:p>
             <a:fld id="{B56E8790-EF43-4195-82DA-4A26D543E504}" type="datetimeFigureOut">
               <a:rPr lang="en-GB" smtClean="0"/>
-              <a:t>21/11/2019</a:t>
+              <a:t>03/12/2019</a:t>
             </a:fld>
             <a:endParaRPr lang="en-GB" dirty="0"/>
           </a:p>
@@ -1957,7 +1957,7 @@
           <a:graphicData uri="http://schemas.openxmlformats.org/presentationml/2006/ole">
             <mc:AlternateContent xmlns:mc="http://schemas.openxmlformats.org/markup-compatibility/2006">
               <mc:Choice xmlns:v="urn:schemas-microsoft-com:vml" Requires="v">
-                <p:oleObj spid="_x0000_s10397" name="think-cell Slide" r:id="rId8" imgW="270" imgH="270" progId="TCLayout.ActiveDocument.1">
+                <p:oleObj spid="_x0000_s10405" name="think-cell Slide" r:id="rId8" imgW="270" imgH="270" progId="TCLayout.ActiveDocument.1">
                   <p:embed/>
                 </p:oleObj>
               </mc:Choice>
@@ -2224,7 +2224,7 @@
           <a:graphicData uri="http://schemas.openxmlformats.org/presentationml/2006/ole">
             <mc:AlternateContent xmlns:mc="http://schemas.openxmlformats.org/markup-compatibility/2006">
               <mc:Choice xmlns:v="urn:schemas-microsoft-com:vml" Requires="v">
-                <p:oleObj spid="_x0000_s11343" name="think-cell Slide" r:id="rId4" imgW="270" imgH="270" progId="TCLayout.ActiveDocument.1">
+                <p:oleObj spid="_x0000_s11347" name="think-cell Slide" r:id="rId4" imgW="270" imgH="270" progId="TCLayout.ActiveDocument.1">
                   <p:embed/>
                 </p:oleObj>
               </mc:Choice>
@@ -2281,7 +2281,7 @@
           <a:p>
             <a:fld id="{B56E8790-EF43-4195-82DA-4A26D543E504}" type="datetimeFigureOut">
               <a:rPr lang="en-GB" smtClean="0"/>
-              <a:t>21/11/2019</a:t>
+              <a:t>03/12/2019</a:t>
             </a:fld>
             <a:endParaRPr lang="en-GB" dirty="0"/>
           </a:p>
@@ -2671,7 +2671,7 @@
           <a:graphicData uri="http://schemas.openxmlformats.org/presentationml/2006/ole">
             <mc:AlternateContent xmlns:mc="http://schemas.openxmlformats.org/markup-compatibility/2006">
               <mc:Choice xmlns:v="urn:schemas-microsoft-com:vml" Requires="v">
-                <p:oleObj spid="_x0000_s12367" name="think-cell Slide" r:id="rId4" imgW="270" imgH="270" progId="TCLayout.ActiveDocument.1">
+                <p:oleObj spid="_x0000_s12371" name="think-cell Slide" r:id="rId4" imgW="270" imgH="270" progId="TCLayout.ActiveDocument.1">
                   <p:embed/>
                 </p:oleObj>
               </mc:Choice>
@@ -2728,7 +2728,7 @@
           <a:p>
             <a:fld id="{B56E8790-EF43-4195-82DA-4A26D543E504}" type="datetimeFigureOut">
               <a:rPr lang="en-GB" smtClean="0"/>
-              <a:t>21/11/2019</a:t>
+              <a:t>03/12/2019</a:t>
             </a:fld>
             <a:endParaRPr lang="en-GB" dirty="0"/>
           </a:p>
@@ -3280,7 +3280,7 @@
           <a:graphicData uri="http://schemas.openxmlformats.org/presentationml/2006/ole">
             <mc:AlternateContent xmlns:mc="http://schemas.openxmlformats.org/markup-compatibility/2006">
               <mc:Choice xmlns:v="urn:schemas-microsoft-com:vml" Requires="v">
-                <p:oleObj spid="_x0000_s13391" name="think-cell Slide" r:id="rId4" imgW="270" imgH="270" progId="TCLayout.ActiveDocument.1">
+                <p:oleObj spid="_x0000_s13395" name="think-cell Slide" r:id="rId4" imgW="270" imgH="270" progId="TCLayout.ActiveDocument.1">
                   <p:embed/>
                 </p:oleObj>
               </mc:Choice>
@@ -3337,7 +3337,7 @@
           <a:p>
             <a:fld id="{B56E8790-EF43-4195-82DA-4A26D543E504}" type="datetimeFigureOut">
               <a:rPr lang="en-GB" smtClean="0"/>
-              <a:t>21/11/2019</a:t>
+              <a:t>03/12/2019</a:t>
             </a:fld>
             <a:endParaRPr lang="en-GB" dirty="0"/>
           </a:p>
@@ -3889,7 +3889,7 @@
           <a:graphicData uri="http://schemas.openxmlformats.org/presentationml/2006/ole">
             <mc:AlternateContent xmlns:mc="http://schemas.openxmlformats.org/markup-compatibility/2006">
               <mc:Choice xmlns:v="urn:schemas-microsoft-com:vml" Requires="v">
-                <p:oleObj spid="_x0000_s14415" name="think-cell Slide" r:id="rId4" imgW="270" imgH="270" progId="TCLayout.ActiveDocument.1">
+                <p:oleObj spid="_x0000_s14419" name="think-cell Slide" r:id="rId4" imgW="270" imgH="270" progId="TCLayout.ActiveDocument.1">
                   <p:embed/>
                 </p:oleObj>
               </mc:Choice>
@@ -3946,7 +3946,7 @@
           <a:p>
             <a:fld id="{B56E8790-EF43-4195-82DA-4A26D543E504}" type="datetimeFigureOut">
               <a:rPr lang="en-GB" smtClean="0"/>
-              <a:t>21/11/2019</a:t>
+              <a:t>03/12/2019</a:t>
             </a:fld>
             <a:endParaRPr lang="en-GB" dirty="0"/>
           </a:p>
@@ -4498,7 +4498,7 @@
           <a:graphicData uri="http://schemas.openxmlformats.org/presentationml/2006/ole">
             <mc:AlternateContent xmlns:mc="http://schemas.openxmlformats.org/markup-compatibility/2006">
               <mc:Choice xmlns:v="urn:schemas-microsoft-com:vml" Requires="v">
-                <p:oleObj spid="_x0000_s15439" name="think-cell Slide" r:id="rId4" imgW="270" imgH="270" progId="TCLayout.ActiveDocument.1">
+                <p:oleObj spid="_x0000_s15443" name="think-cell Slide" r:id="rId4" imgW="270" imgH="270" progId="TCLayout.ActiveDocument.1">
                   <p:embed/>
                 </p:oleObj>
               </mc:Choice>
@@ -4555,7 +4555,7 @@
           <a:p>
             <a:fld id="{B56E8790-EF43-4195-82DA-4A26D543E504}" type="datetimeFigureOut">
               <a:rPr lang="en-GB" smtClean="0"/>
-              <a:t>21/11/2019</a:t>
+              <a:t>03/12/2019</a:t>
             </a:fld>
             <a:endParaRPr lang="en-GB" dirty="0"/>
           </a:p>
@@ -5107,7 +5107,7 @@
           <a:graphicData uri="http://schemas.openxmlformats.org/presentationml/2006/ole">
             <mc:AlternateContent xmlns:mc="http://schemas.openxmlformats.org/markup-compatibility/2006">
               <mc:Choice xmlns:v="urn:schemas-microsoft-com:vml" Requires="v">
-                <p:oleObj spid="_x0000_s16463" name="think-cell Slide" r:id="rId4" imgW="270" imgH="270" progId="TCLayout.ActiveDocument.1">
+                <p:oleObj spid="_x0000_s16467" name="think-cell Slide" r:id="rId4" imgW="270" imgH="270" progId="TCLayout.ActiveDocument.1">
                   <p:embed/>
                 </p:oleObj>
               </mc:Choice>
@@ -5164,7 +5164,7 @@
           <a:p>
             <a:fld id="{B56E8790-EF43-4195-82DA-4A26D543E504}" type="datetimeFigureOut">
               <a:rPr lang="en-GB" smtClean="0"/>
-              <a:t>21/11/2019</a:t>
+              <a:t>03/12/2019</a:t>
             </a:fld>
             <a:endParaRPr lang="en-GB" dirty="0"/>
           </a:p>
@@ -5716,7 +5716,7 @@
           <a:graphicData uri="http://schemas.openxmlformats.org/presentationml/2006/ole">
             <mc:AlternateContent xmlns:mc="http://schemas.openxmlformats.org/markup-compatibility/2006">
               <mc:Choice xmlns:v="urn:schemas-microsoft-com:vml" Requires="v">
-                <p:oleObj spid="_x0000_s17487" name="think-cell Slide" r:id="rId4" imgW="270" imgH="270" progId="TCLayout.ActiveDocument.1">
+                <p:oleObj spid="_x0000_s17491" name="think-cell Slide" r:id="rId4" imgW="270" imgH="270" progId="TCLayout.ActiveDocument.1">
                   <p:embed/>
                 </p:oleObj>
               </mc:Choice>
@@ -5773,7 +5773,7 @@
           <a:p>
             <a:fld id="{B56E8790-EF43-4195-82DA-4A26D543E504}" type="datetimeFigureOut">
               <a:rPr lang="en-GB" smtClean="0"/>
-              <a:t>21/11/2019</a:t>
+              <a:t>03/12/2019</a:t>
             </a:fld>
             <a:endParaRPr lang="en-GB" dirty="0"/>
           </a:p>
@@ -6418,7 +6418,7 @@
           <a:p>
             <a:fld id="{B56E8790-EF43-4195-82DA-4A26D543E504}" type="datetimeFigureOut">
               <a:rPr lang="en-GB" smtClean="0"/>
-              <a:t>21/11/2019</a:t>
+              <a:t>03/12/2019</a:t>
             </a:fld>
             <a:endParaRPr lang="en-GB" dirty="0"/>
           </a:p>
@@ -6529,7 +6529,7 @@
           <a:graphicData uri="http://schemas.openxmlformats.org/presentationml/2006/ole">
             <mc:AlternateContent xmlns:mc="http://schemas.openxmlformats.org/markup-compatibility/2006">
               <mc:Choice xmlns:v="urn:schemas-microsoft-com:vml" Requires="v">
-                <p:oleObj spid="_x0000_s3151" name="think-cell Slide" r:id="rId4" imgW="270" imgH="270" progId="TCLayout.ActiveDocument.1">
+                <p:oleObj spid="_x0000_s3155" name="think-cell Slide" r:id="rId4" imgW="270" imgH="270" progId="TCLayout.ActiveDocument.1">
                   <p:embed/>
                 </p:oleObj>
               </mc:Choice>
@@ -6678,7 +6678,7 @@
           <a:p>
             <a:fld id="{B56E8790-EF43-4195-82DA-4A26D543E504}" type="datetimeFigureOut">
               <a:rPr lang="en-GB" smtClean="0"/>
-              <a:t>21/11/2019</a:t>
+              <a:t>03/12/2019</a:t>
             </a:fld>
             <a:endParaRPr lang="en-GB" dirty="0"/>
           </a:p>
@@ -6843,7 +6843,7 @@
           <a:graphicData uri="http://schemas.openxmlformats.org/presentationml/2006/ole">
             <mc:AlternateContent xmlns:mc="http://schemas.openxmlformats.org/markup-compatibility/2006">
               <mc:Choice xmlns:v="urn:schemas-microsoft-com:vml" Requires="v">
-                <p:oleObj spid="_x0000_s19535" name="think-cell Slide" r:id="rId5" imgW="270" imgH="270" progId="TCLayout.ActiveDocument.1">
+                <p:oleObj spid="_x0000_s19539" name="think-cell Slide" r:id="rId5" imgW="270" imgH="270" progId="TCLayout.ActiveDocument.1">
                   <p:embed/>
                 </p:oleObj>
               </mc:Choice>
@@ -7026,7 +7026,7 @@
             <a:fld id="{FD5A4159-1C9D-4C23-8DBB-0FD5BF49F859}" type="datetime1">
               <a:rPr lang="en-GB" smtClean="0"/>
               <a:pPr/>
-              <a:t>21/11/2019</a:t>
+              <a:t>03/12/2019</a:t>
             </a:fld>
             <a:endParaRPr lang="en-GB" dirty="0"/>
           </a:p>
@@ -7120,7 +7120,7 @@
           <a:graphicData uri="http://schemas.openxmlformats.org/presentationml/2006/ole">
             <mc:AlternateContent xmlns:mc="http://schemas.openxmlformats.org/markup-compatibility/2006">
               <mc:Choice xmlns:v="urn:schemas-microsoft-com:vml" Requires="v">
-                <p:oleObj spid="_x0000_s20559" name="think-cell Slide" r:id="rId4" imgW="270" imgH="270" progId="TCLayout.ActiveDocument.1">
+                <p:oleObj spid="_x0000_s20563" name="think-cell Slide" r:id="rId4" imgW="270" imgH="270" progId="TCLayout.ActiveDocument.1">
                   <p:embed/>
                 </p:oleObj>
               </mc:Choice>
@@ -7270,7 +7270,7 @@
             <a:fld id="{461D2423-DC7C-4239-9F6A-F74AADFD9F8E}" type="datetime1">
               <a:rPr lang="en-GB" smtClean="0"/>
               <a:pPr/>
-              <a:t>21/11/2019</a:t>
+              <a:t>03/12/2019</a:t>
             </a:fld>
             <a:endParaRPr lang="en-GB" dirty="0"/>
           </a:p>
@@ -7444,7 +7444,7 @@
             <a:fld id="{84F482FB-B023-4CBB-8046-4D830E895C90}" type="datetime1">
               <a:rPr lang="en-GB" smtClean="0"/>
               <a:pPr/>
-              <a:t>21/11/2019</a:t>
+              <a:t>03/12/2019</a:t>
             </a:fld>
             <a:endParaRPr lang="en-GB" dirty="0"/>
           </a:p>
@@ -7718,7 +7718,7 @@
           <a:graphicData uri="http://schemas.openxmlformats.org/presentationml/2006/ole">
             <mc:AlternateContent xmlns:mc="http://schemas.openxmlformats.org/markup-compatibility/2006">
               <mc:Choice xmlns:v="urn:schemas-microsoft-com:vml" Requires="v">
-                <p:oleObj spid="_x0000_s21583" name="think-cell Slide" r:id="rId4" imgW="270" imgH="270" progId="TCLayout.ActiveDocument.1">
+                <p:oleObj spid="_x0000_s21587" name="think-cell Slide" r:id="rId4" imgW="270" imgH="270" progId="TCLayout.ActiveDocument.1">
                   <p:embed/>
                 </p:oleObj>
               </mc:Choice>
@@ -7877,7 +7877,7 @@
             <a:fld id="{F26DF438-9CC2-4A49-A657-78DE437E5C5C}" type="datetime1">
               <a:rPr lang="en-GB" smtClean="0"/>
               <a:pPr/>
-              <a:t>21/11/2019</a:t>
+              <a:t>03/12/2019</a:t>
             </a:fld>
             <a:endParaRPr lang="en-GB" dirty="0"/>
           </a:p>
@@ -8272,7 +8272,7 @@
           <a:graphicData uri="http://schemas.openxmlformats.org/presentationml/2006/ole">
             <mc:AlternateContent xmlns:mc="http://schemas.openxmlformats.org/markup-compatibility/2006">
               <mc:Choice xmlns:v="urn:schemas-microsoft-com:vml" Requires="v">
-                <p:oleObj spid="_x0000_s22607" name="think-cell Slide" r:id="rId4" imgW="270" imgH="270" progId="TCLayout.ActiveDocument.1">
+                <p:oleObj spid="_x0000_s22611" name="think-cell Slide" r:id="rId4" imgW="270" imgH="270" progId="TCLayout.ActiveDocument.1">
                   <p:embed/>
                 </p:oleObj>
               </mc:Choice>
@@ -8338,7 +8338,7 @@
             <a:fld id="{A960169C-9E24-485A-B7A8-19D9A23B43F5}" type="datetime1">
               <a:rPr lang="en-GB" smtClean="0"/>
               <a:pPr/>
-              <a:t>21/11/2019</a:t>
+              <a:t>03/12/2019</a:t>
             </a:fld>
             <a:endParaRPr lang="en-GB" dirty="0"/>
           </a:p>
@@ -8880,7 +8880,7 @@
           <a:graphicData uri="http://schemas.openxmlformats.org/presentationml/2006/ole">
             <mc:AlternateContent xmlns:mc="http://schemas.openxmlformats.org/markup-compatibility/2006">
               <mc:Choice xmlns:v="urn:schemas-microsoft-com:vml" Requires="v">
-                <p:oleObj spid="_x0000_s23708" name="think-cell Slide" r:id="rId5" imgW="270" imgH="270" progId="TCLayout.ActiveDocument.1">
+                <p:oleObj spid="_x0000_s23716" name="think-cell Slide" r:id="rId5" imgW="270" imgH="270" progId="TCLayout.ActiveDocument.1">
                   <p:embed/>
                 </p:oleObj>
               </mc:Choice>
@@ -9132,7 +9132,7 @@
             <a:fld id="{0DD20B1F-20AE-4F8D-832A-F732FDE213D5}" type="datetime1">
               <a:rPr lang="en-GB" smtClean="0"/>
               <a:pPr/>
-              <a:t>21/11/2019</a:t>
+              <a:t>03/12/2019</a:t>
             </a:fld>
             <a:endParaRPr lang="en-GB" dirty="0"/>
           </a:p>
@@ -9203,7 +9203,7 @@
           <a:graphicData uri="http://schemas.openxmlformats.org/presentationml/2006/ole">
             <mc:AlternateContent xmlns:mc="http://schemas.openxmlformats.org/markup-compatibility/2006">
               <mc:Choice xmlns:v="urn:schemas-microsoft-com:vml" Requires="v">
-                <p:oleObj spid="_x0000_s23709" name="think-cell Slide" r:id="rId7" imgW="270" imgH="270" progId="TCLayout.ActiveDocument.1">
+                <p:oleObj spid="_x0000_s23717" name="think-cell Slide" r:id="rId7" imgW="270" imgH="270" progId="TCLayout.ActiveDocument.1">
                   <p:embed/>
                 </p:oleObj>
               </mc:Choice>
@@ -9501,7 +9501,7 @@
             <a:fld id="{0DD20B1F-20AE-4F8D-832A-F732FDE213D5}" type="datetime1">
               <a:rPr lang="en-GB" smtClean="0"/>
               <a:pPr/>
-              <a:t>21/11/2019</a:t>
+              <a:t>03/12/2019</a:t>
             </a:fld>
             <a:endParaRPr lang="en-GB" dirty="0"/>
           </a:p>
@@ -9990,7 +9990,7 @@
           <a:graphicData uri="http://schemas.openxmlformats.org/presentationml/2006/ole">
             <mc:AlternateContent xmlns:mc="http://schemas.openxmlformats.org/markup-compatibility/2006">
               <mc:Choice xmlns:v="urn:schemas-microsoft-com:vml" Requires="v">
-                <p:oleObj spid="_x0000_s24732" name="think-cell Slide" r:id="rId5" imgW="270" imgH="270" progId="TCLayout.ActiveDocument.1">
+                <p:oleObj spid="_x0000_s24740" name="think-cell Slide" r:id="rId5" imgW="270" imgH="270" progId="TCLayout.ActiveDocument.1">
                   <p:embed/>
                 </p:oleObj>
               </mc:Choice>
@@ -10056,7 +10056,7 @@
             <a:fld id="{D07952D7-4E08-421B-9537-2EE112E32DE3}" type="datetime1">
               <a:rPr lang="en-GB" smtClean="0"/>
               <a:pPr/>
-              <a:t>21/11/2019</a:t>
+              <a:t>03/12/2019</a:t>
             </a:fld>
             <a:endParaRPr lang="en-GB" dirty="0"/>
           </a:p>
@@ -10411,7 +10411,7 @@
           <a:graphicData uri="http://schemas.openxmlformats.org/presentationml/2006/ole">
             <mc:AlternateContent xmlns:mc="http://schemas.openxmlformats.org/markup-compatibility/2006">
               <mc:Choice xmlns:v="urn:schemas-microsoft-com:vml" Requires="v">
-                <p:oleObj spid="_x0000_s24733" name="think-cell Slide" r:id="rId7" imgW="270" imgH="270" progId="TCLayout.ActiveDocument.1">
+                <p:oleObj spid="_x0000_s24741" name="think-cell Slide" r:id="rId7" imgW="270" imgH="270" progId="TCLayout.ActiveDocument.1">
                   <p:embed/>
                 </p:oleObj>
               </mc:Choice>
@@ -10699,7 +10699,7 @@
           <a:graphicData uri="http://schemas.openxmlformats.org/presentationml/2006/ole">
             <mc:AlternateContent xmlns:mc="http://schemas.openxmlformats.org/markup-compatibility/2006">
               <mc:Choice xmlns:v="urn:schemas-microsoft-com:vml" Requires="v">
-                <p:oleObj spid="_x0000_s25756" name="think-cell Slide" r:id="rId5" imgW="270" imgH="270" progId="TCLayout.ActiveDocument.1">
+                <p:oleObj spid="_x0000_s25764" name="think-cell Slide" r:id="rId5" imgW="270" imgH="270" progId="TCLayout.ActiveDocument.1">
                   <p:embed/>
                 </p:oleObj>
               </mc:Choice>
@@ -10765,7 +10765,7 @@
             <a:fld id="{D07952D7-4E08-421B-9537-2EE112E32DE3}" type="datetime1">
               <a:rPr lang="en-GB" smtClean="0"/>
               <a:pPr/>
-              <a:t>21/11/2019</a:t>
+              <a:t>03/12/2019</a:t>
             </a:fld>
             <a:endParaRPr lang="en-GB" dirty="0"/>
           </a:p>
@@ -11120,7 +11120,7 @@
           <a:graphicData uri="http://schemas.openxmlformats.org/presentationml/2006/ole">
             <mc:AlternateContent xmlns:mc="http://schemas.openxmlformats.org/markup-compatibility/2006">
               <mc:Choice xmlns:v="urn:schemas-microsoft-com:vml" Requires="v">
-                <p:oleObj spid="_x0000_s25757" name="think-cell Slide" r:id="rId7" imgW="270" imgH="270" progId="TCLayout.ActiveDocument.1">
+                <p:oleObj spid="_x0000_s25765" name="think-cell Slide" r:id="rId7" imgW="270" imgH="270" progId="TCLayout.ActiveDocument.1">
                   <p:embed/>
                 </p:oleObj>
               </mc:Choice>
@@ -11413,7 +11413,7 @@
           <a:graphicData uri="http://schemas.openxmlformats.org/presentationml/2006/ole">
             <mc:AlternateContent xmlns:mc="http://schemas.openxmlformats.org/markup-compatibility/2006">
               <mc:Choice xmlns:v="urn:schemas-microsoft-com:vml" Requires="v">
-                <p:oleObj spid="_x0000_s26780" name="think-cell Slide" r:id="rId5" imgW="270" imgH="270" progId="TCLayout.ActiveDocument.1">
+                <p:oleObj spid="_x0000_s26788" name="think-cell Slide" r:id="rId5" imgW="270" imgH="270" progId="TCLayout.ActiveDocument.1">
                   <p:embed/>
                 </p:oleObj>
               </mc:Choice>
@@ -11528,7 +11528,7 @@
             <a:fld id="{D07952D7-4E08-421B-9537-2EE112E32DE3}" type="datetime1">
               <a:rPr lang="en-GB" smtClean="0"/>
               <a:pPr/>
-              <a:t>21/11/2019</a:t>
+              <a:t>03/12/2019</a:t>
             </a:fld>
             <a:endParaRPr lang="en-GB" dirty="0"/>
           </a:p>
@@ -12118,7 +12118,7 @@
           <a:graphicData uri="http://schemas.openxmlformats.org/presentationml/2006/ole">
             <mc:AlternateContent xmlns:mc="http://schemas.openxmlformats.org/markup-compatibility/2006">
               <mc:Choice xmlns:v="urn:schemas-microsoft-com:vml" Requires="v">
-                <p:oleObj spid="_x0000_s26781" name="think-cell Slide" r:id="rId7" imgW="270" imgH="270" progId="TCLayout.ActiveDocument.1">
+                <p:oleObj spid="_x0000_s26789" name="think-cell Slide" r:id="rId7" imgW="270" imgH="270" progId="TCLayout.ActiveDocument.1">
                   <p:embed/>
                 </p:oleObj>
               </mc:Choice>
@@ -12449,7 +12449,7 @@
           <a:p>
             <a:fld id="{B56E8790-EF43-4195-82DA-4A26D543E504}" type="datetimeFigureOut">
               <a:rPr lang="en-GB" smtClean="0"/>
-              <a:t>21/11/2019</a:t>
+              <a:t>03/12/2019</a:t>
             </a:fld>
             <a:endParaRPr lang="en-GB" dirty="0"/>
           </a:p>
@@ -12731,7 +12731,7 @@
           <a:graphicData uri="http://schemas.openxmlformats.org/presentationml/2006/ole">
             <mc:AlternateContent xmlns:mc="http://schemas.openxmlformats.org/markup-compatibility/2006">
               <mc:Choice xmlns:v="urn:schemas-microsoft-com:vml" Requires="v">
-                <p:oleObj spid="_x0000_s27804" name="think-cell Slide" r:id="rId5" imgW="270" imgH="270" progId="TCLayout.ActiveDocument.1">
+                <p:oleObj spid="_x0000_s27812" name="think-cell Slide" r:id="rId5" imgW="270" imgH="270" progId="TCLayout.ActiveDocument.1">
                   <p:embed/>
                 </p:oleObj>
               </mc:Choice>
@@ -12797,7 +12797,7 @@
             <a:fld id="{10E7BC8F-BFD3-4858-915D-99D9576C8415}" type="datetime1">
               <a:rPr lang="en-GB" smtClean="0"/>
               <a:pPr/>
-              <a:t>21/11/2019</a:t>
+              <a:t>03/12/2019</a:t>
             </a:fld>
             <a:endParaRPr lang="en-GB" dirty="0"/>
           </a:p>
@@ -13179,7 +13179,7 @@
           <a:graphicData uri="http://schemas.openxmlformats.org/presentationml/2006/ole">
             <mc:AlternateContent xmlns:mc="http://schemas.openxmlformats.org/markup-compatibility/2006">
               <mc:Choice xmlns:v="urn:schemas-microsoft-com:vml" Requires="v">
-                <p:oleObj spid="_x0000_s27805" name="think-cell Slide" r:id="rId8" imgW="270" imgH="270" progId="TCLayout.ActiveDocument.1">
+                <p:oleObj spid="_x0000_s27813" name="think-cell Slide" r:id="rId8" imgW="270" imgH="270" progId="TCLayout.ActiveDocument.1">
                   <p:embed/>
                 </p:oleObj>
               </mc:Choice>
@@ -13468,7 +13468,7 @@
           <a:graphicData uri="http://schemas.openxmlformats.org/presentationml/2006/ole">
             <mc:AlternateContent xmlns:mc="http://schemas.openxmlformats.org/markup-compatibility/2006">
               <mc:Choice xmlns:v="urn:schemas-microsoft-com:vml" Requires="v">
-                <p:oleObj spid="_x0000_s29775" name="think-cell Slide" r:id="rId5" imgW="270" imgH="270" progId="TCLayout.ActiveDocument.1">
+                <p:oleObj spid="_x0000_s29779" name="think-cell Slide" r:id="rId5" imgW="270" imgH="270" progId="TCLayout.ActiveDocument.1">
                   <p:embed/>
                 </p:oleObj>
               </mc:Choice>
@@ -13655,7 +13655,7 @@
                 </a:solidFill>
               </a:rPr>
               <a:pPr/>
-              <a:t>21/11/2019</a:t>
+              <a:t>03/12/2019</a:t>
             </a:fld>
             <a:endParaRPr lang="en-GB" dirty="0">
               <a:solidFill>
@@ -13757,7 +13757,7 @@
           <a:graphicData uri="http://schemas.openxmlformats.org/presentationml/2006/ole">
             <mc:AlternateContent xmlns:mc="http://schemas.openxmlformats.org/markup-compatibility/2006">
               <mc:Choice xmlns:v="urn:schemas-microsoft-com:vml" Requires="v">
-                <p:oleObj spid="_x0000_s30799" name="think-cell Slide" r:id="rId4" imgW="270" imgH="270" progId="TCLayout.ActiveDocument.1">
+                <p:oleObj spid="_x0000_s30803" name="think-cell Slide" r:id="rId4" imgW="270" imgH="270" progId="TCLayout.ActiveDocument.1">
                   <p:embed/>
                 </p:oleObj>
               </mc:Choice>
@@ -13911,7 +13911,7 @@
                 </a:solidFill>
               </a:rPr>
               <a:pPr/>
-              <a:t>21/11/2019</a:t>
+              <a:t>03/12/2019</a:t>
             </a:fld>
             <a:endParaRPr lang="en-GB" dirty="0">
               <a:solidFill>
@@ -14097,7 +14097,7 @@
                 </a:solidFill>
               </a:rPr>
               <a:pPr/>
-              <a:t>21/11/2019</a:t>
+              <a:t>03/12/2019</a:t>
             </a:fld>
             <a:endParaRPr lang="en-GB" dirty="0">
               <a:solidFill>
@@ -14379,7 +14379,7 @@
           <a:graphicData uri="http://schemas.openxmlformats.org/presentationml/2006/ole">
             <mc:AlternateContent xmlns:mc="http://schemas.openxmlformats.org/markup-compatibility/2006">
               <mc:Choice xmlns:v="urn:schemas-microsoft-com:vml" Requires="v">
-                <p:oleObj spid="_x0000_s31823" name="think-cell Slide" r:id="rId4" imgW="270" imgH="270" progId="TCLayout.ActiveDocument.1">
+                <p:oleObj spid="_x0000_s31827" name="think-cell Slide" r:id="rId4" imgW="270" imgH="270" progId="TCLayout.ActiveDocument.1">
                   <p:embed/>
                 </p:oleObj>
               </mc:Choice>
@@ -14542,7 +14542,7 @@
                 </a:solidFill>
               </a:rPr>
               <a:pPr/>
-              <a:t>21/11/2019</a:t>
+              <a:t>03/12/2019</a:t>
             </a:fld>
             <a:endParaRPr lang="en-GB" dirty="0">
               <a:solidFill>
@@ -14945,7 +14945,7 @@
           <a:graphicData uri="http://schemas.openxmlformats.org/presentationml/2006/ole">
             <mc:AlternateContent xmlns:mc="http://schemas.openxmlformats.org/markup-compatibility/2006">
               <mc:Choice xmlns:v="urn:schemas-microsoft-com:vml" Requires="v">
-                <p:oleObj spid="_x0000_s32847" name="think-cell Slide" r:id="rId4" imgW="270" imgH="270" progId="TCLayout.ActiveDocument.1">
+                <p:oleObj spid="_x0000_s32851" name="think-cell Slide" r:id="rId4" imgW="270" imgH="270" progId="TCLayout.ActiveDocument.1">
                   <p:embed/>
                 </p:oleObj>
               </mc:Choice>
@@ -15015,7 +15015,7 @@
                 </a:solidFill>
               </a:rPr>
               <a:pPr/>
-              <a:t>21/11/2019</a:t>
+              <a:t>03/12/2019</a:t>
             </a:fld>
             <a:endParaRPr lang="en-GB" dirty="0">
               <a:solidFill>
@@ -15565,7 +15565,7 @@
           <a:graphicData uri="http://schemas.openxmlformats.org/presentationml/2006/ole">
             <mc:AlternateContent xmlns:mc="http://schemas.openxmlformats.org/markup-compatibility/2006">
               <mc:Choice xmlns:v="urn:schemas-microsoft-com:vml" Requires="v">
-                <p:oleObj spid="_x0000_s33948" name="think-cell Slide" r:id="rId5" imgW="270" imgH="270" progId="TCLayout.ActiveDocument.1">
+                <p:oleObj spid="_x0000_s33956" name="think-cell Slide" r:id="rId5" imgW="270" imgH="270" progId="TCLayout.ActiveDocument.1">
                   <p:embed/>
                 </p:oleObj>
               </mc:Choice>
@@ -15821,7 +15821,7 @@
                 </a:solidFill>
               </a:rPr>
               <a:pPr/>
-              <a:t>21/11/2019</a:t>
+              <a:t>03/12/2019</a:t>
             </a:fld>
             <a:endParaRPr lang="en-GB" dirty="0">
               <a:solidFill>
@@ -15896,7 +15896,7 @@
           <a:graphicData uri="http://schemas.openxmlformats.org/presentationml/2006/ole">
             <mc:AlternateContent xmlns:mc="http://schemas.openxmlformats.org/markup-compatibility/2006">
               <mc:Choice xmlns:v="urn:schemas-microsoft-com:vml" Requires="v">
-                <p:oleObj spid="_x0000_s33949" name="think-cell Slide" r:id="rId7" imgW="270" imgH="270" progId="TCLayout.ActiveDocument.1">
+                <p:oleObj spid="_x0000_s33957" name="think-cell Slide" r:id="rId7" imgW="270" imgH="270" progId="TCLayout.ActiveDocument.1">
                   <p:embed/>
                 </p:oleObj>
               </mc:Choice>
@@ -16202,7 +16202,7 @@
                 </a:solidFill>
               </a:rPr>
               <a:pPr/>
-              <a:t>21/11/2019</a:t>
+              <a:t>03/12/2019</a:t>
             </a:fld>
             <a:endParaRPr lang="en-GB" dirty="0">
               <a:solidFill>
@@ -16699,7 +16699,7 @@
           <a:graphicData uri="http://schemas.openxmlformats.org/presentationml/2006/ole">
             <mc:AlternateContent xmlns:mc="http://schemas.openxmlformats.org/markup-compatibility/2006">
               <mc:Choice xmlns:v="urn:schemas-microsoft-com:vml" Requires="v">
-                <p:oleObj spid="_x0000_s34972" name="think-cell Slide" r:id="rId5" imgW="270" imgH="270" progId="TCLayout.ActiveDocument.1">
+                <p:oleObj spid="_x0000_s34980" name="think-cell Slide" r:id="rId5" imgW="270" imgH="270" progId="TCLayout.ActiveDocument.1">
                   <p:embed/>
                 </p:oleObj>
               </mc:Choice>
@@ -16769,7 +16769,7 @@
                 </a:solidFill>
               </a:rPr>
               <a:pPr/>
-              <a:t>21/11/2019</a:t>
+              <a:t>03/12/2019</a:t>
             </a:fld>
             <a:endParaRPr lang="en-GB" dirty="0">
               <a:solidFill>
@@ -17128,7 +17128,7 @@
           <a:graphicData uri="http://schemas.openxmlformats.org/presentationml/2006/ole">
             <mc:AlternateContent xmlns:mc="http://schemas.openxmlformats.org/markup-compatibility/2006">
               <mc:Choice xmlns:v="urn:schemas-microsoft-com:vml" Requires="v">
-                <p:oleObj spid="_x0000_s34973" name="think-cell Slide" r:id="rId7" imgW="270" imgH="270" progId="TCLayout.ActiveDocument.1">
+                <p:oleObj spid="_x0000_s34981" name="think-cell Slide" r:id="rId7" imgW="270" imgH="270" progId="TCLayout.ActiveDocument.1">
                   <p:embed/>
                 </p:oleObj>
               </mc:Choice>
@@ -17420,7 +17420,7 @@
           <a:graphicData uri="http://schemas.openxmlformats.org/presentationml/2006/ole">
             <mc:AlternateContent xmlns:mc="http://schemas.openxmlformats.org/markup-compatibility/2006">
               <mc:Choice xmlns:v="urn:schemas-microsoft-com:vml" Requires="v">
-                <p:oleObj spid="_x0000_s35996" name="think-cell Slide" r:id="rId5" imgW="270" imgH="270" progId="TCLayout.ActiveDocument.1">
+                <p:oleObj spid="_x0000_s36004" name="think-cell Slide" r:id="rId5" imgW="270" imgH="270" progId="TCLayout.ActiveDocument.1">
                   <p:embed/>
                 </p:oleObj>
               </mc:Choice>
@@ -17490,7 +17490,7 @@
                 </a:solidFill>
               </a:rPr>
               <a:pPr/>
-              <a:t>21/11/2019</a:t>
+              <a:t>03/12/2019</a:t>
             </a:fld>
             <a:endParaRPr lang="en-GB" dirty="0">
               <a:solidFill>
@@ -17849,7 +17849,7 @@
           <a:graphicData uri="http://schemas.openxmlformats.org/presentationml/2006/ole">
             <mc:AlternateContent xmlns:mc="http://schemas.openxmlformats.org/markup-compatibility/2006">
               <mc:Choice xmlns:v="urn:schemas-microsoft-com:vml" Requires="v">
-                <p:oleObj spid="_x0000_s35997" name="think-cell Slide" r:id="rId7" imgW="270" imgH="270" progId="TCLayout.ActiveDocument.1">
+                <p:oleObj spid="_x0000_s36005" name="think-cell Slide" r:id="rId7" imgW="270" imgH="270" progId="TCLayout.ActiveDocument.1">
                   <p:embed/>
                 </p:oleObj>
               </mc:Choice>
@@ -18150,7 +18150,7 @@
           <a:graphicData uri="http://schemas.openxmlformats.org/presentationml/2006/ole">
             <mc:AlternateContent xmlns:mc="http://schemas.openxmlformats.org/markup-compatibility/2006">
               <mc:Choice xmlns:v="urn:schemas-microsoft-com:vml" Requires="v">
-                <p:oleObj spid="_x0000_s4175" name="think-cell Slide" r:id="rId4" imgW="270" imgH="270" progId="TCLayout.ActiveDocument.1">
+                <p:oleObj spid="_x0000_s4179" name="think-cell Slide" r:id="rId4" imgW="270" imgH="270" progId="TCLayout.ActiveDocument.1">
                   <p:embed/>
                 </p:oleObj>
               </mc:Choice>
@@ -18308,7 +18308,7 @@
           <a:p>
             <a:fld id="{B56E8790-EF43-4195-82DA-4A26D543E504}" type="datetimeFigureOut">
               <a:rPr lang="en-GB" smtClean="0"/>
-              <a:t>21/11/2019</a:t>
+              <a:t>03/12/2019</a:t>
             </a:fld>
             <a:endParaRPr lang="en-GB" dirty="0"/>
           </a:p>
@@ -18703,7 +18703,7 @@
           <a:graphicData uri="http://schemas.openxmlformats.org/presentationml/2006/ole">
             <mc:AlternateContent xmlns:mc="http://schemas.openxmlformats.org/markup-compatibility/2006">
               <mc:Choice xmlns:v="urn:schemas-microsoft-com:vml" Requires="v">
-                <p:oleObj spid="_x0000_s37020" name="think-cell Slide" r:id="rId5" imgW="270" imgH="270" progId="TCLayout.ActiveDocument.1">
+                <p:oleObj spid="_x0000_s37028" name="think-cell Slide" r:id="rId5" imgW="270" imgH="270" progId="TCLayout.ActiveDocument.1">
                   <p:embed/>
                 </p:oleObj>
               </mc:Choice>
@@ -18822,7 +18822,7 @@
                 </a:solidFill>
               </a:rPr>
               <a:pPr/>
-              <a:t>21/11/2019</a:t>
+              <a:t>03/12/2019</a:t>
             </a:fld>
             <a:endParaRPr lang="en-GB" dirty="0">
               <a:solidFill>
@@ -19416,7 +19416,7 @@
           <a:graphicData uri="http://schemas.openxmlformats.org/presentationml/2006/ole">
             <mc:AlternateContent xmlns:mc="http://schemas.openxmlformats.org/markup-compatibility/2006">
               <mc:Choice xmlns:v="urn:schemas-microsoft-com:vml" Requires="v">
-                <p:oleObj spid="_x0000_s37021" name="think-cell Slide" r:id="rId7" imgW="270" imgH="270" progId="TCLayout.ActiveDocument.1">
+                <p:oleObj spid="_x0000_s37029" name="think-cell Slide" r:id="rId7" imgW="270" imgH="270" progId="TCLayout.ActiveDocument.1">
                   <p:embed/>
                 </p:oleObj>
               </mc:Choice>
@@ -19721,7 +19721,7 @@
           <a:graphicData uri="http://schemas.openxmlformats.org/presentationml/2006/ole">
             <mc:AlternateContent xmlns:mc="http://schemas.openxmlformats.org/markup-compatibility/2006">
               <mc:Choice xmlns:v="urn:schemas-microsoft-com:vml" Requires="v">
-                <p:oleObj spid="_x0000_s38044" name="think-cell Slide" r:id="rId5" imgW="270" imgH="270" progId="TCLayout.ActiveDocument.1">
+                <p:oleObj spid="_x0000_s38052" name="think-cell Slide" r:id="rId5" imgW="270" imgH="270" progId="TCLayout.ActiveDocument.1">
                   <p:embed/>
                 </p:oleObj>
               </mc:Choice>
@@ -19791,7 +19791,7 @@
                 </a:solidFill>
               </a:rPr>
               <a:pPr/>
-              <a:t>21/11/2019</a:t>
+              <a:t>03/12/2019</a:t>
             </a:fld>
             <a:endParaRPr lang="en-GB" dirty="0">
               <a:solidFill>
@@ -20177,7 +20177,7 @@
           <a:graphicData uri="http://schemas.openxmlformats.org/presentationml/2006/ole">
             <mc:AlternateContent xmlns:mc="http://schemas.openxmlformats.org/markup-compatibility/2006">
               <mc:Choice xmlns:v="urn:schemas-microsoft-com:vml" Requires="v">
-                <p:oleObj spid="_x0000_s38045" name="think-cell Slide" r:id="rId8" imgW="270" imgH="270" progId="TCLayout.ActiveDocument.1">
+                <p:oleObj spid="_x0000_s38053" name="think-cell Slide" r:id="rId8" imgW="270" imgH="270" progId="TCLayout.ActiveDocument.1">
                   <p:embed/>
                 </p:oleObj>
               </mc:Choice>
@@ -20448,7 +20448,7 @@
           <a:graphicData uri="http://schemas.openxmlformats.org/presentationml/2006/ole">
             <mc:AlternateContent xmlns:mc="http://schemas.openxmlformats.org/markup-compatibility/2006">
               <mc:Choice xmlns:v="urn:schemas-microsoft-com:vml" Requires="v">
-                <p:oleObj spid="_x0000_s38991" name="think-cell Slide" r:id="rId4" imgW="270" imgH="270" progId="TCLayout.ActiveDocument.1">
+                <p:oleObj spid="_x0000_s38995" name="think-cell Slide" r:id="rId4" imgW="270" imgH="270" progId="TCLayout.ActiveDocument.1">
                   <p:embed/>
                 </p:oleObj>
               </mc:Choice>
@@ -20510,7 +20510,7 @@
                 </a:solidFill>
               </a:rPr>
               <a:pPr/>
-              <a:t>21/11/2019</a:t>
+              <a:t>03/12/2019</a:t>
             </a:fld>
             <a:endParaRPr lang="en-GB" dirty="0">
               <a:solidFill>
@@ -20912,7 +20912,7 @@
           <a:graphicData uri="http://schemas.openxmlformats.org/presentationml/2006/ole">
             <mc:AlternateContent xmlns:mc="http://schemas.openxmlformats.org/markup-compatibility/2006">
               <mc:Choice xmlns:v="urn:schemas-microsoft-com:vml" Requires="v">
-                <p:oleObj spid="_x0000_s5199" name="think-cell Slide" r:id="rId4" imgW="270" imgH="270" progId="TCLayout.ActiveDocument.1">
+                <p:oleObj spid="_x0000_s5203" name="think-cell Slide" r:id="rId4" imgW="270" imgH="270" progId="TCLayout.ActiveDocument.1">
                   <p:embed/>
                 </p:oleObj>
               </mc:Choice>
@@ -20977,7 +20977,7 @@
           <a:p>
             <a:fld id="{B56E8790-EF43-4195-82DA-4A26D543E504}" type="datetimeFigureOut">
               <a:rPr lang="en-GB" smtClean="0"/>
-              <a:t>21/11/2019</a:t>
+              <a:t>03/12/2019</a:t>
             </a:fld>
             <a:endParaRPr lang="en-GB" dirty="0"/>
           </a:p>
@@ -21523,7 +21523,7 @@
           <a:graphicData uri="http://schemas.openxmlformats.org/presentationml/2006/ole">
             <mc:AlternateContent xmlns:mc="http://schemas.openxmlformats.org/markup-compatibility/2006">
               <mc:Choice xmlns:v="urn:schemas-microsoft-com:vml" Requires="v">
-                <p:oleObj spid="_x0000_s6300" name="think-cell Slide" r:id="rId5" imgW="270" imgH="270" progId="TCLayout.ActiveDocument.1">
+                <p:oleObj spid="_x0000_s6308" name="think-cell Slide" r:id="rId5" imgW="270" imgH="270" progId="TCLayout.ActiveDocument.1">
                   <p:embed/>
                 </p:oleObj>
               </mc:Choice>
@@ -21774,7 +21774,7 @@
           <a:p>
             <a:fld id="{B56E8790-EF43-4195-82DA-4A26D543E504}" type="datetimeFigureOut">
               <a:rPr lang="en-GB" smtClean="0"/>
-              <a:t>21/11/2019</a:t>
+              <a:t>03/12/2019</a:t>
             </a:fld>
             <a:endParaRPr lang="en-GB" dirty="0"/>
           </a:p>
@@ -21849,7 +21849,7 @@
           <a:graphicData uri="http://schemas.openxmlformats.org/presentationml/2006/ole">
             <mc:AlternateContent xmlns:mc="http://schemas.openxmlformats.org/markup-compatibility/2006">
               <mc:Choice xmlns:v="urn:schemas-microsoft-com:vml" Requires="v">
-                <p:oleObj spid="_x0000_s6301" name="think-cell Slide" r:id="rId7" imgW="270" imgH="270" progId="TCLayout.ActiveDocument.1">
+                <p:oleObj spid="_x0000_s6309" name="think-cell Slide" r:id="rId7" imgW="270" imgH="270" progId="TCLayout.ActiveDocument.1">
                   <p:embed/>
                 </p:oleObj>
               </mc:Choice>
@@ -22146,7 +22146,7 @@
           <a:p>
             <a:fld id="{B56E8790-EF43-4195-82DA-4A26D543E504}" type="datetimeFigureOut">
               <a:rPr lang="en-GB" smtClean="0"/>
-              <a:t>21/11/2019</a:t>
+              <a:t>03/12/2019</a:t>
             </a:fld>
             <a:endParaRPr lang="en-GB" dirty="0"/>
           </a:p>
@@ -22639,7 +22639,7 @@
           <a:graphicData uri="http://schemas.openxmlformats.org/presentationml/2006/ole">
             <mc:AlternateContent xmlns:mc="http://schemas.openxmlformats.org/markup-compatibility/2006">
               <mc:Choice xmlns:v="urn:schemas-microsoft-com:vml" Requires="v">
-                <p:oleObj spid="_x0000_s7324" name="think-cell Slide" r:id="rId5" imgW="270" imgH="270" progId="TCLayout.ActiveDocument.1">
+                <p:oleObj spid="_x0000_s7332" name="think-cell Slide" r:id="rId5" imgW="270" imgH="270" progId="TCLayout.ActiveDocument.1">
                   <p:embed/>
                 </p:oleObj>
               </mc:Choice>
@@ -22704,7 +22704,7 @@
           <a:p>
             <a:fld id="{B56E8790-EF43-4195-82DA-4A26D543E504}" type="datetimeFigureOut">
               <a:rPr lang="en-GB" smtClean="0"/>
-              <a:t>21/11/2019</a:t>
+              <a:t>03/12/2019</a:t>
             </a:fld>
             <a:endParaRPr lang="en-GB" dirty="0"/>
           </a:p>
@@ -23063,7 +23063,7 @@
           <a:graphicData uri="http://schemas.openxmlformats.org/presentationml/2006/ole">
             <mc:AlternateContent xmlns:mc="http://schemas.openxmlformats.org/markup-compatibility/2006">
               <mc:Choice xmlns:v="urn:schemas-microsoft-com:vml" Requires="v">
-                <p:oleObj spid="_x0000_s7325" name="think-cell Slide" r:id="rId7" imgW="270" imgH="270" progId="TCLayout.ActiveDocument.1">
+                <p:oleObj spid="_x0000_s7333" name="think-cell Slide" r:id="rId7" imgW="270" imgH="270" progId="TCLayout.ActiveDocument.1">
                   <p:embed/>
                 </p:oleObj>
               </mc:Choice>
@@ -23355,7 +23355,7 @@
           <a:graphicData uri="http://schemas.openxmlformats.org/presentationml/2006/ole">
             <mc:AlternateContent xmlns:mc="http://schemas.openxmlformats.org/markup-compatibility/2006">
               <mc:Choice xmlns:v="urn:schemas-microsoft-com:vml" Requires="v">
-                <p:oleObj spid="_x0000_s8348" name="think-cell Slide" r:id="rId5" imgW="270" imgH="270" progId="TCLayout.ActiveDocument.1">
+                <p:oleObj spid="_x0000_s8356" name="think-cell Slide" r:id="rId5" imgW="270" imgH="270" progId="TCLayout.ActiveDocument.1">
                   <p:embed/>
                 </p:oleObj>
               </mc:Choice>
@@ -23420,7 +23420,7 @@
           <a:p>
             <a:fld id="{B56E8790-EF43-4195-82DA-4A26D543E504}" type="datetimeFigureOut">
               <a:rPr lang="en-GB" smtClean="0"/>
-              <a:t>21/11/2019</a:t>
+              <a:t>03/12/2019</a:t>
             </a:fld>
             <a:endParaRPr lang="en-GB" dirty="0"/>
           </a:p>
@@ -23779,7 +23779,7 @@
           <a:graphicData uri="http://schemas.openxmlformats.org/presentationml/2006/ole">
             <mc:AlternateContent xmlns:mc="http://schemas.openxmlformats.org/markup-compatibility/2006">
               <mc:Choice xmlns:v="urn:schemas-microsoft-com:vml" Requires="v">
-                <p:oleObj spid="_x0000_s8349" name="think-cell Slide" r:id="rId7" imgW="270" imgH="270" progId="TCLayout.ActiveDocument.1">
+                <p:oleObj spid="_x0000_s8357" name="think-cell Slide" r:id="rId7" imgW="270" imgH="270" progId="TCLayout.ActiveDocument.1">
                   <p:embed/>
                 </p:oleObj>
               </mc:Choice>
@@ -24084,7 +24084,7 @@
           <a:graphicData uri="http://schemas.openxmlformats.org/presentationml/2006/ole">
             <mc:AlternateContent xmlns:mc="http://schemas.openxmlformats.org/markup-compatibility/2006">
               <mc:Choice xmlns:v="urn:schemas-microsoft-com:vml" Requires="v">
-                <p:oleObj spid="_x0000_s1103" name="think-cell Slide" r:id="rId24" imgW="270" imgH="270" progId="TCLayout.ActiveDocument.1">
+                <p:oleObj spid="_x0000_s1107" name="think-cell Slide" r:id="rId24" imgW="270" imgH="270" progId="TCLayout.ActiveDocument.1">
                   <p:embed/>
                 </p:oleObj>
               </mc:Choice>
@@ -24216,7 +24216,7 @@
           <a:p>
             <a:fld id="{B56E8790-EF43-4195-82DA-4A26D543E504}" type="datetimeFigureOut">
               <a:rPr lang="en-GB" smtClean="0"/>
-              <a:t>21/11/2019</a:t>
+              <a:t>03/12/2019</a:t>
             </a:fld>
             <a:endParaRPr lang="en-GB" dirty="0"/>
           </a:p>
@@ -24778,7 +24778,7 @@
           <a:graphicData uri="http://schemas.openxmlformats.org/presentationml/2006/ole">
             <mc:AlternateContent xmlns:mc="http://schemas.openxmlformats.org/markup-compatibility/2006">
               <mc:Choice xmlns:v="urn:schemas-microsoft-com:vml" Requires="v">
-                <p:oleObj spid="_x0000_s18511" name="think-cell Slide" r:id="rId16" imgW="270" imgH="270" progId="TCLayout.ActiveDocument.1">
+                <p:oleObj spid="_x0000_s18515" name="think-cell Slide" r:id="rId16" imgW="270" imgH="270" progId="TCLayout.ActiveDocument.1">
                   <p:embed/>
                 </p:oleObj>
               </mc:Choice>
@@ -24911,7 +24911,7 @@
             <a:fld id="{10E7BC8F-BFD3-4858-915D-99D9576C8415}" type="datetime1">
               <a:rPr lang="en-GB" smtClean="0"/>
               <a:pPr/>
-              <a:t>21/11/2019</a:t>
+              <a:t>03/12/2019</a:t>
             </a:fld>
             <a:endParaRPr lang="en-GB" dirty="0"/>
           </a:p>
@@ -25466,7 +25466,7 @@
           <a:graphicData uri="http://schemas.openxmlformats.org/presentationml/2006/ole">
             <mc:AlternateContent xmlns:mc="http://schemas.openxmlformats.org/markup-compatibility/2006">
               <mc:Choice xmlns:v="urn:schemas-microsoft-com:vml" Requires="v">
-                <p:oleObj spid="_x0000_s28751" name="think-cell Slide" r:id="rId17" imgW="270" imgH="270" progId="TCLayout.ActiveDocument.1">
+                <p:oleObj spid="_x0000_s28755" name="think-cell Slide" r:id="rId17" imgW="270" imgH="270" progId="TCLayout.ActiveDocument.1">
                   <p:embed/>
                 </p:oleObj>
               </mc:Choice>
@@ -25603,7 +25603,7 @@
                 </a:solidFill>
               </a:rPr>
               <a:pPr/>
-              <a:t>21/11/2019</a:t>
+              <a:t>03/12/2019</a:t>
             </a:fld>
             <a:endParaRPr lang="en-GB" dirty="0">
               <a:solidFill>
@@ -27931,14 +27931,6 @@
                 </a:rPr>
                 <a:t>payments</a:t>
               </a:r>
-              <a:r>
-                <a:rPr lang="da-DK" sz="1100" b="1" dirty="0" smtClean="0">
-                  <a:solidFill>
-                    <a:schemeClr val="accent4"/>
-                  </a:solidFill>
-                </a:rPr>
-                <a:t>/reservation</a:t>
-              </a:r>
               <a:endParaRPr lang="en-GB" sz="1100" b="1" dirty="0">
                 <a:solidFill>
                   <a:schemeClr val="accent4"/>
@@ -28682,8 +28674,8 @@
           </p:nvSpPr>
           <p:spPr>
             <a:xfrm>
-              <a:off x="1060150" y="8922274"/>
-              <a:ext cx="3248562" cy="338554"/>
+              <a:off x="1062889" y="9112094"/>
+              <a:ext cx="3248562" cy="169277"/>
             </a:xfrm>
             <a:prstGeom prst="rect">
               <a:avLst/>
@@ -28738,12 +28730,12 @@
                 <a:t>}/</a:t>
               </a:r>
               <a:r>
-                <a:rPr lang="da-DK" sz="1100" b="1" dirty="0" err="1">
+                <a:rPr lang="da-DK" sz="1100" b="1" dirty="0" err="1" smtClean="0">
                   <a:solidFill>
                     <a:schemeClr val="accent4"/>
                   </a:solidFill>
                 </a:rPr>
-                <a:t>capturereservation</a:t>
+                <a:t>capture</a:t>
               </a:r>
               <a:endParaRPr lang="en-GB" sz="1100" b="1" dirty="0">
                 <a:solidFill>
@@ -29969,7 +29961,7 @@
               <a:t>POST /</a:t>
             </a:r>
             <a:r>
-              <a:rPr lang="da-DK" sz="1100" b="1" dirty="0" err="1">
+              <a:rPr lang="da-DK" sz="1100" b="1" dirty="0" err="1" smtClean="0">
                 <a:solidFill>
                   <a:schemeClr val="accent4"/>
                 </a:solidFill>
@@ -29977,15 +29969,15 @@
               <a:t>payments</a:t>
             </a:r>
             <a:r>
-              <a:rPr lang="da-DK" sz="1100" b="1" dirty="0">
+              <a:rPr lang="da-DK" sz="1100" b="1" dirty="0" smtClean="0">
                 <a:solidFill>
                   <a:schemeClr val="accent4"/>
                 </a:solidFill>
               </a:rPr>
-              <a:t>/reservation/</a:t>
-            </a:r>
-            <a:r>
-              <a:rPr lang="da-DK" sz="1100" b="1" dirty="0" err="1">
+              <a:t>/</a:t>
+            </a:r>
+            <a:r>
+              <a:rPr lang="da-DK" sz="1100" b="1" dirty="0" err="1" smtClean="0">
                 <a:solidFill>
                   <a:schemeClr val="accent4"/>
                 </a:solidFill>
@@ -31044,8 +31036,8 @@
         </p:nvSpPr>
         <p:spPr>
           <a:xfrm>
-            <a:off x="1060150" y="9596042"/>
-            <a:ext cx="3248562" cy="338554"/>
+            <a:off x="1062889" y="9769689"/>
+            <a:ext cx="3248562" cy="169277"/>
           </a:xfrm>
           <a:prstGeom prst="rect">
             <a:avLst/>
@@ -31100,12 +31092,12 @@
               <a:t>}/</a:t>
             </a:r>
             <a:r>
-              <a:rPr lang="da-DK" sz="1100" b="1" dirty="0" err="1">
+              <a:rPr lang="da-DK" sz="1100" b="1" dirty="0" err="1" smtClean="0">
                 <a:solidFill>
                   <a:schemeClr val="accent4"/>
                 </a:solidFill>
               </a:rPr>
-              <a:t>capturereservation</a:t>
+              <a:t>capture</a:t>
             </a:r>
             <a:endParaRPr lang="en-GB" sz="1100" b="1" dirty="0">
               <a:solidFill>
@@ -55310,20 +55302,12 @@
               <a:t>POST /</a:t>
             </a:r>
             <a:r>
-              <a:rPr lang="da-DK" sz="1100" b="1" dirty="0" err="1">
+              <a:rPr lang="da-DK" sz="1100" b="1" dirty="0" err="1" smtClean="0">
                 <a:solidFill>
                   <a:schemeClr val="accent4"/>
                 </a:solidFill>
               </a:rPr>
               <a:t>payments</a:t>
-            </a:r>
-            <a:r>
-              <a:rPr lang="da-DK" sz="1100" b="1" dirty="0">
-                <a:solidFill>
-                  <a:schemeClr val="accent4"/>
-                </a:solidFill>
-              </a:rPr>
-              <a:t>/reservation</a:t>
             </a:r>
             <a:endParaRPr lang="en-GB" sz="1100" b="1" dirty="0">
               <a:solidFill>
@@ -55812,8 +55796,8 @@
         </p:nvSpPr>
         <p:spPr>
           <a:xfrm>
-            <a:off x="1060150" y="6669959"/>
-            <a:ext cx="3248562" cy="338554"/>
+            <a:off x="1000133" y="6839029"/>
+            <a:ext cx="3248562" cy="169277"/>
           </a:xfrm>
           <a:prstGeom prst="rect">
             <a:avLst/>
@@ -55868,12 +55852,12 @@
               <a:t>}/</a:t>
             </a:r>
             <a:r>
-              <a:rPr lang="da-DK" sz="1100" b="1" dirty="0" err="1">
+              <a:rPr lang="da-DK" sz="1100" b="1" dirty="0" err="1" smtClean="0">
                 <a:solidFill>
                   <a:schemeClr val="accent4"/>
                 </a:solidFill>
               </a:rPr>
-              <a:t>capturereservation</a:t>
+              <a:t>capture</a:t>
             </a:r>
             <a:endParaRPr lang="en-GB" sz="1100" b="1" dirty="0">
               <a:solidFill>
